--- a/Presentation/Group5Presentation.pptx
+++ b/Presentation/Group5Presentation.pptx
@@ -23,24 +23,23 @@
     <p:sldId id="268" r:id="rId18"/>
     <p:sldId id="269" r:id="rId19"/>
     <p:sldId id="270" r:id="rId20"/>
-    <p:sldId id="271" r:id="rId21"/>
   </p:sldIdLst>
   <p:sldSz cy="5143500" cx="9144000"/>
   <p:notesSz cx="6858000" cy="9144000"/>
   <p:embeddedFontLst>
     <p:embeddedFont>
       <p:font typeface="Raleway"/>
-      <p:regular r:id="rId22"/>
-      <p:bold r:id="rId23"/>
-      <p:italic r:id="rId24"/>
-      <p:boldItalic r:id="rId25"/>
+      <p:regular r:id="rId21"/>
+      <p:bold r:id="rId22"/>
+      <p:italic r:id="rId23"/>
+      <p:boldItalic r:id="rId24"/>
     </p:embeddedFont>
     <p:embeddedFont>
       <p:font typeface="Lato"/>
-      <p:regular r:id="rId26"/>
-      <p:bold r:id="rId27"/>
-      <p:italic r:id="rId28"/>
-      <p:boldItalic r:id="rId29"/>
+      <p:regular r:id="rId25"/>
+      <p:bold r:id="rId26"/>
+      <p:italic r:id="rId27"/>
+      <p:boldItalic r:id="rId28"/>
     </p:embeddedFont>
   </p:embeddedFontLst>
   <p:defaultTextStyle>
@@ -821,7 +820,7 @@
   <p:cSld>
     <p:spTree>
       <p:nvGrpSpPr>
-        <p:cNvPr id="124" name="Shape 124"/>
+        <p:cNvPr id="122" name="Shape 122"/>
         <p:cNvGrpSpPr/>
         <p:nvPr/>
       </p:nvGrpSpPr>
@@ -835,7 +834,7 @@
       </p:grpSpPr>
       <p:sp>
         <p:nvSpPr>
-          <p:cNvPr id="125" name="Google Shape;125;gebcc5b2c4c_0_29:notes"/>
+          <p:cNvPr id="123" name="Google Shape;123;gebcc5b2c4c_0_46:notes"/>
           <p:cNvSpPr/>
           <p:nvPr>
             <p:ph idx="2" type="sldImg"/>
@@ -870,7 +869,7 @@
       </p:sp>
       <p:sp>
         <p:nvSpPr>
-          <p:cNvPr id="126" name="Google Shape;126;gebcc5b2c4c_0_29:notes"/>
+          <p:cNvPr id="124" name="Google Shape;124;gebcc5b2c4c_0_46:notes"/>
           <p:cNvSpPr txBox="1"/>
           <p:nvPr>
             <p:ph idx="1" type="body"/>
@@ -920,7 +919,7 @@
   <p:cSld>
     <p:spTree>
       <p:nvGrpSpPr>
-        <p:cNvPr id="130" name="Shape 130"/>
+        <p:cNvPr id="128" name="Shape 128"/>
         <p:cNvGrpSpPr/>
         <p:nvPr/>
       </p:nvGrpSpPr>
@@ -934,7 +933,7 @@
       </p:grpSpPr>
       <p:sp>
         <p:nvSpPr>
-          <p:cNvPr id="131" name="Google Shape;131;gebcc5b2c4c_0_46:notes"/>
+          <p:cNvPr id="129" name="Google Shape;129;gebcc5b2c4c_0_51:notes"/>
           <p:cNvSpPr/>
           <p:nvPr>
             <p:ph idx="2" type="sldImg"/>
@@ -969,7 +968,7 @@
       </p:sp>
       <p:sp>
         <p:nvSpPr>
-          <p:cNvPr id="132" name="Google Shape;132;gebcc5b2c4c_0_46:notes"/>
+          <p:cNvPr id="130" name="Google Shape;130;gebcc5b2c4c_0_51:notes"/>
           <p:cNvSpPr txBox="1"/>
           <p:nvPr>
             <p:ph idx="1" type="body"/>
@@ -1019,7 +1018,7 @@
   <p:cSld>
     <p:spTree>
       <p:nvGrpSpPr>
-        <p:cNvPr id="136" name="Shape 136"/>
+        <p:cNvPr id="134" name="Shape 134"/>
         <p:cNvGrpSpPr/>
         <p:nvPr/>
       </p:nvGrpSpPr>
@@ -1033,7 +1032,7 @@
       </p:grpSpPr>
       <p:sp>
         <p:nvSpPr>
-          <p:cNvPr id="137" name="Google Shape;137;gebcc5b2c4c_0_51:notes"/>
+          <p:cNvPr id="135" name="Google Shape;135;gc6fa3c898_0_28:notes"/>
           <p:cNvSpPr/>
           <p:nvPr>
             <p:ph idx="2" type="sldImg"/>
@@ -1068,7 +1067,7 @@
       </p:sp>
       <p:sp>
         <p:nvSpPr>
-          <p:cNvPr id="138" name="Google Shape;138;gebcc5b2c4c_0_51:notes"/>
+          <p:cNvPr id="136" name="Google Shape;136;gc6fa3c898_0_28:notes"/>
           <p:cNvSpPr txBox="1"/>
           <p:nvPr>
             <p:ph idx="1" type="body"/>
@@ -1118,7 +1117,7 @@
   <p:cSld>
     <p:spTree>
       <p:nvGrpSpPr>
-        <p:cNvPr id="142" name="Shape 142"/>
+        <p:cNvPr id="139" name="Shape 139"/>
         <p:cNvGrpSpPr/>
         <p:nvPr/>
       </p:nvGrpSpPr>
@@ -1132,7 +1131,7 @@
       </p:grpSpPr>
       <p:sp>
         <p:nvSpPr>
-          <p:cNvPr id="143" name="Google Shape;143;gc6fa3c898_0_28:notes"/>
+          <p:cNvPr id="140" name="Google Shape;140;gc6fa3c898_0_32:notes"/>
           <p:cNvSpPr/>
           <p:nvPr>
             <p:ph idx="2" type="sldImg"/>
@@ -1167,7 +1166,7 @@
       </p:sp>
       <p:sp>
         <p:nvSpPr>
-          <p:cNvPr id="144" name="Google Shape;144;gc6fa3c898_0_28:notes"/>
+          <p:cNvPr id="141" name="Google Shape;141;gc6fa3c898_0_32:notes"/>
           <p:cNvSpPr txBox="1"/>
           <p:nvPr>
             <p:ph idx="1" type="body"/>
@@ -1217,7 +1216,7 @@
   <p:cSld>
     <p:spTree>
       <p:nvGrpSpPr>
-        <p:cNvPr id="147" name="Shape 147"/>
+        <p:cNvPr id="173" name="Shape 173"/>
         <p:cNvGrpSpPr/>
         <p:nvPr/>
       </p:nvGrpSpPr>
@@ -1231,7 +1230,7 @@
       </p:grpSpPr>
       <p:sp>
         <p:nvSpPr>
-          <p:cNvPr id="148" name="Google Shape;148;gc6fa3c898_0_32:notes"/>
+          <p:cNvPr id="174" name="Google Shape;174;gc6fa3c898_0_65:notes"/>
           <p:cNvSpPr/>
           <p:nvPr>
             <p:ph idx="2" type="sldImg"/>
@@ -1266,7 +1265,7 @@
       </p:sp>
       <p:sp>
         <p:nvSpPr>
-          <p:cNvPr id="149" name="Google Shape;149;gc6fa3c898_0_32:notes"/>
+          <p:cNvPr id="175" name="Google Shape;175;gc6fa3c898_0_65:notes"/>
           <p:cNvSpPr txBox="1"/>
           <p:nvPr>
             <p:ph idx="1" type="body"/>
@@ -1316,7 +1315,7 @@
   <p:cSld>
     <p:spTree>
       <p:nvGrpSpPr>
-        <p:cNvPr id="181" name="Shape 181"/>
+        <p:cNvPr id="179" name="Shape 179"/>
         <p:cNvGrpSpPr/>
         <p:nvPr/>
       </p:nvGrpSpPr>
@@ -1330,7 +1329,7 @@
       </p:grpSpPr>
       <p:sp>
         <p:nvSpPr>
-          <p:cNvPr id="182" name="Google Shape;182;gc6fa3c898_0_65:notes"/>
+          <p:cNvPr id="180" name="Google Shape;180;gc6fa3c898_0_70:notes"/>
           <p:cNvSpPr/>
           <p:nvPr>
             <p:ph idx="2" type="sldImg"/>
@@ -1365,106 +1364,7 @@
       </p:sp>
       <p:sp>
         <p:nvSpPr>
-          <p:cNvPr id="183" name="Google Shape;183;gc6fa3c898_0_65:notes"/>
-          <p:cNvSpPr txBox="1"/>
-          <p:nvPr>
-            <p:ph idx="1" type="body"/>
-          </p:nvPr>
-        </p:nvSpPr>
-        <p:spPr>
-          <a:xfrm>
-            <a:off x="685800" y="4343400"/>
-            <a:ext cx="5486400" cy="4114800"/>
-          </a:xfrm>
-          <a:prstGeom prst="rect">
-            <a:avLst/>
-          </a:prstGeom>
-        </p:spPr>
-        <p:txBody>
-          <a:bodyPr anchorCtr="0" anchor="t" bIns="91425" lIns="91425" spcFirstLastPara="1" rIns="91425" wrap="square" tIns="91425">
-            <a:noAutofit/>
-          </a:bodyPr>
-          <a:lstStyle/>
-          <a:p>
-            <a:pPr indent="0" lvl="0" marL="0" rtl="0" algn="l">
-              <a:spcBef>
-                <a:spcPts val="0"/>
-              </a:spcBef>
-              <a:spcAft>
-                <a:spcPts val="0"/>
-              </a:spcAft>
-              <a:buNone/>
-            </a:pPr>
-            <a:r>
-              <a:t/>
-            </a:r>
-            <a:endParaRPr/>
-          </a:p>
-        </p:txBody>
-      </p:sp>
-    </p:spTree>
-  </p:cSld>
-  <p:clrMapOvr>
-    <a:masterClrMapping/>
-  </p:clrMapOvr>
-</p:notes>
-</file>
-
-<file path=ppt/notesSlides/notesSlide16.xml><?xml version="1.0" encoding="utf-8"?>
-<p:notes xmlns:a="http://schemas.openxmlformats.org/drawingml/2006/main" xmlns:r="http://schemas.openxmlformats.org/officeDocument/2006/relationships" xmlns:mc="http://schemas.openxmlformats.org/markup-compatibility/2006" xmlns:mv="urn:schemas-microsoft-com:mac:vml" xmlns:p="http://schemas.openxmlformats.org/presentationml/2006/main" xmlns:c="http://schemas.openxmlformats.org/drawingml/2006/chart" xmlns:dgm="http://schemas.openxmlformats.org/drawingml/2006/diagram" xmlns:o="urn:schemas-microsoft-com:office:office" xmlns:v="urn:schemas-microsoft-com:vml" xmlns:pvml="urn:schemas-microsoft-com:office:powerpoint" xmlns:com="http://schemas.openxmlformats.org/drawingml/2006/compatibility" xmlns:p14="http://schemas.microsoft.com/office/powerpoint/2010/main" xmlns:p15="http://schemas.microsoft.com/office/powerpoint/2012/main" xmlns:ahyp="http://schemas.microsoft.com/office/drawing/2018/hyperlinkcolor" showMasterPhAnim="0" showMasterSp="0">
-  <p:cSld>
-    <p:spTree>
-      <p:nvGrpSpPr>
-        <p:cNvPr id="187" name="Shape 187"/>
-        <p:cNvGrpSpPr/>
-        <p:nvPr/>
-      </p:nvGrpSpPr>
-      <p:grpSpPr>
-        <a:xfrm>
-          <a:off x="0" y="0"/>
-          <a:ext cx="0" cy="0"/>
-          <a:chOff x="0" y="0"/>
-          <a:chExt cx="0" cy="0"/>
-        </a:xfrm>
-      </p:grpSpPr>
-      <p:sp>
-        <p:nvSpPr>
-          <p:cNvPr id="188" name="Google Shape;188;gc6fa3c898_0_70:notes"/>
-          <p:cNvSpPr/>
-          <p:nvPr>
-            <p:ph idx="2" type="sldImg"/>
-          </p:nvPr>
-        </p:nvSpPr>
-        <p:spPr>
-          <a:xfrm>
-            <a:off x="381188" y="685800"/>
-            <a:ext cx="6096300" cy="3429000"/>
-          </a:xfrm>
-          <a:custGeom>
-            <a:rect b="b" l="l" r="r" t="t"/>
-            <a:pathLst>
-              <a:path extrusionOk="0" h="120000" w="120000">
-                <a:moveTo>
-                  <a:pt x="0" y="0"/>
-                </a:moveTo>
-                <a:lnTo>
-                  <a:pt x="120000" y="0"/>
-                </a:lnTo>
-                <a:lnTo>
-                  <a:pt x="120000" y="120000"/>
-                </a:lnTo>
-                <a:lnTo>
-                  <a:pt x="0" y="120000"/>
-                </a:lnTo>
-                <a:close/>
-              </a:path>
-            </a:pathLst>
-          </a:custGeom>
-        </p:spPr>
-      </p:sp>
-      <p:sp>
-        <p:nvSpPr>
-          <p:cNvPr id="189" name="Google Shape;189;gc6fa3c898_0_70:notes"/>
+          <p:cNvPr id="181" name="Google Shape;181;gc6fa3c898_0_70:notes"/>
           <p:cNvSpPr txBox="1"/>
           <p:nvPr>
             <p:ph idx="1" type="body"/>
@@ -1811,7 +1711,7 @@
   <p:cSld>
     <p:spTree>
       <p:nvGrpSpPr>
-        <p:cNvPr id="93" name="Shape 93"/>
+        <p:cNvPr id="92" name="Shape 92"/>
         <p:cNvGrpSpPr/>
         <p:nvPr/>
       </p:nvGrpSpPr>
@@ -1825,7 +1725,7 @@
       </p:grpSpPr>
       <p:sp>
         <p:nvSpPr>
-          <p:cNvPr id="94" name="Google Shape;94;gc6fa3c898_0_22:notes"/>
+          <p:cNvPr id="93" name="Google Shape;93;gebcc5b2c4c_0_6:notes"/>
           <p:cNvSpPr/>
           <p:nvPr>
             <p:ph idx="2" type="sldImg"/>
@@ -1860,7 +1760,7 @@
       </p:sp>
       <p:sp>
         <p:nvSpPr>
-          <p:cNvPr id="95" name="Google Shape;95;gc6fa3c898_0_22:notes"/>
+          <p:cNvPr id="94" name="Google Shape;94;gebcc5b2c4c_0_6:notes"/>
           <p:cNvSpPr txBox="1"/>
           <p:nvPr>
             <p:ph idx="1" type="body"/>
@@ -1910,7 +1810,7 @@
   <p:cSld>
     <p:spTree>
       <p:nvGrpSpPr>
-        <p:cNvPr id="100" name="Shape 100"/>
+        <p:cNvPr id="97" name="Shape 97"/>
         <p:cNvGrpSpPr/>
         <p:nvPr/>
       </p:nvGrpSpPr>
@@ -1924,7 +1824,7 @@
       </p:grpSpPr>
       <p:sp>
         <p:nvSpPr>
-          <p:cNvPr id="101" name="Google Shape;101;gebcc5b2c4c_0_6:notes"/>
+          <p:cNvPr id="98" name="Google Shape;98;gebcc5b2c4c_0_0:notes"/>
           <p:cNvSpPr/>
           <p:nvPr>
             <p:ph idx="2" type="sldImg"/>
@@ -1959,7 +1859,7 @@
       </p:sp>
       <p:sp>
         <p:nvSpPr>
-          <p:cNvPr id="102" name="Google Shape;102;gebcc5b2c4c_0_6:notes"/>
+          <p:cNvPr id="99" name="Google Shape;99;gebcc5b2c4c_0_0:notes"/>
           <p:cNvSpPr txBox="1"/>
           <p:nvPr>
             <p:ph idx="1" type="body"/>
@@ -2009,7 +1909,7 @@
   <p:cSld>
     <p:spTree>
       <p:nvGrpSpPr>
-        <p:cNvPr id="105" name="Shape 105"/>
+        <p:cNvPr id="104" name="Shape 104"/>
         <p:cNvGrpSpPr/>
         <p:nvPr/>
       </p:nvGrpSpPr>
@@ -2023,7 +1923,7 @@
       </p:grpSpPr>
       <p:sp>
         <p:nvSpPr>
-          <p:cNvPr id="106" name="Google Shape;106;gebcc5b2c4c_0_0:notes"/>
+          <p:cNvPr id="105" name="Google Shape;105;gebcc5b2c4c_0_14:notes"/>
           <p:cNvSpPr/>
           <p:nvPr>
             <p:ph idx="2" type="sldImg"/>
@@ -2058,7 +1958,7 @@
       </p:sp>
       <p:sp>
         <p:nvSpPr>
-          <p:cNvPr id="107" name="Google Shape;107;gebcc5b2c4c_0_0:notes"/>
+          <p:cNvPr id="106" name="Google Shape;106;gebcc5b2c4c_0_14:notes"/>
           <p:cNvSpPr txBox="1"/>
           <p:nvPr>
             <p:ph idx="1" type="body"/>
@@ -2108,7 +2008,7 @@
   <p:cSld>
     <p:spTree>
       <p:nvGrpSpPr>
-        <p:cNvPr id="112" name="Shape 112"/>
+        <p:cNvPr id="110" name="Shape 110"/>
         <p:cNvGrpSpPr/>
         <p:nvPr/>
       </p:nvGrpSpPr>
@@ -2122,7 +2022,7 @@
       </p:grpSpPr>
       <p:sp>
         <p:nvSpPr>
-          <p:cNvPr id="113" name="Google Shape;113;gebcc5b2c4c_0_14:notes"/>
+          <p:cNvPr id="111" name="Google Shape;111;gebcc5b2c4c_0_23:notes"/>
           <p:cNvSpPr/>
           <p:nvPr>
             <p:ph idx="2" type="sldImg"/>
@@ -2157,7 +2057,7 @@
       </p:sp>
       <p:sp>
         <p:nvSpPr>
-          <p:cNvPr id="114" name="Google Shape;114;gebcc5b2c4c_0_14:notes"/>
+          <p:cNvPr id="112" name="Google Shape;112;gebcc5b2c4c_0_23:notes"/>
           <p:cNvSpPr txBox="1"/>
           <p:nvPr>
             <p:ph idx="1" type="body"/>
@@ -2207,7 +2107,7 @@
   <p:cSld>
     <p:spTree>
       <p:nvGrpSpPr>
-        <p:cNvPr id="118" name="Shape 118"/>
+        <p:cNvPr id="116" name="Shape 116"/>
         <p:cNvGrpSpPr/>
         <p:nvPr/>
       </p:nvGrpSpPr>
@@ -2221,7 +2121,7 @@
       </p:grpSpPr>
       <p:sp>
         <p:nvSpPr>
-          <p:cNvPr id="119" name="Google Shape;119;gebcc5b2c4c_0_23:notes"/>
+          <p:cNvPr id="117" name="Google Shape;117;gebcc5b2c4c_0_29:notes"/>
           <p:cNvSpPr/>
           <p:nvPr>
             <p:ph idx="2" type="sldImg"/>
@@ -2256,7 +2156,7 @@
       </p:sp>
       <p:sp>
         <p:nvSpPr>
-          <p:cNvPr id="120" name="Google Shape;120;gebcc5b2c4c_0_23:notes"/>
+          <p:cNvPr id="118" name="Google Shape;118;gebcc5b2c4c_0_29:notes"/>
           <p:cNvSpPr txBox="1"/>
           <p:nvPr>
             <p:ph idx="1" type="body"/>
@@ -8408,7 +8308,7 @@
   <p:cSld>
     <p:spTree>
       <p:nvGrpSpPr>
-        <p:cNvPr id="127" name="Shape 127"/>
+        <p:cNvPr id="125" name="Shape 125"/>
         <p:cNvGrpSpPr/>
         <p:nvPr/>
       </p:nvGrpSpPr>
@@ -8422,136 +8322,7 @@
       </p:grpSpPr>
       <p:sp>
         <p:nvSpPr>
-          <p:cNvPr id="128" name="Google Shape;128;p22"/>
-          <p:cNvSpPr txBox="1"/>
-          <p:nvPr>
-            <p:ph type="title"/>
-          </p:nvPr>
-        </p:nvSpPr>
-        <p:spPr>
-          <a:xfrm>
-            <a:off x="2516550" y="575950"/>
-            <a:ext cx="6205500" cy="635400"/>
-          </a:xfrm>
-          <a:prstGeom prst="rect">
-            <a:avLst/>
-          </a:prstGeom>
-        </p:spPr>
-        <p:txBody>
-          <a:bodyPr anchorCtr="0" anchor="t" bIns="91425" lIns="91425" spcFirstLastPara="1" rIns="91425" wrap="square" tIns="91425">
-            <a:noAutofit/>
-          </a:bodyPr>
-          <a:lstStyle/>
-          <a:p>
-            <a:pPr indent="0" lvl="0" marL="0" rtl="0" algn="l">
-              <a:spcBef>
-                <a:spcPts val="0"/>
-              </a:spcBef>
-              <a:spcAft>
-                <a:spcPts val="0"/>
-              </a:spcAft>
-              <a:buNone/>
-            </a:pPr>
-            <a:r>
-              <a:rPr lang="en"/>
-              <a:t>Analysis (continued)</a:t>
-            </a:r>
-            <a:endParaRPr/>
-          </a:p>
-        </p:txBody>
-      </p:sp>
-      <p:sp>
-        <p:nvSpPr>
-          <p:cNvPr id="129" name="Google Shape;129;p22"/>
-          <p:cNvSpPr txBox="1"/>
-          <p:nvPr>
-            <p:ph idx="2" type="body"/>
-          </p:nvPr>
-        </p:nvSpPr>
-        <p:spPr>
-          <a:xfrm>
-            <a:off x="2516500" y="1361175"/>
-            <a:ext cx="6205500" cy="3243900"/>
-          </a:xfrm>
-          <a:prstGeom prst="rect">
-            <a:avLst/>
-          </a:prstGeom>
-        </p:spPr>
-        <p:txBody>
-          <a:bodyPr anchorCtr="0" anchor="t" bIns="91425" lIns="91425" spcFirstLastPara="1" rIns="91425" wrap="square" tIns="91425">
-            <a:noAutofit/>
-          </a:bodyPr>
-          <a:lstStyle/>
-          <a:p>
-            <a:pPr indent="0" lvl="0" marL="0" rtl="0" algn="l">
-              <a:spcBef>
-                <a:spcPts val="0"/>
-              </a:spcBef>
-              <a:spcAft>
-                <a:spcPts val="0"/>
-              </a:spcAft>
-              <a:buNone/>
-            </a:pPr>
-            <a:r>
-              <a:rPr b="1" lang="en" sz="2000">
-                <a:solidFill>
-                  <a:schemeClr val="accent3"/>
-                </a:solidFill>
-              </a:rPr>
-              <a:t>How do we add interactive elements to our dashboard?</a:t>
-            </a:r>
-            <a:endParaRPr b="1" sz="2000">
-              <a:solidFill>
-                <a:schemeClr val="accent3"/>
-              </a:solidFill>
-            </a:endParaRPr>
-          </a:p>
-          <a:p>
-            <a:pPr indent="0" lvl="0" marL="0" rtl="0" algn="l">
-              <a:spcBef>
-                <a:spcPts val="1600"/>
-              </a:spcBef>
-              <a:spcAft>
-                <a:spcPts val="1200"/>
-              </a:spcAft>
-              <a:buNone/>
-            </a:pPr>
-            <a:r>
-              <a:rPr lang="en" sz="1500"/>
-              <a:t>We are going to include election year data from 2001 to 2021.  As of now, we have made a few visualizations for the 2017 election year.  Also, we have only worked with the individual contributions for that year.  This coming week, we are going to focus on adding data sources for the remaining years as well.  Beyond that, we will include committee contributions, expenditure data, as well as total votes received by the top two candidates to derive a full picture.</a:t>
-            </a:r>
-            <a:endParaRPr sz="1700"/>
-          </a:p>
-        </p:txBody>
-      </p:sp>
-    </p:spTree>
-  </p:cSld>
-  <p:clrMapOvr>
-    <a:masterClrMapping/>
-  </p:clrMapOvr>
-</p:sld>
-</file>
-
-<file path=ppt/slides/slide11.xml><?xml version="1.0" encoding="utf-8"?>
-<p:sld xmlns:a="http://schemas.openxmlformats.org/drawingml/2006/main" xmlns:r="http://schemas.openxmlformats.org/officeDocument/2006/relationships" xmlns:mc="http://schemas.openxmlformats.org/markup-compatibility/2006" xmlns:mv="urn:schemas-microsoft-com:mac:vml" xmlns:p="http://schemas.openxmlformats.org/presentationml/2006/main" xmlns:c="http://schemas.openxmlformats.org/drawingml/2006/chart" xmlns:dgm="http://schemas.openxmlformats.org/drawingml/2006/diagram" xmlns:o="urn:schemas-microsoft-com:office:office" xmlns:v="urn:schemas-microsoft-com:vml" xmlns:pvml="urn:schemas-microsoft-com:office:powerpoint" xmlns:com="http://schemas.openxmlformats.org/drawingml/2006/compatibility" xmlns:p14="http://schemas.microsoft.com/office/powerpoint/2010/main" xmlns:p15="http://schemas.microsoft.com/office/powerpoint/2012/main" xmlns:ahyp="http://schemas.microsoft.com/office/drawing/2018/hyperlinkcolor">
-  <p:cSld>
-    <p:spTree>
-      <p:nvGrpSpPr>
-        <p:cNvPr id="133" name="Shape 133"/>
-        <p:cNvGrpSpPr/>
-        <p:nvPr/>
-      </p:nvGrpSpPr>
-      <p:grpSpPr>
-        <a:xfrm>
-          <a:off x="0" y="0"/>
-          <a:ext cx="0" cy="0"/>
-          <a:chOff x="0" y="0"/>
-          <a:chExt cx="0" cy="0"/>
-        </a:xfrm>
-      </p:grpSpPr>
-      <p:sp>
-        <p:nvSpPr>
-          <p:cNvPr id="134" name="Google Shape;134;p23"/>
+          <p:cNvPr id="126" name="Google Shape;126;p22"/>
           <p:cNvSpPr txBox="1"/>
           <p:nvPr>
             <p:ph type="title"/>
@@ -8591,7 +8362,7 @@
       </p:sp>
       <p:sp>
         <p:nvSpPr>
-          <p:cNvPr id="135" name="Google Shape;135;p23"/>
+          <p:cNvPr id="127" name="Google Shape;127;p22"/>
           <p:cNvSpPr txBox="1"/>
           <p:nvPr>
             <p:ph idx="2" type="body"/>
@@ -8612,14 +8383,15 @@
           </a:bodyPr>
           <a:lstStyle/>
           <a:p>
-            <a:pPr indent="0" lvl="0" marL="0" rtl="0" algn="l">
-              <a:spcBef>
-                <a:spcPts val="0"/>
-              </a:spcBef>
-              <a:spcAft>
-                <a:spcPts val="0"/>
-              </a:spcAft>
-              <a:buNone/>
+            <a:pPr indent="-323850" lvl="0" marL="457200" rtl="0" algn="l">
+              <a:spcBef>
+                <a:spcPts val="0"/>
+              </a:spcBef>
+              <a:spcAft>
+                <a:spcPts val="0"/>
+              </a:spcAft>
+              <a:buSzPts val="1500"/>
+              <a:buChar char="●"/>
             </a:pPr>
             <a:r>
               <a:rPr lang="en" sz="1500"/>
@@ -8628,14 +8400,15 @@
             <a:endParaRPr sz="1500"/>
           </a:p>
           <a:p>
-            <a:pPr indent="0" lvl="0" marL="0" rtl="0" algn="l">
-              <a:spcBef>
-                <a:spcPts val="1600"/>
-              </a:spcBef>
-              <a:spcAft>
-                <a:spcPts val="0"/>
-              </a:spcAft>
-              <a:buNone/>
+            <a:pPr indent="-323850" lvl="0" marL="457200" rtl="0" algn="l">
+              <a:spcBef>
+                <a:spcPts val="0"/>
+              </a:spcBef>
+              <a:spcAft>
+                <a:spcPts val="0"/>
+              </a:spcAft>
+              <a:buSzPts val="1500"/>
+              <a:buChar char="●"/>
             </a:pPr>
             <a:r>
               <a:rPr lang="en" sz="1500"/>
@@ -8644,14 +8417,15 @@
             <a:endParaRPr sz="1500"/>
           </a:p>
           <a:p>
-            <a:pPr indent="0" lvl="0" marL="0" rtl="0" algn="l">
-              <a:spcBef>
-                <a:spcPts val="1200"/>
-              </a:spcBef>
-              <a:spcAft>
-                <a:spcPts val="0"/>
-              </a:spcAft>
-              <a:buNone/>
+            <a:pPr indent="-323850" lvl="0" marL="457200" rtl="0" algn="l">
+              <a:spcBef>
+                <a:spcPts val="0"/>
+              </a:spcBef>
+              <a:spcAft>
+                <a:spcPts val="0"/>
+              </a:spcAft>
+              <a:buSzPts val="1500"/>
+              <a:buChar char="●"/>
             </a:pPr>
             <a:r>
               <a:rPr lang="en" sz="1500"/>
@@ -8660,14 +8434,15 @@
             <a:endParaRPr sz="1500"/>
           </a:p>
           <a:p>
-            <a:pPr indent="0" lvl="0" marL="0" rtl="0" algn="l">
-              <a:spcBef>
-                <a:spcPts val="1200"/>
-              </a:spcBef>
-              <a:spcAft>
-                <a:spcPts val="1200"/>
-              </a:spcAft>
-              <a:buNone/>
+            <a:pPr indent="-323850" lvl="0" marL="457200" rtl="0" algn="l">
+              <a:spcBef>
+                <a:spcPts val="0"/>
+              </a:spcBef>
+              <a:spcAft>
+                <a:spcPts val="0"/>
+              </a:spcAft>
+              <a:buSzPts val="1500"/>
+              <a:buChar char="●"/>
             </a:pPr>
             <a:r>
               <a:rPr lang="en" sz="1500"/>
@@ -8685,12 +8460,12 @@
 </p:sld>
 </file>
 
-<file path=ppt/slides/slide12.xml><?xml version="1.0" encoding="utf-8"?>
+<file path=ppt/slides/slide11.xml><?xml version="1.0" encoding="utf-8"?>
 <p:sld xmlns:a="http://schemas.openxmlformats.org/drawingml/2006/main" xmlns:r="http://schemas.openxmlformats.org/officeDocument/2006/relationships" xmlns:mc="http://schemas.openxmlformats.org/markup-compatibility/2006" xmlns:mv="urn:schemas-microsoft-com:mac:vml" xmlns:p="http://schemas.openxmlformats.org/presentationml/2006/main" xmlns:c="http://schemas.openxmlformats.org/drawingml/2006/chart" xmlns:dgm="http://schemas.openxmlformats.org/drawingml/2006/diagram" xmlns:o="urn:schemas-microsoft-com:office:office" xmlns:v="urn:schemas-microsoft-com:vml" xmlns:pvml="urn:schemas-microsoft-com:office:powerpoint" xmlns:com="http://schemas.openxmlformats.org/drawingml/2006/compatibility" xmlns:p14="http://schemas.microsoft.com/office/powerpoint/2010/main" xmlns:p15="http://schemas.microsoft.com/office/powerpoint/2012/main" xmlns:ahyp="http://schemas.microsoft.com/office/drawing/2018/hyperlinkcolor">
   <p:cSld>
     <p:spTree>
       <p:nvGrpSpPr>
-        <p:cNvPr id="139" name="Shape 139"/>
+        <p:cNvPr id="131" name="Shape 131"/>
         <p:cNvGrpSpPr/>
         <p:nvPr/>
       </p:nvGrpSpPr>
@@ -8704,7 +8479,7 @@
       </p:grpSpPr>
       <p:sp>
         <p:nvSpPr>
-          <p:cNvPr id="140" name="Google Shape;140;p24"/>
+          <p:cNvPr id="132" name="Google Shape;132;p23"/>
           <p:cNvSpPr txBox="1"/>
           <p:nvPr>
             <p:ph type="title"/>
@@ -8744,7 +8519,7 @@
       </p:sp>
       <p:sp>
         <p:nvSpPr>
-          <p:cNvPr id="141" name="Google Shape;141;p24"/>
+          <p:cNvPr id="133" name="Google Shape;133;p23"/>
           <p:cNvSpPr txBox="1"/>
           <p:nvPr>
             <p:ph idx="2" type="body"/>
@@ -8765,14 +8540,15 @@
           </a:bodyPr>
           <a:lstStyle/>
           <a:p>
-            <a:pPr indent="0" lvl="0" marL="0" rtl="0" algn="l">
-              <a:spcBef>
-                <a:spcPts val="0"/>
-              </a:spcBef>
-              <a:spcAft>
-                <a:spcPts val="1200"/>
-              </a:spcAft>
-              <a:buNone/>
+            <a:pPr indent="-323850" lvl="0" marL="457200" rtl="0" algn="l">
+              <a:spcBef>
+                <a:spcPts val="0"/>
+              </a:spcBef>
+              <a:spcAft>
+                <a:spcPts val="0"/>
+              </a:spcAft>
+              <a:buSzPts val="1500"/>
+              <a:buChar char="●"/>
             </a:pPr>
             <a:r>
               <a:rPr lang="en" sz="1500"/>
@@ -8790,7 +8566,7 @@
 </p:sld>
 </file>
 
-<file path=ppt/slides/slide13.xml><?xml version="1.0" encoding="utf-8"?>
+<file path=ppt/slides/slide12.xml><?xml version="1.0" encoding="utf-8"?>
 <p:sld xmlns:a="http://schemas.openxmlformats.org/drawingml/2006/main" xmlns:r="http://schemas.openxmlformats.org/officeDocument/2006/relationships" xmlns:mc="http://schemas.openxmlformats.org/markup-compatibility/2006" xmlns:mv="urn:schemas-microsoft-com:mac:vml" xmlns:p="http://schemas.openxmlformats.org/presentationml/2006/main" xmlns:c="http://schemas.openxmlformats.org/drawingml/2006/chart" xmlns:dgm="http://schemas.openxmlformats.org/drawingml/2006/diagram" xmlns:o="urn:schemas-microsoft-com:office:office" xmlns:v="urn:schemas-microsoft-com:vml" xmlns:pvml="urn:schemas-microsoft-com:office:powerpoint" xmlns:com="http://schemas.openxmlformats.org/drawingml/2006/compatibility" xmlns:p14="http://schemas.microsoft.com/office/powerpoint/2010/main" xmlns:p15="http://schemas.microsoft.com/office/powerpoint/2012/main" xmlns:ahyp="http://schemas.microsoft.com/office/drawing/2018/hyperlinkcolor">
   <p:cSld>
     <p:bg>
@@ -8802,7 +8578,7 @@
     </p:bg>
     <p:spTree>
       <p:nvGrpSpPr>
-        <p:cNvPr id="145" name="Shape 145"/>
+        <p:cNvPr id="137" name="Shape 137"/>
         <p:cNvGrpSpPr/>
         <p:nvPr/>
       </p:nvGrpSpPr>
@@ -8816,7 +8592,7 @@
       </p:grpSpPr>
       <p:sp>
         <p:nvSpPr>
-          <p:cNvPr id="146" name="Google Shape;146;p25"/>
+          <p:cNvPr id="138" name="Google Shape;138;p24"/>
           <p:cNvSpPr txBox="1"/>
           <p:nvPr>
             <p:ph type="title"/>
@@ -8862,12 +8638,12 @@
 </p:sld>
 </file>
 
-<file path=ppt/slides/slide14.xml><?xml version="1.0" encoding="utf-8"?>
+<file path=ppt/slides/slide13.xml><?xml version="1.0" encoding="utf-8"?>
 <p:sld xmlns:a="http://schemas.openxmlformats.org/drawingml/2006/main" xmlns:r="http://schemas.openxmlformats.org/officeDocument/2006/relationships" xmlns:mc="http://schemas.openxmlformats.org/markup-compatibility/2006" xmlns:mv="urn:schemas-microsoft-com:mac:vml" xmlns:p="http://schemas.openxmlformats.org/presentationml/2006/main" xmlns:c="http://schemas.openxmlformats.org/drawingml/2006/chart" xmlns:dgm="http://schemas.openxmlformats.org/drawingml/2006/diagram" xmlns:o="urn:schemas-microsoft-com:office:office" xmlns:v="urn:schemas-microsoft-com:vml" xmlns:pvml="urn:schemas-microsoft-com:office:powerpoint" xmlns:com="http://schemas.openxmlformats.org/drawingml/2006/compatibility" xmlns:p14="http://schemas.microsoft.com/office/powerpoint/2010/main" xmlns:p15="http://schemas.microsoft.com/office/powerpoint/2012/main" xmlns:ahyp="http://schemas.microsoft.com/office/drawing/2018/hyperlinkcolor">
   <p:cSld>
     <p:spTree>
       <p:nvGrpSpPr>
-        <p:cNvPr id="150" name="Shape 150"/>
+        <p:cNvPr id="142" name="Shape 142"/>
         <p:cNvGrpSpPr/>
         <p:nvPr/>
       </p:nvGrpSpPr>
@@ -8881,7 +8657,7 @@
       </p:grpSpPr>
       <p:sp>
         <p:nvSpPr>
-          <p:cNvPr descr="Background pointer shape in timeline graphic" id="151" name="Google Shape;151;p26"/>
+          <p:cNvPr descr="Background pointer shape in timeline graphic" id="143" name="Google Shape;143;p25"/>
           <p:cNvSpPr/>
           <p:nvPr/>
         </p:nvSpPr>
@@ -8932,7 +8708,7 @@
       </p:sp>
       <p:sp>
         <p:nvSpPr>
-          <p:cNvPr id="152" name="Google Shape;152;p26"/>
+          <p:cNvPr id="144" name="Google Shape;144;p25"/>
           <p:cNvSpPr txBox="1"/>
           <p:nvPr>
             <p:ph idx="4294967295" type="body"/>
@@ -8983,7 +8759,7 @@
       </p:sp>
       <p:grpSp>
         <p:nvGrpSpPr>
-          <p:cNvPr id="153" name="Google Shape;153;p26"/>
+          <p:cNvPr id="145" name="Google Shape;145;p25"/>
           <p:cNvGrpSpPr/>
           <p:nvPr/>
         </p:nvGrpSpPr>
@@ -8997,7 +8773,7 @@
         </p:grpSpPr>
         <p:cxnSp>
           <p:nvCxnSpPr>
-            <p:cNvPr id="154" name="Google Shape;154;p26"/>
+            <p:cNvPr id="146" name="Google Shape;146;p25"/>
             <p:cNvCxnSpPr/>
             <p:nvPr/>
           </p:nvCxnSpPr>
@@ -9023,7 +8799,7 @@
         </p:cxnSp>
         <p:sp>
           <p:nvSpPr>
-            <p:cNvPr id="155" name="Google Shape;155;p26"/>
+            <p:cNvPr id="147" name="Google Shape;147;p25"/>
             <p:cNvSpPr/>
             <p:nvPr/>
           </p:nvSpPr>
@@ -9067,7 +8843,7 @@
       </p:grpSp>
       <p:sp>
         <p:nvSpPr>
-          <p:cNvPr id="156" name="Google Shape;156;p26"/>
+          <p:cNvPr id="148" name="Google Shape;148;p25"/>
           <p:cNvSpPr txBox="1"/>
           <p:nvPr>
             <p:ph idx="4294967295" type="body"/>
@@ -9107,7 +8883,7 @@
       </p:sp>
       <p:sp>
         <p:nvSpPr>
-          <p:cNvPr descr="Background pointer shape in timeline graphic" id="157" name="Google Shape;157;p26"/>
+          <p:cNvPr descr="Background pointer shape in timeline graphic" id="149" name="Google Shape;149;p25"/>
           <p:cNvSpPr/>
           <p:nvPr/>
         </p:nvSpPr>
@@ -9158,7 +8934,7 @@
       </p:sp>
       <p:sp>
         <p:nvSpPr>
-          <p:cNvPr id="158" name="Google Shape;158;p26"/>
+          <p:cNvPr id="150" name="Google Shape;150;p25"/>
           <p:cNvSpPr txBox="1"/>
           <p:nvPr>
             <p:ph idx="4294967295" type="body"/>
@@ -9209,7 +8985,7 @@
       </p:sp>
       <p:grpSp>
         <p:nvGrpSpPr>
-          <p:cNvPr id="159" name="Google Shape;159;p26"/>
+          <p:cNvPr id="151" name="Google Shape;151;p25"/>
           <p:cNvGrpSpPr/>
           <p:nvPr/>
         </p:nvGrpSpPr>
@@ -9223,7 +8999,7 @@
         </p:grpSpPr>
         <p:cxnSp>
           <p:nvCxnSpPr>
-            <p:cNvPr id="160" name="Google Shape;160;p26"/>
+            <p:cNvPr id="152" name="Google Shape;152;p25"/>
             <p:cNvCxnSpPr/>
             <p:nvPr/>
           </p:nvCxnSpPr>
@@ -9249,7 +9025,7 @@
         </p:cxnSp>
         <p:sp>
           <p:nvSpPr>
-            <p:cNvPr id="161" name="Google Shape;161;p26"/>
+            <p:cNvPr id="153" name="Google Shape;153;p25"/>
             <p:cNvSpPr/>
             <p:nvPr/>
           </p:nvSpPr>
@@ -9293,7 +9069,7 @@
       </p:grpSp>
       <p:sp>
         <p:nvSpPr>
-          <p:cNvPr id="162" name="Google Shape;162;p26"/>
+          <p:cNvPr id="154" name="Google Shape;154;p25"/>
           <p:cNvSpPr txBox="1"/>
           <p:nvPr>
             <p:ph idx="4294967295" type="body"/>
@@ -9333,7 +9109,7 @@
       </p:sp>
       <p:sp>
         <p:nvSpPr>
-          <p:cNvPr descr="Background pointer shape in timeline graphic" id="163" name="Google Shape;163;p26"/>
+          <p:cNvPr descr="Background pointer shape in timeline graphic" id="155" name="Google Shape;155;p25"/>
           <p:cNvSpPr/>
           <p:nvPr/>
         </p:nvSpPr>
@@ -9384,7 +9160,7 @@
       </p:sp>
       <p:sp>
         <p:nvSpPr>
-          <p:cNvPr id="164" name="Google Shape;164;p26"/>
+          <p:cNvPr id="156" name="Google Shape;156;p25"/>
           <p:cNvSpPr txBox="1"/>
           <p:nvPr>
             <p:ph idx="4294967295" type="body"/>
@@ -9435,7 +9211,7 @@
       </p:sp>
       <p:grpSp>
         <p:nvGrpSpPr>
-          <p:cNvPr id="165" name="Google Shape;165;p26"/>
+          <p:cNvPr id="157" name="Google Shape;157;p25"/>
           <p:cNvGrpSpPr/>
           <p:nvPr/>
         </p:nvGrpSpPr>
@@ -9449,7 +9225,7 @@
         </p:grpSpPr>
         <p:cxnSp>
           <p:nvCxnSpPr>
-            <p:cNvPr id="166" name="Google Shape;166;p26"/>
+            <p:cNvPr id="158" name="Google Shape;158;p25"/>
             <p:cNvCxnSpPr/>
             <p:nvPr/>
           </p:nvCxnSpPr>
@@ -9475,7 +9251,7 @@
         </p:cxnSp>
         <p:sp>
           <p:nvSpPr>
-            <p:cNvPr id="167" name="Google Shape;167;p26"/>
+            <p:cNvPr id="159" name="Google Shape;159;p25"/>
             <p:cNvSpPr/>
             <p:nvPr/>
           </p:nvSpPr>
@@ -9519,7 +9295,7 @@
       </p:grpSp>
       <p:sp>
         <p:nvSpPr>
-          <p:cNvPr id="168" name="Google Shape;168;p26"/>
+          <p:cNvPr id="160" name="Google Shape;160;p25"/>
           <p:cNvSpPr txBox="1"/>
           <p:nvPr>
             <p:ph idx="4294967295" type="body"/>
@@ -9559,7 +9335,7 @@
       </p:sp>
       <p:sp>
         <p:nvSpPr>
-          <p:cNvPr descr="Background pointer shape in timeline graphic" id="169" name="Google Shape;169;p26"/>
+          <p:cNvPr descr="Background pointer shape in timeline graphic" id="161" name="Google Shape;161;p25"/>
           <p:cNvSpPr/>
           <p:nvPr/>
         </p:nvSpPr>
@@ -9610,7 +9386,7 @@
       </p:sp>
       <p:sp>
         <p:nvSpPr>
-          <p:cNvPr id="170" name="Google Shape;170;p26"/>
+          <p:cNvPr id="162" name="Google Shape;162;p25"/>
           <p:cNvSpPr txBox="1"/>
           <p:nvPr>
             <p:ph idx="4294967295" type="body"/>
@@ -9661,7 +9437,7 @@
       </p:sp>
       <p:grpSp>
         <p:nvGrpSpPr>
-          <p:cNvPr id="171" name="Google Shape;171;p26"/>
+          <p:cNvPr id="163" name="Google Shape;163;p25"/>
           <p:cNvGrpSpPr/>
           <p:nvPr/>
         </p:nvGrpSpPr>
@@ -9675,7 +9451,7 @@
         </p:grpSpPr>
         <p:cxnSp>
           <p:nvCxnSpPr>
-            <p:cNvPr id="172" name="Google Shape;172;p26"/>
+            <p:cNvPr id="164" name="Google Shape;164;p25"/>
             <p:cNvCxnSpPr/>
             <p:nvPr/>
           </p:nvCxnSpPr>
@@ -9701,7 +9477,7 @@
         </p:cxnSp>
         <p:sp>
           <p:nvSpPr>
-            <p:cNvPr id="173" name="Google Shape;173;p26"/>
+            <p:cNvPr id="165" name="Google Shape;165;p25"/>
             <p:cNvSpPr/>
             <p:nvPr/>
           </p:nvSpPr>
@@ -9745,7 +9521,7 @@
       </p:grpSp>
       <p:sp>
         <p:nvSpPr>
-          <p:cNvPr id="174" name="Google Shape;174;p26"/>
+          <p:cNvPr id="166" name="Google Shape;166;p25"/>
           <p:cNvSpPr txBox="1"/>
           <p:nvPr>
             <p:ph idx="4294967295" type="body"/>
@@ -9785,7 +9561,7 @@
       </p:sp>
       <p:sp>
         <p:nvSpPr>
-          <p:cNvPr descr="Background pointer shape in timeline graphic" id="175" name="Google Shape;175;p26"/>
+          <p:cNvPr descr="Background pointer shape in timeline graphic" id="167" name="Google Shape;167;p25"/>
           <p:cNvSpPr/>
           <p:nvPr/>
         </p:nvSpPr>
@@ -9836,7 +9612,7 @@
       </p:sp>
       <p:sp>
         <p:nvSpPr>
-          <p:cNvPr id="176" name="Google Shape;176;p26"/>
+          <p:cNvPr id="168" name="Google Shape;168;p25"/>
           <p:cNvSpPr txBox="1"/>
           <p:nvPr>
             <p:ph idx="4294967295" type="body"/>
@@ -9887,7 +9663,7 @@
       </p:sp>
       <p:grpSp>
         <p:nvGrpSpPr>
-          <p:cNvPr id="177" name="Google Shape;177;p26"/>
+          <p:cNvPr id="169" name="Google Shape;169;p25"/>
           <p:cNvGrpSpPr/>
           <p:nvPr/>
         </p:nvGrpSpPr>
@@ -9901,7 +9677,7 @@
         </p:grpSpPr>
         <p:cxnSp>
           <p:nvCxnSpPr>
-            <p:cNvPr id="178" name="Google Shape;178;p26"/>
+            <p:cNvPr id="170" name="Google Shape;170;p25"/>
             <p:cNvCxnSpPr/>
             <p:nvPr/>
           </p:nvCxnSpPr>
@@ -9927,7 +9703,7 @@
         </p:cxnSp>
         <p:sp>
           <p:nvSpPr>
-            <p:cNvPr id="179" name="Google Shape;179;p26"/>
+            <p:cNvPr id="171" name="Google Shape;171;p25"/>
             <p:cNvSpPr/>
             <p:nvPr/>
           </p:nvSpPr>
@@ -9971,7 +9747,7 @@
       </p:grpSp>
       <p:sp>
         <p:nvSpPr>
-          <p:cNvPr id="180" name="Google Shape;180;p26"/>
+          <p:cNvPr id="172" name="Google Shape;172;p25"/>
           <p:cNvSpPr txBox="1"/>
           <p:nvPr>
             <p:ph idx="4294967295" type="body"/>
@@ -10017,12 +9793,12 @@
 </p:sld>
 </file>
 
-<file path=ppt/slides/slide15.xml><?xml version="1.0" encoding="utf-8"?>
+<file path=ppt/slides/slide14.xml><?xml version="1.0" encoding="utf-8"?>
 <p:sld xmlns:a="http://schemas.openxmlformats.org/drawingml/2006/main" xmlns:r="http://schemas.openxmlformats.org/officeDocument/2006/relationships" xmlns:mc="http://schemas.openxmlformats.org/markup-compatibility/2006" xmlns:mv="urn:schemas-microsoft-com:mac:vml" xmlns:p="http://schemas.openxmlformats.org/presentationml/2006/main" xmlns:c="http://schemas.openxmlformats.org/drawingml/2006/chart" xmlns:dgm="http://schemas.openxmlformats.org/drawingml/2006/diagram" xmlns:o="urn:schemas-microsoft-com:office:office" xmlns:v="urn:schemas-microsoft-com:vml" xmlns:pvml="urn:schemas-microsoft-com:office:powerpoint" xmlns:com="http://schemas.openxmlformats.org/drawingml/2006/compatibility" xmlns:p14="http://schemas.microsoft.com/office/powerpoint/2010/main" xmlns:p15="http://schemas.microsoft.com/office/powerpoint/2012/main" xmlns:ahyp="http://schemas.microsoft.com/office/drawing/2018/hyperlinkcolor">
   <p:cSld>
     <p:spTree>
       <p:nvGrpSpPr>
-        <p:cNvPr id="184" name="Shape 184"/>
+        <p:cNvPr id="176" name="Shape 176"/>
         <p:cNvGrpSpPr/>
         <p:nvPr/>
       </p:nvGrpSpPr>
@@ -10036,7 +9812,7 @@
       </p:grpSpPr>
       <p:sp>
         <p:nvSpPr>
-          <p:cNvPr id="185" name="Google Shape;185;p27"/>
+          <p:cNvPr id="177" name="Google Shape;177;p26"/>
           <p:cNvSpPr txBox="1"/>
           <p:nvPr>
             <p:ph type="title"/>
@@ -10076,7 +9852,7 @@
       </p:sp>
       <p:sp>
         <p:nvSpPr>
-          <p:cNvPr id="186" name="Google Shape;186;p27"/>
+          <p:cNvPr id="178" name="Google Shape;178;p26"/>
           <p:cNvSpPr txBox="1"/>
           <p:nvPr>
             <p:ph idx="1" type="body"/>
@@ -10257,12 +10033,12 @@
 </p:sld>
 </file>
 
-<file path=ppt/slides/slide16.xml><?xml version="1.0" encoding="utf-8"?>
+<file path=ppt/slides/slide15.xml><?xml version="1.0" encoding="utf-8"?>
 <p:sld xmlns:a="http://schemas.openxmlformats.org/drawingml/2006/main" xmlns:r="http://schemas.openxmlformats.org/officeDocument/2006/relationships" xmlns:mc="http://schemas.openxmlformats.org/markup-compatibility/2006" xmlns:mv="urn:schemas-microsoft-com:mac:vml" xmlns:p="http://schemas.openxmlformats.org/presentationml/2006/main" xmlns:c="http://schemas.openxmlformats.org/drawingml/2006/chart" xmlns:dgm="http://schemas.openxmlformats.org/drawingml/2006/diagram" xmlns:o="urn:schemas-microsoft-com:office:office" xmlns:v="urn:schemas-microsoft-com:vml" xmlns:pvml="urn:schemas-microsoft-com:office:powerpoint" xmlns:com="http://schemas.openxmlformats.org/drawingml/2006/compatibility" xmlns:p14="http://schemas.microsoft.com/office/powerpoint/2010/main" xmlns:p15="http://schemas.microsoft.com/office/powerpoint/2012/main" xmlns:ahyp="http://schemas.microsoft.com/office/drawing/2018/hyperlinkcolor">
   <p:cSld>
     <p:spTree>
       <p:nvGrpSpPr>
-        <p:cNvPr id="190" name="Shape 190"/>
+        <p:cNvPr id="182" name="Shape 182"/>
         <p:cNvGrpSpPr/>
         <p:nvPr/>
       </p:nvGrpSpPr>
@@ -10276,7 +10052,7 @@
       </p:grpSpPr>
       <p:sp>
         <p:nvSpPr>
-          <p:cNvPr id="191" name="Google Shape;191;p28"/>
+          <p:cNvPr id="183" name="Google Shape;183;p27"/>
           <p:cNvSpPr txBox="1"/>
           <p:nvPr>
             <p:ph type="title"/>
@@ -10324,7 +10100,7 @@
       </p:sp>
       <p:sp>
         <p:nvSpPr>
-          <p:cNvPr id="192" name="Google Shape;192;p28"/>
+          <p:cNvPr id="184" name="Google Shape;184;p27"/>
           <p:cNvSpPr txBox="1"/>
           <p:nvPr>
             <p:ph idx="2" type="body"/>
@@ -10520,7 +10296,7 @@
             </a:pPr>
             <a:r>
               <a:rPr lang="en" sz="1500"/>
-              <a:t>Python (Pandas, </a:t>
+              <a:t>Python3 (Pandas, </a:t>
             </a:r>
             <a:r>
               <a:rPr lang="en" sz="1500"/>
@@ -10532,7 +10308,7 @@
             </a:r>
             <a:r>
               <a:rPr lang="en" sz="1500"/>
-              <a:t>Amazon RDS, PostgreSQL, JavaScript, Tableau</a:t>
+              <a:t>Amazon RDS, JavaScript, PostgreSQL, Tableau</a:t>
             </a:r>
             <a:endParaRPr sz="1500"/>
           </a:p>
@@ -10548,57 +10324,11 @@
             </a:pPr>
             <a:r>
               <a:rPr b="1" lang="en"/>
-              <a:t>Data Sources:</a:t>
+              <a:t>Data Source</a:t>
             </a:r>
-            <a:endParaRPr b="1"/>
-          </a:p>
-          <a:p>
-            <a:pPr indent="-323850" lvl="0" marL="457200" rtl="0" algn="l">
-              <a:spcBef>
-                <a:spcPts val="0"/>
-              </a:spcBef>
-              <a:spcAft>
-                <a:spcPts val="0"/>
-              </a:spcAft>
-              <a:buSzPts val="1500"/>
-              <a:buChar char="●"/>
-            </a:pPr>
-            <a:r>
-              <a:rPr lang="en" sz="1500"/>
-              <a:t>2017_Mayor_IC.csv</a:t>
-            </a:r>
-            <a:endParaRPr sz="1500"/>
-          </a:p>
-          <a:p>
-            <a:pPr indent="-323850" lvl="0" marL="457200" rtl="0" algn="l">
-              <a:spcBef>
-                <a:spcPts val="0"/>
-              </a:spcBef>
-              <a:spcAft>
-                <a:spcPts val="0"/>
-              </a:spcAft>
-              <a:buSzPts val="1500"/>
-              <a:buChar char="●"/>
-            </a:pPr>
-            <a:r>
-              <a:rPr lang="en" sz="1500"/>
-              <a:t>2017_Mayor_CC.csv</a:t>
-            </a:r>
-            <a:endParaRPr sz="1500"/>
-          </a:p>
-          <a:p>
-            <a:pPr indent="0" lvl="0" marL="0" rtl="0" algn="l">
-              <a:spcBef>
-                <a:spcPts val="1600"/>
-              </a:spcBef>
-              <a:spcAft>
-                <a:spcPts val="0"/>
-              </a:spcAft>
-              <a:buNone/>
-            </a:pPr>
             <a:r>
               <a:rPr b="1" lang="en"/>
-              <a:t>Website Source:</a:t>
+              <a:t>:</a:t>
             </a:r>
             <a:endParaRPr b="1"/>
           </a:p>
@@ -10846,7 +10576,7 @@
         <p:spPr>
           <a:xfrm>
             <a:off x="2400300" y="1361300"/>
-            <a:ext cx="3071400" cy="3243900"/>
+            <a:ext cx="6321600" cy="3243900"/>
           </a:xfrm>
           <a:prstGeom prst="rect">
             <a:avLst/>
@@ -10858,120 +10588,72 @@
           </a:bodyPr>
           <a:lstStyle/>
           <a:p>
-            <a:pPr indent="0" lvl="0" marL="0" rtl="0" algn="l">
-              <a:spcBef>
-                <a:spcPts val="0"/>
-              </a:spcBef>
-              <a:spcAft>
-                <a:spcPts val="0"/>
-              </a:spcAft>
-              <a:buNone/>
-            </a:pPr>
-            <a:r>
-              <a:rPr b="1" lang="en" sz="2000">
-                <a:solidFill>
-                  <a:schemeClr val="accent3"/>
-                </a:solidFill>
-              </a:rPr>
-              <a:t>Performing ETL on .csv source files via PySpark</a:t>
-            </a:r>
-            <a:endParaRPr b="1" sz="2000">
-              <a:solidFill>
-                <a:schemeClr val="accent3"/>
-              </a:solidFill>
-            </a:endParaRPr>
-          </a:p>
-          <a:p>
-            <a:pPr indent="0" lvl="0" marL="0" rtl="0" algn="l">
-              <a:spcBef>
-                <a:spcPts val="1600"/>
-              </a:spcBef>
-              <a:spcAft>
-                <a:spcPts val="1200"/>
-              </a:spcAft>
-              <a:buNone/>
+            <a:pPr indent="-323850" lvl="0" marL="457200" rtl="0" algn="l">
+              <a:spcBef>
+                <a:spcPts val="0"/>
+              </a:spcBef>
+              <a:spcAft>
+                <a:spcPts val="0"/>
+              </a:spcAft>
+              <a:buSzPts val="1500"/>
+              <a:buChar char="●"/>
             </a:pPr>
             <a:r>
               <a:rPr lang="en" sz="1500"/>
-              <a:t>ETL (Extract, Transform, Load) is a process used to refine and format data for higher-order </a:t>
-            </a:r>
-            <a:r>
-              <a:rPr lang="en" sz="1500"/>
-              <a:t>analysis,</a:t>
-            </a:r>
-            <a:r>
-              <a:rPr lang="en" sz="1500"/>
-              <a:t> e.g. for machine learning, and to summarize results.  For our project, we refined our .csv source data using </a:t>
-            </a:r>
-            <a:r>
-              <a:rPr lang="en" sz="1500"/>
-              <a:t>PySpark.</a:t>
+              <a:t>Performing ETL (Extract, Transform, Load) on our chosen .csv source files via PySpark.</a:t>
             </a:r>
             <a:endParaRPr sz="1500"/>
           </a:p>
-        </p:txBody>
-      </p:sp>
-      <p:sp>
-        <p:nvSpPr>
-          <p:cNvPr id="92" name="Google Shape;92;p16"/>
-          <p:cNvSpPr txBox="1"/>
-          <p:nvPr>
-            <p:ph idx="2" type="body"/>
-          </p:nvPr>
-        </p:nvSpPr>
-        <p:spPr>
-          <a:xfrm>
-            <a:off x="5650575" y="1361175"/>
-            <a:ext cx="3071400" cy="3243900"/>
-          </a:xfrm>
-          <a:prstGeom prst="rect">
-            <a:avLst/>
-          </a:prstGeom>
-        </p:spPr>
-        <p:txBody>
-          <a:bodyPr anchorCtr="0" anchor="t" bIns="91425" lIns="91425" spcFirstLastPara="1" rIns="91425" wrap="square" tIns="91425">
-            <a:noAutofit/>
-          </a:bodyPr>
-          <a:lstStyle/>
           <a:p>
-            <a:pPr indent="0" lvl="0" marL="0" rtl="0" algn="l">
-              <a:spcBef>
-                <a:spcPts val="0"/>
-              </a:spcBef>
-              <a:spcAft>
-                <a:spcPts val="0"/>
-              </a:spcAft>
-              <a:buNone/>
-            </a:pPr>
-            <a:r>
-              <a:rPr b="1" lang="en" sz="2000">
-                <a:solidFill>
-                  <a:schemeClr val="accent3"/>
-                </a:solidFill>
-              </a:rPr>
-              <a:t>Storing and transforming data via AWS and SQL</a:t>
-            </a:r>
-            <a:endParaRPr b="1" sz="2000">
-              <a:solidFill>
-                <a:schemeClr val="accent3"/>
-              </a:solidFill>
-            </a:endParaRPr>
-          </a:p>
-          <a:p>
-            <a:pPr indent="0" lvl="0" marL="0" rtl="0" algn="l">
-              <a:spcBef>
-                <a:spcPts val="1600"/>
-              </a:spcBef>
-              <a:spcAft>
-                <a:spcPts val="1200"/>
-              </a:spcAft>
-              <a:buNone/>
+            <a:pPr indent="-323850" lvl="0" marL="457200" rtl="0" algn="l">
+              <a:spcBef>
+                <a:spcPts val="0"/>
+              </a:spcBef>
+              <a:spcAft>
+                <a:spcPts val="0"/>
+              </a:spcAft>
+              <a:buSzPts val="1500"/>
+              <a:buChar char="●"/>
             </a:pPr>
             <a:r>
               <a:rPr lang="en" sz="1500"/>
-              <a:t>Our cleaned data is then loaded onto an AWS database from PySpark to be further refined within a PostgreSQL instance.</a:t>
+              <a:t>Storing the data in AWS via PySpark and then transforming it within an SQL session.</a:t>
             </a:r>
-            <a:endParaRPr sz="1700"/>
+            <a:endParaRPr sz="1500"/>
+          </a:p>
+          <a:p>
+            <a:pPr indent="-323850" lvl="0" marL="457200" rtl="0" algn="l">
+              <a:spcBef>
+                <a:spcPts val="0"/>
+              </a:spcBef>
+              <a:spcAft>
+                <a:spcPts val="0"/>
+              </a:spcAft>
+              <a:buSzPts val="1500"/>
+              <a:buChar char="●"/>
+            </a:pPr>
+            <a:r>
+              <a:rPr lang="en" sz="1500"/>
+              <a:t>Creating a supervised machine learning model in Jupyter Notebook with the transformed data to predict the results of the NYC mayoral elections.</a:t>
+            </a:r>
+            <a:endParaRPr sz="1500"/>
+          </a:p>
+          <a:p>
+            <a:pPr indent="-330200" lvl="0" marL="457200" rtl="0" algn="l">
+              <a:spcBef>
+                <a:spcPts val="0"/>
+              </a:spcBef>
+              <a:spcAft>
+                <a:spcPts val="0"/>
+              </a:spcAft>
+              <a:buSzPts val="1600"/>
+              <a:buChar char="●"/>
+            </a:pPr>
+            <a:r>
+              <a:rPr lang="en" sz="1600"/>
+              <a:t>Visualizing the results with the Plotly tool and the Tableau software, displaying data distribution, outliers, trends, hypotheses, predictions, and conclusions.</a:t>
+            </a:r>
+            <a:endParaRPr sz="1500"/>
           </a:p>
         </p:txBody>
       </p:sp>
@@ -10986,9 +10668,16 @@
 <file path=ppt/slides/slide5.xml><?xml version="1.0" encoding="utf-8"?>
 <p:sld xmlns:a="http://schemas.openxmlformats.org/drawingml/2006/main" xmlns:r="http://schemas.openxmlformats.org/officeDocument/2006/relationships" xmlns:mc="http://schemas.openxmlformats.org/markup-compatibility/2006" xmlns:mv="urn:schemas-microsoft-com:mac:vml" xmlns:p="http://schemas.openxmlformats.org/presentationml/2006/main" xmlns:c="http://schemas.openxmlformats.org/drawingml/2006/chart" xmlns:dgm="http://schemas.openxmlformats.org/drawingml/2006/diagram" xmlns:o="urn:schemas-microsoft-com:office:office" xmlns:v="urn:schemas-microsoft-com:vml" xmlns:pvml="urn:schemas-microsoft-com:office:powerpoint" xmlns:com="http://schemas.openxmlformats.org/drawingml/2006/compatibility" xmlns:p14="http://schemas.microsoft.com/office/powerpoint/2010/main" xmlns:p15="http://schemas.microsoft.com/office/powerpoint/2012/main" xmlns:ahyp="http://schemas.microsoft.com/office/drawing/2018/hyperlinkcolor">
   <p:cSld>
+    <p:bg>
+      <p:bgPr>
+        <a:solidFill>
+          <a:schemeClr val="accent3"/>
+        </a:solidFill>
+      </p:bgPr>
+    </p:bg>
     <p:spTree>
       <p:nvGrpSpPr>
-        <p:cNvPr id="96" name="Shape 96"/>
+        <p:cNvPr id="95" name="Shape 95"/>
         <p:cNvGrpSpPr/>
         <p:nvPr/>
       </p:nvGrpSpPr>
@@ -11002,239 +10691,7 @@
       </p:grpSpPr>
       <p:sp>
         <p:nvSpPr>
-          <p:cNvPr id="97" name="Google Shape;97;p17"/>
-          <p:cNvSpPr txBox="1"/>
-          <p:nvPr>
-            <p:ph type="title"/>
-          </p:nvPr>
-        </p:nvSpPr>
-        <p:spPr>
-          <a:xfrm>
-            <a:off x="2400250" y="575950"/>
-            <a:ext cx="6321600" cy="635400"/>
-          </a:xfrm>
-          <a:prstGeom prst="rect">
-            <a:avLst/>
-          </a:prstGeom>
-        </p:spPr>
-        <p:txBody>
-          <a:bodyPr anchorCtr="0" anchor="t" bIns="91425" lIns="91425" spcFirstLastPara="1" rIns="91425" wrap="square" tIns="91425">
-            <a:noAutofit/>
-          </a:bodyPr>
-          <a:lstStyle/>
-          <a:p>
-            <a:pPr indent="0" lvl="0" marL="0" rtl="0" algn="l">
-              <a:spcBef>
-                <a:spcPts val="0"/>
-              </a:spcBef>
-              <a:spcAft>
-                <a:spcPts val="0"/>
-              </a:spcAft>
-              <a:buClr>
-                <a:schemeClr val="dk2"/>
-              </a:buClr>
-              <a:buSzPts val="1100"/>
-              <a:buFont typeface="Arial"/>
-              <a:buNone/>
-            </a:pPr>
-            <a:r>
-              <a:rPr lang="en"/>
-              <a:t>Process (continued):</a:t>
-            </a:r>
-            <a:endParaRPr/>
-          </a:p>
-          <a:p>
-            <a:pPr indent="0" lvl="0" marL="0" rtl="0" algn="l">
-              <a:spcBef>
-                <a:spcPts val="0"/>
-              </a:spcBef>
-              <a:spcAft>
-                <a:spcPts val="0"/>
-              </a:spcAft>
-              <a:buNone/>
-            </a:pPr>
-            <a:r>
-              <a:t/>
-            </a:r>
-            <a:endParaRPr/>
-          </a:p>
-        </p:txBody>
-      </p:sp>
-      <p:sp>
-        <p:nvSpPr>
-          <p:cNvPr id="98" name="Google Shape;98;p17"/>
-          <p:cNvSpPr txBox="1"/>
-          <p:nvPr>
-            <p:ph idx="1" type="body"/>
-          </p:nvPr>
-        </p:nvSpPr>
-        <p:spPr>
-          <a:xfrm>
-            <a:off x="2400303" y="1602675"/>
-            <a:ext cx="3071400" cy="3002400"/>
-          </a:xfrm>
-          <a:prstGeom prst="rect">
-            <a:avLst/>
-          </a:prstGeom>
-        </p:spPr>
-        <p:txBody>
-          <a:bodyPr anchorCtr="0" anchor="t" bIns="91425" lIns="91425" spcFirstLastPara="1" rIns="91425" wrap="square" tIns="91425">
-            <a:noAutofit/>
-          </a:bodyPr>
-          <a:lstStyle/>
-          <a:p>
-            <a:pPr indent="0" lvl="0" marL="0" rtl="0" algn="l">
-              <a:spcBef>
-                <a:spcPts val="0"/>
-              </a:spcBef>
-              <a:spcAft>
-                <a:spcPts val="0"/>
-              </a:spcAft>
-              <a:buNone/>
-            </a:pPr>
-            <a:r>
-              <a:rPr b="1" lang="en" sz="2100">
-                <a:solidFill>
-                  <a:schemeClr val="accent3"/>
-                </a:solidFill>
-              </a:rPr>
-              <a:t>Machine learning</a:t>
-            </a:r>
-            <a:endParaRPr b="1" sz="2100">
-              <a:solidFill>
-                <a:schemeClr val="accent3"/>
-              </a:solidFill>
-            </a:endParaRPr>
-          </a:p>
-          <a:p>
-            <a:pPr indent="0" lvl="0" marL="0" rtl="0" algn="l">
-              <a:spcBef>
-                <a:spcPts val="1600"/>
-              </a:spcBef>
-              <a:spcAft>
-                <a:spcPts val="1200"/>
-              </a:spcAft>
-              <a:buNone/>
-            </a:pPr>
-            <a:r>
-              <a:rPr lang="en" sz="1600"/>
-              <a:t>The fully-refined data is then analyzed in a Jupyter Notebook session under the</a:t>
-            </a:r>
-            <a:r>
-              <a:rPr lang="en" sz="1600"/>
-              <a:t> </a:t>
-            </a:r>
-            <a:r>
-              <a:rPr lang="en" sz="1600"/>
-              <a:t>Python mlenv kernel to answer the given questions asked in the project mission.  The </a:t>
-            </a:r>
-            <a:r>
-              <a:rPr lang="en" sz="1600"/>
-              <a:t>Random Forest Classifier algorithm will be used to generate our results.</a:t>
-            </a:r>
-            <a:endParaRPr sz="1600"/>
-          </a:p>
-        </p:txBody>
-      </p:sp>
-      <p:sp>
-        <p:nvSpPr>
-          <p:cNvPr id="99" name="Google Shape;99;p17"/>
-          <p:cNvSpPr txBox="1"/>
-          <p:nvPr>
-            <p:ph idx="2" type="body"/>
-          </p:nvPr>
-        </p:nvSpPr>
-        <p:spPr>
-          <a:xfrm>
-            <a:off x="5650572" y="1602675"/>
-            <a:ext cx="3071400" cy="3002400"/>
-          </a:xfrm>
-          <a:prstGeom prst="rect">
-            <a:avLst/>
-          </a:prstGeom>
-        </p:spPr>
-        <p:txBody>
-          <a:bodyPr anchorCtr="0" anchor="t" bIns="91425" lIns="91425" spcFirstLastPara="1" rIns="91425" wrap="square" tIns="91425">
-            <a:noAutofit/>
-          </a:bodyPr>
-          <a:lstStyle/>
-          <a:p>
-            <a:pPr indent="0" lvl="0" marL="0" rtl="0" algn="l">
-              <a:spcBef>
-                <a:spcPts val="0"/>
-              </a:spcBef>
-              <a:spcAft>
-                <a:spcPts val="0"/>
-              </a:spcAft>
-              <a:buNone/>
-            </a:pPr>
-            <a:r>
-              <a:rPr b="1" lang="en" sz="2100">
-                <a:solidFill>
-                  <a:schemeClr val="accent3"/>
-                </a:solidFill>
-              </a:rPr>
-              <a:t>Dashboard</a:t>
-            </a:r>
-            <a:endParaRPr b="1" sz="2100">
-              <a:solidFill>
-                <a:schemeClr val="accent3"/>
-              </a:solidFill>
-            </a:endParaRPr>
-          </a:p>
-          <a:p>
-            <a:pPr indent="0" lvl="0" marL="0" rtl="0" algn="l">
-              <a:spcBef>
-                <a:spcPts val="1600"/>
-              </a:spcBef>
-              <a:spcAft>
-                <a:spcPts val="1200"/>
-              </a:spcAft>
-              <a:buNone/>
-            </a:pPr>
-            <a:r>
-              <a:rPr lang="en" sz="1600"/>
-              <a:t>The final results derived from the machine learning analysis are at once visualized using the Plotly tool and the Tableau software for public display, showing data distribution, outliers, trends, hypotheses, predictions, and conclusions.</a:t>
-            </a:r>
-            <a:endParaRPr sz="1800"/>
-          </a:p>
-        </p:txBody>
-      </p:sp>
-    </p:spTree>
-  </p:cSld>
-  <p:clrMapOvr>
-    <a:masterClrMapping/>
-  </p:clrMapOvr>
-</p:sld>
-</file>
-
-<file path=ppt/slides/slide6.xml><?xml version="1.0" encoding="utf-8"?>
-<p:sld xmlns:a="http://schemas.openxmlformats.org/drawingml/2006/main" xmlns:r="http://schemas.openxmlformats.org/officeDocument/2006/relationships" xmlns:mc="http://schemas.openxmlformats.org/markup-compatibility/2006" xmlns:mv="urn:schemas-microsoft-com:mac:vml" xmlns:p="http://schemas.openxmlformats.org/presentationml/2006/main" xmlns:c="http://schemas.openxmlformats.org/drawingml/2006/chart" xmlns:dgm="http://schemas.openxmlformats.org/drawingml/2006/diagram" xmlns:o="urn:schemas-microsoft-com:office:office" xmlns:v="urn:schemas-microsoft-com:vml" xmlns:pvml="urn:schemas-microsoft-com:office:powerpoint" xmlns:com="http://schemas.openxmlformats.org/drawingml/2006/compatibility" xmlns:p14="http://schemas.microsoft.com/office/powerpoint/2010/main" xmlns:p15="http://schemas.microsoft.com/office/powerpoint/2012/main" xmlns:ahyp="http://schemas.microsoft.com/office/drawing/2018/hyperlinkcolor">
-  <p:cSld>
-    <p:bg>
-      <p:bgPr>
-        <a:solidFill>
-          <a:schemeClr val="accent3"/>
-        </a:solidFill>
-      </p:bgPr>
-    </p:bg>
-    <p:spTree>
-      <p:nvGrpSpPr>
-        <p:cNvPr id="103" name="Shape 103"/>
-        <p:cNvGrpSpPr/>
-        <p:nvPr/>
-      </p:nvGrpSpPr>
-      <p:grpSpPr>
-        <a:xfrm>
-          <a:off x="0" y="0"/>
-          <a:ext cx="0" cy="0"/>
-          <a:chOff x="0" y="0"/>
-          <a:chExt cx="0" cy="0"/>
-        </a:xfrm>
-      </p:grpSpPr>
-      <p:sp>
-        <p:nvSpPr>
-          <p:cNvPr id="104" name="Google Shape;104;p18"/>
+          <p:cNvPr id="96" name="Google Shape;96;p17"/>
           <p:cNvSpPr txBox="1"/>
           <p:nvPr>
             <p:ph type="title"/>
@@ -11280,12 +10737,12 @@
 </p:sld>
 </file>
 
-<file path=ppt/slides/slide7.xml><?xml version="1.0" encoding="utf-8"?>
+<file path=ppt/slides/slide6.xml><?xml version="1.0" encoding="utf-8"?>
 <p:sld xmlns:a="http://schemas.openxmlformats.org/drawingml/2006/main" xmlns:r="http://schemas.openxmlformats.org/officeDocument/2006/relationships" xmlns:mc="http://schemas.openxmlformats.org/markup-compatibility/2006" xmlns:mv="urn:schemas-microsoft-com:mac:vml" xmlns:p="http://schemas.openxmlformats.org/presentationml/2006/main" xmlns:c="http://schemas.openxmlformats.org/drawingml/2006/chart" xmlns:dgm="http://schemas.openxmlformats.org/drawingml/2006/diagram" xmlns:o="urn:schemas-microsoft-com:office:office" xmlns:v="urn:schemas-microsoft-com:vml" xmlns:pvml="urn:schemas-microsoft-com:office:powerpoint" xmlns:com="http://schemas.openxmlformats.org/drawingml/2006/compatibility" xmlns:p14="http://schemas.microsoft.com/office/powerpoint/2010/main" xmlns:p15="http://schemas.microsoft.com/office/powerpoint/2012/main" xmlns:ahyp="http://schemas.microsoft.com/office/drawing/2018/hyperlinkcolor">
   <p:cSld>
     <p:spTree>
       <p:nvGrpSpPr>
-        <p:cNvPr id="108" name="Shape 108"/>
+        <p:cNvPr id="100" name="Shape 100"/>
         <p:cNvGrpSpPr/>
         <p:nvPr/>
       </p:nvGrpSpPr>
@@ -11299,7 +10756,7 @@
       </p:grpSpPr>
       <p:sp>
         <p:nvSpPr>
-          <p:cNvPr id="109" name="Google Shape;109;p19"/>
+          <p:cNvPr id="101" name="Google Shape;101;p18"/>
           <p:cNvSpPr txBox="1"/>
           <p:nvPr>
             <p:ph type="title"/>
@@ -11307,8 +10764,8 @@
         </p:nvSpPr>
         <p:spPr>
           <a:xfrm>
-            <a:off x="2400250" y="575950"/>
-            <a:ext cx="6321600" cy="635400"/>
+            <a:off x="2435625" y="575950"/>
+            <a:ext cx="6286200" cy="635400"/>
           </a:xfrm>
           <a:prstGeom prst="rect">
             <a:avLst/>
@@ -11359,7 +10816,7 @@
       </p:sp>
       <p:sp>
         <p:nvSpPr>
-          <p:cNvPr id="110" name="Google Shape;110;p19"/>
+          <p:cNvPr id="102" name="Google Shape;102;p18"/>
           <p:cNvSpPr txBox="1"/>
           <p:nvPr>
             <p:ph idx="1" type="body"/>
@@ -11542,7 +10999,7 @@
       </p:sp>
       <p:sp>
         <p:nvSpPr>
-          <p:cNvPr id="111" name="Google Shape;111;p19"/>
+          <p:cNvPr id="103" name="Google Shape;103;p18"/>
           <p:cNvSpPr txBox="1"/>
           <p:nvPr>
             <p:ph idx="2" type="body"/>
@@ -11599,6 +11056,135 @@
             <a:r>
               <a:rPr lang="en" sz="1500"/>
               <a:t>We are going to use Tableau for our dashboard and story line, build a webpage with JavaScript API for Tableau to then link it to our Tableau visualizations, and then clean it up.  That page will have a placeholder to display results from our Machine Learning model as well.</a:t>
+            </a:r>
+            <a:endParaRPr sz="1500"/>
+          </a:p>
+        </p:txBody>
+      </p:sp>
+    </p:spTree>
+  </p:cSld>
+  <p:clrMapOvr>
+    <a:masterClrMapping/>
+  </p:clrMapOvr>
+</p:sld>
+</file>
+
+<file path=ppt/slides/slide7.xml><?xml version="1.0" encoding="utf-8"?>
+<p:sld xmlns:a="http://schemas.openxmlformats.org/drawingml/2006/main" xmlns:r="http://schemas.openxmlformats.org/officeDocument/2006/relationships" xmlns:mc="http://schemas.openxmlformats.org/markup-compatibility/2006" xmlns:mv="urn:schemas-microsoft-com:mac:vml" xmlns:p="http://schemas.openxmlformats.org/presentationml/2006/main" xmlns:c="http://schemas.openxmlformats.org/drawingml/2006/chart" xmlns:dgm="http://schemas.openxmlformats.org/drawingml/2006/diagram" xmlns:o="urn:schemas-microsoft-com:office:office" xmlns:v="urn:schemas-microsoft-com:vml" xmlns:pvml="urn:schemas-microsoft-com:office:powerpoint" xmlns:com="http://schemas.openxmlformats.org/drawingml/2006/compatibility" xmlns:p14="http://schemas.microsoft.com/office/powerpoint/2010/main" xmlns:p15="http://schemas.microsoft.com/office/powerpoint/2012/main" xmlns:ahyp="http://schemas.microsoft.com/office/drawing/2018/hyperlinkcolor">
+  <p:cSld>
+    <p:spTree>
+      <p:nvGrpSpPr>
+        <p:cNvPr id="107" name="Shape 107"/>
+        <p:cNvGrpSpPr/>
+        <p:nvPr/>
+      </p:nvGrpSpPr>
+      <p:grpSpPr>
+        <a:xfrm>
+          <a:off x="0" y="0"/>
+          <a:ext cx="0" cy="0"/>
+          <a:chOff x="0" y="0"/>
+          <a:chExt cx="0" cy="0"/>
+        </a:xfrm>
+      </p:grpSpPr>
+      <p:sp>
+        <p:nvSpPr>
+          <p:cNvPr id="108" name="Google Shape;108;p19"/>
+          <p:cNvSpPr txBox="1"/>
+          <p:nvPr>
+            <p:ph type="title"/>
+          </p:nvPr>
+        </p:nvSpPr>
+        <p:spPr>
+          <a:xfrm>
+            <a:off x="2516550" y="575950"/>
+            <a:ext cx="6205500" cy="635400"/>
+          </a:xfrm>
+          <a:prstGeom prst="rect">
+            <a:avLst/>
+          </a:prstGeom>
+        </p:spPr>
+        <p:txBody>
+          <a:bodyPr anchorCtr="0" anchor="t" bIns="91425" lIns="91425" spcFirstLastPara="1" rIns="91425" wrap="square" tIns="91425">
+            <a:noAutofit/>
+          </a:bodyPr>
+          <a:lstStyle/>
+          <a:p>
+            <a:pPr indent="0" lvl="0" marL="0" rtl="0" algn="l">
+              <a:spcBef>
+                <a:spcPts val="0"/>
+              </a:spcBef>
+              <a:spcAft>
+                <a:spcPts val="0"/>
+              </a:spcAft>
+              <a:buNone/>
+            </a:pPr>
+            <a:r>
+              <a:rPr lang="en"/>
+              <a:t>Target Audience</a:t>
+            </a:r>
+            <a:endParaRPr/>
+          </a:p>
+        </p:txBody>
+      </p:sp>
+      <p:sp>
+        <p:nvSpPr>
+          <p:cNvPr id="109" name="Google Shape;109;p19"/>
+          <p:cNvSpPr txBox="1"/>
+          <p:nvPr>
+            <p:ph idx="1" type="body"/>
+          </p:nvPr>
+        </p:nvSpPr>
+        <p:spPr>
+          <a:xfrm>
+            <a:off x="2516500" y="1361300"/>
+            <a:ext cx="6205500" cy="3243900"/>
+          </a:xfrm>
+          <a:prstGeom prst="rect">
+            <a:avLst/>
+          </a:prstGeom>
+        </p:spPr>
+        <p:txBody>
+          <a:bodyPr anchorCtr="0" anchor="t" bIns="91425" lIns="91425" spcFirstLastPara="1" rIns="91425" wrap="square" tIns="91425">
+            <a:noAutofit/>
+          </a:bodyPr>
+          <a:lstStyle/>
+          <a:p>
+            <a:pPr indent="0" lvl="0" marL="0" rtl="0" algn="l">
+              <a:spcBef>
+                <a:spcPts val="0"/>
+              </a:spcBef>
+              <a:spcAft>
+                <a:spcPts val="0"/>
+              </a:spcAft>
+              <a:buNone/>
+            </a:pPr>
+            <a:r>
+              <a:rPr b="1" lang="en" sz="2000">
+                <a:solidFill>
+                  <a:schemeClr val="accent3"/>
+                </a:solidFill>
+              </a:rPr>
+              <a:t>Who is our target audience?</a:t>
+            </a:r>
+            <a:endParaRPr b="1" sz="2000">
+              <a:solidFill>
+                <a:schemeClr val="accent3"/>
+              </a:solidFill>
+            </a:endParaRPr>
+          </a:p>
+          <a:p>
+            <a:pPr indent="0" lvl="0" marL="0" rtl="0" algn="l">
+              <a:spcBef>
+                <a:spcPts val="1600"/>
+              </a:spcBef>
+              <a:spcAft>
+                <a:spcPts val="1200"/>
+              </a:spcAft>
+              <a:buNone/>
+            </a:pPr>
+            <a:r>
+              <a:rPr lang="en" sz="1500"/>
+              <a:t>Anyone who is interested in learning about the role in campaign finance in influencing New York City’s mayoral election results.  They can see the impact of contributions and expenditures on a candidate’s performance, and whether the impact is not negligible.</a:t>
             </a:r>
             <a:endParaRPr sz="1500"/>
           </a:p>
@@ -11617,7 +11203,7 @@
   <p:cSld>
     <p:spTree>
       <p:nvGrpSpPr>
-        <p:cNvPr id="115" name="Shape 115"/>
+        <p:cNvPr id="113" name="Shape 113"/>
         <p:cNvGrpSpPr/>
         <p:nvPr/>
       </p:nvGrpSpPr>
@@ -11631,136 +11217,7 @@
       </p:grpSpPr>
       <p:sp>
         <p:nvSpPr>
-          <p:cNvPr id="116" name="Google Shape;116;p20"/>
-          <p:cNvSpPr txBox="1"/>
-          <p:nvPr>
-            <p:ph type="title"/>
-          </p:nvPr>
-        </p:nvSpPr>
-        <p:spPr>
-          <a:xfrm>
-            <a:off x="2516550" y="575950"/>
-            <a:ext cx="6205500" cy="635400"/>
-          </a:xfrm>
-          <a:prstGeom prst="rect">
-            <a:avLst/>
-          </a:prstGeom>
-        </p:spPr>
-        <p:txBody>
-          <a:bodyPr anchorCtr="0" anchor="t" bIns="91425" lIns="91425" spcFirstLastPara="1" rIns="91425" wrap="square" tIns="91425">
-            <a:noAutofit/>
-          </a:bodyPr>
-          <a:lstStyle/>
-          <a:p>
-            <a:pPr indent="0" lvl="0" marL="0" rtl="0" algn="l">
-              <a:spcBef>
-                <a:spcPts val="0"/>
-              </a:spcBef>
-              <a:spcAft>
-                <a:spcPts val="0"/>
-              </a:spcAft>
-              <a:buNone/>
-            </a:pPr>
-            <a:r>
-              <a:rPr lang="en"/>
-              <a:t>Target Audience</a:t>
-            </a:r>
-            <a:endParaRPr/>
-          </a:p>
-        </p:txBody>
-      </p:sp>
-      <p:sp>
-        <p:nvSpPr>
-          <p:cNvPr id="117" name="Google Shape;117;p20"/>
-          <p:cNvSpPr txBox="1"/>
-          <p:nvPr>
-            <p:ph idx="1" type="body"/>
-          </p:nvPr>
-        </p:nvSpPr>
-        <p:spPr>
-          <a:xfrm>
-            <a:off x="2516500" y="1361300"/>
-            <a:ext cx="6205500" cy="3243900"/>
-          </a:xfrm>
-          <a:prstGeom prst="rect">
-            <a:avLst/>
-          </a:prstGeom>
-        </p:spPr>
-        <p:txBody>
-          <a:bodyPr anchorCtr="0" anchor="t" bIns="91425" lIns="91425" spcFirstLastPara="1" rIns="91425" wrap="square" tIns="91425">
-            <a:noAutofit/>
-          </a:bodyPr>
-          <a:lstStyle/>
-          <a:p>
-            <a:pPr indent="0" lvl="0" marL="0" rtl="0" algn="l">
-              <a:spcBef>
-                <a:spcPts val="0"/>
-              </a:spcBef>
-              <a:spcAft>
-                <a:spcPts val="0"/>
-              </a:spcAft>
-              <a:buNone/>
-            </a:pPr>
-            <a:r>
-              <a:rPr b="1" lang="en" sz="2000">
-                <a:solidFill>
-                  <a:schemeClr val="accent3"/>
-                </a:solidFill>
-              </a:rPr>
-              <a:t>Who is our target audience?</a:t>
-            </a:r>
-            <a:endParaRPr b="1" sz="2000">
-              <a:solidFill>
-                <a:schemeClr val="accent3"/>
-              </a:solidFill>
-            </a:endParaRPr>
-          </a:p>
-          <a:p>
-            <a:pPr indent="0" lvl="0" marL="0" rtl="0" algn="l">
-              <a:spcBef>
-                <a:spcPts val="1600"/>
-              </a:spcBef>
-              <a:spcAft>
-                <a:spcPts val="1200"/>
-              </a:spcAft>
-              <a:buNone/>
-            </a:pPr>
-            <a:r>
-              <a:rPr lang="en" sz="1500"/>
-              <a:t>Anyone who is interested in learning about the role in campaign finance in influencing New York City’s mayoral election results.  They can see the impact of contributions and expenditures on a candidate’s performance, and whether the impact is not negligible.</a:t>
-            </a:r>
-            <a:endParaRPr sz="1500"/>
-          </a:p>
-        </p:txBody>
-      </p:sp>
-    </p:spTree>
-  </p:cSld>
-  <p:clrMapOvr>
-    <a:masterClrMapping/>
-  </p:clrMapOvr>
-</p:sld>
-</file>
-
-<file path=ppt/slides/slide9.xml><?xml version="1.0" encoding="utf-8"?>
-<p:sld xmlns:a="http://schemas.openxmlformats.org/drawingml/2006/main" xmlns:r="http://schemas.openxmlformats.org/officeDocument/2006/relationships" xmlns:mc="http://schemas.openxmlformats.org/markup-compatibility/2006" xmlns:mv="urn:schemas-microsoft-com:mac:vml" xmlns:p="http://schemas.openxmlformats.org/presentationml/2006/main" xmlns:c="http://schemas.openxmlformats.org/drawingml/2006/chart" xmlns:dgm="http://schemas.openxmlformats.org/drawingml/2006/diagram" xmlns:o="urn:schemas-microsoft-com:office:office" xmlns:v="urn:schemas-microsoft-com:vml" xmlns:pvml="urn:schemas-microsoft-com:office:powerpoint" xmlns:com="http://schemas.openxmlformats.org/drawingml/2006/compatibility" xmlns:p14="http://schemas.microsoft.com/office/powerpoint/2010/main" xmlns:p15="http://schemas.microsoft.com/office/powerpoint/2012/main" xmlns:ahyp="http://schemas.microsoft.com/office/drawing/2018/hyperlinkcolor">
-  <p:cSld>
-    <p:spTree>
-      <p:nvGrpSpPr>
-        <p:cNvPr id="121" name="Shape 121"/>
-        <p:cNvGrpSpPr/>
-        <p:nvPr/>
-      </p:nvGrpSpPr>
-      <p:grpSpPr>
-        <a:xfrm>
-          <a:off x="0" y="0"/>
-          <a:ext cx="0" cy="0"/>
-          <a:chOff x="0" y="0"/>
-          <a:chExt cx="0" cy="0"/>
-        </a:xfrm>
-      </p:grpSpPr>
-      <p:sp>
-        <p:nvSpPr>
-          <p:cNvPr id="122" name="Google Shape;122;p21"/>
+          <p:cNvPr id="114" name="Google Shape;114;p20"/>
           <p:cNvSpPr txBox="1"/>
           <p:nvPr>
             <p:ph type="title"/>
@@ -11800,7 +11257,7 @@
       </p:sp>
       <p:sp>
         <p:nvSpPr>
-          <p:cNvPr id="123" name="Google Shape;123;p21"/>
+          <p:cNvPr id="115" name="Google Shape;115;p20"/>
           <p:cNvSpPr txBox="1"/>
           <p:nvPr>
             <p:ph idx="2" type="body"/>
@@ -11870,7 +11327,415 @@
 </p:sld>
 </file>
 
+<file path=ppt/slides/slide9.xml><?xml version="1.0" encoding="utf-8"?>
+<p:sld xmlns:a="http://schemas.openxmlformats.org/drawingml/2006/main" xmlns:r="http://schemas.openxmlformats.org/officeDocument/2006/relationships" xmlns:mc="http://schemas.openxmlformats.org/markup-compatibility/2006" xmlns:mv="urn:schemas-microsoft-com:mac:vml" xmlns:p="http://schemas.openxmlformats.org/presentationml/2006/main" xmlns:c="http://schemas.openxmlformats.org/drawingml/2006/chart" xmlns:dgm="http://schemas.openxmlformats.org/drawingml/2006/diagram" xmlns:o="urn:schemas-microsoft-com:office:office" xmlns:v="urn:schemas-microsoft-com:vml" xmlns:pvml="urn:schemas-microsoft-com:office:powerpoint" xmlns:com="http://schemas.openxmlformats.org/drawingml/2006/compatibility" xmlns:p14="http://schemas.microsoft.com/office/powerpoint/2010/main" xmlns:p15="http://schemas.microsoft.com/office/powerpoint/2012/main" xmlns:ahyp="http://schemas.microsoft.com/office/drawing/2018/hyperlinkcolor">
+  <p:cSld>
+    <p:spTree>
+      <p:nvGrpSpPr>
+        <p:cNvPr id="119" name="Shape 119"/>
+        <p:cNvGrpSpPr/>
+        <p:nvPr/>
+      </p:nvGrpSpPr>
+      <p:grpSpPr>
+        <a:xfrm>
+          <a:off x="0" y="0"/>
+          <a:ext cx="0" cy="0"/>
+          <a:chOff x="0" y="0"/>
+          <a:chExt cx="0" cy="0"/>
+        </a:xfrm>
+      </p:grpSpPr>
+      <p:sp>
+        <p:nvSpPr>
+          <p:cNvPr id="120" name="Google Shape;120;p21"/>
+          <p:cNvSpPr txBox="1"/>
+          <p:nvPr>
+            <p:ph type="title"/>
+          </p:nvPr>
+        </p:nvSpPr>
+        <p:spPr>
+          <a:xfrm>
+            <a:off x="2516550" y="575950"/>
+            <a:ext cx="6205500" cy="635400"/>
+          </a:xfrm>
+          <a:prstGeom prst="rect">
+            <a:avLst/>
+          </a:prstGeom>
+        </p:spPr>
+        <p:txBody>
+          <a:bodyPr anchorCtr="0" anchor="t" bIns="91425" lIns="91425" spcFirstLastPara="1" rIns="91425" wrap="square" tIns="91425">
+            <a:noAutofit/>
+          </a:bodyPr>
+          <a:lstStyle/>
+          <a:p>
+            <a:pPr indent="0" lvl="0" marL="0" rtl="0" algn="l">
+              <a:spcBef>
+                <a:spcPts val="0"/>
+              </a:spcBef>
+              <a:spcAft>
+                <a:spcPts val="0"/>
+              </a:spcAft>
+              <a:buNone/>
+            </a:pPr>
+            <a:r>
+              <a:rPr lang="en"/>
+              <a:t>Analysis (continued)</a:t>
+            </a:r>
+            <a:endParaRPr/>
+          </a:p>
+        </p:txBody>
+      </p:sp>
+      <p:sp>
+        <p:nvSpPr>
+          <p:cNvPr id="121" name="Google Shape;121;p21"/>
+          <p:cNvSpPr txBox="1"/>
+          <p:nvPr>
+            <p:ph idx="2" type="body"/>
+          </p:nvPr>
+        </p:nvSpPr>
+        <p:spPr>
+          <a:xfrm>
+            <a:off x="2516500" y="1361175"/>
+            <a:ext cx="6205500" cy="3243900"/>
+          </a:xfrm>
+          <a:prstGeom prst="rect">
+            <a:avLst/>
+          </a:prstGeom>
+        </p:spPr>
+        <p:txBody>
+          <a:bodyPr anchorCtr="0" anchor="t" bIns="91425" lIns="91425" spcFirstLastPara="1" rIns="91425" wrap="square" tIns="91425">
+            <a:noAutofit/>
+          </a:bodyPr>
+          <a:lstStyle/>
+          <a:p>
+            <a:pPr indent="0" lvl="0" marL="0" rtl="0" algn="l">
+              <a:spcBef>
+                <a:spcPts val="0"/>
+              </a:spcBef>
+              <a:spcAft>
+                <a:spcPts val="0"/>
+              </a:spcAft>
+              <a:buNone/>
+            </a:pPr>
+            <a:r>
+              <a:rPr b="1" lang="en" sz="2000">
+                <a:solidFill>
+                  <a:schemeClr val="accent3"/>
+                </a:solidFill>
+              </a:rPr>
+              <a:t>How do we add interactive elements to our dashboard?</a:t>
+            </a:r>
+            <a:endParaRPr b="1" sz="2000">
+              <a:solidFill>
+                <a:schemeClr val="accent3"/>
+              </a:solidFill>
+            </a:endParaRPr>
+          </a:p>
+          <a:p>
+            <a:pPr indent="0" lvl="0" marL="0" rtl="0" algn="l">
+              <a:spcBef>
+                <a:spcPts val="1600"/>
+              </a:spcBef>
+              <a:spcAft>
+                <a:spcPts val="1200"/>
+              </a:spcAft>
+              <a:buNone/>
+            </a:pPr>
+            <a:r>
+              <a:rPr lang="en" sz="1500"/>
+              <a:t>We are going to include election year data from 2001 to 2021.  As of now, we have made a few visualizations for the 2017 election year.  Also, we have only worked with the individual contributions for that year.  This coming week, we are going to focus on adding data sources for the remaining years as well.  Beyond that, we will include committee contributions, expenditure data, as well as total votes received by the top two candidates to derive a full picture.</a:t>
+            </a:r>
+            <a:endParaRPr sz="1700"/>
+          </a:p>
+        </p:txBody>
+      </p:sp>
+    </p:spTree>
+  </p:cSld>
+  <p:clrMapOvr>
+    <a:masterClrMapping/>
+  </p:clrMapOvr>
+</p:sld>
+</file>
+
 <file path=ppt/theme/theme1.xml><?xml version="1.0" encoding="utf-8"?>
+<a:theme xmlns:a="http://schemas.openxmlformats.org/drawingml/2006/main" xmlns:r="http://schemas.openxmlformats.org/officeDocument/2006/relationships">
+  <a:themeElements>
+    <a:clrScheme name="Default">
+      <a:dk1>
+        <a:srgbClr val="000000"/>
+      </a:dk1>
+      <a:lt1>
+        <a:srgbClr val="FFFFFF"/>
+      </a:lt1>
+      <a:dk2>
+        <a:srgbClr val="158158"/>
+      </a:dk2>
+      <a:lt2>
+        <a:srgbClr val="F3F3F3"/>
+      </a:lt2>
+      <a:accent1>
+        <a:srgbClr val="058DC7"/>
+      </a:accent1>
+      <a:accent2>
+        <a:srgbClr val="50B432"/>
+      </a:accent2>
+      <a:accent3>
+        <a:srgbClr val="ED561B"/>
+      </a:accent3>
+      <a:accent4>
+        <a:srgbClr val="EDEF00"/>
+      </a:accent4>
+      <a:accent5>
+        <a:srgbClr val="24CBE5"/>
+      </a:accent5>
+      <a:accent6>
+        <a:srgbClr val="64E572"/>
+      </a:accent6>
+      <a:hlink>
+        <a:srgbClr val="2200CC"/>
+      </a:hlink>
+      <a:folHlink>
+        <a:srgbClr val="551A8B"/>
+      </a:folHlink>
+    </a:clrScheme>
+    <a:fontScheme name="Office">
+      <a:majorFont>
+        <a:latin typeface="Arial"/>
+        <a:ea typeface=""/>
+        <a:cs typeface=""/>
+        <a:font script="Jpan" typeface="ＭＳ Ｐゴシック"/>
+        <a:font script="Hang" typeface="맑은 고딕"/>
+        <a:font script="Hans" typeface="宋体"/>
+        <a:font script="Hant" typeface="新細明體"/>
+        <a:font script="Arab" typeface="Times New Roman"/>
+        <a:font script="Hebr" typeface="Times New Roman"/>
+        <a:font script="Thai" typeface="Angsana New"/>
+        <a:font script="Ethi" typeface="Nyala"/>
+        <a:font script="Beng" typeface="Vrinda"/>
+        <a:font script="Gujr" typeface="Shruti"/>
+        <a:font script="Khmr" typeface="MoolBoran"/>
+        <a:font script="Knda" typeface="Tunga"/>
+        <a:font script="Guru" typeface="Raavi"/>
+        <a:font script="Cans" typeface="Euphemia"/>
+        <a:font script="Cher" typeface="Plantagenet Cherokee"/>
+        <a:font script="Yiii" typeface="Microsoft Yi Baiti"/>
+        <a:font script="Tibt" typeface="Microsoft Himalaya"/>
+        <a:font script="Thaa" typeface="MV Boli"/>
+        <a:font script="Deva" typeface="Mangal"/>
+        <a:font script="Telu" typeface="Gautami"/>
+        <a:font script="Taml" typeface="Latha"/>
+        <a:font script="Syrc" typeface="Estrangelo Edessa"/>
+        <a:font script="Orya" typeface="Kalinga"/>
+        <a:font script="Mlym" typeface="Kartika"/>
+        <a:font script="Laoo" typeface="DokChampa"/>
+        <a:font script="Sinh" typeface="Iskoola Pota"/>
+        <a:font script="Mong" typeface="Mongolian Baiti"/>
+        <a:font script="Viet" typeface="Times New Roman"/>
+        <a:font script="Uigh" typeface="Microsoft Uighur"/>
+        <a:font script="Geor" typeface="Sylfaen"/>
+      </a:majorFont>
+      <a:minorFont>
+        <a:latin typeface="Arial"/>
+        <a:ea typeface=""/>
+        <a:cs typeface=""/>
+        <a:font script="Jpan" typeface="ＭＳ Ｐゴシック"/>
+        <a:font script="Hang" typeface="맑은 고딕"/>
+        <a:font script="Hans" typeface="宋体"/>
+        <a:font script="Hant" typeface="新細明體"/>
+        <a:font script="Arab" typeface="Arial"/>
+        <a:font script="Hebr" typeface="Arial"/>
+        <a:font script="Thai" typeface="Cordia New"/>
+        <a:font script="Ethi" typeface="Nyala"/>
+        <a:font script="Beng" typeface="Vrinda"/>
+        <a:font script="Gujr" typeface="Shruti"/>
+        <a:font script="Khmr" typeface="DaunPenh"/>
+        <a:font script="Knda" typeface="Tunga"/>
+        <a:font script="Guru" typeface="Raavi"/>
+        <a:font script="Cans" typeface="Euphemia"/>
+        <a:font script="Cher" typeface="Plantagenet Cherokee"/>
+        <a:font script="Yiii" typeface="Microsoft Yi Baiti"/>
+        <a:font script="Tibt" typeface="Microsoft Himalaya"/>
+        <a:font script="Thaa" typeface="MV Boli"/>
+        <a:font script="Deva" typeface="Mangal"/>
+        <a:font script="Telu" typeface="Gautami"/>
+        <a:font script="Taml" typeface="Latha"/>
+        <a:font script="Syrc" typeface="Estrangelo Edessa"/>
+        <a:font script="Orya" typeface="Kalinga"/>
+        <a:font script="Mlym" typeface="Kartika"/>
+        <a:font script="Laoo" typeface="DokChampa"/>
+        <a:font script="Sinh" typeface="Iskoola Pota"/>
+        <a:font script="Mong" typeface="Mongolian Baiti"/>
+        <a:font script="Viet" typeface="Arial"/>
+        <a:font script="Uigh" typeface="Microsoft Uighur"/>
+        <a:font script="Geor" typeface="Sylfaen"/>
+      </a:minorFont>
+    </a:fontScheme>
+    <a:fmtScheme name="Office">
+      <a:fillStyleLst>
+        <a:solidFill>
+          <a:schemeClr val="phClr"/>
+        </a:solidFill>
+        <a:gradFill rotWithShape="1">
+          <a:gsLst>
+            <a:gs pos="0">
+              <a:schemeClr val="phClr">
+                <a:tint val="50000"/>
+                <a:satMod val="300000"/>
+              </a:schemeClr>
+            </a:gs>
+            <a:gs pos="35000">
+              <a:schemeClr val="phClr">
+                <a:tint val="37000"/>
+                <a:satMod val="300000"/>
+              </a:schemeClr>
+            </a:gs>
+            <a:gs pos="100000">
+              <a:schemeClr val="phClr">
+                <a:tint val="15000"/>
+                <a:satMod val="350000"/>
+              </a:schemeClr>
+            </a:gs>
+          </a:gsLst>
+          <a:lin ang="16200000" scaled="1"/>
+        </a:gradFill>
+        <a:gradFill rotWithShape="1">
+          <a:gsLst>
+            <a:gs pos="0">
+              <a:schemeClr val="phClr">
+                <a:tint val="100000"/>
+                <a:shade val="100000"/>
+                <a:satMod val="130000"/>
+              </a:schemeClr>
+            </a:gs>
+            <a:gs pos="100000">
+              <a:schemeClr val="phClr">
+                <a:tint val="50000"/>
+                <a:shade val="100000"/>
+                <a:satMod val="350000"/>
+              </a:schemeClr>
+            </a:gs>
+          </a:gsLst>
+          <a:lin ang="16200000" scaled="0"/>
+        </a:gradFill>
+      </a:fillStyleLst>
+      <a:lnStyleLst>
+        <a:ln w="9525" cap="flat" cmpd="sng" algn="ctr">
+          <a:solidFill>
+            <a:schemeClr val="phClr">
+              <a:shade val="95000"/>
+              <a:satMod val="105000"/>
+            </a:schemeClr>
+          </a:solidFill>
+          <a:prstDash val="solid"/>
+        </a:ln>
+        <a:ln w="25400" cap="flat" cmpd="sng" algn="ctr">
+          <a:solidFill>
+            <a:schemeClr val="phClr"/>
+          </a:solidFill>
+          <a:prstDash val="solid"/>
+        </a:ln>
+        <a:ln w="38100" cap="flat" cmpd="sng" algn="ctr">
+          <a:solidFill>
+            <a:schemeClr val="phClr"/>
+          </a:solidFill>
+          <a:prstDash val="solid"/>
+        </a:ln>
+      </a:lnStyleLst>
+      <a:effectStyleLst>
+        <a:effectStyle>
+          <a:effectLst>
+            <a:outerShdw blurRad="40000" dist="20000" dir="5400000" rotWithShape="0">
+              <a:srgbClr val="000000">
+                <a:alpha val="38000"/>
+              </a:srgbClr>
+            </a:outerShdw>
+          </a:effectLst>
+        </a:effectStyle>
+        <a:effectStyle>
+          <a:effectLst>
+            <a:outerShdw blurRad="40000" dist="23000" dir="5400000" rotWithShape="0">
+              <a:srgbClr val="000000">
+                <a:alpha val="35000"/>
+              </a:srgbClr>
+            </a:outerShdw>
+          </a:effectLst>
+        </a:effectStyle>
+        <a:effectStyle>
+          <a:effectLst>
+            <a:outerShdw blurRad="40000" dist="23000" dir="5400000" rotWithShape="0">
+              <a:srgbClr val="000000">
+                <a:alpha val="35000"/>
+              </a:srgbClr>
+            </a:outerShdw>
+          </a:effectLst>
+          <a:scene3d>
+            <a:camera prst="orthographicFront">
+              <a:rot lat="0" lon="0" rev="0"/>
+            </a:camera>
+            <a:lightRig rig="threePt" dir="t">
+              <a:rot lat="0" lon="0" rev="1200000"/>
+            </a:lightRig>
+          </a:scene3d>
+          <a:sp3d>
+            <a:bevelT w="63500" h="25400"/>
+          </a:sp3d>
+        </a:effectStyle>
+      </a:effectStyleLst>
+      <a:bgFillStyleLst>
+        <a:solidFill>
+          <a:schemeClr val="phClr"/>
+        </a:solidFill>
+        <a:gradFill rotWithShape="1">
+          <a:gsLst>
+            <a:gs pos="0">
+              <a:schemeClr val="phClr">
+                <a:tint val="40000"/>
+                <a:satMod val="350000"/>
+              </a:schemeClr>
+            </a:gs>
+            <a:gs pos="40000">
+              <a:schemeClr val="phClr">
+                <a:tint val="45000"/>
+                <a:shade val="99000"/>
+                <a:satMod val="350000"/>
+              </a:schemeClr>
+            </a:gs>
+            <a:gs pos="100000">
+              <a:schemeClr val="phClr">
+                <a:shade val="20000"/>
+                <a:satMod val="255000"/>
+              </a:schemeClr>
+            </a:gs>
+          </a:gsLst>
+          <a:path path="circle">
+            <a:fillToRect l="50000" t="-80000" r="50000" b="180000"/>
+          </a:path>
+        </a:gradFill>
+        <a:gradFill rotWithShape="1">
+          <a:gsLst>
+            <a:gs pos="0">
+              <a:schemeClr val="phClr">
+                <a:tint val="80000"/>
+                <a:satMod val="300000"/>
+              </a:schemeClr>
+            </a:gs>
+            <a:gs pos="100000">
+              <a:schemeClr val="phClr">
+                <a:shade val="30000"/>
+                <a:satMod val="200000"/>
+              </a:schemeClr>
+            </a:gs>
+          </a:gsLst>
+          <a:path path="circle">
+            <a:fillToRect l="50000" t="50000" r="50000" b="50000"/>
+          </a:path>
+        </a:gradFill>
+      </a:bgFillStyleLst>
+    </a:fmtScheme>
+  </a:themeElements>
+</a:theme>
+</file>
+
+<file path=ppt/theme/theme2.xml><?xml version="1.0" encoding="utf-8"?>
 <a:theme xmlns:a="http://schemas.openxmlformats.org/drawingml/2006/main" xmlns:r="http://schemas.openxmlformats.org/officeDocument/2006/relationships" name="Swiss">
   <a:themeElements>
     <a:clrScheme name="Swiss">
@@ -12147,283 +12012,4 @@
     </a:fmtScheme>
   </a:themeElements>
 </a:theme>
-</file>
-
-<file path=ppt/theme/theme2.xml><?xml version="1.0" encoding="utf-8"?>
-<a:theme xmlns:a="http://schemas.openxmlformats.org/drawingml/2006/main" xmlns:r="http://schemas.openxmlformats.org/officeDocument/2006/relationships">
-  <a:themeElements>
-    <a:clrScheme name="Default">
-      <a:dk1>
-        <a:srgbClr val="000000"/>
-      </a:dk1>
-      <a:lt1>
-        <a:srgbClr val="FFFFFF"/>
-      </a:lt1>
-      <a:dk2>
-        <a:srgbClr val="158158"/>
-      </a:dk2>
-      <a:lt2>
-        <a:srgbClr val="F3F3F3"/>
-      </a:lt2>
-      <a:accent1>
-        <a:srgbClr val="058DC7"/>
-      </a:accent1>
-      <a:accent2>
-        <a:srgbClr val="50B432"/>
-      </a:accent2>
-      <a:accent3>
-        <a:srgbClr val="ED561B"/>
-      </a:accent3>
-      <a:accent4>
-        <a:srgbClr val="EDEF00"/>
-      </a:accent4>
-      <a:accent5>
-        <a:srgbClr val="24CBE5"/>
-      </a:accent5>
-      <a:accent6>
-        <a:srgbClr val="64E572"/>
-      </a:accent6>
-      <a:hlink>
-        <a:srgbClr val="2200CC"/>
-      </a:hlink>
-      <a:folHlink>
-        <a:srgbClr val="551A8B"/>
-      </a:folHlink>
-    </a:clrScheme>
-    <a:fontScheme name="Office">
-      <a:majorFont>
-        <a:latin typeface="Arial"/>
-        <a:ea typeface=""/>
-        <a:cs typeface=""/>
-        <a:font script="Jpan" typeface="ＭＳ Ｐゴシック"/>
-        <a:font script="Hang" typeface="맑은 고딕"/>
-        <a:font script="Hans" typeface="宋体"/>
-        <a:font script="Hant" typeface="新細明體"/>
-        <a:font script="Arab" typeface="Times New Roman"/>
-        <a:font script="Hebr" typeface="Times New Roman"/>
-        <a:font script="Thai" typeface="Angsana New"/>
-        <a:font script="Ethi" typeface="Nyala"/>
-        <a:font script="Beng" typeface="Vrinda"/>
-        <a:font script="Gujr" typeface="Shruti"/>
-        <a:font script="Khmr" typeface="MoolBoran"/>
-        <a:font script="Knda" typeface="Tunga"/>
-        <a:font script="Guru" typeface="Raavi"/>
-        <a:font script="Cans" typeface="Euphemia"/>
-        <a:font script="Cher" typeface="Plantagenet Cherokee"/>
-        <a:font script="Yiii" typeface="Microsoft Yi Baiti"/>
-        <a:font script="Tibt" typeface="Microsoft Himalaya"/>
-        <a:font script="Thaa" typeface="MV Boli"/>
-        <a:font script="Deva" typeface="Mangal"/>
-        <a:font script="Telu" typeface="Gautami"/>
-        <a:font script="Taml" typeface="Latha"/>
-        <a:font script="Syrc" typeface="Estrangelo Edessa"/>
-        <a:font script="Orya" typeface="Kalinga"/>
-        <a:font script="Mlym" typeface="Kartika"/>
-        <a:font script="Laoo" typeface="DokChampa"/>
-        <a:font script="Sinh" typeface="Iskoola Pota"/>
-        <a:font script="Mong" typeface="Mongolian Baiti"/>
-        <a:font script="Viet" typeface="Times New Roman"/>
-        <a:font script="Uigh" typeface="Microsoft Uighur"/>
-        <a:font script="Geor" typeface="Sylfaen"/>
-      </a:majorFont>
-      <a:minorFont>
-        <a:latin typeface="Arial"/>
-        <a:ea typeface=""/>
-        <a:cs typeface=""/>
-        <a:font script="Jpan" typeface="ＭＳ Ｐゴシック"/>
-        <a:font script="Hang" typeface="맑은 고딕"/>
-        <a:font script="Hans" typeface="宋体"/>
-        <a:font script="Hant" typeface="新細明體"/>
-        <a:font script="Arab" typeface="Arial"/>
-        <a:font script="Hebr" typeface="Arial"/>
-        <a:font script="Thai" typeface="Cordia New"/>
-        <a:font script="Ethi" typeface="Nyala"/>
-        <a:font script="Beng" typeface="Vrinda"/>
-        <a:font script="Gujr" typeface="Shruti"/>
-        <a:font script="Khmr" typeface="DaunPenh"/>
-        <a:font script="Knda" typeface="Tunga"/>
-        <a:font script="Guru" typeface="Raavi"/>
-        <a:font script="Cans" typeface="Euphemia"/>
-        <a:font script="Cher" typeface="Plantagenet Cherokee"/>
-        <a:font script="Yiii" typeface="Microsoft Yi Baiti"/>
-        <a:font script="Tibt" typeface="Microsoft Himalaya"/>
-        <a:font script="Thaa" typeface="MV Boli"/>
-        <a:font script="Deva" typeface="Mangal"/>
-        <a:font script="Telu" typeface="Gautami"/>
-        <a:font script="Taml" typeface="Latha"/>
-        <a:font script="Syrc" typeface="Estrangelo Edessa"/>
-        <a:font script="Orya" typeface="Kalinga"/>
-        <a:font script="Mlym" typeface="Kartika"/>
-        <a:font script="Laoo" typeface="DokChampa"/>
-        <a:font script="Sinh" typeface="Iskoola Pota"/>
-        <a:font script="Mong" typeface="Mongolian Baiti"/>
-        <a:font script="Viet" typeface="Arial"/>
-        <a:font script="Uigh" typeface="Microsoft Uighur"/>
-        <a:font script="Geor" typeface="Sylfaen"/>
-      </a:minorFont>
-    </a:fontScheme>
-    <a:fmtScheme name="Office">
-      <a:fillStyleLst>
-        <a:solidFill>
-          <a:schemeClr val="phClr"/>
-        </a:solidFill>
-        <a:gradFill rotWithShape="1">
-          <a:gsLst>
-            <a:gs pos="0">
-              <a:schemeClr val="phClr">
-                <a:tint val="50000"/>
-                <a:satMod val="300000"/>
-              </a:schemeClr>
-            </a:gs>
-            <a:gs pos="35000">
-              <a:schemeClr val="phClr">
-                <a:tint val="37000"/>
-                <a:satMod val="300000"/>
-              </a:schemeClr>
-            </a:gs>
-            <a:gs pos="100000">
-              <a:schemeClr val="phClr">
-                <a:tint val="15000"/>
-                <a:satMod val="350000"/>
-              </a:schemeClr>
-            </a:gs>
-          </a:gsLst>
-          <a:lin ang="16200000" scaled="1"/>
-        </a:gradFill>
-        <a:gradFill rotWithShape="1">
-          <a:gsLst>
-            <a:gs pos="0">
-              <a:schemeClr val="phClr">
-                <a:tint val="100000"/>
-                <a:shade val="100000"/>
-                <a:satMod val="130000"/>
-              </a:schemeClr>
-            </a:gs>
-            <a:gs pos="100000">
-              <a:schemeClr val="phClr">
-                <a:tint val="50000"/>
-                <a:shade val="100000"/>
-                <a:satMod val="350000"/>
-              </a:schemeClr>
-            </a:gs>
-          </a:gsLst>
-          <a:lin ang="16200000" scaled="0"/>
-        </a:gradFill>
-      </a:fillStyleLst>
-      <a:lnStyleLst>
-        <a:ln w="9525" cap="flat" cmpd="sng" algn="ctr">
-          <a:solidFill>
-            <a:schemeClr val="phClr">
-              <a:shade val="95000"/>
-              <a:satMod val="105000"/>
-            </a:schemeClr>
-          </a:solidFill>
-          <a:prstDash val="solid"/>
-        </a:ln>
-        <a:ln w="25400" cap="flat" cmpd="sng" algn="ctr">
-          <a:solidFill>
-            <a:schemeClr val="phClr"/>
-          </a:solidFill>
-          <a:prstDash val="solid"/>
-        </a:ln>
-        <a:ln w="38100" cap="flat" cmpd="sng" algn="ctr">
-          <a:solidFill>
-            <a:schemeClr val="phClr"/>
-          </a:solidFill>
-          <a:prstDash val="solid"/>
-        </a:ln>
-      </a:lnStyleLst>
-      <a:effectStyleLst>
-        <a:effectStyle>
-          <a:effectLst>
-            <a:outerShdw blurRad="40000" dist="20000" dir="5400000" rotWithShape="0">
-              <a:srgbClr val="000000">
-                <a:alpha val="38000"/>
-              </a:srgbClr>
-            </a:outerShdw>
-          </a:effectLst>
-        </a:effectStyle>
-        <a:effectStyle>
-          <a:effectLst>
-            <a:outerShdw blurRad="40000" dist="23000" dir="5400000" rotWithShape="0">
-              <a:srgbClr val="000000">
-                <a:alpha val="35000"/>
-              </a:srgbClr>
-            </a:outerShdw>
-          </a:effectLst>
-        </a:effectStyle>
-        <a:effectStyle>
-          <a:effectLst>
-            <a:outerShdw blurRad="40000" dist="23000" dir="5400000" rotWithShape="0">
-              <a:srgbClr val="000000">
-                <a:alpha val="35000"/>
-              </a:srgbClr>
-            </a:outerShdw>
-          </a:effectLst>
-          <a:scene3d>
-            <a:camera prst="orthographicFront">
-              <a:rot lat="0" lon="0" rev="0"/>
-            </a:camera>
-            <a:lightRig rig="threePt" dir="t">
-              <a:rot lat="0" lon="0" rev="1200000"/>
-            </a:lightRig>
-          </a:scene3d>
-          <a:sp3d>
-            <a:bevelT w="63500" h="25400"/>
-          </a:sp3d>
-        </a:effectStyle>
-      </a:effectStyleLst>
-      <a:bgFillStyleLst>
-        <a:solidFill>
-          <a:schemeClr val="phClr"/>
-        </a:solidFill>
-        <a:gradFill rotWithShape="1">
-          <a:gsLst>
-            <a:gs pos="0">
-              <a:schemeClr val="phClr">
-                <a:tint val="40000"/>
-                <a:satMod val="350000"/>
-              </a:schemeClr>
-            </a:gs>
-            <a:gs pos="40000">
-              <a:schemeClr val="phClr">
-                <a:tint val="45000"/>
-                <a:shade val="99000"/>
-                <a:satMod val="350000"/>
-              </a:schemeClr>
-            </a:gs>
-            <a:gs pos="100000">
-              <a:schemeClr val="phClr">
-                <a:shade val="20000"/>
-                <a:satMod val="255000"/>
-              </a:schemeClr>
-            </a:gs>
-          </a:gsLst>
-          <a:path path="circle">
-            <a:fillToRect l="50000" t="-80000" r="50000" b="180000"/>
-          </a:path>
-        </a:gradFill>
-        <a:gradFill rotWithShape="1">
-          <a:gsLst>
-            <a:gs pos="0">
-              <a:schemeClr val="phClr">
-                <a:tint val="80000"/>
-                <a:satMod val="300000"/>
-              </a:schemeClr>
-            </a:gs>
-            <a:gs pos="100000">
-              <a:schemeClr val="phClr">
-                <a:shade val="30000"/>
-                <a:satMod val="200000"/>
-              </a:schemeClr>
-            </a:gs>
-          </a:gsLst>
-          <a:path path="circle">
-            <a:fillToRect l="50000" t="50000" r="50000" b="50000"/>
-          </a:path>
-        </a:gradFill>
-      </a:bgFillStyleLst>
-    </a:fmtScheme>
-  </a:themeElements>
-</a:theme>
 </file>
--- a/Presentation/Group5Presentation.pptx
+++ b/Presentation/Group5Presentation.pptx
@@ -10425,8 +10425,8 @@
         </p:nvSpPr>
         <p:spPr>
           <a:xfrm>
-            <a:off x="2400297" y="1602675"/>
-            <a:ext cx="6321600" cy="3002400"/>
+            <a:off x="2400300" y="1211350"/>
+            <a:ext cx="6321600" cy="3393900"/>
           </a:xfrm>
           <a:prstGeom prst="rect">
             <a:avLst/>
@@ -10494,7 +10494,15 @@
             </a:pPr>
             <a:r>
               <a:rPr lang="en" sz="1600"/>
-              <a:t>We will determine whether there exists a relationship between the donation sum amount and a given candidate’s election result, and whether a donation sum from a particular occupation or industry is likewise related.</a:t>
+              <a:t>We will determine whether there exists a relationship between the </a:t>
+            </a:r>
+            <a:r>
+              <a:rPr lang="en" sz="1600"/>
+              <a:t>quantity of campaign finance donations and electoral results</a:t>
+            </a:r>
+            <a:r>
+              <a:rPr lang="en" sz="1600"/>
+              <a:t>, and whether a donation sum from a particular occupation or industry is likewise related.</a:t>
             </a:r>
             <a:endParaRPr sz="1600"/>
           </a:p>

--- a/Presentation/Group5Presentation.pptx
+++ b/Presentation/Group5Presentation.pptx
@@ -23,23 +23,25 @@
     <p:sldId id="268" r:id="rId18"/>
     <p:sldId id="269" r:id="rId19"/>
     <p:sldId id="270" r:id="rId20"/>
+    <p:sldId id="271" r:id="rId21"/>
+    <p:sldId id="272" r:id="rId22"/>
   </p:sldIdLst>
   <p:sldSz cy="5143500" cx="9144000"/>
   <p:notesSz cx="6858000" cy="9144000"/>
   <p:embeddedFontLst>
     <p:embeddedFont>
       <p:font typeface="Raleway"/>
-      <p:regular r:id="rId21"/>
-      <p:bold r:id="rId22"/>
-      <p:italic r:id="rId23"/>
-      <p:boldItalic r:id="rId24"/>
+      <p:regular r:id="rId23"/>
+      <p:bold r:id="rId24"/>
+      <p:italic r:id="rId25"/>
+      <p:boldItalic r:id="rId26"/>
     </p:embeddedFont>
     <p:embeddedFont>
       <p:font typeface="Lato"/>
-      <p:regular r:id="rId25"/>
-      <p:bold r:id="rId26"/>
-      <p:italic r:id="rId27"/>
-      <p:boldItalic r:id="rId28"/>
+      <p:regular r:id="rId27"/>
+      <p:bold r:id="rId28"/>
+      <p:italic r:id="rId29"/>
+      <p:boldItalic r:id="rId30"/>
     </p:embeddedFont>
   </p:embeddedFontLst>
   <p:defaultTextStyle>
@@ -820,7 +822,7 @@
   <p:cSld>
     <p:spTree>
       <p:nvGrpSpPr>
-        <p:cNvPr id="122" name="Shape 122"/>
+        <p:cNvPr id="121" name="Shape 121"/>
         <p:cNvGrpSpPr/>
         <p:nvPr/>
       </p:nvGrpSpPr>
@@ -834,7 +836,7 @@
       </p:grpSpPr>
       <p:sp>
         <p:nvSpPr>
-          <p:cNvPr id="123" name="Google Shape;123;gebcc5b2c4c_0_46:notes"/>
+          <p:cNvPr id="122" name="Google Shape;122;gebcc5b2c4c_0_23:notes"/>
           <p:cNvSpPr/>
           <p:nvPr>
             <p:ph idx="2" type="sldImg"/>
@@ -869,7 +871,7 @@
       </p:sp>
       <p:sp>
         <p:nvSpPr>
-          <p:cNvPr id="124" name="Google Shape;124;gebcc5b2c4c_0_46:notes"/>
+          <p:cNvPr id="123" name="Google Shape;123;gebcc5b2c4c_0_23:notes"/>
           <p:cNvSpPr txBox="1"/>
           <p:nvPr>
             <p:ph idx="1" type="body"/>
@@ -919,7 +921,7 @@
   <p:cSld>
     <p:spTree>
       <p:nvGrpSpPr>
-        <p:cNvPr id="128" name="Shape 128"/>
+        <p:cNvPr id="127" name="Shape 127"/>
         <p:cNvGrpSpPr/>
         <p:nvPr/>
       </p:nvGrpSpPr>
@@ -933,7 +935,7 @@
       </p:grpSpPr>
       <p:sp>
         <p:nvSpPr>
-          <p:cNvPr id="129" name="Google Shape;129;gebcc5b2c4c_0_51:notes"/>
+          <p:cNvPr id="128" name="Google Shape;128;gebcc5b2c4c_0_29:notes"/>
           <p:cNvSpPr/>
           <p:nvPr>
             <p:ph idx="2" type="sldImg"/>
@@ -968,7 +970,7 @@
       </p:sp>
       <p:sp>
         <p:nvSpPr>
-          <p:cNvPr id="130" name="Google Shape;130;gebcc5b2c4c_0_51:notes"/>
+          <p:cNvPr id="129" name="Google Shape;129;gebcc5b2c4c_0_29:notes"/>
           <p:cNvSpPr txBox="1"/>
           <p:nvPr>
             <p:ph idx="1" type="body"/>
@@ -1018,7 +1020,7 @@
   <p:cSld>
     <p:spTree>
       <p:nvGrpSpPr>
-        <p:cNvPr id="134" name="Shape 134"/>
+        <p:cNvPr id="133" name="Shape 133"/>
         <p:cNvGrpSpPr/>
         <p:nvPr/>
       </p:nvGrpSpPr>
@@ -1032,7 +1034,7 @@
       </p:grpSpPr>
       <p:sp>
         <p:nvSpPr>
-          <p:cNvPr id="135" name="Google Shape;135;gc6fa3c898_0_28:notes"/>
+          <p:cNvPr id="134" name="Google Shape;134;gebcc5b2c4c_0_46:notes"/>
           <p:cNvSpPr/>
           <p:nvPr>
             <p:ph idx="2" type="sldImg"/>
@@ -1067,7 +1069,7 @@
       </p:sp>
       <p:sp>
         <p:nvSpPr>
-          <p:cNvPr id="136" name="Google Shape;136;gc6fa3c898_0_28:notes"/>
+          <p:cNvPr id="135" name="Google Shape;135;gebcc5b2c4c_0_46:notes"/>
           <p:cNvSpPr txBox="1"/>
           <p:nvPr>
             <p:ph idx="1" type="body"/>
@@ -1131,7 +1133,7 @@
       </p:grpSpPr>
       <p:sp>
         <p:nvSpPr>
-          <p:cNvPr id="140" name="Google Shape;140;gc6fa3c898_0_32:notes"/>
+          <p:cNvPr id="140" name="Google Shape;140;gebcc5b2c4c_0_51:notes"/>
           <p:cNvSpPr/>
           <p:nvPr>
             <p:ph idx="2" type="sldImg"/>
@@ -1166,7 +1168,7 @@
       </p:sp>
       <p:sp>
         <p:nvSpPr>
-          <p:cNvPr id="141" name="Google Shape;141;gc6fa3c898_0_32:notes"/>
+          <p:cNvPr id="141" name="Google Shape;141;gebcc5b2c4c_0_51:notes"/>
           <p:cNvSpPr txBox="1"/>
           <p:nvPr>
             <p:ph idx="1" type="body"/>
@@ -1216,7 +1218,7 @@
   <p:cSld>
     <p:spTree>
       <p:nvGrpSpPr>
-        <p:cNvPr id="173" name="Shape 173"/>
+        <p:cNvPr id="145" name="Shape 145"/>
         <p:cNvGrpSpPr/>
         <p:nvPr/>
       </p:nvGrpSpPr>
@@ -1230,7 +1232,7 @@
       </p:grpSpPr>
       <p:sp>
         <p:nvSpPr>
-          <p:cNvPr id="174" name="Google Shape;174;gc6fa3c898_0_65:notes"/>
+          <p:cNvPr id="146" name="Google Shape;146;gc6fa3c898_0_28:notes"/>
           <p:cNvSpPr/>
           <p:nvPr>
             <p:ph idx="2" type="sldImg"/>
@@ -1265,7 +1267,7 @@
       </p:sp>
       <p:sp>
         <p:nvSpPr>
-          <p:cNvPr id="175" name="Google Shape;175;gc6fa3c898_0_65:notes"/>
+          <p:cNvPr id="147" name="Google Shape;147;gc6fa3c898_0_28:notes"/>
           <p:cNvSpPr txBox="1"/>
           <p:nvPr>
             <p:ph idx="1" type="body"/>
@@ -1315,7 +1317,7 @@
   <p:cSld>
     <p:spTree>
       <p:nvGrpSpPr>
-        <p:cNvPr id="179" name="Shape 179"/>
+        <p:cNvPr id="150" name="Shape 150"/>
         <p:cNvGrpSpPr/>
         <p:nvPr/>
       </p:nvGrpSpPr>
@@ -1329,7 +1331,7 @@
       </p:grpSpPr>
       <p:sp>
         <p:nvSpPr>
-          <p:cNvPr id="180" name="Google Shape;180;gc6fa3c898_0_70:notes"/>
+          <p:cNvPr id="151" name="Google Shape;151;gf0c6892ecf_0_9:notes"/>
           <p:cNvSpPr/>
           <p:nvPr>
             <p:ph idx="2" type="sldImg"/>
@@ -1337,8 +1339,8 @@
         </p:nvSpPr>
         <p:spPr>
           <a:xfrm>
-            <a:off x="381188" y="685800"/>
-            <a:ext cx="6096300" cy="3429000"/>
+            <a:off x="381300" y="685800"/>
+            <a:ext cx="6096000" cy="3429000"/>
           </a:xfrm>
           <a:custGeom>
             <a:rect b="b" l="l" r="r" t="t"/>
@@ -1364,7 +1366,205 @@
       </p:sp>
       <p:sp>
         <p:nvSpPr>
-          <p:cNvPr id="181" name="Google Shape;181;gc6fa3c898_0_70:notes"/>
+          <p:cNvPr id="152" name="Google Shape;152;gf0c6892ecf_0_9:notes"/>
+          <p:cNvSpPr txBox="1"/>
+          <p:nvPr>
+            <p:ph idx="1" type="body"/>
+          </p:nvPr>
+        </p:nvSpPr>
+        <p:spPr>
+          <a:xfrm>
+            <a:off x="685800" y="4343400"/>
+            <a:ext cx="5486400" cy="4114800"/>
+          </a:xfrm>
+          <a:prstGeom prst="rect">
+            <a:avLst/>
+          </a:prstGeom>
+        </p:spPr>
+        <p:txBody>
+          <a:bodyPr anchorCtr="0" anchor="t" bIns="91425" lIns="91425" spcFirstLastPara="1" rIns="91425" wrap="square" tIns="91425">
+            <a:noAutofit/>
+          </a:bodyPr>
+          <a:lstStyle/>
+          <a:p>
+            <a:pPr indent="0" lvl="0" marL="0" rtl="0" algn="l">
+              <a:spcBef>
+                <a:spcPts val="0"/>
+              </a:spcBef>
+              <a:spcAft>
+                <a:spcPts val="0"/>
+              </a:spcAft>
+              <a:buNone/>
+            </a:pPr>
+            <a:r>
+              <a:t/>
+            </a:r>
+            <a:endParaRPr/>
+          </a:p>
+        </p:txBody>
+      </p:sp>
+    </p:spTree>
+  </p:cSld>
+  <p:clrMapOvr>
+    <a:masterClrMapping/>
+  </p:clrMapOvr>
+</p:notes>
+</file>
+
+<file path=ppt/notesSlides/notesSlide16.xml><?xml version="1.0" encoding="utf-8"?>
+<p:notes xmlns:a="http://schemas.openxmlformats.org/drawingml/2006/main" xmlns:r="http://schemas.openxmlformats.org/officeDocument/2006/relationships" xmlns:mc="http://schemas.openxmlformats.org/markup-compatibility/2006" xmlns:mv="urn:schemas-microsoft-com:mac:vml" xmlns:p="http://schemas.openxmlformats.org/presentationml/2006/main" xmlns:c="http://schemas.openxmlformats.org/drawingml/2006/chart" xmlns:dgm="http://schemas.openxmlformats.org/drawingml/2006/diagram" xmlns:o="urn:schemas-microsoft-com:office:office" xmlns:v="urn:schemas-microsoft-com:vml" xmlns:pvml="urn:schemas-microsoft-com:office:powerpoint" xmlns:com="http://schemas.openxmlformats.org/drawingml/2006/compatibility" xmlns:p14="http://schemas.microsoft.com/office/powerpoint/2010/main" xmlns:p15="http://schemas.microsoft.com/office/powerpoint/2012/main" xmlns:ahyp="http://schemas.microsoft.com/office/drawing/2018/hyperlinkcolor" showMasterPhAnim="0" showMasterSp="0">
+  <p:cSld>
+    <p:spTree>
+      <p:nvGrpSpPr>
+        <p:cNvPr id="157" name="Shape 157"/>
+        <p:cNvGrpSpPr/>
+        <p:nvPr/>
+      </p:nvGrpSpPr>
+      <p:grpSpPr>
+        <a:xfrm>
+          <a:off x="0" y="0"/>
+          <a:ext cx="0" cy="0"/>
+          <a:chOff x="0" y="0"/>
+          <a:chExt cx="0" cy="0"/>
+        </a:xfrm>
+      </p:grpSpPr>
+      <p:sp>
+        <p:nvSpPr>
+          <p:cNvPr id="158" name="Google Shape;158;gc6fa3c898_0_65:notes"/>
+          <p:cNvSpPr/>
+          <p:nvPr>
+            <p:ph idx="2" type="sldImg"/>
+          </p:nvPr>
+        </p:nvSpPr>
+        <p:spPr>
+          <a:xfrm>
+            <a:off x="381188" y="685800"/>
+            <a:ext cx="6096300" cy="3429000"/>
+          </a:xfrm>
+          <a:custGeom>
+            <a:rect b="b" l="l" r="r" t="t"/>
+            <a:pathLst>
+              <a:path extrusionOk="0" h="120000" w="120000">
+                <a:moveTo>
+                  <a:pt x="0" y="0"/>
+                </a:moveTo>
+                <a:lnTo>
+                  <a:pt x="120000" y="0"/>
+                </a:lnTo>
+                <a:lnTo>
+                  <a:pt x="120000" y="120000"/>
+                </a:lnTo>
+                <a:lnTo>
+                  <a:pt x="0" y="120000"/>
+                </a:lnTo>
+                <a:close/>
+              </a:path>
+            </a:pathLst>
+          </a:custGeom>
+        </p:spPr>
+      </p:sp>
+      <p:sp>
+        <p:nvSpPr>
+          <p:cNvPr id="159" name="Google Shape;159;gc6fa3c898_0_65:notes"/>
+          <p:cNvSpPr txBox="1"/>
+          <p:nvPr>
+            <p:ph idx="1" type="body"/>
+          </p:nvPr>
+        </p:nvSpPr>
+        <p:spPr>
+          <a:xfrm>
+            <a:off x="685800" y="4343400"/>
+            <a:ext cx="5486400" cy="4114800"/>
+          </a:xfrm>
+          <a:prstGeom prst="rect">
+            <a:avLst/>
+          </a:prstGeom>
+        </p:spPr>
+        <p:txBody>
+          <a:bodyPr anchorCtr="0" anchor="t" bIns="91425" lIns="91425" spcFirstLastPara="1" rIns="91425" wrap="square" tIns="91425">
+            <a:noAutofit/>
+          </a:bodyPr>
+          <a:lstStyle/>
+          <a:p>
+            <a:pPr indent="0" lvl="0" marL="0" rtl="0" algn="l">
+              <a:spcBef>
+                <a:spcPts val="0"/>
+              </a:spcBef>
+              <a:spcAft>
+                <a:spcPts val="0"/>
+              </a:spcAft>
+              <a:buNone/>
+            </a:pPr>
+            <a:r>
+              <a:t/>
+            </a:r>
+            <a:endParaRPr/>
+          </a:p>
+        </p:txBody>
+      </p:sp>
+    </p:spTree>
+  </p:cSld>
+  <p:clrMapOvr>
+    <a:masterClrMapping/>
+  </p:clrMapOvr>
+</p:notes>
+</file>
+
+<file path=ppt/notesSlides/notesSlide17.xml><?xml version="1.0" encoding="utf-8"?>
+<p:notes xmlns:a="http://schemas.openxmlformats.org/drawingml/2006/main" xmlns:r="http://schemas.openxmlformats.org/officeDocument/2006/relationships" xmlns:mc="http://schemas.openxmlformats.org/markup-compatibility/2006" xmlns:mv="urn:schemas-microsoft-com:mac:vml" xmlns:p="http://schemas.openxmlformats.org/presentationml/2006/main" xmlns:c="http://schemas.openxmlformats.org/drawingml/2006/chart" xmlns:dgm="http://schemas.openxmlformats.org/drawingml/2006/diagram" xmlns:o="urn:schemas-microsoft-com:office:office" xmlns:v="urn:schemas-microsoft-com:vml" xmlns:pvml="urn:schemas-microsoft-com:office:powerpoint" xmlns:com="http://schemas.openxmlformats.org/drawingml/2006/compatibility" xmlns:p14="http://schemas.microsoft.com/office/powerpoint/2010/main" xmlns:p15="http://schemas.microsoft.com/office/powerpoint/2012/main" xmlns:ahyp="http://schemas.microsoft.com/office/drawing/2018/hyperlinkcolor" showMasterPhAnim="0" showMasterSp="0">
+  <p:cSld>
+    <p:spTree>
+      <p:nvGrpSpPr>
+        <p:cNvPr id="163" name="Shape 163"/>
+        <p:cNvGrpSpPr/>
+        <p:nvPr/>
+      </p:nvGrpSpPr>
+      <p:grpSpPr>
+        <a:xfrm>
+          <a:off x="0" y="0"/>
+          <a:ext cx="0" cy="0"/>
+          <a:chOff x="0" y="0"/>
+          <a:chExt cx="0" cy="0"/>
+        </a:xfrm>
+      </p:grpSpPr>
+      <p:sp>
+        <p:nvSpPr>
+          <p:cNvPr id="164" name="Google Shape;164;gc6fa3c898_0_70:notes"/>
+          <p:cNvSpPr/>
+          <p:nvPr>
+            <p:ph idx="2" type="sldImg"/>
+          </p:nvPr>
+        </p:nvSpPr>
+        <p:spPr>
+          <a:xfrm>
+            <a:off x="381188" y="685800"/>
+            <a:ext cx="6096300" cy="3429000"/>
+          </a:xfrm>
+          <a:custGeom>
+            <a:rect b="b" l="l" r="r" t="t"/>
+            <a:pathLst>
+              <a:path extrusionOk="0" h="120000" w="120000">
+                <a:moveTo>
+                  <a:pt x="0" y="0"/>
+                </a:moveTo>
+                <a:lnTo>
+                  <a:pt x="120000" y="0"/>
+                </a:lnTo>
+                <a:lnTo>
+                  <a:pt x="120000" y="120000"/>
+                </a:lnTo>
+                <a:lnTo>
+                  <a:pt x="0" y="120000"/>
+                </a:lnTo>
+                <a:close/>
+              </a:path>
+            </a:pathLst>
+          </a:custGeom>
+        </p:spPr>
+      </p:sp>
+      <p:sp>
+        <p:nvSpPr>
+          <p:cNvPr id="165" name="Google Shape;165;gc6fa3c898_0_70:notes"/>
           <p:cNvSpPr txBox="1"/>
           <p:nvPr>
             <p:ph idx="1" type="body"/>
@@ -1725,7 +1925,7 @@
       </p:grpSpPr>
       <p:sp>
         <p:nvSpPr>
-          <p:cNvPr id="93" name="Google Shape;93;gebcc5b2c4c_0_6:notes"/>
+          <p:cNvPr id="93" name="Google Shape;93;gf0c6892ecf_0_5:notes"/>
           <p:cNvSpPr/>
           <p:nvPr>
             <p:ph idx="2" type="sldImg"/>
@@ -1760,7 +1960,7 @@
       </p:sp>
       <p:sp>
         <p:nvSpPr>
-          <p:cNvPr id="94" name="Google Shape;94;gebcc5b2c4c_0_6:notes"/>
+          <p:cNvPr id="94" name="Google Shape;94;gf0c6892ecf_0_5:notes"/>
           <p:cNvSpPr txBox="1"/>
           <p:nvPr>
             <p:ph idx="1" type="body"/>
@@ -1824,7 +2024,7 @@
       </p:grpSpPr>
       <p:sp>
         <p:nvSpPr>
-          <p:cNvPr id="98" name="Google Shape;98;gebcc5b2c4c_0_0:notes"/>
+          <p:cNvPr id="98" name="Google Shape;98;gf0c6892ecf_0_0:notes"/>
           <p:cNvSpPr/>
           <p:nvPr>
             <p:ph idx="2" type="sldImg"/>
@@ -1859,7 +2059,7 @@
       </p:sp>
       <p:sp>
         <p:nvSpPr>
-          <p:cNvPr id="99" name="Google Shape;99;gebcc5b2c4c_0_0:notes"/>
+          <p:cNvPr id="99" name="Google Shape;99;gf0c6892ecf_0_0:notes"/>
           <p:cNvSpPr txBox="1"/>
           <p:nvPr>
             <p:ph idx="1" type="body"/>
@@ -1909,7 +2109,7 @@
   <p:cSld>
     <p:spTree>
       <p:nvGrpSpPr>
-        <p:cNvPr id="104" name="Shape 104"/>
+        <p:cNvPr id="103" name="Shape 103"/>
         <p:cNvGrpSpPr/>
         <p:nvPr/>
       </p:nvGrpSpPr>
@@ -1923,7 +2123,7 @@
       </p:grpSpPr>
       <p:sp>
         <p:nvSpPr>
-          <p:cNvPr id="105" name="Google Shape;105;gebcc5b2c4c_0_14:notes"/>
+          <p:cNvPr id="104" name="Google Shape;104;gebcc5b2c4c_0_6:notes"/>
           <p:cNvSpPr/>
           <p:nvPr>
             <p:ph idx="2" type="sldImg"/>
@@ -1958,7 +2158,7 @@
       </p:sp>
       <p:sp>
         <p:nvSpPr>
-          <p:cNvPr id="106" name="Google Shape;106;gebcc5b2c4c_0_14:notes"/>
+          <p:cNvPr id="105" name="Google Shape;105;gebcc5b2c4c_0_6:notes"/>
           <p:cNvSpPr txBox="1"/>
           <p:nvPr>
             <p:ph idx="1" type="body"/>
@@ -2008,7 +2208,7 @@
   <p:cSld>
     <p:spTree>
       <p:nvGrpSpPr>
-        <p:cNvPr id="110" name="Shape 110"/>
+        <p:cNvPr id="108" name="Shape 108"/>
         <p:cNvGrpSpPr/>
         <p:nvPr/>
       </p:nvGrpSpPr>
@@ -2022,7 +2222,7 @@
       </p:grpSpPr>
       <p:sp>
         <p:nvSpPr>
-          <p:cNvPr id="111" name="Google Shape;111;gebcc5b2c4c_0_23:notes"/>
+          <p:cNvPr id="109" name="Google Shape;109;gebcc5b2c4c_0_0:notes"/>
           <p:cNvSpPr/>
           <p:nvPr>
             <p:ph idx="2" type="sldImg"/>
@@ -2057,7 +2257,7 @@
       </p:sp>
       <p:sp>
         <p:nvSpPr>
-          <p:cNvPr id="112" name="Google Shape;112;gebcc5b2c4c_0_23:notes"/>
+          <p:cNvPr id="110" name="Google Shape;110;gebcc5b2c4c_0_0:notes"/>
           <p:cNvSpPr txBox="1"/>
           <p:nvPr>
             <p:ph idx="1" type="body"/>
@@ -2107,7 +2307,7 @@
   <p:cSld>
     <p:spTree>
       <p:nvGrpSpPr>
-        <p:cNvPr id="116" name="Shape 116"/>
+        <p:cNvPr id="115" name="Shape 115"/>
         <p:cNvGrpSpPr/>
         <p:nvPr/>
       </p:nvGrpSpPr>
@@ -2121,7 +2321,7 @@
       </p:grpSpPr>
       <p:sp>
         <p:nvSpPr>
-          <p:cNvPr id="117" name="Google Shape;117;gebcc5b2c4c_0_29:notes"/>
+          <p:cNvPr id="116" name="Google Shape;116;gebcc5b2c4c_0_14:notes"/>
           <p:cNvSpPr/>
           <p:nvPr>
             <p:ph idx="2" type="sldImg"/>
@@ -2156,7 +2356,7 @@
       </p:sp>
       <p:sp>
         <p:nvSpPr>
-          <p:cNvPr id="118" name="Google Shape;118;gebcc5b2c4c_0_29:notes"/>
+          <p:cNvPr id="117" name="Google Shape;117;gebcc5b2c4c_0_14:notes"/>
           <p:cNvSpPr txBox="1"/>
           <p:nvPr>
             <p:ph idx="1" type="body"/>
@@ -8308,7 +8508,7 @@
   <p:cSld>
     <p:spTree>
       <p:nvGrpSpPr>
-        <p:cNvPr id="125" name="Shape 125"/>
+        <p:cNvPr id="124" name="Shape 124"/>
         <p:cNvGrpSpPr/>
         <p:nvPr/>
       </p:nvGrpSpPr>
@@ -8322,7 +8522,7 @@
       </p:grpSpPr>
       <p:sp>
         <p:nvSpPr>
-          <p:cNvPr id="126" name="Google Shape;126;p22"/>
+          <p:cNvPr id="125" name="Google Shape;125;p22"/>
           <p:cNvSpPr txBox="1"/>
           <p:nvPr>
             <p:ph type="title"/>
@@ -8354,7 +8554,7 @@
             </a:pPr>
             <a:r>
               <a:rPr lang="en"/>
-              <a:t>Dashboard 1</a:t>
+              <a:t>Analysis</a:t>
             </a:r>
             <a:endParaRPr/>
           </a:p>
@@ -8362,7 +8562,7 @@
       </p:sp>
       <p:sp>
         <p:nvSpPr>
-          <p:cNvPr id="127" name="Google Shape;127;p22"/>
+          <p:cNvPr id="126" name="Google Shape;126;p22"/>
           <p:cNvSpPr txBox="1"/>
           <p:nvPr>
             <p:ph idx="2" type="body"/>
@@ -8383,72 +8583,44 @@
           </a:bodyPr>
           <a:lstStyle/>
           <a:p>
-            <a:pPr indent="-323850" lvl="0" marL="457200" rtl="0" algn="l">
-              <a:spcBef>
-                <a:spcPts val="0"/>
-              </a:spcBef>
-              <a:spcAft>
-                <a:spcPts val="0"/>
-              </a:spcAft>
-              <a:buSzPts val="1500"/>
-              <a:buChar char="●"/>
+            <a:pPr indent="0" lvl="0" marL="0" rtl="0" algn="l">
+              <a:spcBef>
+                <a:spcPts val="0"/>
+              </a:spcBef>
+              <a:spcAft>
+                <a:spcPts val="0"/>
+              </a:spcAft>
+              <a:buNone/>
+            </a:pPr>
+            <a:r>
+              <a:rPr b="1" lang="en" sz="2000">
+                <a:solidFill>
+                  <a:schemeClr val="accent3"/>
+                </a:solidFill>
+              </a:rPr>
+              <a:t>What will our visualizations tell us?</a:t>
+            </a:r>
+            <a:endParaRPr b="1" sz="2000">
+              <a:solidFill>
+                <a:schemeClr val="accent3"/>
+              </a:solidFill>
+            </a:endParaRPr>
+          </a:p>
+          <a:p>
+            <a:pPr indent="0" lvl="0" marL="0" rtl="0" algn="l">
+              <a:spcBef>
+                <a:spcPts val="1600"/>
+              </a:spcBef>
+              <a:spcAft>
+                <a:spcPts val="1200"/>
+              </a:spcAft>
+              <a:buNone/>
             </a:pPr>
             <a:r>
               <a:rPr lang="en" sz="1500"/>
-              <a:t>The first source to filter is by election year.  For now, the default year is set to 2017.</a:t>
+              <a:t>We are going to include election year data from 2001 to 2021.  As of now, we have made a few visualizations for the 2017 election year.  Also, we have only worked with the individual contributions for that year.  This coming week, we are going to focus on adding data sources for the remaining years as well.  Past that, we will include committee contributions, expenditure data, as well as total votes received by the top two candidates in order to get a full picture.</a:t>
             </a:r>
-            <a:endParaRPr sz="1500"/>
-          </a:p>
-          <a:p>
-            <a:pPr indent="-323850" lvl="0" marL="457200" rtl="0" algn="l">
-              <a:spcBef>
-                <a:spcPts val="0"/>
-              </a:spcBef>
-              <a:spcAft>
-                <a:spcPts val="0"/>
-              </a:spcAft>
-              <a:buSzPts val="1500"/>
-              <a:buChar char="●"/>
-            </a:pPr>
-            <a:r>
-              <a:rPr lang="en" sz="1500"/>
-              <a:t>There is a Candidate Name multiple-selection dropdown filter in place to see the joint data of candidates.  Only relevant values will be shown.</a:t>
-            </a:r>
-            <a:endParaRPr sz="1500"/>
-          </a:p>
-          <a:p>
-            <a:pPr indent="-323850" lvl="0" marL="457200" rtl="0" algn="l">
-              <a:spcBef>
-                <a:spcPts val="0"/>
-              </a:spcBef>
-              <a:spcAft>
-                <a:spcPts val="0"/>
-              </a:spcAft>
-              <a:buSzPts val="1500"/>
-              <a:buChar char="●"/>
-            </a:pPr>
-            <a:r>
-              <a:rPr lang="en" sz="1500"/>
-              <a:t>There is a graph that shows how many contributions came in for each of the candidates.  Here, the candidate name can be selected to see data changes in the map and quarterly contribution graphs.</a:t>
-            </a:r>
-            <a:endParaRPr sz="1500"/>
-          </a:p>
-          <a:p>
-            <a:pPr indent="-323850" lvl="0" marL="457200" rtl="0" algn="l">
-              <a:spcBef>
-                <a:spcPts val="0"/>
-              </a:spcBef>
-              <a:spcAft>
-                <a:spcPts val="0"/>
-              </a:spcAft>
-              <a:buSzPts val="1500"/>
-              <a:buChar char="●"/>
-            </a:pPr>
-            <a:r>
-              <a:rPr lang="en" sz="1500"/>
-              <a:t>The map is color coded to better identify which zip codes had higher contributions.</a:t>
-            </a:r>
-            <a:endParaRPr sz="1500"/>
+            <a:endParaRPr sz="1700"/>
           </a:p>
         </p:txBody>
       </p:sp>
@@ -8465,7 +8637,7 @@
   <p:cSld>
     <p:spTree>
       <p:nvGrpSpPr>
-        <p:cNvPr id="131" name="Shape 131"/>
+        <p:cNvPr id="130" name="Shape 130"/>
         <p:cNvGrpSpPr/>
         <p:nvPr/>
       </p:nvGrpSpPr>
@@ -8479,7 +8651,7 @@
       </p:grpSpPr>
       <p:sp>
         <p:nvSpPr>
-          <p:cNvPr id="132" name="Google Shape;132;p23"/>
+          <p:cNvPr id="131" name="Google Shape;131;p23"/>
           <p:cNvSpPr txBox="1"/>
           <p:nvPr>
             <p:ph type="title"/>
@@ -8511,7 +8683,7 @@
             </a:pPr>
             <a:r>
               <a:rPr lang="en"/>
-              <a:t>Dashboard 2</a:t>
+              <a:t>Analysis (continued)</a:t>
             </a:r>
             <a:endParaRPr/>
           </a:p>
@@ -8519,7 +8691,7 @@
       </p:sp>
       <p:sp>
         <p:nvSpPr>
-          <p:cNvPr id="133" name="Google Shape;133;p23"/>
+          <p:cNvPr id="132" name="Google Shape;132;p23"/>
           <p:cNvSpPr txBox="1"/>
           <p:nvPr>
             <p:ph idx="2" type="body"/>
@@ -8540,21 +8712,44 @@
           </a:bodyPr>
           <a:lstStyle/>
           <a:p>
-            <a:pPr indent="-323850" lvl="0" marL="457200" rtl="0" algn="l">
-              <a:spcBef>
-                <a:spcPts val="0"/>
-              </a:spcBef>
-              <a:spcAft>
-                <a:spcPts val="0"/>
-              </a:spcAft>
-              <a:buSzPts val="1500"/>
-              <a:buChar char="●"/>
+            <a:pPr indent="0" lvl="0" marL="0" rtl="0" algn="l">
+              <a:spcBef>
+                <a:spcPts val="0"/>
+              </a:spcBef>
+              <a:spcAft>
+                <a:spcPts val="0"/>
+              </a:spcAft>
+              <a:buNone/>
+            </a:pPr>
+            <a:r>
+              <a:rPr b="1" lang="en" sz="2000">
+                <a:solidFill>
+                  <a:schemeClr val="accent3"/>
+                </a:solidFill>
+              </a:rPr>
+              <a:t>How do we add interactive elements to our dashboard?</a:t>
+            </a:r>
+            <a:endParaRPr b="1" sz="2000">
+              <a:solidFill>
+                <a:schemeClr val="accent3"/>
+              </a:solidFill>
+            </a:endParaRPr>
+          </a:p>
+          <a:p>
+            <a:pPr indent="0" lvl="0" marL="0" rtl="0" algn="l">
+              <a:spcBef>
+                <a:spcPts val="1600"/>
+              </a:spcBef>
+              <a:spcAft>
+                <a:spcPts val="1200"/>
+              </a:spcAft>
+              <a:buNone/>
             </a:pPr>
             <a:r>
               <a:rPr lang="en" sz="1500"/>
-              <a:t>The dashboard shows the top four candidates who qualified by percentage of contributions received.  Highlight Hover action has been created on this page to enhance visual effects.</a:t>
+              <a:t>We are going to include election year data from 2001 to 2021.  As of now, we have made a few visualizations for the 2017 election year.  Also, we have only worked with the individual contributions for that year.  This coming week, we are going to focus on adding data sources for the remaining years as well.  Beyond that, we will include committee contributions, expenditure data, as well as total votes received by the top two candidates to derive a full picture.</a:t>
             </a:r>
-            <a:endParaRPr sz="1500"/>
+            <a:endParaRPr sz="1700"/>
           </a:p>
         </p:txBody>
       </p:sp>
@@ -8569,16 +8764,9 @@
 <file path=ppt/slides/slide12.xml><?xml version="1.0" encoding="utf-8"?>
 <p:sld xmlns:a="http://schemas.openxmlformats.org/drawingml/2006/main" xmlns:r="http://schemas.openxmlformats.org/officeDocument/2006/relationships" xmlns:mc="http://schemas.openxmlformats.org/markup-compatibility/2006" xmlns:mv="urn:schemas-microsoft-com:mac:vml" xmlns:p="http://schemas.openxmlformats.org/presentationml/2006/main" xmlns:c="http://schemas.openxmlformats.org/drawingml/2006/chart" xmlns:dgm="http://schemas.openxmlformats.org/drawingml/2006/diagram" xmlns:o="urn:schemas-microsoft-com:office:office" xmlns:v="urn:schemas-microsoft-com:vml" xmlns:pvml="urn:schemas-microsoft-com:office:powerpoint" xmlns:com="http://schemas.openxmlformats.org/drawingml/2006/compatibility" xmlns:p14="http://schemas.microsoft.com/office/powerpoint/2010/main" xmlns:p15="http://schemas.microsoft.com/office/powerpoint/2012/main" xmlns:ahyp="http://schemas.microsoft.com/office/drawing/2018/hyperlinkcolor">
   <p:cSld>
-    <p:bg>
-      <p:bgPr>
-        <a:solidFill>
-          <a:schemeClr val="accent3"/>
-        </a:solidFill>
-      </p:bgPr>
-    </p:bg>
     <p:spTree>
       <p:nvGrpSpPr>
-        <p:cNvPr id="137" name="Shape 137"/>
+        <p:cNvPr id="136" name="Shape 136"/>
         <p:cNvGrpSpPr/>
         <p:nvPr/>
       </p:nvGrpSpPr>
@@ -8592,7 +8780,7 @@
       </p:grpSpPr>
       <p:sp>
         <p:nvSpPr>
-          <p:cNvPr id="138" name="Google Shape;138;p24"/>
+          <p:cNvPr id="137" name="Google Shape;137;p24"/>
           <p:cNvSpPr txBox="1"/>
           <p:nvPr>
             <p:ph type="title"/>
@@ -8600,20 +8788,20 @@
         </p:nvSpPr>
         <p:spPr>
           <a:xfrm>
-            <a:off x="406425" y="1806825"/>
-            <a:ext cx="8296800" cy="1542000"/>
+            <a:off x="2516550" y="575950"/>
+            <a:ext cx="6205500" cy="635400"/>
           </a:xfrm>
           <a:prstGeom prst="rect">
             <a:avLst/>
           </a:prstGeom>
         </p:spPr>
         <p:txBody>
-          <a:bodyPr anchorCtr="0" anchor="ctr" bIns="91425" lIns="91425" spcFirstLastPara="1" rIns="91425" wrap="square" tIns="91425">
+          <a:bodyPr anchorCtr="0" anchor="t" bIns="91425" lIns="91425" spcFirstLastPara="1" rIns="91425" wrap="square" tIns="91425">
             <a:noAutofit/>
           </a:bodyPr>
           <a:lstStyle/>
           <a:p>
-            <a:pPr indent="0" lvl="0" marL="0" rtl="0" algn="ctr">
+            <a:pPr indent="0" lvl="0" marL="0" rtl="0" algn="l">
               <a:spcBef>
                 <a:spcPts val="0"/>
               </a:spcBef>
@@ -8624,9 +8812,101 @@
             </a:pPr>
             <a:r>
               <a:rPr lang="en"/>
-              <a:t>Results</a:t>
+              <a:t>Dashboard 1</a:t>
             </a:r>
             <a:endParaRPr/>
+          </a:p>
+        </p:txBody>
+      </p:sp>
+      <p:sp>
+        <p:nvSpPr>
+          <p:cNvPr id="138" name="Google Shape;138;p24"/>
+          <p:cNvSpPr txBox="1"/>
+          <p:nvPr>
+            <p:ph idx="2" type="body"/>
+          </p:nvPr>
+        </p:nvSpPr>
+        <p:spPr>
+          <a:xfrm>
+            <a:off x="2516500" y="1361175"/>
+            <a:ext cx="6205500" cy="3243900"/>
+          </a:xfrm>
+          <a:prstGeom prst="rect">
+            <a:avLst/>
+          </a:prstGeom>
+        </p:spPr>
+        <p:txBody>
+          <a:bodyPr anchorCtr="0" anchor="t" bIns="91425" lIns="91425" spcFirstLastPara="1" rIns="91425" wrap="square" tIns="91425">
+            <a:noAutofit/>
+          </a:bodyPr>
+          <a:lstStyle/>
+          <a:p>
+            <a:pPr indent="-323850" lvl="0" marL="457200" rtl="0" algn="l">
+              <a:spcBef>
+                <a:spcPts val="0"/>
+              </a:spcBef>
+              <a:spcAft>
+                <a:spcPts val="0"/>
+              </a:spcAft>
+              <a:buSzPts val="1500"/>
+              <a:buChar char="●"/>
+            </a:pPr>
+            <a:r>
+              <a:rPr lang="en" sz="1500"/>
+              <a:t>The first source to filter is by election year.  For now, the default year is set to 2017.</a:t>
+            </a:r>
+            <a:endParaRPr sz="1500"/>
+          </a:p>
+          <a:p>
+            <a:pPr indent="-323850" lvl="0" marL="457200" rtl="0" algn="l">
+              <a:spcBef>
+                <a:spcPts val="0"/>
+              </a:spcBef>
+              <a:spcAft>
+                <a:spcPts val="0"/>
+              </a:spcAft>
+              <a:buSzPts val="1500"/>
+              <a:buChar char="●"/>
+            </a:pPr>
+            <a:r>
+              <a:rPr lang="en" sz="1500"/>
+              <a:t>There is a Candidate Name multiple-selection dropdown filter in place to see the joint data of candidates.  Only relevant values will be shown.</a:t>
+            </a:r>
+            <a:endParaRPr sz="1500"/>
+          </a:p>
+          <a:p>
+            <a:pPr indent="-323850" lvl="0" marL="457200" rtl="0" algn="l">
+              <a:spcBef>
+                <a:spcPts val="0"/>
+              </a:spcBef>
+              <a:spcAft>
+                <a:spcPts val="0"/>
+              </a:spcAft>
+              <a:buSzPts val="1500"/>
+              <a:buChar char="●"/>
+            </a:pPr>
+            <a:r>
+              <a:rPr lang="en" sz="1500"/>
+              <a:t>There is a graph that shows how many contributions came in for each of the candidates.  Here, the candidate name can be selected to see data changes in the map and quarterly contribution graphs.</a:t>
+            </a:r>
+            <a:endParaRPr sz="1500"/>
+          </a:p>
+          <a:p>
+            <a:pPr indent="-323850" lvl="0" marL="457200" rtl="0" algn="l">
+              <a:spcBef>
+                <a:spcPts val="0"/>
+              </a:spcBef>
+              <a:spcAft>
+                <a:spcPts val="0"/>
+              </a:spcAft>
+              <a:buSzPts val="1500"/>
+              <a:buChar char="●"/>
+            </a:pPr>
+            <a:r>
+              <a:rPr lang="en" sz="1500"/>
+              <a:t>The map is color coded to better identify which zip codes had higher contributions.</a:t>
+            </a:r>
+            <a:endParaRPr sz="1500"/>
           </a:p>
         </p:txBody>
       </p:sp>
@@ -8657,35 +8937,23 @@
       </p:grpSpPr>
       <p:sp>
         <p:nvSpPr>
-          <p:cNvPr descr="Background pointer shape in timeline graphic" id="143" name="Google Shape;143;p25"/>
-          <p:cNvSpPr/>
-          <p:nvPr/>
+          <p:cNvPr id="143" name="Google Shape;143;p25"/>
+          <p:cNvSpPr txBox="1"/>
+          <p:nvPr>
+            <p:ph type="title"/>
+          </p:nvPr>
         </p:nvSpPr>
         <p:spPr>
           <a:xfrm>
-            <a:off x="340934" y="2199000"/>
-            <a:ext cx="1872300" cy="745500"/>
-          </a:xfrm>
-          <a:prstGeom prst="homePlate">
-            <a:avLst>
-              <a:gd fmla="val 50000" name="adj"/>
-            </a:avLst>
+            <a:off x="2516550" y="575950"/>
+            <a:ext cx="6205500" cy="635400"/>
+          </a:xfrm>
+          <a:prstGeom prst="rect">
+            <a:avLst/>
           </a:prstGeom>
-          <a:solidFill>
-            <a:schemeClr val="accent3"/>
-          </a:solidFill>
-          <a:ln cap="flat" cmpd="sng" w="9525">
-            <a:solidFill>
-              <a:schemeClr val="lt1"/>
-            </a:solidFill>
-            <a:prstDash val="solid"/>
-            <a:round/>
-            <a:headEnd len="sm" w="sm" type="none"/>
-            <a:tailEnd len="sm" w="sm" type="none"/>
-          </a:ln>
         </p:spPr>
         <p:txBody>
-          <a:bodyPr anchorCtr="0" anchor="ctr" bIns="121875" lIns="121875" spcFirstLastPara="1" rIns="121875" wrap="square" tIns="121875">
+          <a:bodyPr anchorCtr="0" anchor="t" bIns="91425" lIns="91425" spcFirstLastPara="1" rIns="91425" wrap="square" tIns="91425">
             <a:noAutofit/>
           </a:bodyPr>
           <a:lstStyle/>
@@ -8700,7 +8968,8 @@
               <a:buNone/>
             </a:pPr>
             <a:r>
-              <a:t/>
+              <a:rPr lang="en"/>
+              <a:t>Dashboard 2</a:t>
             </a:r>
             <a:endParaRPr/>
           </a:p>
@@ -8711,148 +8980,13 @@
           <p:cNvPr id="144" name="Google Shape;144;p25"/>
           <p:cNvSpPr txBox="1"/>
           <p:nvPr>
-            <p:ph idx="4294967295" type="body"/>
+            <p:ph idx="2" type="body"/>
           </p:nvPr>
         </p:nvSpPr>
         <p:spPr>
           <a:xfrm>
-            <a:off x="340923" y="2336550"/>
-            <a:ext cx="1455600" cy="470400"/>
-          </a:xfrm>
-          <a:prstGeom prst="rect">
-            <a:avLst/>
-          </a:prstGeom>
-        </p:spPr>
-        <p:txBody>
-          <a:bodyPr anchorCtr="0" anchor="ctr" bIns="91425" lIns="91425" spcFirstLastPara="1" rIns="91425" wrap="square" tIns="91425">
-            <a:noAutofit/>
-          </a:bodyPr>
-          <a:lstStyle/>
-          <a:p>
-            <a:pPr indent="0" lvl="0" marL="0" rtl="0" algn="ctr">
-              <a:lnSpc>
-                <a:spcPct val="100000"/>
-              </a:lnSpc>
-              <a:spcBef>
-                <a:spcPts val="0"/>
-              </a:spcBef>
-              <a:spcAft>
-                <a:spcPts val="0"/>
-              </a:spcAft>
-              <a:buNone/>
-            </a:pPr>
-            <a:r>
-              <a:rPr b="1" lang="en" sz="1600">
-                <a:solidFill>
-                  <a:schemeClr val="lt1"/>
-                </a:solidFill>
-              </a:rPr>
-              <a:t>09.05.XX</a:t>
-            </a:r>
-            <a:endParaRPr b="1" sz="1600">
-              <a:solidFill>
-                <a:schemeClr val="lt1"/>
-              </a:solidFill>
-            </a:endParaRPr>
-          </a:p>
-        </p:txBody>
-      </p:sp>
-      <p:grpSp>
-        <p:nvGrpSpPr>
-          <p:cNvPr id="145" name="Google Shape;145;p25"/>
-          <p:cNvGrpSpPr/>
-          <p:nvPr/>
-        </p:nvGrpSpPr>
-        <p:grpSpPr>
-          <a:xfrm>
-            <a:off x="969270" y="1610215"/>
-            <a:ext cx="198900" cy="593656"/>
-            <a:chOff x="777447" y="1610215"/>
-            <a:chExt cx="198900" cy="593656"/>
-          </a:xfrm>
-        </p:grpSpPr>
-        <p:cxnSp>
-          <p:nvCxnSpPr>
-            <p:cNvPr id="146" name="Google Shape;146;p25"/>
-            <p:cNvCxnSpPr/>
-            <p:nvPr/>
-          </p:nvCxnSpPr>
-          <p:spPr>
-            <a:xfrm>
-              <a:off x="876909" y="1649171"/>
-              <a:ext cx="0" cy="554700"/>
-            </a:xfrm>
-            <a:prstGeom prst="straightConnector1">
-              <a:avLst/>
-            </a:prstGeom>
-            <a:noFill/>
-            <a:ln cap="flat" cmpd="sng" w="9525">
-              <a:solidFill>
-                <a:schemeClr val="dk2"/>
-              </a:solidFill>
-              <a:prstDash val="solid"/>
-              <a:round/>
-              <a:headEnd len="sm" w="sm" type="none"/>
-              <a:tailEnd len="sm" w="sm" type="none"/>
-            </a:ln>
-          </p:spPr>
-        </p:cxnSp>
-        <p:sp>
-          <p:nvSpPr>
-            <p:cNvPr id="147" name="Google Shape;147;p25"/>
-            <p:cNvSpPr/>
-            <p:nvPr/>
-          </p:nvSpPr>
-          <p:spPr>
-            <a:xfrm>
-              <a:off x="777447" y="1610215"/>
-              <a:ext cx="198900" cy="198900"/>
-            </a:xfrm>
-            <a:prstGeom prst="ellipse">
-              <a:avLst/>
-            </a:prstGeom>
-            <a:solidFill>
-              <a:schemeClr val="accent3"/>
-            </a:solidFill>
-            <a:ln>
-              <a:noFill/>
-            </a:ln>
-          </p:spPr>
-          <p:txBody>
-            <a:bodyPr anchorCtr="0" anchor="ctr" bIns="91425" lIns="91425" spcFirstLastPara="1" rIns="91425" wrap="square" tIns="91425">
-              <a:noAutofit/>
-            </a:bodyPr>
-            <a:lstStyle/>
-            <a:p>
-              <a:pPr indent="0" lvl="0" marL="0" rtl="0" algn="l">
-                <a:spcBef>
-                  <a:spcPts val="0"/>
-                </a:spcBef>
-                <a:spcAft>
-                  <a:spcPts val="0"/>
-                </a:spcAft>
-                <a:buNone/>
-              </a:pPr>
-              <a:r>
-                <a:t/>
-              </a:r>
-              <a:endParaRPr/>
-            </a:p>
-          </p:txBody>
-        </p:sp>
-      </p:grpSp>
-      <p:sp>
-        <p:nvSpPr>
-          <p:cNvPr id="148" name="Google Shape;148;p25"/>
-          <p:cNvSpPr txBox="1"/>
-          <p:nvPr>
-            <p:ph idx="4294967295" type="body"/>
-          </p:nvPr>
-        </p:nvSpPr>
-        <p:spPr>
-          <a:xfrm>
-            <a:off x="318375" y="385667"/>
-            <a:ext cx="2242800" cy="906300"/>
+            <a:off x="2516500" y="1361175"/>
+            <a:ext cx="6205500" cy="3243900"/>
           </a:xfrm>
           <a:prstGeom prst="rect">
             <a:avLst/>
@@ -8864,924 +8998,21 @@
           </a:bodyPr>
           <a:lstStyle/>
           <a:p>
-            <a:pPr indent="0" lvl="0" marL="0" rtl="0" algn="l">
-              <a:spcBef>
-                <a:spcPts val="0"/>
-              </a:spcBef>
-              <a:spcAft>
-                <a:spcPts val="1600"/>
-              </a:spcAft>
-              <a:buNone/>
+            <a:pPr indent="-323850" lvl="0" marL="457200" rtl="0" algn="l">
+              <a:spcBef>
+                <a:spcPts val="0"/>
+              </a:spcBef>
+              <a:spcAft>
+                <a:spcPts val="0"/>
+              </a:spcAft>
+              <a:buSzPts val="1500"/>
+              <a:buChar char="●"/>
             </a:pPr>
             <a:r>
-              <a:rPr lang="en" sz="1600"/>
-              <a:t>This page reserved for graphs</a:t>
+              <a:rPr lang="en" sz="1500"/>
+              <a:t>The dashboard shows the top four candidates who qualified by percentage of contributions received.  Highlight Hover action has been created on this page to enhance visual effects.</a:t>
             </a:r>
-            <a:endParaRPr sz="1600"/>
-          </a:p>
-        </p:txBody>
-      </p:sp>
-      <p:sp>
-        <p:nvSpPr>
-          <p:cNvPr descr="Background pointer shape in timeline graphic" id="149" name="Google Shape;149;p25"/>
-          <p:cNvSpPr/>
-          <p:nvPr/>
-        </p:nvSpPr>
-        <p:spPr>
-          <a:xfrm>
-            <a:off x="1817054" y="2199000"/>
-            <a:ext cx="2051100" cy="745500"/>
-          </a:xfrm>
-          <a:prstGeom prst="chevron">
-            <a:avLst>
-              <a:gd fmla="val 50000" name="adj"/>
-            </a:avLst>
-          </a:prstGeom>
-          <a:solidFill>
-            <a:schemeClr val="accent3"/>
-          </a:solidFill>
-          <a:ln cap="flat" cmpd="sng" w="9525">
-            <a:solidFill>
-              <a:schemeClr val="lt1"/>
-            </a:solidFill>
-            <a:prstDash val="solid"/>
-            <a:round/>
-            <a:headEnd len="sm" w="sm" type="none"/>
-            <a:tailEnd len="sm" w="sm" type="none"/>
-          </a:ln>
-        </p:spPr>
-        <p:txBody>
-          <a:bodyPr anchorCtr="0" anchor="ctr" bIns="121875" lIns="121875" spcFirstLastPara="1" rIns="121875" wrap="square" tIns="121875">
-            <a:noAutofit/>
-          </a:bodyPr>
-          <a:lstStyle/>
-          <a:p>
-            <a:pPr indent="0" lvl="0" marL="0" rtl="0" algn="l">
-              <a:spcBef>
-                <a:spcPts val="0"/>
-              </a:spcBef>
-              <a:spcAft>
-                <a:spcPts val="0"/>
-              </a:spcAft>
-              <a:buNone/>
-            </a:pPr>
-            <a:r>
-              <a:t/>
-            </a:r>
-            <a:endParaRPr/>
-          </a:p>
-        </p:txBody>
-      </p:sp>
-      <p:sp>
-        <p:nvSpPr>
-          <p:cNvPr id="150" name="Google Shape;150;p25"/>
-          <p:cNvSpPr txBox="1"/>
-          <p:nvPr>
-            <p:ph idx="4294967295" type="body"/>
-          </p:nvPr>
-        </p:nvSpPr>
-        <p:spPr>
-          <a:xfrm>
-            <a:off x="2126317" y="2336550"/>
-            <a:ext cx="1315500" cy="470400"/>
-          </a:xfrm>
-          <a:prstGeom prst="rect">
-            <a:avLst/>
-          </a:prstGeom>
-        </p:spPr>
-        <p:txBody>
-          <a:bodyPr anchorCtr="0" anchor="ctr" bIns="91425" lIns="91425" spcFirstLastPara="1" rIns="91425" wrap="square" tIns="91425">
-            <a:noAutofit/>
-          </a:bodyPr>
-          <a:lstStyle/>
-          <a:p>
-            <a:pPr indent="0" lvl="0" marL="0" rtl="0" algn="ctr">
-              <a:lnSpc>
-                <a:spcPct val="100000"/>
-              </a:lnSpc>
-              <a:spcBef>
-                <a:spcPts val="0"/>
-              </a:spcBef>
-              <a:spcAft>
-                <a:spcPts val="0"/>
-              </a:spcAft>
-              <a:buNone/>
-            </a:pPr>
-            <a:r>
-              <a:rPr b="1" lang="en" sz="1600">
-                <a:solidFill>
-                  <a:schemeClr val="lt1"/>
-                </a:solidFill>
-              </a:rPr>
-              <a:t>09.17.XX</a:t>
-            </a:r>
-            <a:endParaRPr b="1" sz="1600">
-              <a:solidFill>
-                <a:schemeClr val="lt1"/>
-              </a:solidFill>
-            </a:endParaRPr>
-          </a:p>
-        </p:txBody>
-      </p:sp>
-      <p:grpSp>
-        <p:nvGrpSpPr>
-          <p:cNvPr id="151" name="Google Shape;151;p25"/>
-          <p:cNvGrpSpPr/>
-          <p:nvPr/>
-        </p:nvGrpSpPr>
-        <p:grpSpPr>
-          <a:xfrm>
-            <a:off x="2684632" y="2938958"/>
-            <a:ext cx="198900" cy="593656"/>
-            <a:chOff x="2223534" y="2938958"/>
-            <a:chExt cx="198900" cy="593656"/>
-          </a:xfrm>
-        </p:grpSpPr>
-        <p:cxnSp>
-          <p:nvCxnSpPr>
-            <p:cNvPr id="152" name="Google Shape;152;p25"/>
-            <p:cNvCxnSpPr/>
-            <p:nvPr/>
-          </p:nvCxnSpPr>
-          <p:spPr>
-            <a:xfrm rot="10800000">
-              <a:off x="2322997" y="2938958"/>
-              <a:ext cx="0" cy="554700"/>
-            </a:xfrm>
-            <a:prstGeom prst="straightConnector1">
-              <a:avLst/>
-            </a:prstGeom>
-            <a:noFill/>
-            <a:ln cap="flat" cmpd="sng" w="9525">
-              <a:solidFill>
-                <a:schemeClr val="dk2"/>
-              </a:solidFill>
-              <a:prstDash val="solid"/>
-              <a:round/>
-              <a:headEnd len="sm" w="sm" type="none"/>
-              <a:tailEnd len="sm" w="sm" type="none"/>
-            </a:ln>
-          </p:spPr>
-        </p:cxnSp>
-        <p:sp>
-          <p:nvSpPr>
-            <p:cNvPr id="153" name="Google Shape;153;p25"/>
-            <p:cNvSpPr/>
-            <p:nvPr/>
-          </p:nvSpPr>
-          <p:spPr>
-            <a:xfrm flipH="1" rot="10800000">
-              <a:off x="2223534" y="3333714"/>
-              <a:ext cx="198900" cy="198900"/>
-            </a:xfrm>
-            <a:prstGeom prst="ellipse">
-              <a:avLst/>
-            </a:prstGeom>
-            <a:solidFill>
-              <a:schemeClr val="accent3"/>
-            </a:solidFill>
-            <a:ln>
-              <a:noFill/>
-            </a:ln>
-          </p:spPr>
-          <p:txBody>
-            <a:bodyPr anchorCtr="0" anchor="ctr" bIns="91425" lIns="91425" spcFirstLastPara="1" rIns="91425" wrap="square" tIns="91425">
-              <a:noAutofit/>
-            </a:bodyPr>
-            <a:lstStyle/>
-            <a:p>
-              <a:pPr indent="0" lvl="0" marL="0" rtl="0" algn="l">
-                <a:spcBef>
-                  <a:spcPts val="0"/>
-                </a:spcBef>
-                <a:spcAft>
-                  <a:spcPts val="0"/>
-                </a:spcAft>
-                <a:buNone/>
-              </a:pPr>
-              <a:r>
-                <a:t/>
-              </a:r>
-              <a:endParaRPr/>
-            </a:p>
-          </p:txBody>
-        </p:sp>
-      </p:grpSp>
-      <p:sp>
-        <p:nvSpPr>
-          <p:cNvPr id="154" name="Google Shape;154;p25"/>
-          <p:cNvSpPr txBox="1"/>
-          <p:nvPr>
-            <p:ph idx="4294967295" type="body"/>
-          </p:nvPr>
-        </p:nvSpPr>
-        <p:spPr>
-          <a:xfrm>
-            <a:off x="1244337" y="3757725"/>
-            <a:ext cx="2242800" cy="906300"/>
-          </a:xfrm>
-          <a:prstGeom prst="rect">
-            <a:avLst/>
-          </a:prstGeom>
-        </p:spPr>
-        <p:txBody>
-          <a:bodyPr anchorCtr="0" anchor="t" bIns="91425" lIns="91425" spcFirstLastPara="1" rIns="91425" wrap="square" tIns="91425">
-            <a:noAutofit/>
-          </a:bodyPr>
-          <a:lstStyle/>
-          <a:p>
-            <a:pPr indent="0" lvl="0" marL="0" rtl="0" algn="l">
-              <a:spcBef>
-                <a:spcPts val="0"/>
-              </a:spcBef>
-              <a:spcAft>
-                <a:spcPts val="1600"/>
-              </a:spcAft>
-              <a:buNone/>
-            </a:pPr>
-            <a:r>
-              <a:rPr lang="en" sz="1600"/>
-              <a:t>Lorem ipsum dolor sit amet, consectetur adipiscing elit</a:t>
-            </a:r>
-            <a:endParaRPr sz="1600"/>
-          </a:p>
-        </p:txBody>
-      </p:sp>
-      <p:sp>
-        <p:nvSpPr>
-          <p:cNvPr descr="Background pointer shape in timeline graphic" id="155" name="Google Shape;155;p25"/>
-          <p:cNvSpPr/>
-          <p:nvPr/>
-        </p:nvSpPr>
-        <p:spPr>
-          <a:xfrm>
-            <a:off x="3471973" y="2199000"/>
-            <a:ext cx="2051100" cy="745500"/>
-          </a:xfrm>
-          <a:prstGeom prst="chevron">
-            <a:avLst>
-              <a:gd fmla="val 50000" name="adj"/>
-            </a:avLst>
-          </a:prstGeom>
-          <a:solidFill>
-            <a:schemeClr val="accent3"/>
-          </a:solidFill>
-          <a:ln cap="flat" cmpd="sng" w="9525">
-            <a:solidFill>
-              <a:schemeClr val="lt1"/>
-            </a:solidFill>
-            <a:prstDash val="solid"/>
-            <a:round/>
-            <a:headEnd len="sm" w="sm" type="none"/>
-            <a:tailEnd len="sm" w="sm" type="none"/>
-          </a:ln>
-        </p:spPr>
-        <p:txBody>
-          <a:bodyPr anchorCtr="0" anchor="ctr" bIns="121875" lIns="121875" spcFirstLastPara="1" rIns="121875" wrap="square" tIns="121875">
-            <a:noAutofit/>
-          </a:bodyPr>
-          <a:lstStyle/>
-          <a:p>
-            <a:pPr indent="0" lvl="0" marL="0" rtl="0" algn="l">
-              <a:spcBef>
-                <a:spcPts val="0"/>
-              </a:spcBef>
-              <a:spcAft>
-                <a:spcPts val="0"/>
-              </a:spcAft>
-              <a:buNone/>
-            </a:pPr>
-            <a:r>
-              <a:t/>
-            </a:r>
-            <a:endParaRPr/>
-          </a:p>
-        </p:txBody>
-      </p:sp>
-      <p:sp>
-        <p:nvSpPr>
-          <p:cNvPr id="156" name="Google Shape;156;p25"/>
-          <p:cNvSpPr txBox="1"/>
-          <p:nvPr>
-            <p:ph idx="4294967295" type="body"/>
-          </p:nvPr>
-        </p:nvSpPr>
-        <p:spPr>
-          <a:xfrm>
-            <a:off x="3767755" y="2336550"/>
-            <a:ext cx="1315500" cy="470400"/>
-          </a:xfrm>
-          <a:prstGeom prst="rect">
-            <a:avLst/>
-          </a:prstGeom>
-        </p:spPr>
-        <p:txBody>
-          <a:bodyPr anchorCtr="0" anchor="ctr" bIns="91425" lIns="91425" spcFirstLastPara="1" rIns="91425" wrap="square" tIns="91425">
-            <a:noAutofit/>
-          </a:bodyPr>
-          <a:lstStyle/>
-          <a:p>
-            <a:pPr indent="0" lvl="0" marL="0" rtl="0" algn="ctr">
-              <a:lnSpc>
-                <a:spcPct val="100000"/>
-              </a:lnSpc>
-              <a:spcBef>
-                <a:spcPts val="0"/>
-              </a:spcBef>
-              <a:spcAft>
-                <a:spcPts val="0"/>
-              </a:spcAft>
-              <a:buNone/>
-            </a:pPr>
-            <a:r>
-              <a:rPr b="1" lang="en" sz="1600">
-                <a:solidFill>
-                  <a:schemeClr val="lt1"/>
-                </a:solidFill>
-              </a:rPr>
-              <a:t>10.13.XX</a:t>
-            </a:r>
-            <a:endParaRPr b="1" sz="1600">
-              <a:solidFill>
-                <a:schemeClr val="lt1"/>
-              </a:solidFill>
-            </a:endParaRPr>
-          </a:p>
-        </p:txBody>
-      </p:sp>
-      <p:grpSp>
-        <p:nvGrpSpPr>
-          <p:cNvPr id="157" name="Google Shape;157;p25"/>
-          <p:cNvGrpSpPr/>
-          <p:nvPr/>
-        </p:nvGrpSpPr>
-        <p:grpSpPr>
-          <a:xfrm>
-            <a:off x="4319545" y="1610215"/>
-            <a:ext cx="198900" cy="593656"/>
-            <a:chOff x="3918084" y="1610215"/>
-            <a:chExt cx="198900" cy="593656"/>
-          </a:xfrm>
-        </p:grpSpPr>
-        <p:cxnSp>
-          <p:nvCxnSpPr>
-            <p:cNvPr id="158" name="Google Shape;158;p25"/>
-            <p:cNvCxnSpPr/>
-            <p:nvPr/>
-          </p:nvCxnSpPr>
-          <p:spPr>
-            <a:xfrm>
-              <a:off x="4017546" y="1649171"/>
-              <a:ext cx="0" cy="554700"/>
-            </a:xfrm>
-            <a:prstGeom prst="straightConnector1">
-              <a:avLst/>
-            </a:prstGeom>
-            <a:noFill/>
-            <a:ln cap="flat" cmpd="sng" w="9525">
-              <a:solidFill>
-                <a:schemeClr val="dk2"/>
-              </a:solidFill>
-              <a:prstDash val="solid"/>
-              <a:round/>
-              <a:headEnd len="sm" w="sm" type="none"/>
-              <a:tailEnd len="sm" w="sm" type="none"/>
-            </a:ln>
-          </p:spPr>
-        </p:cxnSp>
-        <p:sp>
-          <p:nvSpPr>
-            <p:cNvPr id="159" name="Google Shape;159;p25"/>
-            <p:cNvSpPr/>
-            <p:nvPr/>
-          </p:nvSpPr>
-          <p:spPr>
-            <a:xfrm>
-              <a:off x="3918084" y="1610215"/>
-              <a:ext cx="198900" cy="198900"/>
-            </a:xfrm>
-            <a:prstGeom prst="ellipse">
-              <a:avLst/>
-            </a:prstGeom>
-            <a:solidFill>
-              <a:schemeClr val="accent3"/>
-            </a:solidFill>
-            <a:ln>
-              <a:noFill/>
-            </a:ln>
-          </p:spPr>
-          <p:txBody>
-            <a:bodyPr anchorCtr="0" anchor="ctr" bIns="91425" lIns="91425" spcFirstLastPara="1" rIns="91425" wrap="square" tIns="91425">
-              <a:noAutofit/>
-            </a:bodyPr>
-            <a:lstStyle/>
-            <a:p>
-              <a:pPr indent="0" lvl="0" marL="0" rtl="0" algn="l">
-                <a:spcBef>
-                  <a:spcPts val="0"/>
-                </a:spcBef>
-                <a:spcAft>
-                  <a:spcPts val="0"/>
-                </a:spcAft>
-                <a:buNone/>
-              </a:pPr>
-              <a:r>
-                <a:t/>
-              </a:r>
-              <a:endParaRPr/>
-            </a:p>
-          </p:txBody>
-        </p:sp>
-      </p:grpSp>
-      <p:sp>
-        <p:nvSpPr>
-          <p:cNvPr id="160" name="Google Shape;160;p25"/>
-          <p:cNvSpPr txBox="1"/>
-          <p:nvPr>
-            <p:ph idx="4294967295" type="body"/>
-          </p:nvPr>
-        </p:nvSpPr>
-        <p:spPr>
-          <a:xfrm>
-            <a:off x="3304094" y="385667"/>
-            <a:ext cx="2242800" cy="906300"/>
-          </a:xfrm>
-          <a:prstGeom prst="rect">
-            <a:avLst/>
-          </a:prstGeom>
-        </p:spPr>
-        <p:txBody>
-          <a:bodyPr anchorCtr="0" anchor="t" bIns="91425" lIns="91425" spcFirstLastPara="1" rIns="91425" wrap="square" tIns="91425">
-            <a:noAutofit/>
-          </a:bodyPr>
-          <a:lstStyle/>
-          <a:p>
-            <a:pPr indent="0" lvl="0" marL="0" rtl="0" algn="l">
-              <a:spcBef>
-                <a:spcPts val="0"/>
-              </a:spcBef>
-              <a:spcAft>
-                <a:spcPts val="1600"/>
-              </a:spcAft>
-              <a:buNone/>
-            </a:pPr>
-            <a:r>
-              <a:rPr lang="en" sz="1600"/>
-              <a:t>Lorem ipsum dolor sit amet, consectetur adipiscing elit</a:t>
-            </a:r>
-            <a:endParaRPr sz="1600"/>
-          </a:p>
-        </p:txBody>
-      </p:sp>
-      <p:sp>
-        <p:nvSpPr>
-          <p:cNvPr descr="Background pointer shape in timeline graphic" id="161" name="Google Shape;161;p25"/>
-          <p:cNvSpPr/>
-          <p:nvPr/>
-        </p:nvSpPr>
-        <p:spPr>
-          <a:xfrm>
-            <a:off x="5126893" y="2199000"/>
-            <a:ext cx="2051100" cy="745500"/>
-          </a:xfrm>
-          <a:prstGeom prst="chevron">
-            <a:avLst>
-              <a:gd fmla="val 50000" name="adj"/>
-            </a:avLst>
-          </a:prstGeom>
-          <a:solidFill>
-            <a:schemeClr val="accent3"/>
-          </a:solidFill>
-          <a:ln cap="flat" cmpd="sng" w="9525">
-            <a:solidFill>
-              <a:schemeClr val="lt1"/>
-            </a:solidFill>
-            <a:prstDash val="solid"/>
-            <a:round/>
-            <a:headEnd len="sm" w="sm" type="none"/>
-            <a:tailEnd len="sm" w="sm" type="none"/>
-          </a:ln>
-        </p:spPr>
-        <p:txBody>
-          <a:bodyPr anchorCtr="0" anchor="ctr" bIns="121875" lIns="121875" spcFirstLastPara="1" rIns="121875" wrap="square" tIns="121875">
-            <a:noAutofit/>
-          </a:bodyPr>
-          <a:lstStyle/>
-          <a:p>
-            <a:pPr indent="0" lvl="0" marL="0" rtl="0" algn="l">
-              <a:spcBef>
-                <a:spcPts val="0"/>
-              </a:spcBef>
-              <a:spcAft>
-                <a:spcPts val="0"/>
-              </a:spcAft>
-              <a:buNone/>
-            </a:pPr>
-            <a:r>
-              <a:t/>
-            </a:r>
-            <a:endParaRPr/>
-          </a:p>
-        </p:txBody>
-      </p:sp>
-      <p:sp>
-        <p:nvSpPr>
-          <p:cNvPr id="162" name="Google Shape;162;p25"/>
-          <p:cNvSpPr txBox="1"/>
-          <p:nvPr>
-            <p:ph idx="4294967295" type="body"/>
-          </p:nvPr>
-        </p:nvSpPr>
-        <p:spPr>
-          <a:xfrm>
-            <a:off x="5416699" y="2336550"/>
-            <a:ext cx="1315500" cy="470400"/>
-          </a:xfrm>
-          <a:prstGeom prst="rect">
-            <a:avLst/>
-          </a:prstGeom>
-        </p:spPr>
-        <p:txBody>
-          <a:bodyPr anchorCtr="0" anchor="ctr" bIns="91425" lIns="91425" spcFirstLastPara="1" rIns="91425" wrap="square" tIns="91425">
-            <a:noAutofit/>
-          </a:bodyPr>
-          <a:lstStyle/>
-          <a:p>
-            <a:pPr indent="0" lvl="0" marL="0" rtl="0" algn="ctr">
-              <a:lnSpc>
-                <a:spcPct val="100000"/>
-              </a:lnSpc>
-              <a:spcBef>
-                <a:spcPts val="0"/>
-              </a:spcBef>
-              <a:spcAft>
-                <a:spcPts val="0"/>
-              </a:spcAft>
-              <a:buNone/>
-            </a:pPr>
-            <a:r>
-              <a:rPr b="1" lang="en" sz="1600">
-                <a:solidFill>
-                  <a:schemeClr val="lt1"/>
-                </a:solidFill>
-              </a:rPr>
-              <a:t>10.20.XX</a:t>
-            </a:r>
-            <a:endParaRPr b="1" sz="1600">
-              <a:solidFill>
-                <a:schemeClr val="lt1"/>
-              </a:solidFill>
-            </a:endParaRPr>
-          </a:p>
-        </p:txBody>
-      </p:sp>
-      <p:grpSp>
-        <p:nvGrpSpPr>
-          <p:cNvPr id="163" name="Google Shape;163;p25"/>
-          <p:cNvGrpSpPr/>
-          <p:nvPr/>
-        </p:nvGrpSpPr>
-        <p:grpSpPr>
-          <a:xfrm>
-            <a:off x="5973070" y="2938958"/>
-            <a:ext cx="198900" cy="593656"/>
-            <a:chOff x="5958946" y="2938958"/>
-            <a:chExt cx="198900" cy="593656"/>
-          </a:xfrm>
-        </p:grpSpPr>
-        <p:cxnSp>
-          <p:nvCxnSpPr>
-            <p:cNvPr id="164" name="Google Shape;164;p25"/>
-            <p:cNvCxnSpPr/>
-            <p:nvPr/>
-          </p:nvCxnSpPr>
-          <p:spPr>
-            <a:xfrm rot="10800000">
-              <a:off x="6058409" y="2938958"/>
-              <a:ext cx="0" cy="554700"/>
-            </a:xfrm>
-            <a:prstGeom prst="straightConnector1">
-              <a:avLst/>
-            </a:prstGeom>
-            <a:noFill/>
-            <a:ln cap="flat" cmpd="sng" w="9525">
-              <a:solidFill>
-                <a:schemeClr val="dk2"/>
-              </a:solidFill>
-              <a:prstDash val="solid"/>
-              <a:round/>
-              <a:headEnd len="sm" w="sm" type="none"/>
-              <a:tailEnd len="sm" w="sm" type="none"/>
-            </a:ln>
-          </p:spPr>
-        </p:cxnSp>
-        <p:sp>
-          <p:nvSpPr>
-            <p:cNvPr id="165" name="Google Shape;165;p25"/>
-            <p:cNvSpPr/>
-            <p:nvPr/>
-          </p:nvSpPr>
-          <p:spPr>
-            <a:xfrm flipH="1" rot="10800000">
-              <a:off x="5958946" y="3333714"/>
-              <a:ext cx="198900" cy="198900"/>
-            </a:xfrm>
-            <a:prstGeom prst="ellipse">
-              <a:avLst/>
-            </a:prstGeom>
-            <a:solidFill>
-              <a:schemeClr val="accent3"/>
-            </a:solidFill>
-            <a:ln>
-              <a:noFill/>
-            </a:ln>
-          </p:spPr>
-          <p:txBody>
-            <a:bodyPr anchorCtr="0" anchor="ctr" bIns="91425" lIns="91425" spcFirstLastPara="1" rIns="91425" wrap="square" tIns="91425">
-              <a:noAutofit/>
-            </a:bodyPr>
-            <a:lstStyle/>
-            <a:p>
-              <a:pPr indent="0" lvl="0" marL="0" rtl="0" algn="l">
-                <a:spcBef>
-                  <a:spcPts val="0"/>
-                </a:spcBef>
-                <a:spcAft>
-                  <a:spcPts val="0"/>
-                </a:spcAft>
-                <a:buNone/>
-              </a:pPr>
-              <a:r>
-                <a:t/>
-              </a:r>
-              <a:endParaRPr/>
-            </a:p>
-          </p:txBody>
-        </p:sp>
-      </p:grpSp>
-      <p:sp>
-        <p:nvSpPr>
-          <p:cNvPr id="166" name="Google Shape;166;p25"/>
-          <p:cNvSpPr txBox="1"/>
-          <p:nvPr>
-            <p:ph idx="4294967295" type="body"/>
-          </p:nvPr>
-        </p:nvSpPr>
-        <p:spPr>
-          <a:xfrm>
-            <a:off x="5126902" y="3757725"/>
-            <a:ext cx="2242800" cy="906300"/>
-          </a:xfrm>
-          <a:prstGeom prst="rect">
-            <a:avLst/>
-          </a:prstGeom>
-        </p:spPr>
-        <p:txBody>
-          <a:bodyPr anchorCtr="0" anchor="t" bIns="91425" lIns="91425" spcFirstLastPara="1" rIns="91425" wrap="square" tIns="91425">
-            <a:noAutofit/>
-          </a:bodyPr>
-          <a:lstStyle/>
-          <a:p>
-            <a:pPr indent="0" lvl="0" marL="0" rtl="0" algn="l">
-              <a:spcBef>
-                <a:spcPts val="0"/>
-              </a:spcBef>
-              <a:spcAft>
-                <a:spcPts val="1600"/>
-              </a:spcAft>
-              <a:buNone/>
-            </a:pPr>
-            <a:r>
-              <a:rPr lang="en" sz="1600"/>
-              <a:t>Lorem ipsum dolor sit amet, consectetur adipiscing elit</a:t>
-            </a:r>
-            <a:endParaRPr sz="1600"/>
-          </a:p>
-        </p:txBody>
-      </p:sp>
-      <p:sp>
-        <p:nvSpPr>
-          <p:cNvPr descr="Background pointer shape in timeline graphic" id="167" name="Google Shape;167;p25"/>
-          <p:cNvSpPr/>
-          <p:nvPr/>
-        </p:nvSpPr>
-        <p:spPr>
-          <a:xfrm>
-            <a:off x="6781813" y="2199000"/>
-            <a:ext cx="2051100" cy="745500"/>
-          </a:xfrm>
-          <a:prstGeom prst="chevron">
-            <a:avLst>
-              <a:gd fmla="val 50000" name="adj"/>
-            </a:avLst>
-          </a:prstGeom>
-          <a:solidFill>
-            <a:schemeClr val="accent3"/>
-          </a:solidFill>
-          <a:ln cap="flat" cmpd="sng" w="9525">
-            <a:solidFill>
-              <a:schemeClr val="lt1"/>
-            </a:solidFill>
-            <a:prstDash val="solid"/>
-            <a:round/>
-            <a:headEnd len="sm" w="sm" type="none"/>
-            <a:tailEnd len="sm" w="sm" type="none"/>
-          </a:ln>
-        </p:spPr>
-        <p:txBody>
-          <a:bodyPr anchorCtr="0" anchor="ctr" bIns="121875" lIns="121875" spcFirstLastPara="1" rIns="121875" wrap="square" tIns="121875">
-            <a:noAutofit/>
-          </a:bodyPr>
-          <a:lstStyle/>
-          <a:p>
-            <a:pPr indent="0" lvl="0" marL="0" rtl="0" algn="l">
-              <a:spcBef>
-                <a:spcPts val="0"/>
-              </a:spcBef>
-              <a:spcAft>
-                <a:spcPts val="0"/>
-              </a:spcAft>
-              <a:buNone/>
-            </a:pPr>
-            <a:r>
-              <a:t/>
-            </a:r>
-            <a:endParaRPr/>
-          </a:p>
-        </p:txBody>
-      </p:sp>
-      <p:sp>
-        <p:nvSpPr>
-          <p:cNvPr id="168" name="Google Shape;168;p25"/>
-          <p:cNvSpPr txBox="1"/>
-          <p:nvPr>
-            <p:ph idx="4294967295" type="body"/>
-          </p:nvPr>
-        </p:nvSpPr>
-        <p:spPr>
-          <a:xfrm>
-            <a:off x="7111512" y="2336550"/>
-            <a:ext cx="1315500" cy="470400"/>
-          </a:xfrm>
-          <a:prstGeom prst="rect">
-            <a:avLst/>
-          </a:prstGeom>
-        </p:spPr>
-        <p:txBody>
-          <a:bodyPr anchorCtr="0" anchor="ctr" bIns="91425" lIns="91425" spcFirstLastPara="1" rIns="91425" wrap="square" tIns="91425">
-            <a:noAutofit/>
-          </a:bodyPr>
-          <a:lstStyle/>
-          <a:p>
-            <a:pPr indent="0" lvl="0" marL="0" rtl="0" algn="ctr">
-              <a:lnSpc>
-                <a:spcPct val="100000"/>
-              </a:lnSpc>
-              <a:spcBef>
-                <a:spcPts val="0"/>
-              </a:spcBef>
-              <a:spcAft>
-                <a:spcPts val="0"/>
-              </a:spcAft>
-              <a:buNone/>
-            </a:pPr>
-            <a:r>
-              <a:rPr b="1" lang="en" sz="1600">
-                <a:solidFill>
-                  <a:schemeClr val="lt1"/>
-                </a:solidFill>
-              </a:rPr>
-              <a:t>11.01.XX</a:t>
-            </a:r>
-            <a:endParaRPr b="1" sz="1600">
-              <a:solidFill>
-                <a:schemeClr val="lt1"/>
-              </a:solidFill>
-            </a:endParaRPr>
-          </a:p>
-        </p:txBody>
-      </p:sp>
-      <p:grpSp>
-        <p:nvGrpSpPr>
-          <p:cNvPr id="169" name="Google Shape;169;p25"/>
-          <p:cNvGrpSpPr/>
-          <p:nvPr/>
-        </p:nvGrpSpPr>
-        <p:grpSpPr>
-          <a:xfrm>
-            <a:off x="7669807" y="1610215"/>
-            <a:ext cx="198900" cy="593656"/>
-            <a:chOff x="3918084" y="1610215"/>
-            <a:chExt cx="198900" cy="593656"/>
-          </a:xfrm>
-        </p:grpSpPr>
-        <p:cxnSp>
-          <p:nvCxnSpPr>
-            <p:cNvPr id="170" name="Google Shape;170;p25"/>
-            <p:cNvCxnSpPr/>
-            <p:nvPr/>
-          </p:nvCxnSpPr>
-          <p:spPr>
-            <a:xfrm>
-              <a:off x="4017546" y="1649171"/>
-              <a:ext cx="0" cy="554700"/>
-            </a:xfrm>
-            <a:prstGeom prst="straightConnector1">
-              <a:avLst/>
-            </a:prstGeom>
-            <a:noFill/>
-            <a:ln cap="flat" cmpd="sng" w="9525">
-              <a:solidFill>
-                <a:schemeClr val="dk2"/>
-              </a:solidFill>
-              <a:prstDash val="solid"/>
-              <a:round/>
-              <a:headEnd len="sm" w="sm" type="none"/>
-              <a:tailEnd len="sm" w="sm" type="none"/>
-            </a:ln>
-          </p:spPr>
-        </p:cxnSp>
-        <p:sp>
-          <p:nvSpPr>
-            <p:cNvPr id="171" name="Google Shape;171;p25"/>
-            <p:cNvSpPr/>
-            <p:nvPr/>
-          </p:nvSpPr>
-          <p:spPr>
-            <a:xfrm>
-              <a:off x="3918084" y="1610215"/>
-              <a:ext cx="198900" cy="198900"/>
-            </a:xfrm>
-            <a:prstGeom prst="ellipse">
-              <a:avLst/>
-            </a:prstGeom>
-            <a:solidFill>
-              <a:schemeClr val="accent3"/>
-            </a:solidFill>
-            <a:ln>
-              <a:noFill/>
-            </a:ln>
-          </p:spPr>
-          <p:txBody>
-            <a:bodyPr anchorCtr="0" anchor="ctr" bIns="91425" lIns="91425" spcFirstLastPara="1" rIns="91425" wrap="square" tIns="91425">
-              <a:noAutofit/>
-            </a:bodyPr>
-            <a:lstStyle/>
-            <a:p>
-              <a:pPr indent="0" lvl="0" marL="0" rtl="0" algn="l">
-                <a:spcBef>
-                  <a:spcPts val="0"/>
-                </a:spcBef>
-                <a:spcAft>
-                  <a:spcPts val="0"/>
-                </a:spcAft>
-                <a:buNone/>
-              </a:pPr>
-              <a:r>
-                <a:t/>
-              </a:r>
-              <a:endParaRPr/>
-            </a:p>
-          </p:txBody>
-        </p:sp>
-      </p:grpSp>
-      <p:sp>
-        <p:nvSpPr>
-          <p:cNvPr id="172" name="Google Shape;172;p25"/>
-          <p:cNvSpPr txBox="1"/>
-          <p:nvPr>
-            <p:ph idx="4294967295" type="body"/>
-          </p:nvPr>
-        </p:nvSpPr>
-        <p:spPr>
-          <a:xfrm>
-            <a:off x="6685979" y="385667"/>
-            <a:ext cx="2242800" cy="906300"/>
-          </a:xfrm>
-          <a:prstGeom prst="rect">
-            <a:avLst/>
-          </a:prstGeom>
-        </p:spPr>
-        <p:txBody>
-          <a:bodyPr anchorCtr="0" anchor="t" bIns="91425" lIns="91425" spcFirstLastPara="1" rIns="91425" wrap="square" tIns="91425">
-            <a:noAutofit/>
-          </a:bodyPr>
-          <a:lstStyle/>
-          <a:p>
-            <a:pPr indent="0" lvl="0" marL="0" rtl="0" algn="l">
-              <a:spcBef>
-                <a:spcPts val="0"/>
-              </a:spcBef>
-              <a:spcAft>
-                <a:spcPts val="1600"/>
-              </a:spcAft>
-              <a:buNone/>
-            </a:pPr>
-            <a:r>
-              <a:rPr lang="en" sz="1600"/>
-              <a:t>Lorem ipsum dolor sit amet, consectetur adipiscing elit</a:t>
-            </a:r>
-            <a:endParaRPr sz="1600"/>
+            <a:endParaRPr sz="1500"/>
           </a:p>
         </p:txBody>
       </p:sp>
@@ -9796,9 +9027,16 @@
 <file path=ppt/slides/slide14.xml><?xml version="1.0" encoding="utf-8"?>
 <p:sld xmlns:a="http://schemas.openxmlformats.org/drawingml/2006/main" xmlns:r="http://schemas.openxmlformats.org/officeDocument/2006/relationships" xmlns:mc="http://schemas.openxmlformats.org/markup-compatibility/2006" xmlns:mv="urn:schemas-microsoft-com:mac:vml" xmlns:p="http://schemas.openxmlformats.org/presentationml/2006/main" xmlns:c="http://schemas.openxmlformats.org/drawingml/2006/chart" xmlns:dgm="http://schemas.openxmlformats.org/drawingml/2006/diagram" xmlns:o="urn:schemas-microsoft-com:office:office" xmlns:v="urn:schemas-microsoft-com:vml" xmlns:pvml="urn:schemas-microsoft-com:office:powerpoint" xmlns:com="http://schemas.openxmlformats.org/drawingml/2006/compatibility" xmlns:p14="http://schemas.microsoft.com/office/powerpoint/2010/main" xmlns:p15="http://schemas.microsoft.com/office/powerpoint/2012/main" xmlns:ahyp="http://schemas.microsoft.com/office/drawing/2018/hyperlinkcolor">
   <p:cSld>
+    <p:bg>
+      <p:bgPr>
+        <a:solidFill>
+          <a:schemeClr val="accent3"/>
+        </a:solidFill>
+      </p:bgPr>
+    </p:bg>
     <p:spTree>
       <p:nvGrpSpPr>
-        <p:cNvPr id="176" name="Shape 176"/>
+        <p:cNvPr id="148" name="Shape 148"/>
         <p:cNvGrpSpPr/>
         <p:nvPr/>
       </p:nvGrpSpPr>
@@ -9812,7 +9050,197 @@
       </p:grpSpPr>
       <p:sp>
         <p:nvSpPr>
-          <p:cNvPr id="177" name="Google Shape;177;p26"/>
+          <p:cNvPr id="149" name="Google Shape;149;p26"/>
+          <p:cNvSpPr txBox="1"/>
+          <p:nvPr>
+            <p:ph type="title"/>
+          </p:nvPr>
+        </p:nvSpPr>
+        <p:spPr>
+          <a:xfrm>
+            <a:off x="406425" y="1806825"/>
+            <a:ext cx="8296800" cy="1542000"/>
+          </a:xfrm>
+          <a:prstGeom prst="rect">
+            <a:avLst/>
+          </a:prstGeom>
+        </p:spPr>
+        <p:txBody>
+          <a:bodyPr anchorCtr="0" anchor="ctr" bIns="91425" lIns="91425" spcFirstLastPara="1" rIns="91425" wrap="square" tIns="91425">
+            <a:noAutofit/>
+          </a:bodyPr>
+          <a:lstStyle/>
+          <a:p>
+            <a:pPr indent="0" lvl="0" marL="0" rtl="0" algn="ctr">
+              <a:spcBef>
+                <a:spcPts val="0"/>
+              </a:spcBef>
+              <a:spcAft>
+                <a:spcPts val="0"/>
+              </a:spcAft>
+              <a:buNone/>
+            </a:pPr>
+            <a:r>
+              <a:rPr lang="en"/>
+              <a:t>Results</a:t>
+            </a:r>
+            <a:endParaRPr/>
+          </a:p>
+        </p:txBody>
+      </p:sp>
+    </p:spTree>
+  </p:cSld>
+  <p:clrMapOvr>
+    <a:masterClrMapping/>
+  </p:clrMapOvr>
+</p:sld>
+</file>
+
+<file path=ppt/slides/slide15.xml><?xml version="1.0" encoding="utf-8"?>
+<p:sld xmlns:a="http://schemas.openxmlformats.org/drawingml/2006/main" xmlns:r="http://schemas.openxmlformats.org/officeDocument/2006/relationships" xmlns:mc="http://schemas.openxmlformats.org/markup-compatibility/2006" xmlns:mv="urn:schemas-microsoft-com:mac:vml" xmlns:p="http://schemas.openxmlformats.org/presentationml/2006/main" xmlns:c="http://schemas.openxmlformats.org/drawingml/2006/chart" xmlns:dgm="http://schemas.openxmlformats.org/drawingml/2006/diagram" xmlns:o="urn:schemas-microsoft-com:office:office" xmlns:v="urn:schemas-microsoft-com:vml" xmlns:pvml="urn:schemas-microsoft-com:office:powerpoint" xmlns:com="http://schemas.openxmlformats.org/drawingml/2006/compatibility" xmlns:p14="http://schemas.microsoft.com/office/powerpoint/2010/main" xmlns:p15="http://schemas.microsoft.com/office/powerpoint/2012/main" xmlns:ahyp="http://schemas.microsoft.com/office/drawing/2018/hyperlinkcolor">
+  <p:cSld>
+    <p:spTree>
+      <p:nvGrpSpPr>
+        <p:cNvPr id="153" name="Shape 153"/>
+        <p:cNvGrpSpPr/>
+        <p:nvPr/>
+      </p:nvGrpSpPr>
+      <p:grpSpPr>
+        <a:xfrm>
+          <a:off x="0" y="0"/>
+          <a:ext cx="0" cy="0"/>
+          <a:chOff x="0" y="0"/>
+          <a:chExt cx="0" cy="0"/>
+        </a:xfrm>
+      </p:grpSpPr>
+      <p:sp>
+        <p:nvSpPr>
+          <p:cNvPr id="154" name="Google Shape;154;p27"/>
+          <p:cNvSpPr txBox="1"/>
+          <p:nvPr>
+            <p:ph idx="1" type="body"/>
+          </p:nvPr>
+        </p:nvSpPr>
+        <p:spPr>
+          <a:xfrm>
+            <a:off x="328017" y="4226025"/>
+            <a:ext cx="8388600" cy="393600"/>
+          </a:xfrm>
+          <a:prstGeom prst="rect">
+            <a:avLst/>
+          </a:prstGeom>
+        </p:spPr>
+        <p:txBody>
+          <a:bodyPr anchorCtr="0" anchor="ctr" bIns="91425" lIns="91425" spcFirstLastPara="1" rIns="91425" wrap="square" tIns="91425">
+            <a:noAutofit/>
+          </a:bodyPr>
+          <a:lstStyle/>
+          <a:p>
+            <a:pPr indent="0" lvl="0" marL="0" rtl="0" algn="l">
+              <a:spcBef>
+                <a:spcPts val="0"/>
+              </a:spcBef>
+              <a:spcAft>
+                <a:spcPts val="0"/>
+              </a:spcAft>
+              <a:buNone/>
+            </a:pPr>
+            <a:r>
+              <a:rPr lang="en" sz="1700"/>
+              <a:t>Total c</a:t>
+            </a:r>
+            <a:r>
+              <a:rPr lang="en" sz="1700"/>
+              <a:t>ontributions, by category of contribution (left) and by contributor type (right)</a:t>
+            </a:r>
+            <a:endParaRPr sz="1700"/>
+          </a:p>
+        </p:txBody>
+      </p:sp>
+      <p:pic>
+        <p:nvPicPr>
+          <p:cNvPr id="155" name="Google Shape;155;p27"/>
+          <p:cNvPicPr preferRelativeResize="0"/>
+          <p:nvPr/>
+        </p:nvPicPr>
+        <p:blipFill>
+          <a:blip r:embed="rId3">
+            <a:alphaModFix/>
+          </a:blip>
+          <a:stretch>
+            <a:fillRect/>
+          </a:stretch>
+        </p:blipFill>
+        <p:spPr>
+          <a:xfrm>
+            <a:off x="328025" y="203900"/>
+            <a:ext cx="3543300" cy="3762375"/>
+          </a:xfrm>
+          <a:prstGeom prst="rect">
+            <a:avLst/>
+          </a:prstGeom>
+          <a:noFill/>
+          <a:ln>
+            <a:noFill/>
+          </a:ln>
+        </p:spPr>
+      </p:pic>
+      <p:pic>
+        <p:nvPicPr>
+          <p:cNvPr id="156" name="Google Shape;156;p27"/>
+          <p:cNvPicPr preferRelativeResize="0"/>
+          <p:nvPr/>
+        </p:nvPicPr>
+        <p:blipFill>
+          <a:blip r:embed="rId4">
+            <a:alphaModFix/>
+          </a:blip>
+          <a:stretch>
+            <a:fillRect/>
+          </a:stretch>
+        </p:blipFill>
+        <p:spPr>
+          <a:xfrm>
+            <a:off x="5173325" y="203900"/>
+            <a:ext cx="3543300" cy="3762375"/>
+          </a:xfrm>
+          <a:prstGeom prst="rect">
+            <a:avLst/>
+          </a:prstGeom>
+          <a:noFill/>
+          <a:ln>
+            <a:noFill/>
+          </a:ln>
+        </p:spPr>
+      </p:pic>
+    </p:spTree>
+  </p:cSld>
+  <p:clrMapOvr>
+    <a:masterClrMapping/>
+  </p:clrMapOvr>
+</p:sld>
+</file>
+
+<file path=ppt/slides/slide16.xml><?xml version="1.0" encoding="utf-8"?>
+<p:sld xmlns:a="http://schemas.openxmlformats.org/drawingml/2006/main" xmlns:r="http://schemas.openxmlformats.org/officeDocument/2006/relationships" xmlns:mc="http://schemas.openxmlformats.org/markup-compatibility/2006" xmlns:mv="urn:schemas-microsoft-com:mac:vml" xmlns:p="http://schemas.openxmlformats.org/presentationml/2006/main" xmlns:c="http://schemas.openxmlformats.org/drawingml/2006/chart" xmlns:dgm="http://schemas.openxmlformats.org/drawingml/2006/diagram" xmlns:o="urn:schemas-microsoft-com:office:office" xmlns:v="urn:schemas-microsoft-com:vml" xmlns:pvml="urn:schemas-microsoft-com:office:powerpoint" xmlns:com="http://schemas.openxmlformats.org/drawingml/2006/compatibility" xmlns:p14="http://schemas.microsoft.com/office/powerpoint/2010/main" xmlns:p15="http://schemas.microsoft.com/office/powerpoint/2012/main" xmlns:ahyp="http://schemas.microsoft.com/office/drawing/2018/hyperlinkcolor">
+  <p:cSld>
+    <p:spTree>
+      <p:nvGrpSpPr>
+        <p:cNvPr id="160" name="Shape 160"/>
+        <p:cNvGrpSpPr/>
+        <p:nvPr/>
+      </p:nvGrpSpPr>
+      <p:grpSpPr>
+        <a:xfrm>
+          <a:off x="0" y="0"/>
+          <a:ext cx="0" cy="0"/>
+          <a:chOff x="0" y="0"/>
+          <a:chExt cx="0" cy="0"/>
+        </a:xfrm>
+      </p:grpSpPr>
+      <p:sp>
+        <p:nvSpPr>
+          <p:cNvPr id="161" name="Google Shape;161;p28"/>
           <p:cNvSpPr txBox="1"/>
           <p:nvPr>
             <p:ph type="title"/>
@@ -9852,7 +9280,7 @@
       </p:sp>
       <p:sp>
         <p:nvSpPr>
-          <p:cNvPr id="178" name="Google Shape;178;p26"/>
+          <p:cNvPr id="162" name="Google Shape;162;p28"/>
           <p:cNvSpPr txBox="1"/>
           <p:nvPr>
             <p:ph idx="1" type="body"/>
@@ -10033,12 +9461,12 @@
 </p:sld>
 </file>
 
-<file path=ppt/slides/slide15.xml><?xml version="1.0" encoding="utf-8"?>
+<file path=ppt/slides/slide17.xml><?xml version="1.0" encoding="utf-8"?>
 <p:sld xmlns:a="http://schemas.openxmlformats.org/drawingml/2006/main" xmlns:r="http://schemas.openxmlformats.org/officeDocument/2006/relationships" xmlns:mc="http://schemas.openxmlformats.org/markup-compatibility/2006" xmlns:mv="urn:schemas-microsoft-com:mac:vml" xmlns:p="http://schemas.openxmlformats.org/presentationml/2006/main" xmlns:c="http://schemas.openxmlformats.org/drawingml/2006/chart" xmlns:dgm="http://schemas.openxmlformats.org/drawingml/2006/diagram" xmlns:o="urn:schemas-microsoft-com:office:office" xmlns:v="urn:schemas-microsoft-com:vml" xmlns:pvml="urn:schemas-microsoft-com:office:powerpoint" xmlns:com="http://schemas.openxmlformats.org/drawingml/2006/compatibility" xmlns:p14="http://schemas.microsoft.com/office/powerpoint/2010/main" xmlns:p15="http://schemas.microsoft.com/office/powerpoint/2012/main" xmlns:ahyp="http://schemas.microsoft.com/office/drawing/2018/hyperlinkcolor">
   <p:cSld>
     <p:spTree>
       <p:nvGrpSpPr>
-        <p:cNvPr id="182" name="Shape 182"/>
+        <p:cNvPr id="166" name="Shape 166"/>
         <p:cNvGrpSpPr/>
         <p:nvPr/>
       </p:nvGrpSpPr>
@@ -10052,7 +9480,7 @@
       </p:grpSpPr>
       <p:sp>
         <p:nvSpPr>
-          <p:cNvPr id="183" name="Google Shape;183;p27"/>
+          <p:cNvPr id="167" name="Google Shape;167;p29"/>
           <p:cNvSpPr txBox="1"/>
           <p:nvPr>
             <p:ph type="title"/>
@@ -10100,7 +9528,7 @@
       </p:sp>
       <p:sp>
         <p:nvSpPr>
-          <p:cNvPr id="184" name="Google Shape;184;p27"/>
+          <p:cNvPr id="168" name="Google Shape;168;p29"/>
           <p:cNvSpPr txBox="1"/>
           <p:nvPr>
             <p:ph idx="2" type="body"/>
@@ -10567,7 +9995,7 @@
             </a:pPr>
             <a:r>
               <a:rPr lang="en"/>
-              <a:t>Process:</a:t>
+              <a:t>General Process:</a:t>
             </a:r>
             <a:endParaRPr/>
           </a:p>
@@ -10731,7 +10159,7 @@
             </a:pPr>
             <a:r>
               <a:rPr lang="en"/>
-              <a:t>Data Visualization Section</a:t>
+              <a:t>Machine Learning</a:t>
             </a:r>
             <a:endParaRPr/>
           </a:p>
@@ -10772,6 +10200,252 @@
         </p:nvSpPr>
         <p:spPr>
           <a:xfrm>
+            <a:off x="2400250" y="575950"/>
+            <a:ext cx="6321600" cy="635400"/>
+          </a:xfrm>
+          <a:prstGeom prst="rect">
+            <a:avLst/>
+          </a:prstGeom>
+        </p:spPr>
+        <p:txBody>
+          <a:bodyPr anchorCtr="0" anchor="t" bIns="91425" lIns="91425" spcFirstLastPara="1" rIns="91425" wrap="square" tIns="91425">
+            <a:noAutofit/>
+          </a:bodyPr>
+          <a:lstStyle/>
+          <a:p>
+            <a:pPr indent="0" lvl="0" marL="0" rtl="0" algn="l">
+              <a:spcBef>
+                <a:spcPts val="0"/>
+              </a:spcBef>
+              <a:spcAft>
+                <a:spcPts val="0"/>
+              </a:spcAft>
+              <a:buNone/>
+            </a:pPr>
+            <a:r>
+              <a:rPr lang="en"/>
+              <a:t>Machine Learning:</a:t>
+            </a:r>
+            <a:endParaRPr/>
+          </a:p>
+        </p:txBody>
+      </p:sp>
+      <p:sp>
+        <p:nvSpPr>
+          <p:cNvPr id="102" name="Google Shape;102;p18"/>
+          <p:cNvSpPr txBox="1"/>
+          <p:nvPr>
+            <p:ph idx="1" type="body"/>
+          </p:nvPr>
+        </p:nvSpPr>
+        <p:spPr>
+          <a:xfrm>
+            <a:off x="2400300" y="1361300"/>
+            <a:ext cx="6321600" cy="3243900"/>
+          </a:xfrm>
+          <a:prstGeom prst="rect">
+            <a:avLst/>
+          </a:prstGeom>
+        </p:spPr>
+        <p:txBody>
+          <a:bodyPr anchorCtr="0" anchor="t" bIns="91425" lIns="91425" spcFirstLastPara="1" rIns="91425" wrap="square" tIns="91425">
+            <a:noAutofit/>
+          </a:bodyPr>
+          <a:lstStyle/>
+          <a:p>
+            <a:pPr indent="-330200" lvl="0" marL="457200" rtl="0" algn="l">
+              <a:spcBef>
+                <a:spcPts val="0"/>
+              </a:spcBef>
+              <a:spcAft>
+                <a:spcPts val="0"/>
+              </a:spcAft>
+              <a:buSzPts val="1600"/>
+              <a:buChar char="●"/>
+            </a:pPr>
+            <a:r>
+              <a:rPr lang="en" sz="1600"/>
+              <a:t>We selected the Balanced Random Forest algorithm for our project to randomly undersample our data to balance it.</a:t>
+            </a:r>
+            <a:endParaRPr sz="1600"/>
+          </a:p>
+          <a:p>
+            <a:pPr indent="-330200" lvl="0" marL="457200" rtl="0" algn="l">
+              <a:spcBef>
+                <a:spcPts val="0"/>
+              </a:spcBef>
+              <a:spcAft>
+                <a:spcPts val="0"/>
+              </a:spcAft>
+              <a:buSzPts val="1600"/>
+              <a:buChar char="●"/>
+            </a:pPr>
+            <a:r>
+              <a:rPr lang="en" sz="1600"/>
+              <a:t>We chose a supervised learning approach, and despite already knowing the outcome, we used our data to see if the machine learning prediction matched said outcome.</a:t>
+            </a:r>
+            <a:endParaRPr sz="1600"/>
+          </a:p>
+          <a:p>
+            <a:pPr indent="-330200" lvl="0" marL="457200" rtl="0" algn="l">
+              <a:spcBef>
+                <a:spcPts val="0"/>
+              </a:spcBef>
+              <a:spcAft>
+                <a:spcPts val="0"/>
+              </a:spcAft>
+              <a:buSzPts val="1600"/>
+              <a:buChar char="●"/>
+            </a:pPr>
+            <a:r>
+              <a:rPr lang="en" sz="1600"/>
+              <a:t>We encoded the data using LabelEncoder to numerically process string values in our data.</a:t>
+            </a:r>
+            <a:endParaRPr sz="1600"/>
+          </a:p>
+          <a:p>
+            <a:pPr indent="-330200" lvl="0" marL="457200" rtl="0" algn="l">
+              <a:spcBef>
+                <a:spcPts val="0"/>
+              </a:spcBef>
+              <a:spcAft>
+                <a:spcPts val="0"/>
+              </a:spcAft>
+              <a:buSzPts val="1600"/>
+              <a:buChar char="●"/>
+            </a:pPr>
+            <a:r>
+              <a:rPr lang="en" sz="1600"/>
+              <a:t>We then tested our data using a train-test split model at a 70/30 ratio to carry out our predictions.</a:t>
+            </a:r>
+            <a:endParaRPr sz="1600"/>
+          </a:p>
+          <a:p>
+            <a:pPr indent="-330200" lvl="0" marL="457200" rtl="0" algn="l">
+              <a:spcBef>
+                <a:spcPts val="0"/>
+              </a:spcBef>
+              <a:spcAft>
+                <a:spcPts val="0"/>
+              </a:spcAft>
+              <a:buSzPts val="1600"/>
+              <a:buChar char="●"/>
+            </a:pPr>
+            <a:r>
+              <a:rPr lang="en" sz="1600"/>
+              <a:t>Finally, we created visualizations of our ML results to graphically present them for analysis.</a:t>
+            </a:r>
+            <a:endParaRPr sz="1600"/>
+          </a:p>
+        </p:txBody>
+      </p:sp>
+    </p:spTree>
+  </p:cSld>
+  <p:clrMapOvr>
+    <a:masterClrMapping/>
+  </p:clrMapOvr>
+</p:sld>
+</file>
+
+<file path=ppt/slides/slide7.xml><?xml version="1.0" encoding="utf-8"?>
+<p:sld xmlns:a="http://schemas.openxmlformats.org/drawingml/2006/main" xmlns:r="http://schemas.openxmlformats.org/officeDocument/2006/relationships" xmlns:mc="http://schemas.openxmlformats.org/markup-compatibility/2006" xmlns:mv="urn:schemas-microsoft-com:mac:vml" xmlns:p="http://schemas.openxmlformats.org/presentationml/2006/main" xmlns:c="http://schemas.openxmlformats.org/drawingml/2006/chart" xmlns:dgm="http://schemas.openxmlformats.org/drawingml/2006/diagram" xmlns:o="urn:schemas-microsoft-com:office:office" xmlns:v="urn:schemas-microsoft-com:vml" xmlns:pvml="urn:schemas-microsoft-com:office:powerpoint" xmlns:com="http://schemas.openxmlformats.org/drawingml/2006/compatibility" xmlns:p14="http://schemas.microsoft.com/office/powerpoint/2010/main" xmlns:p15="http://schemas.microsoft.com/office/powerpoint/2012/main" xmlns:ahyp="http://schemas.microsoft.com/office/drawing/2018/hyperlinkcolor">
+  <p:cSld>
+    <p:bg>
+      <p:bgPr>
+        <a:solidFill>
+          <a:schemeClr val="accent3"/>
+        </a:solidFill>
+      </p:bgPr>
+    </p:bg>
+    <p:spTree>
+      <p:nvGrpSpPr>
+        <p:cNvPr id="106" name="Shape 106"/>
+        <p:cNvGrpSpPr/>
+        <p:nvPr/>
+      </p:nvGrpSpPr>
+      <p:grpSpPr>
+        <a:xfrm>
+          <a:off x="0" y="0"/>
+          <a:ext cx="0" cy="0"/>
+          <a:chOff x="0" y="0"/>
+          <a:chExt cx="0" cy="0"/>
+        </a:xfrm>
+      </p:grpSpPr>
+      <p:sp>
+        <p:nvSpPr>
+          <p:cNvPr id="107" name="Google Shape;107;p19"/>
+          <p:cNvSpPr txBox="1"/>
+          <p:nvPr>
+            <p:ph type="title"/>
+          </p:nvPr>
+        </p:nvSpPr>
+        <p:spPr>
+          <a:xfrm>
+            <a:off x="406425" y="1806825"/>
+            <a:ext cx="8296800" cy="1542000"/>
+          </a:xfrm>
+          <a:prstGeom prst="rect">
+            <a:avLst/>
+          </a:prstGeom>
+        </p:spPr>
+        <p:txBody>
+          <a:bodyPr anchorCtr="0" anchor="ctr" bIns="91425" lIns="91425" spcFirstLastPara="1" rIns="91425" wrap="square" tIns="91425">
+            <a:noAutofit/>
+          </a:bodyPr>
+          <a:lstStyle/>
+          <a:p>
+            <a:pPr indent="0" lvl="0" marL="0" rtl="0" algn="ctr">
+              <a:spcBef>
+                <a:spcPts val="0"/>
+              </a:spcBef>
+              <a:spcAft>
+                <a:spcPts val="0"/>
+              </a:spcAft>
+              <a:buNone/>
+            </a:pPr>
+            <a:r>
+              <a:rPr lang="en"/>
+              <a:t>Data Visualization</a:t>
+            </a:r>
+            <a:endParaRPr/>
+          </a:p>
+        </p:txBody>
+      </p:sp>
+    </p:spTree>
+  </p:cSld>
+  <p:clrMapOvr>
+    <a:masterClrMapping/>
+  </p:clrMapOvr>
+</p:sld>
+</file>
+
+<file path=ppt/slides/slide8.xml><?xml version="1.0" encoding="utf-8"?>
+<p:sld xmlns:a="http://schemas.openxmlformats.org/drawingml/2006/main" xmlns:r="http://schemas.openxmlformats.org/officeDocument/2006/relationships" xmlns:mc="http://schemas.openxmlformats.org/markup-compatibility/2006" xmlns:mv="urn:schemas-microsoft-com:mac:vml" xmlns:p="http://schemas.openxmlformats.org/presentationml/2006/main" xmlns:c="http://schemas.openxmlformats.org/drawingml/2006/chart" xmlns:dgm="http://schemas.openxmlformats.org/drawingml/2006/diagram" xmlns:o="urn:schemas-microsoft-com:office:office" xmlns:v="urn:schemas-microsoft-com:vml" xmlns:pvml="urn:schemas-microsoft-com:office:powerpoint" xmlns:com="http://schemas.openxmlformats.org/drawingml/2006/compatibility" xmlns:p14="http://schemas.microsoft.com/office/powerpoint/2010/main" xmlns:p15="http://schemas.microsoft.com/office/powerpoint/2012/main" xmlns:ahyp="http://schemas.microsoft.com/office/drawing/2018/hyperlinkcolor">
+  <p:cSld>
+    <p:spTree>
+      <p:nvGrpSpPr>
+        <p:cNvPr id="111" name="Shape 111"/>
+        <p:cNvGrpSpPr/>
+        <p:nvPr/>
+      </p:nvGrpSpPr>
+      <p:grpSpPr>
+        <a:xfrm>
+          <a:off x="0" y="0"/>
+          <a:ext cx="0" cy="0"/>
+          <a:chOff x="0" y="0"/>
+          <a:chExt cx="0" cy="0"/>
+        </a:xfrm>
+      </p:grpSpPr>
+      <p:sp>
+        <p:nvSpPr>
+          <p:cNvPr id="112" name="Google Shape;112;p20"/>
+          <p:cNvSpPr txBox="1"/>
+          <p:nvPr>
+            <p:ph type="title"/>
+          </p:nvPr>
+        </p:nvSpPr>
+        <p:spPr>
+          <a:xfrm>
             <a:off x="2435625" y="575950"/>
             <a:ext cx="6286200" cy="635400"/>
           </a:xfrm>
@@ -10824,7 +10498,7 @@
       </p:sp>
       <p:sp>
         <p:nvSpPr>
-          <p:cNvPr id="102" name="Google Shape;102;p18"/>
+          <p:cNvPr id="113" name="Google Shape;113;p20"/>
           <p:cNvSpPr txBox="1"/>
           <p:nvPr>
             <p:ph idx="1" type="body"/>
@@ -11007,7 +10681,7 @@
       </p:sp>
       <p:sp>
         <p:nvSpPr>
-          <p:cNvPr id="103" name="Google Shape;103;p18"/>
+          <p:cNvPr id="114" name="Google Shape;114;p20"/>
           <p:cNvSpPr txBox="1"/>
           <p:nvPr>
             <p:ph idx="2" type="body"/>
@@ -11077,12 +10751,12 @@
 </p:sld>
 </file>
 
-<file path=ppt/slides/slide7.xml><?xml version="1.0" encoding="utf-8"?>
+<file path=ppt/slides/slide9.xml><?xml version="1.0" encoding="utf-8"?>
 <p:sld xmlns:a="http://schemas.openxmlformats.org/drawingml/2006/main" xmlns:r="http://schemas.openxmlformats.org/officeDocument/2006/relationships" xmlns:mc="http://schemas.openxmlformats.org/markup-compatibility/2006" xmlns:mv="urn:schemas-microsoft-com:mac:vml" xmlns:p="http://schemas.openxmlformats.org/presentationml/2006/main" xmlns:c="http://schemas.openxmlformats.org/drawingml/2006/chart" xmlns:dgm="http://schemas.openxmlformats.org/drawingml/2006/diagram" xmlns:o="urn:schemas-microsoft-com:office:office" xmlns:v="urn:schemas-microsoft-com:vml" xmlns:pvml="urn:schemas-microsoft-com:office:powerpoint" xmlns:com="http://schemas.openxmlformats.org/drawingml/2006/compatibility" xmlns:p14="http://schemas.microsoft.com/office/powerpoint/2010/main" xmlns:p15="http://schemas.microsoft.com/office/powerpoint/2012/main" xmlns:ahyp="http://schemas.microsoft.com/office/drawing/2018/hyperlinkcolor">
   <p:cSld>
     <p:spTree>
       <p:nvGrpSpPr>
-        <p:cNvPr id="107" name="Shape 107"/>
+        <p:cNvPr id="118" name="Shape 118"/>
         <p:cNvGrpSpPr/>
         <p:nvPr/>
       </p:nvGrpSpPr>
@@ -11096,7 +10770,7 @@
       </p:grpSpPr>
       <p:sp>
         <p:nvSpPr>
-          <p:cNvPr id="108" name="Google Shape;108;p19"/>
+          <p:cNvPr id="119" name="Google Shape;119;p21"/>
           <p:cNvSpPr txBox="1"/>
           <p:nvPr>
             <p:ph type="title"/>
@@ -11136,7 +10810,7 @@
       </p:sp>
       <p:sp>
         <p:nvSpPr>
-          <p:cNvPr id="109" name="Google Shape;109;p19"/>
+          <p:cNvPr id="120" name="Google Shape;120;p21"/>
           <p:cNvSpPr txBox="1"/>
           <p:nvPr>
             <p:ph idx="1" type="body"/>
@@ -11206,265 +10880,286 @@
 </p:sld>
 </file>
 
-<file path=ppt/slides/slide8.xml><?xml version="1.0" encoding="utf-8"?>
-<p:sld xmlns:a="http://schemas.openxmlformats.org/drawingml/2006/main" xmlns:r="http://schemas.openxmlformats.org/officeDocument/2006/relationships" xmlns:mc="http://schemas.openxmlformats.org/markup-compatibility/2006" xmlns:mv="urn:schemas-microsoft-com:mac:vml" xmlns:p="http://schemas.openxmlformats.org/presentationml/2006/main" xmlns:c="http://schemas.openxmlformats.org/drawingml/2006/chart" xmlns:dgm="http://schemas.openxmlformats.org/drawingml/2006/diagram" xmlns:o="urn:schemas-microsoft-com:office:office" xmlns:v="urn:schemas-microsoft-com:vml" xmlns:pvml="urn:schemas-microsoft-com:office:powerpoint" xmlns:com="http://schemas.openxmlformats.org/drawingml/2006/compatibility" xmlns:p14="http://schemas.microsoft.com/office/powerpoint/2010/main" xmlns:p15="http://schemas.microsoft.com/office/powerpoint/2012/main" xmlns:ahyp="http://schemas.microsoft.com/office/drawing/2018/hyperlinkcolor">
-  <p:cSld>
-    <p:spTree>
-      <p:nvGrpSpPr>
-        <p:cNvPr id="113" name="Shape 113"/>
-        <p:cNvGrpSpPr/>
-        <p:nvPr/>
-      </p:nvGrpSpPr>
-      <p:grpSpPr>
-        <a:xfrm>
-          <a:off x="0" y="0"/>
-          <a:ext cx="0" cy="0"/>
-          <a:chOff x="0" y="0"/>
-          <a:chExt cx="0" cy="0"/>
-        </a:xfrm>
-      </p:grpSpPr>
-      <p:sp>
-        <p:nvSpPr>
-          <p:cNvPr id="114" name="Google Shape;114;p20"/>
-          <p:cNvSpPr txBox="1"/>
-          <p:nvPr>
-            <p:ph type="title"/>
-          </p:nvPr>
-        </p:nvSpPr>
-        <p:spPr>
-          <a:xfrm>
-            <a:off x="2516550" y="575950"/>
-            <a:ext cx="6205500" cy="635400"/>
-          </a:xfrm>
-          <a:prstGeom prst="rect">
-            <a:avLst/>
-          </a:prstGeom>
-        </p:spPr>
-        <p:txBody>
-          <a:bodyPr anchorCtr="0" anchor="t" bIns="91425" lIns="91425" spcFirstLastPara="1" rIns="91425" wrap="square" tIns="91425">
-            <a:noAutofit/>
-          </a:bodyPr>
-          <a:lstStyle/>
-          <a:p>
-            <a:pPr indent="0" lvl="0" marL="0" rtl="0" algn="l">
-              <a:spcBef>
-                <a:spcPts val="0"/>
-              </a:spcBef>
-              <a:spcAft>
-                <a:spcPts val="0"/>
-              </a:spcAft>
-              <a:buNone/>
-            </a:pPr>
-            <a:r>
-              <a:rPr lang="en"/>
-              <a:t>Analysis</a:t>
-            </a:r>
-            <a:endParaRPr/>
-          </a:p>
-        </p:txBody>
-      </p:sp>
-      <p:sp>
-        <p:nvSpPr>
-          <p:cNvPr id="115" name="Google Shape;115;p20"/>
-          <p:cNvSpPr txBox="1"/>
-          <p:nvPr>
-            <p:ph idx="2" type="body"/>
-          </p:nvPr>
-        </p:nvSpPr>
-        <p:spPr>
-          <a:xfrm>
-            <a:off x="2516500" y="1361175"/>
-            <a:ext cx="6205500" cy="3243900"/>
-          </a:xfrm>
-          <a:prstGeom prst="rect">
-            <a:avLst/>
-          </a:prstGeom>
-        </p:spPr>
-        <p:txBody>
-          <a:bodyPr anchorCtr="0" anchor="t" bIns="91425" lIns="91425" spcFirstLastPara="1" rIns="91425" wrap="square" tIns="91425">
-            <a:noAutofit/>
-          </a:bodyPr>
-          <a:lstStyle/>
-          <a:p>
-            <a:pPr indent="0" lvl="0" marL="0" rtl="0" algn="l">
-              <a:spcBef>
-                <a:spcPts val="0"/>
-              </a:spcBef>
-              <a:spcAft>
-                <a:spcPts val="0"/>
-              </a:spcAft>
-              <a:buNone/>
-            </a:pPr>
-            <a:r>
-              <a:rPr b="1" lang="en" sz="2000">
-                <a:solidFill>
-                  <a:schemeClr val="accent3"/>
-                </a:solidFill>
-              </a:rPr>
-              <a:t>What will our visualizations tell us?</a:t>
-            </a:r>
-            <a:endParaRPr b="1" sz="2000">
-              <a:solidFill>
-                <a:schemeClr val="accent3"/>
-              </a:solidFill>
-            </a:endParaRPr>
-          </a:p>
-          <a:p>
-            <a:pPr indent="0" lvl="0" marL="0" rtl="0" algn="l">
-              <a:spcBef>
-                <a:spcPts val="1600"/>
-              </a:spcBef>
-              <a:spcAft>
-                <a:spcPts val="1200"/>
-              </a:spcAft>
-              <a:buNone/>
-            </a:pPr>
-            <a:r>
-              <a:rPr lang="en" sz="1500"/>
-              <a:t>We are going to include election year data from 2001 to 2021.  As of now, we have made a few visualizations for the 2017 election year.  Also, we have only worked with the individual contributions for that year.  This coming week, we are going to focus on adding data sources for the remaining years as well.  Past that, we will include committee contributions, expenditure data, as well as total votes received by the top two candidates in order to get a full picture.</a:t>
-            </a:r>
-            <a:endParaRPr sz="1700"/>
-          </a:p>
-        </p:txBody>
-      </p:sp>
-    </p:spTree>
-  </p:cSld>
-  <p:clrMapOvr>
-    <a:masterClrMapping/>
-  </p:clrMapOvr>
-</p:sld>
+<file path=ppt/theme/theme1.xml><?xml version="1.0" encoding="utf-8"?>
+<a:theme xmlns:a="http://schemas.openxmlformats.org/drawingml/2006/main" xmlns:r="http://schemas.openxmlformats.org/officeDocument/2006/relationships" name="Swiss">
+  <a:themeElements>
+    <a:clrScheme name="Swiss">
+      <a:dk1>
+        <a:srgbClr val="F46524"/>
+      </a:dk1>
+      <a:lt1>
+        <a:srgbClr val="FFFFFF"/>
+      </a:lt1>
+      <a:dk2>
+        <a:srgbClr val="000000"/>
+      </a:dk2>
+      <a:lt2>
+        <a:srgbClr val="757575"/>
+      </a:lt2>
+      <a:accent1>
+        <a:srgbClr val="01579B"/>
+      </a:accent1>
+      <a:accent2>
+        <a:srgbClr val="27C7BD"/>
+      </a:accent2>
+      <a:accent3>
+        <a:srgbClr val="0099E8"/>
+      </a:accent3>
+      <a:accent4>
+        <a:srgbClr val="51B9A3"/>
+      </a:accent4>
+      <a:accent5>
+        <a:srgbClr val="FB8C00"/>
+      </a:accent5>
+      <a:accent6>
+        <a:srgbClr val="FFAE88"/>
+      </a:accent6>
+      <a:hlink>
+        <a:srgbClr val="0277BD"/>
+      </a:hlink>
+      <a:folHlink>
+        <a:srgbClr val="0277BD"/>
+      </a:folHlink>
+    </a:clrScheme>
+    <a:fontScheme name="Office">
+      <a:majorFont>
+        <a:latin typeface="Arial"/>
+        <a:ea typeface=""/>
+        <a:cs typeface=""/>
+        <a:font script="Jpan" typeface="ＭＳ Ｐゴシック"/>
+        <a:font script="Hang" typeface="맑은 고딕"/>
+        <a:font script="Hans" typeface="宋体"/>
+        <a:font script="Hant" typeface="新細明體"/>
+        <a:font script="Arab" typeface="Times New Roman"/>
+        <a:font script="Hebr" typeface="Times New Roman"/>
+        <a:font script="Thai" typeface="Angsana New"/>
+        <a:font script="Ethi" typeface="Nyala"/>
+        <a:font script="Beng" typeface="Vrinda"/>
+        <a:font script="Gujr" typeface="Shruti"/>
+        <a:font script="Khmr" typeface="MoolBoran"/>
+        <a:font script="Knda" typeface="Tunga"/>
+        <a:font script="Guru" typeface="Raavi"/>
+        <a:font script="Cans" typeface="Euphemia"/>
+        <a:font script="Cher" typeface="Plantagenet Cherokee"/>
+        <a:font script="Yiii" typeface="Microsoft Yi Baiti"/>
+        <a:font script="Tibt" typeface="Microsoft Himalaya"/>
+        <a:font script="Thaa" typeface="MV Boli"/>
+        <a:font script="Deva" typeface="Mangal"/>
+        <a:font script="Telu" typeface="Gautami"/>
+        <a:font script="Taml" typeface="Latha"/>
+        <a:font script="Syrc" typeface="Estrangelo Edessa"/>
+        <a:font script="Orya" typeface="Kalinga"/>
+        <a:font script="Mlym" typeface="Kartika"/>
+        <a:font script="Laoo" typeface="DokChampa"/>
+        <a:font script="Sinh" typeface="Iskoola Pota"/>
+        <a:font script="Mong" typeface="Mongolian Baiti"/>
+        <a:font script="Viet" typeface="Times New Roman"/>
+        <a:font script="Uigh" typeface="Microsoft Uighur"/>
+        <a:font script="Geor" typeface="Sylfaen"/>
+      </a:majorFont>
+      <a:minorFont>
+        <a:latin typeface="Arial"/>
+        <a:ea typeface=""/>
+        <a:cs typeface=""/>
+        <a:font script="Jpan" typeface="ＭＳ Ｐゴシック"/>
+        <a:font script="Hang" typeface="맑은 고딕"/>
+        <a:font script="Hans" typeface="宋体"/>
+        <a:font script="Hant" typeface="新細明體"/>
+        <a:font script="Arab" typeface="Arial"/>
+        <a:font script="Hebr" typeface="Arial"/>
+        <a:font script="Thai" typeface="Cordia New"/>
+        <a:font script="Ethi" typeface="Nyala"/>
+        <a:font script="Beng" typeface="Vrinda"/>
+        <a:font script="Gujr" typeface="Shruti"/>
+        <a:font script="Khmr" typeface="DaunPenh"/>
+        <a:font script="Knda" typeface="Tunga"/>
+        <a:font script="Guru" typeface="Raavi"/>
+        <a:font script="Cans" typeface="Euphemia"/>
+        <a:font script="Cher" typeface="Plantagenet Cherokee"/>
+        <a:font script="Yiii" typeface="Microsoft Yi Baiti"/>
+        <a:font script="Tibt" typeface="Microsoft Himalaya"/>
+        <a:font script="Thaa" typeface="MV Boli"/>
+        <a:font script="Deva" typeface="Mangal"/>
+        <a:font script="Telu" typeface="Gautami"/>
+        <a:font script="Taml" typeface="Latha"/>
+        <a:font script="Syrc" typeface="Estrangelo Edessa"/>
+        <a:font script="Orya" typeface="Kalinga"/>
+        <a:font script="Mlym" typeface="Kartika"/>
+        <a:font script="Laoo" typeface="DokChampa"/>
+        <a:font script="Sinh" typeface="Iskoola Pota"/>
+        <a:font script="Mong" typeface="Mongolian Baiti"/>
+        <a:font script="Viet" typeface="Arial"/>
+        <a:font script="Uigh" typeface="Microsoft Uighur"/>
+        <a:font script="Geor" typeface="Sylfaen"/>
+      </a:minorFont>
+    </a:fontScheme>
+    <a:fmtScheme name="Office">
+      <a:fillStyleLst>
+        <a:solidFill>
+          <a:schemeClr val="phClr"/>
+        </a:solidFill>
+        <a:gradFill rotWithShape="1">
+          <a:gsLst>
+            <a:gs pos="0">
+              <a:schemeClr val="phClr">
+                <a:tint val="50000"/>
+                <a:satMod val="300000"/>
+              </a:schemeClr>
+            </a:gs>
+            <a:gs pos="35000">
+              <a:schemeClr val="phClr">
+                <a:tint val="37000"/>
+                <a:satMod val="300000"/>
+              </a:schemeClr>
+            </a:gs>
+            <a:gs pos="100000">
+              <a:schemeClr val="phClr">
+                <a:tint val="15000"/>
+                <a:satMod val="350000"/>
+              </a:schemeClr>
+            </a:gs>
+          </a:gsLst>
+          <a:lin ang="16200000" scaled="1"/>
+        </a:gradFill>
+        <a:gradFill rotWithShape="1">
+          <a:gsLst>
+            <a:gs pos="0">
+              <a:schemeClr val="phClr">
+                <a:tint val="100000"/>
+                <a:shade val="100000"/>
+                <a:satMod val="130000"/>
+              </a:schemeClr>
+            </a:gs>
+            <a:gs pos="100000">
+              <a:schemeClr val="phClr">
+                <a:tint val="50000"/>
+                <a:shade val="100000"/>
+                <a:satMod val="350000"/>
+              </a:schemeClr>
+            </a:gs>
+          </a:gsLst>
+          <a:lin ang="16200000" scaled="0"/>
+        </a:gradFill>
+      </a:fillStyleLst>
+      <a:lnStyleLst>
+        <a:ln w="9525" cap="flat" cmpd="sng" algn="ctr">
+          <a:solidFill>
+            <a:schemeClr val="phClr">
+              <a:shade val="95000"/>
+              <a:satMod val="105000"/>
+            </a:schemeClr>
+          </a:solidFill>
+          <a:prstDash val="solid"/>
+        </a:ln>
+        <a:ln w="25400" cap="flat" cmpd="sng" algn="ctr">
+          <a:solidFill>
+            <a:schemeClr val="phClr"/>
+          </a:solidFill>
+          <a:prstDash val="solid"/>
+        </a:ln>
+        <a:ln w="38100" cap="flat" cmpd="sng" algn="ctr">
+          <a:solidFill>
+            <a:schemeClr val="phClr"/>
+          </a:solidFill>
+          <a:prstDash val="solid"/>
+        </a:ln>
+      </a:lnStyleLst>
+      <a:effectStyleLst>
+        <a:effectStyle>
+          <a:effectLst>
+            <a:outerShdw blurRad="40000" dist="20000" dir="5400000" rotWithShape="0">
+              <a:srgbClr val="000000">
+                <a:alpha val="38000"/>
+              </a:srgbClr>
+            </a:outerShdw>
+          </a:effectLst>
+        </a:effectStyle>
+        <a:effectStyle>
+          <a:effectLst>
+            <a:outerShdw blurRad="40000" dist="23000" dir="5400000" rotWithShape="0">
+              <a:srgbClr val="000000">
+                <a:alpha val="35000"/>
+              </a:srgbClr>
+            </a:outerShdw>
+          </a:effectLst>
+        </a:effectStyle>
+        <a:effectStyle>
+          <a:effectLst>
+            <a:outerShdw blurRad="40000" dist="23000" dir="5400000" rotWithShape="0">
+              <a:srgbClr val="000000">
+                <a:alpha val="35000"/>
+              </a:srgbClr>
+            </a:outerShdw>
+          </a:effectLst>
+          <a:scene3d>
+            <a:camera prst="orthographicFront">
+              <a:rot lat="0" lon="0" rev="0"/>
+            </a:camera>
+            <a:lightRig rig="threePt" dir="t">
+              <a:rot lat="0" lon="0" rev="1200000"/>
+            </a:lightRig>
+          </a:scene3d>
+          <a:sp3d>
+            <a:bevelT w="63500" h="25400"/>
+          </a:sp3d>
+        </a:effectStyle>
+      </a:effectStyleLst>
+      <a:bgFillStyleLst>
+        <a:solidFill>
+          <a:schemeClr val="phClr"/>
+        </a:solidFill>
+        <a:gradFill rotWithShape="1">
+          <a:gsLst>
+            <a:gs pos="0">
+              <a:schemeClr val="phClr">
+                <a:tint val="40000"/>
+                <a:satMod val="350000"/>
+              </a:schemeClr>
+            </a:gs>
+            <a:gs pos="40000">
+              <a:schemeClr val="phClr">
+                <a:tint val="45000"/>
+                <a:shade val="99000"/>
+                <a:satMod val="350000"/>
+              </a:schemeClr>
+            </a:gs>
+            <a:gs pos="100000">
+              <a:schemeClr val="phClr">
+                <a:shade val="20000"/>
+                <a:satMod val="255000"/>
+              </a:schemeClr>
+            </a:gs>
+          </a:gsLst>
+          <a:path path="circle">
+            <a:fillToRect l="50000" t="-80000" r="50000" b="180000"/>
+          </a:path>
+        </a:gradFill>
+        <a:gradFill rotWithShape="1">
+          <a:gsLst>
+            <a:gs pos="0">
+              <a:schemeClr val="phClr">
+                <a:tint val="80000"/>
+                <a:satMod val="300000"/>
+              </a:schemeClr>
+            </a:gs>
+            <a:gs pos="100000">
+              <a:schemeClr val="phClr">
+                <a:shade val="30000"/>
+                <a:satMod val="200000"/>
+              </a:schemeClr>
+            </a:gs>
+          </a:gsLst>
+          <a:path path="circle">
+            <a:fillToRect l="50000" t="50000" r="50000" b="50000"/>
+          </a:path>
+        </a:gradFill>
+      </a:bgFillStyleLst>
+    </a:fmtScheme>
+  </a:themeElements>
+</a:theme>
 </file>
 
-<file path=ppt/slides/slide9.xml><?xml version="1.0" encoding="utf-8"?>
-<p:sld xmlns:a="http://schemas.openxmlformats.org/drawingml/2006/main" xmlns:r="http://schemas.openxmlformats.org/officeDocument/2006/relationships" xmlns:mc="http://schemas.openxmlformats.org/markup-compatibility/2006" xmlns:mv="urn:schemas-microsoft-com:mac:vml" xmlns:p="http://schemas.openxmlformats.org/presentationml/2006/main" xmlns:c="http://schemas.openxmlformats.org/drawingml/2006/chart" xmlns:dgm="http://schemas.openxmlformats.org/drawingml/2006/diagram" xmlns:o="urn:schemas-microsoft-com:office:office" xmlns:v="urn:schemas-microsoft-com:vml" xmlns:pvml="urn:schemas-microsoft-com:office:powerpoint" xmlns:com="http://schemas.openxmlformats.org/drawingml/2006/compatibility" xmlns:p14="http://schemas.microsoft.com/office/powerpoint/2010/main" xmlns:p15="http://schemas.microsoft.com/office/powerpoint/2012/main" xmlns:ahyp="http://schemas.microsoft.com/office/drawing/2018/hyperlinkcolor">
-  <p:cSld>
-    <p:spTree>
-      <p:nvGrpSpPr>
-        <p:cNvPr id="119" name="Shape 119"/>
-        <p:cNvGrpSpPr/>
-        <p:nvPr/>
-      </p:nvGrpSpPr>
-      <p:grpSpPr>
-        <a:xfrm>
-          <a:off x="0" y="0"/>
-          <a:ext cx="0" cy="0"/>
-          <a:chOff x="0" y="0"/>
-          <a:chExt cx="0" cy="0"/>
-        </a:xfrm>
-      </p:grpSpPr>
-      <p:sp>
-        <p:nvSpPr>
-          <p:cNvPr id="120" name="Google Shape;120;p21"/>
-          <p:cNvSpPr txBox="1"/>
-          <p:nvPr>
-            <p:ph type="title"/>
-          </p:nvPr>
-        </p:nvSpPr>
-        <p:spPr>
-          <a:xfrm>
-            <a:off x="2516550" y="575950"/>
-            <a:ext cx="6205500" cy="635400"/>
-          </a:xfrm>
-          <a:prstGeom prst="rect">
-            <a:avLst/>
-          </a:prstGeom>
-        </p:spPr>
-        <p:txBody>
-          <a:bodyPr anchorCtr="0" anchor="t" bIns="91425" lIns="91425" spcFirstLastPara="1" rIns="91425" wrap="square" tIns="91425">
-            <a:noAutofit/>
-          </a:bodyPr>
-          <a:lstStyle/>
-          <a:p>
-            <a:pPr indent="0" lvl="0" marL="0" rtl="0" algn="l">
-              <a:spcBef>
-                <a:spcPts val="0"/>
-              </a:spcBef>
-              <a:spcAft>
-                <a:spcPts val="0"/>
-              </a:spcAft>
-              <a:buNone/>
-            </a:pPr>
-            <a:r>
-              <a:rPr lang="en"/>
-              <a:t>Analysis (continued)</a:t>
-            </a:r>
-            <a:endParaRPr/>
-          </a:p>
-        </p:txBody>
-      </p:sp>
-      <p:sp>
-        <p:nvSpPr>
-          <p:cNvPr id="121" name="Google Shape;121;p21"/>
-          <p:cNvSpPr txBox="1"/>
-          <p:nvPr>
-            <p:ph idx="2" type="body"/>
-          </p:nvPr>
-        </p:nvSpPr>
-        <p:spPr>
-          <a:xfrm>
-            <a:off x="2516500" y="1361175"/>
-            <a:ext cx="6205500" cy="3243900"/>
-          </a:xfrm>
-          <a:prstGeom prst="rect">
-            <a:avLst/>
-          </a:prstGeom>
-        </p:spPr>
-        <p:txBody>
-          <a:bodyPr anchorCtr="0" anchor="t" bIns="91425" lIns="91425" spcFirstLastPara="1" rIns="91425" wrap="square" tIns="91425">
-            <a:noAutofit/>
-          </a:bodyPr>
-          <a:lstStyle/>
-          <a:p>
-            <a:pPr indent="0" lvl="0" marL="0" rtl="0" algn="l">
-              <a:spcBef>
-                <a:spcPts val="0"/>
-              </a:spcBef>
-              <a:spcAft>
-                <a:spcPts val="0"/>
-              </a:spcAft>
-              <a:buNone/>
-            </a:pPr>
-            <a:r>
-              <a:rPr b="1" lang="en" sz="2000">
-                <a:solidFill>
-                  <a:schemeClr val="accent3"/>
-                </a:solidFill>
-              </a:rPr>
-              <a:t>How do we add interactive elements to our dashboard?</a:t>
-            </a:r>
-            <a:endParaRPr b="1" sz="2000">
-              <a:solidFill>
-                <a:schemeClr val="accent3"/>
-              </a:solidFill>
-            </a:endParaRPr>
-          </a:p>
-          <a:p>
-            <a:pPr indent="0" lvl="0" marL="0" rtl="0" algn="l">
-              <a:spcBef>
-                <a:spcPts val="1600"/>
-              </a:spcBef>
-              <a:spcAft>
-                <a:spcPts val="1200"/>
-              </a:spcAft>
-              <a:buNone/>
-            </a:pPr>
-            <a:r>
-              <a:rPr lang="en" sz="1500"/>
-              <a:t>We are going to include election year data from 2001 to 2021.  As of now, we have made a few visualizations for the 2017 election year.  Also, we have only worked with the individual contributions for that year.  This coming week, we are going to focus on adding data sources for the remaining years as well.  Beyond that, we will include committee contributions, expenditure data, as well as total votes received by the top two candidates to derive a full picture.</a:t>
-            </a:r>
-            <a:endParaRPr sz="1700"/>
-          </a:p>
-        </p:txBody>
-      </p:sp>
-    </p:spTree>
-  </p:cSld>
-  <p:clrMapOvr>
-    <a:masterClrMapping/>
-  </p:clrMapOvr>
-</p:sld>
-</file>
-
-<file path=ppt/theme/theme1.xml><?xml version="1.0" encoding="utf-8"?>
+<file path=ppt/theme/theme2.xml><?xml version="1.0" encoding="utf-8"?>
 <a:theme xmlns:a="http://schemas.openxmlformats.org/drawingml/2006/main" xmlns:r="http://schemas.openxmlformats.org/officeDocument/2006/relationships">
   <a:themeElements>
     <a:clrScheme name="Default">
@@ -11741,283 +11436,4 @@
     </a:fmtScheme>
   </a:themeElements>
 </a:theme>
-</file>
-
-<file path=ppt/theme/theme2.xml><?xml version="1.0" encoding="utf-8"?>
-<a:theme xmlns:a="http://schemas.openxmlformats.org/drawingml/2006/main" xmlns:r="http://schemas.openxmlformats.org/officeDocument/2006/relationships" name="Swiss">
-  <a:themeElements>
-    <a:clrScheme name="Swiss">
-      <a:dk1>
-        <a:srgbClr val="F46524"/>
-      </a:dk1>
-      <a:lt1>
-        <a:srgbClr val="FFFFFF"/>
-      </a:lt1>
-      <a:dk2>
-        <a:srgbClr val="000000"/>
-      </a:dk2>
-      <a:lt2>
-        <a:srgbClr val="757575"/>
-      </a:lt2>
-      <a:accent1>
-        <a:srgbClr val="01579B"/>
-      </a:accent1>
-      <a:accent2>
-        <a:srgbClr val="27C7BD"/>
-      </a:accent2>
-      <a:accent3>
-        <a:srgbClr val="0099E8"/>
-      </a:accent3>
-      <a:accent4>
-        <a:srgbClr val="51B9A3"/>
-      </a:accent4>
-      <a:accent5>
-        <a:srgbClr val="FB8C00"/>
-      </a:accent5>
-      <a:accent6>
-        <a:srgbClr val="FFAE88"/>
-      </a:accent6>
-      <a:hlink>
-        <a:srgbClr val="0277BD"/>
-      </a:hlink>
-      <a:folHlink>
-        <a:srgbClr val="0277BD"/>
-      </a:folHlink>
-    </a:clrScheme>
-    <a:fontScheme name="Office">
-      <a:majorFont>
-        <a:latin typeface="Arial"/>
-        <a:ea typeface=""/>
-        <a:cs typeface=""/>
-        <a:font script="Jpan" typeface="ＭＳ Ｐゴシック"/>
-        <a:font script="Hang" typeface="맑은 고딕"/>
-        <a:font script="Hans" typeface="宋体"/>
-        <a:font script="Hant" typeface="新細明體"/>
-        <a:font script="Arab" typeface="Times New Roman"/>
-        <a:font script="Hebr" typeface="Times New Roman"/>
-        <a:font script="Thai" typeface="Angsana New"/>
-        <a:font script="Ethi" typeface="Nyala"/>
-        <a:font script="Beng" typeface="Vrinda"/>
-        <a:font script="Gujr" typeface="Shruti"/>
-        <a:font script="Khmr" typeface="MoolBoran"/>
-        <a:font script="Knda" typeface="Tunga"/>
-        <a:font script="Guru" typeface="Raavi"/>
-        <a:font script="Cans" typeface="Euphemia"/>
-        <a:font script="Cher" typeface="Plantagenet Cherokee"/>
-        <a:font script="Yiii" typeface="Microsoft Yi Baiti"/>
-        <a:font script="Tibt" typeface="Microsoft Himalaya"/>
-        <a:font script="Thaa" typeface="MV Boli"/>
-        <a:font script="Deva" typeface="Mangal"/>
-        <a:font script="Telu" typeface="Gautami"/>
-        <a:font script="Taml" typeface="Latha"/>
-        <a:font script="Syrc" typeface="Estrangelo Edessa"/>
-        <a:font script="Orya" typeface="Kalinga"/>
-        <a:font script="Mlym" typeface="Kartika"/>
-        <a:font script="Laoo" typeface="DokChampa"/>
-        <a:font script="Sinh" typeface="Iskoola Pota"/>
-        <a:font script="Mong" typeface="Mongolian Baiti"/>
-        <a:font script="Viet" typeface="Times New Roman"/>
-        <a:font script="Uigh" typeface="Microsoft Uighur"/>
-        <a:font script="Geor" typeface="Sylfaen"/>
-      </a:majorFont>
-      <a:minorFont>
-        <a:latin typeface="Arial"/>
-        <a:ea typeface=""/>
-        <a:cs typeface=""/>
-        <a:font script="Jpan" typeface="ＭＳ Ｐゴシック"/>
-        <a:font script="Hang" typeface="맑은 고딕"/>
-        <a:font script="Hans" typeface="宋体"/>
-        <a:font script="Hant" typeface="新細明體"/>
-        <a:font script="Arab" typeface="Arial"/>
-        <a:font script="Hebr" typeface="Arial"/>
-        <a:font script="Thai" typeface="Cordia New"/>
-        <a:font script="Ethi" typeface="Nyala"/>
-        <a:font script="Beng" typeface="Vrinda"/>
-        <a:font script="Gujr" typeface="Shruti"/>
-        <a:font script="Khmr" typeface="DaunPenh"/>
-        <a:font script="Knda" typeface="Tunga"/>
-        <a:font script="Guru" typeface="Raavi"/>
-        <a:font script="Cans" typeface="Euphemia"/>
-        <a:font script="Cher" typeface="Plantagenet Cherokee"/>
-        <a:font script="Yiii" typeface="Microsoft Yi Baiti"/>
-        <a:font script="Tibt" typeface="Microsoft Himalaya"/>
-        <a:font script="Thaa" typeface="MV Boli"/>
-        <a:font script="Deva" typeface="Mangal"/>
-        <a:font script="Telu" typeface="Gautami"/>
-        <a:font script="Taml" typeface="Latha"/>
-        <a:font script="Syrc" typeface="Estrangelo Edessa"/>
-        <a:font script="Orya" typeface="Kalinga"/>
-        <a:font script="Mlym" typeface="Kartika"/>
-        <a:font script="Laoo" typeface="DokChampa"/>
-        <a:font script="Sinh" typeface="Iskoola Pota"/>
-        <a:font script="Mong" typeface="Mongolian Baiti"/>
-        <a:font script="Viet" typeface="Arial"/>
-        <a:font script="Uigh" typeface="Microsoft Uighur"/>
-        <a:font script="Geor" typeface="Sylfaen"/>
-      </a:minorFont>
-    </a:fontScheme>
-    <a:fmtScheme name="Office">
-      <a:fillStyleLst>
-        <a:solidFill>
-          <a:schemeClr val="phClr"/>
-        </a:solidFill>
-        <a:gradFill rotWithShape="1">
-          <a:gsLst>
-            <a:gs pos="0">
-              <a:schemeClr val="phClr">
-                <a:tint val="50000"/>
-                <a:satMod val="300000"/>
-              </a:schemeClr>
-            </a:gs>
-            <a:gs pos="35000">
-              <a:schemeClr val="phClr">
-                <a:tint val="37000"/>
-                <a:satMod val="300000"/>
-              </a:schemeClr>
-            </a:gs>
-            <a:gs pos="100000">
-              <a:schemeClr val="phClr">
-                <a:tint val="15000"/>
-                <a:satMod val="350000"/>
-              </a:schemeClr>
-            </a:gs>
-          </a:gsLst>
-          <a:lin ang="16200000" scaled="1"/>
-        </a:gradFill>
-        <a:gradFill rotWithShape="1">
-          <a:gsLst>
-            <a:gs pos="0">
-              <a:schemeClr val="phClr">
-                <a:tint val="100000"/>
-                <a:shade val="100000"/>
-                <a:satMod val="130000"/>
-              </a:schemeClr>
-            </a:gs>
-            <a:gs pos="100000">
-              <a:schemeClr val="phClr">
-                <a:tint val="50000"/>
-                <a:shade val="100000"/>
-                <a:satMod val="350000"/>
-              </a:schemeClr>
-            </a:gs>
-          </a:gsLst>
-          <a:lin ang="16200000" scaled="0"/>
-        </a:gradFill>
-      </a:fillStyleLst>
-      <a:lnStyleLst>
-        <a:ln w="9525" cap="flat" cmpd="sng" algn="ctr">
-          <a:solidFill>
-            <a:schemeClr val="phClr">
-              <a:shade val="95000"/>
-              <a:satMod val="105000"/>
-            </a:schemeClr>
-          </a:solidFill>
-          <a:prstDash val="solid"/>
-        </a:ln>
-        <a:ln w="25400" cap="flat" cmpd="sng" algn="ctr">
-          <a:solidFill>
-            <a:schemeClr val="phClr"/>
-          </a:solidFill>
-          <a:prstDash val="solid"/>
-        </a:ln>
-        <a:ln w="38100" cap="flat" cmpd="sng" algn="ctr">
-          <a:solidFill>
-            <a:schemeClr val="phClr"/>
-          </a:solidFill>
-          <a:prstDash val="solid"/>
-        </a:ln>
-      </a:lnStyleLst>
-      <a:effectStyleLst>
-        <a:effectStyle>
-          <a:effectLst>
-            <a:outerShdw blurRad="40000" dist="20000" dir="5400000" rotWithShape="0">
-              <a:srgbClr val="000000">
-                <a:alpha val="38000"/>
-              </a:srgbClr>
-            </a:outerShdw>
-          </a:effectLst>
-        </a:effectStyle>
-        <a:effectStyle>
-          <a:effectLst>
-            <a:outerShdw blurRad="40000" dist="23000" dir="5400000" rotWithShape="0">
-              <a:srgbClr val="000000">
-                <a:alpha val="35000"/>
-              </a:srgbClr>
-            </a:outerShdw>
-          </a:effectLst>
-        </a:effectStyle>
-        <a:effectStyle>
-          <a:effectLst>
-            <a:outerShdw blurRad="40000" dist="23000" dir="5400000" rotWithShape="0">
-              <a:srgbClr val="000000">
-                <a:alpha val="35000"/>
-              </a:srgbClr>
-            </a:outerShdw>
-          </a:effectLst>
-          <a:scene3d>
-            <a:camera prst="orthographicFront">
-              <a:rot lat="0" lon="0" rev="0"/>
-            </a:camera>
-            <a:lightRig rig="threePt" dir="t">
-              <a:rot lat="0" lon="0" rev="1200000"/>
-            </a:lightRig>
-          </a:scene3d>
-          <a:sp3d>
-            <a:bevelT w="63500" h="25400"/>
-          </a:sp3d>
-        </a:effectStyle>
-      </a:effectStyleLst>
-      <a:bgFillStyleLst>
-        <a:solidFill>
-          <a:schemeClr val="phClr"/>
-        </a:solidFill>
-        <a:gradFill rotWithShape="1">
-          <a:gsLst>
-            <a:gs pos="0">
-              <a:schemeClr val="phClr">
-                <a:tint val="40000"/>
-                <a:satMod val="350000"/>
-              </a:schemeClr>
-            </a:gs>
-            <a:gs pos="40000">
-              <a:schemeClr val="phClr">
-                <a:tint val="45000"/>
-                <a:shade val="99000"/>
-                <a:satMod val="350000"/>
-              </a:schemeClr>
-            </a:gs>
-            <a:gs pos="100000">
-              <a:schemeClr val="phClr">
-                <a:shade val="20000"/>
-                <a:satMod val="255000"/>
-              </a:schemeClr>
-            </a:gs>
-          </a:gsLst>
-          <a:path path="circle">
-            <a:fillToRect l="50000" t="-80000" r="50000" b="180000"/>
-          </a:path>
-        </a:gradFill>
-        <a:gradFill rotWithShape="1">
-          <a:gsLst>
-            <a:gs pos="0">
-              <a:schemeClr val="phClr">
-                <a:tint val="80000"/>
-                <a:satMod val="300000"/>
-              </a:schemeClr>
-            </a:gs>
-            <a:gs pos="100000">
-              <a:schemeClr val="phClr">
-                <a:shade val="30000"/>
-                <a:satMod val="200000"/>
-              </a:schemeClr>
-            </a:gs>
-          </a:gsLst>
-          <a:path path="circle">
-            <a:fillToRect l="50000" t="50000" r="50000" b="50000"/>
-          </a:path>
-        </a:gradFill>
-      </a:bgFillStyleLst>
-    </a:fmtScheme>
-  </a:themeElements>
-</a:theme>
 </file>
--- a/Presentation/Group5Presentation.pptx
+++ b/Presentation/Group5Presentation.pptx
@@ -25,23 +25,25 @@
     <p:sldId id="270" r:id="rId20"/>
     <p:sldId id="271" r:id="rId21"/>
     <p:sldId id="272" r:id="rId22"/>
+    <p:sldId id="273" r:id="rId23"/>
+    <p:sldId id="274" r:id="rId24"/>
   </p:sldIdLst>
   <p:sldSz cy="5143500" cx="9144000"/>
   <p:notesSz cx="6858000" cy="9144000"/>
   <p:embeddedFontLst>
     <p:embeddedFont>
       <p:font typeface="Raleway"/>
-      <p:regular r:id="rId23"/>
-      <p:bold r:id="rId24"/>
-      <p:italic r:id="rId25"/>
-      <p:boldItalic r:id="rId26"/>
+      <p:regular r:id="rId25"/>
+      <p:bold r:id="rId26"/>
+      <p:italic r:id="rId27"/>
+      <p:boldItalic r:id="rId28"/>
     </p:embeddedFont>
     <p:embeddedFont>
       <p:font typeface="Lato"/>
-      <p:regular r:id="rId27"/>
-      <p:bold r:id="rId28"/>
-      <p:italic r:id="rId29"/>
-      <p:boldItalic r:id="rId30"/>
+      <p:regular r:id="rId29"/>
+      <p:bold r:id="rId30"/>
+      <p:italic r:id="rId31"/>
+      <p:boldItalic r:id="rId32"/>
     </p:embeddedFont>
   </p:embeddedFontLst>
   <p:defaultTextStyle>
@@ -822,7 +824,7 @@
   <p:cSld>
     <p:spTree>
       <p:nvGrpSpPr>
-        <p:cNvPr id="121" name="Shape 121"/>
+        <p:cNvPr id="122" name="Shape 122"/>
         <p:cNvGrpSpPr/>
         <p:nvPr/>
       </p:nvGrpSpPr>
@@ -836,7 +838,7 @@
       </p:grpSpPr>
       <p:sp>
         <p:nvSpPr>
-          <p:cNvPr id="122" name="Google Shape;122;gebcc5b2c4c_0_23:notes"/>
+          <p:cNvPr id="123" name="Google Shape;123;gebcc5b2c4c_0_46:notes"/>
           <p:cNvSpPr/>
           <p:nvPr>
             <p:ph idx="2" type="sldImg"/>
@@ -871,7 +873,7 @@
       </p:sp>
       <p:sp>
         <p:nvSpPr>
-          <p:cNvPr id="123" name="Google Shape;123;gebcc5b2c4c_0_23:notes"/>
+          <p:cNvPr id="124" name="Google Shape;124;gebcc5b2c4c_0_46:notes"/>
           <p:cNvSpPr txBox="1"/>
           <p:nvPr>
             <p:ph idx="1" type="body"/>
@@ -921,7 +923,7 @@
   <p:cSld>
     <p:spTree>
       <p:nvGrpSpPr>
-        <p:cNvPr id="127" name="Shape 127"/>
+        <p:cNvPr id="128" name="Shape 128"/>
         <p:cNvGrpSpPr/>
         <p:nvPr/>
       </p:nvGrpSpPr>
@@ -935,7 +937,7 @@
       </p:grpSpPr>
       <p:sp>
         <p:nvSpPr>
-          <p:cNvPr id="128" name="Google Shape;128;gebcc5b2c4c_0_29:notes"/>
+          <p:cNvPr id="129" name="Google Shape;129;gebcc5b2c4c_0_51:notes"/>
           <p:cNvSpPr/>
           <p:nvPr>
             <p:ph idx="2" type="sldImg"/>
@@ -970,7 +972,7 @@
       </p:sp>
       <p:sp>
         <p:nvSpPr>
-          <p:cNvPr id="129" name="Google Shape;129;gebcc5b2c4c_0_29:notes"/>
+          <p:cNvPr id="130" name="Google Shape;130;gebcc5b2c4c_0_51:notes"/>
           <p:cNvSpPr txBox="1"/>
           <p:nvPr>
             <p:ph idx="1" type="body"/>
@@ -1020,7 +1022,7 @@
   <p:cSld>
     <p:spTree>
       <p:nvGrpSpPr>
-        <p:cNvPr id="133" name="Shape 133"/>
+        <p:cNvPr id="134" name="Shape 134"/>
         <p:cNvGrpSpPr/>
         <p:nvPr/>
       </p:nvGrpSpPr>
@@ -1034,7 +1036,7 @@
       </p:grpSpPr>
       <p:sp>
         <p:nvSpPr>
-          <p:cNvPr id="134" name="Google Shape;134;gebcc5b2c4c_0_46:notes"/>
+          <p:cNvPr id="135" name="Google Shape;135;gf0e26d8e39_3_5:notes"/>
           <p:cNvSpPr/>
           <p:nvPr>
             <p:ph idx="2" type="sldImg"/>
@@ -1069,7 +1071,7 @@
       </p:sp>
       <p:sp>
         <p:nvSpPr>
-          <p:cNvPr id="135" name="Google Shape;135;gebcc5b2c4c_0_46:notes"/>
+          <p:cNvPr id="136" name="Google Shape;136;gf0e26d8e39_3_5:notes"/>
           <p:cNvSpPr txBox="1"/>
           <p:nvPr>
             <p:ph idx="1" type="body"/>
@@ -1133,7 +1135,7 @@
       </p:grpSpPr>
       <p:sp>
         <p:nvSpPr>
-          <p:cNvPr id="140" name="Google Shape;140;gebcc5b2c4c_0_51:notes"/>
+          <p:cNvPr id="140" name="Google Shape;140;gf0c6892ecf_0_5:notes"/>
           <p:cNvSpPr/>
           <p:nvPr>
             <p:ph idx="2" type="sldImg"/>
@@ -1168,7 +1170,7 @@
       </p:sp>
       <p:sp>
         <p:nvSpPr>
-          <p:cNvPr id="141" name="Google Shape;141;gebcc5b2c4c_0_51:notes"/>
+          <p:cNvPr id="141" name="Google Shape;141;gf0c6892ecf_0_5:notes"/>
           <p:cNvSpPr txBox="1"/>
           <p:nvPr>
             <p:ph idx="1" type="body"/>
@@ -1218,7 +1220,7 @@
   <p:cSld>
     <p:spTree>
       <p:nvGrpSpPr>
-        <p:cNvPr id="145" name="Shape 145"/>
+        <p:cNvPr id="144" name="Shape 144"/>
         <p:cNvGrpSpPr/>
         <p:nvPr/>
       </p:nvGrpSpPr>
@@ -1232,7 +1234,7 @@
       </p:grpSpPr>
       <p:sp>
         <p:nvSpPr>
-          <p:cNvPr id="146" name="Google Shape;146;gc6fa3c898_0_28:notes"/>
+          <p:cNvPr id="145" name="Google Shape;145;gf0c6892ecf_0_0:notes"/>
           <p:cNvSpPr/>
           <p:nvPr>
             <p:ph idx="2" type="sldImg"/>
@@ -1267,7 +1269,7 @@
       </p:sp>
       <p:sp>
         <p:nvSpPr>
-          <p:cNvPr id="147" name="Google Shape;147;gc6fa3c898_0_28:notes"/>
+          <p:cNvPr id="146" name="Google Shape;146;gf0c6892ecf_0_0:notes"/>
           <p:cNvSpPr txBox="1"/>
           <p:nvPr>
             <p:ph idx="1" type="body"/>
@@ -1331,7 +1333,7 @@
       </p:grpSpPr>
       <p:sp>
         <p:nvSpPr>
-          <p:cNvPr id="151" name="Google Shape;151;gf0c6892ecf_0_9:notes"/>
+          <p:cNvPr id="151" name="Google Shape;151;gf0e26d8e39_1_0:notes"/>
           <p:cNvSpPr/>
           <p:nvPr>
             <p:ph idx="2" type="sldImg"/>
@@ -1366,7 +1368,7 @@
       </p:sp>
       <p:sp>
         <p:nvSpPr>
-          <p:cNvPr id="152" name="Google Shape;152;gf0c6892ecf_0_9:notes"/>
+          <p:cNvPr id="152" name="Google Shape;152;gf0e26d8e39_1_0:notes"/>
           <p:cNvSpPr txBox="1"/>
           <p:nvPr>
             <p:ph idx="1" type="body"/>
@@ -1430,7 +1432,7 @@
       </p:grpSpPr>
       <p:sp>
         <p:nvSpPr>
-          <p:cNvPr id="158" name="Google Shape;158;gc6fa3c898_0_65:notes"/>
+          <p:cNvPr id="158" name="Google Shape;158;gc6fa3c898_0_28:notes"/>
           <p:cNvSpPr/>
           <p:nvPr>
             <p:ph idx="2" type="sldImg"/>
@@ -1465,7 +1467,7 @@
       </p:sp>
       <p:sp>
         <p:nvSpPr>
-          <p:cNvPr id="159" name="Google Shape;159;gc6fa3c898_0_65:notes"/>
+          <p:cNvPr id="159" name="Google Shape;159;gc6fa3c898_0_28:notes"/>
           <p:cNvSpPr txBox="1"/>
           <p:nvPr>
             <p:ph idx="1" type="body"/>
@@ -1515,7 +1517,7 @@
   <p:cSld>
     <p:spTree>
       <p:nvGrpSpPr>
-        <p:cNvPr id="163" name="Shape 163"/>
+        <p:cNvPr id="162" name="Shape 162"/>
         <p:cNvGrpSpPr/>
         <p:nvPr/>
       </p:nvGrpSpPr>
@@ -1529,7 +1531,7 @@
       </p:grpSpPr>
       <p:sp>
         <p:nvSpPr>
-          <p:cNvPr id="164" name="Google Shape;164;gc6fa3c898_0_70:notes"/>
+          <p:cNvPr id="163" name="Google Shape;163;gf0c6892ecf_0_9:notes"/>
           <p:cNvSpPr/>
           <p:nvPr>
             <p:ph idx="2" type="sldImg"/>
@@ -1537,8 +1539,8 @@
         </p:nvSpPr>
         <p:spPr>
           <a:xfrm>
-            <a:off x="381188" y="685800"/>
-            <a:ext cx="6096300" cy="3429000"/>
+            <a:off x="381300" y="685800"/>
+            <a:ext cx="6096000" cy="3429000"/>
           </a:xfrm>
           <a:custGeom>
             <a:rect b="b" l="l" r="r" t="t"/>
@@ -1564,7 +1566,205 @@
       </p:sp>
       <p:sp>
         <p:nvSpPr>
-          <p:cNvPr id="165" name="Google Shape;165;gc6fa3c898_0_70:notes"/>
+          <p:cNvPr id="164" name="Google Shape;164;gf0c6892ecf_0_9:notes"/>
+          <p:cNvSpPr txBox="1"/>
+          <p:nvPr>
+            <p:ph idx="1" type="body"/>
+          </p:nvPr>
+        </p:nvSpPr>
+        <p:spPr>
+          <a:xfrm>
+            <a:off x="685800" y="4343400"/>
+            <a:ext cx="5486400" cy="4114800"/>
+          </a:xfrm>
+          <a:prstGeom prst="rect">
+            <a:avLst/>
+          </a:prstGeom>
+        </p:spPr>
+        <p:txBody>
+          <a:bodyPr anchorCtr="0" anchor="t" bIns="91425" lIns="91425" spcFirstLastPara="1" rIns="91425" wrap="square" tIns="91425">
+            <a:noAutofit/>
+          </a:bodyPr>
+          <a:lstStyle/>
+          <a:p>
+            <a:pPr indent="0" lvl="0" marL="0" rtl="0" algn="l">
+              <a:spcBef>
+                <a:spcPts val="0"/>
+              </a:spcBef>
+              <a:spcAft>
+                <a:spcPts val="0"/>
+              </a:spcAft>
+              <a:buNone/>
+            </a:pPr>
+            <a:r>
+              <a:t/>
+            </a:r>
+            <a:endParaRPr/>
+          </a:p>
+        </p:txBody>
+      </p:sp>
+    </p:spTree>
+  </p:cSld>
+  <p:clrMapOvr>
+    <a:masterClrMapping/>
+  </p:clrMapOvr>
+</p:notes>
+</file>
+
+<file path=ppt/notesSlides/notesSlide18.xml><?xml version="1.0" encoding="utf-8"?>
+<p:notes xmlns:a="http://schemas.openxmlformats.org/drawingml/2006/main" xmlns:r="http://schemas.openxmlformats.org/officeDocument/2006/relationships" xmlns:mc="http://schemas.openxmlformats.org/markup-compatibility/2006" xmlns:mv="urn:schemas-microsoft-com:mac:vml" xmlns:p="http://schemas.openxmlformats.org/presentationml/2006/main" xmlns:c="http://schemas.openxmlformats.org/drawingml/2006/chart" xmlns:dgm="http://schemas.openxmlformats.org/drawingml/2006/diagram" xmlns:o="urn:schemas-microsoft-com:office:office" xmlns:v="urn:schemas-microsoft-com:vml" xmlns:pvml="urn:schemas-microsoft-com:office:powerpoint" xmlns:com="http://schemas.openxmlformats.org/drawingml/2006/compatibility" xmlns:p14="http://schemas.microsoft.com/office/powerpoint/2010/main" xmlns:p15="http://schemas.microsoft.com/office/powerpoint/2012/main" xmlns:ahyp="http://schemas.microsoft.com/office/drawing/2018/hyperlinkcolor" showMasterPhAnim="0" showMasterSp="0">
+  <p:cSld>
+    <p:spTree>
+      <p:nvGrpSpPr>
+        <p:cNvPr id="169" name="Shape 169"/>
+        <p:cNvGrpSpPr/>
+        <p:nvPr/>
+      </p:nvGrpSpPr>
+      <p:grpSpPr>
+        <a:xfrm>
+          <a:off x="0" y="0"/>
+          <a:ext cx="0" cy="0"/>
+          <a:chOff x="0" y="0"/>
+          <a:chExt cx="0" cy="0"/>
+        </a:xfrm>
+      </p:grpSpPr>
+      <p:sp>
+        <p:nvSpPr>
+          <p:cNvPr id="170" name="Google Shape;170;gc6fa3c898_0_65:notes"/>
+          <p:cNvSpPr/>
+          <p:nvPr>
+            <p:ph idx="2" type="sldImg"/>
+          </p:nvPr>
+        </p:nvSpPr>
+        <p:spPr>
+          <a:xfrm>
+            <a:off x="381188" y="685800"/>
+            <a:ext cx="6096300" cy="3429000"/>
+          </a:xfrm>
+          <a:custGeom>
+            <a:rect b="b" l="l" r="r" t="t"/>
+            <a:pathLst>
+              <a:path extrusionOk="0" h="120000" w="120000">
+                <a:moveTo>
+                  <a:pt x="0" y="0"/>
+                </a:moveTo>
+                <a:lnTo>
+                  <a:pt x="120000" y="0"/>
+                </a:lnTo>
+                <a:lnTo>
+                  <a:pt x="120000" y="120000"/>
+                </a:lnTo>
+                <a:lnTo>
+                  <a:pt x="0" y="120000"/>
+                </a:lnTo>
+                <a:close/>
+              </a:path>
+            </a:pathLst>
+          </a:custGeom>
+        </p:spPr>
+      </p:sp>
+      <p:sp>
+        <p:nvSpPr>
+          <p:cNvPr id="171" name="Google Shape;171;gc6fa3c898_0_65:notes"/>
+          <p:cNvSpPr txBox="1"/>
+          <p:nvPr>
+            <p:ph idx="1" type="body"/>
+          </p:nvPr>
+        </p:nvSpPr>
+        <p:spPr>
+          <a:xfrm>
+            <a:off x="685800" y="4343400"/>
+            <a:ext cx="5486400" cy="4114800"/>
+          </a:xfrm>
+          <a:prstGeom prst="rect">
+            <a:avLst/>
+          </a:prstGeom>
+        </p:spPr>
+        <p:txBody>
+          <a:bodyPr anchorCtr="0" anchor="t" bIns="91425" lIns="91425" spcFirstLastPara="1" rIns="91425" wrap="square" tIns="91425">
+            <a:noAutofit/>
+          </a:bodyPr>
+          <a:lstStyle/>
+          <a:p>
+            <a:pPr indent="0" lvl="0" marL="0" rtl="0" algn="l">
+              <a:spcBef>
+                <a:spcPts val="0"/>
+              </a:spcBef>
+              <a:spcAft>
+                <a:spcPts val="0"/>
+              </a:spcAft>
+              <a:buNone/>
+            </a:pPr>
+            <a:r>
+              <a:t/>
+            </a:r>
+            <a:endParaRPr/>
+          </a:p>
+        </p:txBody>
+      </p:sp>
+    </p:spTree>
+  </p:cSld>
+  <p:clrMapOvr>
+    <a:masterClrMapping/>
+  </p:clrMapOvr>
+</p:notes>
+</file>
+
+<file path=ppt/notesSlides/notesSlide19.xml><?xml version="1.0" encoding="utf-8"?>
+<p:notes xmlns:a="http://schemas.openxmlformats.org/drawingml/2006/main" xmlns:r="http://schemas.openxmlformats.org/officeDocument/2006/relationships" xmlns:mc="http://schemas.openxmlformats.org/markup-compatibility/2006" xmlns:mv="urn:schemas-microsoft-com:mac:vml" xmlns:p="http://schemas.openxmlformats.org/presentationml/2006/main" xmlns:c="http://schemas.openxmlformats.org/drawingml/2006/chart" xmlns:dgm="http://schemas.openxmlformats.org/drawingml/2006/diagram" xmlns:o="urn:schemas-microsoft-com:office:office" xmlns:v="urn:schemas-microsoft-com:vml" xmlns:pvml="urn:schemas-microsoft-com:office:powerpoint" xmlns:com="http://schemas.openxmlformats.org/drawingml/2006/compatibility" xmlns:p14="http://schemas.microsoft.com/office/powerpoint/2010/main" xmlns:p15="http://schemas.microsoft.com/office/powerpoint/2012/main" xmlns:ahyp="http://schemas.microsoft.com/office/drawing/2018/hyperlinkcolor" showMasterPhAnim="0" showMasterSp="0">
+  <p:cSld>
+    <p:spTree>
+      <p:nvGrpSpPr>
+        <p:cNvPr id="175" name="Shape 175"/>
+        <p:cNvGrpSpPr/>
+        <p:nvPr/>
+      </p:nvGrpSpPr>
+      <p:grpSpPr>
+        <a:xfrm>
+          <a:off x="0" y="0"/>
+          <a:ext cx="0" cy="0"/>
+          <a:chOff x="0" y="0"/>
+          <a:chExt cx="0" cy="0"/>
+        </a:xfrm>
+      </p:grpSpPr>
+      <p:sp>
+        <p:nvSpPr>
+          <p:cNvPr id="176" name="Google Shape;176;gc6fa3c898_0_70:notes"/>
+          <p:cNvSpPr/>
+          <p:nvPr>
+            <p:ph idx="2" type="sldImg"/>
+          </p:nvPr>
+        </p:nvSpPr>
+        <p:spPr>
+          <a:xfrm>
+            <a:off x="381188" y="685800"/>
+            <a:ext cx="6096300" cy="3429000"/>
+          </a:xfrm>
+          <a:custGeom>
+            <a:rect b="b" l="l" r="r" t="t"/>
+            <a:pathLst>
+              <a:path extrusionOk="0" h="120000" w="120000">
+                <a:moveTo>
+                  <a:pt x="0" y="0"/>
+                </a:moveTo>
+                <a:lnTo>
+                  <a:pt x="120000" y="0"/>
+                </a:lnTo>
+                <a:lnTo>
+                  <a:pt x="120000" y="120000"/>
+                </a:lnTo>
+                <a:lnTo>
+                  <a:pt x="0" y="120000"/>
+                </a:lnTo>
+                <a:close/>
+              </a:path>
+            </a:pathLst>
+          </a:custGeom>
+        </p:spPr>
+      </p:sp>
+      <p:sp>
+        <p:nvSpPr>
+          <p:cNvPr id="177" name="Google Shape;177;gc6fa3c898_0_70:notes"/>
           <p:cNvSpPr txBox="1"/>
           <p:nvPr>
             <p:ph idx="1" type="body"/>
@@ -1826,7 +2026,7 @@
       </p:grpSpPr>
       <p:sp>
         <p:nvSpPr>
-          <p:cNvPr id="87" name="Google Shape;87;gc6fa3c898_0_16:notes"/>
+          <p:cNvPr id="87" name="Google Shape;87;gebcc5b2c4c_0_14:notes"/>
           <p:cNvSpPr/>
           <p:nvPr>
             <p:ph idx="2" type="sldImg"/>
@@ -1861,7 +2061,7 @@
       </p:sp>
       <p:sp>
         <p:nvSpPr>
-          <p:cNvPr id="88" name="Google Shape;88;gc6fa3c898_0_16:notes"/>
+          <p:cNvPr id="88" name="Google Shape;88;gebcc5b2c4c_0_14:notes"/>
           <p:cNvSpPr txBox="1"/>
           <p:nvPr>
             <p:ph idx="1" type="body"/>
@@ -1925,7 +2125,7 @@
       </p:grpSpPr>
       <p:sp>
         <p:nvSpPr>
-          <p:cNvPr id="93" name="Google Shape;93;gf0c6892ecf_0_5:notes"/>
+          <p:cNvPr id="93" name="Google Shape;93;gc6fa3c898_0_16:notes"/>
           <p:cNvSpPr/>
           <p:nvPr>
             <p:ph idx="2" type="sldImg"/>
@@ -1960,7 +2160,7 @@
       </p:sp>
       <p:sp>
         <p:nvSpPr>
-          <p:cNvPr id="94" name="Google Shape;94;gf0c6892ecf_0_5:notes"/>
+          <p:cNvPr id="94" name="Google Shape;94;gc6fa3c898_0_16:notes"/>
           <p:cNvSpPr txBox="1"/>
           <p:nvPr>
             <p:ph idx="1" type="body"/>
@@ -2010,7 +2210,7 @@
   <p:cSld>
     <p:spTree>
       <p:nvGrpSpPr>
-        <p:cNvPr id="97" name="Shape 97"/>
+        <p:cNvPr id="98" name="Shape 98"/>
         <p:cNvGrpSpPr/>
         <p:nvPr/>
       </p:nvGrpSpPr>
@@ -2024,7 +2224,7 @@
       </p:grpSpPr>
       <p:sp>
         <p:nvSpPr>
-          <p:cNvPr id="98" name="Google Shape;98;gf0c6892ecf_0_0:notes"/>
+          <p:cNvPr id="99" name="Google Shape;99;gebcc5b2c4c_0_6:notes"/>
           <p:cNvSpPr/>
           <p:nvPr>
             <p:ph idx="2" type="sldImg"/>
@@ -2059,7 +2259,7 @@
       </p:sp>
       <p:sp>
         <p:nvSpPr>
-          <p:cNvPr id="99" name="Google Shape;99;gf0c6892ecf_0_0:notes"/>
+          <p:cNvPr id="100" name="Google Shape;100;gebcc5b2c4c_0_6:notes"/>
           <p:cNvSpPr txBox="1"/>
           <p:nvPr>
             <p:ph idx="1" type="body"/>
@@ -2123,7 +2323,7 @@
       </p:grpSpPr>
       <p:sp>
         <p:nvSpPr>
-          <p:cNvPr id="104" name="Google Shape;104;gebcc5b2c4c_0_6:notes"/>
+          <p:cNvPr id="104" name="Google Shape;104;gebcc5b2c4c_0_0:notes"/>
           <p:cNvSpPr/>
           <p:nvPr>
             <p:ph idx="2" type="sldImg"/>
@@ -2158,7 +2358,7 @@
       </p:sp>
       <p:sp>
         <p:nvSpPr>
-          <p:cNvPr id="105" name="Google Shape;105;gebcc5b2c4c_0_6:notes"/>
+          <p:cNvPr id="105" name="Google Shape;105;gebcc5b2c4c_0_0:notes"/>
           <p:cNvSpPr txBox="1"/>
           <p:nvPr>
             <p:ph idx="1" type="body"/>
@@ -2208,7 +2408,7 @@
   <p:cSld>
     <p:spTree>
       <p:nvGrpSpPr>
-        <p:cNvPr id="108" name="Shape 108"/>
+        <p:cNvPr id="110" name="Shape 110"/>
         <p:cNvGrpSpPr/>
         <p:nvPr/>
       </p:nvGrpSpPr>
@@ -2222,7 +2422,7 @@
       </p:grpSpPr>
       <p:sp>
         <p:nvSpPr>
-          <p:cNvPr id="109" name="Google Shape;109;gebcc5b2c4c_0_0:notes"/>
+          <p:cNvPr id="111" name="Google Shape;111;gebcc5b2c4c_0_23:notes"/>
           <p:cNvSpPr/>
           <p:nvPr>
             <p:ph idx="2" type="sldImg"/>
@@ -2257,7 +2457,7 @@
       </p:sp>
       <p:sp>
         <p:nvSpPr>
-          <p:cNvPr id="110" name="Google Shape;110;gebcc5b2c4c_0_0:notes"/>
+          <p:cNvPr id="112" name="Google Shape;112;gebcc5b2c4c_0_23:notes"/>
           <p:cNvSpPr txBox="1"/>
           <p:nvPr>
             <p:ph idx="1" type="body"/>
@@ -2307,7 +2507,7 @@
   <p:cSld>
     <p:spTree>
       <p:nvGrpSpPr>
-        <p:cNvPr id="115" name="Shape 115"/>
+        <p:cNvPr id="116" name="Shape 116"/>
         <p:cNvGrpSpPr/>
         <p:nvPr/>
       </p:nvGrpSpPr>
@@ -2321,7 +2521,7 @@
       </p:grpSpPr>
       <p:sp>
         <p:nvSpPr>
-          <p:cNvPr id="116" name="Google Shape;116;gebcc5b2c4c_0_14:notes"/>
+          <p:cNvPr id="117" name="Google Shape;117;gebcc5b2c4c_0_29:notes"/>
           <p:cNvSpPr/>
           <p:nvPr>
             <p:ph idx="2" type="sldImg"/>
@@ -2356,7 +2556,7 @@
       </p:sp>
       <p:sp>
         <p:nvSpPr>
-          <p:cNvPr id="117" name="Google Shape;117;gebcc5b2c4c_0_14:notes"/>
+          <p:cNvPr id="118" name="Google Shape;118;gebcc5b2c4c_0_29:notes"/>
           <p:cNvSpPr txBox="1"/>
           <p:nvPr>
             <p:ph idx="1" type="body"/>
@@ -8508,7 +8708,7 @@
   <p:cSld>
     <p:spTree>
       <p:nvGrpSpPr>
-        <p:cNvPr id="124" name="Shape 124"/>
+        <p:cNvPr id="125" name="Shape 125"/>
         <p:cNvGrpSpPr/>
         <p:nvPr/>
       </p:nvGrpSpPr>
@@ -8522,265 +8722,7 @@
       </p:grpSpPr>
       <p:sp>
         <p:nvSpPr>
-          <p:cNvPr id="125" name="Google Shape;125;p22"/>
-          <p:cNvSpPr txBox="1"/>
-          <p:nvPr>
-            <p:ph type="title"/>
-          </p:nvPr>
-        </p:nvSpPr>
-        <p:spPr>
-          <a:xfrm>
-            <a:off x="2516550" y="575950"/>
-            <a:ext cx="6205500" cy="635400"/>
-          </a:xfrm>
-          <a:prstGeom prst="rect">
-            <a:avLst/>
-          </a:prstGeom>
-        </p:spPr>
-        <p:txBody>
-          <a:bodyPr anchorCtr="0" anchor="t" bIns="91425" lIns="91425" spcFirstLastPara="1" rIns="91425" wrap="square" tIns="91425">
-            <a:noAutofit/>
-          </a:bodyPr>
-          <a:lstStyle/>
-          <a:p>
-            <a:pPr indent="0" lvl="0" marL="0" rtl="0" algn="l">
-              <a:spcBef>
-                <a:spcPts val="0"/>
-              </a:spcBef>
-              <a:spcAft>
-                <a:spcPts val="0"/>
-              </a:spcAft>
-              <a:buNone/>
-            </a:pPr>
-            <a:r>
-              <a:rPr lang="en"/>
-              <a:t>Analysis</a:t>
-            </a:r>
-            <a:endParaRPr/>
-          </a:p>
-        </p:txBody>
-      </p:sp>
-      <p:sp>
-        <p:nvSpPr>
           <p:cNvPr id="126" name="Google Shape;126;p22"/>
-          <p:cNvSpPr txBox="1"/>
-          <p:nvPr>
-            <p:ph idx="2" type="body"/>
-          </p:nvPr>
-        </p:nvSpPr>
-        <p:spPr>
-          <a:xfrm>
-            <a:off x="2516500" y="1361175"/>
-            <a:ext cx="6205500" cy="3243900"/>
-          </a:xfrm>
-          <a:prstGeom prst="rect">
-            <a:avLst/>
-          </a:prstGeom>
-        </p:spPr>
-        <p:txBody>
-          <a:bodyPr anchorCtr="0" anchor="t" bIns="91425" lIns="91425" spcFirstLastPara="1" rIns="91425" wrap="square" tIns="91425">
-            <a:noAutofit/>
-          </a:bodyPr>
-          <a:lstStyle/>
-          <a:p>
-            <a:pPr indent="0" lvl="0" marL="0" rtl="0" algn="l">
-              <a:spcBef>
-                <a:spcPts val="0"/>
-              </a:spcBef>
-              <a:spcAft>
-                <a:spcPts val="0"/>
-              </a:spcAft>
-              <a:buNone/>
-            </a:pPr>
-            <a:r>
-              <a:rPr b="1" lang="en" sz="2000">
-                <a:solidFill>
-                  <a:schemeClr val="accent3"/>
-                </a:solidFill>
-              </a:rPr>
-              <a:t>What will our visualizations tell us?</a:t>
-            </a:r>
-            <a:endParaRPr b="1" sz="2000">
-              <a:solidFill>
-                <a:schemeClr val="accent3"/>
-              </a:solidFill>
-            </a:endParaRPr>
-          </a:p>
-          <a:p>
-            <a:pPr indent="0" lvl="0" marL="0" rtl="0" algn="l">
-              <a:spcBef>
-                <a:spcPts val="1600"/>
-              </a:spcBef>
-              <a:spcAft>
-                <a:spcPts val="1200"/>
-              </a:spcAft>
-              <a:buNone/>
-            </a:pPr>
-            <a:r>
-              <a:rPr lang="en" sz="1500"/>
-              <a:t>We are going to include election year data from 2001 to 2021.  As of now, we have made a few visualizations for the 2017 election year.  Also, we have only worked with the individual contributions for that year.  This coming week, we are going to focus on adding data sources for the remaining years as well.  Past that, we will include committee contributions, expenditure data, as well as total votes received by the top two candidates in order to get a full picture.</a:t>
-            </a:r>
-            <a:endParaRPr sz="1700"/>
-          </a:p>
-        </p:txBody>
-      </p:sp>
-    </p:spTree>
-  </p:cSld>
-  <p:clrMapOvr>
-    <a:masterClrMapping/>
-  </p:clrMapOvr>
-</p:sld>
-</file>
-
-<file path=ppt/slides/slide11.xml><?xml version="1.0" encoding="utf-8"?>
-<p:sld xmlns:a="http://schemas.openxmlformats.org/drawingml/2006/main" xmlns:r="http://schemas.openxmlformats.org/officeDocument/2006/relationships" xmlns:mc="http://schemas.openxmlformats.org/markup-compatibility/2006" xmlns:mv="urn:schemas-microsoft-com:mac:vml" xmlns:p="http://schemas.openxmlformats.org/presentationml/2006/main" xmlns:c="http://schemas.openxmlformats.org/drawingml/2006/chart" xmlns:dgm="http://schemas.openxmlformats.org/drawingml/2006/diagram" xmlns:o="urn:schemas-microsoft-com:office:office" xmlns:v="urn:schemas-microsoft-com:vml" xmlns:pvml="urn:schemas-microsoft-com:office:powerpoint" xmlns:com="http://schemas.openxmlformats.org/drawingml/2006/compatibility" xmlns:p14="http://schemas.microsoft.com/office/powerpoint/2010/main" xmlns:p15="http://schemas.microsoft.com/office/powerpoint/2012/main" xmlns:ahyp="http://schemas.microsoft.com/office/drawing/2018/hyperlinkcolor">
-  <p:cSld>
-    <p:spTree>
-      <p:nvGrpSpPr>
-        <p:cNvPr id="130" name="Shape 130"/>
-        <p:cNvGrpSpPr/>
-        <p:nvPr/>
-      </p:nvGrpSpPr>
-      <p:grpSpPr>
-        <a:xfrm>
-          <a:off x="0" y="0"/>
-          <a:ext cx="0" cy="0"/>
-          <a:chOff x="0" y="0"/>
-          <a:chExt cx="0" cy="0"/>
-        </a:xfrm>
-      </p:grpSpPr>
-      <p:sp>
-        <p:nvSpPr>
-          <p:cNvPr id="131" name="Google Shape;131;p23"/>
-          <p:cNvSpPr txBox="1"/>
-          <p:nvPr>
-            <p:ph type="title"/>
-          </p:nvPr>
-        </p:nvSpPr>
-        <p:spPr>
-          <a:xfrm>
-            <a:off x="2516550" y="575950"/>
-            <a:ext cx="6205500" cy="635400"/>
-          </a:xfrm>
-          <a:prstGeom prst="rect">
-            <a:avLst/>
-          </a:prstGeom>
-        </p:spPr>
-        <p:txBody>
-          <a:bodyPr anchorCtr="0" anchor="t" bIns="91425" lIns="91425" spcFirstLastPara="1" rIns="91425" wrap="square" tIns="91425">
-            <a:noAutofit/>
-          </a:bodyPr>
-          <a:lstStyle/>
-          <a:p>
-            <a:pPr indent="0" lvl="0" marL="0" rtl="0" algn="l">
-              <a:spcBef>
-                <a:spcPts val="0"/>
-              </a:spcBef>
-              <a:spcAft>
-                <a:spcPts val="0"/>
-              </a:spcAft>
-              <a:buNone/>
-            </a:pPr>
-            <a:r>
-              <a:rPr lang="en"/>
-              <a:t>Analysis (continued)</a:t>
-            </a:r>
-            <a:endParaRPr/>
-          </a:p>
-        </p:txBody>
-      </p:sp>
-      <p:sp>
-        <p:nvSpPr>
-          <p:cNvPr id="132" name="Google Shape;132;p23"/>
-          <p:cNvSpPr txBox="1"/>
-          <p:nvPr>
-            <p:ph idx="2" type="body"/>
-          </p:nvPr>
-        </p:nvSpPr>
-        <p:spPr>
-          <a:xfrm>
-            <a:off x="2516500" y="1361175"/>
-            <a:ext cx="6205500" cy="3243900"/>
-          </a:xfrm>
-          <a:prstGeom prst="rect">
-            <a:avLst/>
-          </a:prstGeom>
-        </p:spPr>
-        <p:txBody>
-          <a:bodyPr anchorCtr="0" anchor="t" bIns="91425" lIns="91425" spcFirstLastPara="1" rIns="91425" wrap="square" tIns="91425">
-            <a:noAutofit/>
-          </a:bodyPr>
-          <a:lstStyle/>
-          <a:p>
-            <a:pPr indent="0" lvl="0" marL="0" rtl="0" algn="l">
-              <a:spcBef>
-                <a:spcPts val="0"/>
-              </a:spcBef>
-              <a:spcAft>
-                <a:spcPts val="0"/>
-              </a:spcAft>
-              <a:buNone/>
-            </a:pPr>
-            <a:r>
-              <a:rPr b="1" lang="en" sz="2000">
-                <a:solidFill>
-                  <a:schemeClr val="accent3"/>
-                </a:solidFill>
-              </a:rPr>
-              <a:t>How do we add interactive elements to our dashboard?</a:t>
-            </a:r>
-            <a:endParaRPr b="1" sz="2000">
-              <a:solidFill>
-                <a:schemeClr val="accent3"/>
-              </a:solidFill>
-            </a:endParaRPr>
-          </a:p>
-          <a:p>
-            <a:pPr indent="0" lvl="0" marL="0" rtl="0" algn="l">
-              <a:spcBef>
-                <a:spcPts val="1600"/>
-              </a:spcBef>
-              <a:spcAft>
-                <a:spcPts val="1200"/>
-              </a:spcAft>
-              <a:buNone/>
-            </a:pPr>
-            <a:r>
-              <a:rPr lang="en" sz="1500"/>
-              <a:t>We are going to include election year data from 2001 to 2021.  As of now, we have made a few visualizations for the 2017 election year.  Also, we have only worked with the individual contributions for that year.  This coming week, we are going to focus on adding data sources for the remaining years as well.  Beyond that, we will include committee contributions, expenditure data, as well as total votes received by the top two candidates to derive a full picture.</a:t>
-            </a:r>
-            <a:endParaRPr sz="1700"/>
-          </a:p>
-        </p:txBody>
-      </p:sp>
-    </p:spTree>
-  </p:cSld>
-  <p:clrMapOvr>
-    <a:masterClrMapping/>
-  </p:clrMapOvr>
-</p:sld>
-</file>
-
-<file path=ppt/slides/slide12.xml><?xml version="1.0" encoding="utf-8"?>
-<p:sld xmlns:a="http://schemas.openxmlformats.org/drawingml/2006/main" xmlns:r="http://schemas.openxmlformats.org/officeDocument/2006/relationships" xmlns:mc="http://schemas.openxmlformats.org/markup-compatibility/2006" xmlns:mv="urn:schemas-microsoft-com:mac:vml" xmlns:p="http://schemas.openxmlformats.org/presentationml/2006/main" xmlns:c="http://schemas.openxmlformats.org/drawingml/2006/chart" xmlns:dgm="http://schemas.openxmlformats.org/drawingml/2006/diagram" xmlns:o="urn:schemas-microsoft-com:office:office" xmlns:v="urn:schemas-microsoft-com:vml" xmlns:pvml="urn:schemas-microsoft-com:office:powerpoint" xmlns:com="http://schemas.openxmlformats.org/drawingml/2006/compatibility" xmlns:p14="http://schemas.microsoft.com/office/powerpoint/2010/main" xmlns:p15="http://schemas.microsoft.com/office/powerpoint/2012/main" xmlns:ahyp="http://schemas.microsoft.com/office/drawing/2018/hyperlinkcolor">
-  <p:cSld>
-    <p:spTree>
-      <p:nvGrpSpPr>
-        <p:cNvPr id="136" name="Shape 136"/>
-        <p:cNvGrpSpPr/>
-        <p:nvPr/>
-      </p:nvGrpSpPr>
-      <p:grpSpPr>
-        <a:xfrm>
-          <a:off x="0" y="0"/>
-          <a:ext cx="0" cy="0"/>
-          <a:chOff x="0" y="0"/>
-          <a:chExt cx="0" cy="0"/>
-        </a:xfrm>
-      </p:grpSpPr>
-      <p:sp>
-        <p:nvSpPr>
-          <p:cNvPr id="137" name="Google Shape;137;p24"/>
           <p:cNvSpPr txBox="1"/>
           <p:nvPr>
             <p:ph type="title"/>
@@ -8820,7 +8762,7 @@
       </p:sp>
       <p:sp>
         <p:nvSpPr>
-          <p:cNvPr id="138" name="Google Shape;138;p24"/>
+          <p:cNvPr id="127" name="Google Shape;127;p22"/>
           <p:cNvSpPr txBox="1"/>
           <p:nvPr>
             <p:ph idx="2" type="body"/>
@@ -8918,9 +8860,194 @@
 </p:sld>
 </file>
 
+<file path=ppt/slides/slide11.xml><?xml version="1.0" encoding="utf-8"?>
+<p:sld xmlns:a="http://schemas.openxmlformats.org/drawingml/2006/main" xmlns:r="http://schemas.openxmlformats.org/officeDocument/2006/relationships" xmlns:mc="http://schemas.openxmlformats.org/markup-compatibility/2006" xmlns:mv="urn:schemas-microsoft-com:mac:vml" xmlns:p="http://schemas.openxmlformats.org/presentationml/2006/main" xmlns:c="http://schemas.openxmlformats.org/drawingml/2006/chart" xmlns:dgm="http://schemas.openxmlformats.org/drawingml/2006/diagram" xmlns:o="urn:schemas-microsoft-com:office:office" xmlns:v="urn:schemas-microsoft-com:vml" xmlns:pvml="urn:schemas-microsoft-com:office:powerpoint" xmlns:com="http://schemas.openxmlformats.org/drawingml/2006/compatibility" xmlns:p14="http://schemas.microsoft.com/office/powerpoint/2010/main" xmlns:p15="http://schemas.microsoft.com/office/powerpoint/2012/main" xmlns:ahyp="http://schemas.microsoft.com/office/drawing/2018/hyperlinkcolor">
+  <p:cSld>
+    <p:spTree>
+      <p:nvGrpSpPr>
+        <p:cNvPr id="131" name="Shape 131"/>
+        <p:cNvGrpSpPr/>
+        <p:nvPr/>
+      </p:nvGrpSpPr>
+      <p:grpSpPr>
+        <a:xfrm>
+          <a:off x="0" y="0"/>
+          <a:ext cx="0" cy="0"/>
+          <a:chOff x="0" y="0"/>
+          <a:chExt cx="0" cy="0"/>
+        </a:xfrm>
+      </p:grpSpPr>
+      <p:sp>
+        <p:nvSpPr>
+          <p:cNvPr id="132" name="Google Shape;132;p23"/>
+          <p:cNvSpPr txBox="1"/>
+          <p:nvPr>
+            <p:ph type="title"/>
+          </p:nvPr>
+        </p:nvSpPr>
+        <p:spPr>
+          <a:xfrm>
+            <a:off x="2516550" y="575950"/>
+            <a:ext cx="6205500" cy="635400"/>
+          </a:xfrm>
+          <a:prstGeom prst="rect">
+            <a:avLst/>
+          </a:prstGeom>
+        </p:spPr>
+        <p:txBody>
+          <a:bodyPr anchorCtr="0" anchor="t" bIns="91425" lIns="91425" spcFirstLastPara="1" rIns="91425" wrap="square" tIns="91425">
+            <a:noAutofit/>
+          </a:bodyPr>
+          <a:lstStyle/>
+          <a:p>
+            <a:pPr indent="0" lvl="0" marL="0" rtl="0" algn="l">
+              <a:spcBef>
+                <a:spcPts val="0"/>
+              </a:spcBef>
+              <a:spcAft>
+                <a:spcPts val="0"/>
+              </a:spcAft>
+              <a:buNone/>
+            </a:pPr>
+            <a:r>
+              <a:rPr lang="en"/>
+              <a:t>Dashboard 2</a:t>
+            </a:r>
+            <a:endParaRPr/>
+          </a:p>
+        </p:txBody>
+      </p:sp>
+      <p:sp>
+        <p:nvSpPr>
+          <p:cNvPr id="133" name="Google Shape;133;p23"/>
+          <p:cNvSpPr txBox="1"/>
+          <p:nvPr>
+            <p:ph idx="2" type="body"/>
+          </p:nvPr>
+        </p:nvSpPr>
+        <p:spPr>
+          <a:xfrm>
+            <a:off x="2516500" y="1361175"/>
+            <a:ext cx="6205500" cy="3243900"/>
+          </a:xfrm>
+          <a:prstGeom prst="rect">
+            <a:avLst/>
+          </a:prstGeom>
+        </p:spPr>
+        <p:txBody>
+          <a:bodyPr anchorCtr="0" anchor="t" bIns="91425" lIns="91425" spcFirstLastPara="1" rIns="91425" wrap="square" tIns="91425">
+            <a:noAutofit/>
+          </a:bodyPr>
+          <a:lstStyle/>
+          <a:p>
+            <a:pPr indent="-323850" lvl="0" marL="457200" rtl="0" algn="l">
+              <a:spcBef>
+                <a:spcPts val="0"/>
+              </a:spcBef>
+              <a:spcAft>
+                <a:spcPts val="0"/>
+              </a:spcAft>
+              <a:buSzPts val="1500"/>
+              <a:buChar char="●"/>
+            </a:pPr>
+            <a:r>
+              <a:rPr lang="en" sz="1500"/>
+              <a:t>The dashboard shows the top four candidates who qualified by percentage of contributions received.  Highlight Hover action has been created on this page to enhance visual effects.</a:t>
+            </a:r>
+            <a:endParaRPr sz="1500"/>
+          </a:p>
+        </p:txBody>
+      </p:sp>
+    </p:spTree>
+  </p:cSld>
+  <p:clrMapOvr>
+    <a:masterClrMapping/>
+  </p:clrMapOvr>
+</p:sld>
+</file>
+
+<file path=ppt/slides/slide12.xml><?xml version="1.0" encoding="utf-8"?>
+<p:sld xmlns:a="http://schemas.openxmlformats.org/drawingml/2006/main" xmlns:r="http://schemas.openxmlformats.org/officeDocument/2006/relationships" xmlns:mc="http://schemas.openxmlformats.org/markup-compatibility/2006" xmlns:mv="urn:schemas-microsoft-com:mac:vml" xmlns:p="http://schemas.openxmlformats.org/presentationml/2006/main" xmlns:c="http://schemas.openxmlformats.org/drawingml/2006/chart" xmlns:dgm="http://schemas.openxmlformats.org/drawingml/2006/diagram" xmlns:o="urn:schemas-microsoft-com:office:office" xmlns:v="urn:schemas-microsoft-com:vml" xmlns:pvml="urn:schemas-microsoft-com:office:powerpoint" xmlns:com="http://schemas.openxmlformats.org/drawingml/2006/compatibility" xmlns:p14="http://schemas.microsoft.com/office/powerpoint/2010/main" xmlns:p15="http://schemas.microsoft.com/office/powerpoint/2012/main" xmlns:ahyp="http://schemas.microsoft.com/office/drawing/2018/hyperlinkcolor">
+  <p:cSld>
+    <p:bg>
+      <p:bgPr>
+        <a:solidFill>
+          <a:schemeClr val="accent3"/>
+        </a:solidFill>
+      </p:bgPr>
+    </p:bg>
+    <p:spTree>
+      <p:nvGrpSpPr>
+        <p:cNvPr id="137" name="Shape 137"/>
+        <p:cNvGrpSpPr/>
+        <p:nvPr/>
+      </p:nvGrpSpPr>
+      <p:grpSpPr>
+        <a:xfrm>
+          <a:off x="0" y="0"/>
+          <a:ext cx="0" cy="0"/>
+          <a:chOff x="0" y="0"/>
+          <a:chExt cx="0" cy="0"/>
+        </a:xfrm>
+      </p:grpSpPr>
+      <p:sp>
+        <p:nvSpPr>
+          <p:cNvPr id="138" name="Google Shape;138;p24"/>
+          <p:cNvSpPr txBox="1"/>
+          <p:nvPr>
+            <p:ph type="title"/>
+          </p:nvPr>
+        </p:nvSpPr>
+        <p:spPr>
+          <a:xfrm>
+            <a:off x="406425" y="1806825"/>
+            <a:ext cx="8296800" cy="1542000"/>
+          </a:xfrm>
+          <a:prstGeom prst="rect">
+            <a:avLst/>
+          </a:prstGeom>
+        </p:spPr>
+        <p:txBody>
+          <a:bodyPr anchorCtr="0" anchor="ctr" bIns="91425" lIns="91425" spcFirstLastPara="1" rIns="91425" wrap="square" tIns="91425">
+            <a:noAutofit/>
+          </a:bodyPr>
+          <a:lstStyle/>
+          <a:p>
+            <a:pPr indent="0" lvl="0" marL="0" rtl="0" algn="ctr">
+              <a:spcBef>
+                <a:spcPts val="0"/>
+              </a:spcBef>
+              <a:spcAft>
+                <a:spcPts val="0"/>
+              </a:spcAft>
+              <a:buNone/>
+            </a:pPr>
+            <a:r>
+              <a:rPr lang="en"/>
+              <a:t>SQL</a:t>
+            </a:r>
+            <a:endParaRPr/>
+          </a:p>
+        </p:txBody>
+      </p:sp>
+    </p:spTree>
+  </p:cSld>
+  <p:clrMapOvr>
+    <a:masterClrMapping/>
+  </p:clrMapOvr>
+</p:sld>
+</file>
+
 <file path=ppt/slides/slide13.xml><?xml version="1.0" encoding="utf-8"?>
 <p:sld xmlns:a="http://schemas.openxmlformats.org/drawingml/2006/main" xmlns:r="http://schemas.openxmlformats.org/officeDocument/2006/relationships" xmlns:mc="http://schemas.openxmlformats.org/markup-compatibility/2006" xmlns:mv="urn:schemas-microsoft-com:mac:vml" xmlns:p="http://schemas.openxmlformats.org/presentationml/2006/main" xmlns:c="http://schemas.openxmlformats.org/drawingml/2006/chart" xmlns:dgm="http://schemas.openxmlformats.org/drawingml/2006/diagram" xmlns:o="urn:schemas-microsoft-com:office:office" xmlns:v="urn:schemas-microsoft-com:vml" xmlns:pvml="urn:schemas-microsoft-com:office:powerpoint" xmlns:com="http://schemas.openxmlformats.org/drawingml/2006/compatibility" xmlns:p14="http://schemas.microsoft.com/office/powerpoint/2010/main" xmlns:p15="http://schemas.microsoft.com/office/powerpoint/2012/main" xmlns:ahyp="http://schemas.microsoft.com/office/drawing/2018/hyperlinkcolor">
   <p:cSld>
+    <p:bg>
+      <p:bgPr>
+        <a:solidFill>
+          <a:schemeClr val="accent3"/>
+        </a:solidFill>
+      </p:bgPr>
+    </p:bg>
     <p:spTree>
       <p:nvGrpSpPr>
         <p:cNvPr id="142" name="Shape 142"/>
@@ -8945,20 +9072,20 @@
         </p:nvSpPr>
         <p:spPr>
           <a:xfrm>
-            <a:off x="2516550" y="575950"/>
-            <a:ext cx="6205500" cy="635400"/>
+            <a:off x="406425" y="1806825"/>
+            <a:ext cx="8296800" cy="1542000"/>
           </a:xfrm>
           <a:prstGeom prst="rect">
             <a:avLst/>
           </a:prstGeom>
         </p:spPr>
         <p:txBody>
-          <a:bodyPr anchorCtr="0" anchor="t" bIns="91425" lIns="91425" spcFirstLastPara="1" rIns="91425" wrap="square" tIns="91425">
+          <a:bodyPr anchorCtr="0" anchor="ctr" bIns="91425" lIns="91425" spcFirstLastPara="1" rIns="91425" wrap="square" tIns="91425">
             <a:noAutofit/>
           </a:bodyPr>
           <a:lstStyle/>
           <a:p>
-            <a:pPr indent="0" lvl="0" marL="0" rtl="0" algn="l">
+            <a:pPr indent="0" lvl="0" marL="0" rtl="0" algn="ctr">
               <a:spcBef>
                 <a:spcPts val="0"/>
               </a:spcBef>
@@ -8969,50 +9096,9 @@
             </a:pPr>
             <a:r>
               <a:rPr lang="en"/>
-              <a:t>Dashboard 2</a:t>
+              <a:t>Machine Learning</a:t>
             </a:r>
             <a:endParaRPr/>
-          </a:p>
-        </p:txBody>
-      </p:sp>
-      <p:sp>
-        <p:nvSpPr>
-          <p:cNvPr id="144" name="Google Shape;144;p25"/>
-          <p:cNvSpPr txBox="1"/>
-          <p:nvPr>
-            <p:ph idx="2" type="body"/>
-          </p:nvPr>
-        </p:nvSpPr>
-        <p:spPr>
-          <a:xfrm>
-            <a:off x="2516500" y="1361175"/>
-            <a:ext cx="6205500" cy="3243900"/>
-          </a:xfrm>
-          <a:prstGeom prst="rect">
-            <a:avLst/>
-          </a:prstGeom>
-        </p:spPr>
-        <p:txBody>
-          <a:bodyPr anchorCtr="0" anchor="t" bIns="91425" lIns="91425" spcFirstLastPara="1" rIns="91425" wrap="square" tIns="91425">
-            <a:noAutofit/>
-          </a:bodyPr>
-          <a:lstStyle/>
-          <a:p>
-            <a:pPr indent="-323850" lvl="0" marL="457200" rtl="0" algn="l">
-              <a:spcBef>
-                <a:spcPts val="0"/>
-              </a:spcBef>
-              <a:spcAft>
-                <a:spcPts val="0"/>
-              </a:spcAft>
-              <a:buSzPts val="1500"/>
-              <a:buChar char="●"/>
-            </a:pPr>
-            <a:r>
-              <a:rPr lang="en" sz="1500"/>
-              <a:t>The dashboard shows the top four candidates who qualified by percentage of contributions received.  Highlight Hover action has been created on this page to enhance visual effects.</a:t>
-            </a:r>
-            <a:endParaRPr sz="1500"/>
           </a:p>
         </p:txBody>
       </p:sp>
@@ -9027,16 +9113,9 @@
 <file path=ppt/slides/slide14.xml><?xml version="1.0" encoding="utf-8"?>
 <p:sld xmlns:a="http://schemas.openxmlformats.org/drawingml/2006/main" xmlns:r="http://schemas.openxmlformats.org/officeDocument/2006/relationships" xmlns:mc="http://schemas.openxmlformats.org/markup-compatibility/2006" xmlns:mv="urn:schemas-microsoft-com:mac:vml" xmlns:p="http://schemas.openxmlformats.org/presentationml/2006/main" xmlns:c="http://schemas.openxmlformats.org/drawingml/2006/chart" xmlns:dgm="http://schemas.openxmlformats.org/drawingml/2006/diagram" xmlns:o="urn:schemas-microsoft-com:office:office" xmlns:v="urn:schemas-microsoft-com:vml" xmlns:pvml="urn:schemas-microsoft-com:office:powerpoint" xmlns:com="http://schemas.openxmlformats.org/drawingml/2006/compatibility" xmlns:p14="http://schemas.microsoft.com/office/powerpoint/2010/main" xmlns:p15="http://schemas.microsoft.com/office/powerpoint/2012/main" xmlns:ahyp="http://schemas.microsoft.com/office/drawing/2018/hyperlinkcolor">
   <p:cSld>
-    <p:bg>
-      <p:bgPr>
-        <a:solidFill>
-          <a:schemeClr val="accent3"/>
-        </a:solidFill>
-      </p:bgPr>
-    </p:bg>
     <p:spTree>
       <p:nvGrpSpPr>
-        <p:cNvPr id="148" name="Shape 148"/>
+        <p:cNvPr id="147" name="Shape 147"/>
         <p:cNvGrpSpPr/>
         <p:nvPr/>
       </p:nvGrpSpPr>
@@ -9050,7 +9129,7 @@
       </p:grpSpPr>
       <p:sp>
         <p:nvSpPr>
-          <p:cNvPr id="149" name="Google Shape;149;p26"/>
+          <p:cNvPr id="148" name="Google Shape;148;p26"/>
           <p:cNvSpPr txBox="1"/>
           <p:nvPr>
             <p:ph type="title"/>
@@ -9058,20 +9137,20 @@
         </p:nvSpPr>
         <p:spPr>
           <a:xfrm>
-            <a:off x="406425" y="1806825"/>
-            <a:ext cx="8296800" cy="1542000"/>
+            <a:off x="2400250" y="575950"/>
+            <a:ext cx="6321600" cy="635400"/>
           </a:xfrm>
           <a:prstGeom prst="rect">
             <a:avLst/>
           </a:prstGeom>
         </p:spPr>
         <p:txBody>
-          <a:bodyPr anchorCtr="0" anchor="ctr" bIns="91425" lIns="91425" spcFirstLastPara="1" rIns="91425" wrap="square" tIns="91425">
+          <a:bodyPr anchorCtr="0" anchor="t" bIns="91425" lIns="91425" spcFirstLastPara="1" rIns="91425" wrap="square" tIns="91425">
             <a:noAutofit/>
           </a:bodyPr>
           <a:lstStyle/>
           <a:p>
-            <a:pPr indent="0" lvl="0" marL="0" rtl="0" algn="ctr">
+            <a:pPr indent="0" lvl="0" marL="0" rtl="0" algn="l">
               <a:spcBef>
                 <a:spcPts val="0"/>
               </a:spcBef>
@@ -9082,9 +9161,118 @@
             </a:pPr>
             <a:r>
               <a:rPr lang="en"/>
-              <a:t>Results</a:t>
+              <a:t>Machine Learning:</a:t>
             </a:r>
             <a:endParaRPr/>
+          </a:p>
+        </p:txBody>
+      </p:sp>
+      <p:sp>
+        <p:nvSpPr>
+          <p:cNvPr id="149" name="Google Shape;149;p26"/>
+          <p:cNvSpPr txBox="1"/>
+          <p:nvPr>
+            <p:ph idx="1" type="body"/>
+          </p:nvPr>
+        </p:nvSpPr>
+        <p:spPr>
+          <a:xfrm>
+            <a:off x="2400300" y="1361300"/>
+            <a:ext cx="6321600" cy="3243900"/>
+          </a:xfrm>
+          <a:prstGeom prst="rect">
+            <a:avLst/>
+          </a:prstGeom>
+        </p:spPr>
+        <p:txBody>
+          <a:bodyPr anchorCtr="0" anchor="t" bIns="91425" lIns="91425" spcFirstLastPara="1" rIns="91425" wrap="square" tIns="91425">
+            <a:noAutofit/>
+          </a:bodyPr>
+          <a:lstStyle/>
+          <a:p>
+            <a:pPr indent="-330200" lvl="0" marL="457200" rtl="0" algn="l">
+              <a:spcBef>
+                <a:spcPts val="0"/>
+              </a:spcBef>
+              <a:spcAft>
+                <a:spcPts val="0"/>
+              </a:spcAft>
+              <a:buSzPts val="1600"/>
+              <a:buChar char="●"/>
+            </a:pPr>
+            <a:r>
+              <a:rPr lang="en" sz="1600"/>
+              <a:t>We selected the Balanced Random Forest algorithm for our project to randomly undersample our data to balance it.</a:t>
+            </a:r>
+            <a:endParaRPr sz="1600"/>
+          </a:p>
+          <a:p>
+            <a:pPr indent="-330200" lvl="0" marL="457200" rtl="0" algn="l">
+              <a:spcBef>
+                <a:spcPts val="0"/>
+              </a:spcBef>
+              <a:spcAft>
+                <a:spcPts val="0"/>
+              </a:spcAft>
+              <a:buSzPts val="1600"/>
+              <a:buChar char="●"/>
+            </a:pPr>
+            <a:r>
+              <a:rPr lang="en" sz="1600"/>
+              <a:t>We chose a supervised learning approach, and despite already knowing the outcome, we used our data to see if the machine learning prediction matched said outcome.</a:t>
+            </a:r>
+            <a:endParaRPr sz="1600"/>
+          </a:p>
+          <a:p>
+            <a:pPr indent="-330200" lvl="0" marL="457200" rtl="0" algn="l">
+              <a:spcBef>
+                <a:spcPts val="0"/>
+              </a:spcBef>
+              <a:spcAft>
+                <a:spcPts val="0"/>
+              </a:spcAft>
+              <a:buSzPts val="1600"/>
+              <a:buChar char="●"/>
+            </a:pPr>
+            <a:r>
+              <a:rPr lang="en" sz="1600"/>
+              <a:t>We encoded the data using LabelEncoder to numerically process string values in our data.</a:t>
+            </a:r>
+            <a:endParaRPr sz="1600"/>
+          </a:p>
+          <a:p>
+            <a:pPr indent="-330200" lvl="0" marL="457200" rtl="0" algn="l">
+              <a:spcBef>
+                <a:spcPts val="0"/>
+              </a:spcBef>
+              <a:spcAft>
+                <a:spcPts val="0"/>
+              </a:spcAft>
+              <a:buSzPts val="1600"/>
+              <a:buChar char="●"/>
+            </a:pPr>
+            <a:r>
+              <a:rPr lang="en" sz="1600"/>
+              <a:t>We then tested our data using a train-test split model at a 70/30 ratio to carry out our predictions.</a:t>
+            </a:r>
+            <a:endParaRPr sz="1600"/>
+          </a:p>
+          <a:p>
+            <a:pPr indent="-330200" lvl="0" marL="457200" rtl="0" algn="l">
+              <a:spcBef>
+                <a:spcPts val="0"/>
+              </a:spcBef>
+              <a:spcAft>
+                <a:spcPts val="0"/>
+              </a:spcAft>
+              <a:buSzPts val="1600"/>
+              <a:buChar char="●"/>
+            </a:pPr>
+            <a:r>
+              <a:rPr lang="en" sz="1600"/>
+              <a:t>Finally, we created visualizations of our ML results to graphically present them for analysis.</a:t>
+            </a:r>
+            <a:endParaRPr sz="1600"/>
           </a:p>
         </p:txBody>
       </p:sp>
@@ -9118,20 +9306,20 @@
           <p:cNvPr id="154" name="Google Shape;154;p27"/>
           <p:cNvSpPr txBox="1"/>
           <p:nvPr>
-            <p:ph idx="1" type="body"/>
+            <p:ph type="title"/>
           </p:nvPr>
         </p:nvSpPr>
         <p:spPr>
           <a:xfrm>
-            <a:off x="328017" y="4226025"/>
-            <a:ext cx="8388600" cy="393600"/>
+            <a:off x="2400250" y="575950"/>
+            <a:ext cx="6321600" cy="635400"/>
           </a:xfrm>
           <a:prstGeom prst="rect">
             <a:avLst/>
           </a:prstGeom>
         </p:spPr>
         <p:txBody>
-          <a:bodyPr anchorCtr="0" anchor="ctr" bIns="91425" lIns="91425" spcFirstLastPara="1" rIns="91425" wrap="square" tIns="91425">
+          <a:bodyPr anchorCtr="0" anchor="t" bIns="91425" lIns="91425" spcFirstLastPara="1" rIns="91425" wrap="square" tIns="91425">
             <a:noAutofit/>
           </a:bodyPr>
           <a:lstStyle/>
@@ -9146,73 +9334,91 @@
               <a:buNone/>
             </a:pPr>
             <a:r>
-              <a:rPr lang="en" sz="1700"/>
-              <a:t>Total c</a:t>
+              <a:rPr lang="en"/>
+              <a:t>Feature Selection</a:t>
             </a:r>
-            <a:r>
-              <a:rPr lang="en" sz="1700"/>
-              <a:t>ontributions, by category of contribution (left) and by contributor type (right)</a:t>
-            </a:r>
-            <a:endParaRPr sz="1700"/>
+            <a:endParaRPr/>
           </a:p>
         </p:txBody>
       </p:sp>
-      <p:pic>
-        <p:nvPicPr>
+      <p:sp>
+        <p:nvSpPr>
           <p:cNvPr id="155" name="Google Shape;155;p27"/>
-          <p:cNvPicPr preferRelativeResize="0"/>
-          <p:nvPr/>
-        </p:nvPicPr>
-        <p:blipFill>
-          <a:blip r:embed="rId3">
-            <a:alphaModFix/>
-          </a:blip>
-          <a:stretch>
-            <a:fillRect/>
-          </a:stretch>
-        </p:blipFill>
-        <p:spPr>
-          <a:xfrm>
-            <a:off x="328025" y="203900"/>
-            <a:ext cx="3543300" cy="3762375"/>
+          <p:cNvSpPr txBox="1"/>
+          <p:nvPr>
+            <p:ph idx="1" type="body"/>
+          </p:nvPr>
+        </p:nvSpPr>
+        <p:spPr>
+          <a:xfrm>
+            <a:off x="2400303" y="1602675"/>
+            <a:ext cx="3071400" cy="3002400"/>
           </a:xfrm>
           <a:prstGeom prst="rect">
             <a:avLst/>
           </a:prstGeom>
-          <a:noFill/>
-          <a:ln>
-            <a:noFill/>
-          </a:ln>
-        </p:spPr>
-      </p:pic>
-      <p:pic>
-        <p:nvPicPr>
+        </p:spPr>
+        <p:txBody>
+          <a:bodyPr anchorCtr="0" anchor="t" bIns="91425" lIns="91425" spcFirstLastPara="1" rIns="91425" wrap="square" tIns="91425">
+            <a:noAutofit/>
+          </a:bodyPr>
+          <a:lstStyle/>
+          <a:p>
+            <a:pPr indent="0" lvl="0" marL="0" rtl="0" algn="l">
+              <a:spcBef>
+                <a:spcPts val="0"/>
+              </a:spcBef>
+              <a:spcAft>
+                <a:spcPts val="1600"/>
+              </a:spcAft>
+              <a:buNone/>
+            </a:pPr>
+            <a:r>
+              <a:t/>
+            </a:r>
+            <a:endParaRPr/>
+          </a:p>
+        </p:txBody>
+      </p:sp>
+      <p:sp>
+        <p:nvSpPr>
           <p:cNvPr id="156" name="Google Shape;156;p27"/>
-          <p:cNvPicPr preferRelativeResize="0"/>
-          <p:nvPr/>
-        </p:nvPicPr>
-        <p:blipFill>
-          <a:blip r:embed="rId4">
-            <a:alphaModFix/>
-          </a:blip>
-          <a:stretch>
-            <a:fillRect/>
-          </a:stretch>
-        </p:blipFill>
-        <p:spPr>
-          <a:xfrm>
-            <a:off x="5173325" y="203900"/>
-            <a:ext cx="3543300" cy="3762375"/>
+          <p:cNvSpPr txBox="1"/>
+          <p:nvPr>
+            <p:ph idx="2" type="body"/>
+          </p:nvPr>
+        </p:nvSpPr>
+        <p:spPr>
+          <a:xfrm>
+            <a:off x="5650572" y="1602675"/>
+            <a:ext cx="3071400" cy="3002400"/>
           </a:xfrm>
           <a:prstGeom prst="rect">
             <a:avLst/>
           </a:prstGeom>
-          <a:noFill/>
-          <a:ln>
-            <a:noFill/>
-          </a:ln>
-        </p:spPr>
-      </p:pic>
+        </p:spPr>
+        <p:txBody>
+          <a:bodyPr anchorCtr="0" anchor="t" bIns="91425" lIns="91425" spcFirstLastPara="1" rIns="91425" wrap="square" tIns="91425">
+            <a:noAutofit/>
+          </a:bodyPr>
+          <a:lstStyle/>
+          <a:p>
+            <a:pPr indent="0" lvl="0" marL="0" rtl="0" algn="l">
+              <a:spcBef>
+                <a:spcPts val="0"/>
+              </a:spcBef>
+              <a:spcAft>
+                <a:spcPts val="1600"/>
+              </a:spcAft>
+              <a:buNone/>
+            </a:pPr>
+            <a:r>
+              <a:t/>
+            </a:r>
+            <a:endParaRPr/>
+          </a:p>
+        </p:txBody>
+      </p:sp>
     </p:spTree>
   </p:cSld>
   <p:clrMapOvr>
@@ -9224,6 +9430,13 @@
 <file path=ppt/slides/slide16.xml><?xml version="1.0" encoding="utf-8"?>
 <p:sld xmlns:a="http://schemas.openxmlformats.org/drawingml/2006/main" xmlns:r="http://schemas.openxmlformats.org/officeDocument/2006/relationships" xmlns:mc="http://schemas.openxmlformats.org/markup-compatibility/2006" xmlns:mv="urn:schemas-microsoft-com:mac:vml" xmlns:p="http://schemas.openxmlformats.org/presentationml/2006/main" xmlns:c="http://schemas.openxmlformats.org/drawingml/2006/chart" xmlns:dgm="http://schemas.openxmlformats.org/drawingml/2006/diagram" xmlns:o="urn:schemas-microsoft-com:office:office" xmlns:v="urn:schemas-microsoft-com:vml" xmlns:pvml="urn:schemas-microsoft-com:office:powerpoint" xmlns:com="http://schemas.openxmlformats.org/drawingml/2006/compatibility" xmlns:p14="http://schemas.microsoft.com/office/powerpoint/2010/main" xmlns:p15="http://schemas.microsoft.com/office/powerpoint/2012/main" xmlns:ahyp="http://schemas.microsoft.com/office/drawing/2018/hyperlinkcolor">
   <p:cSld>
+    <p:bg>
+      <p:bgPr>
+        <a:solidFill>
+          <a:schemeClr val="accent3"/>
+        </a:solidFill>
+      </p:bgPr>
+    </p:bg>
     <p:spTree>
       <p:nvGrpSpPr>
         <p:cNvPr id="160" name="Shape 160"/>
@@ -9248,6 +9461,196 @@
         </p:nvSpPr>
         <p:spPr>
           <a:xfrm>
+            <a:off x="406425" y="1806825"/>
+            <a:ext cx="8296800" cy="1542000"/>
+          </a:xfrm>
+          <a:prstGeom prst="rect">
+            <a:avLst/>
+          </a:prstGeom>
+        </p:spPr>
+        <p:txBody>
+          <a:bodyPr anchorCtr="0" anchor="ctr" bIns="91425" lIns="91425" spcFirstLastPara="1" rIns="91425" wrap="square" tIns="91425">
+            <a:noAutofit/>
+          </a:bodyPr>
+          <a:lstStyle/>
+          <a:p>
+            <a:pPr indent="0" lvl="0" marL="0" rtl="0" algn="ctr">
+              <a:spcBef>
+                <a:spcPts val="0"/>
+              </a:spcBef>
+              <a:spcAft>
+                <a:spcPts val="0"/>
+              </a:spcAft>
+              <a:buNone/>
+            </a:pPr>
+            <a:r>
+              <a:rPr lang="en"/>
+              <a:t>Results</a:t>
+            </a:r>
+            <a:endParaRPr/>
+          </a:p>
+        </p:txBody>
+      </p:sp>
+    </p:spTree>
+  </p:cSld>
+  <p:clrMapOvr>
+    <a:masterClrMapping/>
+  </p:clrMapOvr>
+</p:sld>
+</file>
+
+<file path=ppt/slides/slide17.xml><?xml version="1.0" encoding="utf-8"?>
+<p:sld xmlns:a="http://schemas.openxmlformats.org/drawingml/2006/main" xmlns:r="http://schemas.openxmlformats.org/officeDocument/2006/relationships" xmlns:mc="http://schemas.openxmlformats.org/markup-compatibility/2006" xmlns:mv="urn:schemas-microsoft-com:mac:vml" xmlns:p="http://schemas.openxmlformats.org/presentationml/2006/main" xmlns:c="http://schemas.openxmlformats.org/drawingml/2006/chart" xmlns:dgm="http://schemas.openxmlformats.org/drawingml/2006/diagram" xmlns:o="urn:schemas-microsoft-com:office:office" xmlns:v="urn:schemas-microsoft-com:vml" xmlns:pvml="urn:schemas-microsoft-com:office:powerpoint" xmlns:com="http://schemas.openxmlformats.org/drawingml/2006/compatibility" xmlns:p14="http://schemas.microsoft.com/office/powerpoint/2010/main" xmlns:p15="http://schemas.microsoft.com/office/powerpoint/2012/main" xmlns:ahyp="http://schemas.microsoft.com/office/drawing/2018/hyperlinkcolor">
+  <p:cSld>
+    <p:spTree>
+      <p:nvGrpSpPr>
+        <p:cNvPr id="165" name="Shape 165"/>
+        <p:cNvGrpSpPr/>
+        <p:nvPr/>
+      </p:nvGrpSpPr>
+      <p:grpSpPr>
+        <a:xfrm>
+          <a:off x="0" y="0"/>
+          <a:ext cx="0" cy="0"/>
+          <a:chOff x="0" y="0"/>
+          <a:chExt cx="0" cy="0"/>
+        </a:xfrm>
+      </p:grpSpPr>
+      <p:sp>
+        <p:nvSpPr>
+          <p:cNvPr id="166" name="Google Shape;166;p29"/>
+          <p:cNvSpPr txBox="1"/>
+          <p:nvPr>
+            <p:ph idx="1" type="body"/>
+          </p:nvPr>
+        </p:nvSpPr>
+        <p:spPr>
+          <a:xfrm>
+            <a:off x="328017" y="4226025"/>
+            <a:ext cx="8388600" cy="393600"/>
+          </a:xfrm>
+          <a:prstGeom prst="rect">
+            <a:avLst/>
+          </a:prstGeom>
+        </p:spPr>
+        <p:txBody>
+          <a:bodyPr anchorCtr="0" anchor="ctr" bIns="91425" lIns="91425" spcFirstLastPara="1" rIns="91425" wrap="square" tIns="91425">
+            <a:noAutofit/>
+          </a:bodyPr>
+          <a:lstStyle/>
+          <a:p>
+            <a:pPr indent="0" lvl="0" marL="0" rtl="0" algn="l">
+              <a:spcBef>
+                <a:spcPts val="0"/>
+              </a:spcBef>
+              <a:spcAft>
+                <a:spcPts val="0"/>
+              </a:spcAft>
+              <a:buNone/>
+            </a:pPr>
+            <a:r>
+              <a:rPr lang="en" sz="1700"/>
+              <a:t>Total c</a:t>
+            </a:r>
+            <a:r>
+              <a:rPr lang="en" sz="1700"/>
+              <a:t>ontributions, by category of contribution (left) and by contributor type (right)</a:t>
+            </a:r>
+            <a:endParaRPr sz="1700"/>
+          </a:p>
+        </p:txBody>
+      </p:sp>
+      <p:pic>
+        <p:nvPicPr>
+          <p:cNvPr id="167" name="Google Shape;167;p29"/>
+          <p:cNvPicPr preferRelativeResize="0"/>
+          <p:nvPr/>
+        </p:nvPicPr>
+        <p:blipFill>
+          <a:blip r:embed="rId3">
+            <a:alphaModFix/>
+          </a:blip>
+          <a:stretch>
+            <a:fillRect/>
+          </a:stretch>
+        </p:blipFill>
+        <p:spPr>
+          <a:xfrm>
+            <a:off x="328025" y="203900"/>
+            <a:ext cx="3543300" cy="3762375"/>
+          </a:xfrm>
+          <a:prstGeom prst="rect">
+            <a:avLst/>
+          </a:prstGeom>
+          <a:noFill/>
+          <a:ln>
+            <a:noFill/>
+          </a:ln>
+        </p:spPr>
+      </p:pic>
+      <p:pic>
+        <p:nvPicPr>
+          <p:cNvPr id="168" name="Google Shape;168;p29"/>
+          <p:cNvPicPr preferRelativeResize="0"/>
+          <p:nvPr/>
+        </p:nvPicPr>
+        <p:blipFill>
+          <a:blip r:embed="rId4">
+            <a:alphaModFix/>
+          </a:blip>
+          <a:stretch>
+            <a:fillRect/>
+          </a:stretch>
+        </p:blipFill>
+        <p:spPr>
+          <a:xfrm>
+            <a:off x="5173325" y="203900"/>
+            <a:ext cx="3543300" cy="3762375"/>
+          </a:xfrm>
+          <a:prstGeom prst="rect">
+            <a:avLst/>
+          </a:prstGeom>
+          <a:noFill/>
+          <a:ln>
+            <a:noFill/>
+          </a:ln>
+        </p:spPr>
+      </p:pic>
+    </p:spTree>
+  </p:cSld>
+  <p:clrMapOvr>
+    <a:masterClrMapping/>
+  </p:clrMapOvr>
+</p:sld>
+</file>
+
+<file path=ppt/slides/slide18.xml><?xml version="1.0" encoding="utf-8"?>
+<p:sld xmlns:a="http://schemas.openxmlformats.org/drawingml/2006/main" xmlns:r="http://schemas.openxmlformats.org/officeDocument/2006/relationships" xmlns:mc="http://schemas.openxmlformats.org/markup-compatibility/2006" xmlns:mv="urn:schemas-microsoft-com:mac:vml" xmlns:p="http://schemas.openxmlformats.org/presentationml/2006/main" xmlns:c="http://schemas.openxmlformats.org/drawingml/2006/chart" xmlns:dgm="http://schemas.openxmlformats.org/drawingml/2006/diagram" xmlns:o="urn:schemas-microsoft-com:office:office" xmlns:v="urn:schemas-microsoft-com:vml" xmlns:pvml="urn:schemas-microsoft-com:office:powerpoint" xmlns:com="http://schemas.openxmlformats.org/drawingml/2006/compatibility" xmlns:p14="http://schemas.microsoft.com/office/powerpoint/2010/main" xmlns:p15="http://schemas.microsoft.com/office/powerpoint/2012/main" xmlns:ahyp="http://schemas.microsoft.com/office/drawing/2018/hyperlinkcolor">
+  <p:cSld>
+    <p:spTree>
+      <p:nvGrpSpPr>
+        <p:cNvPr id="172" name="Shape 172"/>
+        <p:cNvGrpSpPr/>
+        <p:nvPr/>
+      </p:nvGrpSpPr>
+      <p:grpSpPr>
+        <a:xfrm>
+          <a:off x="0" y="0"/>
+          <a:ext cx="0" cy="0"/>
+          <a:chOff x="0" y="0"/>
+          <a:chExt cx="0" cy="0"/>
+        </a:xfrm>
+      </p:grpSpPr>
+      <p:sp>
+        <p:nvSpPr>
+          <p:cNvPr id="173" name="Google Shape;173;p30"/>
+          <p:cNvSpPr txBox="1"/>
+          <p:nvPr>
+            <p:ph type="title"/>
+          </p:nvPr>
+        </p:nvSpPr>
+        <p:spPr>
+          <a:xfrm>
             <a:off x="2400250" y="575950"/>
             <a:ext cx="6321600" cy="635400"/>
           </a:xfrm>
@@ -9280,7 +9683,7 @@
       </p:sp>
       <p:sp>
         <p:nvSpPr>
-          <p:cNvPr id="162" name="Google Shape;162;p28"/>
+          <p:cNvPr id="174" name="Google Shape;174;p30"/>
           <p:cNvSpPr txBox="1"/>
           <p:nvPr>
             <p:ph idx="1" type="body"/>
@@ -9461,12 +9864,12 @@
 </p:sld>
 </file>
 
-<file path=ppt/slides/slide17.xml><?xml version="1.0" encoding="utf-8"?>
+<file path=ppt/slides/slide19.xml><?xml version="1.0" encoding="utf-8"?>
 <p:sld xmlns:a="http://schemas.openxmlformats.org/drawingml/2006/main" xmlns:r="http://schemas.openxmlformats.org/officeDocument/2006/relationships" xmlns:mc="http://schemas.openxmlformats.org/markup-compatibility/2006" xmlns:mv="urn:schemas-microsoft-com:mac:vml" xmlns:p="http://schemas.openxmlformats.org/presentationml/2006/main" xmlns:c="http://schemas.openxmlformats.org/drawingml/2006/chart" xmlns:dgm="http://schemas.openxmlformats.org/drawingml/2006/diagram" xmlns:o="urn:schemas-microsoft-com:office:office" xmlns:v="urn:schemas-microsoft-com:vml" xmlns:pvml="urn:schemas-microsoft-com:office:powerpoint" xmlns:com="http://schemas.openxmlformats.org/drawingml/2006/compatibility" xmlns:p14="http://schemas.microsoft.com/office/powerpoint/2010/main" xmlns:p15="http://schemas.microsoft.com/office/powerpoint/2012/main" xmlns:ahyp="http://schemas.microsoft.com/office/drawing/2018/hyperlinkcolor">
   <p:cSld>
     <p:spTree>
       <p:nvGrpSpPr>
-        <p:cNvPr id="166" name="Shape 166"/>
+        <p:cNvPr id="178" name="Shape 178"/>
         <p:cNvGrpSpPr/>
         <p:nvPr/>
       </p:nvGrpSpPr>
@@ -9480,7 +9883,7 @@
       </p:grpSpPr>
       <p:sp>
         <p:nvSpPr>
-          <p:cNvPr id="167" name="Google Shape;167;p29"/>
+          <p:cNvPr id="179" name="Google Shape;179;p31"/>
           <p:cNvSpPr txBox="1"/>
           <p:nvPr>
             <p:ph type="title"/>
@@ -9528,7 +9931,7 @@
       </p:sp>
       <p:sp>
         <p:nvSpPr>
-          <p:cNvPr id="168" name="Google Shape;168;p29"/>
+          <p:cNvPr id="180" name="Google Shape;180;p31"/>
           <p:cNvSpPr txBox="1"/>
           <p:nvPr>
             <p:ph idx="2" type="body"/>
@@ -9724,11 +10127,11 @@
             </a:pPr>
             <a:r>
               <a:rPr lang="en" sz="1500"/>
-              <a:t>Python3 (Pandas, </a:t>
+              <a:t>Python3 (Pandas, sklearn</a:t>
             </a:r>
             <a:r>
               <a:rPr lang="en" sz="1500"/>
-              <a:t>TensorFlow, </a:t>
+              <a:t>, </a:t>
             </a:r>
             <a:r>
               <a:rPr lang="en" sz="1500"/>
@@ -9971,8 +10374,8 @@
         </p:nvSpPr>
         <p:spPr>
           <a:xfrm>
-            <a:off x="2400250" y="575950"/>
-            <a:ext cx="6321600" cy="635400"/>
+            <a:off x="2516550" y="575950"/>
+            <a:ext cx="6205500" cy="635400"/>
           </a:xfrm>
           <a:prstGeom prst="rect">
             <a:avLst/>
@@ -9995,7 +10398,7 @@
             </a:pPr>
             <a:r>
               <a:rPr lang="en"/>
-              <a:t>General Process:</a:t>
+              <a:t>Target Audience</a:t>
             </a:r>
             <a:endParaRPr/>
           </a:p>
@@ -10011,8 +10414,8 @@
         </p:nvSpPr>
         <p:spPr>
           <a:xfrm>
-            <a:off x="2400300" y="1361300"/>
-            <a:ext cx="6321600" cy="3243900"/>
+            <a:off x="2516500" y="1361300"/>
+            <a:ext cx="6205500" cy="3243900"/>
           </a:xfrm>
           <a:prstGeom prst="rect">
             <a:avLst/>
@@ -10024,70 +10427,42 @@
           </a:bodyPr>
           <a:lstStyle/>
           <a:p>
-            <a:pPr indent="-323850" lvl="0" marL="457200" rtl="0" algn="l">
-              <a:spcBef>
-                <a:spcPts val="0"/>
-              </a:spcBef>
-              <a:spcAft>
-                <a:spcPts val="0"/>
-              </a:spcAft>
-              <a:buSzPts val="1500"/>
-              <a:buChar char="●"/>
+            <a:pPr indent="0" lvl="0" marL="0" rtl="0" algn="l">
+              <a:spcBef>
+                <a:spcPts val="0"/>
+              </a:spcBef>
+              <a:spcAft>
+                <a:spcPts val="0"/>
+              </a:spcAft>
+              <a:buNone/>
+            </a:pPr>
+            <a:r>
+              <a:rPr b="1" lang="en" sz="2000">
+                <a:solidFill>
+                  <a:schemeClr val="accent3"/>
+                </a:solidFill>
+              </a:rPr>
+              <a:t>Who is our target audience?</a:t>
+            </a:r>
+            <a:endParaRPr b="1" sz="2000">
+              <a:solidFill>
+                <a:schemeClr val="accent3"/>
+              </a:solidFill>
+            </a:endParaRPr>
+          </a:p>
+          <a:p>
+            <a:pPr indent="0" lvl="0" marL="0" rtl="0" algn="l">
+              <a:spcBef>
+                <a:spcPts val="1600"/>
+              </a:spcBef>
+              <a:spcAft>
+                <a:spcPts val="1200"/>
+              </a:spcAft>
+              <a:buNone/>
             </a:pPr>
             <a:r>
               <a:rPr lang="en" sz="1500"/>
-              <a:t>Performing ETL (Extract, Transform, Load) on our chosen .csv source files via PySpark.</a:t>
-            </a:r>
-            <a:endParaRPr sz="1500"/>
-          </a:p>
-          <a:p>
-            <a:pPr indent="-323850" lvl="0" marL="457200" rtl="0" algn="l">
-              <a:spcBef>
-                <a:spcPts val="0"/>
-              </a:spcBef>
-              <a:spcAft>
-                <a:spcPts val="0"/>
-              </a:spcAft>
-              <a:buSzPts val="1500"/>
-              <a:buChar char="●"/>
-            </a:pPr>
-            <a:r>
-              <a:rPr lang="en" sz="1500"/>
-              <a:t>Storing the data in AWS via PySpark and then transforming it within an SQL session.</a:t>
-            </a:r>
-            <a:endParaRPr sz="1500"/>
-          </a:p>
-          <a:p>
-            <a:pPr indent="-323850" lvl="0" marL="457200" rtl="0" algn="l">
-              <a:spcBef>
-                <a:spcPts val="0"/>
-              </a:spcBef>
-              <a:spcAft>
-                <a:spcPts val="0"/>
-              </a:spcAft>
-              <a:buSzPts val="1500"/>
-              <a:buChar char="●"/>
-            </a:pPr>
-            <a:r>
-              <a:rPr lang="en" sz="1500"/>
-              <a:t>Creating a supervised machine learning model in Jupyter Notebook with the transformed data to predict the results of the NYC mayoral elections.</a:t>
-            </a:r>
-            <a:endParaRPr sz="1500"/>
-          </a:p>
-          <a:p>
-            <a:pPr indent="-330200" lvl="0" marL="457200" rtl="0" algn="l">
-              <a:spcBef>
-                <a:spcPts val="0"/>
-              </a:spcBef>
-              <a:spcAft>
-                <a:spcPts val="0"/>
-              </a:spcAft>
-              <a:buSzPts val="1600"/>
-              <a:buChar char="●"/>
-            </a:pPr>
-            <a:r>
-              <a:rPr lang="en" sz="1600"/>
-              <a:t>Visualizing the results with the Plotly tool and the Tableau software, displaying data distribution, outliers, trends, hypotheses, predictions, and conclusions.</a:t>
+              <a:t>Anyone who is interested in learning about the role in campaign finance in influencing New York City’s mayoral election results.  They can see the impact of contributions and expenditures on a candidate’s performance, and the significance of their impact.</a:t>
             </a:r>
             <a:endParaRPr sz="1500"/>
           </a:p>
@@ -10104,13 +10479,6 @@
 <file path=ppt/slides/slide5.xml><?xml version="1.0" encoding="utf-8"?>
 <p:sld xmlns:a="http://schemas.openxmlformats.org/drawingml/2006/main" xmlns:r="http://schemas.openxmlformats.org/officeDocument/2006/relationships" xmlns:mc="http://schemas.openxmlformats.org/markup-compatibility/2006" xmlns:mv="urn:schemas-microsoft-com:mac:vml" xmlns:p="http://schemas.openxmlformats.org/presentationml/2006/main" xmlns:c="http://schemas.openxmlformats.org/drawingml/2006/chart" xmlns:dgm="http://schemas.openxmlformats.org/drawingml/2006/diagram" xmlns:o="urn:schemas-microsoft-com:office:office" xmlns:v="urn:schemas-microsoft-com:vml" xmlns:pvml="urn:schemas-microsoft-com:office:powerpoint" xmlns:com="http://schemas.openxmlformats.org/drawingml/2006/compatibility" xmlns:p14="http://schemas.microsoft.com/office/powerpoint/2010/main" xmlns:p15="http://schemas.microsoft.com/office/powerpoint/2012/main" xmlns:ahyp="http://schemas.microsoft.com/office/drawing/2018/hyperlinkcolor">
   <p:cSld>
-    <p:bg>
-      <p:bgPr>
-        <a:solidFill>
-          <a:schemeClr val="accent3"/>
-        </a:solidFill>
-      </p:bgPr>
-    </p:bg>
     <p:spTree>
       <p:nvGrpSpPr>
         <p:cNvPr id="95" name="Shape 95"/>
@@ -10135,20 +10503,20 @@
         </p:nvSpPr>
         <p:spPr>
           <a:xfrm>
-            <a:off x="406425" y="1806825"/>
-            <a:ext cx="8296800" cy="1542000"/>
+            <a:off x="2400250" y="575950"/>
+            <a:ext cx="6321600" cy="635400"/>
           </a:xfrm>
           <a:prstGeom prst="rect">
             <a:avLst/>
           </a:prstGeom>
         </p:spPr>
         <p:txBody>
-          <a:bodyPr anchorCtr="0" anchor="ctr" bIns="91425" lIns="91425" spcFirstLastPara="1" rIns="91425" wrap="square" tIns="91425">
+          <a:bodyPr anchorCtr="0" anchor="t" bIns="91425" lIns="91425" spcFirstLastPara="1" rIns="91425" wrap="square" tIns="91425">
             <a:noAutofit/>
           </a:bodyPr>
           <a:lstStyle/>
           <a:p>
-            <a:pPr indent="0" lvl="0" marL="0" rtl="0" algn="ctr">
+            <a:pPr indent="0" lvl="0" marL="0" rtl="0" algn="l">
               <a:spcBef>
                 <a:spcPts val="0"/>
               </a:spcBef>
@@ -10159,9 +10527,101 @@
             </a:pPr>
             <a:r>
               <a:rPr lang="en"/>
-              <a:t>Machine Learning</a:t>
+              <a:t>General Process:</a:t>
             </a:r>
             <a:endParaRPr/>
+          </a:p>
+        </p:txBody>
+      </p:sp>
+      <p:sp>
+        <p:nvSpPr>
+          <p:cNvPr id="97" name="Google Shape;97;p17"/>
+          <p:cNvSpPr txBox="1"/>
+          <p:nvPr>
+            <p:ph idx="1" type="body"/>
+          </p:nvPr>
+        </p:nvSpPr>
+        <p:spPr>
+          <a:xfrm>
+            <a:off x="2400300" y="1361300"/>
+            <a:ext cx="6321600" cy="3243900"/>
+          </a:xfrm>
+          <a:prstGeom prst="rect">
+            <a:avLst/>
+          </a:prstGeom>
+        </p:spPr>
+        <p:txBody>
+          <a:bodyPr anchorCtr="0" anchor="t" bIns="91425" lIns="91425" spcFirstLastPara="1" rIns="91425" wrap="square" tIns="91425">
+            <a:noAutofit/>
+          </a:bodyPr>
+          <a:lstStyle/>
+          <a:p>
+            <a:pPr indent="-323850" lvl="0" marL="457200" rtl="0" algn="l">
+              <a:spcBef>
+                <a:spcPts val="0"/>
+              </a:spcBef>
+              <a:spcAft>
+                <a:spcPts val="0"/>
+              </a:spcAft>
+              <a:buSzPts val="1500"/>
+              <a:buChar char="●"/>
+            </a:pPr>
+            <a:r>
+              <a:rPr lang="en" sz="1500"/>
+              <a:t>Performing ETL (Extract, Transform, Load) on our chosen .csv source files via PySpark.</a:t>
+            </a:r>
+            <a:endParaRPr sz="1500"/>
+          </a:p>
+          <a:p>
+            <a:pPr indent="-323850" lvl="0" marL="457200" rtl="0" algn="l">
+              <a:spcBef>
+                <a:spcPts val="0"/>
+              </a:spcBef>
+              <a:spcAft>
+                <a:spcPts val="0"/>
+              </a:spcAft>
+              <a:buSzPts val="1500"/>
+              <a:buChar char="●"/>
+            </a:pPr>
+            <a:r>
+              <a:rPr lang="en" sz="1500"/>
+              <a:t>Storing the data in AWS via PySpark and then transforming it within an SQL session, performing joins to consolidate data together.</a:t>
+            </a:r>
+            <a:endParaRPr sz="1500"/>
+          </a:p>
+          <a:p>
+            <a:pPr indent="-323850" lvl="0" marL="457200" rtl="0" algn="l">
+              <a:spcBef>
+                <a:spcPts val="0"/>
+              </a:spcBef>
+              <a:spcAft>
+                <a:spcPts val="0"/>
+              </a:spcAft>
+              <a:buSzPts val="1500"/>
+              <a:buChar char="●"/>
+            </a:pPr>
+            <a:r>
+              <a:rPr lang="en" sz="1500"/>
+              <a:t>Creating a supervised machine learning model in Jupyter Notebook with the transformed data to predict the results of the NYC mayoral elections.</a:t>
+            </a:r>
+            <a:endParaRPr sz="1500"/>
+          </a:p>
+          <a:p>
+            <a:pPr indent="-330200" lvl="0" marL="457200" rtl="0" algn="l">
+              <a:spcBef>
+                <a:spcPts val="0"/>
+              </a:spcBef>
+              <a:spcAft>
+                <a:spcPts val="0"/>
+              </a:spcAft>
+              <a:buSzPts val="1600"/>
+              <a:buChar char="●"/>
+            </a:pPr>
+            <a:r>
+              <a:rPr lang="en" sz="1600"/>
+              <a:t>Visualizing the results with the Plotly tool and the Tableau software, displaying data distribution, outliers, trends, hypotheses, predictions, and conclusions.</a:t>
+            </a:r>
+            <a:endParaRPr sz="1500"/>
           </a:p>
         </p:txBody>
       </p:sp>
@@ -10176,9 +10636,16 @@
 <file path=ppt/slides/slide6.xml><?xml version="1.0" encoding="utf-8"?>
 <p:sld xmlns:a="http://schemas.openxmlformats.org/drawingml/2006/main" xmlns:r="http://schemas.openxmlformats.org/officeDocument/2006/relationships" xmlns:mc="http://schemas.openxmlformats.org/markup-compatibility/2006" xmlns:mv="urn:schemas-microsoft-com:mac:vml" xmlns:p="http://schemas.openxmlformats.org/presentationml/2006/main" xmlns:c="http://schemas.openxmlformats.org/drawingml/2006/chart" xmlns:dgm="http://schemas.openxmlformats.org/drawingml/2006/diagram" xmlns:o="urn:schemas-microsoft-com:office:office" xmlns:v="urn:schemas-microsoft-com:vml" xmlns:pvml="urn:schemas-microsoft-com:office:powerpoint" xmlns:com="http://schemas.openxmlformats.org/drawingml/2006/compatibility" xmlns:p14="http://schemas.microsoft.com/office/powerpoint/2010/main" xmlns:p15="http://schemas.microsoft.com/office/powerpoint/2012/main" xmlns:ahyp="http://schemas.microsoft.com/office/drawing/2018/hyperlinkcolor">
   <p:cSld>
+    <p:bg>
+      <p:bgPr>
+        <a:solidFill>
+          <a:schemeClr val="accent3"/>
+        </a:solidFill>
+      </p:bgPr>
+    </p:bg>
     <p:spTree>
       <p:nvGrpSpPr>
-        <p:cNvPr id="100" name="Shape 100"/>
+        <p:cNvPr id="101" name="Shape 101"/>
         <p:cNvGrpSpPr/>
         <p:nvPr/>
       </p:nvGrpSpPr>
@@ -10192,7 +10659,7 @@
       </p:grpSpPr>
       <p:sp>
         <p:nvSpPr>
-          <p:cNvPr id="101" name="Google Shape;101;p18"/>
+          <p:cNvPr id="102" name="Google Shape;102;p18"/>
           <p:cNvSpPr txBox="1"/>
           <p:nvPr>
             <p:ph type="title"/>
@@ -10200,20 +10667,20 @@
         </p:nvSpPr>
         <p:spPr>
           <a:xfrm>
-            <a:off x="2400250" y="575950"/>
-            <a:ext cx="6321600" cy="635400"/>
+            <a:off x="406425" y="1806825"/>
+            <a:ext cx="8296800" cy="1542000"/>
           </a:xfrm>
           <a:prstGeom prst="rect">
             <a:avLst/>
           </a:prstGeom>
         </p:spPr>
         <p:txBody>
-          <a:bodyPr anchorCtr="0" anchor="t" bIns="91425" lIns="91425" spcFirstLastPara="1" rIns="91425" wrap="square" tIns="91425">
+          <a:bodyPr anchorCtr="0" anchor="ctr" bIns="91425" lIns="91425" spcFirstLastPara="1" rIns="91425" wrap="square" tIns="91425">
             <a:noAutofit/>
           </a:bodyPr>
           <a:lstStyle/>
           <a:p>
-            <a:pPr indent="0" lvl="0" marL="0" rtl="0" algn="l">
+            <a:pPr indent="0" lvl="0" marL="0" rtl="0" algn="ctr">
               <a:spcBef>
                 <a:spcPts val="0"/>
               </a:spcBef>
@@ -10224,118 +10691,9 @@
             </a:pPr>
             <a:r>
               <a:rPr lang="en"/>
-              <a:t>Machine Learning:</a:t>
+              <a:t>Data Visualization</a:t>
             </a:r>
             <a:endParaRPr/>
-          </a:p>
-        </p:txBody>
-      </p:sp>
-      <p:sp>
-        <p:nvSpPr>
-          <p:cNvPr id="102" name="Google Shape;102;p18"/>
-          <p:cNvSpPr txBox="1"/>
-          <p:nvPr>
-            <p:ph idx="1" type="body"/>
-          </p:nvPr>
-        </p:nvSpPr>
-        <p:spPr>
-          <a:xfrm>
-            <a:off x="2400300" y="1361300"/>
-            <a:ext cx="6321600" cy="3243900"/>
-          </a:xfrm>
-          <a:prstGeom prst="rect">
-            <a:avLst/>
-          </a:prstGeom>
-        </p:spPr>
-        <p:txBody>
-          <a:bodyPr anchorCtr="0" anchor="t" bIns="91425" lIns="91425" spcFirstLastPara="1" rIns="91425" wrap="square" tIns="91425">
-            <a:noAutofit/>
-          </a:bodyPr>
-          <a:lstStyle/>
-          <a:p>
-            <a:pPr indent="-330200" lvl="0" marL="457200" rtl="0" algn="l">
-              <a:spcBef>
-                <a:spcPts val="0"/>
-              </a:spcBef>
-              <a:spcAft>
-                <a:spcPts val="0"/>
-              </a:spcAft>
-              <a:buSzPts val="1600"/>
-              <a:buChar char="●"/>
-            </a:pPr>
-            <a:r>
-              <a:rPr lang="en" sz="1600"/>
-              <a:t>We selected the Balanced Random Forest algorithm for our project to randomly undersample our data to balance it.</a:t>
-            </a:r>
-            <a:endParaRPr sz="1600"/>
-          </a:p>
-          <a:p>
-            <a:pPr indent="-330200" lvl="0" marL="457200" rtl="0" algn="l">
-              <a:spcBef>
-                <a:spcPts val="0"/>
-              </a:spcBef>
-              <a:spcAft>
-                <a:spcPts val="0"/>
-              </a:spcAft>
-              <a:buSzPts val="1600"/>
-              <a:buChar char="●"/>
-            </a:pPr>
-            <a:r>
-              <a:rPr lang="en" sz="1600"/>
-              <a:t>We chose a supervised learning approach, and despite already knowing the outcome, we used our data to see if the machine learning prediction matched said outcome.</a:t>
-            </a:r>
-            <a:endParaRPr sz="1600"/>
-          </a:p>
-          <a:p>
-            <a:pPr indent="-330200" lvl="0" marL="457200" rtl="0" algn="l">
-              <a:spcBef>
-                <a:spcPts val="0"/>
-              </a:spcBef>
-              <a:spcAft>
-                <a:spcPts val="0"/>
-              </a:spcAft>
-              <a:buSzPts val="1600"/>
-              <a:buChar char="●"/>
-            </a:pPr>
-            <a:r>
-              <a:rPr lang="en" sz="1600"/>
-              <a:t>We encoded the data using LabelEncoder to numerically process string values in our data.</a:t>
-            </a:r>
-            <a:endParaRPr sz="1600"/>
-          </a:p>
-          <a:p>
-            <a:pPr indent="-330200" lvl="0" marL="457200" rtl="0" algn="l">
-              <a:spcBef>
-                <a:spcPts val="0"/>
-              </a:spcBef>
-              <a:spcAft>
-                <a:spcPts val="0"/>
-              </a:spcAft>
-              <a:buSzPts val="1600"/>
-              <a:buChar char="●"/>
-            </a:pPr>
-            <a:r>
-              <a:rPr lang="en" sz="1600"/>
-              <a:t>We then tested our data using a train-test split model at a 70/30 ratio to carry out our predictions.</a:t>
-            </a:r>
-            <a:endParaRPr sz="1600"/>
-          </a:p>
-          <a:p>
-            <a:pPr indent="-330200" lvl="0" marL="457200" rtl="0" algn="l">
-              <a:spcBef>
-                <a:spcPts val="0"/>
-              </a:spcBef>
-              <a:spcAft>
-                <a:spcPts val="0"/>
-              </a:spcAft>
-              <a:buSzPts val="1600"/>
-              <a:buChar char="●"/>
-            </a:pPr>
-            <a:r>
-              <a:rPr lang="en" sz="1600"/>
-              <a:t>Finally, we created visualizations of our ML results to graphically present them for analysis.</a:t>
-            </a:r>
-            <a:endParaRPr sz="1600"/>
           </a:p>
         </p:txBody>
       </p:sp>
@@ -10350,13 +10708,6 @@
 <file path=ppt/slides/slide7.xml><?xml version="1.0" encoding="utf-8"?>
 <p:sld xmlns:a="http://schemas.openxmlformats.org/drawingml/2006/main" xmlns:r="http://schemas.openxmlformats.org/officeDocument/2006/relationships" xmlns:mc="http://schemas.openxmlformats.org/markup-compatibility/2006" xmlns:mv="urn:schemas-microsoft-com:mac:vml" xmlns:p="http://schemas.openxmlformats.org/presentationml/2006/main" xmlns:c="http://schemas.openxmlformats.org/drawingml/2006/chart" xmlns:dgm="http://schemas.openxmlformats.org/drawingml/2006/diagram" xmlns:o="urn:schemas-microsoft-com:office:office" xmlns:v="urn:schemas-microsoft-com:vml" xmlns:pvml="urn:schemas-microsoft-com:office:powerpoint" xmlns:com="http://schemas.openxmlformats.org/drawingml/2006/compatibility" xmlns:p14="http://schemas.microsoft.com/office/powerpoint/2010/main" xmlns:p15="http://schemas.microsoft.com/office/powerpoint/2012/main" xmlns:ahyp="http://schemas.microsoft.com/office/drawing/2018/hyperlinkcolor">
   <p:cSld>
-    <p:bg>
-      <p:bgPr>
-        <a:solidFill>
-          <a:schemeClr val="accent3"/>
-        </a:solidFill>
-      </p:bgPr>
-    </p:bg>
     <p:spTree>
       <p:nvGrpSpPr>
         <p:cNvPr id="106" name="Shape 106"/>
@@ -10381,71 +10732,6 @@
         </p:nvSpPr>
         <p:spPr>
           <a:xfrm>
-            <a:off x="406425" y="1806825"/>
-            <a:ext cx="8296800" cy="1542000"/>
-          </a:xfrm>
-          <a:prstGeom prst="rect">
-            <a:avLst/>
-          </a:prstGeom>
-        </p:spPr>
-        <p:txBody>
-          <a:bodyPr anchorCtr="0" anchor="ctr" bIns="91425" lIns="91425" spcFirstLastPara="1" rIns="91425" wrap="square" tIns="91425">
-            <a:noAutofit/>
-          </a:bodyPr>
-          <a:lstStyle/>
-          <a:p>
-            <a:pPr indent="0" lvl="0" marL="0" rtl="0" algn="ctr">
-              <a:spcBef>
-                <a:spcPts val="0"/>
-              </a:spcBef>
-              <a:spcAft>
-                <a:spcPts val="0"/>
-              </a:spcAft>
-              <a:buNone/>
-            </a:pPr>
-            <a:r>
-              <a:rPr lang="en"/>
-              <a:t>Data Visualization</a:t>
-            </a:r>
-            <a:endParaRPr/>
-          </a:p>
-        </p:txBody>
-      </p:sp>
-    </p:spTree>
-  </p:cSld>
-  <p:clrMapOvr>
-    <a:masterClrMapping/>
-  </p:clrMapOvr>
-</p:sld>
-</file>
-
-<file path=ppt/slides/slide8.xml><?xml version="1.0" encoding="utf-8"?>
-<p:sld xmlns:a="http://schemas.openxmlformats.org/drawingml/2006/main" xmlns:r="http://schemas.openxmlformats.org/officeDocument/2006/relationships" xmlns:mc="http://schemas.openxmlformats.org/markup-compatibility/2006" xmlns:mv="urn:schemas-microsoft-com:mac:vml" xmlns:p="http://schemas.openxmlformats.org/presentationml/2006/main" xmlns:c="http://schemas.openxmlformats.org/drawingml/2006/chart" xmlns:dgm="http://schemas.openxmlformats.org/drawingml/2006/diagram" xmlns:o="urn:schemas-microsoft-com:office:office" xmlns:v="urn:schemas-microsoft-com:vml" xmlns:pvml="urn:schemas-microsoft-com:office:powerpoint" xmlns:com="http://schemas.openxmlformats.org/drawingml/2006/compatibility" xmlns:p14="http://schemas.microsoft.com/office/powerpoint/2010/main" xmlns:p15="http://schemas.microsoft.com/office/powerpoint/2012/main" xmlns:ahyp="http://schemas.microsoft.com/office/drawing/2018/hyperlinkcolor">
-  <p:cSld>
-    <p:spTree>
-      <p:nvGrpSpPr>
-        <p:cNvPr id="111" name="Shape 111"/>
-        <p:cNvGrpSpPr/>
-        <p:nvPr/>
-      </p:nvGrpSpPr>
-      <p:grpSpPr>
-        <a:xfrm>
-          <a:off x="0" y="0"/>
-          <a:ext cx="0" cy="0"/>
-          <a:chOff x="0" y="0"/>
-          <a:chExt cx="0" cy="0"/>
-        </a:xfrm>
-      </p:grpSpPr>
-      <p:sp>
-        <p:nvSpPr>
-          <p:cNvPr id="112" name="Google Shape;112;p20"/>
-          <p:cNvSpPr txBox="1"/>
-          <p:nvPr>
-            <p:ph type="title"/>
-          </p:nvPr>
-        </p:nvSpPr>
-        <p:spPr>
-          <a:xfrm>
             <a:off x="2435625" y="575950"/>
             <a:ext cx="6286200" cy="635400"/>
           </a:xfrm>
@@ -10498,7 +10784,7 @@
       </p:sp>
       <p:sp>
         <p:nvSpPr>
-          <p:cNvPr id="113" name="Google Shape;113;p20"/>
+          <p:cNvPr id="108" name="Google Shape;108;p19"/>
           <p:cNvSpPr txBox="1"/>
           <p:nvPr>
             <p:ph idx="1" type="body"/>
@@ -10681,7 +10967,7 @@
       </p:sp>
       <p:sp>
         <p:nvSpPr>
-          <p:cNvPr id="114" name="Google Shape;114;p20"/>
+          <p:cNvPr id="109" name="Google Shape;109;p19"/>
           <p:cNvSpPr txBox="1"/>
           <p:nvPr>
             <p:ph idx="2" type="body"/>
@@ -10751,12 +11037,12 @@
 </p:sld>
 </file>
 
-<file path=ppt/slides/slide9.xml><?xml version="1.0" encoding="utf-8"?>
+<file path=ppt/slides/slide8.xml><?xml version="1.0" encoding="utf-8"?>
 <p:sld xmlns:a="http://schemas.openxmlformats.org/drawingml/2006/main" xmlns:r="http://schemas.openxmlformats.org/officeDocument/2006/relationships" xmlns:mc="http://schemas.openxmlformats.org/markup-compatibility/2006" xmlns:mv="urn:schemas-microsoft-com:mac:vml" xmlns:p="http://schemas.openxmlformats.org/presentationml/2006/main" xmlns:c="http://schemas.openxmlformats.org/drawingml/2006/chart" xmlns:dgm="http://schemas.openxmlformats.org/drawingml/2006/diagram" xmlns:o="urn:schemas-microsoft-com:office:office" xmlns:v="urn:schemas-microsoft-com:vml" xmlns:pvml="urn:schemas-microsoft-com:office:powerpoint" xmlns:com="http://schemas.openxmlformats.org/drawingml/2006/compatibility" xmlns:p14="http://schemas.microsoft.com/office/powerpoint/2010/main" xmlns:p15="http://schemas.microsoft.com/office/powerpoint/2012/main" xmlns:ahyp="http://schemas.microsoft.com/office/drawing/2018/hyperlinkcolor">
   <p:cSld>
     <p:spTree>
       <p:nvGrpSpPr>
-        <p:cNvPr id="118" name="Shape 118"/>
+        <p:cNvPr id="113" name="Shape 113"/>
         <p:cNvGrpSpPr/>
         <p:nvPr/>
       </p:nvGrpSpPr>
@@ -10770,7 +11056,7 @@
       </p:grpSpPr>
       <p:sp>
         <p:nvSpPr>
-          <p:cNvPr id="119" name="Google Shape;119;p21"/>
+          <p:cNvPr id="114" name="Google Shape;114;p20"/>
           <p:cNvSpPr txBox="1"/>
           <p:nvPr>
             <p:ph type="title"/>
@@ -10802,7 +11088,7 @@
             </a:pPr>
             <a:r>
               <a:rPr lang="en"/>
-              <a:t>Target Audience</a:t>
+              <a:t>Analysis</a:t>
             </a:r>
             <a:endParaRPr/>
           </a:p>
@@ -10810,15 +11096,15 @@
       </p:sp>
       <p:sp>
         <p:nvSpPr>
-          <p:cNvPr id="120" name="Google Shape;120;p21"/>
+          <p:cNvPr id="115" name="Google Shape;115;p20"/>
           <p:cNvSpPr txBox="1"/>
           <p:nvPr>
-            <p:ph idx="1" type="body"/>
+            <p:ph idx="2" type="body"/>
           </p:nvPr>
         </p:nvSpPr>
         <p:spPr>
           <a:xfrm>
-            <a:off x="2516500" y="1361300"/>
+            <a:off x="2516500" y="1361175"/>
             <a:ext cx="6205500" cy="3243900"/>
           </a:xfrm>
           <a:prstGeom prst="rect">
@@ -10846,7 +11132,7 @@
                   <a:schemeClr val="accent3"/>
                 </a:solidFill>
               </a:rPr>
-              <a:t>Who is our target audience?</a:t>
+              <a:t>What will our visualizations tell us?</a:t>
             </a:r>
             <a:endParaRPr b="1" sz="2000">
               <a:solidFill>
@@ -10866,9 +11152,138 @@
             </a:pPr>
             <a:r>
               <a:rPr lang="en" sz="1500"/>
-              <a:t>Anyone who is interested in learning about the role in campaign finance in influencing New York City’s mayoral election results.  They can see the impact of contributions and expenditures on a candidate’s performance, and whether the impact is not negligible.</a:t>
+              <a:t>We are going to include election year data from 2001 to 2021.  As of now, we have made a few visualizations for the 2017 election year.  Also, we have only worked with the individual contributions for that year.  This coming week, we are going to focus on adding data sources for the remaining years as well.  Past that, we will include committee contributions, expenditure data, as well as total votes received by the top two candidates in order to get a full picture.</a:t>
             </a:r>
-            <a:endParaRPr sz="1500"/>
+            <a:endParaRPr sz="1700"/>
+          </a:p>
+        </p:txBody>
+      </p:sp>
+    </p:spTree>
+  </p:cSld>
+  <p:clrMapOvr>
+    <a:masterClrMapping/>
+  </p:clrMapOvr>
+</p:sld>
+</file>
+
+<file path=ppt/slides/slide9.xml><?xml version="1.0" encoding="utf-8"?>
+<p:sld xmlns:a="http://schemas.openxmlformats.org/drawingml/2006/main" xmlns:r="http://schemas.openxmlformats.org/officeDocument/2006/relationships" xmlns:mc="http://schemas.openxmlformats.org/markup-compatibility/2006" xmlns:mv="urn:schemas-microsoft-com:mac:vml" xmlns:p="http://schemas.openxmlformats.org/presentationml/2006/main" xmlns:c="http://schemas.openxmlformats.org/drawingml/2006/chart" xmlns:dgm="http://schemas.openxmlformats.org/drawingml/2006/diagram" xmlns:o="urn:schemas-microsoft-com:office:office" xmlns:v="urn:schemas-microsoft-com:vml" xmlns:pvml="urn:schemas-microsoft-com:office:powerpoint" xmlns:com="http://schemas.openxmlformats.org/drawingml/2006/compatibility" xmlns:p14="http://schemas.microsoft.com/office/powerpoint/2010/main" xmlns:p15="http://schemas.microsoft.com/office/powerpoint/2012/main" xmlns:ahyp="http://schemas.microsoft.com/office/drawing/2018/hyperlinkcolor">
+  <p:cSld>
+    <p:spTree>
+      <p:nvGrpSpPr>
+        <p:cNvPr id="119" name="Shape 119"/>
+        <p:cNvGrpSpPr/>
+        <p:nvPr/>
+      </p:nvGrpSpPr>
+      <p:grpSpPr>
+        <a:xfrm>
+          <a:off x="0" y="0"/>
+          <a:ext cx="0" cy="0"/>
+          <a:chOff x="0" y="0"/>
+          <a:chExt cx="0" cy="0"/>
+        </a:xfrm>
+      </p:grpSpPr>
+      <p:sp>
+        <p:nvSpPr>
+          <p:cNvPr id="120" name="Google Shape;120;p21"/>
+          <p:cNvSpPr txBox="1"/>
+          <p:nvPr>
+            <p:ph type="title"/>
+          </p:nvPr>
+        </p:nvSpPr>
+        <p:spPr>
+          <a:xfrm>
+            <a:off x="2516550" y="575950"/>
+            <a:ext cx="6205500" cy="635400"/>
+          </a:xfrm>
+          <a:prstGeom prst="rect">
+            <a:avLst/>
+          </a:prstGeom>
+        </p:spPr>
+        <p:txBody>
+          <a:bodyPr anchorCtr="0" anchor="t" bIns="91425" lIns="91425" spcFirstLastPara="1" rIns="91425" wrap="square" tIns="91425">
+            <a:noAutofit/>
+          </a:bodyPr>
+          <a:lstStyle/>
+          <a:p>
+            <a:pPr indent="0" lvl="0" marL="0" rtl="0" algn="l">
+              <a:spcBef>
+                <a:spcPts val="0"/>
+              </a:spcBef>
+              <a:spcAft>
+                <a:spcPts val="0"/>
+              </a:spcAft>
+              <a:buNone/>
+            </a:pPr>
+            <a:r>
+              <a:rPr lang="en"/>
+              <a:t>Analysis (continued)</a:t>
+            </a:r>
+            <a:endParaRPr/>
+          </a:p>
+        </p:txBody>
+      </p:sp>
+      <p:sp>
+        <p:nvSpPr>
+          <p:cNvPr id="121" name="Google Shape;121;p21"/>
+          <p:cNvSpPr txBox="1"/>
+          <p:nvPr>
+            <p:ph idx="2" type="body"/>
+          </p:nvPr>
+        </p:nvSpPr>
+        <p:spPr>
+          <a:xfrm>
+            <a:off x="2516500" y="1361175"/>
+            <a:ext cx="6205500" cy="3243900"/>
+          </a:xfrm>
+          <a:prstGeom prst="rect">
+            <a:avLst/>
+          </a:prstGeom>
+        </p:spPr>
+        <p:txBody>
+          <a:bodyPr anchorCtr="0" anchor="t" bIns="91425" lIns="91425" spcFirstLastPara="1" rIns="91425" wrap="square" tIns="91425">
+            <a:noAutofit/>
+          </a:bodyPr>
+          <a:lstStyle/>
+          <a:p>
+            <a:pPr indent="0" lvl="0" marL="0" rtl="0" algn="l">
+              <a:spcBef>
+                <a:spcPts val="0"/>
+              </a:spcBef>
+              <a:spcAft>
+                <a:spcPts val="0"/>
+              </a:spcAft>
+              <a:buNone/>
+            </a:pPr>
+            <a:r>
+              <a:rPr b="1" lang="en" sz="2000">
+                <a:solidFill>
+                  <a:schemeClr val="accent3"/>
+                </a:solidFill>
+              </a:rPr>
+              <a:t>How do we add interactive elements to our dashboard?</a:t>
+            </a:r>
+            <a:endParaRPr b="1" sz="2000">
+              <a:solidFill>
+                <a:schemeClr val="accent3"/>
+              </a:solidFill>
+            </a:endParaRPr>
+          </a:p>
+          <a:p>
+            <a:pPr indent="0" lvl="0" marL="0" rtl="0" algn="l">
+              <a:spcBef>
+                <a:spcPts val="1600"/>
+              </a:spcBef>
+              <a:spcAft>
+                <a:spcPts val="1200"/>
+              </a:spcAft>
+              <a:buNone/>
+            </a:pPr>
+            <a:r>
+              <a:rPr lang="en" sz="1500"/>
+              <a:t>We are going to include election year data from 2001 to 2021.  As of now, we have made a few visualizations for the 2017 election year.  Also, we have only worked with the individual contributions for that year.  This coming week, we are going to focus on adding data sources for the remaining years as well.  Beyond that, we will include committee contributions, expenditure data, as well as total votes received by the top two candidates to derive a full picture.</a:t>
+            </a:r>
+            <a:endParaRPr sz="1700"/>
           </a:p>
         </p:txBody>
       </p:sp>
@@ -10881,6 +11296,285 @@
 </file>
 
 <file path=ppt/theme/theme1.xml><?xml version="1.0" encoding="utf-8"?>
+<a:theme xmlns:a="http://schemas.openxmlformats.org/drawingml/2006/main" xmlns:r="http://schemas.openxmlformats.org/officeDocument/2006/relationships">
+  <a:themeElements>
+    <a:clrScheme name="Default">
+      <a:dk1>
+        <a:srgbClr val="000000"/>
+      </a:dk1>
+      <a:lt1>
+        <a:srgbClr val="FFFFFF"/>
+      </a:lt1>
+      <a:dk2>
+        <a:srgbClr val="158158"/>
+      </a:dk2>
+      <a:lt2>
+        <a:srgbClr val="F3F3F3"/>
+      </a:lt2>
+      <a:accent1>
+        <a:srgbClr val="058DC7"/>
+      </a:accent1>
+      <a:accent2>
+        <a:srgbClr val="50B432"/>
+      </a:accent2>
+      <a:accent3>
+        <a:srgbClr val="ED561B"/>
+      </a:accent3>
+      <a:accent4>
+        <a:srgbClr val="EDEF00"/>
+      </a:accent4>
+      <a:accent5>
+        <a:srgbClr val="24CBE5"/>
+      </a:accent5>
+      <a:accent6>
+        <a:srgbClr val="64E572"/>
+      </a:accent6>
+      <a:hlink>
+        <a:srgbClr val="2200CC"/>
+      </a:hlink>
+      <a:folHlink>
+        <a:srgbClr val="551A8B"/>
+      </a:folHlink>
+    </a:clrScheme>
+    <a:fontScheme name="Office">
+      <a:majorFont>
+        <a:latin typeface="Arial"/>
+        <a:ea typeface=""/>
+        <a:cs typeface=""/>
+        <a:font script="Jpan" typeface="ＭＳ Ｐゴシック"/>
+        <a:font script="Hang" typeface="맑은 고딕"/>
+        <a:font script="Hans" typeface="宋体"/>
+        <a:font script="Hant" typeface="新細明體"/>
+        <a:font script="Arab" typeface="Times New Roman"/>
+        <a:font script="Hebr" typeface="Times New Roman"/>
+        <a:font script="Thai" typeface="Angsana New"/>
+        <a:font script="Ethi" typeface="Nyala"/>
+        <a:font script="Beng" typeface="Vrinda"/>
+        <a:font script="Gujr" typeface="Shruti"/>
+        <a:font script="Khmr" typeface="MoolBoran"/>
+        <a:font script="Knda" typeface="Tunga"/>
+        <a:font script="Guru" typeface="Raavi"/>
+        <a:font script="Cans" typeface="Euphemia"/>
+        <a:font script="Cher" typeface="Plantagenet Cherokee"/>
+        <a:font script="Yiii" typeface="Microsoft Yi Baiti"/>
+        <a:font script="Tibt" typeface="Microsoft Himalaya"/>
+        <a:font script="Thaa" typeface="MV Boli"/>
+        <a:font script="Deva" typeface="Mangal"/>
+        <a:font script="Telu" typeface="Gautami"/>
+        <a:font script="Taml" typeface="Latha"/>
+        <a:font script="Syrc" typeface="Estrangelo Edessa"/>
+        <a:font script="Orya" typeface="Kalinga"/>
+        <a:font script="Mlym" typeface="Kartika"/>
+        <a:font script="Laoo" typeface="DokChampa"/>
+        <a:font script="Sinh" typeface="Iskoola Pota"/>
+        <a:font script="Mong" typeface="Mongolian Baiti"/>
+        <a:font script="Viet" typeface="Times New Roman"/>
+        <a:font script="Uigh" typeface="Microsoft Uighur"/>
+        <a:font script="Geor" typeface="Sylfaen"/>
+      </a:majorFont>
+      <a:minorFont>
+        <a:latin typeface="Arial"/>
+        <a:ea typeface=""/>
+        <a:cs typeface=""/>
+        <a:font script="Jpan" typeface="ＭＳ Ｐゴシック"/>
+        <a:font script="Hang" typeface="맑은 고딕"/>
+        <a:font script="Hans" typeface="宋体"/>
+        <a:font script="Hant" typeface="新細明體"/>
+        <a:font script="Arab" typeface="Arial"/>
+        <a:font script="Hebr" typeface="Arial"/>
+        <a:font script="Thai" typeface="Cordia New"/>
+        <a:font script="Ethi" typeface="Nyala"/>
+        <a:font script="Beng" typeface="Vrinda"/>
+        <a:font script="Gujr" typeface="Shruti"/>
+        <a:font script="Khmr" typeface="DaunPenh"/>
+        <a:font script="Knda" typeface="Tunga"/>
+        <a:font script="Guru" typeface="Raavi"/>
+        <a:font script="Cans" typeface="Euphemia"/>
+        <a:font script="Cher" typeface="Plantagenet Cherokee"/>
+        <a:font script="Yiii" typeface="Microsoft Yi Baiti"/>
+        <a:font script="Tibt" typeface="Microsoft Himalaya"/>
+        <a:font script="Thaa" typeface="MV Boli"/>
+        <a:font script="Deva" typeface="Mangal"/>
+        <a:font script="Telu" typeface="Gautami"/>
+        <a:font script="Taml" typeface="Latha"/>
+        <a:font script="Syrc" typeface="Estrangelo Edessa"/>
+        <a:font script="Orya" typeface="Kalinga"/>
+        <a:font script="Mlym" typeface="Kartika"/>
+        <a:font script="Laoo" typeface="DokChampa"/>
+        <a:font script="Sinh" typeface="Iskoola Pota"/>
+        <a:font script="Mong" typeface="Mongolian Baiti"/>
+        <a:font script="Viet" typeface="Arial"/>
+        <a:font script="Uigh" typeface="Microsoft Uighur"/>
+        <a:font script="Geor" typeface="Sylfaen"/>
+      </a:minorFont>
+    </a:fontScheme>
+    <a:fmtScheme name="Office">
+      <a:fillStyleLst>
+        <a:solidFill>
+          <a:schemeClr val="phClr"/>
+        </a:solidFill>
+        <a:gradFill rotWithShape="1">
+          <a:gsLst>
+            <a:gs pos="0">
+              <a:schemeClr val="phClr">
+                <a:tint val="50000"/>
+                <a:satMod val="300000"/>
+              </a:schemeClr>
+            </a:gs>
+            <a:gs pos="35000">
+              <a:schemeClr val="phClr">
+                <a:tint val="37000"/>
+                <a:satMod val="300000"/>
+              </a:schemeClr>
+            </a:gs>
+            <a:gs pos="100000">
+              <a:schemeClr val="phClr">
+                <a:tint val="15000"/>
+                <a:satMod val="350000"/>
+              </a:schemeClr>
+            </a:gs>
+          </a:gsLst>
+          <a:lin ang="16200000" scaled="1"/>
+        </a:gradFill>
+        <a:gradFill rotWithShape="1">
+          <a:gsLst>
+            <a:gs pos="0">
+              <a:schemeClr val="phClr">
+                <a:tint val="100000"/>
+                <a:shade val="100000"/>
+                <a:satMod val="130000"/>
+              </a:schemeClr>
+            </a:gs>
+            <a:gs pos="100000">
+              <a:schemeClr val="phClr">
+                <a:tint val="50000"/>
+                <a:shade val="100000"/>
+                <a:satMod val="350000"/>
+              </a:schemeClr>
+            </a:gs>
+          </a:gsLst>
+          <a:lin ang="16200000" scaled="0"/>
+        </a:gradFill>
+      </a:fillStyleLst>
+      <a:lnStyleLst>
+        <a:ln w="9525" cap="flat" cmpd="sng" algn="ctr">
+          <a:solidFill>
+            <a:schemeClr val="phClr">
+              <a:shade val="95000"/>
+              <a:satMod val="105000"/>
+            </a:schemeClr>
+          </a:solidFill>
+          <a:prstDash val="solid"/>
+        </a:ln>
+        <a:ln w="25400" cap="flat" cmpd="sng" algn="ctr">
+          <a:solidFill>
+            <a:schemeClr val="phClr"/>
+          </a:solidFill>
+          <a:prstDash val="solid"/>
+        </a:ln>
+        <a:ln w="38100" cap="flat" cmpd="sng" algn="ctr">
+          <a:solidFill>
+            <a:schemeClr val="phClr"/>
+          </a:solidFill>
+          <a:prstDash val="solid"/>
+        </a:ln>
+      </a:lnStyleLst>
+      <a:effectStyleLst>
+        <a:effectStyle>
+          <a:effectLst>
+            <a:outerShdw blurRad="40000" dist="20000" dir="5400000" rotWithShape="0">
+              <a:srgbClr val="000000">
+                <a:alpha val="38000"/>
+              </a:srgbClr>
+            </a:outerShdw>
+          </a:effectLst>
+        </a:effectStyle>
+        <a:effectStyle>
+          <a:effectLst>
+            <a:outerShdw blurRad="40000" dist="23000" dir="5400000" rotWithShape="0">
+              <a:srgbClr val="000000">
+                <a:alpha val="35000"/>
+              </a:srgbClr>
+            </a:outerShdw>
+          </a:effectLst>
+        </a:effectStyle>
+        <a:effectStyle>
+          <a:effectLst>
+            <a:outerShdw blurRad="40000" dist="23000" dir="5400000" rotWithShape="0">
+              <a:srgbClr val="000000">
+                <a:alpha val="35000"/>
+              </a:srgbClr>
+            </a:outerShdw>
+          </a:effectLst>
+          <a:scene3d>
+            <a:camera prst="orthographicFront">
+              <a:rot lat="0" lon="0" rev="0"/>
+            </a:camera>
+            <a:lightRig rig="threePt" dir="t">
+              <a:rot lat="0" lon="0" rev="1200000"/>
+            </a:lightRig>
+          </a:scene3d>
+          <a:sp3d>
+            <a:bevelT w="63500" h="25400"/>
+          </a:sp3d>
+        </a:effectStyle>
+      </a:effectStyleLst>
+      <a:bgFillStyleLst>
+        <a:solidFill>
+          <a:schemeClr val="phClr"/>
+        </a:solidFill>
+        <a:gradFill rotWithShape="1">
+          <a:gsLst>
+            <a:gs pos="0">
+              <a:schemeClr val="phClr">
+                <a:tint val="40000"/>
+                <a:satMod val="350000"/>
+              </a:schemeClr>
+            </a:gs>
+            <a:gs pos="40000">
+              <a:schemeClr val="phClr">
+                <a:tint val="45000"/>
+                <a:shade val="99000"/>
+                <a:satMod val="350000"/>
+              </a:schemeClr>
+            </a:gs>
+            <a:gs pos="100000">
+              <a:schemeClr val="phClr">
+                <a:shade val="20000"/>
+                <a:satMod val="255000"/>
+              </a:schemeClr>
+            </a:gs>
+          </a:gsLst>
+          <a:path path="circle">
+            <a:fillToRect l="50000" t="-80000" r="50000" b="180000"/>
+          </a:path>
+        </a:gradFill>
+        <a:gradFill rotWithShape="1">
+          <a:gsLst>
+            <a:gs pos="0">
+              <a:schemeClr val="phClr">
+                <a:tint val="80000"/>
+                <a:satMod val="300000"/>
+              </a:schemeClr>
+            </a:gs>
+            <a:gs pos="100000">
+              <a:schemeClr val="phClr">
+                <a:shade val="30000"/>
+                <a:satMod val="200000"/>
+              </a:schemeClr>
+            </a:gs>
+          </a:gsLst>
+          <a:path path="circle">
+            <a:fillToRect l="50000" t="50000" r="50000" b="50000"/>
+          </a:path>
+        </a:gradFill>
+      </a:bgFillStyleLst>
+    </a:fmtScheme>
+  </a:themeElements>
+</a:theme>
+</file>
+
+<file path=ppt/theme/theme2.xml><?xml version="1.0" encoding="utf-8"?>
 <a:theme xmlns:a="http://schemas.openxmlformats.org/drawingml/2006/main" xmlns:r="http://schemas.openxmlformats.org/officeDocument/2006/relationships" name="Swiss">
   <a:themeElements>
     <a:clrScheme name="Swiss">
@@ -11157,283 +11851,4 @@
     </a:fmtScheme>
   </a:themeElements>
 </a:theme>
-</file>
-
-<file path=ppt/theme/theme2.xml><?xml version="1.0" encoding="utf-8"?>
-<a:theme xmlns:a="http://schemas.openxmlformats.org/drawingml/2006/main" xmlns:r="http://schemas.openxmlformats.org/officeDocument/2006/relationships">
-  <a:themeElements>
-    <a:clrScheme name="Default">
-      <a:dk1>
-        <a:srgbClr val="000000"/>
-      </a:dk1>
-      <a:lt1>
-        <a:srgbClr val="FFFFFF"/>
-      </a:lt1>
-      <a:dk2>
-        <a:srgbClr val="158158"/>
-      </a:dk2>
-      <a:lt2>
-        <a:srgbClr val="F3F3F3"/>
-      </a:lt2>
-      <a:accent1>
-        <a:srgbClr val="058DC7"/>
-      </a:accent1>
-      <a:accent2>
-        <a:srgbClr val="50B432"/>
-      </a:accent2>
-      <a:accent3>
-        <a:srgbClr val="ED561B"/>
-      </a:accent3>
-      <a:accent4>
-        <a:srgbClr val="EDEF00"/>
-      </a:accent4>
-      <a:accent5>
-        <a:srgbClr val="24CBE5"/>
-      </a:accent5>
-      <a:accent6>
-        <a:srgbClr val="64E572"/>
-      </a:accent6>
-      <a:hlink>
-        <a:srgbClr val="2200CC"/>
-      </a:hlink>
-      <a:folHlink>
-        <a:srgbClr val="551A8B"/>
-      </a:folHlink>
-    </a:clrScheme>
-    <a:fontScheme name="Office">
-      <a:majorFont>
-        <a:latin typeface="Arial"/>
-        <a:ea typeface=""/>
-        <a:cs typeface=""/>
-        <a:font script="Jpan" typeface="ＭＳ Ｐゴシック"/>
-        <a:font script="Hang" typeface="맑은 고딕"/>
-        <a:font script="Hans" typeface="宋体"/>
-        <a:font script="Hant" typeface="新細明體"/>
-        <a:font script="Arab" typeface="Times New Roman"/>
-        <a:font script="Hebr" typeface="Times New Roman"/>
-        <a:font script="Thai" typeface="Angsana New"/>
-        <a:font script="Ethi" typeface="Nyala"/>
-        <a:font script="Beng" typeface="Vrinda"/>
-        <a:font script="Gujr" typeface="Shruti"/>
-        <a:font script="Khmr" typeface="MoolBoran"/>
-        <a:font script="Knda" typeface="Tunga"/>
-        <a:font script="Guru" typeface="Raavi"/>
-        <a:font script="Cans" typeface="Euphemia"/>
-        <a:font script="Cher" typeface="Plantagenet Cherokee"/>
-        <a:font script="Yiii" typeface="Microsoft Yi Baiti"/>
-        <a:font script="Tibt" typeface="Microsoft Himalaya"/>
-        <a:font script="Thaa" typeface="MV Boli"/>
-        <a:font script="Deva" typeface="Mangal"/>
-        <a:font script="Telu" typeface="Gautami"/>
-        <a:font script="Taml" typeface="Latha"/>
-        <a:font script="Syrc" typeface="Estrangelo Edessa"/>
-        <a:font script="Orya" typeface="Kalinga"/>
-        <a:font script="Mlym" typeface="Kartika"/>
-        <a:font script="Laoo" typeface="DokChampa"/>
-        <a:font script="Sinh" typeface="Iskoola Pota"/>
-        <a:font script="Mong" typeface="Mongolian Baiti"/>
-        <a:font script="Viet" typeface="Times New Roman"/>
-        <a:font script="Uigh" typeface="Microsoft Uighur"/>
-        <a:font script="Geor" typeface="Sylfaen"/>
-      </a:majorFont>
-      <a:minorFont>
-        <a:latin typeface="Arial"/>
-        <a:ea typeface=""/>
-        <a:cs typeface=""/>
-        <a:font script="Jpan" typeface="ＭＳ Ｐゴシック"/>
-        <a:font script="Hang" typeface="맑은 고딕"/>
-        <a:font script="Hans" typeface="宋体"/>
-        <a:font script="Hant" typeface="新細明體"/>
-        <a:font script="Arab" typeface="Arial"/>
-        <a:font script="Hebr" typeface="Arial"/>
-        <a:font script="Thai" typeface="Cordia New"/>
-        <a:font script="Ethi" typeface="Nyala"/>
-        <a:font script="Beng" typeface="Vrinda"/>
-        <a:font script="Gujr" typeface="Shruti"/>
-        <a:font script="Khmr" typeface="DaunPenh"/>
-        <a:font script="Knda" typeface="Tunga"/>
-        <a:font script="Guru" typeface="Raavi"/>
-        <a:font script="Cans" typeface="Euphemia"/>
-        <a:font script="Cher" typeface="Plantagenet Cherokee"/>
-        <a:font script="Yiii" typeface="Microsoft Yi Baiti"/>
-        <a:font script="Tibt" typeface="Microsoft Himalaya"/>
-        <a:font script="Thaa" typeface="MV Boli"/>
-        <a:font script="Deva" typeface="Mangal"/>
-        <a:font script="Telu" typeface="Gautami"/>
-        <a:font script="Taml" typeface="Latha"/>
-        <a:font script="Syrc" typeface="Estrangelo Edessa"/>
-        <a:font script="Orya" typeface="Kalinga"/>
-        <a:font script="Mlym" typeface="Kartika"/>
-        <a:font script="Laoo" typeface="DokChampa"/>
-        <a:font script="Sinh" typeface="Iskoola Pota"/>
-        <a:font script="Mong" typeface="Mongolian Baiti"/>
-        <a:font script="Viet" typeface="Arial"/>
-        <a:font script="Uigh" typeface="Microsoft Uighur"/>
-        <a:font script="Geor" typeface="Sylfaen"/>
-      </a:minorFont>
-    </a:fontScheme>
-    <a:fmtScheme name="Office">
-      <a:fillStyleLst>
-        <a:solidFill>
-          <a:schemeClr val="phClr"/>
-        </a:solidFill>
-        <a:gradFill rotWithShape="1">
-          <a:gsLst>
-            <a:gs pos="0">
-              <a:schemeClr val="phClr">
-                <a:tint val="50000"/>
-                <a:satMod val="300000"/>
-              </a:schemeClr>
-            </a:gs>
-            <a:gs pos="35000">
-              <a:schemeClr val="phClr">
-                <a:tint val="37000"/>
-                <a:satMod val="300000"/>
-              </a:schemeClr>
-            </a:gs>
-            <a:gs pos="100000">
-              <a:schemeClr val="phClr">
-                <a:tint val="15000"/>
-                <a:satMod val="350000"/>
-              </a:schemeClr>
-            </a:gs>
-          </a:gsLst>
-          <a:lin ang="16200000" scaled="1"/>
-        </a:gradFill>
-        <a:gradFill rotWithShape="1">
-          <a:gsLst>
-            <a:gs pos="0">
-              <a:schemeClr val="phClr">
-                <a:tint val="100000"/>
-                <a:shade val="100000"/>
-                <a:satMod val="130000"/>
-              </a:schemeClr>
-            </a:gs>
-            <a:gs pos="100000">
-              <a:schemeClr val="phClr">
-                <a:tint val="50000"/>
-                <a:shade val="100000"/>
-                <a:satMod val="350000"/>
-              </a:schemeClr>
-            </a:gs>
-          </a:gsLst>
-          <a:lin ang="16200000" scaled="0"/>
-        </a:gradFill>
-      </a:fillStyleLst>
-      <a:lnStyleLst>
-        <a:ln w="9525" cap="flat" cmpd="sng" algn="ctr">
-          <a:solidFill>
-            <a:schemeClr val="phClr">
-              <a:shade val="95000"/>
-              <a:satMod val="105000"/>
-            </a:schemeClr>
-          </a:solidFill>
-          <a:prstDash val="solid"/>
-        </a:ln>
-        <a:ln w="25400" cap="flat" cmpd="sng" algn="ctr">
-          <a:solidFill>
-            <a:schemeClr val="phClr"/>
-          </a:solidFill>
-          <a:prstDash val="solid"/>
-        </a:ln>
-        <a:ln w="38100" cap="flat" cmpd="sng" algn="ctr">
-          <a:solidFill>
-            <a:schemeClr val="phClr"/>
-          </a:solidFill>
-          <a:prstDash val="solid"/>
-        </a:ln>
-      </a:lnStyleLst>
-      <a:effectStyleLst>
-        <a:effectStyle>
-          <a:effectLst>
-            <a:outerShdw blurRad="40000" dist="20000" dir="5400000" rotWithShape="0">
-              <a:srgbClr val="000000">
-                <a:alpha val="38000"/>
-              </a:srgbClr>
-            </a:outerShdw>
-          </a:effectLst>
-        </a:effectStyle>
-        <a:effectStyle>
-          <a:effectLst>
-            <a:outerShdw blurRad="40000" dist="23000" dir="5400000" rotWithShape="0">
-              <a:srgbClr val="000000">
-                <a:alpha val="35000"/>
-              </a:srgbClr>
-            </a:outerShdw>
-          </a:effectLst>
-        </a:effectStyle>
-        <a:effectStyle>
-          <a:effectLst>
-            <a:outerShdw blurRad="40000" dist="23000" dir="5400000" rotWithShape="0">
-              <a:srgbClr val="000000">
-                <a:alpha val="35000"/>
-              </a:srgbClr>
-            </a:outerShdw>
-          </a:effectLst>
-          <a:scene3d>
-            <a:camera prst="orthographicFront">
-              <a:rot lat="0" lon="0" rev="0"/>
-            </a:camera>
-            <a:lightRig rig="threePt" dir="t">
-              <a:rot lat="0" lon="0" rev="1200000"/>
-            </a:lightRig>
-          </a:scene3d>
-          <a:sp3d>
-            <a:bevelT w="63500" h="25400"/>
-          </a:sp3d>
-        </a:effectStyle>
-      </a:effectStyleLst>
-      <a:bgFillStyleLst>
-        <a:solidFill>
-          <a:schemeClr val="phClr"/>
-        </a:solidFill>
-        <a:gradFill rotWithShape="1">
-          <a:gsLst>
-            <a:gs pos="0">
-              <a:schemeClr val="phClr">
-                <a:tint val="40000"/>
-                <a:satMod val="350000"/>
-              </a:schemeClr>
-            </a:gs>
-            <a:gs pos="40000">
-              <a:schemeClr val="phClr">
-                <a:tint val="45000"/>
-                <a:shade val="99000"/>
-                <a:satMod val="350000"/>
-              </a:schemeClr>
-            </a:gs>
-            <a:gs pos="100000">
-              <a:schemeClr val="phClr">
-                <a:shade val="20000"/>
-                <a:satMod val="255000"/>
-              </a:schemeClr>
-            </a:gs>
-          </a:gsLst>
-          <a:path path="circle">
-            <a:fillToRect l="50000" t="-80000" r="50000" b="180000"/>
-          </a:path>
-        </a:gradFill>
-        <a:gradFill rotWithShape="1">
-          <a:gsLst>
-            <a:gs pos="0">
-              <a:schemeClr val="phClr">
-                <a:tint val="80000"/>
-                <a:satMod val="300000"/>
-              </a:schemeClr>
-            </a:gs>
-            <a:gs pos="100000">
-              <a:schemeClr val="phClr">
-                <a:shade val="30000"/>
-                <a:satMod val="200000"/>
-              </a:schemeClr>
-            </a:gs>
-          </a:gsLst>
-          <a:path path="circle">
-            <a:fillToRect l="50000" t="50000" r="50000" b="50000"/>
-          </a:path>
-        </a:gradFill>
-      </a:bgFillStyleLst>
-    </a:fmtScheme>
-  </a:themeElements>
-</a:theme>
 </file>
--- a/Presentation/Group5Presentation.pptx
+++ b/Presentation/Group5Presentation.pptx
@@ -27,23 +27,26 @@
     <p:sldId id="272" r:id="rId22"/>
     <p:sldId id="273" r:id="rId23"/>
     <p:sldId id="274" r:id="rId24"/>
+    <p:sldId id="275" r:id="rId25"/>
+    <p:sldId id="276" r:id="rId26"/>
+    <p:sldId id="277" r:id="rId27"/>
   </p:sldIdLst>
   <p:sldSz cy="5143500" cx="9144000"/>
   <p:notesSz cx="6858000" cy="9144000"/>
   <p:embeddedFontLst>
     <p:embeddedFont>
       <p:font typeface="Raleway"/>
-      <p:regular r:id="rId25"/>
-      <p:bold r:id="rId26"/>
-      <p:italic r:id="rId27"/>
-      <p:boldItalic r:id="rId28"/>
+      <p:regular r:id="rId28"/>
+      <p:bold r:id="rId29"/>
+      <p:italic r:id="rId30"/>
+      <p:boldItalic r:id="rId31"/>
     </p:embeddedFont>
     <p:embeddedFont>
       <p:font typeface="Lato"/>
-      <p:regular r:id="rId29"/>
-      <p:bold r:id="rId30"/>
-      <p:italic r:id="rId31"/>
-      <p:boldItalic r:id="rId32"/>
+      <p:regular r:id="rId32"/>
+      <p:bold r:id="rId33"/>
+      <p:italic r:id="rId34"/>
+      <p:boldItalic r:id="rId35"/>
     </p:embeddedFont>
   </p:embeddedFontLst>
   <p:defaultTextStyle>
@@ -838,7 +841,7 @@
       </p:grpSpPr>
       <p:sp>
         <p:nvSpPr>
-          <p:cNvPr id="123" name="Google Shape;123;gebcc5b2c4c_0_46:notes"/>
+          <p:cNvPr id="123" name="Google Shape;123;gebcc5b2c4c_0_23:notes"/>
           <p:cNvSpPr/>
           <p:nvPr>
             <p:ph idx="2" type="sldImg"/>
@@ -873,7 +876,7 @@
       </p:sp>
       <p:sp>
         <p:nvSpPr>
-          <p:cNvPr id="124" name="Google Shape;124;gebcc5b2c4c_0_46:notes"/>
+          <p:cNvPr id="124" name="Google Shape;124;gebcc5b2c4c_0_23:notes"/>
           <p:cNvSpPr txBox="1"/>
           <p:nvPr>
             <p:ph idx="1" type="body"/>
@@ -937,7 +940,7 @@
       </p:grpSpPr>
       <p:sp>
         <p:nvSpPr>
-          <p:cNvPr id="129" name="Google Shape;129;gebcc5b2c4c_0_51:notes"/>
+          <p:cNvPr id="129" name="Google Shape;129;gebcc5b2c4c_0_29:notes"/>
           <p:cNvSpPr/>
           <p:nvPr>
             <p:ph idx="2" type="sldImg"/>
@@ -972,7 +975,7 @@
       </p:sp>
       <p:sp>
         <p:nvSpPr>
-          <p:cNvPr id="130" name="Google Shape;130;gebcc5b2c4c_0_51:notes"/>
+          <p:cNvPr id="130" name="Google Shape;130;gebcc5b2c4c_0_29:notes"/>
           <p:cNvSpPr txBox="1"/>
           <p:nvPr>
             <p:ph idx="1" type="body"/>
@@ -1036,7 +1039,7 @@
       </p:grpSpPr>
       <p:sp>
         <p:nvSpPr>
-          <p:cNvPr id="135" name="Google Shape;135;gf0e26d8e39_3_5:notes"/>
+          <p:cNvPr id="135" name="Google Shape;135;gf0e26d8e39_2_8:notes"/>
           <p:cNvSpPr/>
           <p:nvPr>
             <p:ph idx="2" type="sldImg"/>
@@ -1071,7 +1074,7 @@
       </p:sp>
       <p:sp>
         <p:nvSpPr>
-          <p:cNvPr id="136" name="Google Shape;136;gf0e26d8e39_3_5:notes"/>
+          <p:cNvPr id="136" name="Google Shape;136;gf0e26d8e39_2_8:notes"/>
           <p:cNvSpPr txBox="1"/>
           <p:nvPr>
             <p:ph idx="1" type="body"/>
@@ -1121,7 +1124,7 @@
   <p:cSld>
     <p:spTree>
       <p:nvGrpSpPr>
-        <p:cNvPr id="139" name="Shape 139"/>
+        <p:cNvPr id="140" name="Shape 140"/>
         <p:cNvGrpSpPr/>
         <p:nvPr/>
       </p:nvGrpSpPr>
@@ -1135,7 +1138,7 @@
       </p:grpSpPr>
       <p:sp>
         <p:nvSpPr>
-          <p:cNvPr id="140" name="Google Shape;140;gf0c6892ecf_0_5:notes"/>
+          <p:cNvPr id="141" name="Google Shape;141;gf0e26d8e39_3_5:notes"/>
           <p:cNvSpPr/>
           <p:nvPr>
             <p:ph idx="2" type="sldImg"/>
@@ -1170,7 +1173,7 @@
       </p:sp>
       <p:sp>
         <p:nvSpPr>
-          <p:cNvPr id="141" name="Google Shape;141;gf0c6892ecf_0_5:notes"/>
+          <p:cNvPr id="142" name="Google Shape;142;gf0e26d8e39_3_5:notes"/>
           <p:cNvSpPr txBox="1"/>
           <p:nvPr>
             <p:ph idx="1" type="body"/>
@@ -1220,7 +1223,7 @@
   <p:cSld>
     <p:spTree>
       <p:nvGrpSpPr>
-        <p:cNvPr id="144" name="Shape 144"/>
+        <p:cNvPr id="145" name="Shape 145"/>
         <p:cNvGrpSpPr/>
         <p:nvPr/>
       </p:nvGrpSpPr>
@@ -1234,7 +1237,7 @@
       </p:grpSpPr>
       <p:sp>
         <p:nvSpPr>
-          <p:cNvPr id="145" name="Google Shape;145;gf0c6892ecf_0_0:notes"/>
+          <p:cNvPr id="146" name="Google Shape;146;gf0e26d8e39_2_3:notes"/>
           <p:cNvSpPr/>
           <p:nvPr>
             <p:ph idx="2" type="sldImg"/>
@@ -1269,7 +1272,7 @@
       </p:sp>
       <p:sp>
         <p:nvSpPr>
-          <p:cNvPr id="146" name="Google Shape;146;gf0c6892ecf_0_0:notes"/>
+          <p:cNvPr id="147" name="Google Shape;147;gf0e26d8e39_2_3:notes"/>
           <p:cNvSpPr txBox="1"/>
           <p:nvPr>
             <p:ph idx="1" type="body"/>
@@ -1319,7 +1322,7 @@
   <p:cSld>
     <p:spTree>
       <p:nvGrpSpPr>
-        <p:cNvPr id="150" name="Shape 150"/>
+        <p:cNvPr id="151" name="Shape 151"/>
         <p:cNvGrpSpPr/>
         <p:nvPr/>
       </p:nvGrpSpPr>
@@ -1333,7 +1336,7 @@
       </p:grpSpPr>
       <p:sp>
         <p:nvSpPr>
-          <p:cNvPr id="151" name="Google Shape;151;gf0e26d8e39_1_0:notes"/>
+          <p:cNvPr id="152" name="Google Shape;152;gf0e284b87c_2_1:notes"/>
           <p:cNvSpPr/>
           <p:nvPr>
             <p:ph idx="2" type="sldImg"/>
@@ -1368,7 +1371,7 @@
       </p:sp>
       <p:sp>
         <p:nvSpPr>
-          <p:cNvPr id="152" name="Google Shape;152;gf0e26d8e39_1_0:notes"/>
+          <p:cNvPr id="153" name="Google Shape;153;gf0e284b87c_2_1:notes"/>
           <p:cNvSpPr txBox="1"/>
           <p:nvPr>
             <p:ph idx="1" type="body"/>
@@ -1432,7 +1435,7 @@
       </p:grpSpPr>
       <p:sp>
         <p:nvSpPr>
-          <p:cNvPr id="158" name="Google Shape;158;gc6fa3c898_0_28:notes"/>
+          <p:cNvPr id="158" name="Google Shape;158;gf0c6892ecf_0_5:notes"/>
           <p:cNvSpPr/>
           <p:nvPr>
             <p:ph idx="2" type="sldImg"/>
@@ -1467,7 +1470,7 @@
       </p:sp>
       <p:sp>
         <p:nvSpPr>
-          <p:cNvPr id="159" name="Google Shape;159;gc6fa3c898_0_28:notes"/>
+          <p:cNvPr id="159" name="Google Shape;159;gf0c6892ecf_0_5:notes"/>
           <p:cNvSpPr txBox="1"/>
           <p:nvPr>
             <p:ph idx="1" type="body"/>
@@ -1531,7 +1534,7 @@
       </p:grpSpPr>
       <p:sp>
         <p:nvSpPr>
-          <p:cNvPr id="163" name="Google Shape;163;gf0c6892ecf_0_9:notes"/>
+          <p:cNvPr id="163" name="Google Shape;163;gf0c6892ecf_0_0:notes"/>
           <p:cNvSpPr/>
           <p:nvPr>
             <p:ph idx="2" type="sldImg"/>
@@ -1539,8 +1542,8 @@
         </p:nvSpPr>
         <p:spPr>
           <a:xfrm>
-            <a:off x="381300" y="685800"/>
-            <a:ext cx="6096000" cy="3429000"/>
+            <a:off x="381188" y="685800"/>
+            <a:ext cx="6096300" cy="3429000"/>
           </a:xfrm>
           <a:custGeom>
             <a:rect b="b" l="l" r="r" t="t"/>
@@ -1566,7 +1569,7 @@
       </p:sp>
       <p:sp>
         <p:nvSpPr>
-          <p:cNvPr id="164" name="Google Shape;164;gf0c6892ecf_0_9:notes"/>
+          <p:cNvPr id="164" name="Google Shape;164;gf0c6892ecf_0_0:notes"/>
           <p:cNvSpPr txBox="1"/>
           <p:nvPr>
             <p:ph idx="1" type="body"/>
@@ -1616,7 +1619,7 @@
   <p:cSld>
     <p:spTree>
       <p:nvGrpSpPr>
-        <p:cNvPr id="169" name="Shape 169"/>
+        <p:cNvPr id="168" name="Shape 168"/>
         <p:cNvGrpSpPr/>
         <p:nvPr/>
       </p:nvGrpSpPr>
@@ -1630,7 +1633,7 @@
       </p:grpSpPr>
       <p:sp>
         <p:nvSpPr>
-          <p:cNvPr id="170" name="Google Shape;170;gc6fa3c898_0_65:notes"/>
+          <p:cNvPr id="169" name="Google Shape;169;gf0e26d8e39_1_0:notes"/>
           <p:cNvSpPr/>
           <p:nvPr>
             <p:ph idx="2" type="sldImg"/>
@@ -1638,8 +1641,8 @@
         </p:nvSpPr>
         <p:spPr>
           <a:xfrm>
-            <a:off x="381188" y="685800"/>
-            <a:ext cx="6096300" cy="3429000"/>
+            <a:off x="381300" y="685800"/>
+            <a:ext cx="6096000" cy="3429000"/>
           </a:xfrm>
           <a:custGeom>
             <a:rect b="b" l="l" r="r" t="t"/>
@@ -1665,7 +1668,7 @@
       </p:sp>
       <p:sp>
         <p:nvSpPr>
-          <p:cNvPr id="171" name="Google Shape;171;gc6fa3c898_0_65:notes"/>
+          <p:cNvPr id="170" name="Google Shape;170;gf0e26d8e39_1_0:notes"/>
           <p:cNvSpPr txBox="1"/>
           <p:nvPr>
             <p:ph idx="1" type="body"/>
@@ -1729,7 +1732,7 @@
       </p:grpSpPr>
       <p:sp>
         <p:nvSpPr>
-          <p:cNvPr id="176" name="Google Shape;176;gc6fa3c898_0_70:notes"/>
+          <p:cNvPr id="176" name="Google Shape;176;gc6fa3c898_0_28:notes"/>
           <p:cNvSpPr/>
           <p:nvPr>
             <p:ph idx="2" type="sldImg"/>
@@ -1764,7 +1767,7 @@
       </p:sp>
       <p:sp>
         <p:nvSpPr>
-          <p:cNvPr id="177" name="Google Shape;177;gc6fa3c898_0_70:notes"/>
+          <p:cNvPr id="177" name="Google Shape;177;gc6fa3c898_0_28:notes"/>
           <p:cNvSpPr txBox="1"/>
           <p:nvPr>
             <p:ph idx="1" type="body"/>
@@ -1908,6 +1911,303 @@
 </p:notes>
 </file>
 
+<file path=ppt/notesSlides/notesSlide20.xml><?xml version="1.0" encoding="utf-8"?>
+<p:notes xmlns:a="http://schemas.openxmlformats.org/drawingml/2006/main" xmlns:r="http://schemas.openxmlformats.org/officeDocument/2006/relationships" xmlns:mc="http://schemas.openxmlformats.org/markup-compatibility/2006" xmlns:mv="urn:schemas-microsoft-com:mac:vml" xmlns:p="http://schemas.openxmlformats.org/presentationml/2006/main" xmlns:c="http://schemas.openxmlformats.org/drawingml/2006/chart" xmlns:dgm="http://schemas.openxmlformats.org/drawingml/2006/diagram" xmlns:o="urn:schemas-microsoft-com:office:office" xmlns:v="urn:schemas-microsoft-com:vml" xmlns:pvml="urn:schemas-microsoft-com:office:powerpoint" xmlns:com="http://schemas.openxmlformats.org/drawingml/2006/compatibility" xmlns:p14="http://schemas.microsoft.com/office/powerpoint/2010/main" xmlns:p15="http://schemas.microsoft.com/office/powerpoint/2012/main" xmlns:ahyp="http://schemas.microsoft.com/office/drawing/2018/hyperlinkcolor" showMasterPhAnim="0" showMasterSp="0">
+  <p:cSld>
+    <p:spTree>
+      <p:nvGrpSpPr>
+        <p:cNvPr id="180" name="Shape 180"/>
+        <p:cNvGrpSpPr/>
+        <p:nvPr/>
+      </p:nvGrpSpPr>
+      <p:grpSpPr>
+        <a:xfrm>
+          <a:off x="0" y="0"/>
+          <a:ext cx="0" cy="0"/>
+          <a:chOff x="0" y="0"/>
+          <a:chExt cx="0" cy="0"/>
+        </a:xfrm>
+      </p:grpSpPr>
+      <p:sp>
+        <p:nvSpPr>
+          <p:cNvPr id="181" name="Google Shape;181;gf0c6892ecf_0_9:notes"/>
+          <p:cNvSpPr/>
+          <p:nvPr>
+            <p:ph idx="2" type="sldImg"/>
+          </p:nvPr>
+        </p:nvSpPr>
+        <p:spPr>
+          <a:xfrm>
+            <a:off x="381300" y="685800"/>
+            <a:ext cx="6096000" cy="3429000"/>
+          </a:xfrm>
+          <a:custGeom>
+            <a:rect b="b" l="l" r="r" t="t"/>
+            <a:pathLst>
+              <a:path extrusionOk="0" h="120000" w="120000">
+                <a:moveTo>
+                  <a:pt x="0" y="0"/>
+                </a:moveTo>
+                <a:lnTo>
+                  <a:pt x="120000" y="0"/>
+                </a:lnTo>
+                <a:lnTo>
+                  <a:pt x="120000" y="120000"/>
+                </a:lnTo>
+                <a:lnTo>
+                  <a:pt x="0" y="120000"/>
+                </a:lnTo>
+                <a:close/>
+              </a:path>
+            </a:pathLst>
+          </a:custGeom>
+        </p:spPr>
+      </p:sp>
+      <p:sp>
+        <p:nvSpPr>
+          <p:cNvPr id="182" name="Google Shape;182;gf0c6892ecf_0_9:notes"/>
+          <p:cNvSpPr txBox="1"/>
+          <p:nvPr>
+            <p:ph idx="1" type="body"/>
+          </p:nvPr>
+        </p:nvSpPr>
+        <p:spPr>
+          <a:xfrm>
+            <a:off x="685800" y="4343400"/>
+            <a:ext cx="5486400" cy="4114800"/>
+          </a:xfrm>
+          <a:prstGeom prst="rect">
+            <a:avLst/>
+          </a:prstGeom>
+        </p:spPr>
+        <p:txBody>
+          <a:bodyPr anchorCtr="0" anchor="t" bIns="91425" lIns="91425" spcFirstLastPara="1" rIns="91425" wrap="square" tIns="91425">
+            <a:noAutofit/>
+          </a:bodyPr>
+          <a:lstStyle/>
+          <a:p>
+            <a:pPr indent="0" lvl="0" marL="0" rtl="0" algn="l">
+              <a:spcBef>
+                <a:spcPts val="0"/>
+              </a:spcBef>
+              <a:spcAft>
+                <a:spcPts val="0"/>
+              </a:spcAft>
+              <a:buNone/>
+            </a:pPr>
+            <a:r>
+              <a:t/>
+            </a:r>
+            <a:endParaRPr/>
+          </a:p>
+        </p:txBody>
+      </p:sp>
+    </p:spTree>
+  </p:cSld>
+  <p:clrMapOvr>
+    <a:masterClrMapping/>
+  </p:clrMapOvr>
+</p:notes>
+</file>
+
+<file path=ppt/notesSlides/notesSlide21.xml><?xml version="1.0" encoding="utf-8"?>
+<p:notes xmlns:a="http://schemas.openxmlformats.org/drawingml/2006/main" xmlns:r="http://schemas.openxmlformats.org/officeDocument/2006/relationships" xmlns:mc="http://schemas.openxmlformats.org/markup-compatibility/2006" xmlns:mv="urn:schemas-microsoft-com:mac:vml" xmlns:p="http://schemas.openxmlformats.org/presentationml/2006/main" xmlns:c="http://schemas.openxmlformats.org/drawingml/2006/chart" xmlns:dgm="http://schemas.openxmlformats.org/drawingml/2006/diagram" xmlns:o="urn:schemas-microsoft-com:office:office" xmlns:v="urn:schemas-microsoft-com:vml" xmlns:pvml="urn:schemas-microsoft-com:office:powerpoint" xmlns:com="http://schemas.openxmlformats.org/drawingml/2006/compatibility" xmlns:p14="http://schemas.microsoft.com/office/powerpoint/2010/main" xmlns:p15="http://schemas.microsoft.com/office/powerpoint/2012/main" xmlns:ahyp="http://schemas.microsoft.com/office/drawing/2018/hyperlinkcolor" showMasterPhAnim="0" showMasterSp="0">
+  <p:cSld>
+    <p:spTree>
+      <p:nvGrpSpPr>
+        <p:cNvPr id="187" name="Shape 187"/>
+        <p:cNvGrpSpPr/>
+        <p:nvPr/>
+      </p:nvGrpSpPr>
+      <p:grpSpPr>
+        <a:xfrm>
+          <a:off x="0" y="0"/>
+          <a:ext cx="0" cy="0"/>
+          <a:chOff x="0" y="0"/>
+          <a:chExt cx="0" cy="0"/>
+        </a:xfrm>
+      </p:grpSpPr>
+      <p:sp>
+        <p:nvSpPr>
+          <p:cNvPr id="188" name="Google Shape;188;gc6fa3c898_0_65:notes"/>
+          <p:cNvSpPr/>
+          <p:nvPr>
+            <p:ph idx="2" type="sldImg"/>
+          </p:nvPr>
+        </p:nvSpPr>
+        <p:spPr>
+          <a:xfrm>
+            <a:off x="381188" y="685800"/>
+            <a:ext cx="6096300" cy="3429000"/>
+          </a:xfrm>
+          <a:custGeom>
+            <a:rect b="b" l="l" r="r" t="t"/>
+            <a:pathLst>
+              <a:path extrusionOk="0" h="120000" w="120000">
+                <a:moveTo>
+                  <a:pt x="0" y="0"/>
+                </a:moveTo>
+                <a:lnTo>
+                  <a:pt x="120000" y="0"/>
+                </a:lnTo>
+                <a:lnTo>
+                  <a:pt x="120000" y="120000"/>
+                </a:lnTo>
+                <a:lnTo>
+                  <a:pt x="0" y="120000"/>
+                </a:lnTo>
+                <a:close/>
+              </a:path>
+            </a:pathLst>
+          </a:custGeom>
+        </p:spPr>
+      </p:sp>
+      <p:sp>
+        <p:nvSpPr>
+          <p:cNvPr id="189" name="Google Shape;189;gc6fa3c898_0_65:notes"/>
+          <p:cNvSpPr txBox="1"/>
+          <p:nvPr>
+            <p:ph idx="1" type="body"/>
+          </p:nvPr>
+        </p:nvSpPr>
+        <p:spPr>
+          <a:xfrm>
+            <a:off x="685800" y="4343400"/>
+            <a:ext cx="5486400" cy="4114800"/>
+          </a:xfrm>
+          <a:prstGeom prst="rect">
+            <a:avLst/>
+          </a:prstGeom>
+        </p:spPr>
+        <p:txBody>
+          <a:bodyPr anchorCtr="0" anchor="t" bIns="91425" lIns="91425" spcFirstLastPara="1" rIns="91425" wrap="square" tIns="91425">
+            <a:noAutofit/>
+          </a:bodyPr>
+          <a:lstStyle/>
+          <a:p>
+            <a:pPr indent="0" lvl="0" marL="0" rtl="0" algn="l">
+              <a:spcBef>
+                <a:spcPts val="0"/>
+              </a:spcBef>
+              <a:spcAft>
+                <a:spcPts val="0"/>
+              </a:spcAft>
+              <a:buNone/>
+            </a:pPr>
+            <a:r>
+              <a:t/>
+            </a:r>
+            <a:endParaRPr/>
+          </a:p>
+        </p:txBody>
+      </p:sp>
+    </p:spTree>
+  </p:cSld>
+  <p:clrMapOvr>
+    <a:masterClrMapping/>
+  </p:clrMapOvr>
+</p:notes>
+</file>
+
+<file path=ppt/notesSlides/notesSlide22.xml><?xml version="1.0" encoding="utf-8"?>
+<p:notes xmlns:a="http://schemas.openxmlformats.org/drawingml/2006/main" xmlns:r="http://schemas.openxmlformats.org/officeDocument/2006/relationships" xmlns:mc="http://schemas.openxmlformats.org/markup-compatibility/2006" xmlns:mv="urn:schemas-microsoft-com:mac:vml" xmlns:p="http://schemas.openxmlformats.org/presentationml/2006/main" xmlns:c="http://schemas.openxmlformats.org/drawingml/2006/chart" xmlns:dgm="http://schemas.openxmlformats.org/drawingml/2006/diagram" xmlns:o="urn:schemas-microsoft-com:office:office" xmlns:v="urn:schemas-microsoft-com:vml" xmlns:pvml="urn:schemas-microsoft-com:office:powerpoint" xmlns:com="http://schemas.openxmlformats.org/drawingml/2006/compatibility" xmlns:p14="http://schemas.microsoft.com/office/powerpoint/2010/main" xmlns:p15="http://schemas.microsoft.com/office/powerpoint/2012/main" xmlns:ahyp="http://schemas.microsoft.com/office/drawing/2018/hyperlinkcolor" showMasterPhAnim="0" showMasterSp="0">
+  <p:cSld>
+    <p:spTree>
+      <p:nvGrpSpPr>
+        <p:cNvPr id="193" name="Shape 193"/>
+        <p:cNvGrpSpPr/>
+        <p:nvPr/>
+      </p:nvGrpSpPr>
+      <p:grpSpPr>
+        <a:xfrm>
+          <a:off x="0" y="0"/>
+          <a:ext cx="0" cy="0"/>
+          <a:chOff x="0" y="0"/>
+          <a:chExt cx="0" cy="0"/>
+        </a:xfrm>
+      </p:grpSpPr>
+      <p:sp>
+        <p:nvSpPr>
+          <p:cNvPr id="194" name="Google Shape;194;gc6fa3c898_0_70:notes"/>
+          <p:cNvSpPr/>
+          <p:nvPr>
+            <p:ph idx="2" type="sldImg"/>
+          </p:nvPr>
+        </p:nvSpPr>
+        <p:spPr>
+          <a:xfrm>
+            <a:off x="381188" y="685800"/>
+            <a:ext cx="6096300" cy="3429000"/>
+          </a:xfrm>
+          <a:custGeom>
+            <a:rect b="b" l="l" r="r" t="t"/>
+            <a:pathLst>
+              <a:path extrusionOk="0" h="120000" w="120000">
+                <a:moveTo>
+                  <a:pt x="0" y="0"/>
+                </a:moveTo>
+                <a:lnTo>
+                  <a:pt x="120000" y="0"/>
+                </a:lnTo>
+                <a:lnTo>
+                  <a:pt x="120000" y="120000"/>
+                </a:lnTo>
+                <a:lnTo>
+                  <a:pt x="0" y="120000"/>
+                </a:lnTo>
+                <a:close/>
+              </a:path>
+            </a:pathLst>
+          </a:custGeom>
+        </p:spPr>
+      </p:sp>
+      <p:sp>
+        <p:nvSpPr>
+          <p:cNvPr id="195" name="Google Shape;195;gc6fa3c898_0_70:notes"/>
+          <p:cNvSpPr txBox="1"/>
+          <p:nvPr>
+            <p:ph idx="1" type="body"/>
+          </p:nvPr>
+        </p:nvSpPr>
+        <p:spPr>
+          <a:xfrm>
+            <a:off x="685800" y="4343400"/>
+            <a:ext cx="5486400" cy="4114800"/>
+          </a:xfrm>
+          <a:prstGeom prst="rect">
+            <a:avLst/>
+          </a:prstGeom>
+        </p:spPr>
+        <p:txBody>
+          <a:bodyPr anchorCtr="0" anchor="t" bIns="91425" lIns="91425" spcFirstLastPara="1" rIns="91425" wrap="square" tIns="91425">
+            <a:noAutofit/>
+          </a:bodyPr>
+          <a:lstStyle/>
+          <a:p>
+            <a:pPr indent="0" lvl="0" marL="0" rtl="0" algn="l">
+              <a:spcBef>
+                <a:spcPts val="0"/>
+              </a:spcBef>
+              <a:spcAft>
+                <a:spcPts val="0"/>
+              </a:spcAft>
+              <a:buNone/>
+            </a:pPr>
+            <a:r>
+              <a:t/>
+            </a:r>
+            <a:endParaRPr/>
+          </a:p>
+        </p:txBody>
+      </p:sp>
+    </p:spTree>
+  </p:cSld>
+  <p:clrMapOvr>
+    <a:masterClrMapping/>
+  </p:clrMapOvr>
+</p:notes>
+</file>
+
 <file path=ppt/notesSlides/notesSlide3.xml><?xml version="1.0" encoding="utf-8"?>
 <p:notes xmlns:a="http://schemas.openxmlformats.org/drawingml/2006/main" xmlns:r="http://schemas.openxmlformats.org/officeDocument/2006/relationships" xmlns:mc="http://schemas.openxmlformats.org/markup-compatibility/2006" xmlns:mv="urn:schemas-microsoft-com:mac:vml" xmlns:p="http://schemas.openxmlformats.org/presentationml/2006/main" xmlns:c="http://schemas.openxmlformats.org/drawingml/2006/chart" xmlns:dgm="http://schemas.openxmlformats.org/drawingml/2006/diagram" xmlns:o="urn:schemas-microsoft-com:office:office" xmlns:v="urn:schemas-microsoft-com:vml" xmlns:pvml="urn:schemas-microsoft-com:office:powerpoint" xmlns:com="http://schemas.openxmlformats.org/drawingml/2006/compatibility" xmlns:p14="http://schemas.microsoft.com/office/powerpoint/2010/main" xmlns:p15="http://schemas.microsoft.com/office/powerpoint/2012/main" xmlns:ahyp="http://schemas.microsoft.com/office/drawing/2018/hyperlinkcolor" showMasterPhAnim="0" showMasterSp="0">
   <p:cSld>
@@ -2422,7 +2722,7 @@
       </p:grpSpPr>
       <p:sp>
         <p:nvSpPr>
-          <p:cNvPr id="111" name="Google Shape;111;gebcc5b2c4c_0_23:notes"/>
+          <p:cNvPr id="111" name="Google Shape;111;gebcc5b2c4c_0_46:notes"/>
           <p:cNvSpPr/>
           <p:nvPr>
             <p:ph idx="2" type="sldImg"/>
@@ -2457,7 +2757,7 @@
       </p:sp>
       <p:sp>
         <p:nvSpPr>
-          <p:cNvPr id="112" name="Google Shape;112;gebcc5b2c4c_0_23:notes"/>
+          <p:cNvPr id="112" name="Google Shape;112;gebcc5b2c4c_0_46:notes"/>
           <p:cNvSpPr txBox="1"/>
           <p:nvPr>
             <p:ph idx="1" type="body"/>
@@ -2521,7 +2821,7 @@
       </p:grpSpPr>
       <p:sp>
         <p:nvSpPr>
-          <p:cNvPr id="117" name="Google Shape;117;gebcc5b2c4c_0_29:notes"/>
+          <p:cNvPr id="117" name="Google Shape;117;gebcc5b2c4c_0_51:notes"/>
           <p:cNvSpPr/>
           <p:nvPr>
             <p:ph idx="2" type="sldImg"/>
@@ -2556,7 +2856,7 @@
       </p:sp>
       <p:sp>
         <p:nvSpPr>
-          <p:cNvPr id="118" name="Google Shape;118;gebcc5b2c4c_0_29:notes"/>
+          <p:cNvPr id="118" name="Google Shape;118;gebcc5b2c4c_0_51:notes"/>
           <p:cNvSpPr txBox="1"/>
           <p:nvPr>
             <p:ph idx="1" type="body"/>
@@ -8754,7 +9054,7 @@
             </a:pPr>
             <a:r>
               <a:rPr lang="en"/>
-              <a:t>Dashboard 1</a:t>
+              <a:t>Analysis</a:t>
             </a:r>
             <a:endParaRPr/>
           </a:p>
@@ -8783,72 +9083,60 @@
           </a:bodyPr>
           <a:lstStyle/>
           <a:p>
-            <a:pPr indent="-323850" lvl="0" marL="457200" rtl="0" algn="l">
-              <a:spcBef>
-                <a:spcPts val="0"/>
-              </a:spcBef>
-              <a:spcAft>
-                <a:spcPts val="0"/>
-              </a:spcAft>
-              <a:buSzPts val="1500"/>
-              <a:buChar char="●"/>
+            <a:pPr indent="0" lvl="0" marL="0" rtl="0" algn="l">
+              <a:spcBef>
+                <a:spcPts val="0"/>
+              </a:spcBef>
+              <a:spcAft>
+                <a:spcPts val="0"/>
+              </a:spcAft>
+              <a:buNone/>
             </a:pPr>
             <a:r>
-              <a:rPr lang="en" sz="1500"/>
-              <a:t>The first source to filter is by election year.  For now, the default year is set to 2017.</a:t>
+              <a:rPr b="1" lang="en" sz="2000">
+                <a:solidFill>
+                  <a:schemeClr val="accent3"/>
+                </a:solidFill>
+              </a:rPr>
+              <a:t>What will our visualizations tell us?</a:t>
             </a:r>
-            <a:endParaRPr sz="1500"/>
+            <a:endParaRPr b="1" sz="2000">
+              <a:solidFill>
+                <a:schemeClr val="accent3"/>
+              </a:solidFill>
+            </a:endParaRPr>
           </a:p>
           <a:p>
-            <a:pPr indent="-323850" lvl="0" marL="457200" rtl="0" algn="l">
-              <a:spcBef>
-                <a:spcPts val="0"/>
-              </a:spcBef>
-              <a:spcAft>
-                <a:spcPts val="0"/>
-              </a:spcAft>
-              <a:buSzPts val="1500"/>
-              <a:buChar char="●"/>
+            <a:pPr indent="0" lvl="0" marL="0" rtl="0" algn="l">
+              <a:spcBef>
+                <a:spcPts val="1600"/>
+              </a:spcBef>
+              <a:spcAft>
+                <a:spcPts val="0"/>
+              </a:spcAft>
+              <a:buNone/>
             </a:pPr>
             <a:r>
-              <a:rPr lang="en" sz="1500"/>
-              <a:t>There is a Candidate Name multiple-selection dropdown filter in place to see the joint data of candidates.  Only relevant values will be shown.</a:t>
+              <a:rPr lang="en" sz="1700"/>
+              <a:t>We have tried to visually understand how some of the data variables differ for a given candidate, such as ZIP codes, quarters (of a year), number and total amount of contributions, and total amount of expenditures per election year.</a:t>
             </a:r>
-            <a:endParaRPr sz="1500"/>
+            <a:endParaRPr sz="1700"/>
           </a:p>
           <a:p>
-            <a:pPr indent="-323850" lvl="0" marL="457200" rtl="0" algn="l">
-              <a:spcBef>
-                <a:spcPts val="0"/>
-              </a:spcBef>
-              <a:spcAft>
-                <a:spcPts val="0"/>
-              </a:spcAft>
-              <a:buSzPts val="1500"/>
-              <a:buChar char="●"/>
+            <a:pPr indent="0" lvl="0" marL="0" rtl="0" algn="l">
+              <a:spcBef>
+                <a:spcPts val="1200"/>
+              </a:spcBef>
+              <a:spcAft>
+                <a:spcPts val="1200"/>
+              </a:spcAft>
+              <a:buNone/>
             </a:pPr>
             <a:r>
-              <a:rPr lang="en" sz="1500"/>
-              <a:t>There is a graph that shows how many contributions came in for each of the candidates.  Here, the candidate name can be selected to see data changes in the map and quarterly contribution graphs.</a:t>
+              <a:rPr lang="en" sz="1700"/>
+              <a:t>We have contributions and expenditures received and spent for each participating candidate.  The range we have chosen is between 2001 and 2021 (the general election for the latter has yet to take place,) inclusive.</a:t>
             </a:r>
-            <a:endParaRPr sz="1500"/>
-          </a:p>
-          <a:p>
-            <a:pPr indent="-323850" lvl="0" marL="457200" rtl="0" algn="l">
-              <a:spcBef>
-                <a:spcPts val="0"/>
-              </a:spcBef>
-              <a:spcAft>
-                <a:spcPts val="0"/>
-              </a:spcAft>
-              <a:buSzPts val="1500"/>
-              <a:buChar char="●"/>
-            </a:pPr>
-            <a:r>
-              <a:rPr lang="en" sz="1500"/>
-              <a:t>The map is color coded to better identify which zip codes had higher contributions.</a:t>
-            </a:r>
-            <a:endParaRPr sz="1500"/>
+            <a:endParaRPr sz="1700"/>
           </a:p>
         </p:txBody>
       </p:sp>
@@ -8911,7 +9199,7 @@
             </a:pPr>
             <a:r>
               <a:rPr lang="en"/>
-              <a:t>Dashboard 2</a:t>
+              <a:t>Analysis (continued)</a:t>
             </a:r>
             <a:endParaRPr/>
           </a:p>
@@ -8940,9 +9228,49 @@
           </a:bodyPr>
           <a:lstStyle/>
           <a:p>
+            <a:pPr indent="0" lvl="0" marL="0" rtl="0" algn="l">
+              <a:spcBef>
+                <a:spcPts val="0"/>
+              </a:spcBef>
+              <a:spcAft>
+                <a:spcPts val="0"/>
+              </a:spcAft>
+              <a:buNone/>
+            </a:pPr>
+            <a:r>
+              <a:rPr b="1" lang="en" sz="2000">
+                <a:solidFill>
+                  <a:schemeClr val="accent3"/>
+                </a:solidFill>
+              </a:rPr>
+              <a:t>How do we add interactive elements to our dashboard?</a:t>
+            </a:r>
+            <a:endParaRPr b="1" sz="2000">
+              <a:solidFill>
+                <a:schemeClr val="accent3"/>
+              </a:solidFill>
+            </a:endParaRPr>
+          </a:p>
+          <a:p>
+            <a:pPr indent="0" lvl="0" marL="0" rtl="0" algn="l">
+              <a:spcBef>
+                <a:spcPts val="1600"/>
+              </a:spcBef>
+              <a:spcAft>
+                <a:spcPts val="0"/>
+              </a:spcAft>
+              <a:buNone/>
+            </a:pPr>
+            <a:r>
+              <a:rPr lang="en" sz="1500"/>
+              <a:t>We have added interactive elements to our dashboard, as follows:</a:t>
+            </a:r>
+            <a:endParaRPr sz="1500"/>
+          </a:p>
+          <a:p>
             <a:pPr indent="-323850" lvl="0" marL="457200" rtl="0" algn="l">
               <a:spcBef>
-                <a:spcPts val="0"/>
+                <a:spcPts val="1200"/>
               </a:spcBef>
               <a:spcAft>
                 <a:spcPts val="0"/>
@@ -8952,7 +9280,24 @@
             </a:pPr>
             <a:r>
               <a:rPr lang="en" sz="1500"/>
-              <a:t>The dashboard shows the top four candidates who qualified by percentage of contributions received.  Highlight Hover action has been created on this page to enhance visual effects.</a:t>
+              <a:t>We have added filters to our dashboard, making them available via the All Using Related Data Sources option, so that any selection through the filter applies to all worksheets that are in any way related to the data source.</a:t>
+            </a:r>
+            <a:endParaRPr sz="1500"/>
+          </a:p>
+          <a:p>
+            <a:pPr indent="-323850" lvl="0" marL="457200" rtl="0" algn="l">
+              <a:spcBef>
+                <a:spcPts val="0"/>
+              </a:spcBef>
+              <a:spcAft>
+                <a:spcPts val="0"/>
+              </a:spcAft>
+              <a:buSzPts val="1500"/>
+              <a:buChar char="●"/>
+            </a:pPr>
+            <a:r>
+              <a:rPr lang="en" sz="1500"/>
+              <a:t>Please note that we have used multiple data sources and have used the Edit Blend Relationships option to link primary and secondary data sources.</a:t>
             </a:r>
             <a:endParaRPr sz="1500"/>
           </a:p>
@@ -8969,13 +9314,6 @@
 <file path=ppt/slides/slide12.xml><?xml version="1.0" encoding="utf-8"?>
 <p:sld xmlns:a="http://schemas.openxmlformats.org/drawingml/2006/main" xmlns:r="http://schemas.openxmlformats.org/officeDocument/2006/relationships" xmlns:mc="http://schemas.openxmlformats.org/markup-compatibility/2006" xmlns:mv="urn:schemas-microsoft-com:mac:vml" xmlns:p="http://schemas.openxmlformats.org/presentationml/2006/main" xmlns:c="http://schemas.openxmlformats.org/drawingml/2006/chart" xmlns:dgm="http://schemas.openxmlformats.org/drawingml/2006/diagram" xmlns:o="urn:schemas-microsoft-com:office:office" xmlns:v="urn:schemas-microsoft-com:vml" xmlns:pvml="urn:schemas-microsoft-com:office:powerpoint" xmlns:com="http://schemas.openxmlformats.org/drawingml/2006/compatibility" xmlns:p14="http://schemas.microsoft.com/office/powerpoint/2010/main" xmlns:p15="http://schemas.microsoft.com/office/powerpoint/2012/main" xmlns:ahyp="http://schemas.microsoft.com/office/drawing/2018/hyperlinkcolor">
   <p:cSld>
-    <p:bg>
-      <p:bgPr>
-        <a:solidFill>
-          <a:schemeClr val="accent3"/>
-        </a:solidFill>
-      </p:bgPr>
-    </p:bg>
     <p:spTree>
       <p:nvGrpSpPr>
         <p:cNvPr id="137" name="Shape 137"/>
@@ -9000,20 +9338,20 @@
         </p:nvSpPr>
         <p:spPr>
           <a:xfrm>
-            <a:off x="406425" y="1806825"/>
-            <a:ext cx="8296800" cy="1542000"/>
+            <a:off x="2516550" y="575950"/>
+            <a:ext cx="6205500" cy="635400"/>
           </a:xfrm>
           <a:prstGeom prst="rect">
             <a:avLst/>
           </a:prstGeom>
         </p:spPr>
         <p:txBody>
-          <a:bodyPr anchorCtr="0" anchor="ctr" bIns="91425" lIns="91425" spcFirstLastPara="1" rIns="91425" wrap="square" tIns="91425">
+          <a:bodyPr anchorCtr="0" anchor="t" bIns="91425" lIns="91425" spcFirstLastPara="1" rIns="91425" wrap="square" tIns="91425">
             <a:noAutofit/>
           </a:bodyPr>
           <a:lstStyle/>
           <a:p>
-            <a:pPr indent="0" lvl="0" marL="0" rtl="0" algn="ctr">
+            <a:pPr indent="0" lvl="0" marL="0" rtl="0" algn="l">
               <a:spcBef>
                 <a:spcPts val="0"/>
               </a:spcBef>
@@ -9024,9 +9362,91 @@
             </a:pPr>
             <a:r>
               <a:rPr lang="en"/>
-              <a:t>SQL</a:t>
+              <a:t>Analysis (continued)</a:t>
             </a:r>
             <a:endParaRPr/>
+          </a:p>
+        </p:txBody>
+      </p:sp>
+      <p:sp>
+        <p:nvSpPr>
+          <p:cNvPr id="139" name="Google Shape;139;p24"/>
+          <p:cNvSpPr txBox="1"/>
+          <p:nvPr>
+            <p:ph idx="2" type="body"/>
+          </p:nvPr>
+        </p:nvSpPr>
+        <p:spPr>
+          <a:xfrm>
+            <a:off x="2516500" y="1361175"/>
+            <a:ext cx="6205500" cy="3243900"/>
+          </a:xfrm>
+          <a:prstGeom prst="rect">
+            <a:avLst/>
+          </a:prstGeom>
+        </p:spPr>
+        <p:txBody>
+          <a:bodyPr anchorCtr="0" anchor="t" bIns="91425" lIns="91425" spcFirstLastPara="1" rIns="91425" wrap="square" tIns="91425">
+            <a:noAutofit/>
+          </a:bodyPr>
+          <a:lstStyle/>
+          <a:p>
+            <a:pPr indent="0" lvl="0" marL="0" rtl="0" algn="l">
+              <a:spcBef>
+                <a:spcPts val="0"/>
+              </a:spcBef>
+              <a:spcAft>
+                <a:spcPts val="0"/>
+              </a:spcAft>
+              <a:buNone/>
+            </a:pPr>
+            <a:r>
+              <a:rPr b="1" lang="en" sz="2000">
+                <a:solidFill>
+                  <a:schemeClr val="accent3"/>
+                </a:solidFill>
+              </a:rPr>
+              <a:t>How do we add interactive elements to our dashboard? (continued)</a:t>
+            </a:r>
+            <a:endParaRPr b="1" sz="2000">
+              <a:solidFill>
+                <a:schemeClr val="accent3"/>
+              </a:solidFill>
+            </a:endParaRPr>
+          </a:p>
+          <a:p>
+            <a:pPr indent="-323850" lvl="0" marL="457200" rtl="0" algn="l">
+              <a:spcBef>
+                <a:spcPts val="1600"/>
+              </a:spcBef>
+              <a:spcAft>
+                <a:spcPts val="0"/>
+              </a:spcAft>
+              <a:buSzPts val="1500"/>
+              <a:buChar char="●"/>
+            </a:pPr>
+            <a:r>
+              <a:rPr lang="en" sz="1500"/>
+              <a:t>We have added Highlight Actions to our dashboard which work when a user hovers over the source sheets.</a:t>
+            </a:r>
+            <a:endParaRPr sz="1500"/>
+          </a:p>
+          <a:p>
+            <a:pPr indent="-323850" lvl="0" marL="457200" rtl="0" algn="l">
+              <a:spcBef>
+                <a:spcPts val="0"/>
+              </a:spcBef>
+              <a:spcAft>
+                <a:spcPts val="0"/>
+              </a:spcAft>
+              <a:buSzPts val="1500"/>
+              <a:buChar char="●"/>
+            </a:pPr>
+            <a:r>
+              <a:rPr lang="en" sz="1500"/>
+              <a:t>We have added interactive text to our dashboard which dynamically change the text based on which election year was selected.</a:t>
+            </a:r>
+            <a:endParaRPr sz="1500"/>
           </a:p>
         </p:txBody>
       </p:sp>
@@ -9050,7 +9470,7 @@
     </p:bg>
     <p:spTree>
       <p:nvGrpSpPr>
-        <p:cNvPr id="142" name="Shape 142"/>
+        <p:cNvPr id="143" name="Shape 143"/>
         <p:cNvGrpSpPr/>
         <p:nvPr/>
       </p:nvGrpSpPr>
@@ -9064,7 +9484,7 @@
       </p:grpSpPr>
       <p:sp>
         <p:nvSpPr>
-          <p:cNvPr id="143" name="Google Shape;143;p25"/>
+          <p:cNvPr id="144" name="Google Shape;144;p25"/>
           <p:cNvSpPr txBox="1"/>
           <p:nvPr>
             <p:ph type="title"/>
@@ -9096,7 +9516,7 @@
             </a:pPr>
             <a:r>
               <a:rPr lang="en"/>
-              <a:t>Machine Learning</a:t>
+              <a:t>SQL</a:t>
             </a:r>
             <a:endParaRPr/>
           </a:p>
@@ -9115,7 +9535,7 @@
   <p:cSld>
     <p:spTree>
       <p:nvGrpSpPr>
-        <p:cNvPr id="147" name="Shape 147"/>
+        <p:cNvPr id="148" name="Shape 148"/>
         <p:cNvGrpSpPr/>
         <p:nvPr/>
       </p:nvGrpSpPr>
@@ -9129,7 +9549,7 @@
       </p:grpSpPr>
       <p:sp>
         <p:nvSpPr>
-          <p:cNvPr id="148" name="Google Shape;148;p26"/>
+          <p:cNvPr id="149" name="Google Shape;149;p26"/>
           <p:cNvSpPr txBox="1"/>
           <p:nvPr>
             <p:ph type="title"/>
@@ -9137,8 +9557,8 @@
         </p:nvSpPr>
         <p:spPr>
           <a:xfrm>
-            <a:off x="2400250" y="575950"/>
-            <a:ext cx="6321600" cy="635400"/>
+            <a:off x="2516550" y="575950"/>
+            <a:ext cx="6205500" cy="635400"/>
           </a:xfrm>
           <a:prstGeom prst="rect">
             <a:avLst/>
@@ -9161,7 +9581,7 @@
             </a:pPr>
             <a:r>
               <a:rPr lang="en"/>
-              <a:t>Machine Learning:</a:t>
+              <a:t>SQL Overview</a:t>
             </a:r>
             <a:endParaRPr/>
           </a:p>
@@ -9169,16 +9589,16 @@
       </p:sp>
       <p:sp>
         <p:nvSpPr>
-          <p:cNvPr id="149" name="Google Shape;149;p26"/>
+          <p:cNvPr id="150" name="Google Shape;150;p26"/>
           <p:cNvSpPr txBox="1"/>
           <p:nvPr>
-            <p:ph idx="1" type="body"/>
+            <p:ph idx="2" type="body"/>
           </p:nvPr>
         </p:nvSpPr>
         <p:spPr>
           <a:xfrm>
-            <a:off x="2400300" y="1361300"/>
-            <a:ext cx="6321600" cy="3243900"/>
+            <a:off x="2516500" y="1361175"/>
+            <a:ext cx="6205500" cy="3243900"/>
           </a:xfrm>
           <a:prstGeom prst="rect">
             <a:avLst/>
@@ -9202,7 +9622,7 @@
             </a:pPr>
             <a:r>
               <a:rPr lang="en" sz="1600"/>
-              <a:t>We selected the Balanced Random Forest algorithm for our project to randomly undersample our data to balance it.</a:t>
+              <a:t>We used a pgAdmin4 SQL interface stored on Amazon Web Services to store and analyze the cleaned data.</a:t>
             </a:r>
             <a:endParaRPr sz="1600"/>
           </a:p>
@@ -9219,7 +9639,7 @@
             </a:pPr>
             <a:r>
               <a:rPr lang="en" sz="1600"/>
-              <a:t>We chose a supervised learning approach, and despite already knowing the outcome, we used our data to see if the machine learning prediction matched said outcome.</a:t>
+              <a:t>Within SQL, we joined and merged the Committee, Individual, and Expenditure reports into a single table for each election year to further test using ML.</a:t>
             </a:r>
             <a:endParaRPr sz="1600"/>
           </a:p>
@@ -9236,41 +9656,7 @@
             </a:pPr>
             <a:r>
               <a:rPr lang="en" sz="1600"/>
-              <a:t>We encoded the data using LabelEncoder to numerically process string values in our data.</a:t>
-            </a:r>
-            <a:endParaRPr sz="1600"/>
-          </a:p>
-          <a:p>
-            <a:pPr indent="-330200" lvl="0" marL="457200" rtl="0" algn="l">
-              <a:spcBef>
-                <a:spcPts val="0"/>
-              </a:spcBef>
-              <a:spcAft>
-                <a:spcPts val="0"/>
-              </a:spcAft>
-              <a:buSzPts val="1600"/>
-              <a:buChar char="●"/>
-            </a:pPr>
-            <a:r>
-              <a:rPr lang="en" sz="1600"/>
-              <a:t>We then tested our data using a train-test split model at a 70/30 ratio to carry out our predictions.</a:t>
-            </a:r>
-            <a:endParaRPr sz="1600"/>
-          </a:p>
-          <a:p>
-            <a:pPr indent="-330200" lvl="0" marL="457200" rtl="0" algn="l">
-              <a:spcBef>
-                <a:spcPts val="0"/>
-              </a:spcBef>
-              <a:spcAft>
-                <a:spcPts val="0"/>
-              </a:spcAft>
-              <a:buSzPts val="1600"/>
-              <a:buChar char="●"/>
-            </a:pPr>
-            <a:r>
-              <a:rPr lang="en" sz="1600"/>
-              <a:t>Finally, we created visualizations of our ML results to graphically present them for analysis.</a:t>
+              <a:t>After processing the data within the interface, we exported the SQL tables from our server and established a connection to Jupyter Notebook (Pandas) for ML analysis.</a:t>
             </a:r>
             <a:endParaRPr sz="1600"/>
           </a:p>
@@ -9289,7 +9675,7 @@
   <p:cSld>
     <p:spTree>
       <p:nvGrpSpPr>
-        <p:cNvPr id="153" name="Shape 153"/>
+        <p:cNvPr id="154" name="Shape 154"/>
         <p:cNvGrpSpPr/>
         <p:nvPr/>
       </p:nvGrpSpPr>
@@ -9303,7 +9689,7 @@
       </p:grpSpPr>
       <p:sp>
         <p:nvSpPr>
-          <p:cNvPr id="154" name="Google Shape;154;p27"/>
+          <p:cNvPr id="155" name="Google Shape;155;p27"/>
           <p:cNvSpPr txBox="1"/>
           <p:nvPr>
             <p:ph type="title"/>
@@ -9335,90 +9721,39 @@
             </a:pPr>
             <a:r>
               <a:rPr lang="en"/>
-              <a:t>Feature Selection</a:t>
+              <a:t>ERD Diagram</a:t>
             </a:r>
             <a:endParaRPr/>
           </a:p>
         </p:txBody>
       </p:sp>
-      <p:sp>
-        <p:nvSpPr>
-          <p:cNvPr id="155" name="Google Shape;155;p27"/>
-          <p:cNvSpPr txBox="1"/>
-          <p:nvPr>
-            <p:ph idx="1" type="body"/>
-          </p:nvPr>
-        </p:nvSpPr>
-        <p:spPr>
-          <a:xfrm>
-            <a:off x="2400303" y="1602675"/>
-            <a:ext cx="3071400" cy="3002400"/>
+      <p:pic>
+        <p:nvPicPr>
+          <p:cNvPr id="156" name="Google Shape;156;p27"/>
+          <p:cNvPicPr preferRelativeResize="0"/>
+          <p:nvPr/>
+        </p:nvPicPr>
+        <p:blipFill rotWithShape="1">
+          <a:blip r:embed="rId3">
+            <a:alphaModFix/>
+          </a:blip>
+          <a:srcRect b="0" l="0" r="0" t="0"/>
+          <a:stretch/>
+        </p:blipFill>
+        <p:spPr>
+          <a:xfrm>
+            <a:off x="2480138" y="1137725"/>
+            <a:ext cx="6185281" cy="3627349"/>
           </a:xfrm>
           <a:prstGeom prst="rect">
             <a:avLst/>
           </a:prstGeom>
-        </p:spPr>
-        <p:txBody>
-          <a:bodyPr anchorCtr="0" anchor="t" bIns="91425" lIns="91425" spcFirstLastPara="1" rIns="91425" wrap="square" tIns="91425">
-            <a:noAutofit/>
-          </a:bodyPr>
-          <a:lstStyle/>
-          <a:p>
-            <a:pPr indent="0" lvl="0" marL="0" rtl="0" algn="l">
-              <a:spcBef>
-                <a:spcPts val="0"/>
-              </a:spcBef>
-              <a:spcAft>
-                <a:spcPts val="1600"/>
-              </a:spcAft>
-              <a:buNone/>
-            </a:pPr>
-            <a:r>
-              <a:t/>
-            </a:r>
-            <a:endParaRPr/>
-          </a:p>
-        </p:txBody>
-      </p:sp>
-      <p:sp>
-        <p:nvSpPr>
-          <p:cNvPr id="156" name="Google Shape;156;p27"/>
-          <p:cNvSpPr txBox="1"/>
-          <p:nvPr>
-            <p:ph idx="2" type="body"/>
-          </p:nvPr>
-        </p:nvSpPr>
-        <p:spPr>
-          <a:xfrm>
-            <a:off x="5650572" y="1602675"/>
-            <a:ext cx="3071400" cy="3002400"/>
-          </a:xfrm>
-          <a:prstGeom prst="rect">
-            <a:avLst/>
-          </a:prstGeom>
-        </p:spPr>
-        <p:txBody>
-          <a:bodyPr anchorCtr="0" anchor="t" bIns="91425" lIns="91425" spcFirstLastPara="1" rIns="91425" wrap="square" tIns="91425">
-            <a:noAutofit/>
-          </a:bodyPr>
-          <a:lstStyle/>
-          <a:p>
-            <a:pPr indent="0" lvl="0" marL="0" rtl="0" algn="l">
-              <a:spcBef>
-                <a:spcPts val="0"/>
-              </a:spcBef>
-              <a:spcAft>
-                <a:spcPts val="1600"/>
-              </a:spcAft>
-              <a:buNone/>
-            </a:pPr>
-            <a:r>
-              <a:t/>
-            </a:r>
-            <a:endParaRPr/>
-          </a:p>
-        </p:txBody>
-      </p:sp>
+          <a:noFill/>
+          <a:ln>
+            <a:noFill/>
+          </a:ln>
+        </p:spPr>
+      </p:pic>
     </p:spTree>
   </p:cSld>
   <p:clrMapOvr>
@@ -9485,7 +9820,7 @@
             </a:pPr>
             <a:r>
               <a:rPr lang="en"/>
-              <a:t>Results</a:t>
+              <a:t>Machine Learning</a:t>
             </a:r>
             <a:endParaRPr/>
           </a:p>
@@ -9521,20 +9856,20 @@
           <p:cNvPr id="166" name="Google Shape;166;p29"/>
           <p:cNvSpPr txBox="1"/>
           <p:nvPr>
-            <p:ph idx="1" type="body"/>
+            <p:ph type="title"/>
           </p:nvPr>
         </p:nvSpPr>
         <p:spPr>
           <a:xfrm>
-            <a:off x="328017" y="4226025"/>
-            <a:ext cx="8388600" cy="393600"/>
+            <a:off x="2400250" y="575950"/>
+            <a:ext cx="6321600" cy="635400"/>
           </a:xfrm>
           <a:prstGeom prst="rect">
             <a:avLst/>
           </a:prstGeom>
         </p:spPr>
         <p:txBody>
-          <a:bodyPr anchorCtr="0" anchor="ctr" bIns="91425" lIns="91425" spcFirstLastPara="1" rIns="91425" wrap="square" tIns="91425">
+          <a:bodyPr anchorCtr="0" anchor="t" bIns="91425" lIns="91425" spcFirstLastPara="1" rIns="91425" wrap="square" tIns="91425">
             <a:noAutofit/>
           </a:bodyPr>
           <a:lstStyle/>
@@ -9549,73 +9884,134 @@
               <a:buNone/>
             </a:pPr>
             <a:r>
-              <a:rPr lang="en" sz="1700"/>
-              <a:t>Total c</a:t>
+              <a:rPr lang="en"/>
+              <a:t>Machine Learning</a:t>
             </a:r>
             <a:r>
-              <a:rPr lang="en" sz="1700"/>
-              <a:t>ontributions, by category of contribution (left) and by contributor type (right)</a:t>
+              <a:rPr lang="en"/>
+              <a:t>:</a:t>
             </a:r>
-            <a:endParaRPr sz="1700"/>
+            <a:endParaRPr/>
           </a:p>
         </p:txBody>
       </p:sp>
-      <p:pic>
-        <p:nvPicPr>
+      <p:sp>
+        <p:nvSpPr>
           <p:cNvPr id="167" name="Google Shape;167;p29"/>
-          <p:cNvPicPr preferRelativeResize="0"/>
-          <p:nvPr/>
-        </p:nvPicPr>
-        <p:blipFill>
-          <a:blip r:embed="rId3">
-            <a:alphaModFix/>
-          </a:blip>
-          <a:stretch>
-            <a:fillRect/>
-          </a:stretch>
-        </p:blipFill>
-        <p:spPr>
-          <a:xfrm>
-            <a:off x="328025" y="203900"/>
-            <a:ext cx="3543300" cy="3762375"/>
+          <p:cNvSpPr txBox="1"/>
+          <p:nvPr>
+            <p:ph idx="1" type="body"/>
+          </p:nvPr>
+        </p:nvSpPr>
+        <p:spPr>
+          <a:xfrm>
+            <a:off x="2400300" y="1361300"/>
+            <a:ext cx="6321600" cy="3243900"/>
           </a:xfrm>
           <a:prstGeom prst="rect">
             <a:avLst/>
           </a:prstGeom>
-          <a:noFill/>
-          <a:ln>
-            <a:noFill/>
-          </a:ln>
-        </p:spPr>
-      </p:pic>
-      <p:pic>
-        <p:nvPicPr>
-          <p:cNvPr id="168" name="Google Shape;168;p29"/>
-          <p:cNvPicPr preferRelativeResize="0"/>
-          <p:nvPr/>
-        </p:nvPicPr>
-        <p:blipFill>
-          <a:blip r:embed="rId4">
-            <a:alphaModFix/>
-          </a:blip>
-          <a:stretch>
-            <a:fillRect/>
-          </a:stretch>
-        </p:blipFill>
-        <p:spPr>
-          <a:xfrm>
-            <a:off x="5173325" y="203900"/>
-            <a:ext cx="3543300" cy="3762375"/>
-          </a:xfrm>
-          <a:prstGeom prst="rect">
-            <a:avLst/>
-          </a:prstGeom>
-          <a:noFill/>
-          <a:ln>
-            <a:noFill/>
-          </a:ln>
-        </p:spPr>
-      </p:pic>
+        </p:spPr>
+        <p:txBody>
+          <a:bodyPr anchorCtr="0" anchor="t" bIns="91425" lIns="91425" spcFirstLastPara="1" rIns="91425" wrap="square" tIns="91425">
+            <a:noAutofit/>
+          </a:bodyPr>
+          <a:lstStyle/>
+          <a:p>
+            <a:pPr indent="-330200" lvl="0" marL="457200" rtl="0" algn="l">
+              <a:spcBef>
+                <a:spcPts val="0"/>
+              </a:spcBef>
+              <a:spcAft>
+                <a:spcPts val="0"/>
+              </a:spcAft>
+              <a:buSzPts val="1600"/>
+              <a:buChar char="●"/>
+            </a:pPr>
+            <a:r>
+              <a:rPr lang="en" sz="1600"/>
+              <a:t>We selected the Balanced Random Forest algorithm for our project to randomly undersample our data to balance it.</a:t>
+            </a:r>
+            <a:endParaRPr sz="1600"/>
+          </a:p>
+          <a:p>
+            <a:pPr indent="-330200" lvl="0" marL="457200" rtl="0" algn="l">
+              <a:spcBef>
+                <a:spcPts val="0"/>
+              </a:spcBef>
+              <a:spcAft>
+                <a:spcPts val="0"/>
+              </a:spcAft>
+              <a:buSzPts val="1600"/>
+              <a:buChar char="●"/>
+            </a:pPr>
+            <a:r>
+              <a:rPr lang="en" sz="1600"/>
+              <a:t>We chose a supervised learning approach, and despite already knowing the outcome, we used our data to see if the </a:t>
+            </a:r>
+            <a:r>
+              <a:rPr lang="en" sz="1600"/>
+              <a:t>ML</a:t>
+            </a:r>
+            <a:r>
+              <a:rPr lang="en" sz="1600"/>
+              <a:t> prediction matched said outcome.</a:t>
+            </a:r>
+            <a:endParaRPr sz="1600"/>
+          </a:p>
+          <a:p>
+            <a:pPr indent="-330200" lvl="0" marL="457200" rtl="0" algn="l">
+              <a:spcBef>
+                <a:spcPts val="0"/>
+              </a:spcBef>
+              <a:spcAft>
+                <a:spcPts val="0"/>
+              </a:spcAft>
+              <a:buSzPts val="1600"/>
+              <a:buChar char="●"/>
+            </a:pPr>
+            <a:r>
+              <a:rPr lang="en" sz="1600"/>
+              <a:t>We encoded the data using LabelEncoder to numerically process string values in our data.</a:t>
+            </a:r>
+            <a:endParaRPr sz="1600"/>
+          </a:p>
+          <a:p>
+            <a:pPr indent="-330200" lvl="0" marL="457200" rtl="0" algn="l">
+              <a:spcBef>
+                <a:spcPts val="0"/>
+              </a:spcBef>
+              <a:spcAft>
+                <a:spcPts val="0"/>
+              </a:spcAft>
+              <a:buSzPts val="1600"/>
+              <a:buChar char="●"/>
+            </a:pPr>
+            <a:r>
+              <a:rPr lang="en" sz="1600"/>
+              <a:t>We then tested our data using a train-test split model at a 70/30 ratio to carry out our predictions.</a:t>
+            </a:r>
+            <a:endParaRPr sz="1600"/>
+          </a:p>
+          <a:p>
+            <a:pPr indent="-330200" lvl="0" marL="457200" rtl="0" algn="l">
+              <a:spcBef>
+                <a:spcPts val="0"/>
+              </a:spcBef>
+              <a:spcAft>
+                <a:spcPts val="0"/>
+              </a:spcAft>
+              <a:buSzPts val="1600"/>
+              <a:buChar char="●"/>
+            </a:pPr>
+            <a:r>
+              <a:rPr lang="en" sz="1600"/>
+              <a:t>Finally, we created visualizations of our ML results to graphically present them for analysis.</a:t>
+            </a:r>
+            <a:endParaRPr sz="1600"/>
+          </a:p>
+        </p:txBody>
+      </p:sp>
     </p:spTree>
   </p:cSld>
   <p:clrMapOvr>
@@ -9629,7 +10025,7 @@
   <p:cSld>
     <p:spTree>
       <p:nvGrpSpPr>
-        <p:cNvPr id="172" name="Shape 172"/>
+        <p:cNvPr id="171" name="Shape 171"/>
         <p:cNvGrpSpPr/>
         <p:nvPr/>
       </p:nvGrpSpPr>
@@ -9643,7 +10039,7 @@
       </p:grpSpPr>
       <p:sp>
         <p:nvSpPr>
-          <p:cNvPr id="173" name="Google Shape;173;p30"/>
+          <p:cNvPr id="172" name="Google Shape;172;p30"/>
           <p:cNvSpPr txBox="1"/>
           <p:nvPr>
             <p:ph type="title"/>
@@ -9675,7 +10071,46 @@
             </a:pPr>
             <a:r>
               <a:rPr lang="en"/>
-              <a:t>Reserved for data summary</a:t>
+              <a:t>Feature Selection</a:t>
+            </a:r>
+            <a:endParaRPr/>
+          </a:p>
+        </p:txBody>
+      </p:sp>
+      <p:sp>
+        <p:nvSpPr>
+          <p:cNvPr id="173" name="Google Shape;173;p30"/>
+          <p:cNvSpPr txBox="1"/>
+          <p:nvPr>
+            <p:ph idx="1" type="body"/>
+          </p:nvPr>
+        </p:nvSpPr>
+        <p:spPr>
+          <a:xfrm>
+            <a:off x="2400303" y="1602675"/>
+            <a:ext cx="3071400" cy="3002400"/>
+          </a:xfrm>
+          <a:prstGeom prst="rect">
+            <a:avLst/>
+          </a:prstGeom>
+        </p:spPr>
+        <p:txBody>
+          <a:bodyPr anchorCtr="0" anchor="t" bIns="91425" lIns="91425" spcFirstLastPara="1" rIns="91425" wrap="square" tIns="91425">
+            <a:noAutofit/>
+          </a:bodyPr>
+          <a:lstStyle/>
+          <a:p>
+            <a:pPr indent="0" lvl="0" marL="0" rtl="0" algn="l">
+              <a:spcBef>
+                <a:spcPts val="0"/>
+              </a:spcBef>
+              <a:spcAft>
+                <a:spcPts val="1600"/>
+              </a:spcAft>
+              <a:buNone/>
+            </a:pPr>
+            <a:r>
+              <a:t/>
             </a:r>
             <a:endParaRPr/>
           </a:p>
@@ -9686,13 +10121,13 @@
           <p:cNvPr id="174" name="Google Shape;174;p30"/>
           <p:cNvSpPr txBox="1"/>
           <p:nvPr>
-            <p:ph idx="1" type="body"/>
+            <p:ph idx="2" type="body"/>
           </p:nvPr>
         </p:nvSpPr>
         <p:spPr>
           <a:xfrm>
-            <a:off x="2410112" y="1595776"/>
-            <a:ext cx="6321600" cy="3002400"/>
+            <a:off x="5650572" y="1602675"/>
+            <a:ext cx="3071400" cy="3002400"/>
           </a:xfrm>
           <a:prstGeom prst="rect">
             <a:avLst/>
@@ -9709,142 +10144,6 @@
                 <a:spcPts val="0"/>
               </a:spcBef>
               <a:spcAft>
-                <a:spcPts val="0"/>
-              </a:spcAft>
-              <a:buNone/>
-            </a:pPr>
-            <a:r>
-              <a:rPr b="1" lang="en" sz="2100">
-                <a:solidFill>
-                  <a:schemeClr val="accent3"/>
-                </a:solidFill>
-              </a:rPr>
-              <a:t>Assignment 1</a:t>
-            </a:r>
-            <a:endParaRPr b="1" sz="2100">
-              <a:solidFill>
-                <a:schemeClr val="accent3"/>
-              </a:solidFill>
-            </a:endParaRPr>
-          </a:p>
-          <a:p>
-            <a:pPr indent="0" lvl="0" marL="0" rtl="0" algn="l">
-              <a:spcBef>
-                <a:spcPts val="0"/>
-              </a:spcBef>
-              <a:spcAft>
-                <a:spcPts val="0"/>
-              </a:spcAft>
-              <a:buNone/>
-            </a:pPr>
-            <a:r>
-              <a:rPr lang="en" sz="1600"/>
-              <a:t>Lorem ipsum dolor sit amet</a:t>
-            </a:r>
-            <a:endParaRPr sz="1600"/>
-          </a:p>
-          <a:p>
-            <a:pPr indent="0" lvl="0" marL="0" rtl="0" algn="l">
-              <a:spcBef>
-                <a:spcPts val="0"/>
-              </a:spcBef>
-              <a:spcAft>
-                <a:spcPts val="0"/>
-              </a:spcAft>
-              <a:buNone/>
-            </a:pPr>
-            <a:r>
-              <a:rPr lang="en" sz="1600"/>
-              <a:t>Consectetur adipiscing elit, sed do eiusmod tempor</a:t>
-            </a:r>
-            <a:endParaRPr sz="1600"/>
-          </a:p>
-          <a:p>
-            <a:pPr indent="0" lvl="0" marL="0" rtl="0" algn="l">
-              <a:spcBef>
-                <a:spcPts val="1600"/>
-              </a:spcBef>
-              <a:spcAft>
-                <a:spcPts val="0"/>
-              </a:spcAft>
-              <a:buNone/>
-            </a:pPr>
-            <a:r>
-              <a:rPr b="1" lang="en" sz="2100">
-                <a:solidFill>
-                  <a:schemeClr val="accent3"/>
-                </a:solidFill>
-              </a:rPr>
-              <a:t>Assignment 2</a:t>
-            </a:r>
-            <a:endParaRPr b="1" sz="2100">
-              <a:solidFill>
-                <a:schemeClr val="accent3"/>
-              </a:solidFill>
-            </a:endParaRPr>
-          </a:p>
-          <a:p>
-            <a:pPr indent="0" lvl="0" marL="0" rtl="0" algn="l">
-              <a:spcBef>
-                <a:spcPts val="0"/>
-              </a:spcBef>
-              <a:spcAft>
-                <a:spcPts val="0"/>
-              </a:spcAft>
-              <a:buNone/>
-            </a:pPr>
-            <a:r>
-              <a:rPr lang="en" sz="1600"/>
-              <a:t>Lorem ipsum dolor sit amet</a:t>
-            </a:r>
-            <a:endParaRPr sz="1600"/>
-          </a:p>
-          <a:p>
-            <a:pPr indent="0" lvl="0" marL="0" rtl="0" algn="l">
-              <a:spcBef>
-                <a:spcPts val="1600"/>
-              </a:spcBef>
-              <a:spcAft>
-                <a:spcPts val="0"/>
-              </a:spcAft>
-              <a:buNone/>
-            </a:pPr>
-            <a:r>
-              <a:rPr b="1" lang="en" sz="2100">
-                <a:solidFill>
-                  <a:schemeClr val="accent3"/>
-                </a:solidFill>
-              </a:rPr>
-              <a:t>Assignment 3</a:t>
-            </a:r>
-            <a:endParaRPr b="1" sz="2100">
-              <a:solidFill>
-                <a:schemeClr val="accent3"/>
-              </a:solidFill>
-            </a:endParaRPr>
-          </a:p>
-          <a:p>
-            <a:pPr indent="0" lvl="0" marL="0" rtl="0" algn="l">
-              <a:spcBef>
-                <a:spcPts val="0"/>
-              </a:spcBef>
-              <a:spcAft>
-                <a:spcPts val="0"/>
-              </a:spcAft>
-              <a:buNone/>
-            </a:pPr>
-            <a:r>
-              <a:rPr lang="en" sz="1600"/>
-              <a:t>Consectetur adipiscing elit, sed do eiusmod tempor</a:t>
-            </a:r>
-            <a:endParaRPr sz="1600"/>
-          </a:p>
-          <a:p>
-            <a:pPr indent="0" lvl="0" marL="0" rtl="0" algn="l">
-              <a:spcBef>
-                <a:spcPts val="1200"/>
-              </a:spcBef>
-              <a:spcAft>
                 <a:spcPts val="1600"/>
               </a:spcAft>
               <a:buNone/>
@@ -9852,7 +10151,7 @@
             <a:r>
               <a:t/>
             </a:r>
-            <a:endParaRPr sz="2400"/>
+            <a:endParaRPr/>
           </a:p>
         </p:txBody>
       </p:sp>
@@ -9867,6 +10166,13 @@
 <file path=ppt/slides/slide19.xml><?xml version="1.0" encoding="utf-8"?>
 <p:sld xmlns:a="http://schemas.openxmlformats.org/drawingml/2006/main" xmlns:r="http://schemas.openxmlformats.org/officeDocument/2006/relationships" xmlns:mc="http://schemas.openxmlformats.org/markup-compatibility/2006" xmlns:mv="urn:schemas-microsoft-com:mac:vml" xmlns:p="http://schemas.openxmlformats.org/presentationml/2006/main" xmlns:c="http://schemas.openxmlformats.org/drawingml/2006/chart" xmlns:dgm="http://schemas.openxmlformats.org/drawingml/2006/diagram" xmlns:o="urn:schemas-microsoft-com:office:office" xmlns:v="urn:schemas-microsoft-com:vml" xmlns:pvml="urn:schemas-microsoft-com:office:powerpoint" xmlns:com="http://schemas.openxmlformats.org/drawingml/2006/compatibility" xmlns:p14="http://schemas.microsoft.com/office/powerpoint/2010/main" xmlns:p15="http://schemas.microsoft.com/office/powerpoint/2012/main" xmlns:ahyp="http://schemas.microsoft.com/office/drawing/2018/hyperlinkcolor">
   <p:cSld>
+    <p:bg>
+      <p:bgPr>
+        <a:solidFill>
+          <a:schemeClr val="accent3"/>
+        </a:solidFill>
+      </p:bgPr>
+    </p:bg>
     <p:spTree>
       <p:nvGrpSpPr>
         <p:cNvPr id="178" name="Shape 178"/>
@@ -9891,8 +10197,8 @@
         </p:nvSpPr>
         <p:spPr>
           <a:xfrm>
-            <a:off x="265500" y="1912650"/>
-            <a:ext cx="4045200" cy="1318200"/>
+            <a:off x="406425" y="1806825"/>
+            <a:ext cx="8296800" cy="1542000"/>
           </a:xfrm>
           <a:prstGeom prst="rect">
             <a:avLst/>
@@ -9914,95 +10220,8 @@
               <a:buNone/>
             </a:pPr>
             <a:r>
-              <a:rPr lang="en">
-                <a:solidFill>
-                  <a:schemeClr val="accent3"/>
-                </a:solidFill>
-              </a:rPr>
-              <a:t>Summary</a:t>
-            </a:r>
-            <a:endParaRPr>
-              <a:solidFill>
-                <a:schemeClr val="accent3"/>
-              </a:solidFill>
-            </a:endParaRPr>
-          </a:p>
-        </p:txBody>
-      </p:sp>
-      <p:sp>
-        <p:nvSpPr>
-          <p:cNvPr id="180" name="Google Shape;180;p31"/>
-          <p:cNvSpPr txBox="1"/>
-          <p:nvPr>
-            <p:ph idx="2" type="body"/>
-          </p:nvPr>
-        </p:nvSpPr>
-        <p:spPr>
-          <a:xfrm>
-            <a:off x="4939500" y="724200"/>
-            <a:ext cx="3837000" cy="3695100"/>
-          </a:xfrm>
-          <a:prstGeom prst="rect">
-            <a:avLst/>
-          </a:prstGeom>
-        </p:spPr>
-        <p:txBody>
-          <a:bodyPr anchorCtr="0" anchor="ctr" bIns="91425" lIns="91425" spcFirstLastPara="1" rIns="91425" wrap="square" tIns="91425">
-            <a:noAutofit/>
-          </a:bodyPr>
-          <a:lstStyle/>
-          <a:p>
-            <a:pPr indent="-342900" lvl="0" marL="457200" rtl="0" algn="l">
-              <a:spcBef>
-                <a:spcPts val="0"/>
-              </a:spcBef>
-              <a:spcAft>
-                <a:spcPts val="0"/>
-              </a:spcAft>
-              <a:buSzPts val="1800"/>
-              <a:buAutoNum type="arabicPeriod"/>
-            </a:pPr>
-            <a:r>
               <a:rPr lang="en"/>
-              <a:t>There exists/does not exist a relationship...</a:t>
-            </a:r>
-            <a:endParaRPr/>
-          </a:p>
-          <a:p>
-            <a:pPr indent="-342900" lvl="0" marL="457200" rtl="0" algn="l">
-              <a:spcBef>
-                <a:spcPts val="1600"/>
-              </a:spcBef>
-              <a:spcAft>
-                <a:spcPts val="0"/>
-              </a:spcAft>
-              <a:buSzPts val="1800"/>
-              <a:buAutoNum type="arabicPeriod"/>
-            </a:pPr>
-            <a:r>
-              <a:rPr lang="en"/>
-              <a:t>Occupations and industries associated with winning candidates include…</a:t>
-            </a:r>
-            <a:r>
-              <a:rPr lang="en"/>
-              <a:t>,</a:t>
-            </a:r>
-            <a:endParaRPr/>
-          </a:p>
-          <a:p>
-            <a:pPr indent="-342900" lvl="0" marL="457200" rtl="0" algn="l">
-              <a:spcBef>
-                <a:spcPts val="1600"/>
-              </a:spcBef>
-              <a:spcAft>
-                <a:spcPts val="1600"/>
-              </a:spcAft>
-              <a:buSzPts val="1800"/>
-              <a:buAutoNum type="arabicPeriod"/>
-            </a:pPr>
-            <a:r>
-              <a:rPr lang="en"/>
-              <a:t>Occupations and industries associated with losing candidates include…,</a:t>
+              <a:t>Results</a:t>
             </a:r>
             <a:endParaRPr/>
           </a:p>
@@ -10189,6 +10408,521 @@
 </p:sld>
 </file>
 
+<file path=ppt/slides/slide20.xml><?xml version="1.0" encoding="utf-8"?>
+<p:sld xmlns:a="http://schemas.openxmlformats.org/drawingml/2006/main" xmlns:r="http://schemas.openxmlformats.org/officeDocument/2006/relationships" xmlns:mc="http://schemas.openxmlformats.org/markup-compatibility/2006" xmlns:mv="urn:schemas-microsoft-com:mac:vml" xmlns:p="http://schemas.openxmlformats.org/presentationml/2006/main" xmlns:c="http://schemas.openxmlformats.org/drawingml/2006/chart" xmlns:dgm="http://schemas.openxmlformats.org/drawingml/2006/diagram" xmlns:o="urn:schemas-microsoft-com:office:office" xmlns:v="urn:schemas-microsoft-com:vml" xmlns:pvml="urn:schemas-microsoft-com:office:powerpoint" xmlns:com="http://schemas.openxmlformats.org/drawingml/2006/compatibility" xmlns:p14="http://schemas.microsoft.com/office/powerpoint/2010/main" xmlns:p15="http://schemas.microsoft.com/office/powerpoint/2012/main" xmlns:ahyp="http://schemas.microsoft.com/office/drawing/2018/hyperlinkcolor">
+  <p:cSld>
+    <p:spTree>
+      <p:nvGrpSpPr>
+        <p:cNvPr id="183" name="Shape 183"/>
+        <p:cNvGrpSpPr/>
+        <p:nvPr/>
+      </p:nvGrpSpPr>
+      <p:grpSpPr>
+        <a:xfrm>
+          <a:off x="0" y="0"/>
+          <a:ext cx="0" cy="0"/>
+          <a:chOff x="0" y="0"/>
+          <a:chExt cx="0" cy="0"/>
+        </a:xfrm>
+      </p:grpSpPr>
+      <p:sp>
+        <p:nvSpPr>
+          <p:cNvPr id="184" name="Google Shape;184;p32"/>
+          <p:cNvSpPr txBox="1"/>
+          <p:nvPr>
+            <p:ph idx="1" type="body"/>
+          </p:nvPr>
+        </p:nvSpPr>
+        <p:spPr>
+          <a:xfrm>
+            <a:off x="328017" y="4226025"/>
+            <a:ext cx="8388600" cy="393600"/>
+          </a:xfrm>
+          <a:prstGeom prst="rect">
+            <a:avLst/>
+          </a:prstGeom>
+        </p:spPr>
+        <p:txBody>
+          <a:bodyPr anchorCtr="0" anchor="ctr" bIns="91425" lIns="91425" spcFirstLastPara="1" rIns="91425" wrap="square" tIns="91425">
+            <a:noAutofit/>
+          </a:bodyPr>
+          <a:lstStyle/>
+          <a:p>
+            <a:pPr indent="0" lvl="0" marL="0" rtl="0" algn="l">
+              <a:spcBef>
+                <a:spcPts val="0"/>
+              </a:spcBef>
+              <a:spcAft>
+                <a:spcPts val="0"/>
+              </a:spcAft>
+              <a:buNone/>
+            </a:pPr>
+            <a:r>
+              <a:rPr lang="en" sz="1700"/>
+              <a:t>Total c</a:t>
+            </a:r>
+            <a:r>
+              <a:rPr lang="en" sz="1700"/>
+              <a:t>ontributions, by category of contribution (left) and by contributor type (right)</a:t>
+            </a:r>
+            <a:endParaRPr sz="1700"/>
+          </a:p>
+        </p:txBody>
+      </p:sp>
+      <p:pic>
+        <p:nvPicPr>
+          <p:cNvPr id="185" name="Google Shape;185;p32"/>
+          <p:cNvPicPr preferRelativeResize="0"/>
+          <p:nvPr/>
+        </p:nvPicPr>
+        <p:blipFill rotWithShape="1">
+          <a:blip r:embed="rId3">
+            <a:alphaModFix/>
+          </a:blip>
+          <a:srcRect b="0" l="2281" r="2271" t="0"/>
+          <a:stretch/>
+        </p:blipFill>
+        <p:spPr>
+          <a:xfrm>
+            <a:off x="328025" y="203900"/>
+            <a:ext cx="3543300" cy="3762375"/>
+          </a:xfrm>
+          <a:prstGeom prst="rect">
+            <a:avLst/>
+          </a:prstGeom>
+          <a:noFill/>
+          <a:ln>
+            <a:noFill/>
+          </a:ln>
+        </p:spPr>
+      </p:pic>
+      <p:pic>
+        <p:nvPicPr>
+          <p:cNvPr id="186" name="Google Shape;186;p32"/>
+          <p:cNvPicPr preferRelativeResize="0"/>
+          <p:nvPr/>
+        </p:nvPicPr>
+        <p:blipFill rotWithShape="1">
+          <a:blip r:embed="rId4">
+            <a:alphaModFix/>
+          </a:blip>
+          <a:srcRect b="0" l="2281" r="2271" t="0"/>
+          <a:stretch/>
+        </p:blipFill>
+        <p:spPr>
+          <a:xfrm>
+            <a:off x="5173325" y="203900"/>
+            <a:ext cx="3543300" cy="3762375"/>
+          </a:xfrm>
+          <a:prstGeom prst="rect">
+            <a:avLst/>
+          </a:prstGeom>
+          <a:noFill/>
+          <a:ln>
+            <a:noFill/>
+          </a:ln>
+        </p:spPr>
+      </p:pic>
+    </p:spTree>
+  </p:cSld>
+  <p:clrMapOvr>
+    <a:masterClrMapping/>
+  </p:clrMapOvr>
+</p:sld>
+</file>
+
+<file path=ppt/slides/slide21.xml><?xml version="1.0" encoding="utf-8"?>
+<p:sld xmlns:a="http://schemas.openxmlformats.org/drawingml/2006/main" xmlns:r="http://schemas.openxmlformats.org/officeDocument/2006/relationships" xmlns:mc="http://schemas.openxmlformats.org/markup-compatibility/2006" xmlns:mv="urn:schemas-microsoft-com:mac:vml" xmlns:p="http://schemas.openxmlformats.org/presentationml/2006/main" xmlns:c="http://schemas.openxmlformats.org/drawingml/2006/chart" xmlns:dgm="http://schemas.openxmlformats.org/drawingml/2006/diagram" xmlns:o="urn:schemas-microsoft-com:office:office" xmlns:v="urn:schemas-microsoft-com:vml" xmlns:pvml="urn:schemas-microsoft-com:office:powerpoint" xmlns:com="http://schemas.openxmlformats.org/drawingml/2006/compatibility" xmlns:p14="http://schemas.microsoft.com/office/powerpoint/2010/main" xmlns:p15="http://schemas.microsoft.com/office/powerpoint/2012/main" xmlns:ahyp="http://schemas.microsoft.com/office/drawing/2018/hyperlinkcolor">
+  <p:cSld>
+    <p:spTree>
+      <p:nvGrpSpPr>
+        <p:cNvPr id="190" name="Shape 190"/>
+        <p:cNvGrpSpPr/>
+        <p:nvPr/>
+      </p:nvGrpSpPr>
+      <p:grpSpPr>
+        <a:xfrm>
+          <a:off x="0" y="0"/>
+          <a:ext cx="0" cy="0"/>
+          <a:chOff x="0" y="0"/>
+          <a:chExt cx="0" cy="0"/>
+        </a:xfrm>
+      </p:grpSpPr>
+      <p:sp>
+        <p:nvSpPr>
+          <p:cNvPr id="191" name="Google Shape;191;p33"/>
+          <p:cNvSpPr txBox="1"/>
+          <p:nvPr>
+            <p:ph type="title"/>
+          </p:nvPr>
+        </p:nvSpPr>
+        <p:spPr>
+          <a:xfrm>
+            <a:off x="2400250" y="575950"/>
+            <a:ext cx="6321600" cy="635400"/>
+          </a:xfrm>
+          <a:prstGeom prst="rect">
+            <a:avLst/>
+          </a:prstGeom>
+        </p:spPr>
+        <p:txBody>
+          <a:bodyPr anchorCtr="0" anchor="t" bIns="91425" lIns="91425" spcFirstLastPara="1" rIns="91425" wrap="square" tIns="91425">
+            <a:noAutofit/>
+          </a:bodyPr>
+          <a:lstStyle/>
+          <a:p>
+            <a:pPr indent="0" lvl="0" marL="0" rtl="0" algn="l">
+              <a:spcBef>
+                <a:spcPts val="0"/>
+              </a:spcBef>
+              <a:spcAft>
+                <a:spcPts val="0"/>
+              </a:spcAft>
+              <a:buNone/>
+            </a:pPr>
+            <a:r>
+              <a:rPr lang="en"/>
+              <a:t>Reserved for data summary</a:t>
+            </a:r>
+            <a:endParaRPr/>
+          </a:p>
+        </p:txBody>
+      </p:sp>
+      <p:sp>
+        <p:nvSpPr>
+          <p:cNvPr id="192" name="Google Shape;192;p33"/>
+          <p:cNvSpPr txBox="1"/>
+          <p:nvPr>
+            <p:ph idx="1" type="body"/>
+          </p:nvPr>
+        </p:nvSpPr>
+        <p:spPr>
+          <a:xfrm>
+            <a:off x="2410112" y="1595776"/>
+            <a:ext cx="6321600" cy="3002400"/>
+          </a:xfrm>
+          <a:prstGeom prst="rect">
+            <a:avLst/>
+          </a:prstGeom>
+        </p:spPr>
+        <p:txBody>
+          <a:bodyPr anchorCtr="0" anchor="t" bIns="91425" lIns="91425" spcFirstLastPara="1" rIns="91425" wrap="square" tIns="91425">
+            <a:noAutofit/>
+          </a:bodyPr>
+          <a:lstStyle/>
+          <a:p>
+            <a:pPr indent="0" lvl="0" marL="0" rtl="0" algn="l">
+              <a:spcBef>
+                <a:spcPts val="0"/>
+              </a:spcBef>
+              <a:spcAft>
+                <a:spcPts val="0"/>
+              </a:spcAft>
+              <a:buNone/>
+            </a:pPr>
+            <a:r>
+              <a:rPr b="1" lang="en" sz="2100">
+                <a:solidFill>
+                  <a:schemeClr val="accent3"/>
+                </a:solidFill>
+              </a:rPr>
+              <a:t>Assignment 1</a:t>
+            </a:r>
+            <a:endParaRPr b="1" sz="2100">
+              <a:solidFill>
+                <a:schemeClr val="accent3"/>
+              </a:solidFill>
+            </a:endParaRPr>
+          </a:p>
+          <a:p>
+            <a:pPr indent="0" lvl="0" marL="0" rtl="0" algn="l">
+              <a:spcBef>
+                <a:spcPts val="0"/>
+              </a:spcBef>
+              <a:spcAft>
+                <a:spcPts val="0"/>
+              </a:spcAft>
+              <a:buNone/>
+            </a:pPr>
+            <a:r>
+              <a:rPr lang="en" sz="1600"/>
+              <a:t>Lorem ipsum dolor sit amet</a:t>
+            </a:r>
+            <a:endParaRPr sz="1600"/>
+          </a:p>
+          <a:p>
+            <a:pPr indent="0" lvl="0" marL="0" rtl="0" algn="l">
+              <a:spcBef>
+                <a:spcPts val="0"/>
+              </a:spcBef>
+              <a:spcAft>
+                <a:spcPts val="0"/>
+              </a:spcAft>
+              <a:buNone/>
+            </a:pPr>
+            <a:r>
+              <a:rPr lang="en" sz="1600"/>
+              <a:t>Consectetur adipiscing elit, sed do eiusmod tempor</a:t>
+            </a:r>
+            <a:endParaRPr sz="1600"/>
+          </a:p>
+          <a:p>
+            <a:pPr indent="0" lvl="0" marL="0" rtl="0" algn="l">
+              <a:spcBef>
+                <a:spcPts val="1600"/>
+              </a:spcBef>
+              <a:spcAft>
+                <a:spcPts val="0"/>
+              </a:spcAft>
+              <a:buNone/>
+            </a:pPr>
+            <a:r>
+              <a:rPr b="1" lang="en" sz="2100">
+                <a:solidFill>
+                  <a:schemeClr val="accent3"/>
+                </a:solidFill>
+              </a:rPr>
+              <a:t>Assignment 2</a:t>
+            </a:r>
+            <a:endParaRPr b="1" sz="2100">
+              <a:solidFill>
+                <a:schemeClr val="accent3"/>
+              </a:solidFill>
+            </a:endParaRPr>
+          </a:p>
+          <a:p>
+            <a:pPr indent="0" lvl="0" marL="0" rtl="0" algn="l">
+              <a:spcBef>
+                <a:spcPts val="0"/>
+              </a:spcBef>
+              <a:spcAft>
+                <a:spcPts val="0"/>
+              </a:spcAft>
+              <a:buNone/>
+            </a:pPr>
+            <a:r>
+              <a:rPr lang="en" sz="1600"/>
+              <a:t>Lorem ipsum dolor sit amet</a:t>
+            </a:r>
+            <a:endParaRPr sz="1600"/>
+          </a:p>
+          <a:p>
+            <a:pPr indent="0" lvl="0" marL="0" rtl="0" algn="l">
+              <a:spcBef>
+                <a:spcPts val="1600"/>
+              </a:spcBef>
+              <a:spcAft>
+                <a:spcPts val="0"/>
+              </a:spcAft>
+              <a:buNone/>
+            </a:pPr>
+            <a:r>
+              <a:rPr b="1" lang="en" sz="2100">
+                <a:solidFill>
+                  <a:schemeClr val="accent3"/>
+                </a:solidFill>
+              </a:rPr>
+              <a:t>Assignment 3</a:t>
+            </a:r>
+            <a:endParaRPr b="1" sz="2100">
+              <a:solidFill>
+                <a:schemeClr val="accent3"/>
+              </a:solidFill>
+            </a:endParaRPr>
+          </a:p>
+          <a:p>
+            <a:pPr indent="0" lvl="0" marL="0" rtl="0" algn="l">
+              <a:spcBef>
+                <a:spcPts val="0"/>
+              </a:spcBef>
+              <a:spcAft>
+                <a:spcPts val="0"/>
+              </a:spcAft>
+              <a:buNone/>
+            </a:pPr>
+            <a:r>
+              <a:rPr lang="en" sz="1600"/>
+              <a:t>Consectetur adipiscing elit, sed do eiusmod tempor</a:t>
+            </a:r>
+            <a:endParaRPr sz="1600"/>
+          </a:p>
+          <a:p>
+            <a:pPr indent="0" lvl="0" marL="0" rtl="0" algn="l">
+              <a:spcBef>
+                <a:spcPts val="1200"/>
+              </a:spcBef>
+              <a:spcAft>
+                <a:spcPts val="1600"/>
+              </a:spcAft>
+              <a:buNone/>
+            </a:pPr>
+            <a:r>
+              <a:t/>
+            </a:r>
+            <a:endParaRPr sz="2400"/>
+          </a:p>
+        </p:txBody>
+      </p:sp>
+    </p:spTree>
+  </p:cSld>
+  <p:clrMapOvr>
+    <a:masterClrMapping/>
+  </p:clrMapOvr>
+</p:sld>
+</file>
+
+<file path=ppt/slides/slide22.xml><?xml version="1.0" encoding="utf-8"?>
+<p:sld xmlns:a="http://schemas.openxmlformats.org/drawingml/2006/main" xmlns:r="http://schemas.openxmlformats.org/officeDocument/2006/relationships" xmlns:mc="http://schemas.openxmlformats.org/markup-compatibility/2006" xmlns:mv="urn:schemas-microsoft-com:mac:vml" xmlns:p="http://schemas.openxmlformats.org/presentationml/2006/main" xmlns:c="http://schemas.openxmlformats.org/drawingml/2006/chart" xmlns:dgm="http://schemas.openxmlformats.org/drawingml/2006/diagram" xmlns:o="urn:schemas-microsoft-com:office:office" xmlns:v="urn:schemas-microsoft-com:vml" xmlns:pvml="urn:schemas-microsoft-com:office:powerpoint" xmlns:com="http://schemas.openxmlformats.org/drawingml/2006/compatibility" xmlns:p14="http://schemas.microsoft.com/office/powerpoint/2010/main" xmlns:p15="http://schemas.microsoft.com/office/powerpoint/2012/main" xmlns:ahyp="http://schemas.microsoft.com/office/drawing/2018/hyperlinkcolor">
+  <p:cSld>
+    <p:spTree>
+      <p:nvGrpSpPr>
+        <p:cNvPr id="196" name="Shape 196"/>
+        <p:cNvGrpSpPr/>
+        <p:nvPr/>
+      </p:nvGrpSpPr>
+      <p:grpSpPr>
+        <a:xfrm>
+          <a:off x="0" y="0"/>
+          <a:ext cx="0" cy="0"/>
+          <a:chOff x="0" y="0"/>
+          <a:chExt cx="0" cy="0"/>
+        </a:xfrm>
+      </p:grpSpPr>
+      <p:sp>
+        <p:nvSpPr>
+          <p:cNvPr id="197" name="Google Shape;197;p34"/>
+          <p:cNvSpPr txBox="1"/>
+          <p:nvPr>
+            <p:ph type="title"/>
+          </p:nvPr>
+        </p:nvSpPr>
+        <p:spPr>
+          <a:xfrm>
+            <a:off x="265500" y="1912650"/>
+            <a:ext cx="4045200" cy="1318200"/>
+          </a:xfrm>
+          <a:prstGeom prst="rect">
+            <a:avLst/>
+          </a:prstGeom>
+        </p:spPr>
+        <p:txBody>
+          <a:bodyPr anchorCtr="0" anchor="ctr" bIns="91425" lIns="91425" spcFirstLastPara="1" rIns="91425" wrap="square" tIns="91425">
+            <a:noAutofit/>
+          </a:bodyPr>
+          <a:lstStyle/>
+          <a:p>
+            <a:pPr indent="0" lvl="0" marL="0" rtl="0" algn="ctr">
+              <a:spcBef>
+                <a:spcPts val="0"/>
+              </a:spcBef>
+              <a:spcAft>
+                <a:spcPts val="0"/>
+              </a:spcAft>
+              <a:buNone/>
+            </a:pPr>
+            <a:r>
+              <a:rPr lang="en">
+                <a:solidFill>
+                  <a:schemeClr val="accent3"/>
+                </a:solidFill>
+              </a:rPr>
+              <a:t>Summary</a:t>
+            </a:r>
+            <a:endParaRPr>
+              <a:solidFill>
+                <a:schemeClr val="accent3"/>
+              </a:solidFill>
+            </a:endParaRPr>
+          </a:p>
+        </p:txBody>
+      </p:sp>
+      <p:sp>
+        <p:nvSpPr>
+          <p:cNvPr id="198" name="Google Shape;198;p34"/>
+          <p:cNvSpPr txBox="1"/>
+          <p:nvPr>
+            <p:ph idx="2" type="body"/>
+          </p:nvPr>
+        </p:nvSpPr>
+        <p:spPr>
+          <a:xfrm>
+            <a:off x="4939500" y="724200"/>
+            <a:ext cx="3837000" cy="3695100"/>
+          </a:xfrm>
+          <a:prstGeom prst="rect">
+            <a:avLst/>
+          </a:prstGeom>
+        </p:spPr>
+        <p:txBody>
+          <a:bodyPr anchorCtr="0" anchor="ctr" bIns="91425" lIns="91425" spcFirstLastPara="1" rIns="91425" wrap="square" tIns="91425">
+            <a:noAutofit/>
+          </a:bodyPr>
+          <a:lstStyle/>
+          <a:p>
+            <a:pPr indent="-342900" lvl="0" marL="457200" rtl="0" algn="l">
+              <a:spcBef>
+                <a:spcPts val="0"/>
+              </a:spcBef>
+              <a:spcAft>
+                <a:spcPts val="0"/>
+              </a:spcAft>
+              <a:buSzPts val="1800"/>
+              <a:buAutoNum type="arabicPeriod"/>
+            </a:pPr>
+            <a:r>
+              <a:rPr lang="en"/>
+              <a:t>There exists/does not exist a relationship...</a:t>
+            </a:r>
+            <a:endParaRPr/>
+          </a:p>
+          <a:p>
+            <a:pPr indent="-342900" lvl="0" marL="457200" rtl="0" algn="l">
+              <a:spcBef>
+                <a:spcPts val="1600"/>
+              </a:spcBef>
+              <a:spcAft>
+                <a:spcPts val="0"/>
+              </a:spcAft>
+              <a:buSzPts val="1800"/>
+              <a:buAutoNum type="arabicPeriod"/>
+            </a:pPr>
+            <a:r>
+              <a:rPr lang="en"/>
+              <a:t>Occupations and industries associated with winning candidates include…</a:t>
+            </a:r>
+            <a:r>
+              <a:rPr lang="en"/>
+              <a:t>,</a:t>
+            </a:r>
+            <a:endParaRPr/>
+          </a:p>
+          <a:p>
+            <a:pPr indent="-342900" lvl="0" marL="457200" rtl="0" algn="l">
+              <a:spcBef>
+                <a:spcPts val="1600"/>
+              </a:spcBef>
+              <a:spcAft>
+                <a:spcPts val="1600"/>
+              </a:spcAft>
+              <a:buSzPts val="1800"/>
+              <a:buAutoNum type="arabicPeriod"/>
+            </a:pPr>
+            <a:r>
+              <a:rPr lang="en"/>
+              <a:t>Occupations and industries associated with losing candidates include…,</a:t>
+            </a:r>
+            <a:endParaRPr/>
+          </a:p>
+        </p:txBody>
+      </p:sp>
+    </p:spTree>
+  </p:cSld>
+  <p:clrMapOvr>
+    <a:masterClrMapping/>
+  </p:clrMapOvr>
+</p:sld>
+</file>
+
 <file path=ppt/slides/slide3.xml><?xml version="1.0" encoding="utf-8"?>
 <p:sld xmlns:a="http://schemas.openxmlformats.org/drawingml/2006/main" xmlns:r="http://schemas.openxmlformats.org/officeDocument/2006/relationships" xmlns:mc="http://schemas.openxmlformats.org/markup-compatibility/2006" xmlns:mv="urn:schemas-microsoft-com:mac:vml" xmlns:p="http://schemas.openxmlformats.org/presentationml/2006/main" xmlns:c="http://schemas.openxmlformats.org/drawingml/2006/chart" xmlns:dgm="http://schemas.openxmlformats.org/drawingml/2006/diagram" xmlns:o="urn:schemas-microsoft-com:office:office" xmlns:v="urn:schemas-microsoft-com:vml" xmlns:pvml="urn:schemas-microsoft-com:office:powerpoint" xmlns:com="http://schemas.openxmlformats.org/drawingml/2006/compatibility" xmlns:p14="http://schemas.microsoft.com/office/powerpoint/2010/main" xmlns:p15="http://schemas.microsoft.com/office/powerpoint/2012/main" xmlns:ahyp="http://schemas.microsoft.com/office/drawing/2018/hyperlinkcolor">
   <p:cSld>
@@ -10287,7 +11021,7 @@
                   <a:schemeClr val="accent3"/>
                 </a:solidFill>
               </a:rPr>
-              <a:t>Analyzing the extent to which campaign donations determine winners in elections</a:t>
+              <a:t>Analyzing the extent to which campaign donations influence elections</a:t>
             </a:r>
             <a:endParaRPr b="1" sz="2100">
               <a:solidFill>
@@ -10308,7 +11042,7 @@
             </a:pPr>
             <a:r>
               <a:rPr lang="en" sz="1600"/>
-              <a:t>Our project will analyze the 2021 New York City mayoral election.</a:t>
+              <a:t>Our project will analyze New York City mayoral elections.</a:t>
             </a:r>
             <a:endParaRPr sz="1600"/>
           </a:p>
@@ -10462,7 +11196,7 @@
             </a:pPr>
             <a:r>
               <a:rPr lang="en" sz="1500"/>
-              <a:t>Anyone who is interested in learning about the role in campaign finance in influencing New York City’s mayoral election results.  They can see the impact of contributions and expenditures on a candidate’s performance, and the significance of their impact.</a:t>
+              <a:t>Anyone who is interested in learning about the role finance has on New York City’s mayoral elections.  They can see the difference between contributions and expenditures between candidates, as well as their significance.</a:t>
             </a:r>
             <a:endParaRPr sz="1500"/>
           </a:p>
@@ -10602,7 +11336,7 @@
             </a:pPr>
             <a:r>
               <a:rPr lang="en" sz="1500"/>
-              <a:t>Creating a supervised machine learning model in Jupyter Notebook with the transformed data to predict the results of the NYC mayoral elections.</a:t>
+              <a:t>Creating a supervised machine learning (ML) model in Jupyter Notebook with the transformed data to predict the results of the NYC mayoral elections.</a:t>
             </a:r>
             <a:endParaRPr sz="1500"/>
           </a:p>
@@ -10892,7 +11626,7 @@
             </a:pPr>
             <a:r>
               <a:rPr lang="en" sz="1200"/>
-              <a:t>How we plan on using the JavaScript API:</a:t>
+              <a:t>Our Presentation Dashboard:</a:t>
             </a:r>
             <a:endParaRPr sz="1200"/>
           </a:p>
@@ -10916,7 +11650,7 @@
                 </a:solidFill>
                 <a:hlinkClick r:id="rId3"/>
               </a:rPr>
-              <a:t>https://help.tableau.com/current/api/js_api/en-us/JavaScriptAPI/js_api.htm</a:t>
+              <a:t>https://ssheggrud.github.io/Mod_20_Project/index.html</a:t>
             </a:r>
             <a:endParaRPr sz="1200"/>
           </a:p>
@@ -10935,7 +11669,7 @@
             </a:pPr>
             <a:r>
               <a:rPr lang="en" sz="1200"/>
-              <a:t>Our Tableau Dashboard:</a:t>
+              <a:t>Our Tableau Viz:</a:t>
             </a:r>
             <a:endParaRPr sz="1200"/>
           </a:p>
@@ -10948,7 +11682,7 @@
                 <a:spcPts val="1200"/>
               </a:spcBef>
               <a:spcAft>
-                <a:spcPts val="1200"/>
+                <a:spcPts val="0"/>
               </a:spcAft>
               <a:buNone/>
             </a:pPr>
@@ -10959,7 +11693,25 @@
                 </a:solidFill>
                 <a:hlinkClick r:id="rId4"/>
               </a:rPr>
-              <a:t>https://public.tableau.com/app/profile/pooja.srivastava3629/viz/Elections_16312857232880/Story1?publish=yes</a:t>
+              <a:t>https://public.tableau.com/views/ElectionsFinanceData/Dashboard1</a:t>
+            </a:r>
+            <a:endParaRPr sz="1200"/>
+          </a:p>
+          <a:p>
+            <a:pPr indent="0" lvl="0" marL="0" rtl="0" algn="l">
+              <a:lnSpc>
+                <a:spcPct val="100000"/>
+              </a:lnSpc>
+              <a:spcBef>
+                <a:spcPts val="1200"/>
+              </a:spcBef>
+              <a:spcAft>
+                <a:spcPts val="1200"/>
+              </a:spcAft>
+              <a:buNone/>
+            </a:pPr>
+            <a:r>
+              <a:t/>
             </a:r>
             <a:endParaRPr sz="1200"/>
           </a:p>
@@ -11023,7 +11775,7 @@
             </a:pPr>
             <a:r>
               <a:rPr lang="en" sz="1500"/>
-              <a:t>We are going to use Tableau for our dashboard and story line, build a webpage with JavaScript API for Tableau to then link it to our Tableau visualizations, and then clean it up.  That page will have a placeholder to display results from our Machine Learning model as well.</a:t>
+              <a:t>We have built our visualizations using Tableau.  Also, we have built our website using the Tableau JavaScript API, and have hosted it on Github.</a:t>
             </a:r>
             <a:endParaRPr sz="1500"/>
           </a:p>
@@ -11088,7 +11840,7 @@
             </a:pPr>
             <a:r>
               <a:rPr lang="en"/>
-              <a:t>Analysis</a:t>
+              <a:t>Dashboard API</a:t>
             </a:r>
             <a:endParaRPr/>
           </a:p>
@@ -11117,44 +11869,72 @@
           </a:bodyPr>
           <a:lstStyle/>
           <a:p>
-            <a:pPr indent="0" lvl="0" marL="0" rtl="0" algn="l">
-              <a:spcBef>
-                <a:spcPts val="0"/>
-              </a:spcBef>
-              <a:spcAft>
-                <a:spcPts val="0"/>
-              </a:spcAft>
-              <a:buNone/>
-            </a:pPr>
-            <a:r>
-              <a:rPr b="1" lang="en" sz="2000">
-                <a:solidFill>
-                  <a:schemeClr val="accent3"/>
-                </a:solidFill>
-              </a:rPr>
-              <a:t>What will our visualizations tell us?</a:t>
-            </a:r>
-            <a:endParaRPr b="1" sz="2000">
-              <a:solidFill>
-                <a:schemeClr val="accent3"/>
-              </a:solidFill>
-            </a:endParaRPr>
-          </a:p>
-          <a:p>
-            <a:pPr indent="0" lvl="0" marL="0" rtl="0" algn="l">
-              <a:spcBef>
-                <a:spcPts val="1600"/>
-              </a:spcBef>
-              <a:spcAft>
-                <a:spcPts val="1200"/>
-              </a:spcAft>
-              <a:buNone/>
+            <a:pPr indent="-323850" lvl="0" marL="457200" rtl="0" algn="l">
+              <a:spcBef>
+                <a:spcPts val="0"/>
+              </a:spcBef>
+              <a:spcAft>
+                <a:spcPts val="0"/>
+              </a:spcAft>
+              <a:buSzPts val="1500"/>
+              <a:buChar char="●"/>
             </a:pPr>
             <a:r>
               <a:rPr lang="en" sz="1500"/>
-              <a:t>We are going to include election year data from 2001 to 2021.  As of now, we have made a few visualizations for the 2017 election year.  Also, we have only worked with the individual contributions for that year.  This coming week, we are going to focus on adding data sources for the remaining years as well.  Past that, we will include committee contributions, expenditure data, as well as total votes received by the top two candidates in order to get a full picture.</a:t>
+              <a:t>We have a container in which each of the dashboards appear after clicking either the Previous or Next buttons.</a:t>
             </a:r>
-            <a:endParaRPr sz="1700"/>
+            <a:endParaRPr sz="1500"/>
+          </a:p>
+          <a:p>
+            <a:pPr indent="-323850" lvl="0" marL="457200" rtl="0" algn="l">
+              <a:spcBef>
+                <a:spcPts val="0"/>
+              </a:spcBef>
+              <a:spcAft>
+                <a:spcPts val="0"/>
+              </a:spcAft>
+              <a:buSzPts val="1500"/>
+              <a:buChar char="●"/>
+            </a:pPr>
+            <a:r>
+              <a:rPr lang="en" sz="1500"/>
+              <a:t>Upon entering the homepage, one is taken to the first dashboard, so the Previous button is disabled.</a:t>
+            </a:r>
+            <a:endParaRPr sz="1500"/>
+          </a:p>
+          <a:p>
+            <a:pPr indent="-323850" lvl="0" marL="457200" rtl="0" algn="l">
+              <a:spcBef>
+                <a:spcPts val="0"/>
+              </a:spcBef>
+              <a:spcAft>
+                <a:spcPts val="0"/>
+              </a:spcAft>
+              <a:buSzPts val="1500"/>
+              <a:buChar char="●"/>
+            </a:pPr>
+            <a:r>
+              <a:rPr lang="en" sz="1500"/>
+              <a:t>The Next button takes the user from the first dashboard to the next, and is then disabled once the user reaches the last dashboard.  The user can always click on the Home button to return to the homepage.</a:t>
+            </a:r>
+            <a:endParaRPr sz="1500"/>
+          </a:p>
+          <a:p>
+            <a:pPr indent="-323850" lvl="0" marL="457200" rtl="0" algn="l">
+              <a:spcBef>
+                <a:spcPts val="0"/>
+              </a:spcBef>
+              <a:spcAft>
+                <a:spcPts val="0"/>
+              </a:spcAft>
+              <a:buSzPts val="1500"/>
+              <a:buChar char="●"/>
+            </a:pPr>
+            <a:r>
+              <a:rPr lang="en" sz="1500"/>
+              <a:t>There is a graph that shows how many contributions came in for each of the candidates.  Here, the candidate name can be selected to see data changes in the map and quarterly contribution graphs.</a:t>
+            </a:r>
+            <a:endParaRPr sz="1500"/>
           </a:p>
         </p:txBody>
       </p:sp>
@@ -11217,7 +11997,7 @@
             </a:pPr>
             <a:r>
               <a:rPr lang="en"/>
-              <a:t>Analysis (continued)</a:t>
+              <a:t>Dashboard API (continued)</a:t>
             </a:r>
             <a:endParaRPr/>
           </a:p>
@@ -11246,44 +12026,38 @@
           </a:bodyPr>
           <a:lstStyle/>
           <a:p>
-            <a:pPr indent="0" lvl="0" marL="0" rtl="0" algn="l">
-              <a:spcBef>
-                <a:spcPts val="0"/>
-              </a:spcBef>
-              <a:spcAft>
-                <a:spcPts val="0"/>
-              </a:spcAft>
-              <a:buNone/>
-            </a:pPr>
-            <a:r>
-              <a:rPr b="1" lang="en" sz="2000">
-                <a:solidFill>
-                  <a:schemeClr val="accent3"/>
-                </a:solidFill>
-              </a:rPr>
-              <a:t>How do we add interactive elements to our dashboard?</a:t>
-            </a:r>
-            <a:endParaRPr b="1" sz="2000">
-              <a:solidFill>
-                <a:schemeClr val="accent3"/>
-              </a:solidFill>
-            </a:endParaRPr>
-          </a:p>
-          <a:p>
-            <a:pPr indent="0" lvl="0" marL="0" rtl="0" algn="l">
-              <a:spcBef>
-                <a:spcPts val="1600"/>
-              </a:spcBef>
-              <a:spcAft>
-                <a:spcPts val="1200"/>
-              </a:spcAft>
-              <a:buNone/>
+            <a:pPr indent="-323850" lvl="0" marL="457200" rtl="0" algn="l">
+              <a:spcBef>
+                <a:spcPts val="0"/>
+              </a:spcBef>
+              <a:spcAft>
+                <a:spcPts val="0"/>
+              </a:spcAft>
+              <a:buSzPts val="1500"/>
+              <a:buChar char="●"/>
             </a:pPr>
             <a:r>
               <a:rPr lang="en" sz="1500"/>
-              <a:t>We are going to include election year data from 2001 to 2021.  As of now, we have made a few visualizations for the 2017 election year.  Also, we have only worked with the individual contributions for that year.  This coming week, we are going to focus on adding data sources for the remaining years as well.  Beyond that, we will include committee contributions, expenditure data, as well as total votes received by the top two candidates to derive a full picture.</a:t>
+              <a:t>The map is color-coded to better identify which zip codes had higher contributions.</a:t>
             </a:r>
-            <a:endParaRPr sz="1700"/>
+            <a:endParaRPr sz="1500"/>
+          </a:p>
+          <a:p>
+            <a:pPr indent="-323850" lvl="0" marL="457200" rtl="0" algn="l">
+              <a:spcBef>
+                <a:spcPts val="0"/>
+              </a:spcBef>
+              <a:spcAft>
+                <a:spcPts val="0"/>
+              </a:spcAft>
+              <a:buSzPts val="1500"/>
+              <a:buChar char="●"/>
+            </a:pPr>
+            <a:r>
+              <a:rPr lang="en" sz="1500"/>
+              <a:t>Our visualization shows the top candidates sorted by the amount received and spent.  Highlight Hover action has been created on this page to enhance visual effects.</a:t>
+            </a:r>
+            <a:endParaRPr sz="1500"/>
           </a:p>
         </p:txBody>
       </p:sp>

--- a/Presentation/Group5Presentation.pptx
+++ b/Presentation/Group5Presentation.pptx
@@ -2,51 +2,70 @@
 <file path=ppt/presentation.xml><?xml version="1.0" encoding="utf-8"?>
 <p:presentation xmlns:a="http://schemas.openxmlformats.org/drawingml/2006/main" xmlns:r="http://schemas.openxmlformats.org/officeDocument/2006/relationships" xmlns:mc="http://schemas.openxmlformats.org/markup-compatibility/2006" xmlns:mv="urn:schemas-microsoft-com:mac:vml" xmlns:p="http://schemas.openxmlformats.org/presentationml/2006/main" xmlns:c="http://schemas.openxmlformats.org/drawingml/2006/chart" xmlns:dgm="http://schemas.openxmlformats.org/drawingml/2006/diagram" xmlns:o="urn:schemas-microsoft-com:office:office" xmlns:v="urn:schemas-microsoft-com:vml" xmlns:pvml="urn:schemas-microsoft-com:office:powerpoint" xmlns:com="http://schemas.openxmlformats.org/drawingml/2006/compatibility" xmlns:p14="http://schemas.microsoft.com/office/powerpoint/2010/main" xmlns:p15="http://schemas.microsoft.com/office/powerpoint/2012/main" xmlns:ahyp="http://schemas.microsoft.com/office/drawing/2018/hyperlinkcolor" autoCompressPictures="0" embedTrueTypeFonts="1" strictFirstAndLastChars="0" saveSubsetFonts="1">
   <p:sldMasterIdLst>
-    <p:sldMasterId id="2147483659" r:id="rId4"/>
+    <p:sldMasterId id="2147483659" r:id="rId5"/>
   </p:sldMasterIdLst>
   <p:notesMasterIdLst>
-    <p:notesMasterId r:id="rId5"/>
+    <p:notesMasterId r:id="rId6"/>
   </p:notesMasterIdLst>
   <p:sldIdLst>
-    <p:sldId id="256" r:id="rId6"/>
-    <p:sldId id="257" r:id="rId7"/>
-    <p:sldId id="258" r:id="rId8"/>
-    <p:sldId id="259" r:id="rId9"/>
-    <p:sldId id="260" r:id="rId10"/>
-    <p:sldId id="261" r:id="rId11"/>
-    <p:sldId id="262" r:id="rId12"/>
-    <p:sldId id="263" r:id="rId13"/>
-    <p:sldId id="264" r:id="rId14"/>
-    <p:sldId id="265" r:id="rId15"/>
-    <p:sldId id="266" r:id="rId16"/>
-    <p:sldId id="267" r:id="rId17"/>
-    <p:sldId id="268" r:id="rId18"/>
-    <p:sldId id="269" r:id="rId19"/>
-    <p:sldId id="270" r:id="rId20"/>
-    <p:sldId id="271" r:id="rId21"/>
-    <p:sldId id="272" r:id="rId22"/>
-    <p:sldId id="273" r:id="rId23"/>
-    <p:sldId id="274" r:id="rId24"/>
-    <p:sldId id="275" r:id="rId25"/>
-    <p:sldId id="276" r:id="rId26"/>
-    <p:sldId id="277" r:id="rId27"/>
+    <p:sldId id="256" r:id="rId7"/>
+    <p:sldId id="257" r:id="rId8"/>
+    <p:sldId id="258" r:id="rId9"/>
+    <p:sldId id="259" r:id="rId10"/>
+    <p:sldId id="260" r:id="rId11"/>
+    <p:sldId id="261" r:id="rId12"/>
+    <p:sldId id="262" r:id="rId13"/>
+    <p:sldId id="263" r:id="rId14"/>
+    <p:sldId id="264" r:id="rId15"/>
+    <p:sldId id="265" r:id="rId16"/>
+    <p:sldId id="266" r:id="rId17"/>
+    <p:sldId id="267" r:id="rId18"/>
+    <p:sldId id="268" r:id="rId19"/>
+    <p:sldId id="269" r:id="rId20"/>
+    <p:sldId id="270" r:id="rId21"/>
+    <p:sldId id="271" r:id="rId22"/>
+    <p:sldId id="272" r:id="rId23"/>
+    <p:sldId id="273" r:id="rId24"/>
+    <p:sldId id="274" r:id="rId25"/>
+    <p:sldId id="275" r:id="rId26"/>
+    <p:sldId id="276" r:id="rId27"/>
+    <p:sldId id="277" r:id="rId28"/>
+    <p:sldId id="278" r:id="rId29"/>
+    <p:sldId id="279" r:id="rId30"/>
+    <p:sldId id="280" r:id="rId31"/>
+    <p:sldId id="281" r:id="rId32"/>
+    <p:sldId id="282" r:id="rId33"/>
+    <p:sldId id="283" r:id="rId34"/>
+    <p:sldId id="284" r:id="rId35"/>
+    <p:sldId id="285" r:id="rId36"/>
+    <p:sldId id="286" r:id="rId37"/>
+    <p:sldId id="287" r:id="rId38"/>
+    <p:sldId id="288" r:id="rId39"/>
+    <p:sldId id="289" r:id="rId40"/>
+    <p:sldId id="290" r:id="rId41"/>
+    <p:sldId id="291" r:id="rId42"/>
+    <p:sldId id="292" r:id="rId43"/>
+    <p:sldId id="293" r:id="rId44"/>
+    <p:sldId id="294" r:id="rId45"/>
+    <p:sldId id="295" r:id="rId46"/>
+    <p:sldId id="296" r:id="rId47"/>
   </p:sldIdLst>
   <p:sldSz cy="5143500" cx="9144000"/>
   <p:notesSz cx="6858000" cy="9144000"/>
   <p:embeddedFontLst>
     <p:embeddedFont>
       <p:font typeface="Raleway"/>
-      <p:regular r:id="rId28"/>
-      <p:bold r:id="rId29"/>
-      <p:italic r:id="rId30"/>
-      <p:boldItalic r:id="rId31"/>
+      <p:regular r:id="rId48"/>
+      <p:bold r:id="rId49"/>
+      <p:italic r:id="rId50"/>
+      <p:boldItalic r:id="rId51"/>
     </p:embeddedFont>
     <p:embeddedFont>
       <p:font typeface="Lato"/>
-      <p:regular r:id="rId32"/>
-      <p:bold r:id="rId33"/>
-      <p:italic r:id="rId34"/>
-      <p:boldItalic r:id="rId35"/>
+      <p:regular r:id="rId52"/>
+      <p:bold r:id="rId53"/>
+      <p:italic r:id="rId54"/>
+      <p:boldItalic r:id="rId55"/>
     </p:embeddedFont>
   </p:embeddedFontLst>
   <p:defaultTextStyle>
@@ -827,7 +846,7 @@
   <p:cSld>
     <p:spTree>
       <p:nvGrpSpPr>
-        <p:cNvPr id="122" name="Shape 122"/>
+        <p:cNvPr id="121" name="Shape 121"/>
         <p:cNvGrpSpPr/>
         <p:nvPr/>
       </p:nvGrpSpPr>
@@ -841,7 +860,7 @@
       </p:grpSpPr>
       <p:sp>
         <p:nvSpPr>
-          <p:cNvPr id="123" name="Google Shape;123;gebcc5b2c4c_0_23:notes"/>
+          <p:cNvPr id="122" name="Google Shape;122;gf0e284b87c_2_31:notes"/>
           <p:cNvSpPr/>
           <p:nvPr>
             <p:ph idx="2" type="sldImg"/>
@@ -876,7 +895,7 @@
       </p:sp>
       <p:sp>
         <p:nvSpPr>
-          <p:cNvPr id="124" name="Google Shape;124;gebcc5b2c4c_0_23:notes"/>
+          <p:cNvPr id="123" name="Google Shape;123;gf0e284b87c_2_31:notes"/>
           <p:cNvSpPr txBox="1"/>
           <p:nvPr>
             <p:ph idx="1" type="body"/>
@@ -926,7 +945,7 @@
   <p:cSld>
     <p:spTree>
       <p:nvGrpSpPr>
-        <p:cNvPr id="128" name="Shape 128"/>
+        <p:cNvPr id="126" name="Shape 126"/>
         <p:cNvGrpSpPr/>
         <p:nvPr/>
       </p:nvGrpSpPr>
@@ -940,7 +959,7 @@
       </p:grpSpPr>
       <p:sp>
         <p:nvSpPr>
-          <p:cNvPr id="129" name="Google Shape;129;gebcc5b2c4c_0_29:notes"/>
+          <p:cNvPr id="127" name="Google Shape;127;gf0e284b87c_2_9:notes"/>
           <p:cNvSpPr/>
           <p:nvPr>
             <p:ph idx="2" type="sldImg"/>
@@ -948,8 +967,8 @@
         </p:nvSpPr>
         <p:spPr>
           <a:xfrm>
-            <a:off x="381188" y="685800"/>
-            <a:ext cx="6096300" cy="3429000"/>
+            <a:off x="381300" y="685800"/>
+            <a:ext cx="6096000" cy="3429000"/>
           </a:xfrm>
           <a:custGeom>
             <a:rect b="b" l="l" r="r" t="t"/>
@@ -975,7 +994,7 @@
       </p:sp>
       <p:sp>
         <p:nvSpPr>
-          <p:cNvPr id="130" name="Google Shape;130;gebcc5b2c4c_0_29:notes"/>
+          <p:cNvPr id="128" name="Google Shape;128;gf0e284b87c_2_9:notes"/>
           <p:cNvSpPr txBox="1"/>
           <p:nvPr>
             <p:ph idx="1" type="body"/>
@@ -1025,7 +1044,7 @@
   <p:cSld>
     <p:spTree>
       <p:nvGrpSpPr>
-        <p:cNvPr id="134" name="Shape 134"/>
+        <p:cNvPr id="132" name="Shape 132"/>
         <p:cNvGrpSpPr/>
         <p:nvPr/>
       </p:nvGrpSpPr>
@@ -1039,7 +1058,7 @@
       </p:grpSpPr>
       <p:sp>
         <p:nvSpPr>
-          <p:cNvPr id="135" name="Google Shape;135;gf0e26d8e39_2_8:notes"/>
+          <p:cNvPr id="133" name="Google Shape;133;gf0e284b87c_2_15:notes"/>
           <p:cNvSpPr/>
           <p:nvPr>
             <p:ph idx="2" type="sldImg"/>
@@ -1047,8 +1066,8 @@
         </p:nvSpPr>
         <p:spPr>
           <a:xfrm>
-            <a:off x="381188" y="685800"/>
-            <a:ext cx="6096300" cy="3429000"/>
+            <a:off x="381300" y="685800"/>
+            <a:ext cx="6096000" cy="3429000"/>
           </a:xfrm>
           <a:custGeom>
             <a:rect b="b" l="l" r="r" t="t"/>
@@ -1074,7 +1093,7 @@
       </p:sp>
       <p:sp>
         <p:nvSpPr>
-          <p:cNvPr id="136" name="Google Shape;136;gf0e26d8e39_2_8:notes"/>
+          <p:cNvPr id="134" name="Google Shape;134;gf0e284b87c_2_15:notes"/>
           <p:cNvSpPr txBox="1"/>
           <p:nvPr>
             <p:ph idx="1" type="body"/>
@@ -1124,7 +1143,7 @@
   <p:cSld>
     <p:spTree>
       <p:nvGrpSpPr>
-        <p:cNvPr id="140" name="Shape 140"/>
+        <p:cNvPr id="138" name="Shape 138"/>
         <p:cNvGrpSpPr/>
         <p:nvPr/>
       </p:nvGrpSpPr>
@@ -1138,7 +1157,7 @@
       </p:grpSpPr>
       <p:sp>
         <p:nvSpPr>
-          <p:cNvPr id="141" name="Google Shape;141;gf0e26d8e39_3_5:notes"/>
+          <p:cNvPr id="139" name="Google Shape;139;gf0e284b87c_2_21:notes"/>
           <p:cNvSpPr/>
           <p:nvPr>
             <p:ph idx="2" type="sldImg"/>
@@ -1146,8 +1165,8 @@
         </p:nvSpPr>
         <p:spPr>
           <a:xfrm>
-            <a:off x="381188" y="685800"/>
-            <a:ext cx="6096300" cy="3429000"/>
+            <a:off x="381300" y="685800"/>
+            <a:ext cx="6096000" cy="3429000"/>
           </a:xfrm>
           <a:custGeom>
             <a:rect b="b" l="l" r="r" t="t"/>
@@ -1173,7 +1192,7 @@
       </p:sp>
       <p:sp>
         <p:nvSpPr>
-          <p:cNvPr id="142" name="Google Shape;142;gf0e26d8e39_3_5:notes"/>
+          <p:cNvPr id="140" name="Google Shape;140;gf0e284b87c_2_21:notes"/>
           <p:cNvSpPr txBox="1"/>
           <p:nvPr>
             <p:ph idx="1" type="body"/>
@@ -1223,7 +1242,7 @@
   <p:cSld>
     <p:spTree>
       <p:nvGrpSpPr>
-        <p:cNvPr id="145" name="Shape 145"/>
+        <p:cNvPr id="144" name="Shape 144"/>
         <p:cNvGrpSpPr/>
         <p:nvPr/>
       </p:nvGrpSpPr>
@@ -1237,7 +1256,7 @@
       </p:grpSpPr>
       <p:sp>
         <p:nvSpPr>
-          <p:cNvPr id="146" name="Google Shape;146;gf0e26d8e39_2_3:notes"/>
+          <p:cNvPr id="145" name="Google Shape;145;gf0e284b87c_2_26:notes"/>
           <p:cNvSpPr/>
           <p:nvPr>
             <p:ph idx="2" type="sldImg"/>
@@ -1245,8 +1264,8 @@
         </p:nvSpPr>
         <p:spPr>
           <a:xfrm>
-            <a:off x="381188" y="685800"/>
-            <a:ext cx="6096300" cy="3429000"/>
+            <a:off x="381300" y="685800"/>
+            <a:ext cx="6096000" cy="3429000"/>
           </a:xfrm>
           <a:custGeom>
             <a:rect b="b" l="l" r="r" t="t"/>
@@ -1272,7 +1291,7 @@
       </p:sp>
       <p:sp>
         <p:nvSpPr>
-          <p:cNvPr id="147" name="Google Shape;147;gf0e26d8e39_2_3:notes"/>
+          <p:cNvPr id="146" name="Google Shape;146;gf0e284b87c_2_26:notes"/>
           <p:cNvSpPr txBox="1"/>
           <p:nvPr>
             <p:ph idx="1" type="body"/>
@@ -1322,7 +1341,7 @@
   <p:cSld>
     <p:spTree>
       <p:nvGrpSpPr>
-        <p:cNvPr id="151" name="Shape 151"/>
+        <p:cNvPr id="150" name="Shape 150"/>
         <p:cNvGrpSpPr/>
         <p:nvPr/>
       </p:nvGrpSpPr>
@@ -1336,7 +1355,7 @@
       </p:grpSpPr>
       <p:sp>
         <p:nvSpPr>
-          <p:cNvPr id="152" name="Google Shape;152;gf0e284b87c_2_1:notes"/>
+          <p:cNvPr id="151" name="Google Shape;151;gebcc5b2c4c_0_6:notes"/>
           <p:cNvSpPr/>
           <p:nvPr>
             <p:ph idx="2" type="sldImg"/>
@@ -1344,8 +1363,8 @@
         </p:nvSpPr>
         <p:spPr>
           <a:xfrm>
-            <a:off x="381300" y="685800"/>
-            <a:ext cx="6096000" cy="3429000"/>
+            <a:off x="381188" y="685800"/>
+            <a:ext cx="6096300" cy="3429000"/>
           </a:xfrm>
           <a:custGeom>
             <a:rect b="b" l="l" r="r" t="t"/>
@@ -1371,7 +1390,7 @@
       </p:sp>
       <p:sp>
         <p:nvSpPr>
-          <p:cNvPr id="153" name="Google Shape;153;gf0e284b87c_2_1:notes"/>
+          <p:cNvPr id="152" name="Google Shape;152;gebcc5b2c4c_0_6:notes"/>
           <p:cNvSpPr txBox="1"/>
           <p:nvPr>
             <p:ph idx="1" type="body"/>
@@ -1421,7 +1440,7 @@
   <p:cSld>
     <p:spTree>
       <p:nvGrpSpPr>
-        <p:cNvPr id="157" name="Shape 157"/>
+        <p:cNvPr id="155" name="Shape 155"/>
         <p:cNvGrpSpPr/>
         <p:nvPr/>
       </p:nvGrpSpPr>
@@ -1435,7 +1454,7 @@
       </p:grpSpPr>
       <p:sp>
         <p:nvSpPr>
-          <p:cNvPr id="158" name="Google Shape;158;gf0c6892ecf_0_5:notes"/>
+          <p:cNvPr id="156" name="Google Shape;156;gebcc5b2c4c_0_0:notes"/>
           <p:cNvSpPr/>
           <p:nvPr>
             <p:ph idx="2" type="sldImg"/>
@@ -1470,7 +1489,7 @@
       </p:sp>
       <p:sp>
         <p:nvSpPr>
-          <p:cNvPr id="159" name="Google Shape;159;gf0c6892ecf_0_5:notes"/>
+          <p:cNvPr id="157" name="Google Shape;157;gebcc5b2c4c_0_0:notes"/>
           <p:cNvSpPr txBox="1"/>
           <p:nvPr>
             <p:ph idx="1" type="body"/>
@@ -1534,7 +1553,7 @@
       </p:grpSpPr>
       <p:sp>
         <p:nvSpPr>
-          <p:cNvPr id="163" name="Google Shape;163;gf0c6892ecf_0_0:notes"/>
+          <p:cNvPr id="163" name="Google Shape;163;gebcc5b2c4c_0_46:notes"/>
           <p:cNvSpPr/>
           <p:nvPr>
             <p:ph idx="2" type="sldImg"/>
@@ -1569,7 +1588,7 @@
       </p:sp>
       <p:sp>
         <p:nvSpPr>
-          <p:cNvPr id="164" name="Google Shape;164;gf0c6892ecf_0_0:notes"/>
+          <p:cNvPr id="164" name="Google Shape;164;gebcc5b2c4c_0_46:notes"/>
           <p:cNvSpPr txBox="1"/>
           <p:nvPr>
             <p:ph idx="1" type="body"/>
@@ -1633,7 +1652,7 @@
       </p:grpSpPr>
       <p:sp>
         <p:nvSpPr>
-          <p:cNvPr id="169" name="Google Shape;169;gf0e26d8e39_1_0:notes"/>
+          <p:cNvPr id="169" name="Google Shape;169;gebcc5b2c4c_0_51:notes"/>
           <p:cNvSpPr/>
           <p:nvPr>
             <p:ph idx="2" type="sldImg"/>
@@ -1641,8 +1660,8 @@
         </p:nvSpPr>
         <p:spPr>
           <a:xfrm>
-            <a:off x="381300" y="685800"/>
-            <a:ext cx="6096000" cy="3429000"/>
+            <a:off x="381188" y="685800"/>
+            <a:ext cx="6096300" cy="3429000"/>
           </a:xfrm>
           <a:custGeom>
             <a:rect b="b" l="l" r="r" t="t"/>
@@ -1668,7 +1687,7 @@
       </p:sp>
       <p:sp>
         <p:nvSpPr>
-          <p:cNvPr id="170" name="Google Shape;170;gf0e26d8e39_1_0:notes"/>
+          <p:cNvPr id="170" name="Google Shape;170;gebcc5b2c4c_0_51:notes"/>
           <p:cNvSpPr txBox="1"/>
           <p:nvPr>
             <p:ph idx="1" type="body"/>
@@ -1718,7 +1737,7 @@
   <p:cSld>
     <p:spTree>
       <p:nvGrpSpPr>
-        <p:cNvPr id="175" name="Shape 175"/>
+        <p:cNvPr id="174" name="Shape 174"/>
         <p:cNvGrpSpPr/>
         <p:nvPr/>
       </p:nvGrpSpPr>
@@ -1732,7 +1751,7 @@
       </p:grpSpPr>
       <p:sp>
         <p:nvSpPr>
-          <p:cNvPr id="176" name="Google Shape;176;gc6fa3c898_0_28:notes"/>
+          <p:cNvPr id="175" name="Google Shape;175;gebcc5b2c4c_0_23:notes"/>
           <p:cNvSpPr/>
           <p:nvPr>
             <p:ph idx="2" type="sldImg"/>
@@ -1767,7 +1786,7 @@
       </p:sp>
       <p:sp>
         <p:nvSpPr>
-          <p:cNvPr id="177" name="Google Shape;177;gc6fa3c898_0_28:notes"/>
+          <p:cNvPr id="176" name="Google Shape;176;gebcc5b2c4c_0_23:notes"/>
           <p:cNvSpPr txBox="1"/>
           <p:nvPr>
             <p:ph idx="1" type="body"/>
@@ -1930,7 +1949,7 @@
       </p:grpSpPr>
       <p:sp>
         <p:nvSpPr>
-          <p:cNvPr id="181" name="Google Shape;181;gf0c6892ecf_0_9:notes"/>
+          <p:cNvPr id="181" name="Google Shape;181;gebcc5b2c4c_0_29:notes"/>
           <p:cNvSpPr/>
           <p:nvPr>
             <p:ph idx="2" type="sldImg"/>
@@ -1938,8 +1957,8 @@
         </p:nvSpPr>
         <p:spPr>
           <a:xfrm>
-            <a:off x="381300" y="685800"/>
-            <a:ext cx="6096000" cy="3429000"/>
+            <a:off x="381188" y="685800"/>
+            <a:ext cx="6096300" cy="3429000"/>
           </a:xfrm>
           <a:custGeom>
             <a:rect b="b" l="l" r="r" t="t"/>
@@ -1965,7 +1984,7 @@
       </p:sp>
       <p:sp>
         <p:nvSpPr>
-          <p:cNvPr id="182" name="Google Shape;182;gf0c6892ecf_0_9:notes"/>
+          <p:cNvPr id="182" name="Google Shape;182;gebcc5b2c4c_0_29:notes"/>
           <p:cNvSpPr txBox="1"/>
           <p:nvPr>
             <p:ph idx="1" type="body"/>
@@ -2015,7 +2034,7 @@
   <p:cSld>
     <p:spTree>
       <p:nvGrpSpPr>
-        <p:cNvPr id="187" name="Shape 187"/>
+        <p:cNvPr id="186" name="Shape 186"/>
         <p:cNvGrpSpPr/>
         <p:nvPr/>
       </p:nvGrpSpPr>
@@ -2029,7 +2048,7 @@
       </p:grpSpPr>
       <p:sp>
         <p:nvSpPr>
-          <p:cNvPr id="188" name="Google Shape;188;gc6fa3c898_0_65:notes"/>
+          <p:cNvPr id="187" name="Google Shape;187;gf0e26d8e39_2_8:notes"/>
           <p:cNvSpPr/>
           <p:nvPr>
             <p:ph idx="2" type="sldImg"/>
@@ -2064,7 +2083,7 @@
       </p:sp>
       <p:sp>
         <p:nvSpPr>
-          <p:cNvPr id="189" name="Google Shape;189;gc6fa3c898_0_65:notes"/>
+          <p:cNvPr id="188" name="Google Shape;188;gf0e26d8e39_2_8:notes"/>
           <p:cNvSpPr txBox="1"/>
           <p:nvPr>
             <p:ph idx="1" type="body"/>
@@ -2114,7 +2133,7 @@
   <p:cSld>
     <p:spTree>
       <p:nvGrpSpPr>
-        <p:cNvPr id="193" name="Shape 193"/>
+        <p:cNvPr id="192" name="Shape 192"/>
         <p:cNvGrpSpPr/>
         <p:nvPr/>
       </p:nvGrpSpPr>
@@ -2128,7 +2147,7 @@
       </p:grpSpPr>
       <p:sp>
         <p:nvSpPr>
-          <p:cNvPr id="194" name="Google Shape;194;gc6fa3c898_0_70:notes"/>
+          <p:cNvPr id="193" name="Google Shape;193;gf0e26d8e39_3_5:notes"/>
           <p:cNvSpPr/>
           <p:nvPr>
             <p:ph idx="2" type="sldImg"/>
@@ -2163,7 +2182,700 @@
       </p:sp>
       <p:sp>
         <p:nvSpPr>
-          <p:cNvPr id="195" name="Google Shape;195;gc6fa3c898_0_70:notes"/>
+          <p:cNvPr id="194" name="Google Shape;194;gf0e26d8e39_3_5:notes"/>
+          <p:cNvSpPr txBox="1"/>
+          <p:nvPr>
+            <p:ph idx="1" type="body"/>
+          </p:nvPr>
+        </p:nvSpPr>
+        <p:spPr>
+          <a:xfrm>
+            <a:off x="685800" y="4343400"/>
+            <a:ext cx="5486400" cy="4114800"/>
+          </a:xfrm>
+          <a:prstGeom prst="rect">
+            <a:avLst/>
+          </a:prstGeom>
+        </p:spPr>
+        <p:txBody>
+          <a:bodyPr anchorCtr="0" anchor="t" bIns="91425" lIns="91425" spcFirstLastPara="1" rIns="91425" wrap="square" tIns="91425">
+            <a:noAutofit/>
+          </a:bodyPr>
+          <a:lstStyle/>
+          <a:p>
+            <a:pPr indent="0" lvl="0" marL="0" rtl="0" algn="l">
+              <a:spcBef>
+                <a:spcPts val="0"/>
+              </a:spcBef>
+              <a:spcAft>
+                <a:spcPts val="0"/>
+              </a:spcAft>
+              <a:buNone/>
+            </a:pPr>
+            <a:r>
+              <a:t/>
+            </a:r>
+            <a:endParaRPr/>
+          </a:p>
+        </p:txBody>
+      </p:sp>
+    </p:spTree>
+  </p:cSld>
+  <p:clrMapOvr>
+    <a:masterClrMapping/>
+  </p:clrMapOvr>
+</p:notes>
+</file>
+
+<file path=ppt/notesSlides/notesSlide23.xml><?xml version="1.0" encoding="utf-8"?>
+<p:notes xmlns:a="http://schemas.openxmlformats.org/drawingml/2006/main" xmlns:r="http://schemas.openxmlformats.org/officeDocument/2006/relationships" xmlns:mc="http://schemas.openxmlformats.org/markup-compatibility/2006" xmlns:mv="urn:schemas-microsoft-com:mac:vml" xmlns:p="http://schemas.openxmlformats.org/presentationml/2006/main" xmlns:c="http://schemas.openxmlformats.org/drawingml/2006/chart" xmlns:dgm="http://schemas.openxmlformats.org/drawingml/2006/diagram" xmlns:o="urn:schemas-microsoft-com:office:office" xmlns:v="urn:schemas-microsoft-com:vml" xmlns:pvml="urn:schemas-microsoft-com:office:powerpoint" xmlns:com="http://schemas.openxmlformats.org/drawingml/2006/compatibility" xmlns:p14="http://schemas.microsoft.com/office/powerpoint/2010/main" xmlns:p15="http://schemas.microsoft.com/office/powerpoint/2012/main" xmlns:ahyp="http://schemas.microsoft.com/office/drawing/2018/hyperlinkcolor" showMasterPhAnim="0" showMasterSp="0">
+  <p:cSld>
+    <p:spTree>
+      <p:nvGrpSpPr>
+        <p:cNvPr id="197" name="Shape 197"/>
+        <p:cNvGrpSpPr/>
+        <p:nvPr/>
+      </p:nvGrpSpPr>
+      <p:grpSpPr>
+        <a:xfrm>
+          <a:off x="0" y="0"/>
+          <a:ext cx="0" cy="0"/>
+          <a:chOff x="0" y="0"/>
+          <a:chExt cx="0" cy="0"/>
+        </a:xfrm>
+      </p:grpSpPr>
+      <p:sp>
+        <p:nvSpPr>
+          <p:cNvPr id="198" name="Google Shape;198;gf0e26d8e39_2_3:notes"/>
+          <p:cNvSpPr/>
+          <p:nvPr>
+            <p:ph idx="2" type="sldImg"/>
+          </p:nvPr>
+        </p:nvSpPr>
+        <p:spPr>
+          <a:xfrm>
+            <a:off x="381188" y="685800"/>
+            <a:ext cx="6096300" cy="3429000"/>
+          </a:xfrm>
+          <a:custGeom>
+            <a:rect b="b" l="l" r="r" t="t"/>
+            <a:pathLst>
+              <a:path extrusionOk="0" h="120000" w="120000">
+                <a:moveTo>
+                  <a:pt x="0" y="0"/>
+                </a:moveTo>
+                <a:lnTo>
+                  <a:pt x="120000" y="0"/>
+                </a:lnTo>
+                <a:lnTo>
+                  <a:pt x="120000" y="120000"/>
+                </a:lnTo>
+                <a:lnTo>
+                  <a:pt x="0" y="120000"/>
+                </a:lnTo>
+                <a:close/>
+              </a:path>
+            </a:pathLst>
+          </a:custGeom>
+        </p:spPr>
+      </p:sp>
+      <p:sp>
+        <p:nvSpPr>
+          <p:cNvPr id="199" name="Google Shape;199;gf0e26d8e39_2_3:notes"/>
+          <p:cNvSpPr txBox="1"/>
+          <p:nvPr>
+            <p:ph idx="1" type="body"/>
+          </p:nvPr>
+        </p:nvSpPr>
+        <p:spPr>
+          <a:xfrm>
+            <a:off x="685800" y="4343400"/>
+            <a:ext cx="5486400" cy="4114800"/>
+          </a:xfrm>
+          <a:prstGeom prst="rect">
+            <a:avLst/>
+          </a:prstGeom>
+        </p:spPr>
+        <p:txBody>
+          <a:bodyPr anchorCtr="0" anchor="t" bIns="91425" lIns="91425" spcFirstLastPara="1" rIns="91425" wrap="square" tIns="91425">
+            <a:noAutofit/>
+          </a:bodyPr>
+          <a:lstStyle/>
+          <a:p>
+            <a:pPr indent="0" lvl="0" marL="0" rtl="0" algn="l">
+              <a:spcBef>
+                <a:spcPts val="0"/>
+              </a:spcBef>
+              <a:spcAft>
+                <a:spcPts val="0"/>
+              </a:spcAft>
+              <a:buNone/>
+            </a:pPr>
+            <a:r>
+              <a:t/>
+            </a:r>
+            <a:endParaRPr/>
+          </a:p>
+        </p:txBody>
+      </p:sp>
+    </p:spTree>
+  </p:cSld>
+  <p:clrMapOvr>
+    <a:masterClrMapping/>
+  </p:clrMapOvr>
+</p:notes>
+</file>
+
+<file path=ppt/notesSlides/notesSlide24.xml><?xml version="1.0" encoding="utf-8"?>
+<p:notes xmlns:a="http://schemas.openxmlformats.org/drawingml/2006/main" xmlns:r="http://schemas.openxmlformats.org/officeDocument/2006/relationships" xmlns:mc="http://schemas.openxmlformats.org/markup-compatibility/2006" xmlns:mv="urn:schemas-microsoft-com:mac:vml" xmlns:p="http://schemas.openxmlformats.org/presentationml/2006/main" xmlns:c="http://schemas.openxmlformats.org/drawingml/2006/chart" xmlns:dgm="http://schemas.openxmlformats.org/drawingml/2006/diagram" xmlns:o="urn:schemas-microsoft-com:office:office" xmlns:v="urn:schemas-microsoft-com:vml" xmlns:pvml="urn:schemas-microsoft-com:office:powerpoint" xmlns:com="http://schemas.openxmlformats.org/drawingml/2006/compatibility" xmlns:p14="http://schemas.microsoft.com/office/powerpoint/2010/main" xmlns:p15="http://schemas.microsoft.com/office/powerpoint/2012/main" xmlns:ahyp="http://schemas.microsoft.com/office/drawing/2018/hyperlinkcolor" showMasterPhAnim="0" showMasterSp="0">
+  <p:cSld>
+    <p:spTree>
+      <p:nvGrpSpPr>
+        <p:cNvPr id="203" name="Shape 203"/>
+        <p:cNvGrpSpPr/>
+        <p:nvPr/>
+      </p:nvGrpSpPr>
+      <p:grpSpPr>
+        <a:xfrm>
+          <a:off x="0" y="0"/>
+          <a:ext cx="0" cy="0"/>
+          <a:chOff x="0" y="0"/>
+          <a:chExt cx="0" cy="0"/>
+        </a:xfrm>
+      </p:grpSpPr>
+      <p:sp>
+        <p:nvSpPr>
+          <p:cNvPr id="204" name="Google Shape;204;gf0e284b87c_2_1:notes"/>
+          <p:cNvSpPr/>
+          <p:nvPr>
+            <p:ph idx="2" type="sldImg"/>
+          </p:nvPr>
+        </p:nvSpPr>
+        <p:spPr>
+          <a:xfrm>
+            <a:off x="381300" y="685800"/>
+            <a:ext cx="6096000" cy="3429000"/>
+          </a:xfrm>
+          <a:custGeom>
+            <a:rect b="b" l="l" r="r" t="t"/>
+            <a:pathLst>
+              <a:path extrusionOk="0" h="120000" w="120000">
+                <a:moveTo>
+                  <a:pt x="0" y="0"/>
+                </a:moveTo>
+                <a:lnTo>
+                  <a:pt x="120000" y="0"/>
+                </a:lnTo>
+                <a:lnTo>
+                  <a:pt x="120000" y="120000"/>
+                </a:lnTo>
+                <a:lnTo>
+                  <a:pt x="0" y="120000"/>
+                </a:lnTo>
+                <a:close/>
+              </a:path>
+            </a:pathLst>
+          </a:custGeom>
+        </p:spPr>
+      </p:sp>
+      <p:sp>
+        <p:nvSpPr>
+          <p:cNvPr id="205" name="Google Shape;205;gf0e284b87c_2_1:notes"/>
+          <p:cNvSpPr txBox="1"/>
+          <p:nvPr>
+            <p:ph idx="1" type="body"/>
+          </p:nvPr>
+        </p:nvSpPr>
+        <p:spPr>
+          <a:xfrm>
+            <a:off x="685800" y="4343400"/>
+            <a:ext cx="5486400" cy="4114800"/>
+          </a:xfrm>
+          <a:prstGeom prst="rect">
+            <a:avLst/>
+          </a:prstGeom>
+        </p:spPr>
+        <p:txBody>
+          <a:bodyPr anchorCtr="0" anchor="t" bIns="91425" lIns="91425" spcFirstLastPara="1" rIns="91425" wrap="square" tIns="91425">
+            <a:noAutofit/>
+          </a:bodyPr>
+          <a:lstStyle/>
+          <a:p>
+            <a:pPr indent="0" lvl="0" marL="0" rtl="0" algn="l">
+              <a:spcBef>
+                <a:spcPts val="0"/>
+              </a:spcBef>
+              <a:spcAft>
+                <a:spcPts val="0"/>
+              </a:spcAft>
+              <a:buNone/>
+            </a:pPr>
+            <a:r>
+              <a:t/>
+            </a:r>
+            <a:endParaRPr/>
+          </a:p>
+        </p:txBody>
+      </p:sp>
+    </p:spTree>
+  </p:cSld>
+  <p:clrMapOvr>
+    <a:masterClrMapping/>
+  </p:clrMapOvr>
+</p:notes>
+</file>
+
+<file path=ppt/notesSlides/notesSlide25.xml><?xml version="1.0" encoding="utf-8"?>
+<p:notes xmlns:a="http://schemas.openxmlformats.org/drawingml/2006/main" xmlns:r="http://schemas.openxmlformats.org/officeDocument/2006/relationships" xmlns:mc="http://schemas.openxmlformats.org/markup-compatibility/2006" xmlns:mv="urn:schemas-microsoft-com:mac:vml" xmlns:p="http://schemas.openxmlformats.org/presentationml/2006/main" xmlns:c="http://schemas.openxmlformats.org/drawingml/2006/chart" xmlns:dgm="http://schemas.openxmlformats.org/drawingml/2006/diagram" xmlns:o="urn:schemas-microsoft-com:office:office" xmlns:v="urn:schemas-microsoft-com:vml" xmlns:pvml="urn:schemas-microsoft-com:office:powerpoint" xmlns:com="http://schemas.openxmlformats.org/drawingml/2006/compatibility" xmlns:p14="http://schemas.microsoft.com/office/powerpoint/2010/main" xmlns:p15="http://schemas.microsoft.com/office/powerpoint/2012/main" xmlns:ahyp="http://schemas.microsoft.com/office/drawing/2018/hyperlinkcolor" showMasterPhAnim="0" showMasterSp="0">
+  <p:cSld>
+    <p:spTree>
+      <p:nvGrpSpPr>
+        <p:cNvPr id="209" name="Shape 209"/>
+        <p:cNvGrpSpPr/>
+        <p:nvPr/>
+      </p:nvGrpSpPr>
+      <p:grpSpPr>
+        <a:xfrm>
+          <a:off x="0" y="0"/>
+          <a:ext cx="0" cy="0"/>
+          <a:chOff x="0" y="0"/>
+          <a:chExt cx="0" cy="0"/>
+        </a:xfrm>
+      </p:grpSpPr>
+      <p:sp>
+        <p:nvSpPr>
+          <p:cNvPr id="210" name="Google Shape;210;gf0c6892ecf_0_5:notes"/>
+          <p:cNvSpPr/>
+          <p:nvPr>
+            <p:ph idx="2" type="sldImg"/>
+          </p:nvPr>
+        </p:nvSpPr>
+        <p:spPr>
+          <a:xfrm>
+            <a:off x="381188" y="685800"/>
+            <a:ext cx="6096300" cy="3429000"/>
+          </a:xfrm>
+          <a:custGeom>
+            <a:rect b="b" l="l" r="r" t="t"/>
+            <a:pathLst>
+              <a:path extrusionOk="0" h="120000" w="120000">
+                <a:moveTo>
+                  <a:pt x="0" y="0"/>
+                </a:moveTo>
+                <a:lnTo>
+                  <a:pt x="120000" y="0"/>
+                </a:lnTo>
+                <a:lnTo>
+                  <a:pt x="120000" y="120000"/>
+                </a:lnTo>
+                <a:lnTo>
+                  <a:pt x="0" y="120000"/>
+                </a:lnTo>
+                <a:close/>
+              </a:path>
+            </a:pathLst>
+          </a:custGeom>
+        </p:spPr>
+      </p:sp>
+      <p:sp>
+        <p:nvSpPr>
+          <p:cNvPr id="211" name="Google Shape;211;gf0c6892ecf_0_5:notes"/>
+          <p:cNvSpPr txBox="1"/>
+          <p:nvPr>
+            <p:ph idx="1" type="body"/>
+          </p:nvPr>
+        </p:nvSpPr>
+        <p:spPr>
+          <a:xfrm>
+            <a:off x="685800" y="4343400"/>
+            <a:ext cx="5486400" cy="4114800"/>
+          </a:xfrm>
+          <a:prstGeom prst="rect">
+            <a:avLst/>
+          </a:prstGeom>
+        </p:spPr>
+        <p:txBody>
+          <a:bodyPr anchorCtr="0" anchor="t" bIns="91425" lIns="91425" spcFirstLastPara="1" rIns="91425" wrap="square" tIns="91425">
+            <a:noAutofit/>
+          </a:bodyPr>
+          <a:lstStyle/>
+          <a:p>
+            <a:pPr indent="0" lvl="0" marL="0" rtl="0" algn="l">
+              <a:spcBef>
+                <a:spcPts val="0"/>
+              </a:spcBef>
+              <a:spcAft>
+                <a:spcPts val="0"/>
+              </a:spcAft>
+              <a:buNone/>
+            </a:pPr>
+            <a:r>
+              <a:t/>
+            </a:r>
+            <a:endParaRPr/>
+          </a:p>
+        </p:txBody>
+      </p:sp>
+    </p:spTree>
+  </p:cSld>
+  <p:clrMapOvr>
+    <a:masterClrMapping/>
+  </p:clrMapOvr>
+</p:notes>
+</file>
+
+<file path=ppt/notesSlides/notesSlide26.xml><?xml version="1.0" encoding="utf-8"?>
+<p:notes xmlns:a="http://schemas.openxmlformats.org/drawingml/2006/main" xmlns:r="http://schemas.openxmlformats.org/officeDocument/2006/relationships" xmlns:mc="http://schemas.openxmlformats.org/markup-compatibility/2006" xmlns:mv="urn:schemas-microsoft-com:mac:vml" xmlns:p="http://schemas.openxmlformats.org/presentationml/2006/main" xmlns:c="http://schemas.openxmlformats.org/drawingml/2006/chart" xmlns:dgm="http://schemas.openxmlformats.org/drawingml/2006/diagram" xmlns:o="urn:schemas-microsoft-com:office:office" xmlns:v="urn:schemas-microsoft-com:vml" xmlns:pvml="urn:schemas-microsoft-com:office:powerpoint" xmlns:com="http://schemas.openxmlformats.org/drawingml/2006/compatibility" xmlns:p14="http://schemas.microsoft.com/office/powerpoint/2010/main" xmlns:p15="http://schemas.microsoft.com/office/powerpoint/2012/main" xmlns:ahyp="http://schemas.microsoft.com/office/drawing/2018/hyperlinkcolor" showMasterPhAnim="0" showMasterSp="0">
+  <p:cSld>
+    <p:spTree>
+      <p:nvGrpSpPr>
+        <p:cNvPr id="214" name="Shape 214"/>
+        <p:cNvGrpSpPr/>
+        <p:nvPr/>
+      </p:nvGrpSpPr>
+      <p:grpSpPr>
+        <a:xfrm>
+          <a:off x="0" y="0"/>
+          <a:ext cx="0" cy="0"/>
+          <a:chOff x="0" y="0"/>
+          <a:chExt cx="0" cy="0"/>
+        </a:xfrm>
+      </p:grpSpPr>
+      <p:sp>
+        <p:nvSpPr>
+          <p:cNvPr id="215" name="Google Shape;215;gf0c6892ecf_0_0:notes"/>
+          <p:cNvSpPr/>
+          <p:nvPr>
+            <p:ph idx="2" type="sldImg"/>
+          </p:nvPr>
+        </p:nvSpPr>
+        <p:spPr>
+          <a:xfrm>
+            <a:off x="381188" y="685800"/>
+            <a:ext cx="6096300" cy="3429000"/>
+          </a:xfrm>
+          <a:custGeom>
+            <a:rect b="b" l="l" r="r" t="t"/>
+            <a:pathLst>
+              <a:path extrusionOk="0" h="120000" w="120000">
+                <a:moveTo>
+                  <a:pt x="0" y="0"/>
+                </a:moveTo>
+                <a:lnTo>
+                  <a:pt x="120000" y="0"/>
+                </a:lnTo>
+                <a:lnTo>
+                  <a:pt x="120000" y="120000"/>
+                </a:lnTo>
+                <a:lnTo>
+                  <a:pt x="0" y="120000"/>
+                </a:lnTo>
+                <a:close/>
+              </a:path>
+            </a:pathLst>
+          </a:custGeom>
+        </p:spPr>
+      </p:sp>
+      <p:sp>
+        <p:nvSpPr>
+          <p:cNvPr id="216" name="Google Shape;216;gf0c6892ecf_0_0:notes"/>
+          <p:cNvSpPr txBox="1"/>
+          <p:nvPr>
+            <p:ph idx="1" type="body"/>
+          </p:nvPr>
+        </p:nvSpPr>
+        <p:spPr>
+          <a:xfrm>
+            <a:off x="685800" y="4343400"/>
+            <a:ext cx="5486400" cy="4114800"/>
+          </a:xfrm>
+          <a:prstGeom prst="rect">
+            <a:avLst/>
+          </a:prstGeom>
+        </p:spPr>
+        <p:txBody>
+          <a:bodyPr anchorCtr="0" anchor="t" bIns="91425" lIns="91425" spcFirstLastPara="1" rIns="91425" wrap="square" tIns="91425">
+            <a:noAutofit/>
+          </a:bodyPr>
+          <a:lstStyle/>
+          <a:p>
+            <a:pPr indent="0" lvl="0" marL="0" rtl="0" algn="l">
+              <a:spcBef>
+                <a:spcPts val="0"/>
+              </a:spcBef>
+              <a:spcAft>
+                <a:spcPts val="0"/>
+              </a:spcAft>
+              <a:buNone/>
+            </a:pPr>
+            <a:r>
+              <a:t/>
+            </a:r>
+            <a:endParaRPr/>
+          </a:p>
+        </p:txBody>
+      </p:sp>
+    </p:spTree>
+  </p:cSld>
+  <p:clrMapOvr>
+    <a:masterClrMapping/>
+  </p:clrMapOvr>
+</p:notes>
+</file>
+
+<file path=ppt/notesSlides/notesSlide27.xml><?xml version="1.0" encoding="utf-8"?>
+<p:notes xmlns:a="http://schemas.openxmlformats.org/drawingml/2006/main" xmlns:r="http://schemas.openxmlformats.org/officeDocument/2006/relationships" xmlns:mc="http://schemas.openxmlformats.org/markup-compatibility/2006" xmlns:mv="urn:schemas-microsoft-com:mac:vml" xmlns:p="http://schemas.openxmlformats.org/presentationml/2006/main" xmlns:c="http://schemas.openxmlformats.org/drawingml/2006/chart" xmlns:dgm="http://schemas.openxmlformats.org/drawingml/2006/diagram" xmlns:o="urn:schemas-microsoft-com:office:office" xmlns:v="urn:schemas-microsoft-com:vml" xmlns:pvml="urn:schemas-microsoft-com:office:powerpoint" xmlns:com="http://schemas.openxmlformats.org/drawingml/2006/compatibility" xmlns:p14="http://schemas.microsoft.com/office/powerpoint/2010/main" xmlns:p15="http://schemas.microsoft.com/office/powerpoint/2012/main" xmlns:ahyp="http://schemas.microsoft.com/office/drawing/2018/hyperlinkcolor" showMasterPhAnim="0" showMasterSp="0">
+  <p:cSld>
+    <p:spTree>
+      <p:nvGrpSpPr>
+        <p:cNvPr id="220" name="Shape 220"/>
+        <p:cNvGrpSpPr/>
+        <p:nvPr/>
+      </p:nvGrpSpPr>
+      <p:grpSpPr>
+        <a:xfrm>
+          <a:off x="0" y="0"/>
+          <a:ext cx="0" cy="0"/>
+          <a:chOff x="0" y="0"/>
+          <a:chExt cx="0" cy="0"/>
+        </a:xfrm>
+      </p:grpSpPr>
+      <p:sp>
+        <p:nvSpPr>
+          <p:cNvPr id="221" name="Google Shape;221;gf0e284b87c_2_90:notes"/>
+          <p:cNvSpPr/>
+          <p:nvPr>
+            <p:ph idx="2" type="sldImg"/>
+          </p:nvPr>
+        </p:nvSpPr>
+        <p:spPr>
+          <a:xfrm>
+            <a:off x="381188" y="685800"/>
+            <a:ext cx="6096300" cy="3429000"/>
+          </a:xfrm>
+          <a:custGeom>
+            <a:rect b="b" l="l" r="r" t="t"/>
+            <a:pathLst>
+              <a:path extrusionOk="0" h="120000" w="120000">
+                <a:moveTo>
+                  <a:pt x="0" y="0"/>
+                </a:moveTo>
+                <a:lnTo>
+                  <a:pt x="120000" y="0"/>
+                </a:lnTo>
+                <a:lnTo>
+                  <a:pt x="120000" y="120000"/>
+                </a:lnTo>
+                <a:lnTo>
+                  <a:pt x="0" y="120000"/>
+                </a:lnTo>
+                <a:close/>
+              </a:path>
+            </a:pathLst>
+          </a:custGeom>
+        </p:spPr>
+      </p:sp>
+      <p:sp>
+        <p:nvSpPr>
+          <p:cNvPr id="222" name="Google Shape;222;gf0e284b87c_2_90:notes"/>
+          <p:cNvSpPr txBox="1"/>
+          <p:nvPr>
+            <p:ph idx="1" type="body"/>
+          </p:nvPr>
+        </p:nvSpPr>
+        <p:spPr>
+          <a:xfrm>
+            <a:off x="685800" y="4343400"/>
+            <a:ext cx="5486400" cy="4114800"/>
+          </a:xfrm>
+          <a:prstGeom prst="rect">
+            <a:avLst/>
+          </a:prstGeom>
+        </p:spPr>
+        <p:txBody>
+          <a:bodyPr anchorCtr="0" anchor="t" bIns="91425" lIns="91425" spcFirstLastPara="1" rIns="91425" wrap="square" tIns="91425">
+            <a:noAutofit/>
+          </a:bodyPr>
+          <a:lstStyle/>
+          <a:p>
+            <a:pPr indent="0" lvl="0" marL="0" rtl="0" algn="l">
+              <a:spcBef>
+                <a:spcPts val="0"/>
+              </a:spcBef>
+              <a:spcAft>
+                <a:spcPts val="0"/>
+              </a:spcAft>
+              <a:buNone/>
+            </a:pPr>
+            <a:r>
+              <a:t/>
+            </a:r>
+            <a:endParaRPr/>
+          </a:p>
+        </p:txBody>
+      </p:sp>
+    </p:spTree>
+  </p:cSld>
+  <p:clrMapOvr>
+    <a:masterClrMapping/>
+  </p:clrMapOvr>
+</p:notes>
+</file>
+
+<file path=ppt/notesSlides/notesSlide28.xml><?xml version="1.0" encoding="utf-8"?>
+<p:notes xmlns:a="http://schemas.openxmlformats.org/drawingml/2006/main" xmlns:r="http://schemas.openxmlformats.org/officeDocument/2006/relationships" xmlns:mc="http://schemas.openxmlformats.org/markup-compatibility/2006" xmlns:mv="urn:schemas-microsoft-com:mac:vml" xmlns:p="http://schemas.openxmlformats.org/presentationml/2006/main" xmlns:c="http://schemas.openxmlformats.org/drawingml/2006/chart" xmlns:dgm="http://schemas.openxmlformats.org/drawingml/2006/diagram" xmlns:o="urn:schemas-microsoft-com:office:office" xmlns:v="urn:schemas-microsoft-com:vml" xmlns:pvml="urn:schemas-microsoft-com:office:powerpoint" xmlns:com="http://schemas.openxmlformats.org/drawingml/2006/compatibility" xmlns:p14="http://schemas.microsoft.com/office/powerpoint/2010/main" xmlns:p15="http://schemas.microsoft.com/office/powerpoint/2012/main" xmlns:ahyp="http://schemas.microsoft.com/office/drawing/2018/hyperlinkcolor" showMasterPhAnim="0" showMasterSp="0">
+  <p:cSld>
+    <p:spTree>
+      <p:nvGrpSpPr>
+        <p:cNvPr id="226" name="Shape 226"/>
+        <p:cNvGrpSpPr/>
+        <p:nvPr/>
+      </p:nvGrpSpPr>
+      <p:grpSpPr>
+        <a:xfrm>
+          <a:off x="0" y="0"/>
+          <a:ext cx="0" cy="0"/>
+          <a:chOff x="0" y="0"/>
+          <a:chExt cx="0" cy="0"/>
+        </a:xfrm>
+      </p:grpSpPr>
+      <p:sp>
+        <p:nvSpPr>
+          <p:cNvPr id="227" name="Google Shape;227;gf0e284b87c_2_95:notes"/>
+          <p:cNvSpPr/>
+          <p:nvPr>
+            <p:ph idx="2" type="sldImg"/>
+          </p:nvPr>
+        </p:nvSpPr>
+        <p:spPr>
+          <a:xfrm>
+            <a:off x="381188" y="685800"/>
+            <a:ext cx="6096300" cy="3429000"/>
+          </a:xfrm>
+          <a:custGeom>
+            <a:rect b="b" l="l" r="r" t="t"/>
+            <a:pathLst>
+              <a:path extrusionOk="0" h="120000" w="120000">
+                <a:moveTo>
+                  <a:pt x="0" y="0"/>
+                </a:moveTo>
+                <a:lnTo>
+                  <a:pt x="120000" y="0"/>
+                </a:lnTo>
+                <a:lnTo>
+                  <a:pt x="120000" y="120000"/>
+                </a:lnTo>
+                <a:lnTo>
+                  <a:pt x="0" y="120000"/>
+                </a:lnTo>
+                <a:close/>
+              </a:path>
+            </a:pathLst>
+          </a:custGeom>
+        </p:spPr>
+      </p:sp>
+      <p:sp>
+        <p:nvSpPr>
+          <p:cNvPr id="228" name="Google Shape;228;gf0e284b87c_2_95:notes"/>
+          <p:cNvSpPr txBox="1"/>
+          <p:nvPr>
+            <p:ph idx="1" type="body"/>
+          </p:nvPr>
+        </p:nvSpPr>
+        <p:spPr>
+          <a:xfrm>
+            <a:off x="685800" y="4343400"/>
+            <a:ext cx="5486400" cy="4114800"/>
+          </a:xfrm>
+          <a:prstGeom prst="rect">
+            <a:avLst/>
+          </a:prstGeom>
+        </p:spPr>
+        <p:txBody>
+          <a:bodyPr anchorCtr="0" anchor="t" bIns="91425" lIns="91425" spcFirstLastPara="1" rIns="91425" wrap="square" tIns="91425">
+            <a:noAutofit/>
+          </a:bodyPr>
+          <a:lstStyle/>
+          <a:p>
+            <a:pPr indent="0" lvl="0" marL="0" rtl="0" algn="l">
+              <a:spcBef>
+                <a:spcPts val="0"/>
+              </a:spcBef>
+              <a:spcAft>
+                <a:spcPts val="0"/>
+              </a:spcAft>
+              <a:buNone/>
+            </a:pPr>
+            <a:r>
+              <a:t/>
+            </a:r>
+            <a:endParaRPr/>
+          </a:p>
+        </p:txBody>
+      </p:sp>
+    </p:spTree>
+  </p:cSld>
+  <p:clrMapOvr>
+    <a:masterClrMapping/>
+  </p:clrMapOvr>
+</p:notes>
+</file>
+
+<file path=ppt/notesSlides/notesSlide29.xml><?xml version="1.0" encoding="utf-8"?>
+<p:notes xmlns:a="http://schemas.openxmlformats.org/drawingml/2006/main" xmlns:r="http://schemas.openxmlformats.org/officeDocument/2006/relationships" xmlns:mc="http://schemas.openxmlformats.org/markup-compatibility/2006" xmlns:mv="urn:schemas-microsoft-com:mac:vml" xmlns:p="http://schemas.openxmlformats.org/presentationml/2006/main" xmlns:c="http://schemas.openxmlformats.org/drawingml/2006/chart" xmlns:dgm="http://schemas.openxmlformats.org/drawingml/2006/diagram" xmlns:o="urn:schemas-microsoft-com:office:office" xmlns:v="urn:schemas-microsoft-com:vml" xmlns:pvml="urn:schemas-microsoft-com:office:powerpoint" xmlns:com="http://schemas.openxmlformats.org/drawingml/2006/compatibility" xmlns:p14="http://schemas.microsoft.com/office/powerpoint/2010/main" xmlns:p15="http://schemas.microsoft.com/office/powerpoint/2012/main" xmlns:ahyp="http://schemas.microsoft.com/office/drawing/2018/hyperlinkcolor" showMasterPhAnim="0" showMasterSp="0">
+  <p:cSld>
+    <p:spTree>
+      <p:nvGrpSpPr>
+        <p:cNvPr id="232" name="Shape 232"/>
+        <p:cNvGrpSpPr/>
+        <p:nvPr/>
+      </p:nvGrpSpPr>
+      <p:grpSpPr>
+        <a:xfrm>
+          <a:off x="0" y="0"/>
+          <a:ext cx="0" cy="0"/>
+          <a:chOff x="0" y="0"/>
+          <a:chExt cx="0" cy="0"/>
+        </a:xfrm>
+      </p:grpSpPr>
+      <p:sp>
+        <p:nvSpPr>
+          <p:cNvPr id="233" name="Google Shape;233;gf0e284b87c_2_100:notes"/>
+          <p:cNvSpPr/>
+          <p:nvPr>
+            <p:ph idx="2" type="sldImg"/>
+          </p:nvPr>
+        </p:nvSpPr>
+        <p:spPr>
+          <a:xfrm>
+            <a:off x="381188" y="685800"/>
+            <a:ext cx="6096300" cy="3429000"/>
+          </a:xfrm>
+          <a:custGeom>
+            <a:rect b="b" l="l" r="r" t="t"/>
+            <a:pathLst>
+              <a:path extrusionOk="0" h="120000" w="120000">
+                <a:moveTo>
+                  <a:pt x="0" y="0"/>
+                </a:moveTo>
+                <a:lnTo>
+                  <a:pt x="120000" y="0"/>
+                </a:lnTo>
+                <a:lnTo>
+                  <a:pt x="120000" y="120000"/>
+                </a:lnTo>
+                <a:lnTo>
+                  <a:pt x="0" y="120000"/>
+                </a:lnTo>
+                <a:close/>
+              </a:path>
+            </a:pathLst>
+          </a:custGeom>
+        </p:spPr>
+      </p:sp>
+      <p:sp>
+        <p:nvSpPr>
+          <p:cNvPr id="234" name="Google Shape;234;gf0e284b87c_2_100:notes"/>
           <p:cNvSpPr txBox="1"/>
           <p:nvPr>
             <p:ph idx="1" type="body"/>
@@ -2307,12 +3019,12 @@
 </p:notes>
 </file>
 
-<file path=ppt/notesSlides/notesSlide4.xml><?xml version="1.0" encoding="utf-8"?>
+<file path=ppt/notesSlides/notesSlide30.xml><?xml version="1.0" encoding="utf-8"?>
 <p:notes xmlns:a="http://schemas.openxmlformats.org/drawingml/2006/main" xmlns:r="http://schemas.openxmlformats.org/officeDocument/2006/relationships" xmlns:mc="http://schemas.openxmlformats.org/markup-compatibility/2006" xmlns:mv="urn:schemas-microsoft-com:mac:vml" xmlns:p="http://schemas.openxmlformats.org/presentationml/2006/main" xmlns:c="http://schemas.openxmlformats.org/drawingml/2006/chart" xmlns:dgm="http://schemas.openxmlformats.org/drawingml/2006/diagram" xmlns:o="urn:schemas-microsoft-com:office:office" xmlns:v="urn:schemas-microsoft-com:vml" xmlns:pvml="urn:schemas-microsoft-com:office:powerpoint" xmlns:com="http://schemas.openxmlformats.org/drawingml/2006/compatibility" xmlns:p14="http://schemas.microsoft.com/office/powerpoint/2010/main" xmlns:p15="http://schemas.microsoft.com/office/powerpoint/2012/main" xmlns:ahyp="http://schemas.microsoft.com/office/drawing/2018/hyperlinkcolor" showMasterPhAnim="0" showMasterSp="0">
   <p:cSld>
     <p:spTree>
       <p:nvGrpSpPr>
-        <p:cNvPr id="86" name="Shape 86"/>
+        <p:cNvPr id="238" name="Shape 238"/>
         <p:cNvGrpSpPr/>
         <p:nvPr/>
       </p:nvGrpSpPr>
@@ -2326,7 +3038,7 @@
       </p:grpSpPr>
       <p:sp>
         <p:nvSpPr>
-          <p:cNvPr id="87" name="Google Shape;87;gebcc5b2c4c_0_14:notes"/>
+          <p:cNvPr id="239" name="Google Shape;239;gf0e284b87c_2_106:notes"/>
           <p:cNvSpPr/>
           <p:nvPr>
             <p:ph idx="2" type="sldImg"/>
@@ -2361,7 +3073,1195 @@
       </p:sp>
       <p:sp>
         <p:nvSpPr>
+          <p:cNvPr id="240" name="Google Shape;240;gf0e284b87c_2_106:notes"/>
+          <p:cNvSpPr txBox="1"/>
+          <p:nvPr>
+            <p:ph idx="1" type="body"/>
+          </p:nvPr>
+        </p:nvSpPr>
+        <p:spPr>
+          <a:xfrm>
+            <a:off x="685800" y="4343400"/>
+            <a:ext cx="5486400" cy="4114800"/>
+          </a:xfrm>
+          <a:prstGeom prst="rect">
+            <a:avLst/>
+          </a:prstGeom>
+        </p:spPr>
+        <p:txBody>
+          <a:bodyPr anchorCtr="0" anchor="t" bIns="91425" lIns="91425" spcFirstLastPara="1" rIns="91425" wrap="square" tIns="91425">
+            <a:noAutofit/>
+          </a:bodyPr>
+          <a:lstStyle/>
+          <a:p>
+            <a:pPr indent="0" lvl="0" marL="0" rtl="0" algn="l">
+              <a:spcBef>
+                <a:spcPts val="0"/>
+              </a:spcBef>
+              <a:spcAft>
+                <a:spcPts val="0"/>
+              </a:spcAft>
+              <a:buNone/>
+            </a:pPr>
+            <a:r>
+              <a:t/>
+            </a:r>
+            <a:endParaRPr/>
+          </a:p>
+        </p:txBody>
+      </p:sp>
+    </p:spTree>
+  </p:cSld>
+  <p:clrMapOvr>
+    <a:masterClrMapping/>
+  </p:clrMapOvr>
+</p:notes>
+</file>
+
+<file path=ppt/notesSlides/notesSlide31.xml><?xml version="1.0" encoding="utf-8"?>
+<p:notes xmlns:a="http://schemas.openxmlformats.org/drawingml/2006/main" xmlns:r="http://schemas.openxmlformats.org/officeDocument/2006/relationships" xmlns:mc="http://schemas.openxmlformats.org/markup-compatibility/2006" xmlns:mv="urn:schemas-microsoft-com:mac:vml" xmlns:p="http://schemas.openxmlformats.org/presentationml/2006/main" xmlns:c="http://schemas.openxmlformats.org/drawingml/2006/chart" xmlns:dgm="http://schemas.openxmlformats.org/drawingml/2006/diagram" xmlns:o="urn:schemas-microsoft-com:office:office" xmlns:v="urn:schemas-microsoft-com:vml" xmlns:pvml="urn:schemas-microsoft-com:office:powerpoint" xmlns:com="http://schemas.openxmlformats.org/drawingml/2006/compatibility" xmlns:p14="http://schemas.microsoft.com/office/powerpoint/2010/main" xmlns:p15="http://schemas.microsoft.com/office/powerpoint/2012/main" xmlns:ahyp="http://schemas.microsoft.com/office/drawing/2018/hyperlinkcolor" showMasterPhAnim="0" showMasterSp="0">
+  <p:cSld>
+    <p:spTree>
+      <p:nvGrpSpPr>
+        <p:cNvPr id="244" name="Shape 244"/>
+        <p:cNvGrpSpPr/>
+        <p:nvPr/>
+      </p:nvGrpSpPr>
+      <p:grpSpPr>
+        <a:xfrm>
+          <a:off x="0" y="0"/>
+          <a:ext cx="0" cy="0"/>
+          <a:chOff x="0" y="0"/>
+          <a:chExt cx="0" cy="0"/>
+        </a:xfrm>
+      </p:grpSpPr>
+      <p:sp>
+        <p:nvSpPr>
+          <p:cNvPr id="245" name="Google Shape;245;gf0e284b87c_2_112:notes"/>
+          <p:cNvSpPr/>
+          <p:nvPr>
+            <p:ph idx="2" type="sldImg"/>
+          </p:nvPr>
+        </p:nvSpPr>
+        <p:spPr>
+          <a:xfrm>
+            <a:off x="381188" y="685800"/>
+            <a:ext cx="6096300" cy="3429000"/>
+          </a:xfrm>
+          <a:custGeom>
+            <a:rect b="b" l="l" r="r" t="t"/>
+            <a:pathLst>
+              <a:path extrusionOk="0" h="120000" w="120000">
+                <a:moveTo>
+                  <a:pt x="0" y="0"/>
+                </a:moveTo>
+                <a:lnTo>
+                  <a:pt x="120000" y="0"/>
+                </a:lnTo>
+                <a:lnTo>
+                  <a:pt x="120000" y="120000"/>
+                </a:lnTo>
+                <a:lnTo>
+                  <a:pt x="0" y="120000"/>
+                </a:lnTo>
+                <a:close/>
+              </a:path>
+            </a:pathLst>
+          </a:custGeom>
+        </p:spPr>
+      </p:sp>
+      <p:sp>
+        <p:nvSpPr>
+          <p:cNvPr id="246" name="Google Shape;246;gf0e284b87c_2_112:notes"/>
+          <p:cNvSpPr txBox="1"/>
+          <p:nvPr>
+            <p:ph idx="1" type="body"/>
+          </p:nvPr>
+        </p:nvSpPr>
+        <p:spPr>
+          <a:xfrm>
+            <a:off x="685800" y="4343400"/>
+            <a:ext cx="5486400" cy="4114800"/>
+          </a:xfrm>
+          <a:prstGeom prst="rect">
+            <a:avLst/>
+          </a:prstGeom>
+        </p:spPr>
+        <p:txBody>
+          <a:bodyPr anchorCtr="0" anchor="t" bIns="91425" lIns="91425" spcFirstLastPara="1" rIns="91425" wrap="square" tIns="91425">
+            <a:noAutofit/>
+          </a:bodyPr>
+          <a:lstStyle/>
+          <a:p>
+            <a:pPr indent="0" lvl="0" marL="0" rtl="0" algn="l">
+              <a:spcBef>
+                <a:spcPts val="0"/>
+              </a:spcBef>
+              <a:spcAft>
+                <a:spcPts val="0"/>
+              </a:spcAft>
+              <a:buNone/>
+            </a:pPr>
+            <a:r>
+              <a:t/>
+            </a:r>
+            <a:endParaRPr/>
+          </a:p>
+        </p:txBody>
+      </p:sp>
+    </p:spTree>
+  </p:cSld>
+  <p:clrMapOvr>
+    <a:masterClrMapping/>
+  </p:clrMapOvr>
+</p:notes>
+</file>
+
+<file path=ppt/notesSlides/notesSlide32.xml><?xml version="1.0" encoding="utf-8"?>
+<p:notes xmlns:a="http://schemas.openxmlformats.org/drawingml/2006/main" xmlns:r="http://schemas.openxmlformats.org/officeDocument/2006/relationships" xmlns:mc="http://schemas.openxmlformats.org/markup-compatibility/2006" xmlns:mv="urn:schemas-microsoft-com:mac:vml" xmlns:p="http://schemas.openxmlformats.org/presentationml/2006/main" xmlns:c="http://schemas.openxmlformats.org/drawingml/2006/chart" xmlns:dgm="http://schemas.openxmlformats.org/drawingml/2006/diagram" xmlns:o="urn:schemas-microsoft-com:office:office" xmlns:v="urn:schemas-microsoft-com:vml" xmlns:pvml="urn:schemas-microsoft-com:office:powerpoint" xmlns:com="http://schemas.openxmlformats.org/drawingml/2006/compatibility" xmlns:p14="http://schemas.microsoft.com/office/powerpoint/2010/main" xmlns:p15="http://schemas.microsoft.com/office/powerpoint/2012/main" xmlns:ahyp="http://schemas.microsoft.com/office/drawing/2018/hyperlinkcolor" showMasterPhAnim="0" showMasterSp="0">
+  <p:cSld>
+    <p:spTree>
+      <p:nvGrpSpPr>
+        <p:cNvPr id="250" name="Shape 250"/>
+        <p:cNvGrpSpPr/>
+        <p:nvPr/>
+      </p:nvGrpSpPr>
+      <p:grpSpPr>
+        <a:xfrm>
+          <a:off x="0" y="0"/>
+          <a:ext cx="0" cy="0"/>
+          <a:chOff x="0" y="0"/>
+          <a:chExt cx="0" cy="0"/>
+        </a:xfrm>
+      </p:grpSpPr>
+      <p:sp>
+        <p:nvSpPr>
+          <p:cNvPr id="251" name="Google Shape;251;gf0e284b87c_2_118:notes"/>
+          <p:cNvSpPr/>
+          <p:nvPr>
+            <p:ph idx="2" type="sldImg"/>
+          </p:nvPr>
+        </p:nvSpPr>
+        <p:spPr>
+          <a:xfrm>
+            <a:off x="381188" y="685800"/>
+            <a:ext cx="6096300" cy="3429000"/>
+          </a:xfrm>
+          <a:custGeom>
+            <a:rect b="b" l="l" r="r" t="t"/>
+            <a:pathLst>
+              <a:path extrusionOk="0" h="120000" w="120000">
+                <a:moveTo>
+                  <a:pt x="0" y="0"/>
+                </a:moveTo>
+                <a:lnTo>
+                  <a:pt x="120000" y="0"/>
+                </a:lnTo>
+                <a:lnTo>
+                  <a:pt x="120000" y="120000"/>
+                </a:lnTo>
+                <a:lnTo>
+                  <a:pt x="0" y="120000"/>
+                </a:lnTo>
+                <a:close/>
+              </a:path>
+            </a:pathLst>
+          </a:custGeom>
+        </p:spPr>
+      </p:sp>
+      <p:sp>
+        <p:nvSpPr>
+          <p:cNvPr id="252" name="Google Shape;252;gf0e284b87c_2_118:notes"/>
+          <p:cNvSpPr txBox="1"/>
+          <p:nvPr>
+            <p:ph idx="1" type="body"/>
+          </p:nvPr>
+        </p:nvSpPr>
+        <p:spPr>
+          <a:xfrm>
+            <a:off x="685800" y="4343400"/>
+            <a:ext cx="5486400" cy="4114800"/>
+          </a:xfrm>
+          <a:prstGeom prst="rect">
+            <a:avLst/>
+          </a:prstGeom>
+        </p:spPr>
+        <p:txBody>
+          <a:bodyPr anchorCtr="0" anchor="t" bIns="91425" lIns="91425" spcFirstLastPara="1" rIns="91425" wrap="square" tIns="91425">
+            <a:noAutofit/>
+          </a:bodyPr>
+          <a:lstStyle/>
+          <a:p>
+            <a:pPr indent="0" lvl="0" marL="0" rtl="0" algn="l">
+              <a:spcBef>
+                <a:spcPts val="0"/>
+              </a:spcBef>
+              <a:spcAft>
+                <a:spcPts val="0"/>
+              </a:spcAft>
+              <a:buNone/>
+            </a:pPr>
+            <a:r>
+              <a:t/>
+            </a:r>
+            <a:endParaRPr/>
+          </a:p>
+        </p:txBody>
+      </p:sp>
+    </p:spTree>
+  </p:cSld>
+  <p:clrMapOvr>
+    <a:masterClrMapping/>
+  </p:clrMapOvr>
+</p:notes>
+</file>
+
+<file path=ppt/notesSlides/notesSlide33.xml><?xml version="1.0" encoding="utf-8"?>
+<p:notes xmlns:a="http://schemas.openxmlformats.org/drawingml/2006/main" xmlns:r="http://schemas.openxmlformats.org/officeDocument/2006/relationships" xmlns:mc="http://schemas.openxmlformats.org/markup-compatibility/2006" xmlns:mv="urn:schemas-microsoft-com:mac:vml" xmlns:p="http://schemas.openxmlformats.org/presentationml/2006/main" xmlns:c="http://schemas.openxmlformats.org/drawingml/2006/chart" xmlns:dgm="http://schemas.openxmlformats.org/drawingml/2006/diagram" xmlns:o="urn:schemas-microsoft-com:office:office" xmlns:v="urn:schemas-microsoft-com:vml" xmlns:pvml="urn:schemas-microsoft-com:office:powerpoint" xmlns:com="http://schemas.openxmlformats.org/drawingml/2006/compatibility" xmlns:p14="http://schemas.microsoft.com/office/powerpoint/2010/main" xmlns:p15="http://schemas.microsoft.com/office/powerpoint/2012/main" xmlns:ahyp="http://schemas.microsoft.com/office/drawing/2018/hyperlinkcolor" showMasterPhAnim="0" showMasterSp="0">
+  <p:cSld>
+    <p:spTree>
+      <p:nvGrpSpPr>
+        <p:cNvPr id="256" name="Shape 256"/>
+        <p:cNvGrpSpPr/>
+        <p:nvPr/>
+      </p:nvGrpSpPr>
+      <p:grpSpPr>
+        <a:xfrm>
+          <a:off x="0" y="0"/>
+          <a:ext cx="0" cy="0"/>
+          <a:chOff x="0" y="0"/>
+          <a:chExt cx="0" cy="0"/>
+        </a:xfrm>
+      </p:grpSpPr>
+      <p:sp>
+        <p:nvSpPr>
+          <p:cNvPr id="257" name="Google Shape;257;gf0e284b87c_2_124:notes"/>
+          <p:cNvSpPr/>
+          <p:nvPr>
+            <p:ph idx="2" type="sldImg"/>
+          </p:nvPr>
+        </p:nvSpPr>
+        <p:spPr>
+          <a:xfrm>
+            <a:off x="381188" y="685800"/>
+            <a:ext cx="6096300" cy="3429000"/>
+          </a:xfrm>
+          <a:custGeom>
+            <a:rect b="b" l="l" r="r" t="t"/>
+            <a:pathLst>
+              <a:path extrusionOk="0" h="120000" w="120000">
+                <a:moveTo>
+                  <a:pt x="0" y="0"/>
+                </a:moveTo>
+                <a:lnTo>
+                  <a:pt x="120000" y="0"/>
+                </a:lnTo>
+                <a:lnTo>
+                  <a:pt x="120000" y="120000"/>
+                </a:lnTo>
+                <a:lnTo>
+                  <a:pt x="0" y="120000"/>
+                </a:lnTo>
+                <a:close/>
+              </a:path>
+            </a:pathLst>
+          </a:custGeom>
+        </p:spPr>
+      </p:sp>
+      <p:sp>
+        <p:nvSpPr>
+          <p:cNvPr id="258" name="Google Shape;258;gf0e284b87c_2_124:notes"/>
+          <p:cNvSpPr txBox="1"/>
+          <p:nvPr>
+            <p:ph idx="1" type="body"/>
+          </p:nvPr>
+        </p:nvSpPr>
+        <p:spPr>
+          <a:xfrm>
+            <a:off x="685800" y="4343400"/>
+            <a:ext cx="5486400" cy="4114800"/>
+          </a:xfrm>
+          <a:prstGeom prst="rect">
+            <a:avLst/>
+          </a:prstGeom>
+        </p:spPr>
+        <p:txBody>
+          <a:bodyPr anchorCtr="0" anchor="t" bIns="91425" lIns="91425" spcFirstLastPara="1" rIns="91425" wrap="square" tIns="91425">
+            <a:noAutofit/>
+          </a:bodyPr>
+          <a:lstStyle/>
+          <a:p>
+            <a:pPr indent="0" lvl="0" marL="0" rtl="0" algn="l">
+              <a:spcBef>
+                <a:spcPts val="0"/>
+              </a:spcBef>
+              <a:spcAft>
+                <a:spcPts val="0"/>
+              </a:spcAft>
+              <a:buNone/>
+            </a:pPr>
+            <a:r>
+              <a:t/>
+            </a:r>
+            <a:endParaRPr/>
+          </a:p>
+        </p:txBody>
+      </p:sp>
+    </p:spTree>
+  </p:cSld>
+  <p:clrMapOvr>
+    <a:masterClrMapping/>
+  </p:clrMapOvr>
+</p:notes>
+</file>
+
+<file path=ppt/notesSlides/notesSlide34.xml><?xml version="1.0" encoding="utf-8"?>
+<p:notes xmlns:a="http://schemas.openxmlformats.org/drawingml/2006/main" xmlns:r="http://schemas.openxmlformats.org/officeDocument/2006/relationships" xmlns:mc="http://schemas.openxmlformats.org/markup-compatibility/2006" xmlns:mv="urn:schemas-microsoft-com:mac:vml" xmlns:p="http://schemas.openxmlformats.org/presentationml/2006/main" xmlns:c="http://schemas.openxmlformats.org/drawingml/2006/chart" xmlns:dgm="http://schemas.openxmlformats.org/drawingml/2006/diagram" xmlns:o="urn:schemas-microsoft-com:office:office" xmlns:v="urn:schemas-microsoft-com:vml" xmlns:pvml="urn:schemas-microsoft-com:office:powerpoint" xmlns:com="http://schemas.openxmlformats.org/drawingml/2006/compatibility" xmlns:p14="http://schemas.microsoft.com/office/powerpoint/2010/main" xmlns:p15="http://schemas.microsoft.com/office/powerpoint/2012/main" xmlns:ahyp="http://schemas.microsoft.com/office/drawing/2018/hyperlinkcolor" showMasterPhAnim="0" showMasterSp="0">
+  <p:cSld>
+    <p:spTree>
+      <p:nvGrpSpPr>
+        <p:cNvPr id="263" name="Shape 263"/>
+        <p:cNvGrpSpPr/>
+        <p:nvPr/>
+      </p:nvGrpSpPr>
+      <p:grpSpPr>
+        <a:xfrm>
+          <a:off x="0" y="0"/>
+          <a:ext cx="0" cy="0"/>
+          <a:chOff x="0" y="0"/>
+          <a:chExt cx="0" cy="0"/>
+        </a:xfrm>
+      </p:grpSpPr>
+      <p:sp>
+        <p:nvSpPr>
+          <p:cNvPr id="264" name="Google Shape;264;gf0e284b87c_2_130:notes"/>
+          <p:cNvSpPr/>
+          <p:nvPr>
+            <p:ph idx="2" type="sldImg"/>
+          </p:nvPr>
+        </p:nvSpPr>
+        <p:spPr>
+          <a:xfrm>
+            <a:off x="381188" y="685800"/>
+            <a:ext cx="6096300" cy="3429000"/>
+          </a:xfrm>
+          <a:custGeom>
+            <a:rect b="b" l="l" r="r" t="t"/>
+            <a:pathLst>
+              <a:path extrusionOk="0" h="120000" w="120000">
+                <a:moveTo>
+                  <a:pt x="0" y="0"/>
+                </a:moveTo>
+                <a:lnTo>
+                  <a:pt x="120000" y="0"/>
+                </a:lnTo>
+                <a:lnTo>
+                  <a:pt x="120000" y="120000"/>
+                </a:lnTo>
+                <a:lnTo>
+                  <a:pt x="0" y="120000"/>
+                </a:lnTo>
+                <a:close/>
+              </a:path>
+            </a:pathLst>
+          </a:custGeom>
+        </p:spPr>
+      </p:sp>
+      <p:sp>
+        <p:nvSpPr>
+          <p:cNvPr id="265" name="Google Shape;265;gf0e284b87c_2_130:notes"/>
+          <p:cNvSpPr txBox="1"/>
+          <p:nvPr>
+            <p:ph idx="1" type="body"/>
+          </p:nvPr>
+        </p:nvSpPr>
+        <p:spPr>
+          <a:xfrm>
+            <a:off x="685800" y="4343400"/>
+            <a:ext cx="5486400" cy="4114800"/>
+          </a:xfrm>
+          <a:prstGeom prst="rect">
+            <a:avLst/>
+          </a:prstGeom>
+        </p:spPr>
+        <p:txBody>
+          <a:bodyPr anchorCtr="0" anchor="t" bIns="91425" lIns="91425" spcFirstLastPara="1" rIns="91425" wrap="square" tIns="91425">
+            <a:noAutofit/>
+          </a:bodyPr>
+          <a:lstStyle/>
+          <a:p>
+            <a:pPr indent="0" lvl="0" marL="0" rtl="0" algn="l">
+              <a:spcBef>
+                <a:spcPts val="0"/>
+              </a:spcBef>
+              <a:spcAft>
+                <a:spcPts val="0"/>
+              </a:spcAft>
+              <a:buNone/>
+            </a:pPr>
+            <a:r>
+              <a:t/>
+            </a:r>
+            <a:endParaRPr/>
+          </a:p>
+        </p:txBody>
+      </p:sp>
+    </p:spTree>
+  </p:cSld>
+  <p:clrMapOvr>
+    <a:masterClrMapping/>
+  </p:clrMapOvr>
+</p:notes>
+</file>
+
+<file path=ppt/notesSlides/notesSlide35.xml><?xml version="1.0" encoding="utf-8"?>
+<p:notes xmlns:a="http://schemas.openxmlformats.org/drawingml/2006/main" xmlns:r="http://schemas.openxmlformats.org/officeDocument/2006/relationships" xmlns:mc="http://schemas.openxmlformats.org/markup-compatibility/2006" xmlns:mv="urn:schemas-microsoft-com:mac:vml" xmlns:p="http://schemas.openxmlformats.org/presentationml/2006/main" xmlns:c="http://schemas.openxmlformats.org/drawingml/2006/chart" xmlns:dgm="http://schemas.openxmlformats.org/drawingml/2006/diagram" xmlns:o="urn:schemas-microsoft-com:office:office" xmlns:v="urn:schemas-microsoft-com:vml" xmlns:pvml="urn:schemas-microsoft-com:office:powerpoint" xmlns:com="http://schemas.openxmlformats.org/drawingml/2006/compatibility" xmlns:p14="http://schemas.microsoft.com/office/powerpoint/2010/main" xmlns:p15="http://schemas.microsoft.com/office/powerpoint/2012/main" xmlns:ahyp="http://schemas.microsoft.com/office/drawing/2018/hyperlinkcolor" showMasterPhAnim="0" showMasterSp="0">
+  <p:cSld>
+    <p:spTree>
+      <p:nvGrpSpPr>
+        <p:cNvPr id="269" name="Shape 269"/>
+        <p:cNvGrpSpPr/>
+        <p:nvPr/>
+      </p:nvGrpSpPr>
+      <p:grpSpPr>
+        <a:xfrm>
+          <a:off x="0" y="0"/>
+          <a:ext cx="0" cy="0"/>
+          <a:chOff x="0" y="0"/>
+          <a:chExt cx="0" cy="0"/>
+        </a:xfrm>
+      </p:grpSpPr>
+      <p:sp>
+        <p:nvSpPr>
+          <p:cNvPr id="270" name="Google Shape;270;gc6fa3c898_0_28:notes"/>
+          <p:cNvSpPr/>
+          <p:nvPr>
+            <p:ph idx="2" type="sldImg"/>
+          </p:nvPr>
+        </p:nvSpPr>
+        <p:spPr>
+          <a:xfrm>
+            <a:off x="381188" y="685800"/>
+            <a:ext cx="6096300" cy="3429000"/>
+          </a:xfrm>
+          <a:custGeom>
+            <a:rect b="b" l="l" r="r" t="t"/>
+            <a:pathLst>
+              <a:path extrusionOk="0" h="120000" w="120000">
+                <a:moveTo>
+                  <a:pt x="0" y="0"/>
+                </a:moveTo>
+                <a:lnTo>
+                  <a:pt x="120000" y="0"/>
+                </a:lnTo>
+                <a:lnTo>
+                  <a:pt x="120000" y="120000"/>
+                </a:lnTo>
+                <a:lnTo>
+                  <a:pt x="0" y="120000"/>
+                </a:lnTo>
+                <a:close/>
+              </a:path>
+            </a:pathLst>
+          </a:custGeom>
+        </p:spPr>
+      </p:sp>
+      <p:sp>
+        <p:nvSpPr>
+          <p:cNvPr id="271" name="Google Shape;271;gc6fa3c898_0_28:notes"/>
+          <p:cNvSpPr txBox="1"/>
+          <p:nvPr>
+            <p:ph idx="1" type="body"/>
+          </p:nvPr>
+        </p:nvSpPr>
+        <p:spPr>
+          <a:xfrm>
+            <a:off x="685800" y="4343400"/>
+            <a:ext cx="5486400" cy="4114800"/>
+          </a:xfrm>
+          <a:prstGeom prst="rect">
+            <a:avLst/>
+          </a:prstGeom>
+        </p:spPr>
+        <p:txBody>
+          <a:bodyPr anchorCtr="0" anchor="t" bIns="91425" lIns="91425" spcFirstLastPara="1" rIns="91425" wrap="square" tIns="91425">
+            <a:noAutofit/>
+          </a:bodyPr>
+          <a:lstStyle/>
+          <a:p>
+            <a:pPr indent="0" lvl="0" marL="0" rtl="0" algn="l">
+              <a:spcBef>
+                <a:spcPts val="0"/>
+              </a:spcBef>
+              <a:spcAft>
+                <a:spcPts val="0"/>
+              </a:spcAft>
+              <a:buNone/>
+            </a:pPr>
+            <a:r>
+              <a:t/>
+            </a:r>
+            <a:endParaRPr/>
+          </a:p>
+        </p:txBody>
+      </p:sp>
+    </p:spTree>
+  </p:cSld>
+  <p:clrMapOvr>
+    <a:masterClrMapping/>
+  </p:clrMapOvr>
+</p:notes>
+</file>
+
+<file path=ppt/notesSlides/notesSlide36.xml><?xml version="1.0" encoding="utf-8"?>
+<p:notes xmlns:a="http://schemas.openxmlformats.org/drawingml/2006/main" xmlns:r="http://schemas.openxmlformats.org/officeDocument/2006/relationships" xmlns:mc="http://schemas.openxmlformats.org/markup-compatibility/2006" xmlns:mv="urn:schemas-microsoft-com:mac:vml" xmlns:p="http://schemas.openxmlformats.org/presentationml/2006/main" xmlns:c="http://schemas.openxmlformats.org/drawingml/2006/chart" xmlns:dgm="http://schemas.openxmlformats.org/drawingml/2006/diagram" xmlns:o="urn:schemas-microsoft-com:office:office" xmlns:v="urn:schemas-microsoft-com:vml" xmlns:pvml="urn:schemas-microsoft-com:office:powerpoint" xmlns:com="http://schemas.openxmlformats.org/drawingml/2006/compatibility" xmlns:p14="http://schemas.microsoft.com/office/powerpoint/2010/main" xmlns:p15="http://schemas.microsoft.com/office/powerpoint/2012/main" xmlns:ahyp="http://schemas.microsoft.com/office/drawing/2018/hyperlinkcolor" showMasterPhAnim="0" showMasterSp="0">
+  <p:cSld>
+    <p:spTree>
+      <p:nvGrpSpPr>
+        <p:cNvPr id="274" name="Shape 274"/>
+        <p:cNvGrpSpPr/>
+        <p:nvPr/>
+      </p:nvGrpSpPr>
+      <p:grpSpPr>
+        <a:xfrm>
+          <a:off x="0" y="0"/>
+          <a:ext cx="0" cy="0"/>
+          <a:chOff x="0" y="0"/>
+          <a:chExt cx="0" cy="0"/>
+        </a:xfrm>
+      </p:grpSpPr>
+      <p:sp>
+        <p:nvSpPr>
+          <p:cNvPr id="275" name="Google Shape;275;gf0c6892ecf_0_9:notes"/>
+          <p:cNvSpPr/>
+          <p:nvPr>
+            <p:ph idx="2" type="sldImg"/>
+          </p:nvPr>
+        </p:nvSpPr>
+        <p:spPr>
+          <a:xfrm>
+            <a:off x="381300" y="685800"/>
+            <a:ext cx="6096000" cy="3429000"/>
+          </a:xfrm>
+          <a:custGeom>
+            <a:rect b="b" l="l" r="r" t="t"/>
+            <a:pathLst>
+              <a:path extrusionOk="0" h="120000" w="120000">
+                <a:moveTo>
+                  <a:pt x="0" y="0"/>
+                </a:moveTo>
+                <a:lnTo>
+                  <a:pt x="120000" y="0"/>
+                </a:lnTo>
+                <a:lnTo>
+                  <a:pt x="120000" y="120000"/>
+                </a:lnTo>
+                <a:lnTo>
+                  <a:pt x="0" y="120000"/>
+                </a:lnTo>
+                <a:close/>
+              </a:path>
+            </a:pathLst>
+          </a:custGeom>
+        </p:spPr>
+      </p:sp>
+      <p:sp>
+        <p:nvSpPr>
+          <p:cNvPr id="276" name="Google Shape;276;gf0c6892ecf_0_9:notes"/>
+          <p:cNvSpPr txBox="1"/>
+          <p:nvPr>
+            <p:ph idx="1" type="body"/>
+          </p:nvPr>
+        </p:nvSpPr>
+        <p:spPr>
+          <a:xfrm>
+            <a:off x="685800" y="4343400"/>
+            <a:ext cx="5486400" cy="4114800"/>
+          </a:xfrm>
+          <a:prstGeom prst="rect">
+            <a:avLst/>
+          </a:prstGeom>
+        </p:spPr>
+        <p:txBody>
+          <a:bodyPr anchorCtr="0" anchor="t" bIns="91425" lIns="91425" spcFirstLastPara="1" rIns="91425" wrap="square" tIns="91425">
+            <a:noAutofit/>
+          </a:bodyPr>
+          <a:lstStyle/>
+          <a:p>
+            <a:pPr indent="0" lvl="0" marL="0" rtl="0" algn="l">
+              <a:spcBef>
+                <a:spcPts val="0"/>
+              </a:spcBef>
+              <a:spcAft>
+                <a:spcPts val="0"/>
+              </a:spcAft>
+              <a:buNone/>
+            </a:pPr>
+            <a:r>
+              <a:t/>
+            </a:r>
+            <a:endParaRPr/>
+          </a:p>
+        </p:txBody>
+      </p:sp>
+    </p:spTree>
+  </p:cSld>
+  <p:clrMapOvr>
+    <a:masterClrMapping/>
+  </p:clrMapOvr>
+</p:notes>
+</file>
+
+<file path=ppt/notesSlides/notesSlide37.xml><?xml version="1.0" encoding="utf-8"?>
+<p:notes xmlns:a="http://schemas.openxmlformats.org/drawingml/2006/main" xmlns:r="http://schemas.openxmlformats.org/officeDocument/2006/relationships" xmlns:mc="http://schemas.openxmlformats.org/markup-compatibility/2006" xmlns:mv="urn:schemas-microsoft-com:mac:vml" xmlns:p="http://schemas.openxmlformats.org/presentationml/2006/main" xmlns:c="http://schemas.openxmlformats.org/drawingml/2006/chart" xmlns:dgm="http://schemas.openxmlformats.org/drawingml/2006/diagram" xmlns:o="urn:schemas-microsoft-com:office:office" xmlns:v="urn:schemas-microsoft-com:vml" xmlns:pvml="urn:schemas-microsoft-com:office:powerpoint" xmlns:com="http://schemas.openxmlformats.org/drawingml/2006/compatibility" xmlns:p14="http://schemas.microsoft.com/office/powerpoint/2010/main" xmlns:p15="http://schemas.microsoft.com/office/powerpoint/2012/main" xmlns:ahyp="http://schemas.microsoft.com/office/drawing/2018/hyperlinkcolor" showMasterPhAnim="0" showMasterSp="0">
+  <p:cSld>
+    <p:spTree>
+      <p:nvGrpSpPr>
+        <p:cNvPr id="281" name="Shape 281"/>
+        <p:cNvGrpSpPr/>
+        <p:nvPr/>
+      </p:nvGrpSpPr>
+      <p:grpSpPr>
+        <a:xfrm>
+          <a:off x="0" y="0"/>
+          <a:ext cx="0" cy="0"/>
+          <a:chOff x="0" y="0"/>
+          <a:chExt cx="0" cy="0"/>
+        </a:xfrm>
+      </p:grpSpPr>
+      <p:sp>
+        <p:nvSpPr>
+          <p:cNvPr id="282" name="Google Shape;282;gf0e284b87c_2_63:notes"/>
+          <p:cNvSpPr/>
+          <p:nvPr>
+            <p:ph idx="2" type="sldImg"/>
+          </p:nvPr>
+        </p:nvSpPr>
+        <p:spPr>
+          <a:xfrm>
+            <a:off x="381300" y="685800"/>
+            <a:ext cx="6096000" cy="3429000"/>
+          </a:xfrm>
+          <a:custGeom>
+            <a:rect b="b" l="l" r="r" t="t"/>
+            <a:pathLst>
+              <a:path extrusionOk="0" h="120000" w="120000">
+                <a:moveTo>
+                  <a:pt x="0" y="0"/>
+                </a:moveTo>
+                <a:lnTo>
+                  <a:pt x="120000" y="0"/>
+                </a:lnTo>
+                <a:lnTo>
+                  <a:pt x="120000" y="120000"/>
+                </a:lnTo>
+                <a:lnTo>
+                  <a:pt x="0" y="120000"/>
+                </a:lnTo>
+                <a:close/>
+              </a:path>
+            </a:pathLst>
+          </a:custGeom>
+        </p:spPr>
+      </p:sp>
+      <p:sp>
+        <p:nvSpPr>
+          <p:cNvPr id="283" name="Google Shape;283;gf0e284b87c_2_63:notes"/>
+          <p:cNvSpPr txBox="1"/>
+          <p:nvPr>
+            <p:ph idx="1" type="body"/>
+          </p:nvPr>
+        </p:nvSpPr>
+        <p:spPr>
+          <a:xfrm>
+            <a:off x="685800" y="4343400"/>
+            <a:ext cx="5486400" cy="4114800"/>
+          </a:xfrm>
+          <a:prstGeom prst="rect">
+            <a:avLst/>
+          </a:prstGeom>
+        </p:spPr>
+        <p:txBody>
+          <a:bodyPr anchorCtr="0" anchor="t" bIns="91425" lIns="91425" spcFirstLastPara="1" rIns="91425" wrap="square" tIns="91425">
+            <a:noAutofit/>
+          </a:bodyPr>
+          <a:lstStyle/>
+          <a:p>
+            <a:pPr indent="0" lvl="0" marL="0" rtl="0" algn="l">
+              <a:spcBef>
+                <a:spcPts val="0"/>
+              </a:spcBef>
+              <a:spcAft>
+                <a:spcPts val="0"/>
+              </a:spcAft>
+              <a:buNone/>
+            </a:pPr>
+            <a:r>
+              <a:t/>
+            </a:r>
+            <a:endParaRPr/>
+          </a:p>
+        </p:txBody>
+      </p:sp>
+    </p:spTree>
+  </p:cSld>
+  <p:clrMapOvr>
+    <a:masterClrMapping/>
+  </p:clrMapOvr>
+</p:notes>
+</file>
+
+<file path=ppt/notesSlides/notesSlide38.xml><?xml version="1.0" encoding="utf-8"?>
+<p:notes xmlns:a="http://schemas.openxmlformats.org/drawingml/2006/main" xmlns:r="http://schemas.openxmlformats.org/officeDocument/2006/relationships" xmlns:mc="http://schemas.openxmlformats.org/markup-compatibility/2006" xmlns:mv="urn:schemas-microsoft-com:mac:vml" xmlns:p="http://schemas.openxmlformats.org/presentationml/2006/main" xmlns:c="http://schemas.openxmlformats.org/drawingml/2006/chart" xmlns:dgm="http://schemas.openxmlformats.org/drawingml/2006/diagram" xmlns:o="urn:schemas-microsoft-com:office:office" xmlns:v="urn:schemas-microsoft-com:vml" xmlns:pvml="urn:schemas-microsoft-com:office:powerpoint" xmlns:com="http://schemas.openxmlformats.org/drawingml/2006/compatibility" xmlns:p14="http://schemas.microsoft.com/office/powerpoint/2010/main" xmlns:p15="http://schemas.microsoft.com/office/powerpoint/2012/main" xmlns:ahyp="http://schemas.microsoft.com/office/drawing/2018/hyperlinkcolor" showMasterPhAnim="0" showMasterSp="0">
+  <p:cSld>
+    <p:spTree>
+      <p:nvGrpSpPr>
+        <p:cNvPr id="288" name="Shape 288"/>
+        <p:cNvGrpSpPr/>
+        <p:nvPr/>
+      </p:nvGrpSpPr>
+      <p:grpSpPr>
+        <a:xfrm>
+          <a:off x="0" y="0"/>
+          <a:ext cx="0" cy="0"/>
+          <a:chOff x="0" y="0"/>
+          <a:chExt cx="0" cy="0"/>
+        </a:xfrm>
+      </p:grpSpPr>
+      <p:sp>
+        <p:nvSpPr>
+          <p:cNvPr id="289" name="Google Shape;289;gf0e284b87c_2_69:notes"/>
+          <p:cNvSpPr/>
+          <p:nvPr>
+            <p:ph idx="2" type="sldImg"/>
+          </p:nvPr>
+        </p:nvSpPr>
+        <p:spPr>
+          <a:xfrm>
+            <a:off x="381300" y="685800"/>
+            <a:ext cx="6096000" cy="3429000"/>
+          </a:xfrm>
+          <a:custGeom>
+            <a:rect b="b" l="l" r="r" t="t"/>
+            <a:pathLst>
+              <a:path extrusionOk="0" h="120000" w="120000">
+                <a:moveTo>
+                  <a:pt x="0" y="0"/>
+                </a:moveTo>
+                <a:lnTo>
+                  <a:pt x="120000" y="0"/>
+                </a:lnTo>
+                <a:lnTo>
+                  <a:pt x="120000" y="120000"/>
+                </a:lnTo>
+                <a:lnTo>
+                  <a:pt x="0" y="120000"/>
+                </a:lnTo>
+                <a:close/>
+              </a:path>
+            </a:pathLst>
+          </a:custGeom>
+        </p:spPr>
+      </p:sp>
+      <p:sp>
+        <p:nvSpPr>
+          <p:cNvPr id="290" name="Google Shape;290;gf0e284b87c_2_69:notes"/>
+          <p:cNvSpPr txBox="1"/>
+          <p:nvPr>
+            <p:ph idx="1" type="body"/>
+          </p:nvPr>
+        </p:nvSpPr>
+        <p:spPr>
+          <a:xfrm>
+            <a:off x="685800" y="4343400"/>
+            <a:ext cx="5486400" cy="4114800"/>
+          </a:xfrm>
+          <a:prstGeom prst="rect">
+            <a:avLst/>
+          </a:prstGeom>
+        </p:spPr>
+        <p:txBody>
+          <a:bodyPr anchorCtr="0" anchor="t" bIns="91425" lIns="91425" spcFirstLastPara="1" rIns="91425" wrap="square" tIns="91425">
+            <a:noAutofit/>
+          </a:bodyPr>
+          <a:lstStyle/>
+          <a:p>
+            <a:pPr indent="0" lvl="0" marL="0" rtl="0" algn="l">
+              <a:spcBef>
+                <a:spcPts val="0"/>
+              </a:spcBef>
+              <a:spcAft>
+                <a:spcPts val="0"/>
+              </a:spcAft>
+              <a:buNone/>
+            </a:pPr>
+            <a:r>
+              <a:t/>
+            </a:r>
+            <a:endParaRPr/>
+          </a:p>
+        </p:txBody>
+      </p:sp>
+    </p:spTree>
+  </p:cSld>
+  <p:clrMapOvr>
+    <a:masterClrMapping/>
+  </p:clrMapOvr>
+</p:notes>
+</file>
+
+<file path=ppt/notesSlides/notesSlide39.xml><?xml version="1.0" encoding="utf-8"?>
+<p:notes xmlns:a="http://schemas.openxmlformats.org/drawingml/2006/main" xmlns:r="http://schemas.openxmlformats.org/officeDocument/2006/relationships" xmlns:mc="http://schemas.openxmlformats.org/markup-compatibility/2006" xmlns:mv="urn:schemas-microsoft-com:mac:vml" xmlns:p="http://schemas.openxmlformats.org/presentationml/2006/main" xmlns:c="http://schemas.openxmlformats.org/drawingml/2006/chart" xmlns:dgm="http://schemas.openxmlformats.org/drawingml/2006/diagram" xmlns:o="urn:schemas-microsoft-com:office:office" xmlns:v="urn:schemas-microsoft-com:vml" xmlns:pvml="urn:schemas-microsoft-com:office:powerpoint" xmlns:com="http://schemas.openxmlformats.org/drawingml/2006/compatibility" xmlns:p14="http://schemas.microsoft.com/office/powerpoint/2010/main" xmlns:p15="http://schemas.microsoft.com/office/powerpoint/2012/main" xmlns:ahyp="http://schemas.microsoft.com/office/drawing/2018/hyperlinkcolor" showMasterPhAnim="0" showMasterSp="0">
+  <p:cSld>
+    <p:spTree>
+      <p:nvGrpSpPr>
+        <p:cNvPr id="295" name="Shape 295"/>
+        <p:cNvGrpSpPr/>
+        <p:nvPr/>
+      </p:nvGrpSpPr>
+      <p:grpSpPr>
+        <a:xfrm>
+          <a:off x="0" y="0"/>
+          <a:ext cx="0" cy="0"/>
+          <a:chOff x="0" y="0"/>
+          <a:chExt cx="0" cy="0"/>
+        </a:xfrm>
+      </p:grpSpPr>
+      <p:sp>
+        <p:nvSpPr>
+          <p:cNvPr id="296" name="Google Shape;296;gf0e284b87c_2_79:notes"/>
+          <p:cNvSpPr/>
+          <p:nvPr>
+            <p:ph idx="2" type="sldImg"/>
+          </p:nvPr>
+        </p:nvSpPr>
+        <p:spPr>
+          <a:xfrm>
+            <a:off x="381300" y="685800"/>
+            <a:ext cx="6096000" cy="3429000"/>
+          </a:xfrm>
+          <a:custGeom>
+            <a:rect b="b" l="l" r="r" t="t"/>
+            <a:pathLst>
+              <a:path extrusionOk="0" h="120000" w="120000">
+                <a:moveTo>
+                  <a:pt x="0" y="0"/>
+                </a:moveTo>
+                <a:lnTo>
+                  <a:pt x="120000" y="0"/>
+                </a:lnTo>
+                <a:lnTo>
+                  <a:pt x="120000" y="120000"/>
+                </a:lnTo>
+                <a:lnTo>
+                  <a:pt x="0" y="120000"/>
+                </a:lnTo>
+                <a:close/>
+              </a:path>
+            </a:pathLst>
+          </a:custGeom>
+        </p:spPr>
+      </p:sp>
+      <p:sp>
+        <p:nvSpPr>
+          <p:cNvPr id="297" name="Google Shape;297;gf0e284b87c_2_79:notes"/>
+          <p:cNvSpPr txBox="1"/>
+          <p:nvPr>
+            <p:ph idx="1" type="body"/>
+          </p:nvPr>
+        </p:nvSpPr>
+        <p:spPr>
+          <a:xfrm>
+            <a:off x="685800" y="4343400"/>
+            <a:ext cx="5486400" cy="4114800"/>
+          </a:xfrm>
+          <a:prstGeom prst="rect">
+            <a:avLst/>
+          </a:prstGeom>
+        </p:spPr>
+        <p:txBody>
+          <a:bodyPr anchorCtr="0" anchor="t" bIns="91425" lIns="91425" spcFirstLastPara="1" rIns="91425" wrap="square" tIns="91425">
+            <a:noAutofit/>
+          </a:bodyPr>
+          <a:lstStyle/>
+          <a:p>
+            <a:pPr indent="0" lvl="0" marL="0" rtl="0" algn="l">
+              <a:spcBef>
+                <a:spcPts val="0"/>
+              </a:spcBef>
+              <a:spcAft>
+                <a:spcPts val="0"/>
+              </a:spcAft>
+              <a:buNone/>
+            </a:pPr>
+            <a:r>
+              <a:t/>
+            </a:r>
+            <a:endParaRPr/>
+          </a:p>
+        </p:txBody>
+      </p:sp>
+    </p:spTree>
+  </p:cSld>
+  <p:clrMapOvr>
+    <a:masterClrMapping/>
+  </p:clrMapOvr>
+</p:notes>
+</file>
+
+<file path=ppt/notesSlides/notesSlide4.xml><?xml version="1.0" encoding="utf-8"?>
+<p:notes xmlns:a="http://schemas.openxmlformats.org/drawingml/2006/main" xmlns:r="http://schemas.openxmlformats.org/officeDocument/2006/relationships" xmlns:mc="http://schemas.openxmlformats.org/markup-compatibility/2006" xmlns:mv="urn:schemas-microsoft-com:mac:vml" xmlns:p="http://schemas.openxmlformats.org/presentationml/2006/main" xmlns:c="http://schemas.openxmlformats.org/drawingml/2006/chart" xmlns:dgm="http://schemas.openxmlformats.org/drawingml/2006/diagram" xmlns:o="urn:schemas-microsoft-com:office:office" xmlns:v="urn:schemas-microsoft-com:vml" xmlns:pvml="urn:schemas-microsoft-com:office:powerpoint" xmlns:com="http://schemas.openxmlformats.org/drawingml/2006/compatibility" xmlns:p14="http://schemas.microsoft.com/office/powerpoint/2010/main" xmlns:p15="http://schemas.microsoft.com/office/powerpoint/2012/main" xmlns:ahyp="http://schemas.microsoft.com/office/drawing/2018/hyperlinkcolor" showMasterPhAnim="0" showMasterSp="0">
+  <p:cSld>
+    <p:spTree>
+      <p:nvGrpSpPr>
+        <p:cNvPr id="86" name="Shape 86"/>
+        <p:cNvGrpSpPr/>
+        <p:nvPr/>
+      </p:nvGrpSpPr>
+      <p:grpSpPr>
+        <a:xfrm>
+          <a:off x="0" y="0"/>
+          <a:ext cx="0" cy="0"/>
+          <a:chOff x="0" y="0"/>
+          <a:chExt cx="0" cy="0"/>
+        </a:xfrm>
+      </p:grpSpPr>
+      <p:sp>
+        <p:nvSpPr>
+          <p:cNvPr id="87" name="Google Shape;87;gebcc5b2c4c_0_14:notes"/>
+          <p:cNvSpPr/>
+          <p:nvPr>
+            <p:ph idx="2" type="sldImg"/>
+          </p:nvPr>
+        </p:nvSpPr>
+        <p:spPr>
+          <a:xfrm>
+            <a:off x="381188" y="685800"/>
+            <a:ext cx="6096300" cy="3429000"/>
+          </a:xfrm>
+          <a:custGeom>
+            <a:rect b="b" l="l" r="r" t="t"/>
+            <a:pathLst>
+              <a:path extrusionOk="0" h="120000" w="120000">
+                <a:moveTo>
+                  <a:pt x="0" y="0"/>
+                </a:moveTo>
+                <a:lnTo>
+                  <a:pt x="120000" y="0"/>
+                </a:lnTo>
+                <a:lnTo>
+                  <a:pt x="120000" y="120000"/>
+                </a:lnTo>
+                <a:lnTo>
+                  <a:pt x="0" y="120000"/>
+                </a:lnTo>
+                <a:close/>
+              </a:path>
+            </a:pathLst>
+          </a:custGeom>
+        </p:spPr>
+      </p:sp>
+      <p:sp>
+        <p:nvSpPr>
           <p:cNvPr id="88" name="Google Shape;88;gebcc5b2c4c_0_14:notes"/>
+          <p:cNvSpPr txBox="1"/>
+          <p:nvPr>
+            <p:ph idx="1" type="body"/>
+          </p:nvPr>
+        </p:nvSpPr>
+        <p:spPr>
+          <a:xfrm>
+            <a:off x="685800" y="4343400"/>
+            <a:ext cx="5486400" cy="4114800"/>
+          </a:xfrm>
+          <a:prstGeom prst="rect">
+            <a:avLst/>
+          </a:prstGeom>
+        </p:spPr>
+        <p:txBody>
+          <a:bodyPr anchorCtr="0" anchor="t" bIns="91425" lIns="91425" spcFirstLastPara="1" rIns="91425" wrap="square" tIns="91425">
+            <a:noAutofit/>
+          </a:bodyPr>
+          <a:lstStyle/>
+          <a:p>
+            <a:pPr indent="0" lvl="0" marL="0" rtl="0" algn="l">
+              <a:spcBef>
+                <a:spcPts val="0"/>
+              </a:spcBef>
+              <a:spcAft>
+                <a:spcPts val="0"/>
+              </a:spcAft>
+              <a:buNone/>
+            </a:pPr>
+            <a:r>
+              <a:t/>
+            </a:r>
+            <a:endParaRPr/>
+          </a:p>
+        </p:txBody>
+      </p:sp>
+    </p:spTree>
+  </p:cSld>
+  <p:clrMapOvr>
+    <a:masterClrMapping/>
+  </p:clrMapOvr>
+</p:notes>
+</file>
+
+<file path=ppt/notesSlides/notesSlide40.xml><?xml version="1.0" encoding="utf-8"?>
+<p:notes xmlns:a="http://schemas.openxmlformats.org/drawingml/2006/main" xmlns:r="http://schemas.openxmlformats.org/officeDocument/2006/relationships" xmlns:mc="http://schemas.openxmlformats.org/markup-compatibility/2006" xmlns:mv="urn:schemas-microsoft-com:mac:vml" xmlns:p="http://schemas.openxmlformats.org/presentationml/2006/main" xmlns:c="http://schemas.openxmlformats.org/drawingml/2006/chart" xmlns:dgm="http://schemas.openxmlformats.org/drawingml/2006/diagram" xmlns:o="urn:schemas-microsoft-com:office:office" xmlns:v="urn:schemas-microsoft-com:vml" xmlns:pvml="urn:schemas-microsoft-com:office:powerpoint" xmlns:com="http://schemas.openxmlformats.org/drawingml/2006/compatibility" xmlns:p14="http://schemas.microsoft.com/office/powerpoint/2010/main" xmlns:p15="http://schemas.microsoft.com/office/powerpoint/2012/main" xmlns:ahyp="http://schemas.microsoft.com/office/drawing/2018/hyperlinkcolor" showMasterPhAnim="0" showMasterSp="0">
+  <p:cSld>
+    <p:spTree>
+      <p:nvGrpSpPr>
+        <p:cNvPr id="301" name="Shape 301"/>
+        <p:cNvGrpSpPr/>
+        <p:nvPr/>
+      </p:nvGrpSpPr>
+      <p:grpSpPr>
+        <a:xfrm>
+          <a:off x="0" y="0"/>
+          <a:ext cx="0" cy="0"/>
+          <a:chOff x="0" y="0"/>
+          <a:chExt cx="0" cy="0"/>
+        </a:xfrm>
+      </p:grpSpPr>
+      <p:sp>
+        <p:nvSpPr>
+          <p:cNvPr id="302" name="Google Shape;302;gc6fa3c898_0_65:notes"/>
+          <p:cNvSpPr/>
+          <p:nvPr>
+            <p:ph idx="2" type="sldImg"/>
+          </p:nvPr>
+        </p:nvSpPr>
+        <p:spPr>
+          <a:xfrm>
+            <a:off x="381188" y="685800"/>
+            <a:ext cx="6096300" cy="3429000"/>
+          </a:xfrm>
+          <a:custGeom>
+            <a:rect b="b" l="l" r="r" t="t"/>
+            <a:pathLst>
+              <a:path extrusionOk="0" h="120000" w="120000">
+                <a:moveTo>
+                  <a:pt x="0" y="0"/>
+                </a:moveTo>
+                <a:lnTo>
+                  <a:pt x="120000" y="0"/>
+                </a:lnTo>
+                <a:lnTo>
+                  <a:pt x="120000" y="120000"/>
+                </a:lnTo>
+                <a:lnTo>
+                  <a:pt x="0" y="120000"/>
+                </a:lnTo>
+                <a:close/>
+              </a:path>
+            </a:pathLst>
+          </a:custGeom>
+        </p:spPr>
+      </p:sp>
+      <p:sp>
+        <p:nvSpPr>
+          <p:cNvPr id="303" name="Google Shape;303;gc6fa3c898_0_65:notes"/>
+          <p:cNvSpPr txBox="1"/>
+          <p:nvPr>
+            <p:ph idx="1" type="body"/>
+          </p:nvPr>
+        </p:nvSpPr>
+        <p:spPr>
+          <a:xfrm>
+            <a:off x="685800" y="4343400"/>
+            <a:ext cx="5486400" cy="4114800"/>
+          </a:xfrm>
+          <a:prstGeom prst="rect">
+            <a:avLst/>
+          </a:prstGeom>
+        </p:spPr>
+        <p:txBody>
+          <a:bodyPr anchorCtr="0" anchor="t" bIns="91425" lIns="91425" spcFirstLastPara="1" rIns="91425" wrap="square" tIns="91425">
+            <a:noAutofit/>
+          </a:bodyPr>
+          <a:lstStyle/>
+          <a:p>
+            <a:pPr indent="0" lvl="0" marL="0" rtl="0" algn="l">
+              <a:spcBef>
+                <a:spcPts val="0"/>
+              </a:spcBef>
+              <a:spcAft>
+                <a:spcPts val="0"/>
+              </a:spcAft>
+              <a:buNone/>
+            </a:pPr>
+            <a:r>
+              <a:t/>
+            </a:r>
+            <a:endParaRPr/>
+          </a:p>
+        </p:txBody>
+      </p:sp>
+    </p:spTree>
+  </p:cSld>
+  <p:clrMapOvr>
+    <a:masterClrMapping/>
+  </p:clrMapOvr>
+</p:notes>
+</file>
+
+<file path=ppt/notesSlides/notesSlide41.xml><?xml version="1.0" encoding="utf-8"?>
+<p:notes xmlns:a="http://schemas.openxmlformats.org/drawingml/2006/main" xmlns:r="http://schemas.openxmlformats.org/officeDocument/2006/relationships" xmlns:mc="http://schemas.openxmlformats.org/markup-compatibility/2006" xmlns:mv="urn:schemas-microsoft-com:mac:vml" xmlns:p="http://schemas.openxmlformats.org/presentationml/2006/main" xmlns:c="http://schemas.openxmlformats.org/drawingml/2006/chart" xmlns:dgm="http://schemas.openxmlformats.org/drawingml/2006/diagram" xmlns:o="urn:schemas-microsoft-com:office:office" xmlns:v="urn:schemas-microsoft-com:vml" xmlns:pvml="urn:schemas-microsoft-com:office:powerpoint" xmlns:com="http://schemas.openxmlformats.org/drawingml/2006/compatibility" xmlns:p14="http://schemas.microsoft.com/office/powerpoint/2010/main" xmlns:p15="http://schemas.microsoft.com/office/powerpoint/2012/main" xmlns:ahyp="http://schemas.microsoft.com/office/drawing/2018/hyperlinkcolor" showMasterPhAnim="0" showMasterSp="0">
+  <p:cSld>
+    <p:spTree>
+      <p:nvGrpSpPr>
+        <p:cNvPr id="307" name="Shape 307"/>
+        <p:cNvGrpSpPr/>
+        <p:nvPr/>
+      </p:nvGrpSpPr>
+      <p:grpSpPr>
+        <a:xfrm>
+          <a:off x="0" y="0"/>
+          <a:ext cx="0" cy="0"/>
+          <a:chOff x="0" y="0"/>
+          <a:chExt cx="0" cy="0"/>
+        </a:xfrm>
+      </p:grpSpPr>
+      <p:sp>
+        <p:nvSpPr>
+          <p:cNvPr id="308" name="Google Shape;308;gc6fa3c898_0_70:notes"/>
+          <p:cNvSpPr/>
+          <p:nvPr>
+            <p:ph idx="2" type="sldImg"/>
+          </p:nvPr>
+        </p:nvSpPr>
+        <p:spPr>
+          <a:xfrm>
+            <a:off x="381188" y="685800"/>
+            <a:ext cx="6096300" cy="3429000"/>
+          </a:xfrm>
+          <a:custGeom>
+            <a:rect b="b" l="l" r="r" t="t"/>
+            <a:pathLst>
+              <a:path extrusionOk="0" h="120000" w="120000">
+                <a:moveTo>
+                  <a:pt x="0" y="0"/>
+                </a:moveTo>
+                <a:lnTo>
+                  <a:pt x="120000" y="0"/>
+                </a:lnTo>
+                <a:lnTo>
+                  <a:pt x="120000" y="120000"/>
+                </a:lnTo>
+                <a:lnTo>
+                  <a:pt x="0" y="120000"/>
+                </a:lnTo>
+                <a:close/>
+              </a:path>
+            </a:pathLst>
+          </a:custGeom>
+        </p:spPr>
+      </p:sp>
+      <p:sp>
+        <p:nvSpPr>
+          <p:cNvPr id="309" name="Google Shape;309;gc6fa3c898_0_70:notes"/>
           <p:cNvSpPr txBox="1"/>
           <p:nvPr>
             <p:ph idx="1" type="body"/>
@@ -2524,7 +4424,7 @@
       </p:grpSpPr>
       <p:sp>
         <p:nvSpPr>
-          <p:cNvPr id="99" name="Google Shape;99;gebcc5b2c4c_0_6:notes"/>
+          <p:cNvPr id="99" name="Google Shape;99;gf0e284b87c_2_47:notes"/>
           <p:cNvSpPr/>
           <p:nvPr>
             <p:ph idx="2" type="sldImg"/>
@@ -2559,7 +4459,7 @@
       </p:sp>
       <p:sp>
         <p:nvSpPr>
-          <p:cNvPr id="100" name="Google Shape;100;gebcc5b2c4c_0_6:notes"/>
+          <p:cNvPr id="100" name="Google Shape;100;gf0e284b87c_2_47:notes"/>
           <p:cNvSpPr txBox="1"/>
           <p:nvPr>
             <p:ph idx="1" type="body"/>
@@ -2623,7 +4523,7 @@
       </p:grpSpPr>
       <p:sp>
         <p:nvSpPr>
-          <p:cNvPr id="104" name="Google Shape;104;gebcc5b2c4c_0_0:notes"/>
+          <p:cNvPr id="104" name="Google Shape;104;gf0e284b87c_2_40:notes"/>
           <p:cNvSpPr/>
           <p:nvPr>
             <p:ph idx="2" type="sldImg"/>
@@ -2658,7 +4558,7 @@
       </p:sp>
       <p:sp>
         <p:nvSpPr>
-          <p:cNvPr id="105" name="Google Shape;105;gebcc5b2c4c_0_0:notes"/>
+          <p:cNvPr id="105" name="Google Shape;105;gf0e284b87c_2_40:notes"/>
           <p:cNvSpPr txBox="1"/>
           <p:nvPr>
             <p:ph idx="1" type="body"/>
@@ -2708,7 +4608,7 @@
   <p:cSld>
     <p:spTree>
       <p:nvGrpSpPr>
-        <p:cNvPr id="110" name="Shape 110"/>
+        <p:cNvPr id="109" name="Shape 109"/>
         <p:cNvGrpSpPr/>
         <p:nvPr/>
       </p:nvGrpSpPr>
@@ -2722,7 +4622,7 @@
       </p:grpSpPr>
       <p:sp>
         <p:nvSpPr>
-          <p:cNvPr id="111" name="Google Shape;111;gebcc5b2c4c_0_46:notes"/>
+          <p:cNvPr id="110" name="Google Shape;110;gf0e284b87c_2_51:notes"/>
           <p:cNvSpPr/>
           <p:nvPr>
             <p:ph idx="2" type="sldImg"/>
@@ -2757,7 +4657,7 @@
       </p:sp>
       <p:sp>
         <p:nvSpPr>
-          <p:cNvPr id="112" name="Google Shape;112;gebcc5b2c4c_0_46:notes"/>
+          <p:cNvPr id="111" name="Google Shape;111;gf0e284b87c_2_51:notes"/>
           <p:cNvSpPr txBox="1"/>
           <p:nvPr>
             <p:ph idx="1" type="body"/>
@@ -2807,7 +4707,7 @@
   <p:cSld>
     <p:spTree>
       <p:nvGrpSpPr>
-        <p:cNvPr id="116" name="Shape 116"/>
+        <p:cNvPr id="115" name="Shape 115"/>
         <p:cNvGrpSpPr/>
         <p:nvPr/>
       </p:nvGrpSpPr>
@@ -2821,7 +4721,7 @@
       </p:grpSpPr>
       <p:sp>
         <p:nvSpPr>
-          <p:cNvPr id="117" name="Google Shape;117;gebcc5b2c4c_0_51:notes"/>
+          <p:cNvPr id="116" name="Google Shape;116;gf0e284b87c_2_58:notes"/>
           <p:cNvSpPr/>
           <p:nvPr>
             <p:ph idx="2" type="sldImg"/>
@@ -2856,7 +4756,7 @@
       </p:sp>
       <p:sp>
         <p:nvSpPr>
-          <p:cNvPr id="118" name="Google Shape;118;gebcc5b2c4c_0_51:notes"/>
+          <p:cNvPr id="117" name="Google Shape;117;gf0e284b87c_2_58:notes"/>
           <p:cNvSpPr txBox="1"/>
           <p:nvPr>
             <p:ph idx="1" type="body"/>
@@ -9006,9 +10906,16 @@
 <file path=ppt/slides/slide10.xml><?xml version="1.0" encoding="utf-8"?>
 <p:sld xmlns:a="http://schemas.openxmlformats.org/drawingml/2006/main" xmlns:r="http://schemas.openxmlformats.org/officeDocument/2006/relationships" xmlns:mc="http://schemas.openxmlformats.org/markup-compatibility/2006" xmlns:mv="urn:schemas-microsoft-com:mac:vml" xmlns:p="http://schemas.openxmlformats.org/presentationml/2006/main" xmlns:c="http://schemas.openxmlformats.org/drawingml/2006/chart" xmlns:dgm="http://schemas.openxmlformats.org/drawingml/2006/diagram" xmlns:o="urn:schemas-microsoft-com:office:office" xmlns:v="urn:schemas-microsoft-com:vml" xmlns:pvml="urn:schemas-microsoft-com:office:powerpoint" xmlns:com="http://schemas.openxmlformats.org/drawingml/2006/compatibility" xmlns:p14="http://schemas.microsoft.com/office/powerpoint/2010/main" xmlns:p15="http://schemas.microsoft.com/office/powerpoint/2012/main" xmlns:ahyp="http://schemas.microsoft.com/office/drawing/2018/hyperlinkcolor">
   <p:cSld>
+    <p:bg>
+      <p:bgPr>
+        <a:solidFill>
+          <a:schemeClr val="accent3"/>
+        </a:solidFill>
+      </p:bgPr>
+    </p:bg>
     <p:spTree>
       <p:nvGrpSpPr>
-        <p:cNvPr id="125" name="Shape 125"/>
+        <p:cNvPr id="124" name="Shape 124"/>
         <p:cNvGrpSpPr/>
         <p:nvPr/>
       </p:nvGrpSpPr>
@@ -9022,7 +10929,7 @@
       </p:grpSpPr>
       <p:sp>
         <p:nvSpPr>
-          <p:cNvPr id="126" name="Google Shape;126;p22"/>
+          <p:cNvPr id="125" name="Google Shape;125;p22"/>
           <p:cNvSpPr txBox="1"/>
           <p:nvPr>
             <p:ph type="title"/>
@@ -9030,20 +10937,20 @@
         </p:nvSpPr>
         <p:spPr>
           <a:xfrm>
-            <a:off x="2516550" y="575950"/>
-            <a:ext cx="6205500" cy="635400"/>
+            <a:off x="406425" y="1806825"/>
+            <a:ext cx="8296800" cy="1542000"/>
           </a:xfrm>
           <a:prstGeom prst="rect">
             <a:avLst/>
           </a:prstGeom>
         </p:spPr>
         <p:txBody>
-          <a:bodyPr anchorCtr="0" anchor="t" bIns="91425" lIns="91425" spcFirstLastPara="1" rIns="91425" wrap="square" tIns="91425">
+          <a:bodyPr anchorCtr="0" anchor="ctr" bIns="91425" lIns="91425" spcFirstLastPara="1" rIns="91425" wrap="square" tIns="91425">
             <a:noAutofit/>
           </a:bodyPr>
           <a:lstStyle/>
           <a:p>
-            <a:pPr indent="0" lvl="0" marL="0" rtl="0" algn="l">
+            <a:pPr indent="0" lvl="0" marL="0" rtl="0" algn="ctr">
               <a:spcBef>
                 <a:spcPts val="0"/>
               </a:spcBef>
@@ -9054,89 +10961,9 @@
             </a:pPr>
             <a:r>
               <a:rPr lang="en"/>
-              <a:t>Analysis</a:t>
+              <a:t>Data Transformation</a:t>
             </a:r>
             <a:endParaRPr/>
-          </a:p>
-        </p:txBody>
-      </p:sp>
-      <p:sp>
-        <p:nvSpPr>
-          <p:cNvPr id="127" name="Google Shape;127;p22"/>
-          <p:cNvSpPr txBox="1"/>
-          <p:nvPr>
-            <p:ph idx="2" type="body"/>
-          </p:nvPr>
-        </p:nvSpPr>
-        <p:spPr>
-          <a:xfrm>
-            <a:off x="2516500" y="1361175"/>
-            <a:ext cx="6205500" cy="3243900"/>
-          </a:xfrm>
-          <a:prstGeom prst="rect">
-            <a:avLst/>
-          </a:prstGeom>
-        </p:spPr>
-        <p:txBody>
-          <a:bodyPr anchorCtr="0" anchor="t" bIns="91425" lIns="91425" spcFirstLastPara="1" rIns="91425" wrap="square" tIns="91425">
-            <a:noAutofit/>
-          </a:bodyPr>
-          <a:lstStyle/>
-          <a:p>
-            <a:pPr indent="0" lvl="0" marL="0" rtl="0" algn="l">
-              <a:spcBef>
-                <a:spcPts val="0"/>
-              </a:spcBef>
-              <a:spcAft>
-                <a:spcPts val="0"/>
-              </a:spcAft>
-              <a:buNone/>
-            </a:pPr>
-            <a:r>
-              <a:rPr b="1" lang="en" sz="2000">
-                <a:solidFill>
-                  <a:schemeClr val="accent3"/>
-                </a:solidFill>
-              </a:rPr>
-              <a:t>What will our visualizations tell us?</a:t>
-            </a:r>
-            <a:endParaRPr b="1" sz="2000">
-              <a:solidFill>
-                <a:schemeClr val="accent3"/>
-              </a:solidFill>
-            </a:endParaRPr>
-          </a:p>
-          <a:p>
-            <a:pPr indent="0" lvl="0" marL="0" rtl="0" algn="l">
-              <a:spcBef>
-                <a:spcPts val="1600"/>
-              </a:spcBef>
-              <a:spcAft>
-                <a:spcPts val="0"/>
-              </a:spcAft>
-              <a:buNone/>
-            </a:pPr>
-            <a:r>
-              <a:rPr lang="en" sz="1700"/>
-              <a:t>We have tried to visually understand how some of the data variables differ for a given candidate, such as ZIP codes, quarters (of a year), number and total amount of contributions, and total amount of expenditures per election year.</a:t>
-            </a:r>
-            <a:endParaRPr sz="1700"/>
-          </a:p>
-          <a:p>
-            <a:pPr indent="0" lvl="0" marL="0" rtl="0" algn="l">
-              <a:spcBef>
-                <a:spcPts val="1200"/>
-              </a:spcBef>
-              <a:spcAft>
-                <a:spcPts val="1200"/>
-              </a:spcAft>
-              <a:buNone/>
-            </a:pPr>
-            <a:r>
-              <a:rPr lang="en" sz="1700"/>
-              <a:t>We have contributions and expenditures received and spent for each participating candidate.  The range we have chosen is between 2001 and 2021 (the general election for the latter has yet to take place,) inclusive.</a:t>
-            </a:r>
-            <a:endParaRPr sz="1700"/>
           </a:p>
         </p:txBody>
       </p:sp>
@@ -9153,7 +10980,7 @@
   <p:cSld>
     <p:spTree>
       <p:nvGrpSpPr>
-        <p:cNvPr id="131" name="Shape 131"/>
+        <p:cNvPr id="129" name="Shape 129"/>
         <p:cNvGrpSpPr/>
         <p:nvPr/>
       </p:nvGrpSpPr>
@@ -9167,7 +10994,7 @@
       </p:grpSpPr>
       <p:sp>
         <p:nvSpPr>
-          <p:cNvPr id="132" name="Google Shape;132;p23"/>
+          <p:cNvPr id="130" name="Google Shape;130;p23"/>
           <p:cNvSpPr txBox="1"/>
           <p:nvPr>
             <p:ph type="title"/>
@@ -9175,8 +11002,8 @@
         </p:nvSpPr>
         <p:spPr>
           <a:xfrm>
-            <a:off x="2516550" y="575950"/>
-            <a:ext cx="6205500" cy="635400"/>
+            <a:off x="2400250" y="575950"/>
+            <a:ext cx="6321600" cy="635400"/>
           </a:xfrm>
           <a:prstGeom prst="rect">
             <a:avLst/>
@@ -9199,7 +11026,7 @@
             </a:pPr>
             <a:r>
               <a:rPr lang="en"/>
-              <a:t>Analysis (continued)</a:t>
+              <a:t>Data Transformation Steps</a:t>
             </a:r>
             <a:endParaRPr/>
           </a:p>
@@ -9207,16 +11034,16 @@
       </p:sp>
       <p:sp>
         <p:nvSpPr>
-          <p:cNvPr id="133" name="Google Shape;133;p23"/>
+          <p:cNvPr id="131" name="Google Shape;131;p23"/>
           <p:cNvSpPr txBox="1"/>
           <p:nvPr>
-            <p:ph idx="2" type="body"/>
-          </p:nvPr>
-        </p:nvSpPr>
-        <p:spPr>
-          <a:xfrm>
-            <a:off x="2516500" y="1361175"/>
-            <a:ext cx="6205500" cy="3243900"/>
+            <p:ph idx="1" type="body"/>
+          </p:nvPr>
+        </p:nvSpPr>
+        <p:spPr>
+          <a:xfrm>
+            <a:off x="2410100" y="1211350"/>
+            <a:ext cx="6321600" cy="3386700"/>
           </a:xfrm>
           <a:prstGeom prst="rect">
             <a:avLst/>
@@ -9238,18 +11065,18 @@
               <a:buNone/>
             </a:pPr>
             <a:r>
-              <a:rPr b="1" lang="en" sz="2000">
-                <a:solidFill>
-                  <a:schemeClr val="accent3"/>
-                </a:solidFill>
-              </a:rPr>
-              <a:t>How do we add interactive elements to our dashboard?</a:t>
-            </a:r>
-            <a:endParaRPr b="1" sz="2000">
-              <a:solidFill>
-                <a:schemeClr val="accent3"/>
-              </a:solidFill>
-            </a:endParaRPr>
+              <a:rPr lang="en" sz="1600"/>
+              <a:t>• Downloaded </a:t>
+            </a:r>
+            <a:r>
+              <a:rPr lang="en" sz="1600"/>
+              <a:t>from the New York City Campaign Finance Board website data for the six most recent election years, viz. 2001, 2003, 2005, 2009, 2013, 2017, and 2021 </a:t>
+            </a:r>
+            <a:r>
+              <a:rPr lang="en" sz="1600"/>
+              <a:t>that contain individual and committee donation contributions for each candidate as separate .csv files.</a:t>
+            </a:r>
+            <a:endParaRPr sz="1600"/>
           </a:p>
           <a:p>
             <a:pPr indent="0" lvl="0" marL="0" rtl="0" algn="l">
@@ -9262,44 +11089,58 @@
               <a:buNone/>
             </a:pPr>
             <a:r>
-              <a:rPr lang="en" sz="1500"/>
-              <a:t>We have added interactive elements to our dashboard, as follows:</a:t>
-            </a:r>
-            <a:endParaRPr sz="1500"/>
-          </a:p>
-          <a:p>
-            <a:pPr indent="-323850" lvl="0" marL="457200" rtl="0" algn="l">
-              <a:spcBef>
-                <a:spcPts val="1200"/>
-              </a:spcBef>
-              <a:spcAft>
-                <a:spcPts val="0"/>
-              </a:spcAft>
-              <a:buSzPts val="1500"/>
-              <a:buChar char="●"/>
-            </a:pPr>
-            <a:r>
-              <a:rPr lang="en" sz="1500"/>
-              <a:t>We have added filters to our dashboard, making them available via the All Using Related Data Sources option, so that any selection through the filter applies to all worksheets that are in any way related to the data source.</a:t>
-            </a:r>
-            <a:endParaRPr sz="1500"/>
-          </a:p>
-          <a:p>
-            <a:pPr indent="-323850" lvl="0" marL="457200" rtl="0" algn="l">
-              <a:spcBef>
-                <a:spcPts val="0"/>
-              </a:spcBef>
-              <a:spcAft>
-                <a:spcPts val="0"/>
-              </a:spcAft>
-              <a:buSzPts val="1500"/>
-              <a:buChar char="●"/>
-            </a:pPr>
-            <a:r>
-              <a:rPr lang="en" sz="1500"/>
-              <a:t>Please note that we have used multiple data sources and have used the Edit Blend Relationships option to link primary and secondary data sources.</a:t>
-            </a:r>
-            <a:endParaRPr sz="1500"/>
+              <a:rPr lang="en" sz="1600"/>
+              <a:t>• Extracted </a:t>
+            </a:r>
+            <a:r>
+              <a:rPr lang="en" sz="1600"/>
+              <a:t>each candidate’s expenditures </a:t>
+            </a:r>
+            <a:r>
+              <a:rPr lang="en" sz="1600"/>
+              <a:t>from the said .csv file</a:t>
+            </a:r>
+            <a:r>
+              <a:rPr lang="en" sz="1600"/>
+              <a:t>s</a:t>
+            </a:r>
+            <a:r>
+              <a:rPr lang="en" sz="1600"/>
+              <a:t>.</a:t>
+            </a:r>
+            <a:endParaRPr sz="1600"/>
+          </a:p>
+          <a:p>
+            <a:pPr indent="0" lvl="0" marL="0" rtl="0" algn="l">
+              <a:spcBef>
+                <a:spcPts val="1600"/>
+              </a:spcBef>
+              <a:spcAft>
+                <a:spcPts val="1600"/>
+              </a:spcAft>
+              <a:buNone/>
+            </a:pPr>
+            <a:r>
+              <a:rPr lang="en" sz="1600"/>
+              <a:t>• </a:t>
+            </a:r>
+            <a:r>
+              <a:rPr lang="en" sz="1600"/>
+              <a:t>Studied </a:t>
+            </a:r>
+            <a:r>
+              <a:rPr lang="en" sz="1600"/>
+              <a:t>each of </a:t>
+            </a:r>
+            <a:r>
+              <a:rPr lang="en" sz="1600"/>
+              <a:t>the </a:t>
+            </a:r>
+            <a:r>
+              <a:rPr lang="en" sz="1600"/>
+              <a:t>data sets, 18 in total, in Microsoft Excel to determine which columns are relevant for the desired final outcome. (All raw .csv files are available in Resources &gt; Raw CSVs Folder)</a:t>
+            </a:r>
+            <a:endParaRPr sz="1600"/>
           </a:p>
         </p:txBody>
       </p:sp>
@@ -9316,7 +11157,7 @@
   <p:cSld>
     <p:spTree>
       <p:nvGrpSpPr>
-        <p:cNvPr id="137" name="Shape 137"/>
+        <p:cNvPr id="135" name="Shape 135"/>
         <p:cNvGrpSpPr/>
         <p:nvPr/>
       </p:nvGrpSpPr>
@@ -9330,7 +11171,7 @@
       </p:grpSpPr>
       <p:sp>
         <p:nvSpPr>
-          <p:cNvPr id="138" name="Google Shape;138;p24"/>
+          <p:cNvPr id="136" name="Google Shape;136;p24"/>
           <p:cNvSpPr txBox="1"/>
           <p:nvPr>
             <p:ph type="title"/>
@@ -9338,8 +11179,8 @@
         </p:nvSpPr>
         <p:spPr>
           <a:xfrm>
-            <a:off x="2516550" y="575950"/>
-            <a:ext cx="6205500" cy="635400"/>
+            <a:off x="2400250" y="575950"/>
+            <a:ext cx="6321600" cy="635400"/>
           </a:xfrm>
           <a:prstGeom prst="rect">
             <a:avLst/>
@@ -9362,7 +11203,7 @@
             </a:pPr>
             <a:r>
               <a:rPr lang="en"/>
-              <a:t>Analysis (continued)</a:t>
+              <a:t>Data Transformation Steps (cont.)</a:t>
             </a:r>
             <a:endParaRPr/>
           </a:p>
@@ -9370,16 +11211,16 @@
       </p:sp>
       <p:sp>
         <p:nvSpPr>
-          <p:cNvPr id="139" name="Google Shape;139;p24"/>
+          <p:cNvPr id="137" name="Google Shape;137;p24"/>
           <p:cNvSpPr txBox="1"/>
           <p:nvPr>
-            <p:ph idx="2" type="body"/>
-          </p:nvPr>
-        </p:nvSpPr>
-        <p:spPr>
-          <a:xfrm>
-            <a:off x="2516500" y="1361175"/>
-            <a:ext cx="6205500" cy="3243900"/>
+            <p:ph idx="1" type="body"/>
+          </p:nvPr>
+        </p:nvSpPr>
+        <p:spPr>
+          <a:xfrm>
+            <a:off x="2410100" y="1211350"/>
+            <a:ext cx="6321600" cy="3386700"/>
           </a:xfrm>
           <a:prstGeom prst="rect">
             <a:avLst/>
@@ -9401,52 +11242,42 @@
               <a:buNone/>
             </a:pPr>
             <a:r>
-              <a:rPr b="1" lang="en" sz="2000">
-                <a:solidFill>
-                  <a:schemeClr val="accent3"/>
-                </a:solidFill>
-              </a:rPr>
-              <a:t>How do we add interactive elements to our dashboard? (continued)</a:t>
-            </a:r>
-            <a:endParaRPr b="1" sz="2000">
-              <a:solidFill>
-                <a:schemeClr val="accent3"/>
-              </a:solidFill>
-            </a:endParaRPr>
-          </a:p>
-          <a:p>
-            <a:pPr indent="-323850" lvl="0" marL="457200" rtl="0" algn="l">
+              <a:rPr lang="en" sz="1600"/>
+              <a:t>• Created an RDS and S3 session within Amazon Web Services to store the data sets and share publicly.</a:t>
+            </a:r>
+            <a:endParaRPr sz="1600"/>
+          </a:p>
+          <a:p>
+            <a:pPr indent="0" lvl="0" marL="0" rtl="0" algn="l">
               <a:spcBef>
                 <a:spcPts val="1600"/>
               </a:spcBef>
               <a:spcAft>
                 <a:spcPts val="0"/>
               </a:spcAft>
-              <a:buSzPts val="1500"/>
-              <a:buChar char="●"/>
-            </a:pPr>
-            <a:r>
-              <a:rPr lang="en" sz="1500"/>
-              <a:t>We have added Highlight Actions to our dashboard which work when a user hovers over the source sheets.</a:t>
-            </a:r>
-            <a:endParaRPr sz="1500"/>
-          </a:p>
-          <a:p>
-            <a:pPr indent="-323850" lvl="0" marL="457200" rtl="0" algn="l">
-              <a:spcBef>
-                <a:spcPts val="0"/>
-              </a:spcBef>
-              <a:spcAft>
-                <a:spcPts val="0"/>
-              </a:spcAft>
-              <a:buSzPts val="1500"/>
-              <a:buChar char="●"/>
-            </a:pPr>
-            <a:r>
-              <a:rPr lang="en" sz="1500"/>
-              <a:t>We have added interactive text to our dashboard which dynamically change the text based on which election year was selected.</a:t>
-            </a:r>
-            <a:endParaRPr sz="1500"/>
+              <a:buNone/>
+            </a:pPr>
+            <a:r>
+              <a:rPr lang="en" sz="1600"/>
+              <a:t>• Uploaded each .csv for individual donations, committee donations, and candidate expenditures within Google Colab.</a:t>
+            </a:r>
+            <a:endParaRPr sz="1600"/>
+          </a:p>
+          <a:p>
+            <a:pPr indent="0" lvl="0" marL="0" rtl="0" algn="l">
+              <a:spcBef>
+                <a:spcPts val="1600"/>
+              </a:spcBef>
+              <a:spcAft>
+                <a:spcPts val="1600"/>
+              </a:spcAft>
+              <a:buNone/>
+            </a:pPr>
+            <a:r>
+              <a:rPr lang="en" sz="1600"/>
+              <a:t>• Performed Pyspark functions of reading .csv files in data frames, dropped columns, changed data types, changed column names, converted the value names within each column, filtered the data frames to display only the mayoral elections and participants within a given election year, and created a total sum column added by the donation amount, candidate match amount, and previous donation amount.</a:t>
+            </a:r>
+            <a:endParaRPr sz="1600"/>
           </a:p>
         </p:txBody>
       </p:sp>
@@ -9461,16 +11292,9 @@
 <file path=ppt/slides/slide13.xml><?xml version="1.0" encoding="utf-8"?>
 <p:sld xmlns:a="http://schemas.openxmlformats.org/drawingml/2006/main" xmlns:r="http://schemas.openxmlformats.org/officeDocument/2006/relationships" xmlns:mc="http://schemas.openxmlformats.org/markup-compatibility/2006" xmlns:mv="urn:schemas-microsoft-com:mac:vml" xmlns:p="http://schemas.openxmlformats.org/presentationml/2006/main" xmlns:c="http://schemas.openxmlformats.org/drawingml/2006/chart" xmlns:dgm="http://schemas.openxmlformats.org/drawingml/2006/diagram" xmlns:o="urn:schemas-microsoft-com:office:office" xmlns:v="urn:schemas-microsoft-com:vml" xmlns:pvml="urn:schemas-microsoft-com:office:powerpoint" xmlns:com="http://schemas.openxmlformats.org/drawingml/2006/compatibility" xmlns:p14="http://schemas.microsoft.com/office/powerpoint/2010/main" xmlns:p15="http://schemas.microsoft.com/office/powerpoint/2012/main" xmlns:ahyp="http://schemas.microsoft.com/office/drawing/2018/hyperlinkcolor">
   <p:cSld>
-    <p:bg>
-      <p:bgPr>
-        <a:solidFill>
-          <a:schemeClr val="accent3"/>
-        </a:solidFill>
-      </p:bgPr>
-    </p:bg>
     <p:spTree>
       <p:nvGrpSpPr>
-        <p:cNvPr id="143" name="Shape 143"/>
+        <p:cNvPr id="141" name="Shape 141"/>
         <p:cNvGrpSpPr/>
         <p:nvPr/>
       </p:nvGrpSpPr>
@@ -9484,7 +11308,7 @@
       </p:grpSpPr>
       <p:sp>
         <p:nvSpPr>
-          <p:cNvPr id="144" name="Google Shape;144;p25"/>
+          <p:cNvPr id="142" name="Google Shape;142;p25"/>
           <p:cNvSpPr txBox="1"/>
           <p:nvPr>
             <p:ph type="title"/>
@@ -9492,20 +11316,20 @@
         </p:nvSpPr>
         <p:spPr>
           <a:xfrm>
-            <a:off x="406425" y="1806825"/>
-            <a:ext cx="8296800" cy="1542000"/>
+            <a:off x="2400250" y="575950"/>
+            <a:ext cx="6321600" cy="635400"/>
           </a:xfrm>
           <a:prstGeom prst="rect">
             <a:avLst/>
           </a:prstGeom>
         </p:spPr>
         <p:txBody>
-          <a:bodyPr anchorCtr="0" anchor="ctr" bIns="91425" lIns="91425" spcFirstLastPara="1" rIns="91425" wrap="square" tIns="91425">
+          <a:bodyPr anchorCtr="0" anchor="t" bIns="91425" lIns="91425" spcFirstLastPara="1" rIns="91425" wrap="square" tIns="91425">
             <a:noAutofit/>
           </a:bodyPr>
           <a:lstStyle/>
           <a:p>
-            <a:pPr indent="0" lvl="0" marL="0" rtl="0" algn="ctr">
+            <a:pPr indent="0" lvl="0" marL="0" rtl="0" algn="l">
               <a:spcBef>
                 <a:spcPts val="0"/>
               </a:spcBef>
@@ -9516,9 +11340,81 @@
             </a:pPr>
             <a:r>
               <a:rPr lang="en"/>
-              <a:t>SQL</a:t>
+              <a:t>Data Transformation Steps (cont.)</a:t>
             </a:r>
             <a:endParaRPr/>
+          </a:p>
+        </p:txBody>
+      </p:sp>
+      <p:sp>
+        <p:nvSpPr>
+          <p:cNvPr id="143" name="Google Shape;143;p25"/>
+          <p:cNvSpPr txBox="1"/>
+          <p:nvPr>
+            <p:ph idx="1" type="body"/>
+          </p:nvPr>
+        </p:nvSpPr>
+        <p:spPr>
+          <a:xfrm>
+            <a:off x="2410100" y="1211350"/>
+            <a:ext cx="6321600" cy="3386700"/>
+          </a:xfrm>
+          <a:prstGeom prst="rect">
+            <a:avLst/>
+          </a:prstGeom>
+        </p:spPr>
+        <p:txBody>
+          <a:bodyPr anchorCtr="0" anchor="t" bIns="91425" lIns="91425" spcFirstLastPara="1" rIns="91425" wrap="square" tIns="91425">
+            <a:noAutofit/>
+          </a:bodyPr>
+          <a:lstStyle/>
+          <a:p>
+            <a:pPr indent="0" lvl="0" marL="0" rtl="0" algn="l">
+              <a:spcBef>
+                <a:spcPts val="0"/>
+              </a:spcBef>
+              <a:spcAft>
+                <a:spcPts val="0"/>
+              </a:spcAft>
+              <a:buNone/>
+            </a:pPr>
+            <a:r>
+              <a:rPr lang="en" sz="1600"/>
+              <a:t>• Once the data frame is reviewed and approved by the team, exported the clean data frame into a new .csv (Transformed data frames into new .csv files are available in Resources &gt; Clean CSVs as of Sept 11)</a:t>
+            </a:r>
+            <a:endParaRPr sz="1600"/>
+          </a:p>
+          <a:p>
+            <a:pPr indent="0" lvl="0" marL="0" rtl="0" algn="l">
+              <a:spcBef>
+                <a:spcPts val="1600"/>
+              </a:spcBef>
+              <a:spcAft>
+                <a:spcPts val="0"/>
+              </a:spcAft>
+              <a:buNone/>
+            </a:pPr>
+            <a:r>
+              <a:rPr lang="en" sz="1600"/>
+              <a:t>• Exported the clean data frame tables for each election year to connect with the RDS server and postgreSQL.</a:t>
+            </a:r>
+            <a:endParaRPr sz="1600"/>
+          </a:p>
+          <a:p>
+            <a:pPr indent="0" lvl="0" marL="0" rtl="0" algn="l">
+              <a:spcBef>
+                <a:spcPts val="1600"/>
+              </a:spcBef>
+              <a:spcAft>
+                <a:spcPts val="1600"/>
+              </a:spcAft>
+              <a:buNone/>
+            </a:pPr>
+            <a:r>
+              <a:rPr lang="en" sz="1600"/>
+              <a:t>• Created the join on committees and individual tables to prepare for ML.</a:t>
+            </a:r>
+            <a:endParaRPr sz="1600"/>
           </a:p>
         </p:txBody>
       </p:sp>
@@ -9535,7 +11431,7 @@
   <p:cSld>
     <p:spTree>
       <p:nvGrpSpPr>
-        <p:cNvPr id="148" name="Shape 148"/>
+        <p:cNvPr id="147" name="Shape 147"/>
         <p:cNvGrpSpPr/>
         <p:nvPr/>
       </p:nvGrpSpPr>
@@ -9549,7 +11445,7 @@
       </p:grpSpPr>
       <p:sp>
         <p:nvSpPr>
-          <p:cNvPr id="149" name="Google Shape;149;p26"/>
+          <p:cNvPr id="148" name="Google Shape;148;p26"/>
           <p:cNvSpPr txBox="1"/>
           <p:nvPr>
             <p:ph type="title"/>
@@ -9557,8 +11453,8 @@
         </p:nvSpPr>
         <p:spPr>
           <a:xfrm>
-            <a:off x="2516550" y="575950"/>
-            <a:ext cx="6205500" cy="635400"/>
+            <a:off x="2400250" y="575950"/>
+            <a:ext cx="6321600" cy="635400"/>
           </a:xfrm>
           <a:prstGeom prst="rect">
             <a:avLst/>
@@ -9581,7 +11477,7 @@
             </a:pPr>
             <a:r>
               <a:rPr lang="en"/>
-              <a:t>SQL Overview</a:t>
+              <a:t>Data Transformation Steps (cont.)</a:t>
             </a:r>
             <a:endParaRPr/>
           </a:p>
@@ -9589,16 +11485,16 @@
       </p:sp>
       <p:sp>
         <p:nvSpPr>
-          <p:cNvPr id="150" name="Google Shape;150;p26"/>
+          <p:cNvPr id="149" name="Google Shape;149;p26"/>
           <p:cNvSpPr txBox="1"/>
           <p:nvPr>
-            <p:ph idx="2" type="body"/>
-          </p:nvPr>
-        </p:nvSpPr>
-        <p:spPr>
-          <a:xfrm>
-            <a:off x="2516500" y="1361175"/>
-            <a:ext cx="6205500" cy="3243900"/>
+            <p:ph idx="1" type="body"/>
+          </p:nvPr>
+        </p:nvSpPr>
+        <p:spPr>
+          <a:xfrm>
+            <a:off x="2410100" y="1211350"/>
+            <a:ext cx="6321600" cy="3386700"/>
           </a:xfrm>
           <a:prstGeom prst="rect">
             <a:avLst/>
@@ -9610,53 +11506,60 @@
           </a:bodyPr>
           <a:lstStyle/>
           <a:p>
-            <a:pPr indent="-330200" lvl="0" marL="457200" rtl="0" algn="l">
-              <a:spcBef>
-                <a:spcPts val="0"/>
-              </a:spcBef>
-              <a:spcAft>
-                <a:spcPts val="0"/>
-              </a:spcAft>
-              <a:buSzPts val="1600"/>
-              <a:buChar char="●"/>
+            <a:pPr indent="0" lvl="0" marL="0" rtl="0" algn="l">
+              <a:spcBef>
+                <a:spcPts val="0"/>
+              </a:spcBef>
+              <a:spcAft>
+                <a:spcPts val="0"/>
+              </a:spcAft>
+              <a:buNone/>
             </a:pPr>
             <a:r>
               <a:rPr lang="en" sz="1600"/>
-              <a:t>We used a pgAdmin4 SQL interface stored on Amazon Web Services to store and analyze the cleaned data.</a:t>
+              <a:t>• Merged the tables by individual data frame, committee contribution data frame, as well as by expenditure report dataframes all as a single .csv per year.</a:t>
             </a:r>
             <a:endParaRPr sz="1600"/>
           </a:p>
           <a:p>
-            <a:pPr indent="-330200" lvl="0" marL="457200" rtl="0" algn="l">
-              <a:spcBef>
-                <a:spcPts val="0"/>
-              </a:spcBef>
-              <a:spcAft>
-                <a:spcPts val="0"/>
-              </a:spcAft>
-              <a:buSzPts val="1600"/>
-              <a:buChar char="●"/>
+            <a:pPr indent="0" lvl="0" marL="0" rtl="0" algn="l">
+              <a:spcBef>
+                <a:spcPts val="1600"/>
+              </a:spcBef>
+              <a:spcAft>
+                <a:spcPts val="0"/>
+              </a:spcAft>
+              <a:buClr>
+                <a:schemeClr val="dk2"/>
+              </a:buClr>
+              <a:buSzPts val="1100"/>
+              <a:buFont typeface="Arial"/>
+              <a:buNone/>
             </a:pPr>
             <a:r>
               <a:rPr lang="en" sz="1600"/>
-              <a:t>Within SQL, we joined and merged the Committee, Individual, and Expenditure reports into a single table for each election year to further test using ML.</a:t>
+              <a:t>• Determining which columns are necessary for ML.</a:t>
             </a:r>
             <a:endParaRPr sz="1600"/>
           </a:p>
           <a:p>
-            <a:pPr indent="-330200" lvl="0" marL="457200" rtl="0" algn="l">
-              <a:spcBef>
-                <a:spcPts val="0"/>
-              </a:spcBef>
-              <a:spcAft>
-                <a:spcPts val="0"/>
-              </a:spcAft>
-              <a:buSzPts val="1600"/>
-              <a:buChar char="●"/>
+            <a:pPr indent="0" lvl="0" marL="0" rtl="0" algn="l">
+              <a:spcBef>
+                <a:spcPts val="1600"/>
+              </a:spcBef>
+              <a:spcAft>
+                <a:spcPts val="1600"/>
+              </a:spcAft>
+              <a:buClr>
+                <a:schemeClr val="dk2"/>
+              </a:buClr>
+              <a:buSzPts val="1100"/>
+              <a:buFont typeface="Arial"/>
+              <a:buNone/>
             </a:pPr>
             <a:r>
               <a:rPr lang="en" sz="1600"/>
-              <a:t>After processing the data within the interface, we exported the SQL tables from our server and established a connection to Jupyter Notebook (Pandas) for ML analysis.</a:t>
+              <a:t>• Connect pgAdmin with Pandas to read in the merged files by election year to begin ML analysis.</a:t>
             </a:r>
             <a:endParaRPr sz="1600"/>
           </a:p>
@@ -9673,9 +11576,16 @@
 <file path=ppt/slides/slide15.xml><?xml version="1.0" encoding="utf-8"?>
 <p:sld xmlns:a="http://schemas.openxmlformats.org/drawingml/2006/main" xmlns:r="http://schemas.openxmlformats.org/officeDocument/2006/relationships" xmlns:mc="http://schemas.openxmlformats.org/markup-compatibility/2006" xmlns:mv="urn:schemas-microsoft-com:mac:vml" xmlns:p="http://schemas.openxmlformats.org/presentationml/2006/main" xmlns:c="http://schemas.openxmlformats.org/drawingml/2006/chart" xmlns:dgm="http://schemas.openxmlformats.org/drawingml/2006/diagram" xmlns:o="urn:schemas-microsoft-com:office:office" xmlns:v="urn:schemas-microsoft-com:vml" xmlns:pvml="urn:schemas-microsoft-com:office:powerpoint" xmlns:com="http://schemas.openxmlformats.org/drawingml/2006/compatibility" xmlns:p14="http://schemas.microsoft.com/office/powerpoint/2010/main" xmlns:p15="http://schemas.microsoft.com/office/powerpoint/2012/main" xmlns:ahyp="http://schemas.microsoft.com/office/drawing/2018/hyperlinkcolor">
   <p:cSld>
+    <p:bg>
+      <p:bgPr>
+        <a:solidFill>
+          <a:schemeClr val="accent3"/>
+        </a:solidFill>
+      </p:bgPr>
+    </p:bg>
     <p:spTree>
       <p:nvGrpSpPr>
-        <p:cNvPr id="154" name="Shape 154"/>
+        <p:cNvPr id="153" name="Shape 153"/>
         <p:cNvGrpSpPr/>
         <p:nvPr/>
       </p:nvGrpSpPr>
@@ -9689,7 +11599,7 @@
       </p:grpSpPr>
       <p:sp>
         <p:nvSpPr>
-          <p:cNvPr id="155" name="Google Shape;155;p27"/>
+          <p:cNvPr id="154" name="Google Shape;154;p27"/>
           <p:cNvSpPr txBox="1"/>
           <p:nvPr>
             <p:ph type="title"/>
@@ -9697,20 +11607,20 @@
         </p:nvSpPr>
         <p:spPr>
           <a:xfrm>
-            <a:off x="2400250" y="575950"/>
-            <a:ext cx="6321600" cy="635400"/>
+            <a:off x="406425" y="1806825"/>
+            <a:ext cx="8296800" cy="1542000"/>
           </a:xfrm>
           <a:prstGeom prst="rect">
             <a:avLst/>
           </a:prstGeom>
         </p:spPr>
         <p:txBody>
-          <a:bodyPr anchorCtr="0" anchor="t" bIns="91425" lIns="91425" spcFirstLastPara="1" rIns="91425" wrap="square" tIns="91425">
+          <a:bodyPr anchorCtr="0" anchor="ctr" bIns="91425" lIns="91425" spcFirstLastPara="1" rIns="91425" wrap="square" tIns="91425">
             <a:noAutofit/>
           </a:bodyPr>
           <a:lstStyle/>
           <a:p>
-            <a:pPr indent="0" lvl="0" marL="0" rtl="0" algn="l">
+            <a:pPr indent="0" lvl="0" marL="0" rtl="0" algn="ctr">
               <a:spcBef>
                 <a:spcPts val="0"/>
               </a:spcBef>
@@ -9721,39 +11631,12 @@
             </a:pPr>
             <a:r>
               <a:rPr lang="en"/>
-              <a:t>ERD Diagram</a:t>
+              <a:t>Data Visualization</a:t>
             </a:r>
             <a:endParaRPr/>
           </a:p>
         </p:txBody>
       </p:sp>
-      <p:pic>
-        <p:nvPicPr>
-          <p:cNvPr id="156" name="Google Shape;156;p27"/>
-          <p:cNvPicPr preferRelativeResize="0"/>
-          <p:nvPr/>
-        </p:nvPicPr>
-        <p:blipFill rotWithShape="1">
-          <a:blip r:embed="rId3">
-            <a:alphaModFix/>
-          </a:blip>
-          <a:srcRect b="0" l="0" r="0" t="0"/>
-          <a:stretch/>
-        </p:blipFill>
-        <p:spPr>
-          <a:xfrm>
-            <a:off x="2480138" y="1137725"/>
-            <a:ext cx="6185281" cy="3627349"/>
-          </a:xfrm>
-          <a:prstGeom prst="rect">
-            <a:avLst/>
-          </a:prstGeom>
-          <a:noFill/>
-          <a:ln>
-            <a:noFill/>
-          </a:ln>
-        </p:spPr>
-      </p:pic>
     </p:spTree>
   </p:cSld>
   <p:clrMapOvr>
@@ -9765,16 +11648,9 @@
 <file path=ppt/slides/slide16.xml><?xml version="1.0" encoding="utf-8"?>
 <p:sld xmlns:a="http://schemas.openxmlformats.org/drawingml/2006/main" xmlns:r="http://schemas.openxmlformats.org/officeDocument/2006/relationships" xmlns:mc="http://schemas.openxmlformats.org/markup-compatibility/2006" xmlns:mv="urn:schemas-microsoft-com:mac:vml" xmlns:p="http://schemas.openxmlformats.org/presentationml/2006/main" xmlns:c="http://schemas.openxmlformats.org/drawingml/2006/chart" xmlns:dgm="http://schemas.openxmlformats.org/drawingml/2006/diagram" xmlns:o="urn:schemas-microsoft-com:office:office" xmlns:v="urn:schemas-microsoft-com:vml" xmlns:pvml="urn:schemas-microsoft-com:office:powerpoint" xmlns:com="http://schemas.openxmlformats.org/drawingml/2006/compatibility" xmlns:p14="http://schemas.microsoft.com/office/powerpoint/2010/main" xmlns:p15="http://schemas.microsoft.com/office/powerpoint/2012/main" xmlns:ahyp="http://schemas.microsoft.com/office/drawing/2018/hyperlinkcolor">
   <p:cSld>
-    <p:bg>
-      <p:bgPr>
-        <a:solidFill>
-          <a:schemeClr val="accent3"/>
-        </a:solidFill>
-      </p:bgPr>
-    </p:bg>
     <p:spTree>
       <p:nvGrpSpPr>
-        <p:cNvPr id="160" name="Shape 160"/>
+        <p:cNvPr id="158" name="Shape 158"/>
         <p:cNvGrpSpPr/>
         <p:nvPr/>
       </p:nvGrpSpPr>
@@ -9788,7 +11664,7 @@
       </p:grpSpPr>
       <p:sp>
         <p:nvSpPr>
-          <p:cNvPr id="161" name="Google Shape;161;p28"/>
+          <p:cNvPr id="159" name="Google Shape;159;p28"/>
           <p:cNvSpPr txBox="1"/>
           <p:nvPr>
             <p:ph type="title"/>
@@ -9796,33 +11672,318 @@
         </p:nvSpPr>
         <p:spPr>
           <a:xfrm>
-            <a:off x="406425" y="1806825"/>
-            <a:ext cx="8296800" cy="1542000"/>
+            <a:off x="2435625" y="575950"/>
+            <a:ext cx="6286200" cy="635400"/>
           </a:xfrm>
           <a:prstGeom prst="rect">
             <a:avLst/>
           </a:prstGeom>
         </p:spPr>
         <p:txBody>
-          <a:bodyPr anchorCtr="0" anchor="ctr" bIns="91425" lIns="91425" spcFirstLastPara="1" rIns="91425" wrap="square" tIns="91425">
+          <a:bodyPr anchorCtr="0" anchor="t" bIns="91425" lIns="91425" spcFirstLastPara="1" rIns="91425" wrap="square" tIns="91425">
             <a:noAutofit/>
           </a:bodyPr>
           <a:lstStyle/>
           <a:p>
-            <a:pPr indent="0" lvl="0" marL="0" rtl="0" algn="ctr">
-              <a:spcBef>
-                <a:spcPts val="0"/>
-              </a:spcBef>
-              <a:spcAft>
-                <a:spcPts val="0"/>
-              </a:spcAft>
+            <a:pPr indent="0" lvl="0" marL="0" rtl="0" algn="l">
+              <a:spcBef>
+                <a:spcPts val="0"/>
+              </a:spcBef>
+              <a:spcAft>
+                <a:spcPts val="0"/>
+              </a:spcAft>
+              <a:buClr>
+                <a:schemeClr val="dk2"/>
+              </a:buClr>
+              <a:buSzPts val="1100"/>
+              <a:buFont typeface="Arial"/>
               <a:buNone/>
             </a:pPr>
             <a:r>
               <a:rPr lang="en"/>
-              <a:t>Machine Learning</a:t>
+              <a:t>Data Visualization Overview</a:t>
             </a:r>
             <a:endParaRPr/>
+          </a:p>
+          <a:p>
+            <a:pPr indent="0" lvl="0" marL="0" rtl="0" algn="l">
+              <a:spcBef>
+                <a:spcPts val="0"/>
+              </a:spcBef>
+              <a:spcAft>
+                <a:spcPts val="0"/>
+              </a:spcAft>
+              <a:buNone/>
+            </a:pPr>
+            <a:r>
+              <a:t/>
+            </a:r>
+            <a:endParaRPr/>
+          </a:p>
+        </p:txBody>
+      </p:sp>
+      <p:sp>
+        <p:nvSpPr>
+          <p:cNvPr id="160" name="Google Shape;160;p28"/>
+          <p:cNvSpPr txBox="1"/>
+          <p:nvPr>
+            <p:ph idx="1" type="body"/>
+          </p:nvPr>
+        </p:nvSpPr>
+        <p:spPr>
+          <a:xfrm>
+            <a:off x="2400250" y="1211350"/>
+            <a:ext cx="3005100" cy="3393600"/>
+          </a:xfrm>
+          <a:prstGeom prst="rect">
+            <a:avLst/>
+          </a:prstGeom>
+        </p:spPr>
+        <p:txBody>
+          <a:bodyPr anchorCtr="0" anchor="t" bIns="91425" lIns="91425" spcFirstLastPara="1" rIns="91425" wrap="square" tIns="91425">
+            <a:noAutofit/>
+          </a:bodyPr>
+          <a:lstStyle/>
+          <a:p>
+            <a:pPr indent="0" lvl="0" marL="0" rtl="0" algn="l">
+              <a:lnSpc>
+                <a:spcPct val="100000"/>
+              </a:lnSpc>
+              <a:spcBef>
+                <a:spcPts val="0"/>
+              </a:spcBef>
+              <a:spcAft>
+                <a:spcPts val="0"/>
+              </a:spcAft>
+              <a:buNone/>
+            </a:pPr>
+            <a:r>
+              <a:rPr b="1" lang="en" sz="1800">
+                <a:solidFill>
+                  <a:schemeClr val="accent3"/>
+                </a:solidFill>
+              </a:rPr>
+              <a:t>Tools used:</a:t>
+            </a:r>
+            <a:endParaRPr b="1" sz="1800">
+              <a:solidFill>
+                <a:schemeClr val="accent3"/>
+              </a:solidFill>
+            </a:endParaRPr>
+          </a:p>
+          <a:p>
+            <a:pPr indent="0" lvl="0" marL="0" rtl="0" algn="l">
+              <a:lnSpc>
+                <a:spcPct val="100000"/>
+              </a:lnSpc>
+              <a:spcBef>
+                <a:spcPts val="1600"/>
+              </a:spcBef>
+              <a:spcAft>
+                <a:spcPts val="0"/>
+              </a:spcAft>
+              <a:buNone/>
+            </a:pPr>
+            <a:r>
+              <a:rPr lang="en" sz="1200"/>
+              <a:t>Tableau Public, Tableau JavaScript API</a:t>
+            </a:r>
+            <a:endParaRPr sz="1200"/>
+          </a:p>
+          <a:p>
+            <a:pPr indent="0" lvl="0" marL="0" rtl="0" algn="l">
+              <a:lnSpc>
+                <a:spcPct val="100000"/>
+              </a:lnSpc>
+              <a:spcBef>
+                <a:spcPts val="1600"/>
+              </a:spcBef>
+              <a:spcAft>
+                <a:spcPts val="0"/>
+              </a:spcAft>
+              <a:buNone/>
+            </a:pPr>
+            <a:r>
+              <a:rPr b="1" lang="en" sz="1800">
+                <a:solidFill>
+                  <a:schemeClr val="accent3"/>
+                </a:solidFill>
+              </a:rPr>
+              <a:t>Links:</a:t>
+            </a:r>
+            <a:endParaRPr b="1" sz="1800">
+              <a:solidFill>
+                <a:schemeClr val="accent3"/>
+              </a:solidFill>
+            </a:endParaRPr>
+          </a:p>
+          <a:p>
+            <a:pPr indent="0" lvl="0" marL="0" rtl="0" algn="l">
+              <a:lnSpc>
+                <a:spcPct val="100000"/>
+              </a:lnSpc>
+              <a:spcBef>
+                <a:spcPts val="1600"/>
+              </a:spcBef>
+              <a:spcAft>
+                <a:spcPts val="0"/>
+              </a:spcAft>
+              <a:buNone/>
+            </a:pPr>
+            <a:r>
+              <a:rPr lang="en" sz="1200"/>
+              <a:t>Our Presentation Dashboard:</a:t>
+            </a:r>
+            <a:endParaRPr sz="1200"/>
+          </a:p>
+          <a:p>
+            <a:pPr indent="0" lvl="0" marL="0" rtl="0" algn="l">
+              <a:lnSpc>
+                <a:spcPct val="100000"/>
+              </a:lnSpc>
+              <a:spcBef>
+                <a:spcPts val="1200"/>
+              </a:spcBef>
+              <a:spcAft>
+                <a:spcPts val="0"/>
+              </a:spcAft>
+              <a:buNone/>
+            </a:pPr>
+            <a:r>
+              <a:rPr lang="en" sz="1200" u="sng">
+                <a:solidFill>
+                  <a:schemeClr val="hlink"/>
+                </a:solidFill>
+                <a:hlinkClick r:id="rId3"/>
+              </a:rPr>
+              <a:t>https://ssheggrud.github.io/Mod_20_Project/index.html</a:t>
+            </a:r>
+            <a:endParaRPr sz="1200"/>
+          </a:p>
+          <a:p>
+            <a:pPr indent="0" lvl="0" marL="0" rtl="0" algn="l">
+              <a:lnSpc>
+                <a:spcPct val="100000"/>
+              </a:lnSpc>
+              <a:spcBef>
+                <a:spcPts val="1200"/>
+              </a:spcBef>
+              <a:spcAft>
+                <a:spcPts val="0"/>
+              </a:spcAft>
+              <a:buNone/>
+            </a:pPr>
+            <a:r>
+              <a:rPr lang="en" sz="1200"/>
+              <a:t>Our Tableau Viz:</a:t>
+            </a:r>
+            <a:endParaRPr sz="1200"/>
+          </a:p>
+          <a:p>
+            <a:pPr indent="0" lvl="0" marL="0" rtl="0" algn="l">
+              <a:lnSpc>
+                <a:spcPct val="100000"/>
+              </a:lnSpc>
+              <a:spcBef>
+                <a:spcPts val="1200"/>
+              </a:spcBef>
+              <a:spcAft>
+                <a:spcPts val="0"/>
+              </a:spcAft>
+              <a:buNone/>
+            </a:pPr>
+            <a:r>
+              <a:rPr lang="en" sz="1200" u="sng">
+                <a:solidFill>
+                  <a:schemeClr val="hlink"/>
+                </a:solidFill>
+                <a:hlinkClick r:id="rId4"/>
+              </a:rPr>
+              <a:t>https://public.tableau.com/views/ElectionsFinanceData/Dashboard1</a:t>
+            </a:r>
+            <a:endParaRPr sz="1200"/>
+          </a:p>
+          <a:p>
+            <a:pPr indent="0" lvl="0" marL="0" rtl="0" algn="l">
+              <a:lnSpc>
+                <a:spcPct val="100000"/>
+              </a:lnSpc>
+              <a:spcBef>
+                <a:spcPts val="1200"/>
+              </a:spcBef>
+              <a:spcAft>
+                <a:spcPts val="1200"/>
+              </a:spcAft>
+              <a:buNone/>
+            </a:pPr>
+            <a:r>
+              <a:t/>
+            </a:r>
+            <a:endParaRPr sz="1200"/>
+          </a:p>
+        </p:txBody>
+      </p:sp>
+      <p:sp>
+        <p:nvSpPr>
+          <p:cNvPr id="161" name="Google Shape;161;p28"/>
+          <p:cNvSpPr txBox="1"/>
+          <p:nvPr>
+            <p:ph idx="2" type="body"/>
+          </p:nvPr>
+        </p:nvSpPr>
+        <p:spPr>
+          <a:xfrm>
+            <a:off x="5650575" y="1169975"/>
+            <a:ext cx="3071400" cy="3435000"/>
+          </a:xfrm>
+          <a:prstGeom prst="rect">
+            <a:avLst/>
+          </a:prstGeom>
+        </p:spPr>
+        <p:txBody>
+          <a:bodyPr anchorCtr="0" anchor="t" bIns="91425" lIns="91425" spcFirstLastPara="1" rIns="91425" wrap="square" tIns="91425">
+            <a:noAutofit/>
+          </a:bodyPr>
+          <a:lstStyle/>
+          <a:p>
+            <a:pPr indent="0" lvl="0" marL="0" rtl="0" algn="l">
+              <a:spcBef>
+                <a:spcPts val="0"/>
+              </a:spcBef>
+              <a:spcAft>
+                <a:spcPts val="0"/>
+              </a:spcAft>
+              <a:buNone/>
+            </a:pPr>
+            <a:r>
+              <a:rPr b="1" lang="en" sz="1800">
+                <a:solidFill>
+                  <a:schemeClr val="accent3"/>
+                </a:solidFill>
+              </a:rPr>
+              <a:t>Our strategy:</a:t>
+            </a:r>
+            <a:endParaRPr b="1" sz="1800">
+              <a:solidFill>
+                <a:schemeClr val="accent3"/>
+              </a:solidFill>
+            </a:endParaRPr>
+          </a:p>
+          <a:p>
+            <a:pPr indent="0" lvl="0" marL="0" rtl="0" algn="l">
+              <a:spcBef>
+                <a:spcPts val="1600"/>
+              </a:spcBef>
+              <a:spcAft>
+                <a:spcPts val="1200"/>
+              </a:spcAft>
+              <a:buNone/>
+            </a:pPr>
+            <a:r>
+              <a:rPr lang="en" sz="1500"/>
+              <a:t>We have built our visualizations using Tableau.  Also, we have built our website using the Tableau JavaScript API, and have hosted it on Github.</a:t>
+            </a:r>
+            <a:endParaRPr sz="1500"/>
           </a:p>
         </p:txBody>
       </p:sp>
@@ -9861,8 +12022,8 @@
         </p:nvSpPr>
         <p:spPr>
           <a:xfrm>
-            <a:off x="2400250" y="575950"/>
-            <a:ext cx="6321600" cy="635400"/>
+            <a:off x="2516550" y="575950"/>
+            <a:ext cx="6205500" cy="635400"/>
           </a:xfrm>
           <a:prstGeom prst="rect">
             <a:avLst/>
@@ -9885,11 +12046,7 @@
             </a:pPr>
             <a:r>
               <a:rPr lang="en"/>
-              <a:t>Machine Learning</a:t>
-            </a:r>
-            <a:r>
-              <a:rPr lang="en"/>
-              <a:t>:</a:t>
+              <a:t>Dashboard API</a:t>
             </a:r>
             <a:endParaRPr/>
           </a:p>
@@ -9900,13 +12057,13 @@
           <p:cNvPr id="167" name="Google Shape;167;p29"/>
           <p:cNvSpPr txBox="1"/>
           <p:nvPr>
-            <p:ph idx="1" type="body"/>
-          </p:nvPr>
-        </p:nvSpPr>
-        <p:spPr>
-          <a:xfrm>
-            <a:off x="2400300" y="1361300"/>
-            <a:ext cx="6321600" cy="3243900"/>
+            <p:ph idx="2" type="body"/>
+          </p:nvPr>
+        </p:nvSpPr>
+        <p:spPr>
+          <a:xfrm>
+            <a:off x="2516500" y="1361175"/>
+            <a:ext cx="6205500" cy="3243900"/>
           </a:xfrm>
           <a:prstGeom prst="rect">
             <a:avLst/>
@@ -9918,97 +12075,72 @@
           </a:bodyPr>
           <a:lstStyle/>
           <a:p>
-            <a:pPr indent="-330200" lvl="0" marL="457200" rtl="0" algn="l">
-              <a:spcBef>
-                <a:spcPts val="0"/>
-              </a:spcBef>
-              <a:spcAft>
-                <a:spcPts val="0"/>
-              </a:spcAft>
-              <a:buSzPts val="1600"/>
+            <a:pPr indent="-323850" lvl="0" marL="457200" rtl="0" algn="l">
+              <a:spcBef>
+                <a:spcPts val="0"/>
+              </a:spcBef>
+              <a:spcAft>
+                <a:spcPts val="0"/>
+              </a:spcAft>
+              <a:buSzPts val="1500"/>
               <a:buChar char="●"/>
             </a:pPr>
             <a:r>
-              <a:rPr lang="en" sz="1600"/>
-              <a:t>We selected the Balanced Random Forest algorithm for our project to randomly undersample our data to balance it.</a:t>
-            </a:r>
-            <a:endParaRPr sz="1600"/>
-          </a:p>
-          <a:p>
-            <a:pPr indent="-330200" lvl="0" marL="457200" rtl="0" algn="l">
-              <a:spcBef>
-                <a:spcPts val="0"/>
-              </a:spcBef>
-              <a:spcAft>
-                <a:spcPts val="0"/>
-              </a:spcAft>
-              <a:buSzPts val="1600"/>
+              <a:rPr lang="en" sz="1500"/>
+              <a:t>We have a container in which each of the dashboards appear after clicking either the Previous or Next buttons.</a:t>
+            </a:r>
+            <a:endParaRPr sz="1500"/>
+          </a:p>
+          <a:p>
+            <a:pPr indent="-323850" lvl="0" marL="457200" rtl="0" algn="l">
+              <a:spcBef>
+                <a:spcPts val="0"/>
+              </a:spcBef>
+              <a:spcAft>
+                <a:spcPts val="0"/>
+              </a:spcAft>
+              <a:buSzPts val="1500"/>
               <a:buChar char="●"/>
             </a:pPr>
             <a:r>
-              <a:rPr lang="en" sz="1600"/>
-              <a:t>We chose a supervised learning approach, and despite already knowing the outcome, we used our data to see if the </a:t>
-            </a:r>
-            <a:r>
-              <a:rPr lang="en" sz="1600"/>
-              <a:t>ML</a:t>
-            </a:r>
-            <a:r>
-              <a:rPr lang="en" sz="1600"/>
-              <a:t> prediction matched said outcome.</a:t>
-            </a:r>
-            <a:endParaRPr sz="1600"/>
-          </a:p>
-          <a:p>
-            <a:pPr indent="-330200" lvl="0" marL="457200" rtl="0" algn="l">
-              <a:spcBef>
-                <a:spcPts val="0"/>
-              </a:spcBef>
-              <a:spcAft>
-                <a:spcPts val="0"/>
-              </a:spcAft>
-              <a:buSzPts val="1600"/>
+              <a:rPr lang="en" sz="1500"/>
+              <a:t>Upon entering the homepage, one is taken to the first dashboard, so the Previous button is disabled.</a:t>
+            </a:r>
+            <a:endParaRPr sz="1500"/>
+          </a:p>
+          <a:p>
+            <a:pPr indent="-323850" lvl="0" marL="457200" rtl="0" algn="l">
+              <a:spcBef>
+                <a:spcPts val="0"/>
+              </a:spcBef>
+              <a:spcAft>
+                <a:spcPts val="0"/>
+              </a:spcAft>
+              <a:buSzPts val="1500"/>
               <a:buChar char="●"/>
             </a:pPr>
             <a:r>
-              <a:rPr lang="en" sz="1600"/>
-              <a:t>We encoded the data using LabelEncoder to numerically process string values in our data.</a:t>
-            </a:r>
-            <a:endParaRPr sz="1600"/>
-          </a:p>
-          <a:p>
-            <a:pPr indent="-330200" lvl="0" marL="457200" rtl="0" algn="l">
-              <a:spcBef>
-                <a:spcPts val="0"/>
-              </a:spcBef>
-              <a:spcAft>
-                <a:spcPts val="0"/>
-              </a:spcAft>
-              <a:buSzPts val="1600"/>
+              <a:rPr lang="en" sz="1500"/>
+              <a:t>The Next button takes the user from the first dashboard to the next, and is then disabled once the user reaches the last dashboard.  The user can always click on the Home button to return to the homepage.</a:t>
+            </a:r>
+            <a:endParaRPr sz="1500"/>
+          </a:p>
+          <a:p>
+            <a:pPr indent="-323850" lvl="0" marL="457200" rtl="0" algn="l">
+              <a:spcBef>
+                <a:spcPts val="0"/>
+              </a:spcBef>
+              <a:spcAft>
+                <a:spcPts val="0"/>
+              </a:spcAft>
+              <a:buSzPts val="1500"/>
               <a:buChar char="●"/>
             </a:pPr>
             <a:r>
-              <a:rPr lang="en" sz="1600"/>
-              <a:t>We then tested our data using a train-test split model at a 70/30 ratio to carry out our predictions.</a:t>
-            </a:r>
-            <a:endParaRPr sz="1600"/>
-          </a:p>
-          <a:p>
-            <a:pPr indent="-330200" lvl="0" marL="457200" rtl="0" algn="l">
-              <a:spcBef>
-                <a:spcPts val="0"/>
-              </a:spcBef>
-              <a:spcAft>
-                <a:spcPts val="0"/>
-              </a:spcAft>
-              <a:buSzPts val="1600"/>
-              <a:buChar char="●"/>
-            </a:pPr>
-            <a:r>
-              <a:rPr lang="en" sz="1600"/>
-              <a:t>Finally, we created visualizations of our ML results to graphically present them for analysis.</a:t>
-            </a:r>
-            <a:endParaRPr sz="1600"/>
+              <a:rPr lang="en" sz="1500"/>
+              <a:t>Clicking on the Machine Learning Model shows all of the linear regression results for each election using ML, and for that dashboard, both the Previous and Next buttons are disabled.</a:t>
+            </a:r>
+            <a:endParaRPr sz="1500"/>
           </a:p>
         </p:txBody>
       </p:sp>
@@ -10047,8 +12179,8 @@
         </p:nvSpPr>
         <p:spPr>
           <a:xfrm>
-            <a:off x="2400250" y="575950"/>
-            <a:ext cx="6321600" cy="635400"/>
+            <a:off x="2516550" y="575950"/>
+            <a:ext cx="6205500" cy="635400"/>
           </a:xfrm>
           <a:prstGeom prst="rect">
             <a:avLst/>
@@ -10071,7 +12203,7 @@
             </a:pPr>
             <a:r>
               <a:rPr lang="en"/>
-              <a:t>Feature Selection</a:t>
+              <a:t>Dashboard API (continued)</a:t>
             </a:r>
             <a:endParaRPr/>
           </a:p>
@@ -10082,13 +12214,13 @@
           <p:cNvPr id="173" name="Google Shape;173;p30"/>
           <p:cNvSpPr txBox="1"/>
           <p:nvPr>
-            <p:ph idx="1" type="body"/>
-          </p:nvPr>
-        </p:nvSpPr>
-        <p:spPr>
-          <a:xfrm>
-            <a:off x="2400303" y="1602675"/>
-            <a:ext cx="3071400" cy="3002400"/>
+            <p:ph idx="2" type="body"/>
+          </p:nvPr>
+        </p:nvSpPr>
+        <p:spPr>
+          <a:xfrm>
+            <a:off x="2516500" y="1361175"/>
+            <a:ext cx="6205500" cy="3243900"/>
           </a:xfrm>
           <a:prstGeom prst="rect">
             <a:avLst/>
@@ -10100,58 +12232,55 @@
           </a:bodyPr>
           <a:lstStyle/>
           <a:p>
-            <a:pPr indent="0" lvl="0" marL="0" rtl="0" algn="l">
-              <a:spcBef>
-                <a:spcPts val="0"/>
-              </a:spcBef>
-              <a:spcAft>
-                <a:spcPts val="1600"/>
-              </a:spcAft>
-              <a:buNone/>
-            </a:pPr>
-            <a:r>
-              <a:t/>
-            </a:r>
-            <a:endParaRPr/>
-          </a:p>
-        </p:txBody>
-      </p:sp>
-      <p:sp>
-        <p:nvSpPr>
-          <p:cNvPr id="174" name="Google Shape;174;p30"/>
-          <p:cNvSpPr txBox="1"/>
-          <p:nvPr>
-            <p:ph idx="2" type="body"/>
-          </p:nvPr>
-        </p:nvSpPr>
-        <p:spPr>
-          <a:xfrm>
-            <a:off x="5650572" y="1602675"/>
-            <a:ext cx="3071400" cy="3002400"/>
-          </a:xfrm>
-          <a:prstGeom prst="rect">
-            <a:avLst/>
-          </a:prstGeom>
-        </p:spPr>
-        <p:txBody>
-          <a:bodyPr anchorCtr="0" anchor="t" bIns="91425" lIns="91425" spcFirstLastPara="1" rIns="91425" wrap="square" tIns="91425">
-            <a:noAutofit/>
-          </a:bodyPr>
-          <a:lstStyle/>
-          <a:p>
-            <a:pPr indent="0" lvl="0" marL="0" rtl="0" algn="l">
-              <a:spcBef>
-                <a:spcPts val="0"/>
-              </a:spcBef>
-              <a:spcAft>
-                <a:spcPts val="1600"/>
-              </a:spcAft>
-              <a:buNone/>
-            </a:pPr>
-            <a:r>
-              <a:t/>
-            </a:r>
-            <a:endParaRPr/>
+            <a:pPr indent="-323850" lvl="0" marL="457200" rtl="0" algn="l">
+              <a:spcBef>
+                <a:spcPts val="0"/>
+              </a:spcBef>
+              <a:spcAft>
+                <a:spcPts val="0"/>
+              </a:spcAft>
+              <a:buSzPts val="1500"/>
+              <a:buChar char="●"/>
+            </a:pPr>
+            <a:r>
+              <a:rPr lang="en" sz="1500"/>
+              <a:t>There is a graph that shows how many contributions came in for each of the candidates.  Here, the candidate name can be selected to see data changes in the map and quarterly contribution graphs.</a:t>
+            </a:r>
+            <a:endParaRPr sz="1500"/>
+          </a:p>
+          <a:p>
+            <a:pPr indent="-323850" lvl="0" marL="457200" rtl="0" algn="l">
+              <a:spcBef>
+                <a:spcPts val="0"/>
+              </a:spcBef>
+              <a:spcAft>
+                <a:spcPts val="0"/>
+              </a:spcAft>
+              <a:buSzPts val="1500"/>
+              <a:buChar char="●"/>
+            </a:pPr>
+            <a:r>
+              <a:rPr lang="en" sz="1500"/>
+              <a:t>The map is color-coded to better identify which zip codes had higher contributions.</a:t>
+            </a:r>
+            <a:endParaRPr sz="1500"/>
+          </a:p>
+          <a:p>
+            <a:pPr indent="-323850" lvl="0" marL="457200" rtl="0" algn="l">
+              <a:spcBef>
+                <a:spcPts val="0"/>
+              </a:spcBef>
+              <a:spcAft>
+                <a:spcPts val="0"/>
+              </a:spcAft>
+              <a:buSzPts val="1500"/>
+              <a:buChar char="●"/>
+            </a:pPr>
+            <a:r>
+              <a:rPr lang="en" sz="1500"/>
+              <a:t>Our visualization shows the top candidates sorted by the amount received and spent.  Highlight Hover action has been created on this page to enhance visual effects.</a:t>
+            </a:r>
+            <a:endParaRPr sz="1500"/>
           </a:p>
         </p:txBody>
       </p:sp>
@@ -10166,16 +12295,9 @@
 <file path=ppt/slides/slide19.xml><?xml version="1.0" encoding="utf-8"?>
 <p:sld xmlns:a="http://schemas.openxmlformats.org/drawingml/2006/main" xmlns:r="http://schemas.openxmlformats.org/officeDocument/2006/relationships" xmlns:mc="http://schemas.openxmlformats.org/markup-compatibility/2006" xmlns:mv="urn:schemas-microsoft-com:mac:vml" xmlns:p="http://schemas.openxmlformats.org/presentationml/2006/main" xmlns:c="http://schemas.openxmlformats.org/drawingml/2006/chart" xmlns:dgm="http://schemas.openxmlformats.org/drawingml/2006/diagram" xmlns:o="urn:schemas-microsoft-com:office:office" xmlns:v="urn:schemas-microsoft-com:vml" xmlns:pvml="urn:schemas-microsoft-com:office:powerpoint" xmlns:com="http://schemas.openxmlformats.org/drawingml/2006/compatibility" xmlns:p14="http://schemas.microsoft.com/office/powerpoint/2010/main" xmlns:p15="http://schemas.microsoft.com/office/powerpoint/2012/main" xmlns:ahyp="http://schemas.microsoft.com/office/drawing/2018/hyperlinkcolor">
   <p:cSld>
-    <p:bg>
-      <p:bgPr>
-        <a:solidFill>
-          <a:schemeClr val="accent3"/>
-        </a:solidFill>
-      </p:bgPr>
-    </p:bg>
     <p:spTree>
       <p:nvGrpSpPr>
-        <p:cNvPr id="178" name="Shape 178"/>
+        <p:cNvPr id="177" name="Shape 177"/>
         <p:cNvGrpSpPr/>
         <p:nvPr/>
       </p:nvGrpSpPr>
@@ -10189,7 +12311,7 @@
       </p:grpSpPr>
       <p:sp>
         <p:nvSpPr>
-          <p:cNvPr id="179" name="Google Shape;179;p31"/>
+          <p:cNvPr id="178" name="Google Shape;178;p31"/>
           <p:cNvSpPr txBox="1"/>
           <p:nvPr>
             <p:ph type="title"/>
@@ -10197,20 +12319,20 @@
         </p:nvSpPr>
         <p:spPr>
           <a:xfrm>
-            <a:off x="406425" y="1806825"/>
-            <a:ext cx="8296800" cy="1542000"/>
+            <a:off x="2516550" y="575950"/>
+            <a:ext cx="6205500" cy="635400"/>
           </a:xfrm>
           <a:prstGeom prst="rect">
             <a:avLst/>
           </a:prstGeom>
         </p:spPr>
         <p:txBody>
-          <a:bodyPr anchorCtr="0" anchor="ctr" bIns="91425" lIns="91425" spcFirstLastPara="1" rIns="91425" wrap="square" tIns="91425">
+          <a:bodyPr anchorCtr="0" anchor="t" bIns="91425" lIns="91425" spcFirstLastPara="1" rIns="91425" wrap="square" tIns="91425">
             <a:noAutofit/>
           </a:bodyPr>
           <a:lstStyle/>
           <a:p>
-            <a:pPr indent="0" lvl="0" marL="0" rtl="0" algn="ctr">
+            <a:pPr indent="0" lvl="0" marL="0" rtl="0" algn="l">
               <a:spcBef>
                 <a:spcPts val="0"/>
               </a:spcBef>
@@ -10221,9 +12343,89 @@
             </a:pPr>
             <a:r>
               <a:rPr lang="en"/>
-              <a:t>Results</a:t>
+              <a:t>Analysis</a:t>
             </a:r>
             <a:endParaRPr/>
+          </a:p>
+        </p:txBody>
+      </p:sp>
+      <p:sp>
+        <p:nvSpPr>
+          <p:cNvPr id="179" name="Google Shape;179;p31"/>
+          <p:cNvSpPr txBox="1"/>
+          <p:nvPr>
+            <p:ph idx="2" type="body"/>
+          </p:nvPr>
+        </p:nvSpPr>
+        <p:spPr>
+          <a:xfrm>
+            <a:off x="2516500" y="1361175"/>
+            <a:ext cx="6205500" cy="3243900"/>
+          </a:xfrm>
+          <a:prstGeom prst="rect">
+            <a:avLst/>
+          </a:prstGeom>
+        </p:spPr>
+        <p:txBody>
+          <a:bodyPr anchorCtr="0" anchor="t" bIns="91425" lIns="91425" spcFirstLastPara="1" rIns="91425" wrap="square" tIns="91425">
+            <a:noAutofit/>
+          </a:bodyPr>
+          <a:lstStyle/>
+          <a:p>
+            <a:pPr indent="0" lvl="0" marL="0" rtl="0" algn="l">
+              <a:spcBef>
+                <a:spcPts val="0"/>
+              </a:spcBef>
+              <a:spcAft>
+                <a:spcPts val="0"/>
+              </a:spcAft>
+              <a:buNone/>
+            </a:pPr>
+            <a:r>
+              <a:rPr b="1" lang="en" sz="2000">
+                <a:solidFill>
+                  <a:schemeClr val="accent3"/>
+                </a:solidFill>
+              </a:rPr>
+              <a:t>What will our visualizations tell us?</a:t>
+            </a:r>
+            <a:endParaRPr b="1" sz="2000">
+              <a:solidFill>
+                <a:schemeClr val="accent3"/>
+              </a:solidFill>
+            </a:endParaRPr>
+          </a:p>
+          <a:p>
+            <a:pPr indent="0" lvl="0" marL="0" rtl="0" algn="l">
+              <a:spcBef>
+                <a:spcPts val="1600"/>
+              </a:spcBef>
+              <a:spcAft>
+                <a:spcPts val="0"/>
+              </a:spcAft>
+              <a:buNone/>
+            </a:pPr>
+            <a:r>
+              <a:rPr lang="en" sz="1700"/>
+              <a:t>We have tried to visually understand how some of the data variables differ for a given candidate, such as ZIP codes, quarters (of a year), number and total amount of contributions, and total amount of expenditures per election year.</a:t>
+            </a:r>
+            <a:endParaRPr sz="1700"/>
+          </a:p>
+          <a:p>
+            <a:pPr indent="0" lvl="0" marL="0" rtl="0" algn="l">
+              <a:spcBef>
+                <a:spcPts val="1200"/>
+              </a:spcBef>
+              <a:spcAft>
+                <a:spcPts val="1200"/>
+              </a:spcAft>
+              <a:buNone/>
+            </a:pPr>
+            <a:r>
+              <a:rPr lang="en" sz="1700"/>
+              <a:t>We have contributions and expenditures received and spent for each participating candidate.  The range we have chosen is between 2001 and 2021 (the general election for the latter has yet to take place,) inclusive.</a:t>
+            </a:r>
+            <a:endParaRPr sz="1700"/>
           </a:p>
         </p:txBody>
       </p:sp>
@@ -10430,20 +12632,20 @@
           <p:cNvPr id="184" name="Google Shape;184;p32"/>
           <p:cNvSpPr txBox="1"/>
           <p:nvPr>
-            <p:ph idx="1" type="body"/>
-          </p:nvPr>
-        </p:nvSpPr>
-        <p:spPr>
-          <a:xfrm>
-            <a:off x="328017" y="4226025"/>
-            <a:ext cx="8388600" cy="393600"/>
+            <p:ph type="title"/>
+          </p:nvPr>
+        </p:nvSpPr>
+        <p:spPr>
+          <a:xfrm>
+            <a:off x="2516550" y="575950"/>
+            <a:ext cx="6205500" cy="635400"/>
           </a:xfrm>
           <a:prstGeom prst="rect">
             <a:avLst/>
           </a:prstGeom>
         </p:spPr>
         <p:txBody>
-          <a:bodyPr anchorCtr="0" anchor="ctr" bIns="91425" lIns="91425" spcFirstLastPara="1" rIns="91425" wrap="square" tIns="91425">
+          <a:bodyPr anchorCtr="0" anchor="t" bIns="91425" lIns="91425" spcFirstLastPara="1" rIns="91425" wrap="square" tIns="91425">
             <a:noAutofit/>
           </a:bodyPr>
           <a:lstStyle/>
@@ -10458,71 +12660,111 @@
               <a:buNone/>
             </a:pPr>
             <a:r>
-              <a:rPr lang="en" sz="1700"/>
-              <a:t>Total c</a:t>
-            </a:r>
-            <a:r>
-              <a:rPr lang="en" sz="1700"/>
-              <a:t>ontributions, by category of contribution (left) and by contributor type (right)</a:t>
-            </a:r>
-            <a:endParaRPr sz="1700"/>
+              <a:rPr lang="en"/>
+              <a:t>Analysis (continued)</a:t>
+            </a:r>
+            <a:endParaRPr/>
           </a:p>
         </p:txBody>
       </p:sp>
-      <p:pic>
-        <p:nvPicPr>
+      <p:sp>
+        <p:nvSpPr>
           <p:cNvPr id="185" name="Google Shape;185;p32"/>
-          <p:cNvPicPr preferRelativeResize="0"/>
-          <p:nvPr/>
-        </p:nvPicPr>
-        <p:blipFill rotWithShape="1">
-          <a:blip r:embed="rId3">
-            <a:alphaModFix/>
-          </a:blip>
-          <a:srcRect b="0" l="2281" r="2271" t="0"/>
-          <a:stretch/>
-        </p:blipFill>
-        <p:spPr>
-          <a:xfrm>
-            <a:off x="328025" y="203900"/>
-            <a:ext cx="3543300" cy="3762375"/>
+          <p:cNvSpPr txBox="1"/>
+          <p:nvPr>
+            <p:ph idx="2" type="body"/>
+          </p:nvPr>
+        </p:nvSpPr>
+        <p:spPr>
+          <a:xfrm>
+            <a:off x="2516500" y="1361175"/>
+            <a:ext cx="6205500" cy="3243900"/>
           </a:xfrm>
           <a:prstGeom prst="rect">
             <a:avLst/>
           </a:prstGeom>
-          <a:noFill/>
-          <a:ln>
-            <a:noFill/>
-          </a:ln>
-        </p:spPr>
-      </p:pic>
-      <p:pic>
-        <p:nvPicPr>
-          <p:cNvPr id="186" name="Google Shape;186;p32"/>
-          <p:cNvPicPr preferRelativeResize="0"/>
-          <p:nvPr/>
-        </p:nvPicPr>
-        <p:blipFill rotWithShape="1">
-          <a:blip r:embed="rId4">
-            <a:alphaModFix/>
-          </a:blip>
-          <a:srcRect b="0" l="2281" r="2271" t="0"/>
-          <a:stretch/>
-        </p:blipFill>
-        <p:spPr>
-          <a:xfrm>
-            <a:off x="5173325" y="203900"/>
-            <a:ext cx="3543300" cy="3762375"/>
-          </a:xfrm>
-          <a:prstGeom prst="rect">
-            <a:avLst/>
-          </a:prstGeom>
-          <a:noFill/>
-          <a:ln>
-            <a:noFill/>
-          </a:ln>
-        </p:spPr>
-      </p:pic>
+        </p:spPr>
+        <p:txBody>
+          <a:bodyPr anchorCtr="0" anchor="t" bIns="91425" lIns="91425" spcFirstLastPara="1" rIns="91425" wrap="square" tIns="91425">
+            <a:noAutofit/>
+          </a:bodyPr>
+          <a:lstStyle/>
+          <a:p>
+            <a:pPr indent="0" lvl="0" marL="0" rtl="0" algn="l">
+              <a:spcBef>
+                <a:spcPts val="0"/>
+              </a:spcBef>
+              <a:spcAft>
+                <a:spcPts val="0"/>
+              </a:spcAft>
+              <a:buNone/>
+            </a:pPr>
+            <a:r>
+              <a:rPr b="1" lang="en" sz="2000">
+                <a:solidFill>
+                  <a:schemeClr val="accent3"/>
+                </a:solidFill>
+              </a:rPr>
+              <a:t>How do we add interactive elements to our dashboard?</a:t>
+            </a:r>
+            <a:endParaRPr b="1" sz="2000">
+              <a:solidFill>
+                <a:schemeClr val="accent3"/>
+              </a:solidFill>
+            </a:endParaRPr>
+          </a:p>
+          <a:p>
+            <a:pPr indent="0" lvl="0" marL="0" rtl="0" algn="l">
+              <a:spcBef>
+                <a:spcPts val="1600"/>
+              </a:spcBef>
+              <a:spcAft>
+                <a:spcPts val="0"/>
+              </a:spcAft>
+              <a:buNone/>
+            </a:pPr>
+            <a:r>
+              <a:rPr lang="en" sz="1500"/>
+              <a:t>We have added interactive elements to our dashboard, as follows:</a:t>
+            </a:r>
+            <a:endParaRPr sz="1500"/>
+          </a:p>
+          <a:p>
+            <a:pPr indent="-323850" lvl="0" marL="457200" rtl="0" algn="l">
+              <a:spcBef>
+                <a:spcPts val="1200"/>
+              </a:spcBef>
+              <a:spcAft>
+                <a:spcPts val="0"/>
+              </a:spcAft>
+              <a:buSzPts val="1500"/>
+              <a:buChar char="●"/>
+            </a:pPr>
+            <a:r>
+              <a:rPr lang="en" sz="1500"/>
+              <a:t>We have added filters to our dashboard, making them available via the All Using Related Data Sources option, so that any selection through the filter applies to all worksheets that are in any way related to the data source.</a:t>
+            </a:r>
+            <a:endParaRPr sz="1500"/>
+          </a:p>
+          <a:p>
+            <a:pPr indent="-323850" lvl="0" marL="457200" rtl="0" algn="l">
+              <a:spcBef>
+                <a:spcPts val="0"/>
+              </a:spcBef>
+              <a:spcAft>
+                <a:spcPts val="0"/>
+              </a:spcAft>
+              <a:buSzPts val="1500"/>
+              <a:buChar char="●"/>
+            </a:pPr>
+            <a:r>
+              <a:rPr lang="en" sz="1500"/>
+              <a:t>Please note that we have used multiple data sources and have used the Edit Blend Relationships option to link primary and secondary data sources.</a:t>
+            </a:r>
+            <a:endParaRPr sz="1500"/>
+          </a:p>
+        </p:txBody>
+      </p:sp>
     </p:spTree>
   </p:cSld>
   <p:clrMapOvr>
@@ -10536,7 +12778,7 @@
   <p:cSld>
     <p:spTree>
       <p:nvGrpSpPr>
-        <p:cNvPr id="190" name="Shape 190"/>
+        <p:cNvPr id="189" name="Shape 189"/>
         <p:cNvGrpSpPr/>
         <p:nvPr/>
       </p:nvGrpSpPr>
@@ -10550,7 +12792,7 @@
       </p:grpSpPr>
       <p:sp>
         <p:nvSpPr>
-          <p:cNvPr id="191" name="Google Shape;191;p33"/>
+          <p:cNvPr id="190" name="Google Shape;190;p33"/>
           <p:cNvSpPr txBox="1"/>
           <p:nvPr>
             <p:ph type="title"/>
@@ -10558,8 +12800,8 @@
         </p:nvSpPr>
         <p:spPr>
           <a:xfrm>
-            <a:off x="2400250" y="575950"/>
-            <a:ext cx="6321600" cy="635400"/>
+            <a:off x="2516550" y="575950"/>
+            <a:ext cx="6205500" cy="635400"/>
           </a:xfrm>
           <a:prstGeom prst="rect">
             <a:avLst/>
@@ -10582,7 +12824,7 @@
             </a:pPr>
             <a:r>
               <a:rPr lang="en"/>
-              <a:t>Reserved for data summary</a:t>
+              <a:t>Analysis (continued)</a:t>
             </a:r>
             <a:endParaRPr/>
           </a:p>
@@ -10590,16 +12832,16 @@
       </p:sp>
       <p:sp>
         <p:nvSpPr>
-          <p:cNvPr id="192" name="Google Shape;192;p33"/>
+          <p:cNvPr id="191" name="Google Shape;191;p33"/>
           <p:cNvSpPr txBox="1"/>
           <p:nvPr>
-            <p:ph idx="1" type="body"/>
-          </p:nvPr>
-        </p:nvSpPr>
-        <p:spPr>
-          <a:xfrm>
-            <a:off x="2410112" y="1595776"/>
-            <a:ext cx="6321600" cy="3002400"/>
+            <p:ph idx="2" type="body"/>
+          </p:nvPr>
+        </p:nvSpPr>
+        <p:spPr>
+          <a:xfrm>
+            <a:off x="2516500" y="1361175"/>
+            <a:ext cx="6205500" cy="3243900"/>
           </a:xfrm>
           <a:prstGeom prst="rect">
             <a:avLst/>
@@ -10621,145 +12863,52 @@
               <a:buNone/>
             </a:pPr>
             <a:r>
-              <a:rPr b="1" lang="en" sz="2100">
+              <a:rPr b="1" lang="en" sz="2000">
                 <a:solidFill>
                   <a:schemeClr val="accent3"/>
                 </a:solidFill>
               </a:rPr>
-              <a:t>Assignment 1</a:t>
-            </a:r>
-            <a:endParaRPr b="1" sz="2100">
+              <a:t>How do we add interactive elements to our dashboard? (continued)</a:t>
+            </a:r>
+            <a:endParaRPr b="1" sz="2000">
               <a:solidFill>
                 <a:schemeClr val="accent3"/>
               </a:solidFill>
             </a:endParaRPr>
           </a:p>
           <a:p>
-            <a:pPr indent="0" lvl="0" marL="0" rtl="0" algn="l">
-              <a:spcBef>
-                <a:spcPts val="0"/>
-              </a:spcBef>
-              <a:spcAft>
-                <a:spcPts val="0"/>
-              </a:spcAft>
-              <a:buNone/>
-            </a:pPr>
-            <a:r>
-              <a:rPr lang="en" sz="1600"/>
-              <a:t>Lorem ipsum dolor sit amet</a:t>
-            </a:r>
-            <a:endParaRPr sz="1600"/>
-          </a:p>
-          <a:p>
-            <a:pPr indent="0" lvl="0" marL="0" rtl="0" algn="l">
-              <a:spcBef>
-                <a:spcPts val="0"/>
-              </a:spcBef>
-              <a:spcAft>
-                <a:spcPts val="0"/>
-              </a:spcAft>
-              <a:buNone/>
-            </a:pPr>
-            <a:r>
-              <a:rPr lang="en" sz="1600"/>
-              <a:t>Consectetur adipiscing elit, sed do eiusmod tempor</a:t>
-            </a:r>
-            <a:endParaRPr sz="1600"/>
-          </a:p>
-          <a:p>
-            <a:pPr indent="0" lvl="0" marL="0" rtl="0" algn="l">
+            <a:pPr indent="-323850" lvl="0" marL="457200" rtl="0" algn="l">
               <a:spcBef>
                 <a:spcPts val="1600"/>
               </a:spcBef>
               <a:spcAft>
                 <a:spcPts val="0"/>
               </a:spcAft>
-              <a:buNone/>
-            </a:pPr>
-            <a:r>
-              <a:rPr b="1" lang="en" sz="2100">
-                <a:solidFill>
-                  <a:schemeClr val="accent3"/>
-                </a:solidFill>
-              </a:rPr>
-              <a:t>Assignment 2</a:t>
-            </a:r>
-            <a:endParaRPr b="1" sz="2100">
-              <a:solidFill>
-                <a:schemeClr val="accent3"/>
-              </a:solidFill>
-            </a:endParaRPr>
-          </a:p>
-          <a:p>
-            <a:pPr indent="0" lvl="0" marL="0" rtl="0" algn="l">
-              <a:spcBef>
-                <a:spcPts val="0"/>
-              </a:spcBef>
-              <a:spcAft>
-                <a:spcPts val="0"/>
-              </a:spcAft>
-              <a:buNone/>
-            </a:pPr>
-            <a:r>
-              <a:rPr lang="en" sz="1600"/>
-              <a:t>Lorem ipsum dolor sit amet</a:t>
-            </a:r>
-            <a:endParaRPr sz="1600"/>
-          </a:p>
-          <a:p>
-            <a:pPr indent="0" lvl="0" marL="0" rtl="0" algn="l">
-              <a:spcBef>
-                <a:spcPts val="1600"/>
-              </a:spcBef>
-              <a:spcAft>
-                <a:spcPts val="0"/>
-              </a:spcAft>
-              <a:buNone/>
-            </a:pPr>
-            <a:r>
-              <a:rPr b="1" lang="en" sz="2100">
-                <a:solidFill>
-                  <a:schemeClr val="accent3"/>
-                </a:solidFill>
-              </a:rPr>
-              <a:t>Assignment 3</a:t>
-            </a:r>
-            <a:endParaRPr b="1" sz="2100">
-              <a:solidFill>
-                <a:schemeClr val="accent3"/>
-              </a:solidFill>
-            </a:endParaRPr>
-          </a:p>
-          <a:p>
-            <a:pPr indent="0" lvl="0" marL="0" rtl="0" algn="l">
-              <a:spcBef>
-                <a:spcPts val="0"/>
-              </a:spcBef>
-              <a:spcAft>
-                <a:spcPts val="0"/>
-              </a:spcAft>
-              <a:buNone/>
-            </a:pPr>
-            <a:r>
-              <a:rPr lang="en" sz="1600"/>
-              <a:t>Consectetur adipiscing elit, sed do eiusmod tempor</a:t>
-            </a:r>
-            <a:endParaRPr sz="1600"/>
-          </a:p>
-          <a:p>
-            <a:pPr indent="0" lvl="0" marL="0" rtl="0" algn="l">
-              <a:spcBef>
-                <a:spcPts val="1200"/>
-              </a:spcBef>
-              <a:spcAft>
-                <a:spcPts val="1600"/>
-              </a:spcAft>
-              <a:buNone/>
-            </a:pPr>
-            <a:r>
-              <a:t/>
-            </a:r>
-            <a:endParaRPr sz="2400"/>
+              <a:buSzPts val="1500"/>
+              <a:buChar char="●"/>
+            </a:pPr>
+            <a:r>
+              <a:rPr lang="en" sz="1500"/>
+              <a:t>We have added Highlight Actions to our dashboard which work when a user hovers over the source sheets.</a:t>
+            </a:r>
+            <a:endParaRPr sz="1500"/>
+          </a:p>
+          <a:p>
+            <a:pPr indent="-323850" lvl="0" marL="457200" rtl="0" algn="l">
+              <a:spcBef>
+                <a:spcPts val="0"/>
+              </a:spcBef>
+              <a:spcAft>
+                <a:spcPts val="0"/>
+              </a:spcAft>
+              <a:buSzPts val="1500"/>
+              <a:buChar char="●"/>
+            </a:pPr>
+            <a:r>
+              <a:rPr lang="en" sz="1500"/>
+              <a:t>We have added interactive text to our dashboard which dynamically change the text based on which election year was selected.</a:t>
+            </a:r>
+            <a:endParaRPr sz="1500"/>
           </a:p>
         </p:txBody>
       </p:sp>
@@ -10774,9 +12923,16 @@
 <file path=ppt/slides/slide22.xml><?xml version="1.0" encoding="utf-8"?>
 <p:sld xmlns:a="http://schemas.openxmlformats.org/drawingml/2006/main" xmlns:r="http://schemas.openxmlformats.org/officeDocument/2006/relationships" xmlns:mc="http://schemas.openxmlformats.org/markup-compatibility/2006" xmlns:mv="urn:schemas-microsoft-com:mac:vml" xmlns:p="http://schemas.openxmlformats.org/presentationml/2006/main" xmlns:c="http://schemas.openxmlformats.org/drawingml/2006/chart" xmlns:dgm="http://schemas.openxmlformats.org/drawingml/2006/diagram" xmlns:o="urn:schemas-microsoft-com:office:office" xmlns:v="urn:schemas-microsoft-com:vml" xmlns:pvml="urn:schemas-microsoft-com:office:powerpoint" xmlns:com="http://schemas.openxmlformats.org/drawingml/2006/compatibility" xmlns:p14="http://schemas.microsoft.com/office/powerpoint/2010/main" xmlns:p15="http://schemas.microsoft.com/office/powerpoint/2012/main" xmlns:ahyp="http://schemas.microsoft.com/office/drawing/2018/hyperlinkcolor">
   <p:cSld>
+    <p:bg>
+      <p:bgPr>
+        <a:solidFill>
+          <a:schemeClr val="accent3"/>
+        </a:solidFill>
+      </p:bgPr>
+    </p:bg>
     <p:spTree>
       <p:nvGrpSpPr>
-        <p:cNvPr id="196" name="Shape 196"/>
+        <p:cNvPr id="195" name="Shape 195"/>
         <p:cNvGrpSpPr/>
         <p:nvPr/>
       </p:nvGrpSpPr>
@@ -10790,7 +12946,7 @@
       </p:grpSpPr>
       <p:sp>
         <p:nvSpPr>
-          <p:cNvPr id="197" name="Google Shape;197;p34"/>
+          <p:cNvPr id="196" name="Google Shape;196;p34"/>
           <p:cNvSpPr txBox="1"/>
           <p:nvPr>
             <p:ph type="title"/>
@@ -10798,8 +12954,8 @@
         </p:nvSpPr>
         <p:spPr>
           <a:xfrm>
-            <a:off x="265500" y="1912650"/>
-            <a:ext cx="4045200" cy="1318200"/>
+            <a:off x="406425" y="1806825"/>
+            <a:ext cx="8296800" cy="1542000"/>
           </a:xfrm>
           <a:prstGeom prst="rect">
             <a:avLst/>
@@ -10821,33 +12977,289 @@
               <a:buNone/>
             </a:pPr>
             <a:r>
-              <a:rPr lang="en">
-                <a:solidFill>
-                  <a:schemeClr val="accent3"/>
-                </a:solidFill>
-              </a:rPr>
-              <a:t>Summary</a:t>
-            </a:r>
-            <a:endParaRPr>
-              <a:solidFill>
-                <a:schemeClr val="accent3"/>
-              </a:solidFill>
-            </a:endParaRPr>
+              <a:rPr lang="en"/>
+              <a:t>SQL</a:t>
+            </a:r>
+            <a:endParaRPr/>
           </a:p>
         </p:txBody>
       </p:sp>
-      <p:sp>
-        <p:nvSpPr>
-          <p:cNvPr id="198" name="Google Shape;198;p34"/>
+    </p:spTree>
+  </p:cSld>
+  <p:clrMapOvr>
+    <a:masterClrMapping/>
+  </p:clrMapOvr>
+</p:sld>
+</file>
+
+<file path=ppt/slides/slide23.xml><?xml version="1.0" encoding="utf-8"?>
+<p:sld xmlns:a="http://schemas.openxmlformats.org/drawingml/2006/main" xmlns:r="http://schemas.openxmlformats.org/officeDocument/2006/relationships" xmlns:mc="http://schemas.openxmlformats.org/markup-compatibility/2006" xmlns:mv="urn:schemas-microsoft-com:mac:vml" xmlns:p="http://schemas.openxmlformats.org/presentationml/2006/main" xmlns:c="http://schemas.openxmlformats.org/drawingml/2006/chart" xmlns:dgm="http://schemas.openxmlformats.org/drawingml/2006/diagram" xmlns:o="urn:schemas-microsoft-com:office:office" xmlns:v="urn:schemas-microsoft-com:vml" xmlns:pvml="urn:schemas-microsoft-com:office:powerpoint" xmlns:com="http://schemas.openxmlformats.org/drawingml/2006/compatibility" xmlns:p14="http://schemas.microsoft.com/office/powerpoint/2010/main" xmlns:p15="http://schemas.microsoft.com/office/powerpoint/2012/main" xmlns:ahyp="http://schemas.microsoft.com/office/drawing/2018/hyperlinkcolor">
+  <p:cSld>
+    <p:spTree>
+      <p:nvGrpSpPr>
+        <p:cNvPr id="200" name="Shape 200"/>
+        <p:cNvGrpSpPr/>
+        <p:nvPr/>
+      </p:nvGrpSpPr>
+      <p:grpSpPr>
+        <a:xfrm>
+          <a:off x="0" y="0"/>
+          <a:ext cx="0" cy="0"/>
+          <a:chOff x="0" y="0"/>
+          <a:chExt cx="0" cy="0"/>
+        </a:xfrm>
+      </p:grpSpPr>
+      <p:sp>
+        <p:nvSpPr>
+          <p:cNvPr id="201" name="Google Shape;201;p35"/>
           <p:cNvSpPr txBox="1"/>
           <p:nvPr>
+            <p:ph type="title"/>
+          </p:nvPr>
+        </p:nvSpPr>
+        <p:spPr>
+          <a:xfrm>
+            <a:off x="2516550" y="575950"/>
+            <a:ext cx="6205500" cy="635400"/>
+          </a:xfrm>
+          <a:prstGeom prst="rect">
+            <a:avLst/>
+          </a:prstGeom>
+        </p:spPr>
+        <p:txBody>
+          <a:bodyPr anchorCtr="0" anchor="t" bIns="91425" lIns="91425" spcFirstLastPara="1" rIns="91425" wrap="square" tIns="91425">
+            <a:noAutofit/>
+          </a:bodyPr>
+          <a:lstStyle/>
+          <a:p>
+            <a:pPr indent="0" lvl="0" marL="0" rtl="0" algn="l">
+              <a:spcBef>
+                <a:spcPts val="0"/>
+              </a:spcBef>
+              <a:spcAft>
+                <a:spcPts val="0"/>
+              </a:spcAft>
+              <a:buNone/>
+            </a:pPr>
+            <a:r>
+              <a:rPr lang="en"/>
+              <a:t>SQL Overview</a:t>
+            </a:r>
+            <a:endParaRPr/>
+          </a:p>
+        </p:txBody>
+      </p:sp>
+      <p:sp>
+        <p:nvSpPr>
+          <p:cNvPr id="202" name="Google Shape;202;p35"/>
+          <p:cNvSpPr txBox="1"/>
+          <p:nvPr>
             <p:ph idx="2" type="body"/>
           </p:nvPr>
         </p:nvSpPr>
         <p:spPr>
           <a:xfrm>
-            <a:off x="4939500" y="724200"/>
-            <a:ext cx="3837000" cy="3695100"/>
+            <a:off x="2516500" y="1361175"/>
+            <a:ext cx="6205500" cy="3243900"/>
+          </a:xfrm>
+          <a:prstGeom prst="rect">
+            <a:avLst/>
+          </a:prstGeom>
+        </p:spPr>
+        <p:txBody>
+          <a:bodyPr anchorCtr="0" anchor="t" bIns="91425" lIns="91425" spcFirstLastPara="1" rIns="91425" wrap="square" tIns="91425">
+            <a:noAutofit/>
+          </a:bodyPr>
+          <a:lstStyle/>
+          <a:p>
+            <a:pPr indent="-330200" lvl="0" marL="457200" rtl="0" algn="l">
+              <a:spcBef>
+                <a:spcPts val="0"/>
+              </a:spcBef>
+              <a:spcAft>
+                <a:spcPts val="0"/>
+              </a:spcAft>
+              <a:buSzPts val="1600"/>
+              <a:buChar char="●"/>
+            </a:pPr>
+            <a:r>
+              <a:rPr lang="en" sz="1600"/>
+              <a:t>We used a pgAdmin4 SQL interface stored on Amazon Web Services to store and analyze the cleaned data.</a:t>
+            </a:r>
+            <a:endParaRPr sz="1600"/>
+          </a:p>
+          <a:p>
+            <a:pPr indent="-330200" lvl="0" marL="457200" rtl="0" algn="l">
+              <a:spcBef>
+                <a:spcPts val="0"/>
+              </a:spcBef>
+              <a:spcAft>
+                <a:spcPts val="0"/>
+              </a:spcAft>
+              <a:buSzPts val="1600"/>
+              <a:buChar char="●"/>
+            </a:pPr>
+            <a:r>
+              <a:rPr lang="en" sz="1600"/>
+              <a:t>Within SQL, we joined and merged the Committee, Individual, and Expenditure reports into a single table for each election year to further test using ML.</a:t>
+            </a:r>
+            <a:endParaRPr sz="1600"/>
+          </a:p>
+          <a:p>
+            <a:pPr indent="-330200" lvl="0" marL="457200" rtl="0" algn="l">
+              <a:spcBef>
+                <a:spcPts val="0"/>
+              </a:spcBef>
+              <a:spcAft>
+                <a:spcPts val="0"/>
+              </a:spcAft>
+              <a:buSzPts val="1600"/>
+              <a:buChar char="●"/>
+            </a:pPr>
+            <a:r>
+              <a:rPr lang="en" sz="1600"/>
+              <a:t>After processing the data within the interface, we exported the SQL tables from our server and established a connection to Jupyter Notebook (Pandas) for ML analysis.</a:t>
+            </a:r>
+            <a:endParaRPr sz="1600"/>
+          </a:p>
+        </p:txBody>
+      </p:sp>
+    </p:spTree>
+  </p:cSld>
+  <p:clrMapOvr>
+    <a:masterClrMapping/>
+  </p:clrMapOvr>
+</p:sld>
+</file>
+
+<file path=ppt/slides/slide24.xml><?xml version="1.0" encoding="utf-8"?>
+<p:sld xmlns:a="http://schemas.openxmlformats.org/drawingml/2006/main" xmlns:r="http://schemas.openxmlformats.org/officeDocument/2006/relationships" xmlns:mc="http://schemas.openxmlformats.org/markup-compatibility/2006" xmlns:mv="urn:schemas-microsoft-com:mac:vml" xmlns:p="http://schemas.openxmlformats.org/presentationml/2006/main" xmlns:c="http://schemas.openxmlformats.org/drawingml/2006/chart" xmlns:dgm="http://schemas.openxmlformats.org/drawingml/2006/diagram" xmlns:o="urn:schemas-microsoft-com:office:office" xmlns:v="urn:schemas-microsoft-com:vml" xmlns:pvml="urn:schemas-microsoft-com:office:powerpoint" xmlns:com="http://schemas.openxmlformats.org/drawingml/2006/compatibility" xmlns:p14="http://schemas.microsoft.com/office/powerpoint/2010/main" xmlns:p15="http://schemas.microsoft.com/office/powerpoint/2012/main" xmlns:ahyp="http://schemas.microsoft.com/office/drawing/2018/hyperlinkcolor">
+  <p:cSld>
+    <p:spTree>
+      <p:nvGrpSpPr>
+        <p:cNvPr id="206" name="Shape 206"/>
+        <p:cNvGrpSpPr/>
+        <p:nvPr/>
+      </p:nvGrpSpPr>
+      <p:grpSpPr>
+        <a:xfrm>
+          <a:off x="0" y="0"/>
+          <a:ext cx="0" cy="0"/>
+          <a:chOff x="0" y="0"/>
+          <a:chExt cx="0" cy="0"/>
+        </a:xfrm>
+      </p:grpSpPr>
+      <p:sp>
+        <p:nvSpPr>
+          <p:cNvPr id="207" name="Google Shape;207;p36"/>
+          <p:cNvSpPr txBox="1"/>
+          <p:nvPr>
+            <p:ph type="title"/>
+          </p:nvPr>
+        </p:nvSpPr>
+        <p:spPr>
+          <a:xfrm>
+            <a:off x="2400250" y="575950"/>
+            <a:ext cx="6321600" cy="635400"/>
+          </a:xfrm>
+          <a:prstGeom prst="rect">
+            <a:avLst/>
+          </a:prstGeom>
+        </p:spPr>
+        <p:txBody>
+          <a:bodyPr anchorCtr="0" anchor="t" bIns="91425" lIns="91425" spcFirstLastPara="1" rIns="91425" wrap="square" tIns="91425">
+            <a:noAutofit/>
+          </a:bodyPr>
+          <a:lstStyle/>
+          <a:p>
+            <a:pPr indent="0" lvl="0" marL="0" rtl="0" algn="l">
+              <a:spcBef>
+                <a:spcPts val="0"/>
+              </a:spcBef>
+              <a:spcAft>
+                <a:spcPts val="0"/>
+              </a:spcAft>
+              <a:buNone/>
+            </a:pPr>
+            <a:r>
+              <a:rPr lang="en"/>
+              <a:t>ERD Diagram</a:t>
+            </a:r>
+            <a:endParaRPr/>
+          </a:p>
+        </p:txBody>
+      </p:sp>
+      <p:pic>
+        <p:nvPicPr>
+          <p:cNvPr id="208" name="Google Shape;208;p36"/>
+          <p:cNvPicPr preferRelativeResize="0"/>
+          <p:nvPr/>
+        </p:nvPicPr>
+        <p:blipFill rotWithShape="1">
+          <a:blip r:embed="rId3">
+            <a:alphaModFix/>
+          </a:blip>
+          <a:srcRect b="0" l="0" r="0" t="0"/>
+          <a:stretch/>
+        </p:blipFill>
+        <p:spPr>
+          <a:xfrm>
+            <a:off x="2480138" y="1137725"/>
+            <a:ext cx="6185281" cy="3627349"/>
+          </a:xfrm>
+          <a:prstGeom prst="rect">
+            <a:avLst/>
+          </a:prstGeom>
+          <a:noFill/>
+          <a:ln>
+            <a:noFill/>
+          </a:ln>
+        </p:spPr>
+      </p:pic>
+    </p:spTree>
+  </p:cSld>
+  <p:clrMapOvr>
+    <a:masterClrMapping/>
+  </p:clrMapOvr>
+</p:sld>
+</file>
+
+<file path=ppt/slides/slide25.xml><?xml version="1.0" encoding="utf-8"?>
+<p:sld xmlns:a="http://schemas.openxmlformats.org/drawingml/2006/main" xmlns:r="http://schemas.openxmlformats.org/officeDocument/2006/relationships" xmlns:mc="http://schemas.openxmlformats.org/markup-compatibility/2006" xmlns:mv="urn:schemas-microsoft-com:mac:vml" xmlns:p="http://schemas.openxmlformats.org/presentationml/2006/main" xmlns:c="http://schemas.openxmlformats.org/drawingml/2006/chart" xmlns:dgm="http://schemas.openxmlformats.org/drawingml/2006/diagram" xmlns:o="urn:schemas-microsoft-com:office:office" xmlns:v="urn:schemas-microsoft-com:vml" xmlns:pvml="urn:schemas-microsoft-com:office:powerpoint" xmlns:com="http://schemas.openxmlformats.org/drawingml/2006/compatibility" xmlns:p14="http://schemas.microsoft.com/office/powerpoint/2010/main" xmlns:p15="http://schemas.microsoft.com/office/powerpoint/2012/main" xmlns:ahyp="http://schemas.microsoft.com/office/drawing/2018/hyperlinkcolor">
+  <p:cSld>
+    <p:bg>
+      <p:bgPr>
+        <a:solidFill>
+          <a:schemeClr val="accent3"/>
+        </a:solidFill>
+      </p:bgPr>
+    </p:bg>
+    <p:spTree>
+      <p:nvGrpSpPr>
+        <p:cNvPr id="212" name="Shape 212"/>
+        <p:cNvGrpSpPr/>
+        <p:nvPr/>
+      </p:nvGrpSpPr>
+      <p:grpSpPr>
+        <a:xfrm>
+          <a:off x="0" y="0"/>
+          <a:ext cx="0" cy="0"/>
+          <a:chOff x="0" y="0"/>
+          <a:chExt cx="0" cy="0"/>
+        </a:xfrm>
+      </p:grpSpPr>
+      <p:sp>
+        <p:nvSpPr>
+          <p:cNvPr id="213" name="Google Shape;213;p37"/>
+          <p:cNvSpPr txBox="1"/>
+          <p:nvPr>
+            <p:ph type="title"/>
+          </p:nvPr>
+        </p:nvSpPr>
+        <p:spPr>
+          <a:xfrm>
+            <a:off x="406425" y="1806825"/>
+            <a:ext cx="8296800" cy="1542000"/>
           </a:xfrm>
           <a:prstGeom prst="rect">
             <a:avLst/>
@@ -10859,59 +13271,558 @@
           </a:bodyPr>
           <a:lstStyle/>
           <a:p>
-            <a:pPr indent="-342900" lvl="0" marL="457200" rtl="0" algn="l">
-              <a:spcBef>
-                <a:spcPts val="0"/>
-              </a:spcBef>
-              <a:spcAft>
-                <a:spcPts val="0"/>
-              </a:spcAft>
-              <a:buSzPts val="1800"/>
-              <a:buAutoNum type="arabicPeriod"/>
+            <a:pPr indent="0" lvl="0" marL="0" rtl="0" algn="ctr">
+              <a:spcBef>
+                <a:spcPts val="0"/>
+              </a:spcBef>
+              <a:spcAft>
+                <a:spcPts val="0"/>
+              </a:spcAft>
+              <a:buNone/>
             </a:pPr>
             <a:r>
               <a:rPr lang="en"/>
-              <a:t>There exists/does not exist a relationship...</a:t>
+              <a:t>Machine Learning</a:t>
             </a:r>
             <a:endParaRPr/>
           </a:p>
-          <a:p>
-            <a:pPr indent="-342900" lvl="0" marL="457200" rtl="0" algn="l">
+        </p:txBody>
+      </p:sp>
+    </p:spTree>
+  </p:cSld>
+  <p:clrMapOvr>
+    <a:masterClrMapping/>
+  </p:clrMapOvr>
+</p:sld>
+</file>
+
+<file path=ppt/slides/slide26.xml><?xml version="1.0" encoding="utf-8"?>
+<p:sld xmlns:a="http://schemas.openxmlformats.org/drawingml/2006/main" xmlns:r="http://schemas.openxmlformats.org/officeDocument/2006/relationships" xmlns:mc="http://schemas.openxmlformats.org/markup-compatibility/2006" xmlns:mv="urn:schemas-microsoft-com:mac:vml" xmlns:p="http://schemas.openxmlformats.org/presentationml/2006/main" xmlns:c="http://schemas.openxmlformats.org/drawingml/2006/chart" xmlns:dgm="http://schemas.openxmlformats.org/drawingml/2006/diagram" xmlns:o="urn:schemas-microsoft-com:office:office" xmlns:v="urn:schemas-microsoft-com:vml" xmlns:pvml="urn:schemas-microsoft-com:office:powerpoint" xmlns:com="http://schemas.openxmlformats.org/drawingml/2006/compatibility" xmlns:p14="http://schemas.microsoft.com/office/powerpoint/2010/main" xmlns:p15="http://schemas.microsoft.com/office/powerpoint/2012/main" xmlns:ahyp="http://schemas.microsoft.com/office/drawing/2018/hyperlinkcolor">
+  <p:cSld>
+    <p:spTree>
+      <p:nvGrpSpPr>
+        <p:cNvPr id="217" name="Shape 217"/>
+        <p:cNvGrpSpPr/>
+        <p:nvPr/>
+      </p:nvGrpSpPr>
+      <p:grpSpPr>
+        <a:xfrm>
+          <a:off x="0" y="0"/>
+          <a:ext cx="0" cy="0"/>
+          <a:chOff x="0" y="0"/>
+          <a:chExt cx="0" cy="0"/>
+        </a:xfrm>
+      </p:grpSpPr>
+      <p:sp>
+        <p:nvSpPr>
+          <p:cNvPr id="218" name="Google Shape;218;p38"/>
+          <p:cNvSpPr txBox="1"/>
+          <p:nvPr>
+            <p:ph type="title"/>
+          </p:nvPr>
+        </p:nvSpPr>
+        <p:spPr>
+          <a:xfrm>
+            <a:off x="2400250" y="575950"/>
+            <a:ext cx="6321600" cy="635400"/>
+          </a:xfrm>
+          <a:prstGeom prst="rect">
+            <a:avLst/>
+          </a:prstGeom>
+        </p:spPr>
+        <p:txBody>
+          <a:bodyPr anchorCtr="0" anchor="t" bIns="91425" lIns="91425" spcFirstLastPara="1" rIns="91425" wrap="square" tIns="91425">
+            <a:noAutofit/>
+          </a:bodyPr>
+          <a:lstStyle/>
+          <a:p>
+            <a:pPr indent="0" lvl="0" marL="0" rtl="0" algn="l">
+              <a:spcBef>
+                <a:spcPts val="0"/>
+              </a:spcBef>
+              <a:spcAft>
+                <a:spcPts val="0"/>
+              </a:spcAft>
+              <a:buNone/>
+            </a:pPr>
+            <a:r>
+              <a:rPr lang="en"/>
+              <a:t>Machine Learning (ML)</a:t>
+            </a:r>
+            <a:r>
+              <a:rPr lang="en"/>
+              <a:t>:</a:t>
+            </a:r>
+            <a:endParaRPr/>
+          </a:p>
+        </p:txBody>
+      </p:sp>
+      <p:sp>
+        <p:nvSpPr>
+          <p:cNvPr id="219" name="Google Shape;219;p38"/>
+          <p:cNvSpPr txBox="1"/>
+          <p:nvPr>
+            <p:ph idx="1" type="body"/>
+          </p:nvPr>
+        </p:nvSpPr>
+        <p:spPr>
+          <a:xfrm>
+            <a:off x="2400300" y="1361300"/>
+            <a:ext cx="6321600" cy="3243900"/>
+          </a:xfrm>
+          <a:prstGeom prst="rect">
+            <a:avLst/>
+          </a:prstGeom>
+        </p:spPr>
+        <p:txBody>
+          <a:bodyPr anchorCtr="0" anchor="t" bIns="91425" lIns="91425" spcFirstLastPara="1" rIns="91425" wrap="square" tIns="91425">
+            <a:noAutofit/>
+          </a:bodyPr>
+          <a:lstStyle/>
+          <a:p>
+            <a:pPr indent="0" lvl="0" marL="0" rtl="0" algn="l">
+              <a:spcBef>
+                <a:spcPts val="0"/>
+              </a:spcBef>
+              <a:spcAft>
+                <a:spcPts val="0"/>
+              </a:spcAft>
+              <a:buClr>
+                <a:schemeClr val="dk2"/>
+              </a:buClr>
+              <a:buSzPts val="1100"/>
+              <a:buFont typeface="Arial"/>
+              <a:buNone/>
+            </a:pPr>
+            <a:r>
+              <a:rPr b="1" lang="en" sz="2000">
+                <a:solidFill>
+                  <a:schemeClr val="accent3"/>
+                </a:solidFill>
+              </a:rPr>
+              <a:t>Feature Engineering</a:t>
+            </a:r>
+            <a:endParaRPr b="1" sz="2000">
+              <a:solidFill>
+                <a:schemeClr val="accent3"/>
+              </a:solidFill>
+            </a:endParaRPr>
+          </a:p>
+          <a:p>
+            <a:pPr indent="0" lvl="0" marL="0" rtl="0" algn="l">
               <a:spcBef>
                 <a:spcPts val="1600"/>
               </a:spcBef>
               <a:spcAft>
-                <a:spcPts val="0"/>
-              </a:spcAft>
-              <a:buSzPts val="1800"/>
-              <a:buAutoNum type="arabicPeriod"/>
+                <a:spcPts val="1200"/>
+              </a:spcAft>
+              <a:buNone/>
+            </a:pPr>
+            <a:r>
+              <a:rPr lang="en" sz="1700"/>
+              <a:t>We</a:t>
+            </a:r>
+            <a:r>
+              <a:rPr lang="en" sz="1600"/>
+              <a:t> used data from .csv files that were initially sourced from the NYC Campaign Finance Board website that we had already processed using SQL and pgAdmin, and then loaded onto a notebook.  The raw .csv files had columns for the amount, matched amount, and previous contributions, </a:t>
+            </a:r>
+            <a:r>
+              <a:rPr lang="en" sz="1600"/>
+              <a:t>which we then aggregated to create a new column with the total amount of contributions given to a particular candidate.  We then used the groupby function in Pandas to group the sum of the total amount of contributions based on the zip code from where the donation originated.</a:t>
+            </a:r>
+            <a:endParaRPr sz="1600"/>
+          </a:p>
+        </p:txBody>
+      </p:sp>
+    </p:spTree>
+  </p:cSld>
+  <p:clrMapOvr>
+    <a:masterClrMapping/>
+  </p:clrMapOvr>
+</p:sld>
+</file>
+
+<file path=ppt/slides/slide27.xml><?xml version="1.0" encoding="utf-8"?>
+<p:sld xmlns:a="http://schemas.openxmlformats.org/drawingml/2006/main" xmlns:r="http://schemas.openxmlformats.org/officeDocument/2006/relationships" xmlns:mc="http://schemas.openxmlformats.org/markup-compatibility/2006" xmlns:mv="urn:schemas-microsoft-com:mac:vml" xmlns:p="http://schemas.openxmlformats.org/presentationml/2006/main" xmlns:c="http://schemas.openxmlformats.org/drawingml/2006/chart" xmlns:dgm="http://schemas.openxmlformats.org/drawingml/2006/diagram" xmlns:o="urn:schemas-microsoft-com:office:office" xmlns:v="urn:schemas-microsoft-com:vml" xmlns:pvml="urn:schemas-microsoft-com:office:powerpoint" xmlns:com="http://schemas.openxmlformats.org/drawingml/2006/compatibility" xmlns:p14="http://schemas.microsoft.com/office/powerpoint/2010/main" xmlns:p15="http://schemas.microsoft.com/office/powerpoint/2012/main" xmlns:ahyp="http://schemas.microsoft.com/office/drawing/2018/hyperlinkcolor">
+  <p:cSld>
+    <p:spTree>
+      <p:nvGrpSpPr>
+        <p:cNvPr id="223" name="Shape 223"/>
+        <p:cNvGrpSpPr/>
+        <p:nvPr/>
+      </p:nvGrpSpPr>
+      <p:grpSpPr>
+        <a:xfrm>
+          <a:off x="0" y="0"/>
+          <a:ext cx="0" cy="0"/>
+          <a:chOff x="0" y="0"/>
+          <a:chExt cx="0" cy="0"/>
+        </a:xfrm>
+      </p:grpSpPr>
+      <p:sp>
+        <p:nvSpPr>
+          <p:cNvPr id="224" name="Google Shape;224;p39"/>
+          <p:cNvSpPr txBox="1"/>
+          <p:nvPr>
+            <p:ph type="title"/>
+          </p:nvPr>
+        </p:nvSpPr>
+        <p:spPr>
+          <a:xfrm>
+            <a:off x="2400250" y="575950"/>
+            <a:ext cx="6321600" cy="635400"/>
+          </a:xfrm>
+          <a:prstGeom prst="rect">
+            <a:avLst/>
+          </a:prstGeom>
+        </p:spPr>
+        <p:txBody>
+          <a:bodyPr anchorCtr="0" anchor="t" bIns="91425" lIns="91425" spcFirstLastPara="1" rIns="91425" wrap="square" tIns="91425">
+            <a:noAutofit/>
+          </a:bodyPr>
+          <a:lstStyle/>
+          <a:p>
+            <a:pPr indent="0" lvl="0" marL="0" rtl="0" algn="l">
+              <a:spcBef>
+                <a:spcPts val="0"/>
+              </a:spcBef>
+              <a:spcAft>
+                <a:spcPts val="0"/>
+              </a:spcAft>
+              <a:buNone/>
             </a:pPr>
             <a:r>
               <a:rPr lang="en"/>
-              <a:t>Occupations and industries associated with winning candidates include…</a:t>
-            </a:r>
+              <a:t>Machine Learning (ML, cont):</a:t>
+            </a:r>
+            <a:endParaRPr/>
+          </a:p>
+        </p:txBody>
+      </p:sp>
+      <p:sp>
+        <p:nvSpPr>
+          <p:cNvPr id="225" name="Google Shape;225;p39"/>
+          <p:cNvSpPr txBox="1"/>
+          <p:nvPr>
+            <p:ph idx="1" type="body"/>
+          </p:nvPr>
+        </p:nvSpPr>
+        <p:spPr>
+          <a:xfrm>
+            <a:off x="2400300" y="1361300"/>
+            <a:ext cx="6321600" cy="3243900"/>
+          </a:xfrm>
+          <a:prstGeom prst="rect">
+            <a:avLst/>
+          </a:prstGeom>
+        </p:spPr>
+        <p:txBody>
+          <a:bodyPr anchorCtr="0" anchor="t" bIns="91425" lIns="91425" spcFirstLastPara="1" rIns="91425" wrap="square" tIns="91425">
+            <a:noAutofit/>
+          </a:bodyPr>
+          <a:lstStyle/>
+          <a:p>
+            <a:pPr indent="0" lvl="0" marL="0" rtl="0" algn="l">
+              <a:spcBef>
+                <a:spcPts val="0"/>
+              </a:spcBef>
+              <a:spcAft>
+                <a:spcPts val="0"/>
+              </a:spcAft>
+              <a:buNone/>
+            </a:pPr>
+            <a:r>
+              <a:rPr b="1" lang="en" sz="2000">
+                <a:solidFill>
+                  <a:schemeClr val="accent3"/>
+                </a:solidFill>
+              </a:rPr>
+              <a:t>Feature Selection</a:t>
+            </a:r>
+            <a:endParaRPr b="1" sz="2000">
+              <a:solidFill>
+                <a:schemeClr val="accent3"/>
+              </a:solidFill>
+            </a:endParaRPr>
+          </a:p>
+          <a:p>
+            <a:pPr indent="0" lvl="0" marL="0" rtl="0" algn="l">
+              <a:spcBef>
+                <a:spcPts val="1600"/>
+              </a:spcBef>
+              <a:spcAft>
+                <a:spcPts val="1200"/>
+              </a:spcAft>
+              <a:buClr>
+                <a:schemeClr val="dk2"/>
+              </a:buClr>
+              <a:buSzPts val="1100"/>
+              <a:buFont typeface="Arial"/>
+              <a:buNone/>
+            </a:pPr>
+            <a:r>
+              <a:rPr lang="en" sz="1600"/>
+              <a:t>We began by graphing our raw data to determine if a relationship between the total amount of money raised and a given ZIP code could be established.  Using both Pandas’ groupby function and matplotlib, we created bar charts to determine such a relationship.  The initial goal was to create a supervised classification model to determine the outcome of previous elections using said features, but such a model was ruled unfeasible due to time constraints, so the regression model was chosen.  During the feature selection process, we did find that said features also applied to linear regression. </a:t>
+            </a:r>
+            <a:endParaRPr sz="1600"/>
+          </a:p>
+        </p:txBody>
+      </p:sp>
+    </p:spTree>
+  </p:cSld>
+  <p:clrMapOvr>
+    <a:masterClrMapping/>
+  </p:clrMapOvr>
+</p:sld>
+</file>
+
+<file path=ppt/slides/slide28.xml><?xml version="1.0" encoding="utf-8"?>
+<p:sld xmlns:a="http://schemas.openxmlformats.org/drawingml/2006/main" xmlns:r="http://schemas.openxmlformats.org/officeDocument/2006/relationships" xmlns:mc="http://schemas.openxmlformats.org/markup-compatibility/2006" xmlns:mv="urn:schemas-microsoft-com:mac:vml" xmlns:p="http://schemas.openxmlformats.org/presentationml/2006/main" xmlns:c="http://schemas.openxmlformats.org/drawingml/2006/chart" xmlns:dgm="http://schemas.openxmlformats.org/drawingml/2006/diagram" xmlns:o="urn:schemas-microsoft-com:office:office" xmlns:v="urn:schemas-microsoft-com:vml" xmlns:pvml="urn:schemas-microsoft-com:office:powerpoint" xmlns:com="http://schemas.openxmlformats.org/drawingml/2006/compatibility" xmlns:p14="http://schemas.microsoft.com/office/powerpoint/2010/main" xmlns:p15="http://schemas.microsoft.com/office/powerpoint/2012/main" xmlns:ahyp="http://schemas.microsoft.com/office/drawing/2018/hyperlinkcolor">
+  <p:cSld>
+    <p:spTree>
+      <p:nvGrpSpPr>
+        <p:cNvPr id="229" name="Shape 229"/>
+        <p:cNvGrpSpPr/>
+        <p:nvPr/>
+      </p:nvGrpSpPr>
+      <p:grpSpPr>
+        <a:xfrm>
+          <a:off x="0" y="0"/>
+          <a:ext cx="0" cy="0"/>
+          <a:chOff x="0" y="0"/>
+          <a:chExt cx="0" cy="0"/>
+        </a:xfrm>
+      </p:grpSpPr>
+      <p:sp>
+        <p:nvSpPr>
+          <p:cNvPr id="230" name="Google Shape;230;p40"/>
+          <p:cNvSpPr txBox="1"/>
+          <p:nvPr>
+            <p:ph type="title"/>
+          </p:nvPr>
+        </p:nvSpPr>
+        <p:spPr>
+          <a:xfrm>
+            <a:off x="2400250" y="575950"/>
+            <a:ext cx="6321600" cy="635400"/>
+          </a:xfrm>
+          <a:prstGeom prst="rect">
+            <a:avLst/>
+          </a:prstGeom>
+        </p:spPr>
+        <p:txBody>
+          <a:bodyPr anchorCtr="0" anchor="t" bIns="91425" lIns="91425" spcFirstLastPara="1" rIns="91425" wrap="square" tIns="91425">
+            <a:noAutofit/>
+          </a:bodyPr>
+          <a:lstStyle/>
+          <a:p>
+            <a:pPr indent="0" lvl="0" marL="0" rtl="0" algn="l">
+              <a:spcBef>
+                <a:spcPts val="0"/>
+              </a:spcBef>
+              <a:spcAft>
+                <a:spcPts val="0"/>
+              </a:spcAft>
+              <a:buNone/>
+            </a:pPr>
             <a:r>
               <a:rPr lang="en"/>
-              <a:t>,</a:t>
+              <a:t>Machine Learning (ML, cont):</a:t>
             </a:r>
             <a:endParaRPr/>
           </a:p>
-          <a:p>
-            <a:pPr indent="-342900" lvl="0" marL="457200" rtl="0" algn="l">
+        </p:txBody>
+      </p:sp>
+      <p:sp>
+        <p:nvSpPr>
+          <p:cNvPr id="231" name="Google Shape;231;p40"/>
+          <p:cNvSpPr txBox="1"/>
+          <p:nvPr>
+            <p:ph idx="1" type="body"/>
+          </p:nvPr>
+        </p:nvSpPr>
+        <p:spPr>
+          <a:xfrm>
+            <a:off x="2400300" y="1361300"/>
+            <a:ext cx="6321600" cy="3243900"/>
+          </a:xfrm>
+          <a:prstGeom prst="rect">
+            <a:avLst/>
+          </a:prstGeom>
+        </p:spPr>
+        <p:txBody>
+          <a:bodyPr anchorCtr="0" anchor="t" bIns="91425" lIns="91425" spcFirstLastPara="1" rIns="91425" wrap="square" tIns="91425">
+            <a:noAutofit/>
+          </a:bodyPr>
+          <a:lstStyle/>
+          <a:p>
+            <a:pPr indent="0" lvl="0" marL="0" rtl="0" algn="l">
+              <a:spcBef>
+                <a:spcPts val="0"/>
+              </a:spcBef>
+              <a:spcAft>
+                <a:spcPts val="0"/>
+              </a:spcAft>
+              <a:buNone/>
+            </a:pPr>
+            <a:r>
+              <a:rPr b="1" lang="en" sz="2000">
+                <a:solidFill>
+                  <a:schemeClr val="accent3"/>
+                </a:solidFill>
+              </a:rPr>
+              <a:t>Feature Selection (continued)</a:t>
+            </a:r>
+            <a:endParaRPr b="1" sz="2000">
+              <a:solidFill>
+                <a:schemeClr val="accent3"/>
+              </a:solidFill>
+            </a:endParaRPr>
+          </a:p>
+          <a:p>
+            <a:pPr indent="0" lvl="0" marL="0" rtl="0" algn="l">
               <a:spcBef>
                 <a:spcPts val="1600"/>
               </a:spcBef>
               <a:spcAft>
+                <a:spcPts val="1200"/>
+              </a:spcAft>
+              <a:buNone/>
+            </a:pPr>
+            <a:r>
+              <a:rPr lang="en" sz="1600"/>
+              <a:t>As for which features to consider, we quickly rejected two columns as adding no value to our model, one for the election year and the other for the previous amount.  Eventually, the following features were selected: ZIP code, type of contribution, date of contribution, city of contribution, state of contribution, amount of contribution, amount of contribution matched by the city, and the amount of money spent by the candidate’s campaign (expenditures.)</a:t>
+            </a:r>
+            <a:endParaRPr sz="1600"/>
+          </a:p>
+        </p:txBody>
+      </p:sp>
+    </p:spTree>
+  </p:cSld>
+  <p:clrMapOvr>
+    <a:masterClrMapping/>
+  </p:clrMapOvr>
+</p:sld>
+</file>
+
+<file path=ppt/slides/slide29.xml><?xml version="1.0" encoding="utf-8"?>
+<p:sld xmlns:a="http://schemas.openxmlformats.org/drawingml/2006/main" xmlns:r="http://schemas.openxmlformats.org/officeDocument/2006/relationships" xmlns:mc="http://schemas.openxmlformats.org/markup-compatibility/2006" xmlns:mv="urn:schemas-microsoft-com:mac:vml" xmlns:p="http://schemas.openxmlformats.org/presentationml/2006/main" xmlns:c="http://schemas.openxmlformats.org/drawingml/2006/chart" xmlns:dgm="http://schemas.openxmlformats.org/drawingml/2006/diagram" xmlns:o="urn:schemas-microsoft-com:office:office" xmlns:v="urn:schemas-microsoft-com:vml" xmlns:pvml="urn:schemas-microsoft-com:office:powerpoint" xmlns:com="http://schemas.openxmlformats.org/drawingml/2006/compatibility" xmlns:p14="http://schemas.microsoft.com/office/powerpoint/2010/main" xmlns:p15="http://schemas.microsoft.com/office/powerpoint/2012/main" xmlns:ahyp="http://schemas.microsoft.com/office/drawing/2018/hyperlinkcolor">
+  <p:cSld>
+    <p:spTree>
+      <p:nvGrpSpPr>
+        <p:cNvPr id="235" name="Shape 235"/>
+        <p:cNvGrpSpPr/>
+        <p:nvPr/>
+      </p:nvGrpSpPr>
+      <p:grpSpPr>
+        <a:xfrm>
+          <a:off x="0" y="0"/>
+          <a:ext cx="0" cy="0"/>
+          <a:chOff x="0" y="0"/>
+          <a:chExt cx="0" cy="0"/>
+        </a:xfrm>
+      </p:grpSpPr>
+      <p:sp>
+        <p:nvSpPr>
+          <p:cNvPr id="236" name="Google Shape;236;p41"/>
+          <p:cNvSpPr txBox="1"/>
+          <p:nvPr>
+            <p:ph type="title"/>
+          </p:nvPr>
+        </p:nvSpPr>
+        <p:spPr>
+          <a:xfrm>
+            <a:off x="2400250" y="575950"/>
+            <a:ext cx="6321600" cy="635400"/>
+          </a:xfrm>
+          <a:prstGeom prst="rect">
+            <a:avLst/>
+          </a:prstGeom>
+        </p:spPr>
+        <p:txBody>
+          <a:bodyPr anchorCtr="0" anchor="t" bIns="91425" lIns="91425" spcFirstLastPara="1" rIns="91425" wrap="square" tIns="91425">
+            <a:noAutofit/>
+          </a:bodyPr>
+          <a:lstStyle/>
+          <a:p>
+            <a:pPr indent="0" lvl="0" marL="0" rtl="0" algn="l">
+              <a:spcBef>
+                <a:spcPts val="0"/>
+              </a:spcBef>
+              <a:spcAft>
+                <a:spcPts val="0"/>
+              </a:spcAft>
+              <a:buNone/>
+            </a:pPr>
+            <a:r>
+              <a:rPr lang="en"/>
+              <a:t>Machine Learning (ML, cont):</a:t>
+            </a:r>
+            <a:endParaRPr/>
+          </a:p>
+        </p:txBody>
+      </p:sp>
+      <p:sp>
+        <p:nvSpPr>
+          <p:cNvPr id="237" name="Google Shape;237;p41"/>
+          <p:cNvSpPr txBox="1"/>
+          <p:nvPr>
+            <p:ph idx="1" type="body"/>
+          </p:nvPr>
+        </p:nvSpPr>
+        <p:spPr>
+          <a:xfrm>
+            <a:off x="2400300" y="1361300"/>
+            <a:ext cx="6321600" cy="3243900"/>
+          </a:xfrm>
+          <a:prstGeom prst="rect">
+            <a:avLst/>
+          </a:prstGeom>
+        </p:spPr>
+        <p:txBody>
+          <a:bodyPr anchorCtr="0" anchor="t" bIns="91425" lIns="91425" spcFirstLastPara="1" rIns="91425" wrap="square" tIns="91425">
+            <a:noAutofit/>
+          </a:bodyPr>
+          <a:lstStyle/>
+          <a:p>
+            <a:pPr indent="0" lvl="0" marL="0" rtl="0" algn="l">
+              <a:spcBef>
+                <a:spcPts val="0"/>
+              </a:spcBef>
+              <a:spcAft>
+                <a:spcPts val="0"/>
+              </a:spcAft>
+              <a:buNone/>
+            </a:pPr>
+            <a:r>
+              <a:rPr b="1" lang="en" sz="2000">
+                <a:solidFill>
+                  <a:schemeClr val="accent3"/>
+                </a:solidFill>
+              </a:rPr>
+              <a:t>Encoding</a:t>
+            </a:r>
+            <a:endParaRPr b="1" sz="2000">
+              <a:solidFill>
+                <a:schemeClr val="accent3"/>
+              </a:solidFill>
+            </a:endParaRPr>
+          </a:p>
+          <a:p>
+            <a:pPr indent="0" lvl="0" marL="0" rtl="0" algn="l">
+              <a:spcBef>
                 <a:spcPts val="1600"/>
-              </a:spcAft>
-              <a:buSzPts val="1800"/>
-              <a:buAutoNum type="arabicPeriod"/>
-            </a:pPr>
-            <a:r>
-              <a:rPr lang="en"/>
-              <a:t>Occupations and industries associated with losing candidates include…,</a:t>
-            </a:r>
-            <a:endParaRPr/>
+              </a:spcBef>
+              <a:spcAft>
+                <a:spcPts val="1200"/>
+              </a:spcAft>
+              <a:buNone/>
+            </a:pPr>
+            <a:r>
+              <a:rPr lang="en" sz="1600"/>
+              <a:t>To encode our data we used sklearn's LabelEncoder. We encoded all non-numerical data within our dataset with sklearn's fit_transform function to ensure our model would be able to read it. We did not encode the amount, matched amount, expenditures, and total amount, as we needed them unencoded to be able to visually analyze our data and there did not seem to be any major effects to our model without such encoding.</a:t>
+            </a:r>
+            <a:endParaRPr sz="1600"/>
           </a:p>
         </p:txBody>
       </p:sp>
@@ -11081,6 +13992,1575 @@
 </p:sld>
 </file>
 
+<file path=ppt/slides/slide30.xml><?xml version="1.0" encoding="utf-8"?>
+<p:sld xmlns:a="http://schemas.openxmlformats.org/drawingml/2006/main" xmlns:r="http://schemas.openxmlformats.org/officeDocument/2006/relationships" xmlns:mc="http://schemas.openxmlformats.org/markup-compatibility/2006" xmlns:mv="urn:schemas-microsoft-com:mac:vml" xmlns:p="http://schemas.openxmlformats.org/presentationml/2006/main" xmlns:c="http://schemas.openxmlformats.org/drawingml/2006/chart" xmlns:dgm="http://schemas.openxmlformats.org/drawingml/2006/diagram" xmlns:o="urn:schemas-microsoft-com:office:office" xmlns:v="urn:schemas-microsoft-com:vml" xmlns:pvml="urn:schemas-microsoft-com:office:powerpoint" xmlns:com="http://schemas.openxmlformats.org/drawingml/2006/compatibility" xmlns:p14="http://schemas.microsoft.com/office/powerpoint/2010/main" xmlns:p15="http://schemas.microsoft.com/office/powerpoint/2012/main" xmlns:ahyp="http://schemas.microsoft.com/office/drawing/2018/hyperlinkcolor">
+  <p:cSld>
+    <p:spTree>
+      <p:nvGrpSpPr>
+        <p:cNvPr id="241" name="Shape 241"/>
+        <p:cNvGrpSpPr/>
+        <p:nvPr/>
+      </p:nvGrpSpPr>
+      <p:grpSpPr>
+        <a:xfrm>
+          <a:off x="0" y="0"/>
+          <a:ext cx="0" cy="0"/>
+          <a:chOff x="0" y="0"/>
+          <a:chExt cx="0" cy="0"/>
+        </a:xfrm>
+      </p:grpSpPr>
+      <p:sp>
+        <p:nvSpPr>
+          <p:cNvPr id="242" name="Google Shape;242;p42"/>
+          <p:cNvSpPr txBox="1"/>
+          <p:nvPr>
+            <p:ph type="title"/>
+          </p:nvPr>
+        </p:nvSpPr>
+        <p:spPr>
+          <a:xfrm>
+            <a:off x="2400250" y="575950"/>
+            <a:ext cx="6321600" cy="635400"/>
+          </a:xfrm>
+          <a:prstGeom prst="rect">
+            <a:avLst/>
+          </a:prstGeom>
+        </p:spPr>
+        <p:txBody>
+          <a:bodyPr anchorCtr="0" anchor="t" bIns="91425" lIns="91425" spcFirstLastPara="1" rIns="91425" wrap="square" tIns="91425">
+            <a:noAutofit/>
+          </a:bodyPr>
+          <a:lstStyle/>
+          <a:p>
+            <a:pPr indent="0" lvl="0" marL="0" rtl="0" algn="l">
+              <a:spcBef>
+                <a:spcPts val="0"/>
+              </a:spcBef>
+              <a:spcAft>
+                <a:spcPts val="0"/>
+              </a:spcAft>
+              <a:buNone/>
+            </a:pPr>
+            <a:r>
+              <a:rPr lang="en"/>
+              <a:t>Machine Learning (ML, cont):</a:t>
+            </a:r>
+            <a:endParaRPr/>
+          </a:p>
+        </p:txBody>
+      </p:sp>
+      <p:sp>
+        <p:nvSpPr>
+          <p:cNvPr id="243" name="Google Shape;243;p42"/>
+          <p:cNvSpPr txBox="1"/>
+          <p:nvPr>
+            <p:ph idx="1" type="body"/>
+          </p:nvPr>
+        </p:nvSpPr>
+        <p:spPr>
+          <a:xfrm>
+            <a:off x="2400300" y="1361300"/>
+            <a:ext cx="6321600" cy="3243900"/>
+          </a:xfrm>
+          <a:prstGeom prst="rect">
+            <a:avLst/>
+          </a:prstGeom>
+        </p:spPr>
+        <p:txBody>
+          <a:bodyPr anchorCtr="0" anchor="t" bIns="91425" lIns="91425" spcFirstLastPara="1" rIns="91425" wrap="square" tIns="91425">
+            <a:noAutofit/>
+          </a:bodyPr>
+          <a:lstStyle/>
+          <a:p>
+            <a:pPr indent="0" lvl="0" marL="0" rtl="0" algn="l">
+              <a:spcBef>
+                <a:spcPts val="0"/>
+              </a:spcBef>
+              <a:spcAft>
+                <a:spcPts val="0"/>
+              </a:spcAft>
+              <a:buNone/>
+            </a:pPr>
+            <a:r>
+              <a:rPr b="1" lang="en" sz="2000">
+                <a:solidFill>
+                  <a:schemeClr val="accent3"/>
+                </a:solidFill>
+              </a:rPr>
+              <a:t>Model Choice</a:t>
+            </a:r>
+            <a:endParaRPr b="1" sz="2000">
+              <a:solidFill>
+                <a:schemeClr val="accent3"/>
+              </a:solidFill>
+            </a:endParaRPr>
+          </a:p>
+          <a:p>
+            <a:pPr indent="0" lvl="0" marL="0" rtl="0" algn="l">
+              <a:lnSpc>
+                <a:spcPct val="115000"/>
+              </a:lnSpc>
+              <a:spcBef>
+                <a:spcPts val="1600"/>
+              </a:spcBef>
+              <a:spcAft>
+                <a:spcPts val="0"/>
+              </a:spcAft>
+              <a:buNone/>
+            </a:pPr>
+            <a:r>
+              <a:rPr lang="en" sz="1600"/>
+              <a:t>We used a Random Forest Regressor for our model. We chose this model for a variety of reasons, which are as follows:</a:t>
+            </a:r>
+            <a:endParaRPr sz="1600"/>
+          </a:p>
+          <a:p>
+            <a:pPr indent="-330200" lvl="0" marL="457200" rtl="0" algn="l">
+              <a:lnSpc>
+                <a:spcPct val="115000"/>
+              </a:lnSpc>
+              <a:spcBef>
+                <a:spcPts val="1200"/>
+              </a:spcBef>
+              <a:spcAft>
+                <a:spcPts val="0"/>
+              </a:spcAft>
+              <a:buSzPts val="1600"/>
+              <a:buChar char="●"/>
+            </a:pPr>
+            <a:r>
+              <a:rPr lang="en" sz="1600"/>
+              <a:t>Ability to work around outliers</a:t>
+            </a:r>
+            <a:endParaRPr sz="1600"/>
+          </a:p>
+          <a:p>
+            <a:pPr indent="-330200" lvl="0" marL="457200" rtl="0" algn="l">
+              <a:lnSpc>
+                <a:spcPct val="115000"/>
+              </a:lnSpc>
+              <a:spcBef>
+                <a:spcPts val="0"/>
+              </a:spcBef>
+              <a:spcAft>
+                <a:spcPts val="0"/>
+              </a:spcAft>
+              <a:buSzPts val="1600"/>
+              <a:buChar char="●"/>
+            </a:pPr>
+            <a:r>
+              <a:rPr lang="en" sz="1600"/>
+              <a:t>Quick training and prediction speeds</a:t>
+            </a:r>
+            <a:endParaRPr sz="1600"/>
+          </a:p>
+          <a:p>
+            <a:pPr indent="-330200" lvl="0" marL="457200" rtl="0" algn="l">
+              <a:lnSpc>
+                <a:spcPct val="115000"/>
+              </a:lnSpc>
+              <a:spcBef>
+                <a:spcPts val="0"/>
+              </a:spcBef>
+              <a:spcAft>
+                <a:spcPts val="0"/>
+              </a:spcAft>
+              <a:buSzPts val="1600"/>
+              <a:buChar char="●"/>
+            </a:pPr>
+            <a:r>
+              <a:rPr lang="en" sz="1600"/>
+              <a:t>Contains low bias and moderate variance</a:t>
+            </a:r>
+            <a:endParaRPr sz="1600"/>
+          </a:p>
+          <a:p>
+            <a:pPr indent="-330200" lvl="0" marL="457200" rtl="0" algn="l">
+              <a:lnSpc>
+                <a:spcPct val="115000"/>
+              </a:lnSpc>
+              <a:spcBef>
+                <a:spcPts val="0"/>
+              </a:spcBef>
+              <a:spcAft>
+                <a:spcPts val="0"/>
+              </a:spcAft>
+              <a:buSzPts val="1600"/>
+              <a:buChar char="●"/>
+            </a:pPr>
+            <a:r>
+              <a:rPr lang="en" sz="1600"/>
+              <a:t>Capable of handling unbalanced data.  The model is not without its drawbacks, as it can be difficult to interpret, can often overfit the data, and can take up a lot of memory if the dataset is large.</a:t>
+            </a:r>
+            <a:endParaRPr sz="1600"/>
+          </a:p>
+          <a:p>
+            <a:pPr indent="0" lvl="0" marL="0" rtl="0" algn="l">
+              <a:spcBef>
+                <a:spcPts val="1200"/>
+              </a:spcBef>
+              <a:spcAft>
+                <a:spcPts val="1200"/>
+              </a:spcAft>
+              <a:buNone/>
+            </a:pPr>
+            <a:r>
+              <a:t/>
+            </a:r>
+            <a:endParaRPr sz="1600"/>
+          </a:p>
+        </p:txBody>
+      </p:sp>
+    </p:spTree>
+  </p:cSld>
+  <p:clrMapOvr>
+    <a:masterClrMapping/>
+  </p:clrMapOvr>
+</p:sld>
+</file>
+
+<file path=ppt/slides/slide31.xml><?xml version="1.0" encoding="utf-8"?>
+<p:sld xmlns:a="http://schemas.openxmlformats.org/drawingml/2006/main" xmlns:r="http://schemas.openxmlformats.org/officeDocument/2006/relationships" xmlns:mc="http://schemas.openxmlformats.org/markup-compatibility/2006" xmlns:mv="urn:schemas-microsoft-com:mac:vml" xmlns:p="http://schemas.openxmlformats.org/presentationml/2006/main" xmlns:c="http://schemas.openxmlformats.org/drawingml/2006/chart" xmlns:dgm="http://schemas.openxmlformats.org/drawingml/2006/diagram" xmlns:o="urn:schemas-microsoft-com:office:office" xmlns:v="urn:schemas-microsoft-com:vml" xmlns:pvml="urn:schemas-microsoft-com:office:powerpoint" xmlns:com="http://schemas.openxmlformats.org/drawingml/2006/compatibility" xmlns:p14="http://schemas.microsoft.com/office/powerpoint/2010/main" xmlns:p15="http://schemas.microsoft.com/office/powerpoint/2012/main" xmlns:ahyp="http://schemas.microsoft.com/office/drawing/2018/hyperlinkcolor">
+  <p:cSld>
+    <p:spTree>
+      <p:nvGrpSpPr>
+        <p:cNvPr id="247" name="Shape 247"/>
+        <p:cNvGrpSpPr/>
+        <p:nvPr/>
+      </p:nvGrpSpPr>
+      <p:grpSpPr>
+        <a:xfrm>
+          <a:off x="0" y="0"/>
+          <a:ext cx="0" cy="0"/>
+          <a:chOff x="0" y="0"/>
+          <a:chExt cx="0" cy="0"/>
+        </a:xfrm>
+      </p:grpSpPr>
+      <p:sp>
+        <p:nvSpPr>
+          <p:cNvPr id="248" name="Google Shape;248;p43"/>
+          <p:cNvSpPr txBox="1"/>
+          <p:nvPr>
+            <p:ph type="title"/>
+          </p:nvPr>
+        </p:nvSpPr>
+        <p:spPr>
+          <a:xfrm>
+            <a:off x="2400250" y="575950"/>
+            <a:ext cx="6321600" cy="635400"/>
+          </a:xfrm>
+          <a:prstGeom prst="rect">
+            <a:avLst/>
+          </a:prstGeom>
+        </p:spPr>
+        <p:txBody>
+          <a:bodyPr anchorCtr="0" anchor="t" bIns="91425" lIns="91425" spcFirstLastPara="1" rIns="91425" wrap="square" tIns="91425">
+            <a:noAutofit/>
+          </a:bodyPr>
+          <a:lstStyle/>
+          <a:p>
+            <a:pPr indent="0" lvl="0" marL="0" rtl="0" algn="l">
+              <a:spcBef>
+                <a:spcPts val="0"/>
+              </a:spcBef>
+              <a:spcAft>
+                <a:spcPts val="0"/>
+              </a:spcAft>
+              <a:buNone/>
+            </a:pPr>
+            <a:r>
+              <a:rPr lang="en"/>
+              <a:t>Machine Learning (ML, cont):</a:t>
+            </a:r>
+            <a:endParaRPr/>
+          </a:p>
+        </p:txBody>
+      </p:sp>
+      <p:sp>
+        <p:nvSpPr>
+          <p:cNvPr id="249" name="Google Shape;249;p43"/>
+          <p:cNvSpPr txBox="1"/>
+          <p:nvPr>
+            <p:ph idx="1" type="body"/>
+          </p:nvPr>
+        </p:nvSpPr>
+        <p:spPr>
+          <a:xfrm>
+            <a:off x="2400300" y="1361300"/>
+            <a:ext cx="6321600" cy="3243900"/>
+          </a:xfrm>
+          <a:prstGeom prst="rect">
+            <a:avLst/>
+          </a:prstGeom>
+        </p:spPr>
+        <p:txBody>
+          <a:bodyPr anchorCtr="0" anchor="t" bIns="91425" lIns="91425" spcFirstLastPara="1" rIns="91425" wrap="square" tIns="91425">
+            <a:noAutofit/>
+          </a:bodyPr>
+          <a:lstStyle/>
+          <a:p>
+            <a:pPr indent="0" lvl="0" marL="0" rtl="0" algn="l">
+              <a:spcBef>
+                <a:spcPts val="0"/>
+              </a:spcBef>
+              <a:spcAft>
+                <a:spcPts val="0"/>
+              </a:spcAft>
+              <a:buNone/>
+            </a:pPr>
+            <a:r>
+              <a:rPr b="1" lang="en" sz="2000">
+                <a:solidFill>
+                  <a:schemeClr val="accent3"/>
+                </a:solidFill>
+              </a:rPr>
+              <a:t>Model Choice (continued)</a:t>
+            </a:r>
+            <a:endParaRPr b="1" sz="2000">
+              <a:solidFill>
+                <a:schemeClr val="accent3"/>
+              </a:solidFill>
+            </a:endParaRPr>
+          </a:p>
+          <a:p>
+            <a:pPr indent="0" lvl="0" marL="0" rtl="0" algn="l">
+              <a:lnSpc>
+                <a:spcPct val="115000"/>
+              </a:lnSpc>
+              <a:spcBef>
+                <a:spcPts val="1600"/>
+              </a:spcBef>
+              <a:spcAft>
+                <a:spcPts val="0"/>
+              </a:spcAft>
+              <a:buNone/>
+            </a:pPr>
+            <a:r>
+              <a:rPr lang="en" sz="1600"/>
+              <a:t>Initially, we were using the Random Forest Classifier for our model as we were attempting to create a classification model which can predict the outcomes of an election, but we decided that a regression model to predict the total amount of money raised would be more realistic to complete within the allotted time. We therefore decided to change our model to the current one.</a:t>
+            </a:r>
+            <a:endParaRPr sz="1600"/>
+          </a:p>
+          <a:p>
+            <a:pPr indent="0" lvl="0" marL="0" rtl="0" algn="l">
+              <a:spcBef>
+                <a:spcPts val="1200"/>
+              </a:spcBef>
+              <a:spcAft>
+                <a:spcPts val="1200"/>
+              </a:spcAft>
+              <a:buNone/>
+            </a:pPr>
+            <a:r>
+              <a:t/>
+            </a:r>
+            <a:endParaRPr sz="1600"/>
+          </a:p>
+        </p:txBody>
+      </p:sp>
+    </p:spTree>
+  </p:cSld>
+  <p:clrMapOvr>
+    <a:masterClrMapping/>
+  </p:clrMapOvr>
+</p:sld>
+</file>
+
+<file path=ppt/slides/slide32.xml><?xml version="1.0" encoding="utf-8"?>
+<p:sld xmlns:a="http://schemas.openxmlformats.org/drawingml/2006/main" xmlns:r="http://schemas.openxmlformats.org/officeDocument/2006/relationships" xmlns:mc="http://schemas.openxmlformats.org/markup-compatibility/2006" xmlns:mv="urn:schemas-microsoft-com:mac:vml" xmlns:p="http://schemas.openxmlformats.org/presentationml/2006/main" xmlns:c="http://schemas.openxmlformats.org/drawingml/2006/chart" xmlns:dgm="http://schemas.openxmlformats.org/drawingml/2006/diagram" xmlns:o="urn:schemas-microsoft-com:office:office" xmlns:v="urn:schemas-microsoft-com:vml" xmlns:pvml="urn:schemas-microsoft-com:office:powerpoint" xmlns:com="http://schemas.openxmlformats.org/drawingml/2006/compatibility" xmlns:p14="http://schemas.microsoft.com/office/powerpoint/2010/main" xmlns:p15="http://schemas.microsoft.com/office/powerpoint/2012/main" xmlns:ahyp="http://schemas.microsoft.com/office/drawing/2018/hyperlinkcolor">
+  <p:cSld>
+    <p:spTree>
+      <p:nvGrpSpPr>
+        <p:cNvPr id="253" name="Shape 253"/>
+        <p:cNvGrpSpPr/>
+        <p:nvPr/>
+      </p:nvGrpSpPr>
+      <p:grpSpPr>
+        <a:xfrm>
+          <a:off x="0" y="0"/>
+          <a:ext cx="0" cy="0"/>
+          <a:chOff x="0" y="0"/>
+          <a:chExt cx="0" cy="0"/>
+        </a:xfrm>
+      </p:grpSpPr>
+      <p:sp>
+        <p:nvSpPr>
+          <p:cNvPr id="254" name="Google Shape;254;p44"/>
+          <p:cNvSpPr txBox="1"/>
+          <p:nvPr>
+            <p:ph type="title"/>
+          </p:nvPr>
+        </p:nvSpPr>
+        <p:spPr>
+          <a:xfrm>
+            <a:off x="2400250" y="575950"/>
+            <a:ext cx="6321600" cy="635400"/>
+          </a:xfrm>
+          <a:prstGeom prst="rect">
+            <a:avLst/>
+          </a:prstGeom>
+        </p:spPr>
+        <p:txBody>
+          <a:bodyPr anchorCtr="0" anchor="t" bIns="91425" lIns="91425" spcFirstLastPara="1" rIns="91425" wrap="square" tIns="91425">
+            <a:noAutofit/>
+          </a:bodyPr>
+          <a:lstStyle/>
+          <a:p>
+            <a:pPr indent="0" lvl="0" marL="0" rtl="0" algn="l">
+              <a:spcBef>
+                <a:spcPts val="0"/>
+              </a:spcBef>
+              <a:spcAft>
+                <a:spcPts val="0"/>
+              </a:spcAft>
+              <a:buNone/>
+            </a:pPr>
+            <a:r>
+              <a:rPr lang="en"/>
+              <a:t>Machine Learning (ML, cont):</a:t>
+            </a:r>
+            <a:endParaRPr/>
+          </a:p>
+        </p:txBody>
+      </p:sp>
+      <p:sp>
+        <p:nvSpPr>
+          <p:cNvPr id="255" name="Google Shape;255;p44"/>
+          <p:cNvSpPr txBox="1"/>
+          <p:nvPr>
+            <p:ph idx="1" type="body"/>
+          </p:nvPr>
+        </p:nvSpPr>
+        <p:spPr>
+          <a:xfrm>
+            <a:off x="2400300" y="1361300"/>
+            <a:ext cx="6321600" cy="3243900"/>
+          </a:xfrm>
+          <a:prstGeom prst="rect">
+            <a:avLst/>
+          </a:prstGeom>
+        </p:spPr>
+        <p:txBody>
+          <a:bodyPr anchorCtr="0" anchor="t" bIns="91425" lIns="91425" spcFirstLastPara="1" rIns="91425" wrap="square" tIns="91425">
+            <a:noAutofit/>
+          </a:bodyPr>
+          <a:lstStyle/>
+          <a:p>
+            <a:pPr indent="0" lvl="0" marL="0" rtl="0" algn="l">
+              <a:spcBef>
+                <a:spcPts val="0"/>
+              </a:spcBef>
+              <a:spcAft>
+                <a:spcPts val="0"/>
+              </a:spcAft>
+              <a:buNone/>
+            </a:pPr>
+            <a:r>
+              <a:rPr b="1" lang="en" sz="2000">
+                <a:solidFill>
+                  <a:schemeClr val="accent3"/>
+                </a:solidFill>
+              </a:rPr>
+              <a:t>Training and Testing</a:t>
+            </a:r>
+            <a:endParaRPr b="1" sz="2000">
+              <a:solidFill>
+                <a:schemeClr val="accent3"/>
+              </a:solidFill>
+            </a:endParaRPr>
+          </a:p>
+          <a:p>
+            <a:pPr indent="0" lvl="0" marL="0" rtl="0" algn="l">
+              <a:lnSpc>
+                <a:spcPct val="115000"/>
+              </a:lnSpc>
+              <a:spcBef>
+                <a:spcPts val="1600"/>
+              </a:spcBef>
+              <a:spcAft>
+                <a:spcPts val="0"/>
+              </a:spcAft>
+              <a:buNone/>
+            </a:pPr>
+            <a:r>
+              <a:rPr lang="en" sz="1600"/>
+              <a:t>We trained and tested our dataset using sklearn's train_test_split. The features listed above were all used as the X values and the total amount raised was used as the y value. The training size was 0.7 and testing size was 0.3 which was determined after various test models suggested this was the optimal split. The data was then fitted and tested using the Random Forest Regressor, after which the predictions were generated.</a:t>
+            </a:r>
+            <a:endParaRPr sz="1600"/>
+          </a:p>
+          <a:p>
+            <a:pPr indent="0" lvl="0" marL="0" rtl="0" algn="l">
+              <a:spcBef>
+                <a:spcPts val="1200"/>
+              </a:spcBef>
+              <a:spcAft>
+                <a:spcPts val="1200"/>
+              </a:spcAft>
+              <a:buNone/>
+            </a:pPr>
+            <a:r>
+              <a:t/>
+            </a:r>
+            <a:endParaRPr sz="1600"/>
+          </a:p>
+        </p:txBody>
+      </p:sp>
+    </p:spTree>
+  </p:cSld>
+  <p:clrMapOvr>
+    <a:masterClrMapping/>
+  </p:clrMapOvr>
+</p:sld>
+</file>
+
+<file path=ppt/slides/slide33.xml><?xml version="1.0" encoding="utf-8"?>
+<p:sld xmlns:a="http://schemas.openxmlformats.org/drawingml/2006/main" xmlns:r="http://schemas.openxmlformats.org/officeDocument/2006/relationships" xmlns:mc="http://schemas.openxmlformats.org/markup-compatibility/2006" xmlns:mv="urn:schemas-microsoft-com:mac:vml" xmlns:p="http://schemas.openxmlformats.org/presentationml/2006/main" xmlns:c="http://schemas.openxmlformats.org/drawingml/2006/chart" xmlns:dgm="http://schemas.openxmlformats.org/drawingml/2006/diagram" xmlns:o="urn:schemas-microsoft-com:office:office" xmlns:v="urn:schemas-microsoft-com:vml" xmlns:pvml="urn:schemas-microsoft-com:office:powerpoint" xmlns:com="http://schemas.openxmlformats.org/drawingml/2006/compatibility" xmlns:p14="http://schemas.microsoft.com/office/powerpoint/2010/main" xmlns:p15="http://schemas.microsoft.com/office/powerpoint/2012/main" xmlns:ahyp="http://schemas.microsoft.com/office/drawing/2018/hyperlinkcolor">
+  <p:cSld>
+    <p:spTree>
+      <p:nvGrpSpPr>
+        <p:cNvPr id="259" name="Shape 259"/>
+        <p:cNvGrpSpPr/>
+        <p:nvPr/>
+      </p:nvGrpSpPr>
+      <p:grpSpPr>
+        <a:xfrm>
+          <a:off x="0" y="0"/>
+          <a:ext cx="0" cy="0"/>
+          <a:chOff x="0" y="0"/>
+          <a:chExt cx="0" cy="0"/>
+        </a:xfrm>
+      </p:grpSpPr>
+      <p:sp>
+        <p:nvSpPr>
+          <p:cNvPr id="260" name="Google Shape;260;p45"/>
+          <p:cNvSpPr txBox="1"/>
+          <p:nvPr>
+            <p:ph type="title"/>
+          </p:nvPr>
+        </p:nvSpPr>
+        <p:spPr>
+          <a:xfrm>
+            <a:off x="2400250" y="575950"/>
+            <a:ext cx="6321600" cy="635400"/>
+          </a:xfrm>
+          <a:prstGeom prst="rect">
+            <a:avLst/>
+          </a:prstGeom>
+        </p:spPr>
+        <p:txBody>
+          <a:bodyPr anchorCtr="0" anchor="t" bIns="91425" lIns="91425" spcFirstLastPara="1" rIns="91425" wrap="square" tIns="91425">
+            <a:noAutofit/>
+          </a:bodyPr>
+          <a:lstStyle/>
+          <a:p>
+            <a:pPr indent="0" lvl="0" marL="0" rtl="0" algn="l">
+              <a:spcBef>
+                <a:spcPts val="0"/>
+              </a:spcBef>
+              <a:spcAft>
+                <a:spcPts val="0"/>
+              </a:spcAft>
+              <a:buNone/>
+            </a:pPr>
+            <a:r>
+              <a:rPr lang="en"/>
+              <a:t>Machine Learning (ML, cont):</a:t>
+            </a:r>
+            <a:endParaRPr/>
+          </a:p>
+        </p:txBody>
+      </p:sp>
+      <p:sp>
+        <p:nvSpPr>
+          <p:cNvPr id="261" name="Google Shape;261;p45"/>
+          <p:cNvSpPr txBox="1"/>
+          <p:nvPr>
+            <p:ph idx="1" type="body"/>
+          </p:nvPr>
+        </p:nvSpPr>
+        <p:spPr>
+          <a:xfrm>
+            <a:off x="2400300" y="1361300"/>
+            <a:ext cx="6321600" cy="3243900"/>
+          </a:xfrm>
+          <a:prstGeom prst="rect">
+            <a:avLst/>
+          </a:prstGeom>
+        </p:spPr>
+        <p:txBody>
+          <a:bodyPr anchorCtr="0" anchor="t" bIns="91425" lIns="91425" spcFirstLastPara="1" rIns="91425" wrap="square" tIns="91425">
+            <a:noAutofit/>
+          </a:bodyPr>
+          <a:lstStyle/>
+          <a:p>
+            <a:pPr indent="0" lvl="0" marL="0" rtl="0" algn="l">
+              <a:spcBef>
+                <a:spcPts val="0"/>
+              </a:spcBef>
+              <a:spcAft>
+                <a:spcPts val="0"/>
+              </a:spcAft>
+              <a:buNone/>
+            </a:pPr>
+            <a:r>
+              <a:rPr b="1" lang="en" sz="2000">
+                <a:solidFill>
+                  <a:schemeClr val="accent3"/>
+                </a:solidFill>
+              </a:rPr>
+              <a:t>Accuracy Score</a:t>
+            </a:r>
+            <a:endParaRPr b="1" sz="2000">
+              <a:solidFill>
+                <a:schemeClr val="accent3"/>
+              </a:solidFill>
+            </a:endParaRPr>
+          </a:p>
+          <a:p>
+            <a:pPr indent="0" lvl="0" marL="0" rtl="0" algn="l">
+              <a:lnSpc>
+                <a:spcPct val="115000"/>
+              </a:lnSpc>
+              <a:spcBef>
+                <a:spcPts val="1600"/>
+              </a:spcBef>
+              <a:spcAft>
+                <a:spcPts val="1200"/>
+              </a:spcAft>
+              <a:buNone/>
+            </a:pPr>
+            <a:r>
+              <a:rPr lang="en" sz="1600"/>
+              <a:t>To test for accuracy, we applied the R-squared function to our predictions. As we tested the model on four datasets, the R-squared values are as follows:</a:t>
+            </a:r>
+            <a:endParaRPr sz="1600"/>
+          </a:p>
+        </p:txBody>
+      </p:sp>
+      <p:graphicFrame>
+        <p:nvGraphicFramePr>
+          <p:cNvPr id="262" name="Google Shape;262;p45"/>
+          <p:cNvGraphicFramePr/>
+          <p:nvPr/>
+        </p:nvGraphicFramePr>
+        <p:xfrm>
+          <a:off x="2930650" y="3323950"/>
+          <a:ext cx="3000000" cy="3000000"/>
+        </p:xfrm>
+        <a:graphic>
+          <a:graphicData uri="http://schemas.openxmlformats.org/drawingml/2006/table">
+            <a:tbl>
+              <a:tblPr>
+                <a:noFill/>
+                <a:tableStyleId>{3A69B37A-BA3B-4ADF-8639-D5CD51B93261}</a:tableStyleId>
+              </a:tblPr>
+              <a:tblGrid>
+                <a:gridCol w="1158250"/>
+                <a:gridCol w="1158250"/>
+                <a:gridCol w="1158250"/>
+                <a:gridCol w="1158250"/>
+                <a:gridCol w="1158250"/>
+              </a:tblGrid>
+              <a:tr h="381000">
+                <a:tc>
+                  <a:txBody>
+                    <a:bodyPr/>
+                    <a:lstStyle/>
+                    <a:p>
+                      <a:pPr indent="0" lvl="0" marL="0" rtl="0" algn="l">
+                        <a:spcBef>
+                          <a:spcPts val="0"/>
+                        </a:spcBef>
+                        <a:spcAft>
+                          <a:spcPts val="0"/>
+                        </a:spcAft>
+                        <a:buNone/>
+                      </a:pPr>
+                      <a:r>
+                        <a:rPr lang="en"/>
+                        <a:t>2005</a:t>
+                      </a:r>
+                      <a:endParaRPr/>
+                    </a:p>
+                  </a:txBody>
+                  <a:tcPr marT="91425" marB="91425" marR="91425" marL="91425"/>
+                </a:tc>
+                <a:tc>
+                  <a:txBody>
+                    <a:bodyPr/>
+                    <a:lstStyle/>
+                    <a:p>
+                      <a:pPr indent="0" lvl="0" marL="0" rtl="0" algn="l">
+                        <a:spcBef>
+                          <a:spcPts val="0"/>
+                        </a:spcBef>
+                        <a:spcAft>
+                          <a:spcPts val="0"/>
+                        </a:spcAft>
+                        <a:buNone/>
+                      </a:pPr>
+                      <a:r>
+                        <a:rPr lang="en"/>
+                        <a:t>2009</a:t>
+                      </a:r>
+                      <a:endParaRPr/>
+                    </a:p>
+                  </a:txBody>
+                  <a:tcPr marT="91425" marB="91425" marR="91425" marL="91425"/>
+                </a:tc>
+                <a:tc>
+                  <a:txBody>
+                    <a:bodyPr/>
+                    <a:lstStyle/>
+                    <a:p>
+                      <a:pPr indent="0" lvl="0" marL="0" rtl="0" algn="l">
+                        <a:spcBef>
+                          <a:spcPts val="0"/>
+                        </a:spcBef>
+                        <a:spcAft>
+                          <a:spcPts val="0"/>
+                        </a:spcAft>
+                        <a:buNone/>
+                      </a:pPr>
+                      <a:r>
+                        <a:rPr lang="en"/>
+                        <a:t>2013</a:t>
+                      </a:r>
+                      <a:endParaRPr/>
+                    </a:p>
+                  </a:txBody>
+                  <a:tcPr marT="91425" marB="91425" marR="91425" marL="91425"/>
+                </a:tc>
+                <a:tc>
+                  <a:txBody>
+                    <a:bodyPr/>
+                    <a:lstStyle/>
+                    <a:p>
+                      <a:pPr indent="0" lvl="0" marL="0" rtl="0" algn="l">
+                        <a:spcBef>
+                          <a:spcPts val="0"/>
+                        </a:spcBef>
+                        <a:spcAft>
+                          <a:spcPts val="0"/>
+                        </a:spcAft>
+                        <a:buNone/>
+                      </a:pPr>
+                      <a:r>
+                        <a:rPr lang="en"/>
+                        <a:t>2017</a:t>
+                      </a:r>
+                      <a:endParaRPr/>
+                    </a:p>
+                  </a:txBody>
+                  <a:tcPr marT="91425" marB="91425" marR="91425" marL="91425"/>
+                </a:tc>
+                <a:tc>
+                  <a:txBody>
+                    <a:bodyPr/>
+                    <a:lstStyle/>
+                    <a:p>
+                      <a:pPr indent="0" lvl="0" marL="0" rtl="0" algn="l">
+                        <a:spcBef>
+                          <a:spcPts val="0"/>
+                        </a:spcBef>
+                        <a:spcAft>
+                          <a:spcPts val="0"/>
+                        </a:spcAft>
+                        <a:buNone/>
+                      </a:pPr>
+                      <a:r>
+                        <a:rPr lang="en"/>
+                        <a:t>2021</a:t>
+                      </a:r>
+                      <a:endParaRPr/>
+                    </a:p>
+                  </a:txBody>
+                  <a:tcPr marT="91425" marB="91425" marR="91425" marL="91425"/>
+                </a:tc>
+              </a:tr>
+              <a:tr h="381000">
+                <a:tc>
+                  <a:txBody>
+                    <a:bodyPr/>
+                    <a:lstStyle/>
+                    <a:p>
+                      <a:pPr indent="0" lvl="0" marL="0" rtl="0" algn="l">
+                        <a:spcBef>
+                          <a:spcPts val="0"/>
+                        </a:spcBef>
+                        <a:spcAft>
+                          <a:spcPts val="0"/>
+                        </a:spcAft>
+                        <a:buNone/>
+                      </a:pPr>
+                      <a:r>
+                        <a:rPr lang="en"/>
+                        <a:t>0.71</a:t>
+                      </a:r>
+                      <a:endParaRPr/>
+                    </a:p>
+                  </a:txBody>
+                  <a:tcPr marT="91425" marB="91425" marR="91425" marL="91425"/>
+                </a:tc>
+                <a:tc>
+                  <a:txBody>
+                    <a:bodyPr/>
+                    <a:lstStyle/>
+                    <a:p>
+                      <a:pPr indent="0" lvl="0" marL="0" rtl="0" algn="l">
+                        <a:spcBef>
+                          <a:spcPts val="0"/>
+                        </a:spcBef>
+                        <a:spcAft>
+                          <a:spcPts val="0"/>
+                        </a:spcAft>
+                        <a:buNone/>
+                      </a:pPr>
+                      <a:r>
+                        <a:rPr lang="en"/>
+                        <a:t>0.92</a:t>
+                      </a:r>
+                      <a:endParaRPr/>
+                    </a:p>
+                  </a:txBody>
+                  <a:tcPr marT="91425" marB="91425" marR="91425" marL="91425"/>
+                </a:tc>
+                <a:tc>
+                  <a:txBody>
+                    <a:bodyPr/>
+                    <a:lstStyle/>
+                    <a:p>
+                      <a:pPr indent="0" lvl="0" marL="0" rtl="0" algn="l">
+                        <a:spcBef>
+                          <a:spcPts val="0"/>
+                        </a:spcBef>
+                        <a:spcAft>
+                          <a:spcPts val="0"/>
+                        </a:spcAft>
+                        <a:buNone/>
+                      </a:pPr>
+                      <a:r>
+                        <a:rPr lang="en"/>
+                        <a:t>0.87</a:t>
+                      </a:r>
+                      <a:endParaRPr/>
+                    </a:p>
+                  </a:txBody>
+                  <a:tcPr marT="91425" marB="91425" marR="91425" marL="91425"/>
+                </a:tc>
+                <a:tc>
+                  <a:txBody>
+                    <a:bodyPr/>
+                    <a:lstStyle/>
+                    <a:p>
+                      <a:pPr indent="0" lvl="0" marL="0" rtl="0" algn="l">
+                        <a:spcBef>
+                          <a:spcPts val="0"/>
+                        </a:spcBef>
+                        <a:spcAft>
+                          <a:spcPts val="0"/>
+                        </a:spcAft>
+                        <a:buNone/>
+                      </a:pPr>
+                      <a:r>
+                        <a:rPr lang="en"/>
+                        <a:t>0.92</a:t>
+                      </a:r>
+                      <a:endParaRPr/>
+                    </a:p>
+                  </a:txBody>
+                  <a:tcPr marT="91425" marB="91425" marR="91425" marL="91425"/>
+                </a:tc>
+                <a:tc>
+                  <a:txBody>
+                    <a:bodyPr/>
+                    <a:lstStyle/>
+                    <a:p>
+                      <a:pPr indent="0" lvl="0" marL="0" rtl="0" algn="l">
+                        <a:spcBef>
+                          <a:spcPts val="0"/>
+                        </a:spcBef>
+                        <a:spcAft>
+                          <a:spcPts val="0"/>
+                        </a:spcAft>
+                        <a:buNone/>
+                      </a:pPr>
+                      <a:r>
+                        <a:rPr lang="en"/>
+                        <a:t>0.88</a:t>
+                      </a:r>
+                      <a:endParaRPr/>
+                    </a:p>
+                  </a:txBody>
+                  <a:tcPr marT="91425" marB="91425" marR="91425" marL="91425"/>
+                </a:tc>
+              </a:tr>
+            </a:tbl>
+          </a:graphicData>
+        </a:graphic>
+      </p:graphicFrame>
+    </p:spTree>
+  </p:cSld>
+  <p:clrMapOvr>
+    <a:masterClrMapping/>
+  </p:clrMapOvr>
+</p:sld>
+</file>
+
+<file path=ppt/slides/slide34.xml><?xml version="1.0" encoding="utf-8"?>
+<p:sld xmlns:a="http://schemas.openxmlformats.org/drawingml/2006/main" xmlns:r="http://schemas.openxmlformats.org/officeDocument/2006/relationships" xmlns:mc="http://schemas.openxmlformats.org/markup-compatibility/2006" xmlns:mv="urn:schemas-microsoft-com:mac:vml" xmlns:p="http://schemas.openxmlformats.org/presentationml/2006/main" xmlns:c="http://schemas.openxmlformats.org/drawingml/2006/chart" xmlns:dgm="http://schemas.openxmlformats.org/drawingml/2006/diagram" xmlns:o="urn:schemas-microsoft-com:office:office" xmlns:v="urn:schemas-microsoft-com:vml" xmlns:pvml="urn:schemas-microsoft-com:office:powerpoint" xmlns:com="http://schemas.openxmlformats.org/drawingml/2006/compatibility" xmlns:p14="http://schemas.microsoft.com/office/powerpoint/2010/main" xmlns:p15="http://schemas.microsoft.com/office/powerpoint/2012/main" xmlns:ahyp="http://schemas.microsoft.com/office/drawing/2018/hyperlinkcolor">
+  <p:cSld>
+    <p:spTree>
+      <p:nvGrpSpPr>
+        <p:cNvPr id="266" name="Shape 266"/>
+        <p:cNvGrpSpPr/>
+        <p:nvPr/>
+      </p:nvGrpSpPr>
+      <p:grpSpPr>
+        <a:xfrm>
+          <a:off x="0" y="0"/>
+          <a:ext cx="0" cy="0"/>
+          <a:chOff x="0" y="0"/>
+          <a:chExt cx="0" cy="0"/>
+        </a:xfrm>
+      </p:grpSpPr>
+      <p:sp>
+        <p:nvSpPr>
+          <p:cNvPr id="267" name="Google Shape;267;p46"/>
+          <p:cNvSpPr txBox="1"/>
+          <p:nvPr>
+            <p:ph type="title"/>
+          </p:nvPr>
+        </p:nvSpPr>
+        <p:spPr>
+          <a:xfrm>
+            <a:off x="2400250" y="575950"/>
+            <a:ext cx="6321600" cy="635400"/>
+          </a:xfrm>
+          <a:prstGeom prst="rect">
+            <a:avLst/>
+          </a:prstGeom>
+        </p:spPr>
+        <p:txBody>
+          <a:bodyPr anchorCtr="0" anchor="t" bIns="91425" lIns="91425" spcFirstLastPara="1" rIns="91425" wrap="square" tIns="91425">
+            <a:noAutofit/>
+          </a:bodyPr>
+          <a:lstStyle/>
+          <a:p>
+            <a:pPr indent="0" lvl="0" marL="0" rtl="0" algn="l">
+              <a:spcBef>
+                <a:spcPts val="0"/>
+              </a:spcBef>
+              <a:spcAft>
+                <a:spcPts val="0"/>
+              </a:spcAft>
+              <a:buNone/>
+            </a:pPr>
+            <a:r>
+              <a:rPr lang="en"/>
+              <a:t>Machine Learning (ML, cont):</a:t>
+            </a:r>
+            <a:endParaRPr/>
+          </a:p>
+        </p:txBody>
+      </p:sp>
+      <p:sp>
+        <p:nvSpPr>
+          <p:cNvPr id="268" name="Google Shape;268;p46"/>
+          <p:cNvSpPr txBox="1"/>
+          <p:nvPr>
+            <p:ph idx="1" type="body"/>
+          </p:nvPr>
+        </p:nvSpPr>
+        <p:spPr>
+          <a:xfrm>
+            <a:off x="2400300" y="1361300"/>
+            <a:ext cx="6321600" cy="3243900"/>
+          </a:xfrm>
+          <a:prstGeom prst="rect">
+            <a:avLst/>
+          </a:prstGeom>
+        </p:spPr>
+        <p:txBody>
+          <a:bodyPr anchorCtr="0" anchor="t" bIns="91425" lIns="91425" spcFirstLastPara="1" rIns="91425" wrap="square" tIns="91425">
+            <a:noAutofit/>
+          </a:bodyPr>
+          <a:lstStyle/>
+          <a:p>
+            <a:pPr indent="0" lvl="0" marL="0" rtl="0" algn="l">
+              <a:spcBef>
+                <a:spcPts val="0"/>
+              </a:spcBef>
+              <a:spcAft>
+                <a:spcPts val="0"/>
+              </a:spcAft>
+              <a:buNone/>
+            </a:pPr>
+            <a:r>
+              <a:rPr b="1" lang="en" sz="2000">
+                <a:solidFill>
+                  <a:schemeClr val="accent3"/>
+                </a:solidFill>
+              </a:rPr>
+              <a:t>Accuracy Score (continued)</a:t>
+            </a:r>
+            <a:endParaRPr b="1" sz="2000">
+              <a:solidFill>
+                <a:schemeClr val="accent3"/>
+              </a:solidFill>
+            </a:endParaRPr>
+          </a:p>
+          <a:p>
+            <a:pPr indent="0" lvl="0" marL="0" rtl="0" algn="l">
+              <a:spcBef>
+                <a:spcPts val="1600"/>
+              </a:spcBef>
+              <a:spcAft>
+                <a:spcPts val="1200"/>
+              </a:spcAft>
+              <a:buNone/>
+            </a:pPr>
+            <a:r>
+              <a:rPr lang="en" sz="1600"/>
+              <a:t>These high correlation results indicates that there is a correlation between the features we selected for our model and the total amount of money raised in a particular ZIP code. The rather high correlation calculated by our model can also indicate that there were bugs in our code that led to some kind of imbalance that skewed our data. Further analyses must be done before we can use these as conclusive results. We plan on also calculating Root Mean Squared Error (RMSE), Residual Standard Error (RSE), and the Mean Absolute Error (MAE) to further analyze the accuracy of our model.</a:t>
+            </a:r>
+            <a:endParaRPr sz="1600"/>
+          </a:p>
+        </p:txBody>
+      </p:sp>
+    </p:spTree>
+  </p:cSld>
+  <p:clrMapOvr>
+    <a:masterClrMapping/>
+  </p:clrMapOvr>
+</p:sld>
+</file>
+
+<file path=ppt/slides/slide35.xml><?xml version="1.0" encoding="utf-8"?>
+<p:sld xmlns:a="http://schemas.openxmlformats.org/drawingml/2006/main" xmlns:r="http://schemas.openxmlformats.org/officeDocument/2006/relationships" xmlns:mc="http://schemas.openxmlformats.org/markup-compatibility/2006" xmlns:mv="urn:schemas-microsoft-com:mac:vml" xmlns:p="http://schemas.openxmlformats.org/presentationml/2006/main" xmlns:c="http://schemas.openxmlformats.org/drawingml/2006/chart" xmlns:dgm="http://schemas.openxmlformats.org/drawingml/2006/diagram" xmlns:o="urn:schemas-microsoft-com:office:office" xmlns:v="urn:schemas-microsoft-com:vml" xmlns:pvml="urn:schemas-microsoft-com:office:powerpoint" xmlns:com="http://schemas.openxmlformats.org/drawingml/2006/compatibility" xmlns:p14="http://schemas.microsoft.com/office/powerpoint/2010/main" xmlns:p15="http://schemas.microsoft.com/office/powerpoint/2012/main" xmlns:ahyp="http://schemas.microsoft.com/office/drawing/2018/hyperlinkcolor">
+  <p:cSld>
+    <p:bg>
+      <p:bgPr>
+        <a:solidFill>
+          <a:schemeClr val="accent3"/>
+        </a:solidFill>
+      </p:bgPr>
+    </p:bg>
+    <p:spTree>
+      <p:nvGrpSpPr>
+        <p:cNvPr id="272" name="Shape 272"/>
+        <p:cNvGrpSpPr/>
+        <p:nvPr/>
+      </p:nvGrpSpPr>
+      <p:grpSpPr>
+        <a:xfrm>
+          <a:off x="0" y="0"/>
+          <a:ext cx="0" cy="0"/>
+          <a:chOff x="0" y="0"/>
+          <a:chExt cx="0" cy="0"/>
+        </a:xfrm>
+      </p:grpSpPr>
+      <p:sp>
+        <p:nvSpPr>
+          <p:cNvPr id="273" name="Google Shape;273;p47"/>
+          <p:cNvSpPr txBox="1"/>
+          <p:nvPr>
+            <p:ph type="title"/>
+          </p:nvPr>
+        </p:nvSpPr>
+        <p:spPr>
+          <a:xfrm>
+            <a:off x="406425" y="1806825"/>
+            <a:ext cx="8296800" cy="1542000"/>
+          </a:xfrm>
+          <a:prstGeom prst="rect">
+            <a:avLst/>
+          </a:prstGeom>
+        </p:spPr>
+        <p:txBody>
+          <a:bodyPr anchorCtr="0" anchor="ctr" bIns="91425" lIns="91425" spcFirstLastPara="1" rIns="91425" wrap="square" tIns="91425">
+            <a:noAutofit/>
+          </a:bodyPr>
+          <a:lstStyle/>
+          <a:p>
+            <a:pPr indent="0" lvl="0" marL="0" rtl="0" algn="ctr">
+              <a:spcBef>
+                <a:spcPts val="0"/>
+              </a:spcBef>
+              <a:spcAft>
+                <a:spcPts val="0"/>
+              </a:spcAft>
+              <a:buNone/>
+            </a:pPr>
+            <a:r>
+              <a:rPr lang="en"/>
+              <a:t>Results</a:t>
+            </a:r>
+            <a:endParaRPr/>
+          </a:p>
+        </p:txBody>
+      </p:sp>
+    </p:spTree>
+  </p:cSld>
+  <p:clrMapOvr>
+    <a:masterClrMapping/>
+  </p:clrMapOvr>
+</p:sld>
+</file>
+
+<file path=ppt/slides/slide36.xml><?xml version="1.0" encoding="utf-8"?>
+<p:sld xmlns:a="http://schemas.openxmlformats.org/drawingml/2006/main" xmlns:r="http://schemas.openxmlformats.org/officeDocument/2006/relationships" xmlns:mc="http://schemas.openxmlformats.org/markup-compatibility/2006" xmlns:mv="urn:schemas-microsoft-com:mac:vml" xmlns:p="http://schemas.openxmlformats.org/presentationml/2006/main" xmlns:c="http://schemas.openxmlformats.org/drawingml/2006/chart" xmlns:dgm="http://schemas.openxmlformats.org/drawingml/2006/diagram" xmlns:o="urn:schemas-microsoft-com:office:office" xmlns:v="urn:schemas-microsoft-com:vml" xmlns:pvml="urn:schemas-microsoft-com:office:powerpoint" xmlns:com="http://schemas.openxmlformats.org/drawingml/2006/compatibility" xmlns:p14="http://schemas.microsoft.com/office/powerpoint/2010/main" xmlns:p15="http://schemas.microsoft.com/office/powerpoint/2012/main" xmlns:ahyp="http://schemas.microsoft.com/office/drawing/2018/hyperlinkcolor">
+  <p:cSld>
+    <p:spTree>
+      <p:nvGrpSpPr>
+        <p:cNvPr id="277" name="Shape 277"/>
+        <p:cNvGrpSpPr/>
+        <p:nvPr/>
+      </p:nvGrpSpPr>
+      <p:grpSpPr>
+        <a:xfrm>
+          <a:off x="0" y="0"/>
+          <a:ext cx="0" cy="0"/>
+          <a:chOff x="0" y="0"/>
+          <a:chExt cx="0" cy="0"/>
+        </a:xfrm>
+      </p:grpSpPr>
+      <p:sp>
+        <p:nvSpPr>
+          <p:cNvPr id="278" name="Google Shape;278;p48"/>
+          <p:cNvSpPr txBox="1"/>
+          <p:nvPr>
+            <p:ph idx="1" type="body"/>
+          </p:nvPr>
+        </p:nvSpPr>
+        <p:spPr>
+          <a:xfrm>
+            <a:off x="328017" y="4226025"/>
+            <a:ext cx="8388600" cy="393600"/>
+          </a:xfrm>
+          <a:prstGeom prst="rect">
+            <a:avLst/>
+          </a:prstGeom>
+        </p:spPr>
+        <p:txBody>
+          <a:bodyPr anchorCtr="0" anchor="ctr" bIns="91425" lIns="91425" spcFirstLastPara="1" rIns="91425" wrap="square" tIns="91425">
+            <a:noAutofit/>
+          </a:bodyPr>
+          <a:lstStyle/>
+          <a:p>
+            <a:pPr indent="0" lvl="0" marL="0" rtl="0" algn="ctr">
+              <a:spcBef>
+                <a:spcPts val="0"/>
+              </a:spcBef>
+              <a:spcAft>
+                <a:spcPts val="0"/>
+              </a:spcAft>
+              <a:buNone/>
+            </a:pPr>
+            <a:r>
+              <a:rPr lang="en" sz="1700"/>
+              <a:t>Total c</a:t>
+            </a:r>
+            <a:r>
+              <a:rPr lang="en" sz="1700"/>
+              <a:t>ontributions, by category of contribution (left) and by contributor type (right)</a:t>
+            </a:r>
+            <a:endParaRPr sz="1700"/>
+          </a:p>
+        </p:txBody>
+      </p:sp>
+      <p:pic>
+        <p:nvPicPr>
+          <p:cNvPr id="279" name="Google Shape;279;p48"/>
+          <p:cNvPicPr preferRelativeResize="0"/>
+          <p:nvPr/>
+        </p:nvPicPr>
+        <p:blipFill rotWithShape="1">
+          <a:blip r:embed="rId3">
+            <a:alphaModFix/>
+          </a:blip>
+          <a:srcRect b="0" l="2281" r="2271" t="0"/>
+          <a:stretch/>
+        </p:blipFill>
+        <p:spPr>
+          <a:xfrm>
+            <a:off x="328025" y="203900"/>
+            <a:ext cx="3543300" cy="3762375"/>
+          </a:xfrm>
+          <a:prstGeom prst="rect">
+            <a:avLst/>
+          </a:prstGeom>
+          <a:noFill/>
+          <a:ln>
+            <a:noFill/>
+          </a:ln>
+        </p:spPr>
+      </p:pic>
+      <p:pic>
+        <p:nvPicPr>
+          <p:cNvPr id="280" name="Google Shape;280;p48"/>
+          <p:cNvPicPr preferRelativeResize="0"/>
+          <p:nvPr/>
+        </p:nvPicPr>
+        <p:blipFill rotWithShape="1">
+          <a:blip r:embed="rId4">
+            <a:alphaModFix/>
+          </a:blip>
+          <a:srcRect b="0" l="2281" r="2271" t="0"/>
+          <a:stretch/>
+        </p:blipFill>
+        <p:spPr>
+          <a:xfrm>
+            <a:off x="5173325" y="203900"/>
+            <a:ext cx="3543300" cy="3762375"/>
+          </a:xfrm>
+          <a:prstGeom prst="rect">
+            <a:avLst/>
+          </a:prstGeom>
+          <a:noFill/>
+          <a:ln>
+            <a:noFill/>
+          </a:ln>
+        </p:spPr>
+      </p:pic>
+    </p:spTree>
+  </p:cSld>
+  <p:clrMapOvr>
+    <a:masterClrMapping/>
+  </p:clrMapOvr>
+</p:sld>
+</file>
+
+<file path=ppt/slides/slide37.xml><?xml version="1.0" encoding="utf-8"?>
+<p:sld xmlns:a="http://schemas.openxmlformats.org/drawingml/2006/main" xmlns:r="http://schemas.openxmlformats.org/officeDocument/2006/relationships" xmlns:mc="http://schemas.openxmlformats.org/markup-compatibility/2006" xmlns:mv="urn:schemas-microsoft-com:mac:vml" xmlns:p="http://schemas.openxmlformats.org/presentationml/2006/main" xmlns:c="http://schemas.openxmlformats.org/drawingml/2006/chart" xmlns:dgm="http://schemas.openxmlformats.org/drawingml/2006/diagram" xmlns:o="urn:schemas-microsoft-com:office:office" xmlns:v="urn:schemas-microsoft-com:vml" xmlns:pvml="urn:schemas-microsoft-com:office:powerpoint" xmlns:com="http://schemas.openxmlformats.org/drawingml/2006/compatibility" xmlns:p14="http://schemas.microsoft.com/office/powerpoint/2010/main" xmlns:p15="http://schemas.microsoft.com/office/powerpoint/2012/main" xmlns:ahyp="http://schemas.microsoft.com/office/drawing/2018/hyperlinkcolor">
+  <p:cSld>
+    <p:spTree>
+      <p:nvGrpSpPr>
+        <p:cNvPr id="284" name="Shape 284"/>
+        <p:cNvGrpSpPr/>
+        <p:nvPr/>
+      </p:nvGrpSpPr>
+      <p:grpSpPr>
+        <a:xfrm>
+          <a:off x="0" y="0"/>
+          <a:ext cx="0" cy="0"/>
+          <a:chOff x="0" y="0"/>
+          <a:chExt cx="0" cy="0"/>
+        </a:xfrm>
+      </p:grpSpPr>
+      <p:sp>
+        <p:nvSpPr>
+          <p:cNvPr id="285" name="Google Shape;285;p49"/>
+          <p:cNvSpPr txBox="1"/>
+          <p:nvPr>
+            <p:ph idx="1" type="body"/>
+          </p:nvPr>
+        </p:nvSpPr>
+        <p:spPr>
+          <a:xfrm>
+            <a:off x="328017" y="4226025"/>
+            <a:ext cx="8388600" cy="393600"/>
+          </a:xfrm>
+          <a:prstGeom prst="rect">
+            <a:avLst/>
+          </a:prstGeom>
+        </p:spPr>
+        <p:txBody>
+          <a:bodyPr anchorCtr="0" anchor="ctr" bIns="91425" lIns="91425" spcFirstLastPara="1" rIns="91425" wrap="square" tIns="91425">
+            <a:noAutofit/>
+          </a:bodyPr>
+          <a:lstStyle/>
+          <a:p>
+            <a:pPr indent="0" lvl="0" marL="0" rtl="0" algn="ctr">
+              <a:spcBef>
+                <a:spcPts val="0"/>
+              </a:spcBef>
+              <a:spcAft>
+                <a:spcPts val="0"/>
+              </a:spcAft>
+              <a:buNone/>
+            </a:pPr>
+            <a:r>
+              <a:rPr lang="en" sz="1700"/>
+              <a:t>Linear regression for the 2005 (left) and 2009 (right) general elections.</a:t>
+            </a:r>
+            <a:endParaRPr sz="1700"/>
+          </a:p>
+        </p:txBody>
+      </p:sp>
+      <p:pic>
+        <p:nvPicPr>
+          <p:cNvPr id="286" name="Google Shape;286;p49"/>
+          <p:cNvPicPr preferRelativeResize="0"/>
+          <p:nvPr/>
+        </p:nvPicPr>
+        <p:blipFill rotWithShape="1">
+          <a:blip r:embed="rId3">
+            <a:alphaModFix/>
+          </a:blip>
+          <a:srcRect b="0" l="2597" r="2597" t="0"/>
+          <a:stretch/>
+        </p:blipFill>
+        <p:spPr>
+          <a:xfrm>
+            <a:off x="4572000" y="912424"/>
+            <a:ext cx="4124900" cy="2749933"/>
+          </a:xfrm>
+          <a:prstGeom prst="rect">
+            <a:avLst/>
+          </a:prstGeom>
+          <a:noFill/>
+          <a:ln>
+            <a:noFill/>
+          </a:ln>
+        </p:spPr>
+      </p:pic>
+      <p:pic>
+        <p:nvPicPr>
+          <p:cNvPr id="287" name="Google Shape;287;p49"/>
+          <p:cNvPicPr preferRelativeResize="0"/>
+          <p:nvPr/>
+        </p:nvPicPr>
+        <p:blipFill rotWithShape="1">
+          <a:blip r:embed="rId4">
+            <a:alphaModFix/>
+          </a:blip>
+          <a:srcRect b="0" l="0" r="219" t="0"/>
+          <a:stretch/>
+        </p:blipFill>
+        <p:spPr>
+          <a:xfrm>
+            <a:off x="328025" y="912425"/>
+            <a:ext cx="4263701" cy="2842475"/>
+          </a:xfrm>
+          <a:prstGeom prst="rect">
+            <a:avLst/>
+          </a:prstGeom>
+          <a:noFill/>
+          <a:ln>
+            <a:noFill/>
+          </a:ln>
+        </p:spPr>
+      </p:pic>
+    </p:spTree>
+  </p:cSld>
+  <p:clrMapOvr>
+    <a:masterClrMapping/>
+  </p:clrMapOvr>
+</p:sld>
+</file>
+
+<file path=ppt/slides/slide38.xml><?xml version="1.0" encoding="utf-8"?>
+<p:sld xmlns:a="http://schemas.openxmlformats.org/drawingml/2006/main" xmlns:r="http://schemas.openxmlformats.org/officeDocument/2006/relationships" xmlns:mc="http://schemas.openxmlformats.org/markup-compatibility/2006" xmlns:mv="urn:schemas-microsoft-com:mac:vml" xmlns:p="http://schemas.openxmlformats.org/presentationml/2006/main" xmlns:c="http://schemas.openxmlformats.org/drawingml/2006/chart" xmlns:dgm="http://schemas.openxmlformats.org/drawingml/2006/diagram" xmlns:o="urn:schemas-microsoft-com:office:office" xmlns:v="urn:schemas-microsoft-com:vml" xmlns:pvml="urn:schemas-microsoft-com:office:powerpoint" xmlns:com="http://schemas.openxmlformats.org/drawingml/2006/compatibility" xmlns:p14="http://schemas.microsoft.com/office/powerpoint/2010/main" xmlns:p15="http://schemas.microsoft.com/office/powerpoint/2012/main" xmlns:ahyp="http://schemas.microsoft.com/office/drawing/2018/hyperlinkcolor">
+  <p:cSld>
+    <p:spTree>
+      <p:nvGrpSpPr>
+        <p:cNvPr id="291" name="Shape 291"/>
+        <p:cNvGrpSpPr/>
+        <p:nvPr/>
+      </p:nvGrpSpPr>
+      <p:grpSpPr>
+        <a:xfrm>
+          <a:off x="0" y="0"/>
+          <a:ext cx="0" cy="0"/>
+          <a:chOff x="0" y="0"/>
+          <a:chExt cx="0" cy="0"/>
+        </a:xfrm>
+      </p:grpSpPr>
+      <p:sp>
+        <p:nvSpPr>
+          <p:cNvPr id="292" name="Google Shape;292;p50"/>
+          <p:cNvSpPr txBox="1"/>
+          <p:nvPr>
+            <p:ph idx="1" type="body"/>
+          </p:nvPr>
+        </p:nvSpPr>
+        <p:spPr>
+          <a:xfrm>
+            <a:off x="328017" y="4226025"/>
+            <a:ext cx="8388600" cy="393600"/>
+          </a:xfrm>
+          <a:prstGeom prst="rect">
+            <a:avLst/>
+          </a:prstGeom>
+        </p:spPr>
+        <p:txBody>
+          <a:bodyPr anchorCtr="0" anchor="ctr" bIns="91425" lIns="91425" spcFirstLastPara="1" rIns="91425" wrap="square" tIns="91425">
+            <a:noAutofit/>
+          </a:bodyPr>
+          <a:lstStyle/>
+          <a:p>
+            <a:pPr indent="0" lvl="0" marL="0" rtl="0" algn="ctr">
+              <a:spcBef>
+                <a:spcPts val="0"/>
+              </a:spcBef>
+              <a:spcAft>
+                <a:spcPts val="0"/>
+              </a:spcAft>
+              <a:buNone/>
+            </a:pPr>
+            <a:r>
+              <a:rPr lang="en" sz="1700"/>
+              <a:t>Linear regression for the 2013 (left) and 2017 (right) general elections.</a:t>
+            </a:r>
+            <a:endParaRPr sz="1700"/>
+          </a:p>
+        </p:txBody>
+      </p:sp>
+      <p:pic>
+        <p:nvPicPr>
+          <p:cNvPr id="293" name="Google Shape;293;p50"/>
+          <p:cNvPicPr preferRelativeResize="0"/>
+          <p:nvPr/>
+        </p:nvPicPr>
+        <p:blipFill rotWithShape="1">
+          <a:blip r:embed="rId3">
+            <a:alphaModFix/>
+          </a:blip>
+          <a:srcRect b="0" l="1285" r="1295" t="0"/>
+          <a:stretch/>
+        </p:blipFill>
+        <p:spPr>
+          <a:xfrm>
+            <a:off x="4572000" y="912424"/>
+            <a:ext cx="4124901" cy="2749933"/>
+          </a:xfrm>
+          <a:prstGeom prst="rect">
+            <a:avLst/>
+          </a:prstGeom>
+          <a:noFill/>
+          <a:ln>
+            <a:noFill/>
+          </a:ln>
+        </p:spPr>
+      </p:pic>
+      <p:pic>
+        <p:nvPicPr>
+          <p:cNvPr id="294" name="Google Shape;294;p50"/>
+          <p:cNvPicPr preferRelativeResize="0"/>
+          <p:nvPr/>
+        </p:nvPicPr>
+        <p:blipFill rotWithShape="1">
+          <a:blip r:embed="rId4">
+            <a:alphaModFix/>
+          </a:blip>
+          <a:srcRect b="0" l="3349" r="3358" t="0"/>
+          <a:stretch/>
+        </p:blipFill>
+        <p:spPr>
+          <a:xfrm>
+            <a:off x="328025" y="912425"/>
+            <a:ext cx="4263702" cy="2842475"/>
+          </a:xfrm>
+          <a:prstGeom prst="rect">
+            <a:avLst/>
+          </a:prstGeom>
+          <a:noFill/>
+          <a:ln>
+            <a:noFill/>
+          </a:ln>
+        </p:spPr>
+      </p:pic>
+    </p:spTree>
+  </p:cSld>
+  <p:clrMapOvr>
+    <a:masterClrMapping/>
+  </p:clrMapOvr>
+</p:sld>
+</file>
+
+<file path=ppt/slides/slide39.xml><?xml version="1.0" encoding="utf-8"?>
+<p:sld xmlns:a="http://schemas.openxmlformats.org/drawingml/2006/main" xmlns:r="http://schemas.openxmlformats.org/officeDocument/2006/relationships" xmlns:mc="http://schemas.openxmlformats.org/markup-compatibility/2006" xmlns:mv="urn:schemas-microsoft-com:mac:vml" xmlns:p="http://schemas.openxmlformats.org/presentationml/2006/main" xmlns:c="http://schemas.openxmlformats.org/drawingml/2006/chart" xmlns:dgm="http://schemas.openxmlformats.org/drawingml/2006/diagram" xmlns:o="urn:schemas-microsoft-com:office:office" xmlns:v="urn:schemas-microsoft-com:vml" xmlns:pvml="urn:schemas-microsoft-com:office:powerpoint" xmlns:com="http://schemas.openxmlformats.org/drawingml/2006/compatibility" xmlns:p14="http://schemas.microsoft.com/office/powerpoint/2010/main" xmlns:p15="http://schemas.microsoft.com/office/powerpoint/2012/main" xmlns:ahyp="http://schemas.microsoft.com/office/drawing/2018/hyperlinkcolor">
+  <p:cSld>
+    <p:spTree>
+      <p:nvGrpSpPr>
+        <p:cNvPr id="298" name="Shape 298"/>
+        <p:cNvGrpSpPr/>
+        <p:nvPr/>
+      </p:nvGrpSpPr>
+      <p:grpSpPr>
+        <a:xfrm>
+          <a:off x="0" y="0"/>
+          <a:ext cx="0" cy="0"/>
+          <a:chOff x="0" y="0"/>
+          <a:chExt cx="0" cy="0"/>
+        </a:xfrm>
+      </p:grpSpPr>
+      <p:sp>
+        <p:nvSpPr>
+          <p:cNvPr id="299" name="Google Shape;299;p51"/>
+          <p:cNvSpPr txBox="1"/>
+          <p:nvPr>
+            <p:ph idx="1" type="body"/>
+          </p:nvPr>
+        </p:nvSpPr>
+        <p:spPr>
+          <a:xfrm>
+            <a:off x="328017" y="4226025"/>
+            <a:ext cx="8388600" cy="393600"/>
+          </a:xfrm>
+          <a:prstGeom prst="rect">
+            <a:avLst/>
+          </a:prstGeom>
+        </p:spPr>
+        <p:txBody>
+          <a:bodyPr anchorCtr="0" anchor="ctr" bIns="91425" lIns="91425" spcFirstLastPara="1" rIns="91425" wrap="square" tIns="91425">
+            <a:noAutofit/>
+          </a:bodyPr>
+          <a:lstStyle/>
+          <a:p>
+            <a:pPr indent="0" lvl="0" marL="0" rtl="0" algn="ctr">
+              <a:spcBef>
+                <a:spcPts val="0"/>
+              </a:spcBef>
+              <a:spcAft>
+                <a:spcPts val="0"/>
+              </a:spcAft>
+              <a:buNone/>
+            </a:pPr>
+            <a:r>
+              <a:rPr lang="en" sz="1700"/>
+              <a:t>Linear regression for the 2021 primary election.</a:t>
+            </a:r>
+            <a:endParaRPr sz="1700"/>
+          </a:p>
+        </p:txBody>
+      </p:sp>
+      <p:pic>
+        <p:nvPicPr>
+          <p:cNvPr id="300" name="Google Shape;300;p51"/>
+          <p:cNvPicPr preferRelativeResize="0"/>
+          <p:nvPr/>
+        </p:nvPicPr>
+        <p:blipFill rotWithShape="1">
+          <a:blip r:embed="rId3">
+            <a:alphaModFix/>
+          </a:blip>
+          <a:srcRect b="0" l="2767" r="2776" t="0"/>
+          <a:stretch/>
+        </p:blipFill>
+        <p:spPr>
+          <a:xfrm>
+            <a:off x="1952700" y="343450"/>
+            <a:ext cx="5139250" cy="3426175"/>
+          </a:xfrm>
+          <a:prstGeom prst="rect">
+            <a:avLst/>
+          </a:prstGeom>
+          <a:noFill/>
+          <a:ln>
+            <a:noFill/>
+          </a:ln>
+        </p:spPr>
+      </p:pic>
+    </p:spTree>
+  </p:cSld>
+  <p:clrMapOvr>
+    <a:masterClrMapping/>
+  </p:clrMapOvr>
+</p:sld>
+</file>
+
 <file path=ppt/slides/slide4.xml><?xml version="1.0" encoding="utf-8"?>
 <p:sld xmlns:a="http://schemas.openxmlformats.org/drawingml/2006/main" xmlns:r="http://schemas.openxmlformats.org/officeDocument/2006/relationships" xmlns:mc="http://schemas.openxmlformats.org/markup-compatibility/2006" xmlns:mv="urn:schemas-microsoft-com:mac:vml" xmlns:p="http://schemas.openxmlformats.org/presentationml/2006/main" xmlns:c="http://schemas.openxmlformats.org/drawingml/2006/chart" xmlns:dgm="http://schemas.openxmlformats.org/drawingml/2006/diagram" xmlns:o="urn:schemas-microsoft-com:office:office" xmlns:v="urn:schemas-microsoft-com:vml" xmlns:pvml="urn:schemas-microsoft-com:office:powerpoint" xmlns:com="http://schemas.openxmlformats.org/drawingml/2006/compatibility" xmlns:p14="http://schemas.microsoft.com/office/powerpoint/2010/main" xmlns:p15="http://schemas.microsoft.com/office/powerpoint/2012/main" xmlns:ahyp="http://schemas.microsoft.com/office/drawing/2018/hyperlinkcolor">
   <p:cSld>
@@ -11199,6 +15679,398 @@
               <a:t>Anyone who is interested in learning about the role finance has on New York City’s mayoral elections.  They can see the difference between contributions and expenditures between candidates, as well as their significance.</a:t>
             </a:r>
             <a:endParaRPr sz="1500"/>
+          </a:p>
+        </p:txBody>
+      </p:sp>
+    </p:spTree>
+  </p:cSld>
+  <p:clrMapOvr>
+    <a:masterClrMapping/>
+  </p:clrMapOvr>
+</p:sld>
+</file>
+
+<file path=ppt/slides/slide40.xml><?xml version="1.0" encoding="utf-8"?>
+<p:sld xmlns:a="http://schemas.openxmlformats.org/drawingml/2006/main" xmlns:r="http://schemas.openxmlformats.org/officeDocument/2006/relationships" xmlns:mc="http://schemas.openxmlformats.org/markup-compatibility/2006" xmlns:mv="urn:schemas-microsoft-com:mac:vml" xmlns:p="http://schemas.openxmlformats.org/presentationml/2006/main" xmlns:c="http://schemas.openxmlformats.org/drawingml/2006/chart" xmlns:dgm="http://schemas.openxmlformats.org/drawingml/2006/diagram" xmlns:o="urn:schemas-microsoft-com:office:office" xmlns:v="urn:schemas-microsoft-com:vml" xmlns:pvml="urn:schemas-microsoft-com:office:powerpoint" xmlns:com="http://schemas.openxmlformats.org/drawingml/2006/compatibility" xmlns:p14="http://schemas.microsoft.com/office/powerpoint/2010/main" xmlns:p15="http://schemas.microsoft.com/office/powerpoint/2012/main" xmlns:ahyp="http://schemas.microsoft.com/office/drawing/2018/hyperlinkcolor">
+  <p:cSld>
+    <p:spTree>
+      <p:nvGrpSpPr>
+        <p:cNvPr id="304" name="Shape 304"/>
+        <p:cNvGrpSpPr/>
+        <p:nvPr/>
+      </p:nvGrpSpPr>
+      <p:grpSpPr>
+        <a:xfrm>
+          <a:off x="0" y="0"/>
+          <a:ext cx="0" cy="0"/>
+          <a:chOff x="0" y="0"/>
+          <a:chExt cx="0" cy="0"/>
+        </a:xfrm>
+      </p:grpSpPr>
+      <p:sp>
+        <p:nvSpPr>
+          <p:cNvPr id="305" name="Google Shape;305;p52"/>
+          <p:cNvSpPr txBox="1"/>
+          <p:nvPr>
+            <p:ph type="title"/>
+          </p:nvPr>
+        </p:nvSpPr>
+        <p:spPr>
+          <a:xfrm>
+            <a:off x="2400250" y="575950"/>
+            <a:ext cx="6321600" cy="635400"/>
+          </a:xfrm>
+          <a:prstGeom prst="rect">
+            <a:avLst/>
+          </a:prstGeom>
+        </p:spPr>
+        <p:txBody>
+          <a:bodyPr anchorCtr="0" anchor="t" bIns="91425" lIns="91425" spcFirstLastPara="1" rIns="91425" wrap="square" tIns="91425">
+            <a:noAutofit/>
+          </a:bodyPr>
+          <a:lstStyle/>
+          <a:p>
+            <a:pPr indent="0" lvl="0" marL="0" rtl="0" algn="l">
+              <a:spcBef>
+                <a:spcPts val="0"/>
+              </a:spcBef>
+              <a:spcAft>
+                <a:spcPts val="0"/>
+              </a:spcAft>
+              <a:buNone/>
+            </a:pPr>
+            <a:r>
+              <a:rPr lang="en"/>
+              <a:t>Reserved for data summary</a:t>
+            </a:r>
+            <a:endParaRPr/>
+          </a:p>
+        </p:txBody>
+      </p:sp>
+      <p:sp>
+        <p:nvSpPr>
+          <p:cNvPr id="306" name="Google Shape;306;p52"/>
+          <p:cNvSpPr txBox="1"/>
+          <p:nvPr>
+            <p:ph idx="1" type="body"/>
+          </p:nvPr>
+        </p:nvSpPr>
+        <p:spPr>
+          <a:xfrm>
+            <a:off x="2410112" y="1595776"/>
+            <a:ext cx="6321600" cy="3002400"/>
+          </a:xfrm>
+          <a:prstGeom prst="rect">
+            <a:avLst/>
+          </a:prstGeom>
+        </p:spPr>
+        <p:txBody>
+          <a:bodyPr anchorCtr="0" anchor="t" bIns="91425" lIns="91425" spcFirstLastPara="1" rIns="91425" wrap="square" tIns="91425">
+            <a:noAutofit/>
+          </a:bodyPr>
+          <a:lstStyle/>
+          <a:p>
+            <a:pPr indent="0" lvl="0" marL="0" rtl="0" algn="l">
+              <a:spcBef>
+                <a:spcPts val="0"/>
+              </a:spcBef>
+              <a:spcAft>
+                <a:spcPts val="0"/>
+              </a:spcAft>
+              <a:buNone/>
+            </a:pPr>
+            <a:r>
+              <a:rPr b="1" lang="en" sz="2100">
+                <a:solidFill>
+                  <a:schemeClr val="accent3"/>
+                </a:solidFill>
+              </a:rPr>
+              <a:t>Assignment 1</a:t>
+            </a:r>
+            <a:endParaRPr b="1" sz="2100">
+              <a:solidFill>
+                <a:schemeClr val="accent3"/>
+              </a:solidFill>
+            </a:endParaRPr>
+          </a:p>
+          <a:p>
+            <a:pPr indent="0" lvl="0" marL="0" rtl="0" algn="l">
+              <a:spcBef>
+                <a:spcPts val="0"/>
+              </a:spcBef>
+              <a:spcAft>
+                <a:spcPts val="0"/>
+              </a:spcAft>
+              <a:buNone/>
+            </a:pPr>
+            <a:r>
+              <a:rPr lang="en" sz="1600"/>
+              <a:t>Lorem ipsum dolor sit amet</a:t>
+            </a:r>
+            <a:endParaRPr sz="1600"/>
+          </a:p>
+          <a:p>
+            <a:pPr indent="0" lvl="0" marL="0" rtl="0" algn="l">
+              <a:spcBef>
+                <a:spcPts val="0"/>
+              </a:spcBef>
+              <a:spcAft>
+                <a:spcPts val="0"/>
+              </a:spcAft>
+              <a:buNone/>
+            </a:pPr>
+            <a:r>
+              <a:rPr lang="en" sz="1600"/>
+              <a:t>Consectetur adipiscing elit, sed do eiusmod tempor</a:t>
+            </a:r>
+            <a:endParaRPr sz="1600"/>
+          </a:p>
+          <a:p>
+            <a:pPr indent="0" lvl="0" marL="0" rtl="0" algn="l">
+              <a:spcBef>
+                <a:spcPts val="1600"/>
+              </a:spcBef>
+              <a:spcAft>
+                <a:spcPts val="0"/>
+              </a:spcAft>
+              <a:buNone/>
+            </a:pPr>
+            <a:r>
+              <a:rPr b="1" lang="en" sz="2100">
+                <a:solidFill>
+                  <a:schemeClr val="accent3"/>
+                </a:solidFill>
+              </a:rPr>
+              <a:t>Assignment 2</a:t>
+            </a:r>
+            <a:endParaRPr b="1" sz="2100">
+              <a:solidFill>
+                <a:schemeClr val="accent3"/>
+              </a:solidFill>
+            </a:endParaRPr>
+          </a:p>
+          <a:p>
+            <a:pPr indent="0" lvl="0" marL="0" rtl="0" algn="l">
+              <a:spcBef>
+                <a:spcPts val="0"/>
+              </a:spcBef>
+              <a:spcAft>
+                <a:spcPts val="0"/>
+              </a:spcAft>
+              <a:buNone/>
+            </a:pPr>
+            <a:r>
+              <a:rPr lang="en" sz="1600"/>
+              <a:t>Lorem ipsum dolor sit amet</a:t>
+            </a:r>
+            <a:endParaRPr sz="1600"/>
+          </a:p>
+          <a:p>
+            <a:pPr indent="0" lvl="0" marL="0" rtl="0" algn="l">
+              <a:spcBef>
+                <a:spcPts val="1600"/>
+              </a:spcBef>
+              <a:spcAft>
+                <a:spcPts val="0"/>
+              </a:spcAft>
+              <a:buNone/>
+            </a:pPr>
+            <a:r>
+              <a:rPr b="1" lang="en" sz="2100">
+                <a:solidFill>
+                  <a:schemeClr val="accent3"/>
+                </a:solidFill>
+              </a:rPr>
+              <a:t>Assignment 3</a:t>
+            </a:r>
+            <a:endParaRPr b="1" sz="2100">
+              <a:solidFill>
+                <a:schemeClr val="accent3"/>
+              </a:solidFill>
+            </a:endParaRPr>
+          </a:p>
+          <a:p>
+            <a:pPr indent="0" lvl="0" marL="0" rtl="0" algn="l">
+              <a:spcBef>
+                <a:spcPts val="0"/>
+              </a:spcBef>
+              <a:spcAft>
+                <a:spcPts val="0"/>
+              </a:spcAft>
+              <a:buNone/>
+            </a:pPr>
+            <a:r>
+              <a:rPr lang="en" sz="1600"/>
+              <a:t>Consectetur adipiscing elit, sed do eiusmod tempor</a:t>
+            </a:r>
+            <a:endParaRPr sz="1600"/>
+          </a:p>
+          <a:p>
+            <a:pPr indent="0" lvl="0" marL="0" rtl="0" algn="l">
+              <a:spcBef>
+                <a:spcPts val="1200"/>
+              </a:spcBef>
+              <a:spcAft>
+                <a:spcPts val="1600"/>
+              </a:spcAft>
+              <a:buNone/>
+            </a:pPr>
+            <a:r>
+              <a:t/>
+            </a:r>
+            <a:endParaRPr sz="2400"/>
+          </a:p>
+        </p:txBody>
+      </p:sp>
+    </p:spTree>
+  </p:cSld>
+  <p:clrMapOvr>
+    <a:masterClrMapping/>
+  </p:clrMapOvr>
+</p:sld>
+</file>
+
+<file path=ppt/slides/slide41.xml><?xml version="1.0" encoding="utf-8"?>
+<p:sld xmlns:a="http://schemas.openxmlformats.org/drawingml/2006/main" xmlns:r="http://schemas.openxmlformats.org/officeDocument/2006/relationships" xmlns:mc="http://schemas.openxmlformats.org/markup-compatibility/2006" xmlns:mv="urn:schemas-microsoft-com:mac:vml" xmlns:p="http://schemas.openxmlformats.org/presentationml/2006/main" xmlns:c="http://schemas.openxmlformats.org/drawingml/2006/chart" xmlns:dgm="http://schemas.openxmlformats.org/drawingml/2006/diagram" xmlns:o="urn:schemas-microsoft-com:office:office" xmlns:v="urn:schemas-microsoft-com:vml" xmlns:pvml="urn:schemas-microsoft-com:office:powerpoint" xmlns:com="http://schemas.openxmlformats.org/drawingml/2006/compatibility" xmlns:p14="http://schemas.microsoft.com/office/powerpoint/2010/main" xmlns:p15="http://schemas.microsoft.com/office/powerpoint/2012/main" xmlns:ahyp="http://schemas.microsoft.com/office/drawing/2018/hyperlinkcolor">
+  <p:cSld>
+    <p:spTree>
+      <p:nvGrpSpPr>
+        <p:cNvPr id="310" name="Shape 310"/>
+        <p:cNvGrpSpPr/>
+        <p:nvPr/>
+      </p:nvGrpSpPr>
+      <p:grpSpPr>
+        <a:xfrm>
+          <a:off x="0" y="0"/>
+          <a:ext cx="0" cy="0"/>
+          <a:chOff x="0" y="0"/>
+          <a:chExt cx="0" cy="0"/>
+        </a:xfrm>
+      </p:grpSpPr>
+      <p:sp>
+        <p:nvSpPr>
+          <p:cNvPr id="311" name="Google Shape;311;p53"/>
+          <p:cNvSpPr txBox="1"/>
+          <p:nvPr>
+            <p:ph type="title"/>
+          </p:nvPr>
+        </p:nvSpPr>
+        <p:spPr>
+          <a:xfrm>
+            <a:off x="265500" y="1912650"/>
+            <a:ext cx="4045200" cy="1318200"/>
+          </a:xfrm>
+          <a:prstGeom prst="rect">
+            <a:avLst/>
+          </a:prstGeom>
+        </p:spPr>
+        <p:txBody>
+          <a:bodyPr anchorCtr="0" anchor="ctr" bIns="91425" lIns="91425" spcFirstLastPara="1" rIns="91425" wrap="square" tIns="91425">
+            <a:noAutofit/>
+          </a:bodyPr>
+          <a:lstStyle/>
+          <a:p>
+            <a:pPr indent="0" lvl="0" marL="0" rtl="0" algn="ctr">
+              <a:spcBef>
+                <a:spcPts val="0"/>
+              </a:spcBef>
+              <a:spcAft>
+                <a:spcPts val="0"/>
+              </a:spcAft>
+              <a:buNone/>
+            </a:pPr>
+            <a:r>
+              <a:rPr lang="en">
+                <a:solidFill>
+                  <a:schemeClr val="accent3"/>
+                </a:solidFill>
+              </a:rPr>
+              <a:t>Summary</a:t>
+            </a:r>
+            <a:endParaRPr>
+              <a:solidFill>
+                <a:schemeClr val="accent3"/>
+              </a:solidFill>
+            </a:endParaRPr>
+          </a:p>
+        </p:txBody>
+      </p:sp>
+      <p:sp>
+        <p:nvSpPr>
+          <p:cNvPr id="312" name="Google Shape;312;p53"/>
+          <p:cNvSpPr txBox="1"/>
+          <p:nvPr>
+            <p:ph idx="2" type="body"/>
+          </p:nvPr>
+        </p:nvSpPr>
+        <p:spPr>
+          <a:xfrm>
+            <a:off x="4939500" y="724200"/>
+            <a:ext cx="3837000" cy="3695100"/>
+          </a:xfrm>
+          <a:prstGeom prst="rect">
+            <a:avLst/>
+          </a:prstGeom>
+        </p:spPr>
+        <p:txBody>
+          <a:bodyPr anchorCtr="0" anchor="ctr" bIns="91425" lIns="91425" spcFirstLastPara="1" rIns="91425" wrap="square" tIns="91425">
+            <a:noAutofit/>
+          </a:bodyPr>
+          <a:lstStyle/>
+          <a:p>
+            <a:pPr indent="-342900" lvl="0" marL="457200" rtl="0" algn="l">
+              <a:spcBef>
+                <a:spcPts val="0"/>
+              </a:spcBef>
+              <a:spcAft>
+                <a:spcPts val="0"/>
+              </a:spcAft>
+              <a:buSzPts val="1800"/>
+              <a:buAutoNum type="arabicPeriod"/>
+            </a:pPr>
+            <a:r>
+              <a:rPr lang="en"/>
+              <a:t>There exists/does not exist a relationship...</a:t>
+            </a:r>
+            <a:endParaRPr/>
+          </a:p>
+          <a:p>
+            <a:pPr indent="-342900" lvl="0" marL="457200" rtl="0" algn="l">
+              <a:spcBef>
+                <a:spcPts val="1600"/>
+              </a:spcBef>
+              <a:spcAft>
+                <a:spcPts val="0"/>
+              </a:spcAft>
+              <a:buSzPts val="1800"/>
+              <a:buAutoNum type="arabicPeriod"/>
+            </a:pPr>
+            <a:r>
+              <a:rPr lang="en"/>
+              <a:t>Occupations and industries associated with winning candidates include…</a:t>
+            </a:r>
+            <a:r>
+              <a:rPr lang="en"/>
+              <a:t>,</a:t>
+            </a:r>
+            <a:endParaRPr/>
+          </a:p>
+          <a:p>
+            <a:pPr indent="-342900" lvl="0" marL="457200" rtl="0" algn="l">
+              <a:spcBef>
+                <a:spcPts val="1600"/>
+              </a:spcBef>
+              <a:spcAft>
+                <a:spcPts val="1600"/>
+              </a:spcAft>
+              <a:buSzPts val="1800"/>
+              <a:buAutoNum type="arabicPeriod"/>
+            </a:pPr>
+            <a:r>
+              <a:rPr lang="en"/>
+              <a:t>Occupations and industries associated with losing candidates include…,</a:t>
+            </a:r>
+            <a:endParaRPr/>
           </a:p>
         </p:txBody>
       </p:sp>
@@ -11425,7 +16297,7 @@
             </a:pPr>
             <a:r>
               <a:rPr lang="en"/>
-              <a:t>Data Visualization</a:t>
+              <a:t>Data Sources Explanation</a:t>
             </a:r>
             <a:endParaRPr/>
           </a:p>
@@ -11466,8 +16338,8 @@
         </p:nvSpPr>
         <p:spPr>
           <a:xfrm>
-            <a:off x="2435625" y="575950"/>
-            <a:ext cx="6286200" cy="635400"/>
+            <a:off x="2400250" y="575950"/>
+            <a:ext cx="6321600" cy="635400"/>
           </a:xfrm>
           <a:prstGeom prst="rect">
             <a:avLst/>
@@ -11486,31 +16358,11 @@
               <a:spcAft>
                 <a:spcPts val="0"/>
               </a:spcAft>
-              <a:buClr>
-                <a:schemeClr val="dk2"/>
-              </a:buClr>
-              <a:buSzPts val="1100"/>
-              <a:buFont typeface="Arial"/>
               <a:buNone/>
             </a:pPr>
             <a:r>
               <a:rPr lang="en"/>
-              <a:t>Data Visualization Overview</a:t>
-            </a:r>
-            <a:endParaRPr/>
-          </a:p>
-          <a:p>
-            <a:pPr indent="0" lvl="0" marL="0" rtl="0" algn="l">
-              <a:spcBef>
-                <a:spcPts val="0"/>
-              </a:spcBef>
-              <a:spcAft>
-                <a:spcPts val="0"/>
-              </a:spcAft>
-              <a:buNone/>
-            </a:pPr>
-            <a:r>
-              <a:t/>
+              <a:t>Data Sources Explanation:</a:t>
             </a:r>
             <a:endParaRPr/>
           </a:p>
@@ -11526,8 +16378,8 @@
         </p:nvSpPr>
         <p:spPr>
           <a:xfrm>
-            <a:off x="2400250" y="1211350"/>
-            <a:ext cx="3005100" cy="3393600"/>
+            <a:off x="2400300" y="1361300"/>
+            <a:ext cx="6321600" cy="3243900"/>
           </a:xfrm>
           <a:prstGeom prst="rect">
             <a:avLst/>
@@ -11539,243 +16391,36 @@
           </a:bodyPr>
           <a:lstStyle/>
           <a:p>
-            <a:pPr indent="0" lvl="0" marL="0" rtl="0" algn="l">
-              <a:lnSpc>
-                <a:spcPct val="100000"/>
-              </a:lnSpc>
-              <a:spcBef>
-                <a:spcPts val="0"/>
-              </a:spcBef>
-              <a:spcAft>
-                <a:spcPts val="0"/>
-              </a:spcAft>
-              <a:buNone/>
-            </a:pPr>
-            <a:r>
-              <a:rPr b="1" lang="en" sz="1800">
-                <a:solidFill>
-                  <a:schemeClr val="accent3"/>
-                </a:solidFill>
-              </a:rPr>
-              <a:t>Tools used:</a:t>
-            </a:r>
-            <a:endParaRPr b="1" sz="1800">
-              <a:solidFill>
-                <a:schemeClr val="accent3"/>
-              </a:solidFill>
-            </a:endParaRPr>
-          </a:p>
-          <a:p>
-            <a:pPr indent="0" lvl="0" marL="0" rtl="0" algn="l">
-              <a:lnSpc>
-                <a:spcPct val="100000"/>
-              </a:lnSpc>
-              <a:spcBef>
-                <a:spcPts val="1600"/>
-              </a:spcBef>
-              <a:spcAft>
-                <a:spcPts val="0"/>
-              </a:spcAft>
-              <a:buNone/>
-            </a:pPr>
-            <a:r>
-              <a:rPr lang="en" sz="1200"/>
-              <a:t>Tableau Public, Tableau JavaScript API</a:t>
-            </a:r>
-            <a:endParaRPr sz="1200"/>
-          </a:p>
-          <a:p>
-            <a:pPr indent="0" lvl="0" marL="0" rtl="0" algn="l">
-              <a:lnSpc>
-                <a:spcPct val="100000"/>
-              </a:lnSpc>
-              <a:spcBef>
-                <a:spcPts val="1600"/>
-              </a:spcBef>
-              <a:spcAft>
-                <a:spcPts val="0"/>
-              </a:spcAft>
-              <a:buNone/>
-            </a:pPr>
-            <a:r>
-              <a:rPr b="1" lang="en" sz="1800">
-                <a:solidFill>
-                  <a:schemeClr val="accent3"/>
-                </a:solidFill>
-              </a:rPr>
-              <a:t>Links:</a:t>
-            </a:r>
-            <a:endParaRPr b="1" sz="1800">
-              <a:solidFill>
-                <a:schemeClr val="accent3"/>
-              </a:solidFill>
-            </a:endParaRPr>
-          </a:p>
-          <a:p>
-            <a:pPr indent="0" lvl="0" marL="0" rtl="0" algn="l">
-              <a:lnSpc>
-                <a:spcPct val="100000"/>
-              </a:lnSpc>
-              <a:spcBef>
-                <a:spcPts val="1600"/>
-              </a:spcBef>
-              <a:spcAft>
-                <a:spcPts val="0"/>
-              </a:spcAft>
-              <a:buNone/>
-            </a:pPr>
-            <a:r>
-              <a:rPr lang="en" sz="1200"/>
-              <a:t>Our Presentation Dashboard:</a:t>
-            </a:r>
-            <a:endParaRPr sz="1200"/>
-          </a:p>
-          <a:p>
-            <a:pPr indent="0" lvl="0" marL="0" rtl="0" algn="l">
-              <a:lnSpc>
-                <a:spcPct val="100000"/>
-              </a:lnSpc>
-              <a:spcBef>
-                <a:spcPts val="1200"/>
-              </a:spcBef>
-              <a:spcAft>
-                <a:spcPts val="0"/>
-              </a:spcAft>
-              <a:buNone/>
-            </a:pPr>
-            <a:r>
-              <a:rPr lang="en" sz="1200" u="sng">
-                <a:solidFill>
-                  <a:schemeClr val="hlink"/>
-                </a:solidFill>
-                <a:hlinkClick r:id="rId3"/>
-              </a:rPr>
-              <a:t>https://ssheggrud.github.io/Mod_20_Project/index.html</a:t>
-            </a:r>
-            <a:endParaRPr sz="1200"/>
-          </a:p>
-          <a:p>
-            <a:pPr indent="0" lvl="0" marL="0" rtl="0" algn="l">
-              <a:lnSpc>
-                <a:spcPct val="100000"/>
-              </a:lnSpc>
-              <a:spcBef>
-                <a:spcPts val="1200"/>
-              </a:spcBef>
-              <a:spcAft>
-                <a:spcPts val="0"/>
-              </a:spcAft>
-              <a:buNone/>
-            </a:pPr>
-            <a:r>
-              <a:rPr lang="en" sz="1200"/>
-              <a:t>Our Tableau Viz:</a:t>
-            </a:r>
-            <a:endParaRPr sz="1200"/>
-          </a:p>
-          <a:p>
-            <a:pPr indent="0" lvl="0" marL="0" rtl="0" algn="l">
-              <a:lnSpc>
-                <a:spcPct val="100000"/>
-              </a:lnSpc>
-              <a:spcBef>
-                <a:spcPts val="1200"/>
-              </a:spcBef>
-              <a:spcAft>
-                <a:spcPts val="0"/>
-              </a:spcAft>
-              <a:buNone/>
-            </a:pPr>
-            <a:r>
-              <a:rPr lang="en" sz="1200" u="sng">
-                <a:solidFill>
-                  <a:schemeClr val="hlink"/>
-                </a:solidFill>
-                <a:hlinkClick r:id="rId4"/>
-              </a:rPr>
-              <a:t>https://public.tableau.com/views/ElectionsFinanceData/Dashboard1</a:t>
-            </a:r>
-            <a:endParaRPr sz="1200"/>
-          </a:p>
-          <a:p>
-            <a:pPr indent="0" lvl="0" marL="0" rtl="0" algn="l">
-              <a:lnSpc>
-                <a:spcPct val="100000"/>
-              </a:lnSpc>
-              <a:spcBef>
-                <a:spcPts val="1200"/>
-              </a:spcBef>
-              <a:spcAft>
-                <a:spcPts val="1200"/>
-              </a:spcAft>
-              <a:buNone/>
-            </a:pPr>
-            <a:r>
-              <a:t/>
-            </a:r>
-            <a:endParaRPr sz="1200"/>
-          </a:p>
-        </p:txBody>
-      </p:sp>
-      <p:sp>
-        <p:nvSpPr>
-          <p:cNvPr id="109" name="Google Shape;109;p19"/>
-          <p:cNvSpPr txBox="1"/>
-          <p:nvPr>
-            <p:ph idx="2" type="body"/>
-          </p:nvPr>
-        </p:nvSpPr>
-        <p:spPr>
-          <a:xfrm>
-            <a:off x="5650575" y="1169975"/>
-            <a:ext cx="3071400" cy="3435000"/>
-          </a:xfrm>
-          <a:prstGeom prst="rect">
-            <a:avLst/>
-          </a:prstGeom>
-        </p:spPr>
-        <p:txBody>
-          <a:bodyPr anchorCtr="0" anchor="t" bIns="91425" lIns="91425" spcFirstLastPara="1" rIns="91425" wrap="square" tIns="91425">
-            <a:noAutofit/>
-          </a:bodyPr>
-          <a:lstStyle/>
-          <a:p>
-            <a:pPr indent="0" lvl="0" marL="0" rtl="0" algn="l">
-              <a:spcBef>
-                <a:spcPts val="0"/>
-              </a:spcBef>
-              <a:spcAft>
-                <a:spcPts val="0"/>
-              </a:spcAft>
-              <a:buNone/>
-            </a:pPr>
-            <a:r>
-              <a:rPr b="1" lang="en" sz="1800">
-                <a:solidFill>
-                  <a:schemeClr val="accent3"/>
-                </a:solidFill>
-              </a:rPr>
-              <a:t>Our strategy:</a:t>
-            </a:r>
-            <a:endParaRPr b="1" sz="1800">
-              <a:solidFill>
-                <a:schemeClr val="accent3"/>
-              </a:solidFill>
-            </a:endParaRPr>
-          </a:p>
-          <a:p>
-            <a:pPr indent="0" lvl="0" marL="0" rtl="0" algn="l">
-              <a:spcBef>
-                <a:spcPts val="1600"/>
-              </a:spcBef>
-              <a:spcAft>
-                <a:spcPts val="1200"/>
-              </a:spcAft>
-              <a:buNone/>
+            <a:pPr indent="-330200" lvl="0" marL="457200" rtl="0" algn="l">
+              <a:spcBef>
+                <a:spcPts val="0"/>
+              </a:spcBef>
+              <a:spcAft>
+                <a:spcPts val="0"/>
+              </a:spcAft>
+              <a:buSzPts val="1600"/>
+              <a:buChar char="●"/>
             </a:pPr>
             <a:r>
               <a:rPr lang="en" sz="1500"/>
-              <a:t>We have built our visualizations using Tableau.  Also, we have built our website using the Tableau JavaScript API, and have hosted it on Github.</a:t>
+              <a:t>The data we obtained for this project include publicly available records for each NYC mayoral election campaign donation reports from Individuals and Committee/Organizations. The following records also included the Expenditure spending per election year that were tracked by each candidate. We were able to gather the data reports for the six most recent election terms, namely for 2001, 2005, 2009, 2013, 2017, and 2021.</a:t>
+            </a:r>
+            <a:endParaRPr sz="1500"/>
+          </a:p>
+          <a:p>
+            <a:pPr indent="-323850" lvl="0" marL="457200" rtl="0" algn="l">
+              <a:spcBef>
+                <a:spcPts val="0"/>
+              </a:spcBef>
+              <a:spcAft>
+                <a:spcPts val="0"/>
+              </a:spcAft>
+              <a:buSzPts val="1500"/>
+              <a:buChar char="●"/>
+            </a:pPr>
+            <a:r>
+              <a:rPr lang="en" sz="1500"/>
+              <a:t>The following data that was obtained from the New York City Campaign Finance Board contained three separate .csv files for each election year: Individual, Committee and Expenditure reports.</a:t>
             </a:r>
             <a:endParaRPr sz="1500"/>
           </a:p>
@@ -11794,7 +16439,7 @@
   <p:cSld>
     <p:spTree>
       <p:nvGrpSpPr>
-        <p:cNvPr id="113" name="Shape 113"/>
+        <p:cNvPr id="112" name="Shape 112"/>
         <p:cNvGrpSpPr/>
         <p:nvPr/>
       </p:nvGrpSpPr>
@@ -11808,7 +16453,7 @@
       </p:grpSpPr>
       <p:sp>
         <p:nvSpPr>
-          <p:cNvPr id="114" name="Google Shape;114;p20"/>
+          <p:cNvPr id="113" name="Google Shape;113;p20"/>
           <p:cNvSpPr txBox="1"/>
           <p:nvPr>
             <p:ph type="title"/>
@@ -11816,8 +16461,8 @@
         </p:nvSpPr>
         <p:spPr>
           <a:xfrm>
-            <a:off x="2516550" y="575950"/>
-            <a:ext cx="6205500" cy="635400"/>
+            <a:off x="2400250" y="575950"/>
+            <a:ext cx="6321600" cy="635400"/>
           </a:xfrm>
           <a:prstGeom prst="rect">
             <a:avLst/>
@@ -11840,7 +16485,7 @@
             </a:pPr>
             <a:r>
               <a:rPr lang="en"/>
-              <a:t>Dashboard API</a:t>
+              <a:t>Data Sources Explanation (cont):</a:t>
             </a:r>
             <a:endParaRPr/>
           </a:p>
@@ -11848,16 +16493,16 @@
       </p:sp>
       <p:sp>
         <p:nvSpPr>
-          <p:cNvPr id="115" name="Google Shape;115;p20"/>
+          <p:cNvPr id="114" name="Google Shape;114;p20"/>
           <p:cNvSpPr txBox="1"/>
           <p:nvPr>
-            <p:ph idx="2" type="body"/>
-          </p:nvPr>
-        </p:nvSpPr>
-        <p:spPr>
-          <a:xfrm>
-            <a:off x="2516500" y="1361175"/>
-            <a:ext cx="6205500" cy="3243900"/>
+            <p:ph idx="1" type="body"/>
+          </p:nvPr>
+        </p:nvSpPr>
+        <p:spPr>
+          <a:xfrm>
+            <a:off x="2400300" y="1361300"/>
+            <a:ext cx="6321600" cy="3243900"/>
           </a:xfrm>
           <a:prstGeom prst="rect">
             <a:avLst/>
@@ -11881,7 +16526,7 @@
             </a:pPr>
             <a:r>
               <a:rPr lang="en" sz="1500"/>
-              <a:t>We have a container in which each of the dashboards appear after clicking either the Previous or Next buttons.</a:t>
+              <a:t>The Individual Donation reports contained data that was tracked based on an individual’s donation contribution to a particular candidate. Each row highlights the donation amount, the donor's State, City, and ZIP Code and the date each transaction was made. The following transactions contained an estimated amount of 65,000 records of tracked donations per election year.</a:t>
             </a:r>
             <a:endParaRPr sz="1500"/>
           </a:p>
@@ -11898,41 +16543,7 @@
             </a:pPr>
             <a:r>
               <a:rPr lang="en" sz="1500"/>
-              <a:t>Upon entering the homepage, one is taken to the first dashboard, so the Previous button is disabled.</a:t>
-            </a:r>
-            <a:endParaRPr sz="1500"/>
-          </a:p>
-          <a:p>
-            <a:pPr indent="-323850" lvl="0" marL="457200" rtl="0" algn="l">
-              <a:spcBef>
-                <a:spcPts val="0"/>
-              </a:spcBef>
-              <a:spcAft>
-                <a:spcPts val="0"/>
-              </a:spcAft>
-              <a:buSzPts val="1500"/>
-              <a:buChar char="●"/>
-            </a:pPr>
-            <a:r>
-              <a:rPr lang="en" sz="1500"/>
-              <a:t>The Next button takes the user from the first dashboard to the next, and is then disabled once the user reaches the last dashboard.  The user can always click on the Home button to return to the homepage.</a:t>
-            </a:r>
-            <a:endParaRPr sz="1500"/>
-          </a:p>
-          <a:p>
-            <a:pPr indent="-323850" lvl="0" marL="457200" rtl="0" algn="l">
-              <a:spcBef>
-                <a:spcPts val="0"/>
-              </a:spcBef>
-              <a:spcAft>
-                <a:spcPts val="0"/>
-              </a:spcAft>
-              <a:buSzPts val="1500"/>
-              <a:buChar char="●"/>
-            </a:pPr>
-            <a:r>
-              <a:rPr lang="en" sz="1500"/>
-              <a:t>There is a graph that shows how many contributions came in for each of the candidates.  Here, the candidate name can be selected to see data changes in the map and quarterly contribution graphs.</a:t>
+              <a:t>The Committee Donation reports were similar to the Individual Donation reports. The main difference was that the donations were tracked based on larger Corporation, Labor Union, Organizations, LLC, Political Action Committees, and Party Committees donations. The following tracked Committee Donations per election year contained an average amount of 300-500 records per election.</a:t>
             </a:r>
             <a:endParaRPr sz="1500"/>
           </a:p>
@@ -11951,7 +16562,7 @@
   <p:cSld>
     <p:spTree>
       <p:nvGrpSpPr>
-        <p:cNvPr id="119" name="Shape 119"/>
+        <p:cNvPr id="118" name="Shape 118"/>
         <p:cNvGrpSpPr/>
         <p:nvPr/>
       </p:nvGrpSpPr>
@@ -11965,7 +16576,7 @@
       </p:grpSpPr>
       <p:sp>
         <p:nvSpPr>
-          <p:cNvPr id="120" name="Google Shape;120;p21"/>
+          <p:cNvPr id="119" name="Google Shape;119;p21"/>
           <p:cNvSpPr txBox="1"/>
           <p:nvPr>
             <p:ph type="title"/>
@@ -11973,8 +16584,8 @@
         </p:nvSpPr>
         <p:spPr>
           <a:xfrm>
-            <a:off x="2516550" y="575950"/>
-            <a:ext cx="6205500" cy="635400"/>
+            <a:off x="2400250" y="575950"/>
+            <a:ext cx="6321600" cy="635400"/>
           </a:xfrm>
           <a:prstGeom prst="rect">
             <a:avLst/>
@@ -11997,7 +16608,15 @@
             </a:pPr>
             <a:r>
               <a:rPr lang="en"/>
-              <a:t>Dashboard API (continued)</a:t>
+              <a:t>Data Sources Explanation</a:t>
+            </a:r>
+            <a:r>
+              <a:rPr lang="en"/>
+              <a:t> (cont)</a:t>
+            </a:r>
+            <a:r>
+              <a:rPr lang="en"/>
+              <a:t>:</a:t>
             </a:r>
             <a:endParaRPr/>
           </a:p>
@@ -12005,16 +16624,16 @@
       </p:sp>
       <p:sp>
         <p:nvSpPr>
-          <p:cNvPr id="121" name="Google Shape;121;p21"/>
+          <p:cNvPr id="120" name="Google Shape;120;p21"/>
           <p:cNvSpPr txBox="1"/>
           <p:nvPr>
-            <p:ph idx="2" type="body"/>
-          </p:nvPr>
-        </p:nvSpPr>
-        <p:spPr>
-          <a:xfrm>
-            <a:off x="2516500" y="1361175"/>
-            <a:ext cx="6205500" cy="3243900"/>
+            <p:ph idx="1" type="body"/>
+          </p:nvPr>
+        </p:nvSpPr>
+        <p:spPr>
+          <a:xfrm>
+            <a:off x="2400300" y="1361300"/>
+            <a:ext cx="6321600" cy="3243900"/>
           </a:xfrm>
           <a:prstGeom prst="rect">
             <a:avLst/>
@@ -12038,12 +16657,15 @@
             </a:pPr>
             <a:r>
               <a:rPr lang="en" sz="1500"/>
-              <a:t>The map is color-coded to better identify which zip codes had higher contributions.</a:t>
+              <a:t>The Expenditure report tracked each participating candidate per election year expenditure spending during their campaigning. Some highlighted records that were tracked are Television and Radio advertisements, Professional Services, Campaign Worker Salaries, Polling Costs, and many others. The following expenditure transactions were tracked by the location of the transaction that included the amount, date of transaction, City, State, and ZIP Codes. The Expenditure reports contained an average amount of 12,000 tracked transactions per election year.</a:t>
             </a:r>
             <a:endParaRPr sz="1500"/>
           </a:p>
           <a:p>
             <a:pPr indent="-323850" lvl="0" marL="457200" rtl="0" algn="l">
+              <a:lnSpc>
+                <a:spcPct val="100000"/>
+              </a:lnSpc>
               <a:spcBef>
                 <a:spcPts val="0"/>
               </a:spcBef>
@@ -12055,7 +16677,31 @@
             </a:pPr>
             <a:r>
               <a:rPr lang="en" sz="1500"/>
-              <a:t>Our visualization shows the top candidates sorted by the amount received and spent.  Highlight Hover action has been created on this page to enhance visual effects.</a:t>
+              <a:t>Data Resources:</a:t>
+            </a:r>
+            <a:endParaRPr sz="1500"/>
+          </a:p>
+          <a:p>
+            <a:pPr indent="0" lvl="0" marL="457200" rtl="0" algn="l">
+              <a:lnSpc>
+                <a:spcPct val="100000"/>
+              </a:lnSpc>
+              <a:spcBef>
+                <a:spcPts val="1200"/>
+              </a:spcBef>
+              <a:spcAft>
+                <a:spcPts val="1200"/>
+              </a:spcAft>
+              <a:buNone/>
+            </a:pPr>
+            <a:r>
+              <a:rPr lang="en" sz="1500" u="sng">
+                <a:solidFill>
+                  <a:schemeClr val="hlink"/>
+                </a:solidFill>
+                <a:hlinkClick r:id="rId3"/>
+              </a:rPr>
+              <a:t>https://www.nyccfb.info/follow-the-money/data-library/</a:t>
             </a:r>
             <a:endParaRPr sz="1500"/>
           </a:p>

--- a/Presentation/Group5Presentation.pptx
+++ b/Presentation/Group5Presentation.pptx
@@ -49,23 +49,24 @@
     <p:sldId id="294" r:id="rId45"/>
     <p:sldId id="295" r:id="rId46"/>
     <p:sldId id="296" r:id="rId47"/>
+    <p:sldId id="297" r:id="rId48"/>
   </p:sldIdLst>
   <p:sldSz cy="5143500" cx="9144000"/>
   <p:notesSz cx="6858000" cy="9144000"/>
   <p:embeddedFontLst>
     <p:embeddedFont>
       <p:font typeface="Raleway"/>
-      <p:regular r:id="rId48"/>
-      <p:bold r:id="rId49"/>
-      <p:italic r:id="rId50"/>
-      <p:boldItalic r:id="rId51"/>
+      <p:regular r:id="rId49"/>
+      <p:bold r:id="rId50"/>
+      <p:italic r:id="rId51"/>
+      <p:boldItalic r:id="rId52"/>
     </p:embeddedFont>
     <p:embeddedFont>
       <p:font typeface="Lato"/>
-      <p:regular r:id="rId52"/>
-      <p:bold r:id="rId53"/>
-      <p:italic r:id="rId54"/>
-      <p:boldItalic r:id="rId55"/>
+      <p:regular r:id="rId53"/>
+      <p:bold r:id="rId54"/>
+      <p:italic r:id="rId55"/>
+      <p:boldItalic r:id="rId56"/>
     </p:embeddedFont>
   </p:embeddedFontLst>
   <p:defaultTextStyle>
@@ -860,7 +861,7 @@
       </p:grpSpPr>
       <p:sp>
         <p:nvSpPr>
-          <p:cNvPr id="122" name="Google Shape;122;gf0e284b87c_2_31:notes"/>
+          <p:cNvPr id="122" name="Google Shape;122;gf0e284b87c_2_136:notes"/>
           <p:cNvSpPr/>
           <p:nvPr>
             <p:ph idx="2" type="sldImg"/>
@@ -895,7 +896,7 @@
       </p:sp>
       <p:sp>
         <p:nvSpPr>
-          <p:cNvPr id="123" name="Google Shape;123;gf0e284b87c_2_31:notes"/>
+          <p:cNvPr id="123" name="Google Shape;123;gf0e284b87c_2_136:notes"/>
           <p:cNvSpPr txBox="1"/>
           <p:nvPr>
             <p:ph idx="1" type="body"/>
@@ -1850,7 +1851,7 @@
       </p:grpSpPr>
       <p:sp>
         <p:nvSpPr>
-          <p:cNvPr id="75" name="Google Shape;75;gc6fa3c898_0_5:notes"/>
+          <p:cNvPr id="75" name="Google Shape;75;gc6fa3c898_0_10:notes"/>
           <p:cNvSpPr/>
           <p:nvPr>
             <p:ph idx="2" type="sldImg"/>
@@ -1885,7 +1886,7 @@
       </p:sp>
       <p:sp>
         <p:nvSpPr>
-          <p:cNvPr id="76" name="Google Shape;76;gc6fa3c898_0_5:notes"/>
+          <p:cNvPr id="76" name="Google Shape;76;gc6fa3c898_0_10:notes"/>
           <p:cNvSpPr txBox="1"/>
           <p:nvPr>
             <p:ph idx="1" type="body"/>
@@ -2939,7 +2940,7 @@
       </p:grpSpPr>
       <p:sp>
         <p:nvSpPr>
-          <p:cNvPr id="81" name="Google Shape;81;gc6fa3c898_0_10:notes"/>
+          <p:cNvPr id="81" name="Google Shape;81;gebcc5b2c4c_0_14:notes"/>
           <p:cNvSpPr/>
           <p:nvPr>
             <p:ph idx="2" type="sldImg"/>
@@ -2974,7 +2975,7 @@
       </p:sp>
       <p:sp>
         <p:nvSpPr>
-          <p:cNvPr id="82" name="Google Shape;82;gc6fa3c898_0_10:notes"/>
+          <p:cNvPr id="82" name="Google Shape;82;gebcc5b2c4c_0_14:notes"/>
           <p:cNvSpPr txBox="1"/>
           <p:nvPr>
             <p:ph idx="1" type="body"/>
@@ -3533,7 +3534,7 @@
       </p:grpSpPr>
       <p:sp>
         <p:nvSpPr>
-          <p:cNvPr id="270" name="Google Shape;270;gc6fa3c898_0_28:notes"/>
+          <p:cNvPr id="270" name="Google Shape;270;gf0e284b87c_2_31:notes"/>
           <p:cNvSpPr/>
           <p:nvPr>
             <p:ph idx="2" type="sldImg"/>
@@ -3568,7 +3569,7 @@
       </p:sp>
       <p:sp>
         <p:nvSpPr>
-          <p:cNvPr id="271" name="Google Shape;271;gc6fa3c898_0_28:notes"/>
+          <p:cNvPr id="271" name="Google Shape;271;gf0e284b87c_2_31:notes"/>
           <p:cNvSpPr txBox="1"/>
           <p:nvPr>
             <p:ph idx="1" type="body"/>
@@ -3632,7 +3633,7 @@
       </p:grpSpPr>
       <p:sp>
         <p:nvSpPr>
-          <p:cNvPr id="275" name="Google Shape;275;gf0c6892ecf_0_9:notes"/>
+          <p:cNvPr id="275" name="Google Shape;275;gc6fa3c898_0_28:notes"/>
           <p:cNvSpPr/>
           <p:nvPr>
             <p:ph idx="2" type="sldImg"/>
@@ -3640,8 +3641,8 @@
         </p:nvSpPr>
         <p:spPr>
           <a:xfrm>
-            <a:off x="381300" y="685800"/>
-            <a:ext cx="6096000" cy="3429000"/>
+            <a:off x="381188" y="685800"/>
+            <a:ext cx="6096300" cy="3429000"/>
           </a:xfrm>
           <a:custGeom>
             <a:rect b="b" l="l" r="r" t="t"/>
@@ -3667,7 +3668,7 @@
       </p:sp>
       <p:sp>
         <p:nvSpPr>
-          <p:cNvPr id="276" name="Google Shape;276;gf0c6892ecf_0_9:notes"/>
+          <p:cNvPr id="276" name="Google Shape;276;gc6fa3c898_0_28:notes"/>
           <p:cNvSpPr txBox="1"/>
           <p:nvPr>
             <p:ph idx="1" type="body"/>
@@ -3717,7 +3718,7 @@
   <p:cSld>
     <p:spTree>
       <p:nvGrpSpPr>
-        <p:cNvPr id="281" name="Shape 281"/>
+        <p:cNvPr id="279" name="Shape 279"/>
         <p:cNvGrpSpPr/>
         <p:nvPr/>
       </p:nvGrpSpPr>
@@ -3731,7 +3732,7 @@
       </p:grpSpPr>
       <p:sp>
         <p:nvSpPr>
-          <p:cNvPr id="282" name="Google Shape;282;gf0e284b87c_2_63:notes"/>
+          <p:cNvPr id="280" name="Google Shape;280;gf0c6892ecf_0_9:notes"/>
           <p:cNvSpPr/>
           <p:nvPr>
             <p:ph idx="2" type="sldImg"/>
@@ -3766,7 +3767,7 @@
       </p:sp>
       <p:sp>
         <p:nvSpPr>
-          <p:cNvPr id="283" name="Google Shape;283;gf0e284b87c_2_63:notes"/>
+          <p:cNvPr id="281" name="Google Shape;281;gf0c6892ecf_0_9:notes"/>
           <p:cNvSpPr txBox="1"/>
           <p:nvPr>
             <p:ph idx="1" type="body"/>
@@ -3816,7 +3817,7 @@
   <p:cSld>
     <p:spTree>
       <p:nvGrpSpPr>
-        <p:cNvPr id="288" name="Shape 288"/>
+        <p:cNvPr id="286" name="Shape 286"/>
         <p:cNvGrpSpPr/>
         <p:nvPr/>
       </p:nvGrpSpPr>
@@ -3830,7 +3831,7 @@
       </p:grpSpPr>
       <p:sp>
         <p:nvSpPr>
-          <p:cNvPr id="289" name="Google Shape;289;gf0e284b87c_2_69:notes"/>
+          <p:cNvPr id="287" name="Google Shape;287;gf0e284b87c_2_63:notes"/>
           <p:cNvSpPr/>
           <p:nvPr>
             <p:ph idx="2" type="sldImg"/>
@@ -3865,7 +3866,7 @@
       </p:sp>
       <p:sp>
         <p:nvSpPr>
-          <p:cNvPr id="290" name="Google Shape;290;gf0e284b87c_2_69:notes"/>
+          <p:cNvPr id="288" name="Google Shape;288;gf0e284b87c_2_63:notes"/>
           <p:cNvSpPr txBox="1"/>
           <p:nvPr>
             <p:ph idx="1" type="body"/>
@@ -3915,7 +3916,7 @@
   <p:cSld>
     <p:spTree>
       <p:nvGrpSpPr>
-        <p:cNvPr id="295" name="Shape 295"/>
+        <p:cNvPr id="293" name="Shape 293"/>
         <p:cNvGrpSpPr/>
         <p:nvPr/>
       </p:nvGrpSpPr>
@@ -3929,7 +3930,7 @@
       </p:grpSpPr>
       <p:sp>
         <p:nvSpPr>
-          <p:cNvPr id="296" name="Google Shape;296;gf0e284b87c_2_79:notes"/>
+          <p:cNvPr id="294" name="Google Shape;294;gf0e284b87c_2_69:notes"/>
           <p:cNvSpPr/>
           <p:nvPr>
             <p:ph idx="2" type="sldImg"/>
@@ -3964,7 +3965,7 @@
       </p:sp>
       <p:sp>
         <p:nvSpPr>
-          <p:cNvPr id="297" name="Google Shape;297;gf0e284b87c_2_79:notes"/>
+          <p:cNvPr id="295" name="Google Shape;295;gf0e284b87c_2_69:notes"/>
           <p:cNvSpPr txBox="1"/>
           <p:nvPr>
             <p:ph idx="1" type="body"/>
@@ -4028,7 +4029,7 @@
       </p:grpSpPr>
       <p:sp>
         <p:nvSpPr>
-          <p:cNvPr id="87" name="Google Shape;87;gebcc5b2c4c_0_14:notes"/>
+          <p:cNvPr id="87" name="Google Shape;87;gc6fa3c898_0_5:notes"/>
           <p:cNvSpPr/>
           <p:nvPr>
             <p:ph idx="2" type="sldImg"/>
@@ -4063,7 +4064,7 @@
       </p:sp>
       <p:sp>
         <p:nvSpPr>
-          <p:cNvPr id="88" name="Google Shape;88;gebcc5b2c4c_0_14:notes"/>
+          <p:cNvPr id="88" name="Google Shape;88;gc6fa3c898_0_5:notes"/>
           <p:cNvSpPr txBox="1"/>
           <p:nvPr>
             <p:ph idx="1" type="body"/>
@@ -4113,7 +4114,7 @@
   <p:cSld>
     <p:spTree>
       <p:nvGrpSpPr>
-        <p:cNvPr id="301" name="Shape 301"/>
+        <p:cNvPr id="300" name="Shape 300"/>
         <p:cNvGrpSpPr/>
         <p:nvPr/>
       </p:nvGrpSpPr>
@@ -4127,7 +4128,7 @@
       </p:grpSpPr>
       <p:sp>
         <p:nvSpPr>
-          <p:cNvPr id="302" name="Google Shape;302;gc6fa3c898_0_65:notes"/>
+          <p:cNvPr id="301" name="Google Shape;301;gf0e284b87c_2_79:notes"/>
           <p:cNvSpPr/>
           <p:nvPr>
             <p:ph idx="2" type="sldImg"/>
@@ -4135,8 +4136,8 @@
         </p:nvSpPr>
         <p:spPr>
           <a:xfrm>
-            <a:off x="381188" y="685800"/>
-            <a:ext cx="6096300" cy="3429000"/>
+            <a:off x="381300" y="685800"/>
+            <a:ext cx="6096000" cy="3429000"/>
           </a:xfrm>
           <a:custGeom>
             <a:rect b="b" l="l" r="r" t="t"/>
@@ -4162,7 +4163,7 @@
       </p:sp>
       <p:sp>
         <p:nvSpPr>
-          <p:cNvPr id="303" name="Google Shape;303;gc6fa3c898_0_65:notes"/>
+          <p:cNvPr id="302" name="Google Shape;302;gf0e284b87c_2_79:notes"/>
           <p:cNvSpPr txBox="1"/>
           <p:nvPr>
             <p:ph idx="1" type="body"/>
@@ -4212,7 +4213,7 @@
   <p:cSld>
     <p:spTree>
       <p:nvGrpSpPr>
-        <p:cNvPr id="307" name="Shape 307"/>
+        <p:cNvPr id="306" name="Shape 306"/>
         <p:cNvGrpSpPr/>
         <p:nvPr/>
       </p:nvGrpSpPr>
@@ -4226,7 +4227,7 @@
       </p:grpSpPr>
       <p:sp>
         <p:nvSpPr>
-          <p:cNvPr id="308" name="Google Shape;308;gc6fa3c898_0_70:notes"/>
+          <p:cNvPr id="307" name="Google Shape;307;gc6fa3c898_0_65:notes"/>
           <p:cNvSpPr/>
           <p:nvPr>
             <p:ph idx="2" type="sldImg"/>
@@ -4261,7 +4262,106 @@
       </p:sp>
       <p:sp>
         <p:nvSpPr>
-          <p:cNvPr id="309" name="Google Shape;309;gc6fa3c898_0_70:notes"/>
+          <p:cNvPr id="308" name="Google Shape;308;gc6fa3c898_0_65:notes"/>
+          <p:cNvSpPr txBox="1"/>
+          <p:nvPr>
+            <p:ph idx="1" type="body"/>
+          </p:nvPr>
+        </p:nvSpPr>
+        <p:spPr>
+          <a:xfrm>
+            <a:off x="685800" y="4343400"/>
+            <a:ext cx="5486400" cy="4114800"/>
+          </a:xfrm>
+          <a:prstGeom prst="rect">
+            <a:avLst/>
+          </a:prstGeom>
+        </p:spPr>
+        <p:txBody>
+          <a:bodyPr anchorCtr="0" anchor="t" bIns="91425" lIns="91425" spcFirstLastPara="1" rIns="91425" wrap="square" tIns="91425">
+            <a:noAutofit/>
+          </a:bodyPr>
+          <a:lstStyle/>
+          <a:p>
+            <a:pPr indent="0" lvl="0" marL="0" rtl="0" algn="l">
+              <a:spcBef>
+                <a:spcPts val="0"/>
+              </a:spcBef>
+              <a:spcAft>
+                <a:spcPts val="0"/>
+              </a:spcAft>
+              <a:buNone/>
+            </a:pPr>
+            <a:r>
+              <a:t/>
+            </a:r>
+            <a:endParaRPr/>
+          </a:p>
+        </p:txBody>
+      </p:sp>
+    </p:spTree>
+  </p:cSld>
+  <p:clrMapOvr>
+    <a:masterClrMapping/>
+  </p:clrMapOvr>
+</p:notes>
+</file>
+
+<file path=ppt/notesSlides/notesSlide42.xml><?xml version="1.0" encoding="utf-8"?>
+<p:notes xmlns:a="http://schemas.openxmlformats.org/drawingml/2006/main" xmlns:r="http://schemas.openxmlformats.org/officeDocument/2006/relationships" xmlns:mc="http://schemas.openxmlformats.org/markup-compatibility/2006" xmlns:mv="urn:schemas-microsoft-com:mac:vml" xmlns:p="http://schemas.openxmlformats.org/presentationml/2006/main" xmlns:c="http://schemas.openxmlformats.org/drawingml/2006/chart" xmlns:dgm="http://schemas.openxmlformats.org/drawingml/2006/diagram" xmlns:o="urn:schemas-microsoft-com:office:office" xmlns:v="urn:schemas-microsoft-com:vml" xmlns:pvml="urn:schemas-microsoft-com:office:powerpoint" xmlns:com="http://schemas.openxmlformats.org/drawingml/2006/compatibility" xmlns:p14="http://schemas.microsoft.com/office/powerpoint/2010/main" xmlns:p15="http://schemas.microsoft.com/office/powerpoint/2012/main" xmlns:ahyp="http://schemas.microsoft.com/office/drawing/2018/hyperlinkcolor" showMasterPhAnim="0" showMasterSp="0">
+  <p:cSld>
+    <p:spTree>
+      <p:nvGrpSpPr>
+        <p:cNvPr id="312" name="Shape 312"/>
+        <p:cNvGrpSpPr/>
+        <p:nvPr/>
+      </p:nvGrpSpPr>
+      <p:grpSpPr>
+        <a:xfrm>
+          <a:off x="0" y="0"/>
+          <a:ext cx="0" cy="0"/>
+          <a:chOff x="0" y="0"/>
+          <a:chExt cx="0" cy="0"/>
+        </a:xfrm>
+      </p:grpSpPr>
+      <p:sp>
+        <p:nvSpPr>
+          <p:cNvPr id="313" name="Google Shape;313;gc6fa3c898_0_70:notes"/>
+          <p:cNvSpPr/>
+          <p:nvPr>
+            <p:ph idx="2" type="sldImg"/>
+          </p:nvPr>
+        </p:nvSpPr>
+        <p:spPr>
+          <a:xfrm>
+            <a:off x="381188" y="685800"/>
+            <a:ext cx="6096300" cy="3429000"/>
+          </a:xfrm>
+          <a:custGeom>
+            <a:rect b="b" l="l" r="r" t="t"/>
+            <a:pathLst>
+              <a:path extrusionOk="0" h="120000" w="120000">
+                <a:moveTo>
+                  <a:pt x="0" y="0"/>
+                </a:moveTo>
+                <a:lnTo>
+                  <a:pt x="120000" y="0"/>
+                </a:lnTo>
+                <a:lnTo>
+                  <a:pt x="120000" y="120000"/>
+                </a:lnTo>
+                <a:lnTo>
+                  <a:pt x="0" y="120000"/>
+                </a:lnTo>
+                <a:close/>
+              </a:path>
+            </a:pathLst>
+          </a:custGeom>
+        </p:spPr>
+      </p:sp>
+      <p:sp>
+        <p:nvSpPr>
+          <p:cNvPr id="314" name="Google Shape;314;gc6fa3c898_0_70:notes"/>
           <p:cNvSpPr txBox="1"/>
           <p:nvPr>
             <p:ph idx="1" type="body"/>
@@ -10769,7 +10869,7 @@
             </a:pPr>
             <a:r>
               <a:rPr lang="en" sz="4200"/>
-              <a:t>NYC Election Analysis</a:t>
+              <a:t>Election Finance Data Analysis</a:t>
             </a:r>
             <a:endParaRPr sz="4200"/>
           </a:p>
@@ -10809,6 +10909,43 @@
             </a:pPr>
             <a:r>
               <a:rPr lang="en"/>
+              <a:t>Brandon Bell</a:t>
+            </a:r>
+            <a:endParaRPr/>
+          </a:p>
+          <a:p>
+            <a:pPr indent="0" lvl="0" marL="0" rtl="0" algn="l">
+              <a:spcBef>
+                <a:spcPts val="0"/>
+              </a:spcBef>
+              <a:spcAft>
+                <a:spcPts val="0"/>
+              </a:spcAft>
+              <a:buNone/>
+            </a:pPr>
+            <a:r>
+              <a:rPr lang="en"/>
+              <a:t>Riley Corpac</a:t>
+            </a:r>
+            <a:endParaRPr/>
+          </a:p>
+          <a:p>
+            <a:pPr indent="0" lvl="0" marL="0" rtl="0" algn="l">
+              <a:spcBef>
+                <a:spcPts val="0"/>
+              </a:spcBef>
+              <a:spcAft>
+                <a:spcPts val="0"/>
+              </a:spcAft>
+              <a:buClr>
+                <a:schemeClr val="dk2"/>
+              </a:buClr>
+              <a:buSzPts val="1100"/>
+              <a:buFont typeface="Arial"/>
+              <a:buNone/>
+            </a:pPr>
+            <a:r>
+              <a:rPr lang="en"/>
               <a:t>Abir Hossain</a:t>
             </a:r>
             <a:endParaRPr/>
@@ -10821,22 +10958,11 @@
               <a:spcAft>
                 <a:spcPts val="0"/>
               </a:spcAft>
-              <a:buNone/>
-            </a:pPr>
-            <a:r>
-              <a:rPr lang="en"/>
-              <a:t>Brandon Bell</a:t>
-            </a:r>
-            <a:endParaRPr/>
-          </a:p>
-          <a:p>
-            <a:pPr indent="0" lvl="0" marL="0" rtl="0" algn="l">
-              <a:spcBef>
-                <a:spcPts val="0"/>
-              </a:spcBef>
-              <a:spcAft>
-                <a:spcPts val="0"/>
-              </a:spcAft>
+              <a:buClr>
+                <a:schemeClr val="dk2"/>
+              </a:buClr>
+              <a:buSzPts val="1100"/>
+              <a:buFont typeface="Arial"/>
               <a:buNone/>
             </a:pPr>
             <a:r>
@@ -10857,39 +10983,27 @@
             </a:pPr>
             <a:r>
               <a:rPr lang="en"/>
+              <a:t>Sherry Sheggrud</a:t>
+            </a:r>
+            <a:endParaRPr/>
+          </a:p>
+          <a:p>
+            <a:pPr indent="0" lvl="0" marL="0" rtl="0" algn="l">
+              <a:spcBef>
+                <a:spcPts val="0"/>
+              </a:spcBef>
+              <a:spcAft>
+                <a:spcPts val="0"/>
+              </a:spcAft>
+              <a:buNone/>
+            </a:pPr>
+            <a:r>
+              <a:rPr lang="en"/>
               <a:t>Pooja Srivastava</a:t>
             </a:r>
-            <a:endParaRPr/>
-          </a:p>
-          <a:p>
-            <a:pPr indent="0" lvl="0" marL="0" rtl="0" algn="l">
-              <a:spcBef>
-                <a:spcPts val="0"/>
-              </a:spcBef>
-              <a:spcAft>
-                <a:spcPts val="0"/>
-              </a:spcAft>
-              <a:buNone/>
-            </a:pPr>
             <a:r>
               <a:rPr lang="en"/>
-              <a:t>Riley Corpac</a:t>
-            </a:r>
-            <a:endParaRPr/>
-          </a:p>
-          <a:p>
-            <a:pPr indent="0" lvl="0" marL="0" rtl="0" algn="l">
-              <a:spcBef>
-                <a:spcPts val="0"/>
-              </a:spcBef>
-              <a:spcAft>
-                <a:spcPts val="0"/>
-              </a:spcAft>
-              <a:buNone/>
-            </a:pPr>
-            <a:r>
-              <a:rPr lang="en"/>
-              <a:t>Sherry Sheggrud							• 09.22.2021</a:t>
+              <a:t>							• 09.22.2021</a:t>
             </a:r>
             <a:endParaRPr/>
           </a:p>
@@ -11243,7 +11357,7 @@
             </a:pPr>
             <a:r>
               <a:rPr lang="en" sz="1600"/>
-              <a:t>• Created an RDS and S3 session within Amazon Web Services to store the data sets and share publicly.</a:t>
+              <a:t>• Created an RDS and S3 session in Amazon Web Services to store the data sets and share publicly.</a:t>
             </a:r>
             <a:endParaRPr sz="1600"/>
           </a:p>
@@ -11275,7 +11389,7 @@
             </a:pPr>
             <a:r>
               <a:rPr lang="en" sz="1600"/>
-              <a:t>• Performed Pyspark functions of reading .csv files in data frames, dropped columns, changed data types, changed column names, converted the value names within each column, filtered the data frames to display only the mayoral elections and participants within a given election year, and created a total sum column added by the donation amount, candidate match amount, and previous donation amount.</a:t>
+              <a:t>• Read .csv files in data frames, dropped columns, changed data types, changed column names, converted the value names within each column, filtered the data frames to display only the mayoral elections and participants for a given election year, and created a total sum column added by the donation amount, candidate match amount, and previous donation amount in Pyspark.</a:t>
             </a:r>
             <a:endParaRPr sz="1600"/>
           </a:p>
@@ -12464,20 +12578,20 @@
         </p:nvSpPr>
         <p:spPr>
           <a:xfrm>
-            <a:off x="265500" y="1912650"/>
-            <a:ext cx="4045200" cy="1318200"/>
+            <a:off x="2400250" y="575950"/>
+            <a:ext cx="6321600" cy="635400"/>
           </a:xfrm>
           <a:prstGeom prst="rect">
             <a:avLst/>
           </a:prstGeom>
         </p:spPr>
         <p:txBody>
-          <a:bodyPr anchorCtr="0" anchor="ctr" bIns="91425" lIns="91425" spcFirstLastPara="1" rIns="91425" wrap="square" tIns="91425">
+          <a:bodyPr anchorCtr="0" anchor="t" bIns="91425" lIns="91425" spcFirstLastPara="1" rIns="91425" wrap="square" tIns="91425">
             <a:noAutofit/>
           </a:bodyPr>
           <a:lstStyle/>
           <a:p>
-            <a:pPr indent="0" lvl="0" marL="0" rtl="0" algn="ctr">
+            <a:pPr indent="0" lvl="0" marL="0" rtl="0" algn="l">
               <a:spcBef>
                 <a:spcPts val="0"/>
               </a:spcBef>
@@ -12488,117 +12602,94 @@
             </a:pPr>
             <a:r>
               <a:rPr lang="en"/>
-              <a:t>Software and Sources Used</a:t>
-            </a:r>
-            <a:endParaRPr>
+              <a:t>Project Mission:</a:t>
+            </a:r>
+            <a:endParaRPr/>
+          </a:p>
+        </p:txBody>
+      </p:sp>
+      <p:sp>
+        <p:nvSpPr>
+          <p:cNvPr id="79" name="Google Shape;79;p14"/>
+          <p:cNvSpPr txBox="1"/>
+          <p:nvPr>
+            <p:ph idx="1" type="body"/>
+          </p:nvPr>
+        </p:nvSpPr>
+        <p:spPr>
+          <a:xfrm>
+            <a:off x="2400300" y="1211350"/>
+            <a:ext cx="6321600" cy="3393900"/>
+          </a:xfrm>
+          <a:prstGeom prst="rect">
+            <a:avLst/>
+          </a:prstGeom>
+        </p:spPr>
+        <p:txBody>
+          <a:bodyPr anchorCtr="0" anchor="t" bIns="91425" lIns="91425" spcFirstLastPara="1" rIns="91425" wrap="square" tIns="91425">
+            <a:noAutofit/>
+          </a:bodyPr>
+          <a:lstStyle/>
+          <a:p>
+            <a:pPr indent="0" lvl="0" marL="0" rtl="0" algn="l">
+              <a:lnSpc>
+                <a:spcPct val="115000"/>
+              </a:lnSpc>
+              <a:spcBef>
+                <a:spcPts val="0"/>
+              </a:spcBef>
+              <a:spcAft>
+                <a:spcPts val="0"/>
+              </a:spcAft>
+              <a:buNone/>
+            </a:pPr>
+            <a:r>
+              <a:rPr b="1" lang="en" sz="2100">
+                <a:solidFill>
+                  <a:schemeClr val="accent3"/>
+                </a:solidFill>
+              </a:rPr>
+              <a:t>Analyzing the extent to which campaign donations influence elections</a:t>
+            </a:r>
+            <a:endParaRPr b="1" sz="2100">
               <a:solidFill>
                 <a:schemeClr val="accent3"/>
               </a:solidFill>
             </a:endParaRPr>
           </a:p>
-        </p:txBody>
-      </p:sp>
-      <p:sp>
-        <p:nvSpPr>
-          <p:cNvPr id="79" name="Google Shape;79;p14"/>
-          <p:cNvSpPr txBox="1"/>
-          <p:nvPr>
-            <p:ph idx="2" type="body"/>
-          </p:nvPr>
-        </p:nvSpPr>
-        <p:spPr>
-          <a:xfrm>
-            <a:off x="4939500" y="724200"/>
-            <a:ext cx="3837000" cy="3695100"/>
-          </a:xfrm>
-          <a:prstGeom prst="rect">
-            <a:avLst/>
-          </a:prstGeom>
-        </p:spPr>
-        <p:txBody>
-          <a:bodyPr anchorCtr="0" anchor="ctr" bIns="91425" lIns="91425" spcFirstLastPara="1" rIns="91425" wrap="square" tIns="91425">
-            <a:noAutofit/>
-          </a:bodyPr>
-          <a:lstStyle/>
-          <a:p>
-            <a:pPr indent="0" lvl="0" marL="0" rtl="0" algn="l">
-              <a:spcBef>
-                <a:spcPts val="0"/>
-              </a:spcBef>
-              <a:spcAft>
-                <a:spcPts val="0"/>
-              </a:spcAft>
-              <a:buNone/>
-            </a:pPr>
-            <a:r>
-              <a:rPr b="1" lang="en"/>
-              <a:t>Technologies Used:</a:t>
-            </a:r>
-            <a:endParaRPr b="1"/>
-          </a:p>
-          <a:p>
-            <a:pPr indent="0" lvl="0" marL="0" rtl="0" algn="l">
-              <a:spcBef>
-                <a:spcPts val="0"/>
-              </a:spcBef>
-              <a:spcAft>
-                <a:spcPts val="0"/>
-              </a:spcAft>
-              <a:buNone/>
-            </a:pPr>
-            <a:r>
-              <a:rPr lang="en" sz="1500"/>
-              <a:t>Python3 (Pandas, sklearn</a:t>
-            </a:r>
-            <a:r>
-              <a:rPr lang="en" sz="1500"/>
-              <a:t>, </a:t>
-            </a:r>
-            <a:r>
-              <a:rPr lang="en" sz="1500"/>
-              <a:t>Plotly) </a:t>
-            </a:r>
-            <a:r>
-              <a:rPr lang="en" sz="1500"/>
-              <a:t>Amazon RDS, JavaScript, PostgreSQL, Tableau</a:t>
-            </a:r>
-            <a:endParaRPr sz="1500"/>
-          </a:p>
-          <a:p>
-            <a:pPr indent="0" lvl="0" marL="0" rtl="0" algn="l">
+          <a:p>
+            <a:pPr indent="-330200" lvl="0" marL="457200" rtl="0" algn="l">
               <a:spcBef>
                 <a:spcPts val="1600"/>
               </a:spcBef>
               <a:spcAft>
                 <a:spcPts val="0"/>
               </a:spcAft>
-              <a:buNone/>
-            </a:pPr>
-            <a:r>
-              <a:rPr b="1" lang="en"/>
-              <a:t>Data Source</a:t>
-            </a:r>
-            <a:r>
-              <a:rPr b="1" lang="en"/>
-              <a:t>:</a:t>
-            </a:r>
-            <a:endParaRPr b="1"/>
-          </a:p>
-          <a:p>
-            <a:pPr indent="0" lvl="0" marL="0" rtl="0" algn="l">
-              <a:spcBef>
-                <a:spcPts val="0"/>
-              </a:spcBef>
-              <a:spcAft>
-                <a:spcPts val="1600"/>
-              </a:spcAft>
-              <a:buNone/>
-            </a:pPr>
-            <a:r>
-              <a:rPr lang="en" sz="1500"/>
-              <a:t>https://www.nyccfb.info/follow-the-money/cunymap-2021</a:t>
-            </a:r>
-            <a:endParaRPr sz="1500"/>
+              <a:buSzPts val="1600"/>
+              <a:buChar char="●"/>
+            </a:pPr>
+            <a:r>
+              <a:rPr lang="en" sz="1600"/>
+              <a:t>Our project will analyze New York City mayoral elections.</a:t>
+            </a:r>
+            <a:endParaRPr sz="1600"/>
+          </a:p>
+          <a:p>
+            <a:pPr indent="-330200" lvl="0" marL="457200" rtl="0" algn="l">
+              <a:spcBef>
+                <a:spcPts val="1200"/>
+              </a:spcBef>
+              <a:spcAft>
+                <a:spcPts val="1200"/>
+              </a:spcAft>
+              <a:buSzPts val="1600"/>
+              <a:buChar char="●"/>
+            </a:pPr>
+            <a:r>
+              <a:rPr lang="en" sz="1600"/>
+              <a:t>We will determine whether there exists a relationship between the quantity of campaign finance donations and electoral results, and whether a donation sum from a particular occupation or industry is likewise related.</a:t>
+            </a:r>
+            <a:endParaRPr sz="1600"/>
           </a:p>
         </p:txBody>
       </p:sp>
@@ -13195,17 +13286,18 @@
           <p:cNvPicPr preferRelativeResize="0"/>
           <p:nvPr/>
         </p:nvPicPr>
-        <p:blipFill rotWithShape="1">
+        <p:blipFill>
           <a:blip r:embed="rId3">
             <a:alphaModFix/>
           </a:blip>
-          <a:srcRect b="0" l="0" r="0" t="0"/>
-          <a:stretch/>
+          <a:stretch>
+            <a:fillRect/>
+          </a:stretch>
         </p:blipFill>
         <p:spPr>
           <a:xfrm>
-            <a:off x="2480138" y="1137725"/>
-            <a:ext cx="6185281" cy="3627349"/>
+            <a:off x="2480162" y="1211349"/>
+            <a:ext cx="6467850" cy="3132900"/>
           </a:xfrm>
           <a:prstGeom prst="rect">
             <a:avLst/>
@@ -13419,18 +13511,10 @@
               <a:buNone/>
             </a:pPr>
             <a:r>
-              <a:rPr lang="en" sz="1700"/>
-              <a:t>We</a:t>
-            </a:r>
-            <a:r>
               <a:rPr lang="en" sz="1600"/>
-              <a:t> used data from .csv files that were initially sourced from the NYC Campaign Finance Board website that we had already processed using SQL and pgAdmin, and then loaded onto a notebook.  The raw .csv files had columns for the amount, matched amount, and previous contributions, </a:t>
-            </a:r>
-            <a:r>
-              <a:rPr lang="en" sz="1600"/>
-              <a:t>which we then aggregated to create a new column with the total amount of contributions given to a particular candidate.  We then used the groupby function in Pandas to group the sum of the total amount of contributions based on the zip code from where the donation originated.</a:t>
-            </a:r>
-            <a:endParaRPr sz="1600"/>
+              <a:t>We loaded data from .csv files already processed in SQL and pgAdmin in Jupyter Notebook.  The amount, matched amount, and previous contributions columns in the raw .csv files were collated into a single column displaying the total amount of contributions given to a particular candidate.  We then used the groupby function in Pandas to group the sum of the total amount of contributions from the originating zip code.</a:t>
+            </a:r>
+            <a:endParaRPr sz="1500"/>
           </a:p>
         </p:txBody>
       </p:sp>
@@ -13562,7 +13646,7 @@
             </a:pPr>
             <a:r>
               <a:rPr lang="en" sz="1600"/>
-              <a:t>We began by graphing our raw data to determine if a relationship between the total amount of money raised and a given ZIP code could be established.  Using both Pandas’ groupby function and matplotlib, we created bar charts to determine such a relationship.  The initial goal was to create a supervised classification model to determine the outcome of previous elections using said features, but such a model was ruled unfeasible due to time constraints, so the regression model was chosen.  During the feature selection process, we did find that said features also applied to linear regression. </a:t>
+              <a:t>First, we graphed our raw data to determine if a relationship exists between the total amount of money raised and a given ZIP code.  Using both the groupby function and matplotlib, we created bar charts to find it.  The initial goal was to create a supervised classification model to determine the outcome of previous elections using said features, but was ruled unfeasible due to time constraints, so the regression model was chosen.  During the feature selection process, we did find that said features also applied to linear regression.</a:t>
             </a:r>
             <a:endParaRPr sz="1600"/>
           </a:p>
@@ -13691,7 +13775,7 @@
             </a:pPr>
             <a:r>
               <a:rPr lang="en" sz="1600"/>
-              <a:t>As for which features to consider, we quickly rejected two columns as adding no value to our model, one for the election year and the other for the previous amount.  Eventually, the following features were selected: ZIP code, type of contribution, date of contribution, city of contribution, state of contribution, amount of contribution, amount of contribution matched by the city, and the amount of money spent by the candidate’s campaign (expenditures.)</a:t>
+              <a:t>As for which features to consider, we quickly rejected two columns as adding no value to our model, one for the election year and the other for the previous amount.  Eventually, we selected ZIP code, type of contribution, date of contribution, city of contribution, state of contribution, amount of contribution, amount of contribution matched by the city, and the amount of money spent by the candidate’s campaign (expenditures.)</a:t>
             </a:r>
             <a:endParaRPr sz="1600"/>
           </a:p>
@@ -13820,7 +13904,7 @@
             </a:pPr>
             <a:r>
               <a:rPr lang="en" sz="1600"/>
-              <a:t>To encode our data we used sklearn's LabelEncoder. We encoded all non-numerical data within our dataset with sklearn's fit_transform function to ensure our model would be able to read it. We did not encode the amount, matched amount, expenditures, and total amount, as we needed them unencoded to be able to visually analyze our data and there did not seem to be any major effects to our model without such encoding.</a:t>
+              <a:t>To encode our data we used sklearn's LabelEncoder. We encoded all non-numerical data within our dataset with sklearn's fit_transform function to ensure our model would be able to read it. We did not encode the amount, matched amount, expenditures, and total amount, as we needed them unencoded to visually analyze our data and effects to our model were negligible without encoding.</a:t>
             </a:r>
             <a:endParaRPr sz="1600"/>
           </a:p>
@@ -13861,8 +13945,8 @@
         </p:nvSpPr>
         <p:spPr>
           <a:xfrm>
-            <a:off x="2400250" y="575950"/>
-            <a:ext cx="6321600" cy="635400"/>
+            <a:off x="2516550" y="575950"/>
+            <a:ext cx="6205500" cy="635400"/>
           </a:xfrm>
           <a:prstGeom prst="rect">
             <a:avLst/>
@@ -13885,7 +13969,7 @@
             </a:pPr>
             <a:r>
               <a:rPr lang="en"/>
-              <a:t>Project Mission:</a:t>
+              <a:t>Target Audience</a:t>
             </a:r>
             <a:endParaRPr/>
           </a:p>
@@ -13901,8 +13985,8 @@
         </p:nvSpPr>
         <p:spPr>
           <a:xfrm>
-            <a:off x="2400300" y="1211350"/>
-            <a:ext cx="6321600" cy="3393900"/>
+            <a:off x="2516500" y="1361300"/>
+            <a:ext cx="6205500" cy="3243900"/>
           </a:xfrm>
           <a:prstGeom prst="rect">
             <a:avLst/>
@@ -13915,72 +13999,43 @@
           <a:lstStyle/>
           <a:p>
             <a:pPr indent="0" lvl="0" marL="0" rtl="0" algn="l">
-              <a:lnSpc>
-                <a:spcPct val="115000"/>
-              </a:lnSpc>
-              <a:spcBef>
-                <a:spcPts val="0"/>
-              </a:spcBef>
-              <a:spcAft>
-                <a:spcPts val="0"/>
-              </a:spcAft>
-              <a:buNone/>
-            </a:pPr>
-            <a:r>
-              <a:rPr b="1" lang="en" sz="2100">
+              <a:spcBef>
+                <a:spcPts val="0"/>
+              </a:spcBef>
+              <a:spcAft>
+                <a:spcPts val="0"/>
+              </a:spcAft>
+              <a:buNone/>
+            </a:pPr>
+            <a:r>
+              <a:rPr b="1" lang="en" sz="2000">
                 <a:solidFill>
                   <a:schemeClr val="accent3"/>
                 </a:solidFill>
               </a:rPr>
-              <a:t>Analyzing the extent to which campaign donations influence elections</a:t>
-            </a:r>
-            <a:endParaRPr b="1" sz="2100">
+              <a:t>Who is our target audience?</a:t>
+            </a:r>
+            <a:endParaRPr b="1" sz="2000">
               <a:solidFill>
                 <a:schemeClr val="accent3"/>
               </a:solidFill>
             </a:endParaRPr>
           </a:p>
           <a:p>
-            <a:pPr indent="-330200" lvl="0" marL="457200" rtl="0" algn="l">
+            <a:pPr indent="0" lvl="0" marL="0" rtl="0" algn="l">
               <a:spcBef>
                 <a:spcPts val="1600"/>
               </a:spcBef>
               <a:spcAft>
-                <a:spcPts val="0"/>
-              </a:spcAft>
-              <a:buSzPts val="1600"/>
-              <a:buChar char="●"/>
-            </a:pPr>
-            <a:r>
-              <a:rPr lang="en" sz="1600"/>
-              <a:t>Our project will analyze New York City mayoral elections.</a:t>
-            </a:r>
-            <a:endParaRPr sz="1600"/>
-          </a:p>
-          <a:p>
-            <a:pPr indent="-330200" lvl="0" marL="457200" rtl="0" algn="l">
-              <a:spcBef>
                 <a:spcPts val="1200"/>
-              </a:spcBef>
-              <a:spcAft>
-                <a:spcPts val="1200"/>
-              </a:spcAft>
-              <a:buSzPts val="1600"/>
-              <a:buChar char="●"/>
-            </a:pPr>
-            <a:r>
-              <a:rPr lang="en" sz="1600"/>
-              <a:t>We will determine whether there exists a relationship between the </a:t>
-            </a:r>
-            <a:r>
-              <a:rPr lang="en" sz="1600"/>
-              <a:t>quantity of campaign finance donations and electoral results</a:t>
-            </a:r>
-            <a:r>
-              <a:rPr lang="en" sz="1600"/>
-              <a:t>, and whether a donation sum from a particular occupation or industry is likewise related.</a:t>
-            </a:r>
-            <a:endParaRPr sz="1600"/>
+              </a:spcAft>
+              <a:buNone/>
+            </a:pPr>
+            <a:r>
+              <a:rPr lang="en" sz="1500"/>
+              <a:t>Anyone who wants to know what role finance has on New York City’s mayoral elections.  They can see the difference between contributions and expenditures between candidates, as well as their significance.</a:t>
+            </a:r>
+            <a:endParaRPr sz="1500"/>
           </a:p>
         </p:txBody>
       </p:sp>
@@ -14190,7 +14245,7 @@
             </a:pPr>
             <a:r>
               <a:rPr lang="en" sz="1600"/>
-              <a:t>Capable of handling unbalanced data.  The model is not without its drawbacks, as it can be difficult to interpret, can often overfit the data, and can take up a lot of memory if the dataset is large.</a:t>
+              <a:t>Capable of handling unbalanced data.  The model had a few drawbacks, as it can be difficult to interpret, can often overfit the data, and can take up a lot of memory if the dataset is large.</a:t>
             </a:r>
             <a:endParaRPr sz="1600"/>
           </a:p>
@@ -14337,7 +14392,7 @@
             </a:pPr>
             <a:r>
               <a:rPr lang="en" sz="1600"/>
-              <a:t>Initially, we were using the Random Forest Classifier for our model as we were attempting to create a classification model which can predict the outcomes of an election, but we decided that a regression model to predict the total amount of money raised would be more realistic to complete within the allotted time. We therefore decided to change our model to the current one.</a:t>
+              <a:t>Initially, we were using the Random Forest Classifier for our model as we were attempting to create a classification model which can predict election outcomes, but we decided that a regression model to predict the total amount of money raised would be more realistic to complete within the allotted time. We therefore decided to change our model to the current one.</a:t>
             </a:r>
             <a:endParaRPr sz="1600"/>
           </a:p>
@@ -14652,7 +14707,7 @@
             <a:tbl>
               <a:tblPr>
                 <a:noFill/>
-                <a:tableStyleId>{3A69B37A-BA3B-4ADF-8639-D5CD51B93261}</a:tableStyleId>
+                <a:tableStyleId>{923854F0-9E2A-48B8-B811-5DDC342682C7}</a:tableStyleId>
               </a:tblPr>
               <a:tblGrid>
                 <a:gridCol w="1158250"/>
@@ -15094,7 +15149,7 @@
             </a:pPr>
             <a:r>
               <a:rPr lang="en"/>
-              <a:t>Results</a:t>
+              <a:t>Challenges</a:t>
             </a:r>
             <a:endParaRPr/>
           </a:p>
@@ -15111,6 +15166,13 @@
 <file path=ppt/slides/slide36.xml><?xml version="1.0" encoding="utf-8"?>
 <p:sld xmlns:a="http://schemas.openxmlformats.org/drawingml/2006/main" xmlns:r="http://schemas.openxmlformats.org/officeDocument/2006/relationships" xmlns:mc="http://schemas.openxmlformats.org/markup-compatibility/2006" xmlns:mv="urn:schemas-microsoft-com:mac:vml" xmlns:p="http://schemas.openxmlformats.org/presentationml/2006/main" xmlns:c="http://schemas.openxmlformats.org/drawingml/2006/chart" xmlns:dgm="http://schemas.openxmlformats.org/drawingml/2006/diagram" xmlns:o="urn:schemas-microsoft-com:office:office" xmlns:v="urn:schemas-microsoft-com:vml" xmlns:pvml="urn:schemas-microsoft-com:office:powerpoint" xmlns:com="http://schemas.openxmlformats.org/drawingml/2006/compatibility" xmlns:p14="http://schemas.microsoft.com/office/powerpoint/2010/main" xmlns:p15="http://schemas.microsoft.com/office/powerpoint/2012/main" xmlns:ahyp="http://schemas.microsoft.com/office/drawing/2018/hyperlinkcolor">
   <p:cSld>
+    <p:bg>
+      <p:bgPr>
+        <a:solidFill>
+          <a:schemeClr val="accent3"/>
+        </a:solidFill>
+      </p:bgPr>
+    </p:bg>
     <p:spTree>
       <p:nvGrpSpPr>
         <p:cNvPr id="277" name="Shape 277"/>
@@ -15130,13 +15192,13 @@
           <p:cNvPr id="278" name="Google Shape;278;p48"/>
           <p:cNvSpPr txBox="1"/>
           <p:nvPr>
-            <p:ph idx="1" type="body"/>
-          </p:nvPr>
-        </p:nvSpPr>
-        <p:spPr>
-          <a:xfrm>
-            <a:off x="328017" y="4226025"/>
-            <a:ext cx="8388600" cy="393600"/>
+            <p:ph type="title"/>
+          </p:nvPr>
+        </p:nvSpPr>
+        <p:spPr>
+          <a:xfrm>
+            <a:off x="406425" y="1806825"/>
+            <a:ext cx="8296800" cy="1542000"/>
           </a:xfrm>
           <a:prstGeom prst="rect">
             <a:avLst/>
@@ -15158,71 +15220,13 @@
               <a:buNone/>
             </a:pPr>
             <a:r>
-              <a:rPr lang="en" sz="1700"/>
-              <a:t>Total c</a:t>
-            </a:r>
-            <a:r>
-              <a:rPr lang="en" sz="1700"/>
-              <a:t>ontributions, by category of contribution (left) and by contributor type (right)</a:t>
-            </a:r>
-            <a:endParaRPr sz="1700"/>
+              <a:rPr lang="en"/>
+              <a:t>Results</a:t>
+            </a:r>
+            <a:endParaRPr/>
           </a:p>
         </p:txBody>
       </p:sp>
-      <p:pic>
-        <p:nvPicPr>
-          <p:cNvPr id="279" name="Google Shape;279;p48"/>
-          <p:cNvPicPr preferRelativeResize="0"/>
-          <p:nvPr/>
-        </p:nvPicPr>
-        <p:blipFill rotWithShape="1">
-          <a:blip r:embed="rId3">
-            <a:alphaModFix/>
-          </a:blip>
-          <a:srcRect b="0" l="2281" r="2271" t="0"/>
-          <a:stretch/>
-        </p:blipFill>
-        <p:spPr>
-          <a:xfrm>
-            <a:off x="328025" y="203900"/>
-            <a:ext cx="3543300" cy="3762375"/>
-          </a:xfrm>
-          <a:prstGeom prst="rect">
-            <a:avLst/>
-          </a:prstGeom>
-          <a:noFill/>
-          <a:ln>
-            <a:noFill/>
-          </a:ln>
-        </p:spPr>
-      </p:pic>
-      <p:pic>
-        <p:nvPicPr>
-          <p:cNvPr id="280" name="Google Shape;280;p48"/>
-          <p:cNvPicPr preferRelativeResize="0"/>
-          <p:nvPr/>
-        </p:nvPicPr>
-        <p:blipFill rotWithShape="1">
-          <a:blip r:embed="rId4">
-            <a:alphaModFix/>
-          </a:blip>
-          <a:srcRect b="0" l="2281" r="2271" t="0"/>
-          <a:stretch/>
-        </p:blipFill>
-        <p:spPr>
-          <a:xfrm>
-            <a:off x="5173325" y="203900"/>
-            <a:ext cx="3543300" cy="3762375"/>
-          </a:xfrm>
-          <a:prstGeom prst="rect">
-            <a:avLst/>
-          </a:prstGeom>
-          <a:noFill/>
-          <a:ln>
-            <a:noFill/>
-          </a:ln>
-        </p:spPr>
-      </p:pic>
     </p:spTree>
   </p:cSld>
   <p:clrMapOvr>
@@ -15236,7 +15240,7 @@
   <p:cSld>
     <p:spTree>
       <p:nvGrpSpPr>
-        <p:cNvPr id="284" name="Shape 284"/>
+        <p:cNvPr id="282" name="Shape 282"/>
         <p:cNvGrpSpPr/>
         <p:nvPr/>
       </p:nvGrpSpPr>
@@ -15250,7 +15254,7 @@
       </p:grpSpPr>
       <p:sp>
         <p:nvSpPr>
-          <p:cNvPr id="285" name="Google Shape;285;p49"/>
+          <p:cNvPr id="283" name="Google Shape;283;p49"/>
           <p:cNvSpPr txBox="1"/>
           <p:nvPr>
             <p:ph idx="1" type="body"/>
@@ -15282,7 +15286,11 @@
             </a:pPr>
             <a:r>
               <a:rPr lang="en" sz="1700"/>
-              <a:t>Linear regression for the 2005 (left) and 2009 (right) general elections.</a:t>
+              <a:t>Total c</a:t>
+            </a:r>
+            <a:r>
+              <a:rPr lang="en" sz="1700"/>
+              <a:t>ontributions, by category of contribution (left) and by contributor type (right)</a:t>
             </a:r>
             <a:endParaRPr sz="1700"/>
           </a:p>
@@ -15290,7 +15298,7 @@
       </p:sp>
       <p:pic>
         <p:nvPicPr>
-          <p:cNvPr id="286" name="Google Shape;286;p49"/>
+          <p:cNvPr id="284" name="Google Shape;284;p49"/>
           <p:cNvPicPr preferRelativeResize="0"/>
           <p:nvPr/>
         </p:nvPicPr>
@@ -15298,13 +15306,13 @@
           <a:blip r:embed="rId3">
             <a:alphaModFix/>
           </a:blip>
-          <a:srcRect b="0" l="2597" r="2597" t="0"/>
+          <a:srcRect b="0" l="2281" r="2271" t="0"/>
           <a:stretch/>
         </p:blipFill>
         <p:spPr>
           <a:xfrm>
-            <a:off x="4572000" y="912424"/>
-            <a:ext cx="4124900" cy="2749933"/>
+            <a:off x="328025" y="203900"/>
+            <a:ext cx="3543300" cy="3762375"/>
           </a:xfrm>
           <a:prstGeom prst="rect">
             <a:avLst/>
@@ -15317,7 +15325,7 @@
       </p:pic>
       <p:pic>
         <p:nvPicPr>
-          <p:cNvPr id="287" name="Google Shape;287;p49"/>
+          <p:cNvPr id="285" name="Google Shape;285;p49"/>
           <p:cNvPicPr preferRelativeResize="0"/>
           <p:nvPr/>
         </p:nvPicPr>
@@ -15325,13 +15333,13 @@
           <a:blip r:embed="rId4">
             <a:alphaModFix/>
           </a:blip>
-          <a:srcRect b="0" l="0" r="219" t="0"/>
+          <a:srcRect b="0" l="2281" r="2271" t="0"/>
           <a:stretch/>
         </p:blipFill>
         <p:spPr>
           <a:xfrm>
-            <a:off x="328025" y="912425"/>
-            <a:ext cx="4263701" cy="2842475"/>
+            <a:off x="5173325" y="203900"/>
+            <a:ext cx="3543300" cy="3762375"/>
           </a:xfrm>
           <a:prstGeom prst="rect">
             <a:avLst/>
@@ -15355,7 +15363,7 @@
   <p:cSld>
     <p:spTree>
       <p:nvGrpSpPr>
-        <p:cNvPr id="291" name="Shape 291"/>
+        <p:cNvPr id="289" name="Shape 289"/>
         <p:cNvGrpSpPr/>
         <p:nvPr/>
       </p:nvGrpSpPr>
@@ -15369,7 +15377,7 @@
       </p:grpSpPr>
       <p:sp>
         <p:nvSpPr>
-          <p:cNvPr id="292" name="Google Shape;292;p50"/>
+          <p:cNvPr id="290" name="Google Shape;290;p50"/>
           <p:cNvSpPr txBox="1"/>
           <p:nvPr>
             <p:ph idx="1" type="body"/>
@@ -15401,7 +15409,7 @@
             </a:pPr>
             <a:r>
               <a:rPr lang="en" sz="1700"/>
-              <a:t>Linear regression for the 2013 (left) and 2017 (right) general elections.</a:t>
+              <a:t>Linear regression for the 2005 (left) and 2009 (right) general elections.</a:t>
             </a:r>
             <a:endParaRPr sz="1700"/>
           </a:p>
@@ -15409,7 +15417,7 @@
       </p:sp>
       <p:pic>
         <p:nvPicPr>
-          <p:cNvPr id="293" name="Google Shape;293;p50"/>
+          <p:cNvPr id="291" name="Google Shape;291;p50"/>
           <p:cNvPicPr preferRelativeResize="0"/>
           <p:nvPr/>
         </p:nvPicPr>
@@ -15417,13 +15425,13 @@
           <a:blip r:embed="rId3">
             <a:alphaModFix/>
           </a:blip>
-          <a:srcRect b="0" l="1285" r="1295" t="0"/>
+          <a:srcRect b="0" l="2597" r="2597" t="0"/>
           <a:stretch/>
         </p:blipFill>
         <p:spPr>
           <a:xfrm>
             <a:off x="4572000" y="912424"/>
-            <a:ext cx="4124901" cy="2749933"/>
+            <a:ext cx="4124900" cy="2749933"/>
           </a:xfrm>
           <a:prstGeom prst="rect">
             <a:avLst/>
@@ -15436,7 +15444,7 @@
       </p:pic>
       <p:pic>
         <p:nvPicPr>
-          <p:cNvPr id="294" name="Google Shape;294;p50"/>
+          <p:cNvPr id="292" name="Google Shape;292;p50"/>
           <p:cNvPicPr preferRelativeResize="0"/>
           <p:nvPr/>
         </p:nvPicPr>
@@ -15444,13 +15452,13 @@
           <a:blip r:embed="rId4">
             <a:alphaModFix/>
           </a:blip>
-          <a:srcRect b="0" l="3349" r="3358" t="0"/>
+          <a:srcRect b="0" l="0" r="219" t="0"/>
           <a:stretch/>
         </p:blipFill>
         <p:spPr>
           <a:xfrm>
             <a:off x="328025" y="912425"/>
-            <a:ext cx="4263702" cy="2842475"/>
+            <a:ext cx="4263701" cy="2842475"/>
           </a:xfrm>
           <a:prstGeom prst="rect">
             <a:avLst/>
@@ -15474,7 +15482,7 @@
   <p:cSld>
     <p:spTree>
       <p:nvGrpSpPr>
-        <p:cNvPr id="298" name="Shape 298"/>
+        <p:cNvPr id="296" name="Shape 296"/>
         <p:cNvGrpSpPr/>
         <p:nvPr/>
       </p:nvGrpSpPr>
@@ -15488,7 +15496,7 @@
       </p:grpSpPr>
       <p:sp>
         <p:nvSpPr>
-          <p:cNvPr id="299" name="Google Shape;299;p51"/>
+          <p:cNvPr id="297" name="Google Shape;297;p51"/>
           <p:cNvSpPr txBox="1"/>
           <p:nvPr>
             <p:ph idx="1" type="body"/>
@@ -15520,7 +15528,7 @@
             </a:pPr>
             <a:r>
               <a:rPr lang="en" sz="1700"/>
-              <a:t>Linear regression for the 2021 primary election.</a:t>
+              <a:t>Linear regression for the 2013 (left) and 2017 (right) general elections.</a:t>
             </a:r>
             <a:endParaRPr sz="1700"/>
           </a:p>
@@ -15528,7 +15536,7 @@
       </p:sp>
       <p:pic>
         <p:nvPicPr>
-          <p:cNvPr id="300" name="Google Shape;300;p51"/>
+          <p:cNvPr id="298" name="Google Shape;298;p51"/>
           <p:cNvPicPr preferRelativeResize="0"/>
           <p:nvPr/>
         </p:nvPicPr>
@@ -15536,13 +15544,40 @@
           <a:blip r:embed="rId3">
             <a:alphaModFix/>
           </a:blip>
-          <a:srcRect b="0" l="2767" r="2776" t="0"/>
+          <a:srcRect b="0" l="1285" r="1295" t="0"/>
           <a:stretch/>
         </p:blipFill>
         <p:spPr>
           <a:xfrm>
-            <a:off x="1952700" y="343450"/>
-            <a:ext cx="5139250" cy="3426175"/>
+            <a:off x="4572000" y="912424"/>
+            <a:ext cx="4124901" cy="2749933"/>
+          </a:xfrm>
+          <a:prstGeom prst="rect">
+            <a:avLst/>
+          </a:prstGeom>
+          <a:noFill/>
+          <a:ln>
+            <a:noFill/>
+          </a:ln>
+        </p:spPr>
+      </p:pic>
+      <p:pic>
+        <p:nvPicPr>
+          <p:cNvPr id="299" name="Google Shape;299;p51"/>
+          <p:cNvPicPr preferRelativeResize="0"/>
+          <p:nvPr/>
+        </p:nvPicPr>
+        <p:blipFill rotWithShape="1">
+          <a:blip r:embed="rId4">
+            <a:alphaModFix/>
+          </a:blip>
+          <a:srcRect b="0" l="3349" r="3358" t="0"/>
+          <a:stretch/>
+        </p:blipFill>
+        <p:spPr>
+          <a:xfrm>
+            <a:off x="328025" y="912425"/>
+            <a:ext cx="4263702" cy="2842475"/>
           </a:xfrm>
           <a:prstGeom prst="rect">
             <a:avLst/>
@@ -15588,20 +15623,20 @@
         </p:nvSpPr>
         <p:spPr>
           <a:xfrm>
-            <a:off x="2516550" y="575950"/>
-            <a:ext cx="6205500" cy="635400"/>
+            <a:off x="265500" y="1912650"/>
+            <a:ext cx="4045200" cy="1318200"/>
           </a:xfrm>
           <a:prstGeom prst="rect">
             <a:avLst/>
           </a:prstGeom>
         </p:spPr>
         <p:txBody>
-          <a:bodyPr anchorCtr="0" anchor="t" bIns="91425" lIns="91425" spcFirstLastPara="1" rIns="91425" wrap="square" tIns="91425">
+          <a:bodyPr anchorCtr="0" anchor="ctr" bIns="91425" lIns="91425" spcFirstLastPara="1" rIns="91425" wrap="square" tIns="91425">
             <a:noAutofit/>
           </a:bodyPr>
           <a:lstStyle/>
           <a:p>
-            <a:pPr indent="0" lvl="0" marL="0" rtl="0" algn="l">
+            <a:pPr indent="0" lvl="0" marL="0" rtl="0" algn="ctr">
               <a:spcBef>
                 <a:spcPts val="0"/>
               </a:spcBef>
@@ -15612,71 +15647,139 @@
             </a:pPr>
             <a:r>
               <a:rPr lang="en"/>
-              <a:t>Target Audience</a:t>
-            </a:r>
-            <a:endParaRPr/>
-          </a:p>
-        </p:txBody>
-      </p:sp>
-      <p:sp>
-        <p:nvSpPr>
-          <p:cNvPr id="91" name="Google Shape;91;p16"/>
-          <p:cNvSpPr txBox="1"/>
-          <p:nvPr>
-            <p:ph idx="1" type="body"/>
-          </p:nvPr>
-        </p:nvSpPr>
-        <p:spPr>
-          <a:xfrm>
-            <a:off x="2516500" y="1361300"/>
-            <a:ext cx="6205500" cy="3243900"/>
-          </a:xfrm>
-          <a:prstGeom prst="rect">
-            <a:avLst/>
-          </a:prstGeom>
-        </p:spPr>
-        <p:txBody>
-          <a:bodyPr anchorCtr="0" anchor="t" bIns="91425" lIns="91425" spcFirstLastPara="1" rIns="91425" wrap="square" tIns="91425">
-            <a:noAutofit/>
-          </a:bodyPr>
-          <a:lstStyle/>
-          <a:p>
-            <a:pPr indent="0" lvl="0" marL="0" rtl="0" algn="l">
-              <a:spcBef>
-                <a:spcPts val="0"/>
-              </a:spcBef>
-              <a:spcAft>
-                <a:spcPts val="0"/>
-              </a:spcAft>
-              <a:buNone/>
-            </a:pPr>
-            <a:r>
-              <a:rPr b="1" lang="en" sz="2000">
-                <a:solidFill>
-                  <a:schemeClr val="accent3"/>
-                </a:solidFill>
-              </a:rPr>
-              <a:t>Who is our target audience?</a:t>
-            </a:r>
-            <a:endParaRPr b="1" sz="2000">
+              <a:t>Software and Sources Used</a:t>
+            </a:r>
+            <a:endParaRPr>
               <a:solidFill>
                 <a:schemeClr val="accent3"/>
               </a:solidFill>
             </a:endParaRPr>
           </a:p>
+        </p:txBody>
+      </p:sp>
+      <p:sp>
+        <p:nvSpPr>
+          <p:cNvPr id="91" name="Google Shape;91;p16"/>
+          <p:cNvSpPr txBox="1"/>
+          <p:nvPr>
+            <p:ph idx="2" type="body"/>
+          </p:nvPr>
+        </p:nvSpPr>
+        <p:spPr>
+          <a:xfrm>
+            <a:off x="4939500" y="724200"/>
+            <a:ext cx="3837000" cy="3695100"/>
+          </a:xfrm>
+          <a:prstGeom prst="rect">
+            <a:avLst/>
+          </a:prstGeom>
+        </p:spPr>
+        <p:txBody>
+          <a:bodyPr anchorCtr="0" anchor="ctr" bIns="91425" lIns="91425" spcFirstLastPara="1" rIns="91425" wrap="square" tIns="91425">
+            <a:noAutofit/>
+          </a:bodyPr>
+          <a:lstStyle/>
           <a:p>
             <a:pPr indent="0" lvl="0" marL="0" rtl="0" algn="l">
               <a:spcBef>
+                <a:spcPts val="0"/>
+              </a:spcBef>
+              <a:spcAft>
+                <a:spcPts val="0"/>
+              </a:spcAft>
+              <a:buNone/>
+            </a:pPr>
+            <a:r>
+              <a:rPr b="1" lang="en"/>
+              <a:t>Technologies Used:</a:t>
+            </a:r>
+            <a:endParaRPr b="1"/>
+          </a:p>
+          <a:p>
+            <a:pPr indent="0" lvl="0" marL="0" rtl="0" algn="l">
+              <a:spcBef>
+                <a:spcPts val="0"/>
+              </a:spcBef>
+              <a:spcAft>
+                <a:spcPts val="0"/>
+              </a:spcAft>
+              <a:buNone/>
+            </a:pPr>
+            <a:r>
+              <a:rPr lang="en" sz="1500"/>
+              <a:t>Python3 (Pandas, sklearn</a:t>
+            </a:r>
+            <a:r>
+              <a:rPr lang="en" sz="1500"/>
+              <a:t>, </a:t>
+            </a:r>
+            <a:r>
+              <a:rPr lang="en" sz="1500"/>
+              <a:t>Plotly,) </a:t>
+            </a:r>
+            <a:r>
+              <a:rPr lang="en" sz="1500"/>
+              <a:t>Amazon RDS, JavaScript, PostgreSQL, Tableau</a:t>
+            </a:r>
+            <a:endParaRPr sz="1500"/>
+          </a:p>
+          <a:p>
+            <a:pPr indent="0" lvl="0" marL="0" rtl="0" algn="l">
+              <a:spcBef>
                 <a:spcPts val="1600"/>
               </a:spcBef>
               <a:spcAft>
+                <a:spcPts val="0"/>
+              </a:spcAft>
+              <a:buNone/>
+            </a:pPr>
+            <a:r>
+              <a:rPr b="1" lang="en"/>
+              <a:t>Data Source</a:t>
+            </a:r>
+            <a:r>
+              <a:rPr b="1" lang="en"/>
+              <a:t>:</a:t>
+            </a:r>
+            <a:endParaRPr b="1"/>
+          </a:p>
+          <a:p>
+            <a:pPr indent="0" lvl="0" marL="0" rtl="0" algn="l">
+              <a:spcBef>
+                <a:spcPts val="0"/>
+              </a:spcBef>
+              <a:spcAft>
+                <a:spcPts val="0"/>
+              </a:spcAft>
+              <a:buNone/>
+            </a:pPr>
+            <a:r>
+              <a:rPr lang="en"/>
+              <a:t>New York City Campaign Finance Board Follow the Money</a:t>
+            </a:r>
+            <a:endParaRPr/>
+          </a:p>
+          <a:p>
+            <a:pPr indent="0" lvl="0" marL="0" rtl="0" algn="l">
+              <a:lnSpc>
+                <a:spcPct val="100000"/>
+              </a:lnSpc>
+              <a:spcBef>
+                <a:spcPts val="0"/>
+              </a:spcBef>
+              <a:spcAft>
                 <a:spcPts val="1200"/>
               </a:spcAft>
+              <a:buClr>
+                <a:schemeClr val="dk2"/>
+              </a:buClr>
+              <a:buSzPts val="1100"/>
+              <a:buFont typeface="Arial"/>
               <a:buNone/>
             </a:pPr>
             <a:r>
               <a:rPr lang="en" sz="1500"/>
-              <a:t>Anyone who is interested in learning about the role finance has on New York City’s mayoral elections.  They can see the difference between contributions and expenditures between candidates, as well as their significance.</a:t>
+              <a:t>https://www.nyccfb.info/follow-the-money/data-library/</a:t>
             </a:r>
             <a:endParaRPr sz="1500"/>
           </a:p>
@@ -15695,7 +15798,7 @@
   <p:cSld>
     <p:spTree>
       <p:nvGrpSpPr>
-        <p:cNvPr id="304" name="Shape 304"/>
+        <p:cNvPr id="303" name="Shape 303"/>
         <p:cNvGrpSpPr/>
         <p:nvPr/>
       </p:nvGrpSpPr>
@@ -15709,219 +15812,71 @@
       </p:grpSpPr>
       <p:sp>
         <p:nvSpPr>
-          <p:cNvPr id="305" name="Google Shape;305;p52"/>
+          <p:cNvPr id="304" name="Google Shape;304;p52"/>
           <p:cNvSpPr txBox="1"/>
           <p:nvPr>
-            <p:ph type="title"/>
-          </p:nvPr>
-        </p:nvSpPr>
-        <p:spPr>
-          <a:xfrm>
-            <a:off x="2400250" y="575950"/>
-            <a:ext cx="6321600" cy="635400"/>
+            <p:ph idx="1" type="body"/>
+          </p:nvPr>
+        </p:nvSpPr>
+        <p:spPr>
+          <a:xfrm>
+            <a:off x="328017" y="4226025"/>
+            <a:ext cx="8388600" cy="393600"/>
           </a:xfrm>
           <a:prstGeom prst="rect">
             <a:avLst/>
           </a:prstGeom>
         </p:spPr>
         <p:txBody>
-          <a:bodyPr anchorCtr="0" anchor="t" bIns="91425" lIns="91425" spcFirstLastPara="1" rIns="91425" wrap="square" tIns="91425">
+          <a:bodyPr anchorCtr="0" anchor="ctr" bIns="91425" lIns="91425" spcFirstLastPara="1" rIns="91425" wrap="square" tIns="91425">
             <a:noAutofit/>
           </a:bodyPr>
           <a:lstStyle/>
           <a:p>
-            <a:pPr indent="0" lvl="0" marL="0" rtl="0" algn="l">
-              <a:spcBef>
-                <a:spcPts val="0"/>
-              </a:spcBef>
-              <a:spcAft>
-                <a:spcPts val="0"/>
-              </a:spcAft>
-              <a:buNone/>
-            </a:pPr>
-            <a:r>
-              <a:rPr lang="en"/>
-              <a:t>Reserved for data summary</a:t>
-            </a:r>
-            <a:endParaRPr/>
+            <a:pPr indent="0" lvl="0" marL="0" rtl="0" algn="ctr">
+              <a:spcBef>
+                <a:spcPts val="0"/>
+              </a:spcBef>
+              <a:spcAft>
+                <a:spcPts val="0"/>
+              </a:spcAft>
+              <a:buNone/>
+            </a:pPr>
+            <a:r>
+              <a:rPr lang="en" sz="1700"/>
+              <a:t>Linear regression for the 2021 primary election.</a:t>
+            </a:r>
+            <a:endParaRPr sz="1700"/>
           </a:p>
         </p:txBody>
       </p:sp>
-      <p:sp>
-        <p:nvSpPr>
-          <p:cNvPr id="306" name="Google Shape;306;p52"/>
-          <p:cNvSpPr txBox="1"/>
-          <p:nvPr>
-            <p:ph idx="1" type="body"/>
-          </p:nvPr>
-        </p:nvSpPr>
-        <p:spPr>
-          <a:xfrm>
-            <a:off x="2410112" y="1595776"/>
-            <a:ext cx="6321600" cy="3002400"/>
+      <p:pic>
+        <p:nvPicPr>
+          <p:cNvPr id="305" name="Google Shape;305;p52"/>
+          <p:cNvPicPr preferRelativeResize="0"/>
+          <p:nvPr/>
+        </p:nvPicPr>
+        <p:blipFill rotWithShape="1">
+          <a:blip r:embed="rId3">
+            <a:alphaModFix/>
+          </a:blip>
+          <a:srcRect b="0" l="2767" r="2776" t="0"/>
+          <a:stretch/>
+        </p:blipFill>
+        <p:spPr>
+          <a:xfrm>
+            <a:off x="1952700" y="343450"/>
+            <a:ext cx="5139250" cy="3426175"/>
           </a:xfrm>
           <a:prstGeom prst="rect">
             <a:avLst/>
           </a:prstGeom>
-        </p:spPr>
-        <p:txBody>
-          <a:bodyPr anchorCtr="0" anchor="t" bIns="91425" lIns="91425" spcFirstLastPara="1" rIns="91425" wrap="square" tIns="91425">
-            <a:noAutofit/>
-          </a:bodyPr>
-          <a:lstStyle/>
-          <a:p>
-            <a:pPr indent="0" lvl="0" marL="0" rtl="0" algn="l">
-              <a:spcBef>
-                <a:spcPts val="0"/>
-              </a:spcBef>
-              <a:spcAft>
-                <a:spcPts val="0"/>
-              </a:spcAft>
-              <a:buNone/>
-            </a:pPr>
-            <a:r>
-              <a:rPr b="1" lang="en" sz="2100">
-                <a:solidFill>
-                  <a:schemeClr val="accent3"/>
-                </a:solidFill>
-              </a:rPr>
-              <a:t>Assignment 1</a:t>
-            </a:r>
-            <a:endParaRPr b="1" sz="2100">
-              <a:solidFill>
-                <a:schemeClr val="accent3"/>
-              </a:solidFill>
-            </a:endParaRPr>
-          </a:p>
-          <a:p>
-            <a:pPr indent="0" lvl="0" marL="0" rtl="0" algn="l">
-              <a:spcBef>
-                <a:spcPts val="0"/>
-              </a:spcBef>
-              <a:spcAft>
-                <a:spcPts val="0"/>
-              </a:spcAft>
-              <a:buNone/>
-            </a:pPr>
-            <a:r>
-              <a:rPr lang="en" sz="1600"/>
-              <a:t>Lorem ipsum dolor sit amet</a:t>
-            </a:r>
-            <a:endParaRPr sz="1600"/>
-          </a:p>
-          <a:p>
-            <a:pPr indent="0" lvl="0" marL="0" rtl="0" algn="l">
-              <a:spcBef>
-                <a:spcPts val="0"/>
-              </a:spcBef>
-              <a:spcAft>
-                <a:spcPts val="0"/>
-              </a:spcAft>
-              <a:buNone/>
-            </a:pPr>
-            <a:r>
-              <a:rPr lang="en" sz="1600"/>
-              <a:t>Consectetur adipiscing elit, sed do eiusmod tempor</a:t>
-            </a:r>
-            <a:endParaRPr sz="1600"/>
-          </a:p>
-          <a:p>
-            <a:pPr indent="0" lvl="0" marL="0" rtl="0" algn="l">
-              <a:spcBef>
-                <a:spcPts val="1600"/>
-              </a:spcBef>
-              <a:spcAft>
-                <a:spcPts val="0"/>
-              </a:spcAft>
-              <a:buNone/>
-            </a:pPr>
-            <a:r>
-              <a:rPr b="1" lang="en" sz="2100">
-                <a:solidFill>
-                  <a:schemeClr val="accent3"/>
-                </a:solidFill>
-              </a:rPr>
-              <a:t>Assignment 2</a:t>
-            </a:r>
-            <a:endParaRPr b="1" sz="2100">
-              <a:solidFill>
-                <a:schemeClr val="accent3"/>
-              </a:solidFill>
-            </a:endParaRPr>
-          </a:p>
-          <a:p>
-            <a:pPr indent="0" lvl="0" marL="0" rtl="0" algn="l">
-              <a:spcBef>
-                <a:spcPts val="0"/>
-              </a:spcBef>
-              <a:spcAft>
-                <a:spcPts val="0"/>
-              </a:spcAft>
-              <a:buNone/>
-            </a:pPr>
-            <a:r>
-              <a:rPr lang="en" sz="1600"/>
-              <a:t>Lorem ipsum dolor sit amet</a:t>
-            </a:r>
-            <a:endParaRPr sz="1600"/>
-          </a:p>
-          <a:p>
-            <a:pPr indent="0" lvl="0" marL="0" rtl="0" algn="l">
-              <a:spcBef>
-                <a:spcPts val="1600"/>
-              </a:spcBef>
-              <a:spcAft>
-                <a:spcPts val="0"/>
-              </a:spcAft>
-              <a:buNone/>
-            </a:pPr>
-            <a:r>
-              <a:rPr b="1" lang="en" sz="2100">
-                <a:solidFill>
-                  <a:schemeClr val="accent3"/>
-                </a:solidFill>
-              </a:rPr>
-              <a:t>Assignment 3</a:t>
-            </a:r>
-            <a:endParaRPr b="1" sz="2100">
-              <a:solidFill>
-                <a:schemeClr val="accent3"/>
-              </a:solidFill>
-            </a:endParaRPr>
-          </a:p>
-          <a:p>
-            <a:pPr indent="0" lvl="0" marL="0" rtl="0" algn="l">
-              <a:spcBef>
-                <a:spcPts val="0"/>
-              </a:spcBef>
-              <a:spcAft>
-                <a:spcPts val="0"/>
-              </a:spcAft>
-              <a:buNone/>
-            </a:pPr>
-            <a:r>
-              <a:rPr lang="en" sz="1600"/>
-              <a:t>Consectetur adipiscing elit, sed do eiusmod tempor</a:t>
-            </a:r>
-            <a:endParaRPr sz="1600"/>
-          </a:p>
-          <a:p>
-            <a:pPr indent="0" lvl="0" marL="0" rtl="0" algn="l">
-              <a:spcBef>
-                <a:spcPts val="1200"/>
-              </a:spcBef>
-              <a:spcAft>
-                <a:spcPts val="1600"/>
-              </a:spcAft>
-              <a:buNone/>
-            </a:pPr>
-            <a:r>
-              <a:t/>
-            </a:r>
-            <a:endParaRPr sz="2400"/>
-          </a:p>
-        </p:txBody>
-      </p:sp>
+          <a:noFill/>
+          <a:ln>
+            <a:noFill/>
+          </a:ln>
+        </p:spPr>
+      </p:pic>
     </p:spTree>
   </p:cSld>
   <p:clrMapOvr>
@@ -15935,7 +15890,7 @@
   <p:cSld>
     <p:spTree>
       <p:nvGrpSpPr>
-        <p:cNvPr id="310" name="Shape 310"/>
+        <p:cNvPr id="309" name="Shape 309"/>
         <p:cNvGrpSpPr/>
         <p:nvPr/>
       </p:nvGrpSpPr>
@@ -15949,7 +15904,247 @@
       </p:grpSpPr>
       <p:sp>
         <p:nvSpPr>
+          <p:cNvPr id="310" name="Google Shape;310;p53"/>
+          <p:cNvSpPr txBox="1"/>
+          <p:nvPr>
+            <p:ph type="title"/>
+          </p:nvPr>
+        </p:nvSpPr>
+        <p:spPr>
+          <a:xfrm>
+            <a:off x="2400250" y="575950"/>
+            <a:ext cx="6321600" cy="635400"/>
+          </a:xfrm>
+          <a:prstGeom prst="rect">
+            <a:avLst/>
+          </a:prstGeom>
+        </p:spPr>
+        <p:txBody>
+          <a:bodyPr anchorCtr="0" anchor="t" bIns="91425" lIns="91425" spcFirstLastPara="1" rIns="91425" wrap="square" tIns="91425">
+            <a:noAutofit/>
+          </a:bodyPr>
+          <a:lstStyle/>
+          <a:p>
+            <a:pPr indent="0" lvl="0" marL="0" rtl="0" algn="l">
+              <a:spcBef>
+                <a:spcPts val="0"/>
+              </a:spcBef>
+              <a:spcAft>
+                <a:spcPts val="0"/>
+              </a:spcAft>
+              <a:buNone/>
+            </a:pPr>
+            <a:r>
+              <a:rPr lang="en"/>
+              <a:t>Reserved for data summary</a:t>
+            </a:r>
+            <a:endParaRPr/>
+          </a:p>
+        </p:txBody>
+      </p:sp>
+      <p:sp>
+        <p:nvSpPr>
           <p:cNvPr id="311" name="Google Shape;311;p53"/>
+          <p:cNvSpPr txBox="1"/>
+          <p:nvPr>
+            <p:ph idx="1" type="body"/>
+          </p:nvPr>
+        </p:nvSpPr>
+        <p:spPr>
+          <a:xfrm>
+            <a:off x="2410112" y="1595776"/>
+            <a:ext cx="6321600" cy="3002400"/>
+          </a:xfrm>
+          <a:prstGeom prst="rect">
+            <a:avLst/>
+          </a:prstGeom>
+        </p:spPr>
+        <p:txBody>
+          <a:bodyPr anchorCtr="0" anchor="t" bIns="91425" lIns="91425" spcFirstLastPara="1" rIns="91425" wrap="square" tIns="91425">
+            <a:noAutofit/>
+          </a:bodyPr>
+          <a:lstStyle/>
+          <a:p>
+            <a:pPr indent="0" lvl="0" marL="0" rtl="0" algn="l">
+              <a:spcBef>
+                <a:spcPts val="0"/>
+              </a:spcBef>
+              <a:spcAft>
+                <a:spcPts val="0"/>
+              </a:spcAft>
+              <a:buNone/>
+            </a:pPr>
+            <a:r>
+              <a:rPr b="1" lang="en" sz="2100">
+                <a:solidFill>
+                  <a:schemeClr val="accent3"/>
+                </a:solidFill>
+              </a:rPr>
+              <a:t>Assignment 1</a:t>
+            </a:r>
+            <a:endParaRPr b="1" sz="2100">
+              <a:solidFill>
+                <a:schemeClr val="accent3"/>
+              </a:solidFill>
+            </a:endParaRPr>
+          </a:p>
+          <a:p>
+            <a:pPr indent="0" lvl="0" marL="0" rtl="0" algn="l">
+              <a:spcBef>
+                <a:spcPts val="0"/>
+              </a:spcBef>
+              <a:spcAft>
+                <a:spcPts val="0"/>
+              </a:spcAft>
+              <a:buNone/>
+            </a:pPr>
+            <a:r>
+              <a:rPr lang="en" sz="1600"/>
+              <a:t>Lorem ipsum dolor sit amet</a:t>
+            </a:r>
+            <a:endParaRPr sz="1600"/>
+          </a:p>
+          <a:p>
+            <a:pPr indent="0" lvl="0" marL="0" rtl="0" algn="l">
+              <a:spcBef>
+                <a:spcPts val="0"/>
+              </a:spcBef>
+              <a:spcAft>
+                <a:spcPts val="0"/>
+              </a:spcAft>
+              <a:buNone/>
+            </a:pPr>
+            <a:r>
+              <a:rPr lang="en" sz="1600"/>
+              <a:t>Consectetur adipiscing elit, sed do eiusmod tempor</a:t>
+            </a:r>
+            <a:endParaRPr sz="1600"/>
+          </a:p>
+          <a:p>
+            <a:pPr indent="0" lvl="0" marL="0" rtl="0" algn="l">
+              <a:spcBef>
+                <a:spcPts val="1600"/>
+              </a:spcBef>
+              <a:spcAft>
+                <a:spcPts val="0"/>
+              </a:spcAft>
+              <a:buNone/>
+            </a:pPr>
+            <a:r>
+              <a:rPr b="1" lang="en" sz="2100">
+                <a:solidFill>
+                  <a:schemeClr val="accent3"/>
+                </a:solidFill>
+              </a:rPr>
+              <a:t>Assignment 2</a:t>
+            </a:r>
+            <a:endParaRPr b="1" sz="2100">
+              <a:solidFill>
+                <a:schemeClr val="accent3"/>
+              </a:solidFill>
+            </a:endParaRPr>
+          </a:p>
+          <a:p>
+            <a:pPr indent="0" lvl="0" marL="0" rtl="0" algn="l">
+              <a:spcBef>
+                <a:spcPts val="0"/>
+              </a:spcBef>
+              <a:spcAft>
+                <a:spcPts val="0"/>
+              </a:spcAft>
+              <a:buNone/>
+            </a:pPr>
+            <a:r>
+              <a:rPr lang="en" sz="1600"/>
+              <a:t>Lorem ipsum dolor sit amet</a:t>
+            </a:r>
+            <a:endParaRPr sz="1600"/>
+          </a:p>
+          <a:p>
+            <a:pPr indent="0" lvl="0" marL="0" rtl="0" algn="l">
+              <a:spcBef>
+                <a:spcPts val="1600"/>
+              </a:spcBef>
+              <a:spcAft>
+                <a:spcPts val="0"/>
+              </a:spcAft>
+              <a:buNone/>
+            </a:pPr>
+            <a:r>
+              <a:rPr b="1" lang="en" sz="2100">
+                <a:solidFill>
+                  <a:schemeClr val="accent3"/>
+                </a:solidFill>
+              </a:rPr>
+              <a:t>Assignment 3</a:t>
+            </a:r>
+            <a:endParaRPr b="1" sz="2100">
+              <a:solidFill>
+                <a:schemeClr val="accent3"/>
+              </a:solidFill>
+            </a:endParaRPr>
+          </a:p>
+          <a:p>
+            <a:pPr indent="0" lvl="0" marL="0" rtl="0" algn="l">
+              <a:spcBef>
+                <a:spcPts val="0"/>
+              </a:spcBef>
+              <a:spcAft>
+                <a:spcPts val="0"/>
+              </a:spcAft>
+              <a:buNone/>
+            </a:pPr>
+            <a:r>
+              <a:rPr lang="en" sz="1600"/>
+              <a:t>Consectetur adipiscing elit, sed do eiusmod tempor</a:t>
+            </a:r>
+            <a:endParaRPr sz="1600"/>
+          </a:p>
+          <a:p>
+            <a:pPr indent="0" lvl="0" marL="0" rtl="0" algn="l">
+              <a:spcBef>
+                <a:spcPts val="1200"/>
+              </a:spcBef>
+              <a:spcAft>
+                <a:spcPts val="1600"/>
+              </a:spcAft>
+              <a:buNone/>
+            </a:pPr>
+            <a:r>
+              <a:t/>
+            </a:r>
+            <a:endParaRPr sz="2400"/>
+          </a:p>
+        </p:txBody>
+      </p:sp>
+    </p:spTree>
+  </p:cSld>
+  <p:clrMapOvr>
+    <a:masterClrMapping/>
+  </p:clrMapOvr>
+</p:sld>
+</file>
+
+<file path=ppt/slides/slide42.xml><?xml version="1.0" encoding="utf-8"?>
+<p:sld xmlns:a="http://schemas.openxmlformats.org/drawingml/2006/main" xmlns:r="http://schemas.openxmlformats.org/officeDocument/2006/relationships" xmlns:mc="http://schemas.openxmlformats.org/markup-compatibility/2006" xmlns:mv="urn:schemas-microsoft-com:mac:vml" xmlns:p="http://schemas.openxmlformats.org/presentationml/2006/main" xmlns:c="http://schemas.openxmlformats.org/drawingml/2006/chart" xmlns:dgm="http://schemas.openxmlformats.org/drawingml/2006/diagram" xmlns:o="urn:schemas-microsoft-com:office:office" xmlns:v="urn:schemas-microsoft-com:vml" xmlns:pvml="urn:schemas-microsoft-com:office:powerpoint" xmlns:com="http://schemas.openxmlformats.org/drawingml/2006/compatibility" xmlns:p14="http://schemas.microsoft.com/office/powerpoint/2010/main" xmlns:p15="http://schemas.microsoft.com/office/powerpoint/2012/main" xmlns:ahyp="http://schemas.microsoft.com/office/drawing/2018/hyperlinkcolor">
+  <p:cSld>
+    <p:spTree>
+      <p:nvGrpSpPr>
+        <p:cNvPr id="315" name="Shape 315"/>
+        <p:cNvGrpSpPr/>
+        <p:nvPr/>
+      </p:nvGrpSpPr>
+      <p:grpSpPr>
+        <a:xfrm>
+          <a:off x="0" y="0"/>
+          <a:ext cx="0" cy="0"/>
+          <a:chOff x="0" y="0"/>
+          <a:chExt cx="0" cy="0"/>
+        </a:xfrm>
+      </p:grpSpPr>
+      <p:sp>
+        <p:nvSpPr>
+          <p:cNvPr id="316" name="Google Shape;316;p54"/>
           <p:cNvSpPr txBox="1"/>
           <p:nvPr>
             <p:ph type="title"/>
@@ -15997,7 +16192,7 @@
       </p:sp>
       <p:sp>
         <p:nvSpPr>
-          <p:cNvPr id="312" name="Google Shape;312;p53"/>
+          <p:cNvPr id="317" name="Google Shape;317;p54"/>
           <p:cNvSpPr txBox="1"/>
           <p:nvPr>
             <p:ph idx="2" type="body"/>
@@ -16174,7 +16369,7 @@
             </a:pPr>
             <a:r>
               <a:rPr lang="en" sz="1500"/>
-              <a:t>Performing ETL (Extract, Transform, Load) on our chosen .csv source files via PySpark.</a:t>
+              <a:t>Performing ETL (Extract, Transform, Load) on our chosen .csv source files downloaded from the New York City Campaign Finance Board Follow the Money web page via PySpark.</a:t>
             </a:r>
             <a:endParaRPr sz="1500"/>
           </a:p>
@@ -16403,7 +16598,7 @@
             </a:pPr>
             <a:r>
               <a:rPr lang="en" sz="1500"/>
-              <a:t>The data we obtained for this project include publicly available records for each NYC mayoral election campaign donation reports from Individuals and Committee/Organizations. The following records also included the Expenditure spending per election year that were tracked by each candidate. We were able to gather the data reports for the six most recent election terms, namely for 2001, 2005, 2009, 2013, 2017, and 2021.</a:t>
+              <a:t>The data we sourced for this project includes publicly available records for each campaign donation report from Individuals and Committee/Organizations. It also includes the Expenditure spending per election year tracked by candidate. We were able to gather the data reports for these election years: 2001 (sans expenditure data,) 2005, 2009, 2013, 2017, and 2021 (sans general election.)</a:t>
             </a:r>
             <a:endParaRPr sz="1500"/>
           </a:p>
@@ -16420,7 +16615,24 @@
             </a:pPr>
             <a:r>
               <a:rPr lang="en" sz="1500"/>
-              <a:t>The following data that was obtained from the New York City Campaign Finance Board contained three separate .csv files for each election year: Individual, Committee and Expenditure reports.</a:t>
+              <a:t>The following data we obtained contained three separate .csv files for each year: Individual, Committee and Expenditure reports.</a:t>
+            </a:r>
+            <a:endParaRPr sz="1500"/>
+          </a:p>
+          <a:p>
+            <a:pPr indent="-323850" lvl="0" marL="457200" rtl="0" algn="l">
+              <a:spcBef>
+                <a:spcPts val="0"/>
+              </a:spcBef>
+              <a:spcAft>
+                <a:spcPts val="0"/>
+              </a:spcAft>
+              <a:buSzPts val="1500"/>
+              <a:buChar char="●"/>
+            </a:pPr>
+            <a:r>
+              <a:rPr lang="en" sz="1500"/>
+              <a:t>The Independent Spender data was not considered due to its complexity beyond the scope of this project.</a:t>
             </a:r>
             <a:endParaRPr sz="1500"/>
           </a:p>
@@ -16526,7 +16738,7 @@
             </a:pPr>
             <a:r>
               <a:rPr lang="en" sz="1500"/>
-              <a:t>The Individual Donation reports contained data that was tracked based on an individual’s donation contribution to a particular candidate. Each row highlights the donation amount, the donor's State, City, and ZIP Code and the date each transaction was made. The following transactions contained an estimated amount of 65,000 records of tracked donations per election year.</a:t>
+              <a:t>The Individual Donation reports contained data that was tracked based on an individual’s donation contribution to a particular candidate. Each row highlights the donation amount, the donor's State, City, and ZIP Code and the date each transaction was made. The following transactions contained around 65,000 records of tracked donations per election year.</a:t>
             </a:r>
             <a:endParaRPr sz="1500"/>
           </a:p>
@@ -16645,65 +16857,20 @@
           </a:bodyPr>
           <a:lstStyle/>
           <a:p>
-            <a:pPr indent="-323850" lvl="0" marL="457200" rtl="0" algn="l">
-              <a:spcBef>
-                <a:spcPts val="0"/>
-              </a:spcBef>
-              <a:spcAft>
-                <a:spcPts val="0"/>
-              </a:spcAft>
-              <a:buSzPts val="1500"/>
-              <a:buChar char="●"/>
-            </a:pPr>
-            <a:r>
-              <a:rPr lang="en" sz="1500"/>
-              <a:t>The Expenditure report tracked each participating candidate per election year expenditure spending during their campaigning. Some highlighted records that were tracked are Television and Radio advertisements, Professional Services, Campaign Worker Salaries, Polling Costs, and many others. The following expenditure transactions were tracked by the location of the transaction that included the amount, date of transaction, City, State, and ZIP Codes. The Expenditure reports contained an average amount of 12,000 tracked transactions per election year.</a:t>
-            </a:r>
-            <a:endParaRPr sz="1500"/>
-          </a:p>
-          <a:p>
-            <a:pPr indent="-323850" lvl="0" marL="457200" rtl="0" algn="l">
-              <a:lnSpc>
-                <a:spcPct val="100000"/>
-              </a:lnSpc>
-              <a:spcBef>
-                <a:spcPts val="0"/>
-              </a:spcBef>
-              <a:spcAft>
-                <a:spcPts val="0"/>
-              </a:spcAft>
-              <a:buSzPts val="1500"/>
-              <a:buChar char="●"/>
-            </a:pPr>
-            <a:r>
-              <a:rPr lang="en" sz="1500"/>
-              <a:t>Data Resources:</a:t>
-            </a:r>
-            <a:endParaRPr sz="1500"/>
-          </a:p>
-          <a:p>
-            <a:pPr indent="0" lvl="0" marL="457200" rtl="0" algn="l">
-              <a:lnSpc>
-                <a:spcPct val="100000"/>
-              </a:lnSpc>
-              <a:spcBef>
+            <a:pPr indent="0" lvl="0" marL="0" rtl="0" algn="l">
+              <a:spcBef>
+                <a:spcPts val="0"/>
+              </a:spcBef>
+              <a:spcAft>
                 <a:spcPts val="1200"/>
-              </a:spcBef>
-              <a:spcAft>
-                <a:spcPts val="1200"/>
-              </a:spcAft>
-              <a:buNone/>
-            </a:pPr>
-            <a:r>
-              <a:rPr lang="en" sz="1500" u="sng">
-                <a:solidFill>
-                  <a:schemeClr val="hlink"/>
-                </a:solidFill>
-                <a:hlinkClick r:id="rId3"/>
-              </a:rPr>
-              <a:t>https://www.nyccfb.info/follow-the-money/data-library/</a:t>
-            </a:r>
-            <a:endParaRPr sz="1500"/>
+              </a:spcAft>
+              <a:buNone/>
+            </a:pPr>
+            <a:r>
+              <a:rPr lang="en" sz="1600"/>
+              <a:t>The Expenditure report tracked each participating candidate per election year expenditure spending during their campaign. Some highlighted records that were tracked are Television and Radio advertisements, Professional Services, Campaign Worker Salaries, Polling Costs, and many others. These expenditure transactions were tracked by their location and includes the amount, date of transaction, City, State, and ZIP codes. The Expenditure reports contained an average amount of 12,000 tracked transactions per election year.</a:t>
+            </a:r>
+            <a:endParaRPr sz="1600"/>
           </a:p>
         </p:txBody>
       </p:sp>

--- a/Presentation/Group5Presentation.pptx
+++ b/Presentation/Group5Presentation.pptx
@@ -2970,8 +2970,8 @@
         </p:nvSpPr>
         <p:spPr>
           <a:xfrm>
-            <a:off x="381188" y="685800"/>
-            <a:ext cx="6096300" cy="3429000"/>
+            <a:off x="381000" y="685800"/>
+            <a:ext cx="6096000" cy="3429000"/>
           </a:xfrm>
           <a:custGeom>
             <a:avLst/>
@@ -14133,14 +14133,14 @@
               <a:buNone/>
             </a:pPr>
             <a:r>
-              <a:rPr lang="en" sz="2000" b="1">
+              <a:rPr lang="en" sz="2000" b="1" dirty="0">
                 <a:solidFill>
                   <a:schemeClr val="accent3"/>
                 </a:solidFill>
               </a:rPr>
               <a:t>Encoding</a:t>
             </a:r>
-            <a:endParaRPr sz="2000" b="1">
+            <a:endParaRPr sz="2000" b="1" dirty="0">
               <a:solidFill>
                 <a:schemeClr val="accent3"/>
               </a:solidFill>
@@ -14157,10 +14157,42 @@
               <a:buNone/>
             </a:pPr>
             <a:r>
-              <a:rPr lang="en" sz="1600"/>
-              <a:t>To encode our data we used sklearn's LabelEncoder. We encoded all non-numerical data within our dataset with sklearn's fit_transform function to ensure our model would be able to read it. We did not encode the amount, matched amount, expenditures, and total amount, as we needed them unencoded to be able to visually analyze our data and there did not seem to be any major effects to our model without such encoding.</a:t>
+              <a:rPr lang="en" sz="1600" dirty="0"/>
+              <a:t>To encode our data we used </a:t>
             </a:r>
-            <a:endParaRPr sz="1600"/>
+            <a:r>
+              <a:rPr lang="en" sz="1600" dirty="0" err="1"/>
+              <a:t>sklearn's</a:t>
+            </a:r>
+            <a:r>
+              <a:rPr lang="en" sz="1600" dirty="0"/>
+              <a:t> </a:t>
+            </a:r>
+            <a:r>
+              <a:rPr lang="en" sz="1600" dirty="0" err="1"/>
+              <a:t>LabelEncoder</a:t>
+            </a:r>
+            <a:r>
+              <a:rPr lang="en" sz="1600" dirty="0"/>
+              <a:t>. We encoded all non-numerical data within our dataset with </a:t>
+            </a:r>
+            <a:r>
+              <a:rPr lang="en" sz="1600" dirty="0" err="1"/>
+              <a:t>sklearn's</a:t>
+            </a:r>
+            <a:r>
+              <a:rPr lang="en" sz="1600" dirty="0"/>
+              <a:t> </a:t>
+            </a:r>
+            <a:r>
+              <a:rPr lang="en" sz="1600" dirty="0" err="1"/>
+              <a:t>fit_transform</a:t>
+            </a:r>
+            <a:r>
+              <a:rPr lang="en" sz="1600" dirty="0"/>
+              <a:t> function to ensure our model would be able to read it. </a:t>
+            </a:r>
+            <a:endParaRPr sz="1600" dirty="0"/>
           </a:p>
         </p:txBody>
       </p:sp>
@@ -14993,7 +15025,7 @@
           <p:nvPr>
             <p:extLst>
               <p:ext uri="{D42A27DB-BD31-4B8C-83A1-F6EECF244321}">
-                <p14:modId xmlns:p14="http://schemas.microsoft.com/office/powerpoint/2010/main" val="3092642599"/>
+                <p14:modId xmlns:p14="http://schemas.microsoft.com/office/powerpoint/2010/main" val="2249546862"/>
               </p:ext>
             </p:extLst>
           </p:nvPr>
@@ -15281,9 +15313,10 @@
                     <a:lstStyle/>
                     <a:p>
                       <a:r>
-                        <a:rPr lang="en-US" dirty="0"/>
-                        <a:t>0</a:t>
+                        <a:rPr lang="en-US"/>
+                        <a:t>0.013</a:t>
                       </a:r>
+                      <a:endParaRPr lang="en-US" dirty="0"/>
                     </a:p>
                   </a:txBody>
                   <a:tcPr/>

--- a/Presentation/Group5Presentation.pptx
+++ b/Presentation/Group5Presentation.pptx
@@ -48,25 +48,23 @@
     <p:sldId id="293" r:id="rId44"/>
     <p:sldId id="294" r:id="rId45"/>
     <p:sldId id="295" r:id="rId46"/>
-    <p:sldId id="296" r:id="rId47"/>
-    <p:sldId id="297" r:id="rId48"/>
   </p:sldIdLst>
   <p:sldSz cy="5143500" cx="9144000"/>
   <p:notesSz cx="6858000" cy="9144000"/>
   <p:embeddedFontLst>
     <p:embeddedFont>
       <p:font typeface="Raleway"/>
-      <p:regular r:id="rId49"/>
-      <p:bold r:id="rId50"/>
-      <p:italic r:id="rId51"/>
-      <p:boldItalic r:id="rId52"/>
+      <p:regular r:id="rId47"/>
+      <p:bold r:id="rId48"/>
+      <p:italic r:id="rId49"/>
+      <p:boldItalic r:id="rId50"/>
     </p:embeddedFont>
     <p:embeddedFont>
       <p:font typeface="Lato"/>
-      <p:regular r:id="rId53"/>
-      <p:bold r:id="rId54"/>
-      <p:italic r:id="rId55"/>
-      <p:boldItalic r:id="rId56"/>
+      <p:regular r:id="rId51"/>
+      <p:bold r:id="rId52"/>
+      <p:italic r:id="rId53"/>
+      <p:boldItalic r:id="rId54"/>
     </p:embeddedFont>
   </p:embeddedFontLst>
   <p:defaultTextStyle>
@@ -4164,204 +4162,6 @@
       <p:sp>
         <p:nvSpPr>
           <p:cNvPr id="302" name="Google Shape;302;gf0e284b87c_2_79:notes"/>
-          <p:cNvSpPr txBox="1"/>
-          <p:nvPr>
-            <p:ph idx="1" type="body"/>
-          </p:nvPr>
-        </p:nvSpPr>
-        <p:spPr>
-          <a:xfrm>
-            <a:off x="685800" y="4343400"/>
-            <a:ext cx="5486400" cy="4114800"/>
-          </a:xfrm>
-          <a:prstGeom prst="rect">
-            <a:avLst/>
-          </a:prstGeom>
-        </p:spPr>
-        <p:txBody>
-          <a:bodyPr anchorCtr="0" anchor="t" bIns="91425" lIns="91425" spcFirstLastPara="1" rIns="91425" wrap="square" tIns="91425">
-            <a:noAutofit/>
-          </a:bodyPr>
-          <a:lstStyle/>
-          <a:p>
-            <a:pPr indent="0" lvl="0" marL="0" rtl="0" algn="l">
-              <a:spcBef>
-                <a:spcPts val="0"/>
-              </a:spcBef>
-              <a:spcAft>
-                <a:spcPts val="0"/>
-              </a:spcAft>
-              <a:buNone/>
-            </a:pPr>
-            <a:r>
-              <a:t/>
-            </a:r>
-            <a:endParaRPr/>
-          </a:p>
-        </p:txBody>
-      </p:sp>
-    </p:spTree>
-  </p:cSld>
-  <p:clrMapOvr>
-    <a:masterClrMapping/>
-  </p:clrMapOvr>
-</p:notes>
-</file>
-
-<file path=ppt/notesSlides/notesSlide41.xml><?xml version="1.0" encoding="utf-8"?>
-<p:notes xmlns:a="http://schemas.openxmlformats.org/drawingml/2006/main" xmlns:r="http://schemas.openxmlformats.org/officeDocument/2006/relationships" xmlns:mc="http://schemas.openxmlformats.org/markup-compatibility/2006" xmlns:mv="urn:schemas-microsoft-com:mac:vml" xmlns:p="http://schemas.openxmlformats.org/presentationml/2006/main" xmlns:c="http://schemas.openxmlformats.org/drawingml/2006/chart" xmlns:dgm="http://schemas.openxmlformats.org/drawingml/2006/diagram" xmlns:o="urn:schemas-microsoft-com:office:office" xmlns:v="urn:schemas-microsoft-com:vml" xmlns:pvml="urn:schemas-microsoft-com:office:powerpoint" xmlns:com="http://schemas.openxmlformats.org/drawingml/2006/compatibility" xmlns:p14="http://schemas.microsoft.com/office/powerpoint/2010/main" xmlns:p15="http://schemas.microsoft.com/office/powerpoint/2012/main" xmlns:ahyp="http://schemas.microsoft.com/office/drawing/2018/hyperlinkcolor" showMasterPhAnim="0" showMasterSp="0">
-  <p:cSld>
-    <p:spTree>
-      <p:nvGrpSpPr>
-        <p:cNvPr id="306" name="Shape 306"/>
-        <p:cNvGrpSpPr/>
-        <p:nvPr/>
-      </p:nvGrpSpPr>
-      <p:grpSpPr>
-        <a:xfrm>
-          <a:off x="0" y="0"/>
-          <a:ext cx="0" cy="0"/>
-          <a:chOff x="0" y="0"/>
-          <a:chExt cx="0" cy="0"/>
-        </a:xfrm>
-      </p:grpSpPr>
-      <p:sp>
-        <p:nvSpPr>
-          <p:cNvPr id="307" name="Google Shape;307;gc6fa3c898_0_65:notes"/>
-          <p:cNvSpPr/>
-          <p:nvPr>
-            <p:ph idx="2" type="sldImg"/>
-          </p:nvPr>
-        </p:nvSpPr>
-        <p:spPr>
-          <a:xfrm>
-            <a:off x="381188" y="685800"/>
-            <a:ext cx="6096300" cy="3429000"/>
-          </a:xfrm>
-          <a:custGeom>
-            <a:rect b="b" l="l" r="r" t="t"/>
-            <a:pathLst>
-              <a:path extrusionOk="0" h="120000" w="120000">
-                <a:moveTo>
-                  <a:pt x="0" y="0"/>
-                </a:moveTo>
-                <a:lnTo>
-                  <a:pt x="120000" y="0"/>
-                </a:lnTo>
-                <a:lnTo>
-                  <a:pt x="120000" y="120000"/>
-                </a:lnTo>
-                <a:lnTo>
-                  <a:pt x="0" y="120000"/>
-                </a:lnTo>
-                <a:close/>
-              </a:path>
-            </a:pathLst>
-          </a:custGeom>
-        </p:spPr>
-      </p:sp>
-      <p:sp>
-        <p:nvSpPr>
-          <p:cNvPr id="308" name="Google Shape;308;gc6fa3c898_0_65:notes"/>
-          <p:cNvSpPr txBox="1"/>
-          <p:nvPr>
-            <p:ph idx="1" type="body"/>
-          </p:nvPr>
-        </p:nvSpPr>
-        <p:spPr>
-          <a:xfrm>
-            <a:off x="685800" y="4343400"/>
-            <a:ext cx="5486400" cy="4114800"/>
-          </a:xfrm>
-          <a:prstGeom prst="rect">
-            <a:avLst/>
-          </a:prstGeom>
-        </p:spPr>
-        <p:txBody>
-          <a:bodyPr anchorCtr="0" anchor="t" bIns="91425" lIns="91425" spcFirstLastPara="1" rIns="91425" wrap="square" tIns="91425">
-            <a:noAutofit/>
-          </a:bodyPr>
-          <a:lstStyle/>
-          <a:p>
-            <a:pPr indent="0" lvl="0" marL="0" rtl="0" algn="l">
-              <a:spcBef>
-                <a:spcPts val="0"/>
-              </a:spcBef>
-              <a:spcAft>
-                <a:spcPts val="0"/>
-              </a:spcAft>
-              <a:buNone/>
-            </a:pPr>
-            <a:r>
-              <a:t/>
-            </a:r>
-            <a:endParaRPr/>
-          </a:p>
-        </p:txBody>
-      </p:sp>
-    </p:spTree>
-  </p:cSld>
-  <p:clrMapOvr>
-    <a:masterClrMapping/>
-  </p:clrMapOvr>
-</p:notes>
-</file>
-
-<file path=ppt/notesSlides/notesSlide42.xml><?xml version="1.0" encoding="utf-8"?>
-<p:notes xmlns:a="http://schemas.openxmlformats.org/drawingml/2006/main" xmlns:r="http://schemas.openxmlformats.org/officeDocument/2006/relationships" xmlns:mc="http://schemas.openxmlformats.org/markup-compatibility/2006" xmlns:mv="urn:schemas-microsoft-com:mac:vml" xmlns:p="http://schemas.openxmlformats.org/presentationml/2006/main" xmlns:c="http://schemas.openxmlformats.org/drawingml/2006/chart" xmlns:dgm="http://schemas.openxmlformats.org/drawingml/2006/diagram" xmlns:o="urn:schemas-microsoft-com:office:office" xmlns:v="urn:schemas-microsoft-com:vml" xmlns:pvml="urn:schemas-microsoft-com:office:powerpoint" xmlns:com="http://schemas.openxmlformats.org/drawingml/2006/compatibility" xmlns:p14="http://schemas.microsoft.com/office/powerpoint/2010/main" xmlns:p15="http://schemas.microsoft.com/office/powerpoint/2012/main" xmlns:ahyp="http://schemas.microsoft.com/office/drawing/2018/hyperlinkcolor" showMasterPhAnim="0" showMasterSp="0">
-  <p:cSld>
-    <p:spTree>
-      <p:nvGrpSpPr>
-        <p:cNvPr id="312" name="Shape 312"/>
-        <p:cNvGrpSpPr/>
-        <p:nvPr/>
-      </p:nvGrpSpPr>
-      <p:grpSpPr>
-        <a:xfrm>
-          <a:off x="0" y="0"/>
-          <a:ext cx="0" cy="0"/>
-          <a:chOff x="0" y="0"/>
-          <a:chExt cx="0" cy="0"/>
-        </a:xfrm>
-      </p:grpSpPr>
-      <p:sp>
-        <p:nvSpPr>
-          <p:cNvPr id="313" name="Google Shape;313;gc6fa3c898_0_70:notes"/>
-          <p:cNvSpPr/>
-          <p:nvPr>
-            <p:ph idx="2" type="sldImg"/>
-          </p:nvPr>
-        </p:nvSpPr>
-        <p:spPr>
-          <a:xfrm>
-            <a:off x="381188" y="685800"/>
-            <a:ext cx="6096300" cy="3429000"/>
-          </a:xfrm>
-          <a:custGeom>
-            <a:rect b="b" l="l" r="r" t="t"/>
-            <a:pathLst>
-              <a:path extrusionOk="0" h="120000" w="120000">
-                <a:moveTo>
-                  <a:pt x="0" y="0"/>
-                </a:moveTo>
-                <a:lnTo>
-                  <a:pt x="120000" y="0"/>
-                </a:lnTo>
-                <a:lnTo>
-                  <a:pt x="120000" y="120000"/>
-                </a:lnTo>
-                <a:lnTo>
-                  <a:pt x="0" y="120000"/>
-                </a:lnTo>
-                <a:close/>
-              </a:path>
-            </a:pathLst>
-          </a:custGeom>
-        </p:spPr>
-      </p:sp>
-      <p:sp>
-        <p:nvSpPr>
-          <p:cNvPr id="314" name="Google Shape;314;gc6fa3c898_0_70:notes"/>
           <p:cNvSpPr txBox="1"/>
           <p:nvPr>
             <p:ph idx="1" type="body"/>
@@ -13286,18 +13086,17 @@
           <p:cNvPicPr preferRelativeResize="0"/>
           <p:nvPr/>
         </p:nvPicPr>
-        <p:blipFill>
+        <p:blipFill rotWithShape="1">
           <a:blip r:embed="rId3">
             <a:alphaModFix/>
           </a:blip>
-          <a:stretch>
-            <a:fillRect/>
-          </a:stretch>
+          <a:srcRect b="0" l="1162" r="1152" t="0"/>
+          <a:stretch/>
         </p:blipFill>
         <p:spPr>
           <a:xfrm>
             <a:off x="2480162" y="1211349"/>
-            <a:ext cx="6467850" cy="3132900"/>
+            <a:ext cx="6467850" cy="3132901"/>
           </a:xfrm>
           <a:prstGeom prst="rect">
             <a:avLst/>
@@ -14707,7 +14506,7 @@
             <a:tbl>
               <a:tblPr>
                 <a:noFill/>
-                <a:tableStyleId>{923854F0-9E2A-48B8-B811-5DDC342682C7}</a:tableStyleId>
+                <a:tableStyleId>{49E93616-E1E0-4F96-AE35-F13D5B61E6D2}</a:tableStyleId>
               </a:tblPr>
               <a:tblGrid>
                 <a:gridCol w="1158250"/>
@@ -15877,398 +15676,6 @@
           </a:ln>
         </p:spPr>
       </p:pic>
-    </p:spTree>
-  </p:cSld>
-  <p:clrMapOvr>
-    <a:masterClrMapping/>
-  </p:clrMapOvr>
-</p:sld>
-</file>
-
-<file path=ppt/slides/slide41.xml><?xml version="1.0" encoding="utf-8"?>
-<p:sld xmlns:a="http://schemas.openxmlformats.org/drawingml/2006/main" xmlns:r="http://schemas.openxmlformats.org/officeDocument/2006/relationships" xmlns:mc="http://schemas.openxmlformats.org/markup-compatibility/2006" xmlns:mv="urn:schemas-microsoft-com:mac:vml" xmlns:p="http://schemas.openxmlformats.org/presentationml/2006/main" xmlns:c="http://schemas.openxmlformats.org/drawingml/2006/chart" xmlns:dgm="http://schemas.openxmlformats.org/drawingml/2006/diagram" xmlns:o="urn:schemas-microsoft-com:office:office" xmlns:v="urn:schemas-microsoft-com:vml" xmlns:pvml="urn:schemas-microsoft-com:office:powerpoint" xmlns:com="http://schemas.openxmlformats.org/drawingml/2006/compatibility" xmlns:p14="http://schemas.microsoft.com/office/powerpoint/2010/main" xmlns:p15="http://schemas.microsoft.com/office/powerpoint/2012/main" xmlns:ahyp="http://schemas.microsoft.com/office/drawing/2018/hyperlinkcolor">
-  <p:cSld>
-    <p:spTree>
-      <p:nvGrpSpPr>
-        <p:cNvPr id="309" name="Shape 309"/>
-        <p:cNvGrpSpPr/>
-        <p:nvPr/>
-      </p:nvGrpSpPr>
-      <p:grpSpPr>
-        <a:xfrm>
-          <a:off x="0" y="0"/>
-          <a:ext cx="0" cy="0"/>
-          <a:chOff x="0" y="0"/>
-          <a:chExt cx="0" cy="0"/>
-        </a:xfrm>
-      </p:grpSpPr>
-      <p:sp>
-        <p:nvSpPr>
-          <p:cNvPr id="310" name="Google Shape;310;p53"/>
-          <p:cNvSpPr txBox="1"/>
-          <p:nvPr>
-            <p:ph type="title"/>
-          </p:nvPr>
-        </p:nvSpPr>
-        <p:spPr>
-          <a:xfrm>
-            <a:off x="2400250" y="575950"/>
-            <a:ext cx="6321600" cy="635400"/>
-          </a:xfrm>
-          <a:prstGeom prst="rect">
-            <a:avLst/>
-          </a:prstGeom>
-        </p:spPr>
-        <p:txBody>
-          <a:bodyPr anchorCtr="0" anchor="t" bIns="91425" lIns="91425" spcFirstLastPara="1" rIns="91425" wrap="square" tIns="91425">
-            <a:noAutofit/>
-          </a:bodyPr>
-          <a:lstStyle/>
-          <a:p>
-            <a:pPr indent="0" lvl="0" marL="0" rtl="0" algn="l">
-              <a:spcBef>
-                <a:spcPts val="0"/>
-              </a:spcBef>
-              <a:spcAft>
-                <a:spcPts val="0"/>
-              </a:spcAft>
-              <a:buNone/>
-            </a:pPr>
-            <a:r>
-              <a:rPr lang="en"/>
-              <a:t>Reserved for data summary</a:t>
-            </a:r>
-            <a:endParaRPr/>
-          </a:p>
-        </p:txBody>
-      </p:sp>
-      <p:sp>
-        <p:nvSpPr>
-          <p:cNvPr id="311" name="Google Shape;311;p53"/>
-          <p:cNvSpPr txBox="1"/>
-          <p:nvPr>
-            <p:ph idx="1" type="body"/>
-          </p:nvPr>
-        </p:nvSpPr>
-        <p:spPr>
-          <a:xfrm>
-            <a:off x="2410112" y="1595776"/>
-            <a:ext cx="6321600" cy="3002400"/>
-          </a:xfrm>
-          <a:prstGeom prst="rect">
-            <a:avLst/>
-          </a:prstGeom>
-        </p:spPr>
-        <p:txBody>
-          <a:bodyPr anchorCtr="0" anchor="t" bIns="91425" lIns="91425" spcFirstLastPara="1" rIns="91425" wrap="square" tIns="91425">
-            <a:noAutofit/>
-          </a:bodyPr>
-          <a:lstStyle/>
-          <a:p>
-            <a:pPr indent="0" lvl="0" marL="0" rtl="0" algn="l">
-              <a:spcBef>
-                <a:spcPts val="0"/>
-              </a:spcBef>
-              <a:spcAft>
-                <a:spcPts val="0"/>
-              </a:spcAft>
-              <a:buNone/>
-            </a:pPr>
-            <a:r>
-              <a:rPr b="1" lang="en" sz="2100">
-                <a:solidFill>
-                  <a:schemeClr val="accent3"/>
-                </a:solidFill>
-              </a:rPr>
-              <a:t>Assignment 1</a:t>
-            </a:r>
-            <a:endParaRPr b="1" sz="2100">
-              <a:solidFill>
-                <a:schemeClr val="accent3"/>
-              </a:solidFill>
-            </a:endParaRPr>
-          </a:p>
-          <a:p>
-            <a:pPr indent="0" lvl="0" marL="0" rtl="0" algn="l">
-              <a:spcBef>
-                <a:spcPts val="0"/>
-              </a:spcBef>
-              <a:spcAft>
-                <a:spcPts val="0"/>
-              </a:spcAft>
-              <a:buNone/>
-            </a:pPr>
-            <a:r>
-              <a:rPr lang="en" sz="1600"/>
-              <a:t>Lorem ipsum dolor sit amet</a:t>
-            </a:r>
-            <a:endParaRPr sz="1600"/>
-          </a:p>
-          <a:p>
-            <a:pPr indent="0" lvl="0" marL="0" rtl="0" algn="l">
-              <a:spcBef>
-                <a:spcPts val="0"/>
-              </a:spcBef>
-              <a:spcAft>
-                <a:spcPts val="0"/>
-              </a:spcAft>
-              <a:buNone/>
-            </a:pPr>
-            <a:r>
-              <a:rPr lang="en" sz="1600"/>
-              <a:t>Consectetur adipiscing elit, sed do eiusmod tempor</a:t>
-            </a:r>
-            <a:endParaRPr sz="1600"/>
-          </a:p>
-          <a:p>
-            <a:pPr indent="0" lvl="0" marL="0" rtl="0" algn="l">
-              <a:spcBef>
-                <a:spcPts val="1600"/>
-              </a:spcBef>
-              <a:spcAft>
-                <a:spcPts val="0"/>
-              </a:spcAft>
-              <a:buNone/>
-            </a:pPr>
-            <a:r>
-              <a:rPr b="1" lang="en" sz="2100">
-                <a:solidFill>
-                  <a:schemeClr val="accent3"/>
-                </a:solidFill>
-              </a:rPr>
-              <a:t>Assignment 2</a:t>
-            </a:r>
-            <a:endParaRPr b="1" sz="2100">
-              <a:solidFill>
-                <a:schemeClr val="accent3"/>
-              </a:solidFill>
-            </a:endParaRPr>
-          </a:p>
-          <a:p>
-            <a:pPr indent="0" lvl="0" marL="0" rtl="0" algn="l">
-              <a:spcBef>
-                <a:spcPts val="0"/>
-              </a:spcBef>
-              <a:spcAft>
-                <a:spcPts val="0"/>
-              </a:spcAft>
-              <a:buNone/>
-            </a:pPr>
-            <a:r>
-              <a:rPr lang="en" sz="1600"/>
-              <a:t>Lorem ipsum dolor sit amet</a:t>
-            </a:r>
-            <a:endParaRPr sz="1600"/>
-          </a:p>
-          <a:p>
-            <a:pPr indent="0" lvl="0" marL="0" rtl="0" algn="l">
-              <a:spcBef>
-                <a:spcPts val="1600"/>
-              </a:spcBef>
-              <a:spcAft>
-                <a:spcPts val="0"/>
-              </a:spcAft>
-              <a:buNone/>
-            </a:pPr>
-            <a:r>
-              <a:rPr b="1" lang="en" sz="2100">
-                <a:solidFill>
-                  <a:schemeClr val="accent3"/>
-                </a:solidFill>
-              </a:rPr>
-              <a:t>Assignment 3</a:t>
-            </a:r>
-            <a:endParaRPr b="1" sz="2100">
-              <a:solidFill>
-                <a:schemeClr val="accent3"/>
-              </a:solidFill>
-            </a:endParaRPr>
-          </a:p>
-          <a:p>
-            <a:pPr indent="0" lvl="0" marL="0" rtl="0" algn="l">
-              <a:spcBef>
-                <a:spcPts val="0"/>
-              </a:spcBef>
-              <a:spcAft>
-                <a:spcPts val="0"/>
-              </a:spcAft>
-              <a:buNone/>
-            </a:pPr>
-            <a:r>
-              <a:rPr lang="en" sz="1600"/>
-              <a:t>Consectetur adipiscing elit, sed do eiusmod tempor</a:t>
-            </a:r>
-            <a:endParaRPr sz="1600"/>
-          </a:p>
-          <a:p>
-            <a:pPr indent="0" lvl="0" marL="0" rtl="0" algn="l">
-              <a:spcBef>
-                <a:spcPts val="1200"/>
-              </a:spcBef>
-              <a:spcAft>
-                <a:spcPts val="1600"/>
-              </a:spcAft>
-              <a:buNone/>
-            </a:pPr>
-            <a:r>
-              <a:t/>
-            </a:r>
-            <a:endParaRPr sz="2400"/>
-          </a:p>
-        </p:txBody>
-      </p:sp>
-    </p:spTree>
-  </p:cSld>
-  <p:clrMapOvr>
-    <a:masterClrMapping/>
-  </p:clrMapOvr>
-</p:sld>
-</file>
-
-<file path=ppt/slides/slide42.xml><?xml version="1.0" encoding="utf-8"?>
-<p:sld xmlns:a="http://schemas.openxmlformats.org/drawingml/2006/main" xmlns:r="http://schemas.openxmlformats.org/officeDocument/2006/relationships" xmlns:mc="http://schemas.openxmlformats.org/markup-compatibility/2006" xmlns:mv="urn:schemas-microsoft-com:mac:vml" xmlns:p="http://schemas.openxmlformats.org/presentationml/2006/main" xmlns:c="http://schemas.openxmlformats.org/drawingml/2006/chart" xmlns:dgm="http://schemas.openxmlformats.org/drawingml/2006/diagram" xmlns:o="urn:schemas-microsoft-com:office:office" xmlns:v="urn:schemas-microsoft-com:vml" xmlns:pvml="urn:schemas-microsoft-com:office:powerpoint" xmlns:com="http://schemas.openxmlformats.org/drawingml/2006/compatibility" xmlns:p14="http://schemas.microsoft.com/office/powerpoint/2010/main" xmlns:p15="http://schemas.microsoft.com/office/powerpoint/2012/main" xmlns:ahyp="http://schemas.microsoft.com/office/drawing/2018/hyperlinkcolor">
-  <p:cSld>
-    <p:spTree>
-      <p:nvGrpSpPr>
-        <p:cNvPr id="315" name="Shape 315"/>
-        <p:cNvGrpSpPr/>
-        <p:nvPr/>
-      </p:nvGrpSpPr>
-      <p:grpSpPr>
-        <a:xfrm>
-          <a:off x="0" y="0"/>
-          <a:ext cx="0" cy="0"/>
-          <a:chOff x="0" y="0"/>
-          <a:chExt cx="0" cy="0"/>
-        </a:xfrm>
-      </p:grpSpPr>
-      <p:sp>
-        <p:nvSpPr>
-          <p:cNvPr id="316" name="Google Shape;316;p54"/>
-          <p:cNvSpPr txBox="1"/>
-          <p:nvPr>
-            <p:ph type="title"/>
-          </p:nvPr>
-        </p:nvSpPr>
-        <p:spPr>
-          <a:xfrm>
-            <a:off x="265500" y="1912650"/>
-            <a:ext cx="4045200" cy="1318200"/>
-          </a:xfrm>
-          <a:prstGeom prst="rect">
-            <a:avLst/>
-          </a:prstGeom>
-        </p:spPr>
-        <p:txBody>
-          <a:bodyPr anchorCtr="0" anchor="ctr" bIns="91425" lIns="91425" spcFirstLastPara="1" rIns="91425" wrap="square" tIns="91425">
-            <a:noAutofit/>
-          </a:bodyPr>
-          <a:lstStyle/>
-          <a:p>
-            <a:pPr indent="0" lvl="0" marL="0" rtl="0" algn="ctr">
-              <a:spcBef>
-                <a:spcPts val="0"/>
-              </a:spcBef>
-              <a:spcAft>
-                <a:spcPts val="0"/>
-              </a:spcAft>
-              <a:buNone/>
-            </a:pPr>
-            <a:r>
-              <a:rPr lang="en">
-                <a:solidFill>
-                  <a:schemeClr val="accent3"/>
-                </a:solidFill>
-              </a:rPr>
-              <a:t>Summary</a:t>
-            </a:r>
-            <a:endParaRPr>
-              <a:solidFill>
-                <a:schemeClr val="accent3"/>
-              </a:solidFill>
-            </a:endParaRPr>
-          </a:p>
-        </p:txBody>
-      </p:sp>
-      <p:sp>
-        <p:nvSpPr>
-          <p:cNvPr id="317" name="Google Shape;317;p54"/>
-          <p:cNvSpPr txBox="1"/>
-          <p:nvPr>
-            <p:ph idx="2" type="body"/>
-          </p:nvPr>
-        </p:nvSpPr>
-        <p:spPr>
-          <a:xfrm>
-            <a:off x="4939500" y="724200"/>
-            <a:ext cx="3837000" cy="3695100"/>
-          </a:xfrm>
-          <a:prstGeom prst="rect">
-            <a:avLst/>
-          </a:prstGeom>
-        </p:spPr>
-        <p:txBody>
-          <a:bodyPr anchorCtr="0" anchor="ctr" bIns="91425" lIns="91425" spcFirstLastPara="1" rIns="91425" wrap="square" tIns="91425">
-            <a:noAutofit/>
-          </a:bodyPr>
-          <a:lstStyle/>
-          <a:p>
-            <a:pPr indent="-342900" lvl="0" marL="457200" rtl="0" algn="l">
-              <a:spcBef>
-                <a:spcPts val="0"/>
-              </a:spcBef>
-              <a:spcAft>
-                <a:spcPts val="0"/>
-              </a:spcAft>
-              <a:buSzPts val="1800"/>
-              <a:buAutoNum type="arabicPeriod"/>
-            </a:pPr>
-            <a:r>
-              <a:rPr lang="en"/>
-              <a:t>There exists/does not exist a relationship...</a:t>
-            </a:r>
-            <a:endParaRPr/>
-          </a:p>
-          <a:p>
-            <a:pPr indent="-342900" lvl="0" marL="457200" rtl="0" algn="l">
-              <a:spcBef>
-                <a:spcPts val="1600"/>
-              </a:spcBef>
-              <a:spcAft>
-                <a:spcPts val="0"/>
-              </a:spcAft>
-              <a:buSzPts val="1800"/>
-              <a:buAutoNum type="arabicPeriod"/>
-            </a:pPr>
-            <a:r>
-              <a:rPr lang="en"/>
-              <a:t>Occupations and industries associated with winning candidates include…</a:t>
-            </a:r>
-            <a:r>
-              <a:rPr lang="en"/>
-              <a:t>,</a:t>
-            </a:r>
-            <a:endParaRPr/>
-          </a:p>
-          <a:p>
-            <a:pPr indent="-342900" lvl="0" marL="457200" rtl="0" algn="l">
-              <a:spcBef>
-                <a:spcPts val="1600"/>
-              </a:spcBef>
-              <a:spcAft>
-                <a:spcPts val="1600"/>
-              </a:spcAft>
-              <a:buSzPts val="1800"/>
-              <a:buAutoNum type="arabicPeriod"/>
-            </a:pPr>
-            <a:r>
-              <a:rPr lang="en"/>
-              <a:t>Occupations and industries associated with losing candidates include…,</a:t>
-            </a:r>
-            <a:endParaRPr/>
-          </a:p>
-        </p:txBody>
-      </p:sp>
     </p:spTree>
   </p:cSld>
   <p:clrMapOvr>
